--- a/SnakeBitePresentation.pptx
+++ b/SnakeBitePresentation.pptx
@@ -7,15 +7,17 @@
   <p:sldIdLst>
     <p:sldId id="256" r:id="rId2"/>
     <p:sldId id="257" r:id="rId3"/>
-    <p:sldId id="265" r:id="rId4"/>
-    <p:sldId id="266" r:id="rId5"/>
-    <p:sldId id="258" r:id="rId6"/>
-    <p:sldId id="259" r:id="rId7"/>
-    <p:sldId id="260" r:id="rId8"/>
-    <p:sldId id="261" r:id="rId9"/>
-    <p:sldId id="262" r:id="rId10"/>
-    <p:sldId id="263" r:id="rId11"/>
-    <p:sldId id="264" r:id="rId12"/>
+    <p:sldId id="267" r:id="rId4"/>
+    <p:sldId id="265" r:id="rId5"/>
+    <p:sldId id="266" r:id="rId6"/>
+    <p:sldId id="268" r:id="rId7"/>
+    <p:sldId id="258" r:id="rId8"/>
+    <p:sldId id="259" r:id="rId9"/>
+    <p:sldId id="260" r:id="rId10"/>
+    <p:sldId id="261" r:id="rId11"/>
+    <p:sldId id="262" r:id="rId12"/>
+    <p:sldId id="263" r:id="rId13"/>
+    <p:sldId id="264" r:id="rId14"/>
   </p:sldIdLst>
   <p:sldSz cx="12192000" cy="6858000"/>
   <p:notesSz cx="6858000" cy="9144000"/>
@@ -5961,6 +5963,210 @@
           <p:cNvPr id="2" name="Title 1">
             <a:extLst>
               <a:ext uri="{FF2B5EF4-FFF2-40B4-BE49-F238E27FC236}">
+                <a16:creationId xmlns:a16="http://schemas.microsoft.com/office/drawing/2014/main" id="{455E15F1-4C8E-4060-A3D7-6D5C3FA63DA5}"/>
+              </a:ext>
+            </a:extLst>
+          </p:cNvPr>
+          <p:cNvSpPr>
+            <a:spLocks noGrp="1"/>
+          </p:cNvSpPr>
+          <p:nvPr>
+            <p:ph type="title"/>
+          </p:nvPr>
+        </p:nvSpPr>
+        <p:spPr/>
+        <p:txBody>
+          <a:bodyPr>
+            <a:normAutofit fontScale="90000"/>
+          </a:bodyPr>
+          <a:lstStyle/>
+          <a:p>
+            <a:r>
+              <a:rPr lang="en-US" dirty="0"/>
+              <a:t>Question 4: </a:t>
+            </a:r>
+            <a:r>
+              <a:rPr lang="en-US" dirty="0">
+                <a:solidFill>
+                  <a:schemeClr val="tx1"/>
+                </a:solidFill>
+              </a:rPr>
+              <a:t>If a county is good at recording their data, then they should have less readmissions. </a:t>
+            </a:r>
+            <a:br>
+              <a:rPr lang="en-US" dirty="0"/>
+            </a:br>
+            <a:endParaRPr lang="en-US" dirty="0"/>
+          </a:p>
+        </p:txBody>
+      </p:sp>
+      <p:sp>
+        <p:nvSpPr>
+          <p:cNvPr id="3" name="Content Placeholder 2">
+            <a:extLst>
+              <a:ext uri="{FF2B5EF4-FFF2-40B4-BE49-F238E27FC236}">
+                <a16:creationId xmlns:a16="http://schemas.microsoft.com/office/drawing/2014/main" id="{7143B4AA-F574-426C-ADAC-83AAB5A13F5F}"/>
+              </a:ext>
+            </a:extLst>
+          </p:cNvPr>
+          <p:cNvSpPr>
+            <a:spLocks noGrp="1"/>
+          </p:cNvSpPr>
+          <p:nvPr>
+            <p:ph idx="1"/>
+          </p:nvPr>
+        </p:nvSpPr>
+        <p:spPr/>
+        <p:txBody>
+          <a:bodyPr/>
+          <a:lstStyle/>
+          <a:p>
+            <a:endParaRPr lang="en-US"/>
+          </a:p>
+        </p:txBody>
+      </p:sp>
+    </p:spTree>
+    <p:extLst>
+      <p:ext uri="{BB962C8B-B14F-4D97-AF65-F5344CB8AC3E}">
+        <p14:creationId xmlns:p14="http://schemas.microsoft.com/office/powerpoint/2010/main" val="3595413408"/>
+      </p:ext>
+    </p:extLst>
+  </p:cSld>
+  <p:clrMapOvr>
+    <a:masterClrMapping/>
+  </p:clrMapOvr>
+</p:sld>
+</file>
+
+<file path=ppt/slides/slide11.xml><?xml version="1.0" encoding="utf-8"?>
+<p:sld xmlns:a="http://schemas.openxmlformats.org/drawingml/2006/main" xmlns:r="http://schemas.openxmlformats.org/officeDocument/2006/relationships" xmlns:p="http://schemas.openxmlformats.org/presentationml/2006/main">
+  <p:cSld>
+    <p:spTree>
+      <p:nvGrpSpPr>
+        <p:cNvPr id="1" name=""/>
+        <p:cNvGrpSpPr/>
+        <p:nvPr/>
+      </p:nvGrpSpPr>
+      <p:grpSpPr>
+        <a:xfrm>
+          <a:off x="0" y="0"/>
+          <a:ext cx="0" cy="0"/>
+          <a:chOff x="0" y="0"/>
+          <a:chExt cx="0" cy="0"/>
+        </a:xfrm>
+      </p:grpSpPr>
+      <p:sp>
+        <p:nvSpPr>
+          <p:cNvPr id="2" name="Title 1">
+            <a:extLst>
+              <a:ext uri="{FF2B5EF4-FFF2-40B4-BE49-F238E27FC236}">
+                <a16:creationId xmlns:a16="http://schemas.microsoft.com/office/drawing/2014/main" id="{2BA4C45F-0A8F-4D0C-AE64-D48E5E351467}"/>
+              </a:ext>
+            </a:extLst>
+          </p:cNvPr>
+          <p:cNvSpPr>
+            <a:spLocks noGrp="1"/>
+          </p:cNvSpPr>
+          <p:nvPr>
+            <p:ph type="title"/>
+          </p:nvPr>
+        </p:nvSpPr>
+        <p:spPr>
+          <a:xfrm>
+            <a:off x="838200" y="933296"/>
+            <a:ext cx="10515600" cy="1325563"/>
+          </a:xfrm>
+        </p:spPr>
+        <p:txBody>
+          <a:bodyPr>
+            <a:normAutofit fontScale="90000"/>
+          </a:bodyPr>
+          <a:lstStyle/>
+          <a:p>
+            <a:r>
+              <a:rPr lang="en-US" dirty="0"/>
+              <a:t>Question 5: </a:t>
+            </a:r>
+            <a:r>
+              <a:rPr lang="en-US" dirty="0">
+                <a:solidFill>
+                  <a:schemeClr val="tx1"/>
+                </a:solidFill>
+              </a:rPr>
+              <a:t>Is there a relationship between higher Medicare spending and how much data is recorded?</a:t>
+            </a:r>
+            <a:br>
+              <a:rPr lang="en-US" dirty="0"/>
+            </a:br>
+            <a:endParaRPr lang="en-US" dirty="0"/>
+          </a:p>
+        </p:txBody>
+      </p:sp>
+      <p:sp>
+        <p:nvSpPr>
+          <p:cNvPr id="3" name="Content Placeholder 2">
+            <a:extLst>
+              <a:ext uri="{FF2B5EF4-FFF2-40B4-BE49-F238E27FC236}">
+                <a16:creationId xmlns:a16="http://schemas.microsoft.com/office/drawing/2014/main" id="{5E7B344C-D99C-4B48-ADE4-E897A73E80D7}"/>
+              </a:ext>
+            </a:extLst>
+          </p:cNvPr>
+          <p:cNvSpPr>
+            <a:spLocks noGrp="1"/>
+          </p:cNvSpPr>
+          <p:nvPr>
+            <p:ph idx="1"/>
+          </p:nvPr>
+        </p:nvSpPr>
+        <p:spPr>
+          <a:xfrm>
+            <a:off x="838200" y="2645545"/>
+            <a:ext cx="10515600" cy="3531417"/>
+          </a:xfrm>
+        </p:spPr>
+        <p:txBody>
+          <a:bodyPr/>
+          <a:lstStyle/>
+          <a:p>
+            <a:endParaRPr lang="en-US" dirty="0"/>
+          </a:p>
+        </p:txBody>
+      </p:sp>
+    </p:spTree>
+    <p:extLst>
+      <p:ext uri="{BB962C8B-B14F-4D97-AF65-F5344CB8AC3E}">
+        <p14:creationId xmlns:p14="http://schemas.microsoft.com/office/powerpoint/2010/main" val="4120186997"/>
+      </p:ext>
+    </p:extLst>
+  </p:cSld>
+  <p:clrMapOvr>
+    <a:masterClrMapping/>
+  </p:clrMapOvr>
+</p:sld>
+</file>
+
+<file path=ppt/slides/slide12.xml><?xml version="1.0" encoding="utf-8"?>
+<p:sld xmlns:a="http://schemas.openxmlformats.org/drawingml/2006/main" xmlns:r="http://schemas.openxmlformats.org/officeDocument/2006/relationships" xmlns:p="http://schemas.openxmlformats.org/presentationml/2006/main">
+  <p:cSld>
+    <p:spTree>
+      <p:nvGrpSpPr>
+        <p:cNvPr id="1" name=""/>
+        <p:cNvGrpSpPr/>
+        <p:nvPr/>
+      </p:nvGrpSpPr>
+      <p:grpSpPr>
+        <a:xfrm>
+          <a:off x="0" y="0"/>
+          <a:ext cx="0" cy="0"/>
+          <a:chOff x="0" y="0"/>
+          <a:chExt cx="0" cy="0"/>
+        </a:xfrm>
+      </p:grpSpPr>
+      <p:sp>
+        <p:nvSpPr>
+          <p:cNvPr id="2" name="Title 1">
+            <a:extLst>
+              <a:ext uri="{FF2B5EF4-FFF2-40B4-BE49-F238E27FC236}">
                 <a16:creationId xmlns:a16="http://schemas.microsoft.com/office/drawing/2014/main" id="{F12AB2B4-4AB3-4F5F-B211-E50CA5283BC9}"/>
               </a:ext>
             </a:extLst>
@@ -6046,7 +6252,7 @@
 </p:sld>
 </file>
 
-<file path=ppt/slides/slide11.xml><?xml version="1.0" encoding="utf-8"?>
+<file path=ppt/slides/slide13.xml><?xml version="1.0" encoding="utf-8"?>
 <p:sld xmlns:a="http://schemas.openxmlformats.org/drawingml/2006/main" xmlns:r="http://schemas.openxmlformats.org/officeDocument/2006/relationships" xmlns:p="http://schemas.openxmlformats.org/presentationml/2006/main">
   <p:cSld>
     <p:spTree>
@@ -6199,6 +6405,24 @@
           <a:bodyPr/>
           <a:lstStyle/>
           <a:p>
+            <a:r>
+              <a:rPr lang="en-US" dirty="0"/>
+              <a:t>“If Medicare spends more money at a certain hospital, then that hospital will likely be better quality.”</a:t>
+            </a:r>
+          </a:p>
+          <a:p>
+            <a:r>
+              <a:rPr lang="en-US" dirty="0"/>
+              <a:t>That was our initial theory.</a:t>
+            </a:r>
+          </a:p>
+          <a:p>
+            <a:r>
+              <a:rPr lang="en-US" dirty="0"/>
+              <a:t>We broke down that theory into 4 areas to compare.</a:t>
+            </a:r>
+          </a:p>
+          <a:p>
             <a:endParaRPr lang="en-US" dirty="0"/>
           </a:p>
         </p:txBody>
@@ -6238,7 +6462,7 @@
           <p:cNvPr id="2" name="Title 1">
             <a:extLst>
               <a:ext uri="{FF2B5EF4-FFF2-40B4-BE49-F238E27FC236}">
-                <a16:creationId xmlns:a16="http://schemas.microsoft.com/office/drawing/2014/main" id="{46A7FFC7-8096-4526-9CAA-75BFF434FE61}"/>
+                <a16:creationId xmlns:a16="http://schemas.microsoft.com/office/drawing/2014/main" id="{D667A678-072C-4536-9A4C-9838DC450849}"/>
               </a:ext>
             </a:extLst>
           </p:cNvPr>
@@ -6256,7 +6480,7 @@
           <a:p>
             <a:r>
               <a:rPr lang="en-US" dirty="0"/>
-              <a:t>Our Process</a:t>
+              <a:t>Areas of Comparison</a:t>
             </a:r>
           </a:p>
         </p:txBody>
@@ -6266,7 +6490,7 @@
           <p:cNvPr id="3" name="Content Placeholder 2">
             <a:extLst>
               <a:ext uri="{FF2B5EF4-FFF2-40B4-BE49-F238E27FC236}">
-                <a16:creationId xmlns:a16="http://schemas.microsoft.com/office/drawing/2014/main" id="{B4CD0948-B81E-4F63-9D02-DCC2A14DF9D0}"/>
+                <a16:creationId xmlns:a16="http://schemas.microsoft.com/office/drawing/2014/main" id="{0C677369-E30C-4EBD-A68E-43173DF8F67C}"/>
               </a:ext>
             </a:extLst>
           </p:cNvPr>
@@ -6277,48 +6501,221 @@
             <p:ph idx="1"/>
           </p:nvPr>
         </p:nvSpPr>
-        <p:spPr/>
-        <p:txBody>
-          <a:bodyPr/>
-          <a:lstStyle/>
-          <a:p>
+        <p:spPr>
+          <a:xfrm>
+            <a:off x="757233" y="1561068"/>
+            <a:ext cx="1835047" cy="1464815"/>
+          </a:xfrm>
+        </p:spPr>
+        <p:txBody>
+          <a:bodyPr numCol="1">
+            <a:normAutofit/>
+          </a:bodyPr>
+          <a:lstStyle/>
+          <a:p>
+            <a:pPr marL="0" indent="0">
+              <a:buNone/>
+            </a:pPr>
             <a:r>
               <a:rPr lang="en-US" dirty="0"/>
-              <a:t>Steve found the initial csv files we used</a:t>
-            </a:r>
-          </a:p>
+              <a:t>Readmission Rates</a:t>
+            </a:r>
+          </a:p>
+        </p:txBody>
+      </p:sp>
+      <p:sp>
+        <p:nvSpPr>
+          <p:cNvPr id="4" name="TextBox 3">
+            <a:extLst>
+              <a:ext uri="{FF2B5EF4-FFF2-40B4-BE49-F238E27FC236}">
+                <a16:creationId xmlns:a16="http://schemas.microsoft.com/office/drawing/2014/main" id="{A0E874B4-B00D-404A-BBFD-C81D875921B3}"/>
+              </a:ext>
+            </a:extLst>
+          </p:cNvPr>
+          <p:cNvSpPr txBox="1"/>
+          <p:nvPr/>
+        </p:nvSpPr>
+        <p:spPr>
+          <a:xfrm>
+            <a:off x="6067785" y="1561068"/>
+            <a:ext cx="2911876" cy="369332"/>
+          </a:xfrm>
+          <a:prstGeom prst="rect">
+            <a:avLst/>
+          </a:prstGeom>
+          <a:noFill/>
+        </p:spPr>
+        <p:txBody>
+          <a:bodyPr wrap="square" rtlCol="0">
+            <a:spAutoFit/>
+          </a:bodyPr>
+          <a:lstStyle/>
           <a:p>
             <a:r>
               <a:rPr lang="en-US" dirty="0"/>
-              <a:t>Charlie found the income data</a:t>
-            </a:r>
-          </a:p>
+              <a:t>Complications &amp; Deaths</a:t>
+            </a:r>
+          </a:p>
+        </p:txBody>
+      </p:sp>
+      <p:sp>
+        <p:nvSpPr>
+          <p:cNvPr id="5" name="TextBox 4">
+            <a:extLst>
+              <a:ext uri="{FF2B5EF4-FFF2-40B4-BE49-F238E27FC236}">
+                <a16:creationId xmlns:a16="http://schemas.microsoft.com/office/drawing/2014/main" id="{B9440A08-49FA-4923-BFC6-EC5191602256}"/>
+              </a:ext>
+            </a:extLst>
+          </p:cNvPr>
+          <p:cNvSpPr txBox="1"/>
+          <p:nvPr/>
+        </p:nvSpPr>
+        <p:spPr>
+          <a:xfrm>
+            <a:off x="676789" y="3085885"/>
+            <a:ext cx="3107185" cy="369332"/>
+          </a:xfrm>
+          <a:prstGeom prst="rect">
+            <a:avLst/>
+          </a:prstGeom>
+          <a:noFill/>
+        </p:spPr>
+        <p:txBody>
+          <a:bodyPr wrap="square" rtlCol="0">
+            <a:spAutoFit/>
+          </a:bodyPr>
+          <a:lstStyle/>
           <a:p>
             <a:r>
               <a:rPr lang="en-US" dirty="0"/>
-              <a:t>Sasha made the starter </a:t>
-            </a:r>
-            <a:r>
-              <a:rPr lang="en-US" dirty="0" err="1"/>
-              <a:t>jupyter</a:t>
-            </a:r>
+              <a:t>Unexpected Hospital Visits</a:t>
+            </a:r>
+          </a:p>
+        </p:txBody>
+      </p:sp>
+      <p:sp>
+        <p:nvSpPr>
+          <p:cNvPr id="6" name="TextBox 5">
+            <a:extLst>
+              <a:ext uri="{FF2B5EF4-FFF2-40B4-BE49-F238E27FC236}">
+                <a16:creationId xmlns:a16="http://schemas.microsoft.com/office/drawing/2014/main" id="{8B1121B5-913D-4359-9EF6-CDBC7E653FF1}"/>
+              </a:ext>
+            </a:extLst>
+          </p:cNvPr>
+          <p:cNvSpPr txBox="1"/>
+          <p:nvPr/>
+        </p:nvSpPr>
+        <p:spPr>
+          <a:xfrm>
+            <a:off x="6067785" y="3132052"/>
+            <a:ext cx="2760955" cy="646331"/>
+          </a:xfrm>
+          <a:prstGeom prst="rect">
+            <a:avLst/>
+          </a:prstGeom>
+          <a:noFill/>
+        </p:spPr>
+        <p:txBody>
+          <a:bodyPr wrap="square" rtlCol="0">
+            <a:spAutoFit/>
+          </a:bodyPr>
+          <a:lstStyle/>
+          <a:p>
             <a:r>
               <a:rPr lang="en-US" dirty="0"/>
-              <a:t> notebooks and formatted the plots</a:t>
-            </a:r>
-          </a:p>
-          <a:p>
-            <a:r>
-              <a:rPr lang="en-US" dirty="0"/>
-              <a:t>Tad cleaned the data</a:t>
-            </a:r>
-          </a:p>
-        </p:txBody>
-      </p:sp>
+              <a:t>Medicare Spending per Patient</a:t>
+            </a:r>
+          </a:p>
+        </p:txBody>
+      </p:sp>
+      <p:cxnSp>
+        <p:nvCxnSpPr>
+          <p:cNvPr id="8" name="Straight Connector 7">
+            <a:extLst>
+              <a:ext uri="{FF2B5EF4-FFF2-40B4-BE49-F238E27FC236}">
+                <a16:creationId xmlns:a16="http://schemas.microsoft.com/office/drawing/2014/main" id="{EA5AB258-7A96-4420-9990-044D852AB9C0}"/>
+              </a:ext>
+            </a:extLst>
+          </p:cNvPr>
+          <p:cNvCxnSpPr/>
+          <p:nvPr/>
+        </p:nvCxnSpPr>
+        <p:spPr>
+          <a:xfrm>
+            <a:off x="677334" y="2787588"/>
+            <a:ext cx="8431155" cy="0"/>
+          </a:xfrm>
+          <a:prstGeom prst="line">
+            <a:avLst/>
+          </a:prstGeom>
+          <a:ln w="38100">
+            <a:solidFill>
+              <a:srgbClr val="00B050"/>
+            </a:solidFill>
+          </a:ln>
+        </p:spPr>
+        <p:style>
+          <a:lnRef idx="1">
+            <a:schemeClr val="accent1"/>
+          </a:lnRef>
+          <a:fillRef idx="0">
+            <a:schemeClr val="accent1"/>
+          </a:fillRef>
+          <a:effectRef idx="0">
+            <a:schemeClr val="accent1"/>
+          </a:effectRef>
+          <a:fontRef idx="minor">
+            <a:schemeClr val="tx1"/>
+          </a:fontRef>
+        </p:style>
+      </p:cxnSp>
+      <p:cxnSp>
+        <p:nvCxnSpPr>
+          <p:cNvPr id="10" name="Straight Connector 9">
+            <a:extLst>
+              <a:ext uri="{FF2B5EF4-FFF2-40B4-BE49-F238E27FC236}">
+                <a16:creationId xmlns:a16="http://schemas.microsoft.com/office/drawing/2014/main" id="{640A6475-9DD9-4144-B488-917009C1562C}"/>
+              </a:ext>
+            </a:extLst>
+          </p:cNvPr>
+          <p:cNvCxnSpPr>
+            <a:cxnSpLocks/>
+          </p:cNvCxnSpPr>
+          <p:nvPr/>
+        </p:nvCxnSpPr>
+        <p:spPr>
+          <a:xfrm>
+            <a:off x="4975668" y="1651247"/>
+            <a:ext cx="66849" cy="2127136"/>
+          </a:xfrm>
+          <a:prstGeom prst="line">
+            <a:avLst/>
+          </a:prstGeom>
+          <a:ln w="57150">
+            <a:solidFill>
+              <a:srgbClr val="00B050"/>
+            </a:solidFill>
+          </a:ln>
+        </p:spPr>
+        <p:style>
+          <a:lnRef idx="1">
+            <a:schemeClr val="accent1"/>
+          </a:lnRef>
+          <a:fillRef idx="0">
+            <a:schemeClr val="accent1"/>
+          </a:fillRef>
+          <a:effectRef idx="0">
+            <a:schemeClr val="accent1"/>
+          </a:effectRef>
+          <a:fontRef idx="minor">
+            <a:schemeClr val="tx1"/>
+          </a:fontRef>
+        </p:style>
+      </p:cxnSp>
     </p:spTree>
     <p:extLst>
       <p:ext uri="{BB962C8B-B14F-4D97-AF65-F5344CB8AC3E}">
-        <p14:creationId xmlns:p14="http://schemas.microsoft.com/office/powerpoint/2010/main" val="3243531418"/>
+        <p14:creationId xmlns:p14="http://schemas.microsoft.com/office/powerpoint/2010/main" val="990220506"/>
       </p:ext>
     </p:extLst>
   </p:cSld>
@@ -6350,7 +6747,7 @@
           <p:cNvPr id="2" name="Title 1">
             <a:extLst>
               <a:ext uri="{FF2B5EF4-FFF2-40B4-BE49-F238E27FC236}">
-                <a16:creationId xmlns:a16="http://schemas.microsoft.com/office/drawing/2014/main" id="{58047559-5EC1-43D8-8F94-23869C87ED6A}"/>
+                <a16:creationId xmlns:a16="http://schemas.microsoft.com/office/drawing/2014/main" id="{46A7FFC7-8096-4526-9CAA-75BFF434FE61}"/>
               </a:ext>
             </a:extLst>
           </p:cNvPr>
@@ -6368,7 +6765,7 @@
           <a:p>
             <a:r>
               <a:rPr lang="en-US" dirty="0"/>
-              <a:t>The data cleaning saga…</a:t>
+              <a:t>Our Process</a:t>
             </a:r>
           </a:p>
         </p:txBody>
@@ -6378,7 +6775,7 @@
           <p:cNvPr id="3" name="Content Placeholder 2">
             <a:extLst>
               <a:ext uri="{FF2B5EF4-FFF2-40B4-BE49-F238E27FC236}">
-                <a16:creationId xmlns:a16="http://schemas.microsoft.com/office/drawing/2014/main" id="{419C77F7-5314-4853-BD19-E051484D91DA}"/>
+                <a16:creationId xmlns:a16="http://schemas.microsoft.com/office/drawing/2014/main" id="{B4CD0948-B81E-4F63-9D02-DCC2A14DF9D0}"/>
               </a:ext>
             </a:extLst>
           </p:cNvPr>
@@ -6396,65 +6793,45 @@
           <a:p>
             <a:r>
               <a:rPr lang="en-US" dirty="0"/>
-              <a:t>Initially, we had high hopes about these data sets</a:t>
+              <a:t>Steve found the initial csv files we used</a:t>
             </a:r>
           </a:p>
           <a:p>
             <a:r>
               <a:rPr lang="en-US" dirty="0"/>
-              <a:t>They all had lots of column merge options! Great!!!</a:t>
+              <a:t>Charlie found the income data</a:t>
             </a:r>
           </a:p>
           <a:p>
             <a:r>
               <a:rPr lang="en-US" dirty="0"/>
-              <a:t>But it turned out that a lot of the columns were Object-type…</a:t>
-            </a:r>
-          </a:p>
-          <a:p>
+              <a:t>Sasha made the starter </a:t>
+            </a:r>
+            <a:r>
+              <a:rPr lang="en-US" dirty="0" err="1"/>
+              <a:t>jupyter</a:t>
+            </a:r>
             <a:r>
               <a:rPr lang="en-US" dirty="0"/>
-              <a:t>And the “Score” column had different meanings for each file…</a:t>
+              <a:t> notebooks and formatted the plots</a:t>
             </a:r>
           </a:p>
           <a:p>
             <a:r>
               <a:rPr lang="en-US" dirty="0"/>
-              <a:t>We tried casting them to floats, but ran into issues with </a:t>
-            </a:r>
-            <a:r>
-              <a:rPr lang="en-US" dirty="0" err="1"/>
-              <a:t>NaN</a:t>
-            </a:r>
+              <a:t>Tad cleaned the data</a:t>
+            </a:r>
+          </a:p>
+          <a:p>
             <a:r>
               <a:rPr lang="en-US" dirty="0"/>
-              <a:t> columns and null values</a:t>
+              <a:t>Then we used the cleaned data to make graphs</a:t>
             </a:r>
           </a:p>
           <a:p>
             <a:r>
               <a:rPr lang="en-US" dirty="0"/>
-              <a:t>Trying to replace the </a:t>
-            </a:r>
-            <a:r>
-              <a:rPr lang="en-US" dirty="0" err="1"/>
-              <a:t>NaN</a:t>
-            </a:r>
-            <a:r>
-              <a:rPr lang="en-US" dirty="0"/>
-              <a:t> columns led us to realize that Data Series values are ambiguous, and you can’t directly compare them to a value</a:t>
-            </a:r>
-          </a:p>
-          <a:p>
-            <a:r>
-              <a:rPr lang="en-US" dirty="0"/>
-              <a:t>Eventually we figured came up with the solution to just change the CSV files</a:t>
-            </a:r>
-          </a:p>
-          <a:p>
-            <a:r>
-              <a:rPr lang="en-US" dirty="0"/>
-              <a:t>Sasha wrote a VB script, but there was too much data and it didn’t work</a:t>
+              <a:t>From the graphs we drew our conclusions</a:t>
             </a:r>
           </a:p>
         </p:txBody>
@@ -6462,7 +6839,7 @@
     </p:spTree>
     <p:extLst>
       <p:ext uri="{BB962C8B-B14F-4D97-AF65-F5344CB8AC3E}">
-        <p14:creationId xmlns:p14="http://schemas.microsoft.com/office/powerpoint/2010/main" val="1020637921"/>
+        <p14:creationId xmlns:p14="http://schemas.microsoft.com/office/powerpoint/2010/main" val="3243531418"/>
       </p:ext>
     </p:extLst>
   </p:cSld>
@@ -6494,7 +6871,7 @@
           <p:cNvPr id="2" name="Title 1">
             <a:extLst>
               <a:ext uri="{FF2B5EF4-FFF2-40B4-BE49-F238E27FC236}">
-                <a16:creationId xmlns:a16="http://schemas.microsoft.com/office/drawing/2014/main" id="{6AB6E4B9-C1F6-4B71-89BE-973D6B28428D}"/>
+                <a16:creationId xmlns:a16="http://schemas.microsoft.com/office/drawing/2014/main" id="{58047559-5EC1-43D8-8F94-23869C87ED6A}"/>
               </a:ext>
             </a:extLst>
           </p:cNvPr>
@@ -6505,37 +6882,15 @@
             <p:ph type="title"/>
           </p:nvPr>
         </p:nvSpPr>
-        <p:spPr>
-          <a:xfrm>
-            <a:off x="838200" y="871153"/>
-            <a:ext cx="10515600" cy="1325563"/>
-          </a:xfrm>
-        </p:spPr>
-        <p:txBody>
-          <a:bodyPr>
-            <a:normAutofit fontScale="90000"/>
-          </a:bodyPr>
+        <p:spPr/>
+        <p:txBody>
+          <a:bodyPr/>
           <a:lstStyle/>
           <a:p>
             <a:r>
               <a:rPr lang="en-US" dirty="0"/>
-              <a:t>Question 1:</a:t>
-            </a:r>
-            <a:br>
-              <a:rPr lang="en-US" dirty="0"/>
-            </a:br>
-            <a:r>
-              <a:rPr lang="en-US" dirty="0">
-                <a:solidFill>
-                  <a:schemeClr val="tx1"/>
-                </a:solidFill>
-              </a:rPr>
-              <a:t>If a county has higher Medicare spending, then they should have less deaths/post-hospital accidents.</a:t>
-            </a:r>
-            <a:br>
-              <a:rPr lang="en-US" dirty="0"/>
-            </a:br>
-            <a:endParaRPr lang="en-US" dirty="0"/>
+              <a:t>The data cleaning saga…</a:t>
+            </a:r>
           </a:p>
         </p:txBody>
       </p:sp>
@@ -6544,7 +6899,7 @@
           <p:cNvPr id="3" name="Content Placeholder 2">
             <a:extLst>
               <a:ext uri="{FF2B5EF4-FFF2-40B4-BE49-F238E27FC236}">
-                <a16:creationId xmlns:a16="http://schemas.microsoft.com/office/drawing/2014/main" id="{969B6C85-E363-478F-A946-050C3A9A91F8}"/>
+                <a16:creationId xmlns:a16="http://schemas.microsoft.com/office/drawing/2014/main" id="{419C77F7-5314-4853-BD19-E051484D91DA}"/>
               </a:ext>
             </a:extLst>
           </p:cNvPr>
@@ -6555,24 +6910,80 @@
             <p:ph idx="1"/>
           </p:nvPr>
         </p:nvSpPr>
-        <p:spPr>
-          <a:xfrm>
-            <a:off x="838200" y="2592279"/>
-            <a:ext cx="10515600" cy="3584683"/>
-          </a:xfrm>
-        </p:spPr>
+        <p:spPr/>
         <p:txBody>
           <a:bodyPr/>
           <a:lstStyle/>
           <a:p>
-            <a:endParaRPr lang="en-US" dirty="0"/>
+            <a:r>
+              <a:rPr lang="en-US" dirty="0"/>
+              <a:t>Initially, we had high hopes about these data sets</a:t>
+            </a:r>
+          </a:p>
+          <a:p>
+            <a:r>
+              <a:rPr lang="en-US" dirty="0"/>
+              <a:t>They all had lots of column merge options! Great!!!</a:t>
+            </a:r>
+          </a:p>
+          <a:p>
+            <a:r>
+              <a:rPr lang="en-US" dirty="0"/>
+              <a:t>But it turned out that a lot of the columns were Object-type…</a:t>
+            </a:r>
+          </a:p>
+          <a:p>
+            <a:r>
+              <a:rPr lang="en-US" dirty="0"/>
+              <a:t>And the “Score” column had different meanings for each file…</a:t>
+            </a:r>
+          </a:p>
+          <a:p>
+            <a:r>
+              <a:rPr lang="en-US" dirty="0"/>
+              <a:t>We tried casting them to floats, but ran into issues with </a:t>
+            </a:r>
+            <a:r>
+              <a:rPr lang="en-US" dirty="0" err="1"/>
+              <a:t>NaN</a:t>
+            </a:r>
+            <a:r>
+              <a:rPr lang="en-US" dirty="0"/>
+              <a:t> columns and null values</a:t>
+            </a:r>
+          </a:p>
+          <a:p>
+            <a:r>
+              <a:rPr lang="en-US" dirty="0"/>
+              <a:t>Trying to replace the </a:t>
+            </a:r>
+            <a:r>
+              <a:rPr lang="en-US" dirty="0" err="1"/>
+              <a:t>NaN</a:t>
+            </a:r>
+            <a:r>
+              <a:rPr lang="en-US" dirty="0"/>
+              <a:t> columns led us to realize that Data Series values are ambiguous, and you can’t directly compare them to a value</a:t>
+            </a:r>
+          </a:p>
+          <a:p>
+            <a:r>
+              <a:rPr lang="en-US" dirty="0"/>
+              <a:t>Eventually we figured came up with the solution to just change the CSV files</a:t>
+            </a:r>
+          </a:p>
+          <a:p>
+            <a:r>
+              <a:rPr lang="en-US" dirty="0"/>
+              <a:t>Sasha wrote a VB script, but there was too much data and it didn’t work</a:t>
+            </a:r>
           </a:p>
         </p:txBody>
       </p:sp>
     </p:spTree>
     <p:extLst>
       <p:ext uri="{BB962C8B-B14F-4D97-AF65-F5344CB8AC3E}">
-        <p14:creationId xmlns:p14="http://schemas.microsoft.com/office/powerpoint/2010/main" val="1009227351"/>
+        <p14:creationId xmlns:p14="http://schemas.microsoft.com/office/powerpoint/2010/main" val="1020637921"/>
       </p:ext>
     </p:extLst>
   </p:cSld>
@@ -6604,7 +7015,7 @@
           <p:cNvPr id="2" name="Title 1">
             <a:extLst>
               <a:ext uri="{FF2B5EF4-FFF2-40B4-BE49-F238E27FC236}">
-                <a16:creationId xmlns:a16="http://schemas.microsoft.com/office/drawing/2014/main" id="{9E04E921-6E2A-471E-8FA1-A7C9E4246B39}"/>
+                <a16:creationId xmlns:a16="http://schemas.microsoft.com/office/drawing/2014/main" id="{8FA609FA-2602-460C-B86A-36EF1C8E1ED8}"/>
               </a:ext>
             </a:extLst>
           </p:cNvPr>
@@ -6615,34 +7026,15 @@
             <p:ph type="title"/>
           </p:nvPr>
         </p:nvSpPr>
-        <p:spPr>
-          <a:xfrm>
-            <a:off x="838200" y="791254"/>
-            <a:ext cx="10515600" cy="1325563"/>
-          </a:xfrm>
-        </p:spPr>
-        <p:txBody>
-          <a:bodyPr>
-            <a:normAutofit fontScale="90000"/>
-          </a:bodyPr>
+        <p:spPr/>
+        <p:txBody>
+          <a:bodyPr/>
           <a:lstStyle/>
           <a:p>
             <a:r>
               <a:rPr lang="en-US" dirty="0"/>
-              <a:t>Question 2: </a:t>
-            </a:r>
-            <a:r>
-              <a:rPr lang="en-US" dirty="0">
-                <a:solidFill>
-                  <a:schemeClr val="tx1"/>
-                </a:solidFill>
-              </a:rPr>
-              <a:t>If a county has higher Medicare spending, then they should have less readmissions.</a:t>
-            </a:r>
-            <a:br>
-              <a:rPr lang="en-US" dirty="0"/>
-            </a:br>
-            <a:endParaRPr lang="en-US" dirty="0"/>
+              <a:t>The data cleaning saga continues…</a:t>
+            </a:r>
           </a:p>
         </p:txBody>
       </p:sp>
@@ -6651,7 +7043,7 @@
           <p:cNvPr id="3" name="Content Placeholder 2">
             <a:extLst>
               <a:ext uri="{FF2B5EF4-FFF2-40B4-BE49-F238E27FC236}">
-                <a16:creationId xmlns:a16="http://schemas.microsoft.com/office/drawing/2014/main" id="{1CF0FAC3-A729-405E-B050-AD598AE25214}"/>
+                <a16:creationId xmlns:a16="http://schemas.microsoft.com/office/drawing/2014/main" id="{912ACEB9-2452-4739-BDD4-C3D9D781E28A}"/>
               </a:ext>
             </a:extLst>
           </p:cNvPr>
@@ -6662,12 +7054,7 @@
             <p:ph idx="1"/>
           </p:nvPr>
         </p:nvSpPr>
-        <p:spPr>
-          <a:xfrm>
-            <a:off x="838200" y="2423603"/>
-            <a:ext cx="10515600" cy="3753359"/>
-          </a:xfrm>
-        </p:spPr>
+        <p:spPr/>
         <p:txBody>
           <a:bodyPr/>
           <a:lstStyle/>
@@ -6679,7 +7066,7 @@
     </p:spTree>
     <p:extLst>
       <p:ext uri="{BB962C8B-B14F-4D97-AF65-F5344CB8AC3E}">
-        <p14:creationId xmlns:p14="http://schemas.microsoft.com/office/powerpoint/2010/main" val="524358472"/>
+        <p14:creationId xmlns:p14="http://schemas.microsoft.com/office/powerpoint/2010/main" val="3722343492"/>
       </p:ext>
     </p:extLst>
   </p:cSld>
@@ -6711,7 +7098,7 @@
           <p:cNvPr id="2" name="Title 1">
             <a:extLst>
               <a:ext uri="{FF2B5EF4-FFF2-40B4-BE49-F238E27FC236}">
-                <a16:creationId xmlns:a16="http://schemas.microsoft.com/office/drawing/2014/main" id="{5B7667AF-1456-441C-8708-D771F6A9D659}"/>
+                <a16:creationId xmlns:a16="http://schemas.microsoft.com/office/drawing/2014/main" id="{6AB6E4B9-C1F6-4B71-89BE-973D6B28428D}"/>
               </a:ext>
             </a:extLst>
           </p:cNvPr>
@@ -6724,7 +7111,7 @@
         </p:nvSpPr>
         <p:spPr>
           <a:xfrm>
-            <a:off x="838200" y="681037"/>
+            <a:off x="838200" y="871153"/>
             <a:ext cx="10515600" cy="1325563"/>
           </a:xfrm>
         </p:spPr>
@@ -6736,15 +7123,18 @@
           <a:p>
             <a:r>
               <a:rPr lang="en-US" dirty="0"/>
-              <a:t>Question 3: </a:t>
-            </a:r>
+              <a:t>Question 1:</a:t>
+            </a:r>
+            <a:br>
+              <a:rPr lang="en-US" dirty="0"/>
+            </a:br>
             <a:r>
               <a:rPr lang="en-US" dirty="0">
                 <a:solidFill>
                   <a:schemeClr val="tx1"/>
                 </a:solidFill>
               </a:rPr>
-              <a:t>Which county has the greatest count of data recordings? AKA, which county has the least “not available” data?</a:t>
+              <a:t>If a county has higher Medicare spending, then they should have less deaths/post-hospital accidents.</a:t>
             </a:r>
             <a:br>
               <a:rPr lang="en-US" dirty="0"/>
@@ -6758,7 +7148,7 @@
           <p:cNvPr id="3" name="Content Placeholder 2">
             <a:extLst>
               <a:ext uri="{FF2B5EF4-FFF2-40B4-BE49-F238E27FC236}">
-                <a16:creationId xmlns:a16="http://schemas.microsoft.com/office/drawing/2014/main" id="{BC651B5A-6918-4380-BAAE-12FA6759B43E}"/>
+                <a16:creationId xmlns:a16="http://schemas.microsoft.com/office/drawing/2014/main" id="{969B6C85-E363-478F-A946-050C3A9A91F8}"/>
               </a:ext>
             </a:extLst>
           </p:cNvPr>
@@ -6771,8 +7161,8 @@
         </p:nvSpPr>
         <p:spPr>
           <a:xfrm>
-            <a:off x="838200" y="2281561"/>
-            <a:ext cx="10515600" cy="3895402"/>
+            <a:off x="838200" y="2592279"/>
+            <a:ext cx="10515600" cy="3584683"/>
           </a:xfrm>
         </p:spPr>
         <p:txBody>
@@ -6786,7 +7176,7 @@
     </p:spTree>
     <p:extLst>
       <p:ext uri="{BB962C8B-B14F-4D97-AF65-F5344CB8AC3E}">
-        <p14:creationId xmlns:p14="http://schemas.microsoft.com/office/powerpoint/2010/main" val="2635635244"/>
+        <p14:creationId xmlns:p14="http://schemas.microsoft.com/office/powerpoint/2010/main" val="1009227351"/>
       </p:ext>
     </p:extLst>
   </p:cSld>
@@ -6818,7 +7208,7 @@
           <p:cNvPr id="2" name="Title 1">
             <a:extLst>
               <a:ext uri="{FF2B5EF4-FFF2-40B4-BE49-F238E27FC236}">
-                <a16:creationId xmlns:a16="http://schemas.microsoft.com/office/drawing/2014/main" id="{455E15F1-4C8E-4060-A3D7-6D5C3FA63DA5}"/>
+                <a16:creationId xmlns:a16="http://schemas.microsoft.com/office/drawing/2014/main" id="{9E04E921-6E2A-471E-8FA1-A7C9E4246B39}"/>
               </a:ext>
             </a:extLst>
           </p:cNvPr>
@@ -6829,7 +7219,12 @@
             <p:ph type="title"/>
           </p:nvPr>
         </p:nvSpPr>
-        <p:spPr/>
+        <p:spPr>
+          <a:xfrm>
+            <a:off x="838200" y="791254"/>
+            <a:ext cx="10515600" cy="1325563"/>
+          </a:xfrm>
+        </p:spPr>
         <p:txBody>
           <a:bodyPr>
             <a:normAutofit fontScale="90000"/>
@@ -6838,7 +7233,7 @@
           <a:p>
             <a:r>
               <a:rPr lang="en-US" dirty="0"/>
-              <a:t>Question 4: </a:t>
+              <a:t>Question 2: </a:t>
             </a:r>
             <a:r>
               <a:rPr lang="en-US" dirty="0">
@@ -6846,7 +7241,7 @@
                   <a:schemeClr val="tx1"/>
                 </a:solidFill>
               </a:rPr>
-              <a:t>If a county is good at recording their data, then they should have less readmissions. </a:t>
+              <a:t>If a county has higher Medicare spending, then they should have less readmissions.</a:t>
             </a:r>
             <a:br>
               <a:rPr lang="en-US" dirty="0"/>
@@ -6860,7 +7255,7 @@
           <p:cNvPr id="3" name="Content Placeholder 2">
             <a:extLst>
               <a:ext uri="{FF2B5EF4-FFF2-40B4-BE49-F238E27FC236}">
-                <a16:creationId xmlns:a16="http://schemas.microsoft.com/office/drawing/2014/main" id="{7143B4AA-F574-426C-ADAC-83AAB5A13F5F}"/>
+                <a16:creationId xmlns:a16="http://schemas.microsoft.com/office/drawing/2014/main" id="{1CF0FAC3-A729-405E-B050-AD598AE25214}"/>
               </a:ext>
             </a:extLst>
           </p:cNvPr>
@@ -6871,19 +7266,24 @@
             <p:ph idx="1"/>
           </p:nvPr>
         </p:nvSpPr>
-        <p:spPr/>
+        <p:spPr>
+          <a:xfrm>
+            <a:off x="838200" y="2423603"/>
+            <a:ext cx="10515600" cy="3753359"/>
+          </a:xfrm>
+        </p:spPr>
         <p:txBody>
           <a:bodyPr/>
           <a:lstStyle/>
           <a:p>
-            <a:endParaRPr lang="en-US"/>
+            <a:endParaRPr lang="en-US" dirty="0"/>
           </a:p>
         </p:txBody>
       </p:sp>
     </p:spTree>
     <p:extLst>
       <p:ext uri="{BB962C8B-B14F-4D97-AF65-F5344CB8AC3E}">
-        <p14:creationId xmlns:p14="http://schemas.microsoft.com/office/powerpoint/2010/main" val="3595413408"/>
+        <p14:creationId xmlns:p14="http://schemas.microsoft.com/office/powerpoint/2010/main" val="524358472"/>
       </p:ext>
     </p:extLst>
   </p:cSld>
@@ -6915,7 +7315,7 @@
           <p:cNvPr id="2" name="Title 1">
             <a:extLst>
               <a:ext uri="{FF2B5EF4-FFF2-40B4-BE49-F238E27FC236}">
-                <a16:creationId xmlns:a16="http://schemas.microsoft.com/office/drawing/2014/main" id="{2BA4C45F-0A8F-4D0C-AE64-D48E5E351467}"/>
+                <a16:creationId xmlns:a16="http://schemas.microsoft.com/office/drawing/2014/main" id="{5B7667AF-1456-441C-8708-D771F6A9D659}"/>
               </a:ext>
             </a:extLst>
           </p:cNvPr>
@@ -6928,7 +7328,7 @@
         </p:nvSpPr>
         <p:spPr>
           <a:xfrm>
-            <a:off x="838200" y="933296"/>
+            <a:off x="838200" y="681037"/>
             <a:ext cx="10515600" cy="1325563"/>
           </a:xfrm>
         </p:spPr>
@@ -6940,7 +7340,7 @@
           <a:p>
             <a:r>
               <a:rPr lang="en-US" dirty="0"/>
-              <a:t>Question 5: </a:t>
+              <a:t>Question 3: </a:t>
             </a:r>
             <a:r>
               <a:rPr lang="en-US" dirty="0">
@@ -6948,7 +7348,7 @@
                   <a:schemeClr val="tx1"/>
                 </a:solidFill>
               </a:rPr>
-              <a:t>Is there a relationship between higher Medicare spending and how much data is recorded?</a:t>
+              <a:t>Which county has the greatest count of data recordings? AKA, which county has the least “not available” data?</a:t>
             </a:r>
             <a:br>
               <a:rPr lang="en-US" dirty="0"/>
@@ -6962,7 +7362,7 @@
           <p:cNvPr id="3" name="Content Placeholder 2">
             <a:extLst>
               <a:ext uri="{FF2B5EF4-FFF2-40B4-BE49-F238E27FC236}">
-                <a16:creationId xmlns:a16="http://schemas.microsoft.com/office/drawing/2014/main" id="{5E7B344C-D99C-4B48-ADE4-E897A73E80D7}"/>
+                <a16:creationId xmlns:a16="http://schemas.microsoft.com/office/drawing/2014/main" id="{BC651B5A-6918-4380-BAAE-12FA6759B43E}"/>
               </a:ext>
             </a:extLst>
           </p:cNvPr>
@@ -6975,8 +7375,8 @@
         </p:nvSpPr>
         <p:spPr>
           <a:xfrm>
-            <a:off x="838200" y="2645545"/>
-            <a:ext cx="10515600" cy="3531417"/>
+            <a:off x="838200" y="2281561"/>
+            <a:ext cx="10515600" cy="3895402"/>
           </a:xfrm>
         </p:spPr>
         <p:txBody>
@@ -6990,7 +7390,7 @@
     </p:spTree>
     <p:extLst>
       <p:ext uri="{BB962C8B-B14F-4D97-AF65-F5344CB8AC3E}">
-        <p14:creationId xmlns:p14="http://schemas.microsoft.com/office/powerpoint/2010/main" val="4120186997"/>
+        <p14:creationId xmlns:p14="http://schemas.microsoft.com/office/powerpoint/2010/main" val="2635635244"/>
       </p:ext>
     </p:extLst>
   </p:cSld>

--- a/SnakeBitePresentation.pptx
+++ b/SnakeBitePresentation.pptx
@@ -8,16 +8,15 @@
     <p:sldId id="256" r:id="rId2"/>
     <p:sldId id="257" r:id="rId3"/>
     <p:sldId id="267" r:id="rId4"/>
-    <p:sldId id="265" r:id="rId5"/>
-    <p:sldId id="266" r:id="rId6"/>
-    <p:sldId id="268" r:id="rId7"/>
-    <p:sldId id="258" r:id="rId8"/>
-    <p:sldId id="259" r:id="rId9"/>
-    <p:sldId id="260" r:id="rId10"/>
-    <p:sldId id="261" r:id="rId11"/>
-    <p:sldId id="262" r:id="rId12"/>
-    <p:sldId id="263" r:id="rId13"/>
-    <p:sldId id="264" r:id="rId14"/>
+    <p:sldId id="266" r:id="rId5"/>
+    <p:sldId id="268" r:id="rId6"/>
+    <p:sldId id="258" r:id="rId7"/>
+    <p:sldId id="259" r:id="rId8"/>
+    <p:sldId id="260" r:id="rId9"/>
+    <p:sldId id="261" r:id="rId10"/>
+    <p:sldId id="262" r:id="rId11"/>
+    <p:sldId id="269" r:id="rId12"/>
+    <p:sldId id="264" r:id="rId13"/>
   </p:sldIdLst>
   <p:sldSz cx="12192000" cy="6858000"/>
   <p:notesSz cx="6858000" cy="9144000"/>
@@ -116,6 +115,11 @@
       </a:defRPr>
     </a:lvl9pPr>
   </p:defaultTextStyle>
+  <p:extLst>
+    <p:ext uri="{EFAFB233-063F-42B5-8137-9DF3F51BA10A}">
+      <p15:sldGuideLst xmlns:p15="http://schemas.microsoft.com/office/powerpoint/2012/main"/>
+    </p:ext>
+  </p:extLst>
 </p:presentation>
 </file>
 
@@ -841,7 +845,7 @@
           <a:p>
             <a:fld id="{8CC71C08-3195-43D4-9A1F-6CFC67AEC340}" type="datetimeFigureOut">
               <a:rPr lang="en-US" smtClean="0"/>
-              <a:t>2/28/2019</a:t>
+              <a:t>3/1/2019</a:t>
             </a:fld>
             <a:endParaRPr lang="en-US"/>
           </a:p>
@@ -1092,7 +1096,7 @@
           <a:p>
             <a:fld id="{8CC71C08-3195-43D4-9A1F-6CFC67AEC340}" type="datetimeFigureOut">
               <a:rPr lang="en-US" smtClean="0"/>
-              <a:t>2/28/2019</a:t>
+              <a:t>3/1/2019</a:t>
             </a:fld>
             <a:endParaRPr lang="en-US"/>
           </a:p>
@@ -1406,7 +1410,7 @@
           <a:p>
             <a:fld id="{8CC71C08-3195-43D4-9A1F-6CFC67AEC340}" type="datetimeFigureOut">
               <a:rPr lang="en-US" smtClean="0"/>
-              <a:t>2/28/2019</a:t>
+              <a:t>3/1/2019</a:t>
             </a:fld>
             <a:endParaRPr lang="en-US"/>
           </a:p>
@@ -1747,7 +1751,7 @@
           <a:p>
             <a:fld id="{8CC71C08-3195-43D4-9A1F-6CFC67AEC340}" type="datetimeFigureOut">
               <a:rPr lang="en-US" smtClean="0"/>
-              <a:t>2/28/2019</a:t>
+              <a:t>3/1/2019</a:t>
             </a:fld>
             <a:endParaRPr lang="en-US"/>
           </a:p>
@@ -2061,7 +2065,7 @@
           <a:p>
             <a:fld id="{8CC71C08-3195-43D4-9A1F-6CFC67AEC340}" type="datetimeFigureOut">
               <a:rPr lang="en-US" smtClean="0"/>
-              <a:t>2/28/2019</a:t>
+              <a:t>3/1/2019</a:t>
             </a:fld>
             <a:endParaRPr lang="en-US"/>
           </a:p>
@@ -2454,7 +2458,7 @@
           <a:p>
             <a:fld id="{8CC71C08-3195-43D4-9A1F-6CFC67AEC340}" type="datetimeFigureOut">
               <a:rPr lang="en-US" smtClean="0"/>
-              <a:t>2/28/2019</a:t>
+              <a:t>3/1/2019</a:t>
             </a:fld>
             <a:endParaRPr lang="en-US"/>
           </a:p>
@@ -2624,7 +2628,7 @@
           <a:p>
             <a:fld id="{8CC71C08-3195-43D4-9A1F-6CFC67AEC340}" type="datetimeFigureOut">
               <a:rPr lang="en-US" smtClean="0"/>
-              <a:t>2/28/2019</a:t>
+              <a:t>3/1/2019</a:t>
             </a:fld>
             <a:endParaRPr lang="en-US"/>
           </a:p>
@@ -2804,7 +2808,7 @@
           <a:p>
             <a:fld id="{8CC71C08-3195-43D4-9A1F-6CFC67AEC340}" type="datetimeFigureOut">
               <a:rPr lang="en-US" smtClean="0"/>
-              <a:t>2/28/2019</a:t>
+              <a:t>3/1/2019</a:t>
             </a:fld>
             <a:endParaRPr lang="en-US"/>
           </a:p>
@@ -2980,7 +2984,7 @@
           <a:p>
             <a:fld id="{8CC71C08-3195-43D4-9A1F-6CFC67AEC340}" type="datetimeFigureOut">
               <a:rPr lang="en-US" smtClean="0"/>
-              <a:t>2/28/2019</a:t>
+              <a:t>3/1/2019</a:t>
             </a:fld>
             <a:endParaRPr lang="en-US"/>
           </a:p>
@@ -3227,7 +3231,7 @@
           <a:p>
             <a:fld id="{8CC71C08-3195-43D4-9A1F-6CFC67AEC340}" type="datetimeFigureOut">
               <a:rPr lang="en-US" smtClean="0"/>
-              <a:t>2/28/2019</a:t>
+              <a:t>3/1/2019</a:t>
             </a:fld>
             <a:endParaRPr lang="en-US"/>
           </a:p>
@@ -3459,7 +3463,7 @@
           <a:p>
             <a:fld id="{8CC71C08-3195-43D4-9A1F-6CFC67AEC340}" type="datetimeFigureOut">
               <a:rPr lang="en-US" smtClean="0"/>
-              <a:t>2/28/2019</a:t>
+              <a:t>3/1/2019</a:t>
             </a:fld>
             <a:endParaRPr lang="en-US"/>
           </a:p>
@@ -3833,7 +3837,7 @@
           <a:p>
             <a:fld id="{8CC71C08-3195-43D4-9A1F-6CFC67AEC340}" type="datetimeFigureOut">
               <a:rPr lang="en-US" smtClean="0"/>
-              <a:t>2/28/2019</a:t>
+              <a:t>3/1/2019</a:t>
             </a:fld>
             <a:endParaRPr lang="en-US"/>
           </a:p>
@@ -3956,7 +3960,7 @@
           <a:p>
             <a:fld id="{8CC71C08-3195-43D4-9A1F-6CFC67AEC340}" type="datetimeFigureOut">
               <a:rPr lang="en-US" smtClean="0"/>
-              <a:t>2/28/2019</a:t>
+              <a:t>3/1/2019</a:t>
             </a:fld>
             <a:endParaRPr lang="en-US"/>
           </a:p>
@@ -4051,7 +4055,7 @@
           <a:p>
             <a:fld id="{8CC71C08-3195-43D4-9A1F-6CFC67AEC340}" type="datetimeFigureOut">
               <a:rPr lang="en-US" smtClean="0"/>
-              <a:t>2/28/2019</a:t>
+              <a:t>3/1/2019</a:t>
             </a:fld>
             <a:endParaRPr lang="en-US"/>
           </a:p>
@@ -4306,7 +4310,7 @@
           <a:p>
             <a:fld id="{8CC71C08-3195-43D4-9A1F-6CFC67AEC340}" type="datetimeFigureOut">
               <a:rPr lang="en-US" smtClean="0"/>
-              <a:t>2/28/2019</a:t>
+              <a:t>3/1/2019</a:t>
             </a:fld>
             <a:endParaRPr lang="en-US"/>
           </a:p>
@@ -4569,7 +4573,7 @@
           <a:p>
             <a:fld id="{8CC71C08-3195-43D4-9A1F-6CFC67AEC340}" type="datetimeFigureOut">
               <a:rPr lang="en-US" smtClean="0"/>
-              <a:t>2/28/2019</a:t>
+              <a:t>3/1/2019</a:t>
             </a:fld>
             <a:endParaRPr lang="en-US"/>
           </a:p>
@@ -5312,7 +5316,7 @@
           <a:p>
             <a:fld id="{8CC71C08-3195-43D4-9A1F-6CFC67AEC340}" type="datetimeFigureOut">
               <a:rPr lang="en-US" smtClean="0"/>
-              <a:t>2/28/2019</a:t>
+              <a:t>3/1/2019</a:t>
             </a:fld>
             <a:endParaRPr lang="en-US"/>
           </a:p>
@@ -5852,15 +5856,21 @@
             <p:ph type="ctrTitle"/>
           </p:nvPr>
         </p:nvSpPr>
-        <p:spPr/>
+        <p:spPr>
+          <a:xfrm>
+            <a:off x="6096000" y="2807167"/>
+            <a:ext cx="3341036" cy="701580"/>
+          </a:xfrm>
+        </p:spPr>
         <p:txBody>
           <a:bodyPr/>
           <a:lstStyle/>
           <a:p>
             <a:r>
-              <a:rPr lang="en-US" dirty="0"/>
-              <a:t>Snakebite</a:t>
-            </a:r>
+              <a:rPr lang="en-US" dirty="0" err="1"/>
+              <a:t>Snakebait</a:t>
+            </a:r>
+            <a:endParaRPr lang="en-US" dirty="0"/>
           </a:p>
         </p:txBody>
       </p:sp>
@@ -5880,13 +5890,22 @@
             <p:ph type="subTitle" idx="1"/>
           </p:nvPr>
         </p:nvSpPr>
-        <p:spPr/>
+        <p:spPr>
+          <a:xfrm>
+            <a:off x="6510670" y="3508747"/>
+            <a:ext cx="2926366" cy="414841"/>
+          </a:xfrm>
+        </p:spPr>
         <p:txBody>
           <a:bodyPr/>
           <a:lstStyle/>
           <a:p>
             <a:r>
-              <a:rPr lang="en-US" dirty="0"/>
+              <a:rPr lang="en-US" dirty="0">
+                <a:solidFill>
+                  <a:schemeClr val="tx1"/>
+                </a:solidFill>
+              </a:rPr>
               <a:t>Tad, Charlie, Steve, Sasha</a:t>
             </a:r>
           </a:p>
@@ -5963,7 +5982,7 @@
           <p:cNvPr id="2" name="Title 1">
             <a:extLst>
               <a:ext uri="{FF2B5EF4-FFF2-40B4-BE49-F238E27FC236}">
-                <a16:creationId xmlns:a16="http://schemas.microsoft.com/office/drawing/2014/main" id="{455E15F1-4C8E-4060-A3D7-6D5C3FA63DA5}"/>
+                <a16:creationId xmlns:a16="http://schemas.microsoft.com/office/drawing/2014/main" id="{2BA4C45F-0A8F-4D0C-AE64-D48E5E351467}"/>
               </a:ext>
             </a:extLst>
           </p:cNvPr>
@@ -5974,7 +5993,12 @@
             <p:ph type="title"/>
           </p:nvPr>
         </p:nvSpPr>
-        <p:spPr/>
+        <p:spPr>
+          <a:xfrm>
+            <a:off x="838200" y="933296"/>
+            <a:ext cx="10515600" cy="1325563"/>
+          </a:xfrm>
+        </p:spPr>
         <p:txBody>
           <a:bodyPr>
             <a:normAutofit fontScale="90000"/>
@@ -5983,7 +6007,7 @@
           <a:p>
             <a:r>
               <a:rPr lang="en-US" dirty="0"/>
-              <a:t>Question 4: </a:t>
+              <a:t>Question 5: </a:t>
             </a:r>
             <a:r>
               <a:rPr lang="en-US" dirty="0">
@@ -5991,7 +6015,7 @@
                   <a:schemeClr val="tx1"/>
                 </a:solidFill>
               </a:rPr>
-              <a:t>If a county is good at recording their data, then they should have less readmissions. </a:t>
+              <a:t>Is there a relationship between higher Medicare spending and how much data is recorded?</a:t>
             </a:r>
             <a:br>
               <a:rPr lang="en-US" dirty="0"/>
@@ -6005,7 +6029,7 @@
           <p:cNvPr id="3" name="Content Placeholder 2">
             <a:extLst>
               <a:ext uri="{FF2B5EF4-FFF2-40B4-BE49-F238E27FC236}">
-                <a16:creationId xmlns:a16="http://schemas.microsoft.com/office/drawing/2014/main" id="{7143B4AA-F574-426C-ADAC-83AAB5A13F5F}"/>
+                <a16:creationId xmlns:a16="http://schemas.microsoft.com/office/drawing/2014/main" id="{5E7B344C-D99C-4B48-ADE4-E897A73E80D7}"/>
               </a:ext>
             </a:extLst>
           </p:cNvPr>
@@ -6016,19 +6040,24 @@
             <p:ph idx="1"/>
           </p:nvPr>
         </p:nvSpPr>
-        <p:spPr/>
+        <p:spPr>
+          <a:xfrm>
+            <a:off x="838200" y="2645545"/>
+            <a:ext cx="10515600" cy="3531417"/>
+          </a:xfrm>
+        </p:spPr>
         <p:txBody>
           <a:bodyPr/>
           <a:lstStyle/>
           <a:p>
-            <a:endParaRPr lang="en-US"/>
+            <a:endParaRPr lang="en-US" dirty="0"/>
           </a:p>
         </p:txBody>
       </p:sp>
     </p:spTree>
     <p:extLst>
       <p:ext uri="{BB962C8B-B14F-4D97-AF65-F5344CB8AC3E}">
-        <p14:creationId xmlns:p14="http://schemas.microsoft.com/office/powerpoint/2010/main" val="3595413408"/>
+        <p14:creationId xmlns:p14="http://schemas.microsoft.com/office/powerpoint/2010/main" val="4120186997"/>
       </p:ext>
     </p:extLst>
   </p:cSld>
@@ -6041,6 +6070,14 @@
 <file path=ppt/slides/slide11.xml><?xml version="1.0" encoding="utf-8"?>
 <p:sld xmlns:a="http://schemas.openxmlformats.org/drawingml/2006/main" xmlns:r="http://schemas.openxmlformats.org/officeDocument/2006/relationships" xmlns:p="http://schemas.openxmlformats.org/presentationml/2006/main">
   <p:cSld>
+    <p:bg>
+      <p:bgPr>
+        <a:solidFill>
+          <a:schemeClr val="bg1"/>
+        </a:solidFill>
+        <a:effectLst/>
+      </p:bgPr>
+    </p:bg>
     <p:spTree>
       <p:nvGrpSpPr>
         <p:cNvPr id="1" name=""/>
@@ -6055,45 +6092,1938 @@
           <a:chExt cx="0" cy="0"/>
         </a:xfrm>
       </p:grpSpPr>
-      <p:sp>
-        <p:nvSpPr>
-          <p:cNvPr id="2" name="Title 1">
+      <p:grpSp>
+        <p:nvGrpSpPr>
+          <p:cNvPr id="47" name="Group 11">
             <a:extLst>
               <a:ext uri="{FF2B5EF4-FFF2-40B4-BE49-F238E27FC236}">
-                <a16:creationId xmlns:a16="http://schemas.microsoft.com/office/drawing/2014/main" id="{2BA4C45F-0A8F-4D0C-AE64-D48E5E351467}"/>
+                <a16:creationId xmlns:a16="http://schemas.microsoft.com/office/drawing/2014/main" id="{609316A9-990D-4EC3-A671-70EE5C1493A4}"/>
+              </a:ext>
+              <a:ext uri="{C183D7F6-B498-43B3-948B-1728B52AA6E4}">
+                <adec:decorative xmlns:adec="http://schemas.microsoft.com/office/drawing/2017/decorative" val="1"/>
               </a:ext>
             </a:extLst>
           </p:cNvPr>
-          <p:cNvSpPr>
-            <a:spLocks noGrp="1"/>
-          </p:cNvSpPr>
-          <p:nvPr>
-            <p:ph type="title"/>
+          <p:cNvGrpSpPr>
+            <a:grpSpLocks noGrp="1" noUngrp="1" noRot="1" noChangeAspect="1" noMove="1" noResize="1"/>
+          </p:cNvGrpSpPr>
+          <p:nvPr>
+            <p:extLst>
+              <p:ext uri="{386F3935-93C4-4BCD-93E2-E3B085C9AB24}">
+                <p16:designElem xmlns:p16="http://schemas.microsoft.com/office/powerpoint/2015/main" val="1"/>
+              </p:ext>
+            </p:extLst>
+          </p:nvPr>
+        </p:nvGrpSpPr>
+        <p:grpSpPr>
+          <a:xfrm>
+            <a:off x="0" y="-8467"/>
+            <a:ext cx="12192000" cy="6866467"/>
+            <a:chOff x="0" y="-8467"/>
+            <a:chExt cx="12192000" cy="6866467"/>
+          </a:xfrm>
+        </p:grpSpPr>
+        <p:cxnSp>
+          <p:nvCxnSpPr>
+            <p:cNvPr id="13" name="Straight Connector 12">
+              <a:extLst>
+                <a:ext uri="{FF2B5EF4-FFF2-40B4-BE49-F238E27FC236}">
+                  <a16:creationId xmlns:a16="http://schemas.microsoft.com/office/drawing/2014/main" id="{9B0C6109-9159-49CA-AD7A-F9035539DB7F}"/>
+                </a:ext>
+                <a:ext uri="{C183D7F6-B498-43B3-948B-1728B52AA6E4}">
+                  <adec:decorative xmlns:adec="http://schemas.microsoft.com/office/drawing/2017/decorative" val="1"/>
+                </a:ext>
+              </a:extLst>
+            </p:cNvPr>
+            <p:cNvCxnSpPr/>
+            <p:nvPr>
+              <p:extLst>
+                <p:ext uri="{386F3935-93C4-4BCD-93E2-E3B085C9AB24}">
+                  <p16:designElem xmlns:p16="http://schemas.microsoft.com/office/powerpoint/2015/main" val="1"/>
+                </p:ext>
+              </p:extLst>
+            </p:nvPr>
+          </p:nvCxnSpPr>
+          <p:spPr>
+            <a:xfrm>
+              <a:off x="9371012" y="0"/>
+              <a:ext cx="1219200" cy="6858000"/>
+            </a:xfrm>
+            <a:prstGeom prst="line">
+              <a:avLst/>
+            </a:prstGeom>
+            <a:ln w="9525">
+              <a:solidFill>
+                <a:schemeClr val="bg1">
+                  <a:lumMod val="75000"/>
+                </a:schemeClr>
+              </a:solidFill>
+            </a:ln>
+          </p:spPr>
+          <p:style>
+            <a:lnRef idx="2">
+              <a:schemeClr val="accent1"/>
+            </a:lnRef>
+            <a:fillRef idx="0">
+              <a:schemeClr val="accent1"/>
+            </a:fillRef>
+            <a:effectRef idx="1">
+              <a:schemeClr val="accent1"/>
+            </a:effectRef>
+            <a:fontRef idx="minor">
+              <a:schemeClr val="tx1"/>
+            </a:fontRef>
+          </p:style>
+        </p:cxnSp>
+        <p:cxnSp>
+          <p:nvCxnSpPr>
+            <p:cNvPr id="14" name="Straight Connector 13">
+              <a:extLst>
+                <a:ext uri="{FF2B5EF4-FFF2-40B4-BE49-F238E27FC236}">
+                  <a16:creationId xmlns:a16="http://schemas.microsoft.com/office/drawing/2014/main" id="{686F14F5-308C-4EB6-87AB-05DE9501B1AA}"/>
+                </a:ext>
+                <a:ext uri="{C183D7F6-B498-43B3-948B-1728B52AA6E4}">
+                  <adec:decorative xmlns:adec="http://schemas.microsoft.com/office/drawing/2017/decorative" val="1"/>
+                </a:ext>
+              </a:extLst>
+            </p:cNvPr>
+            <p:cNvCxnSpPr/>
+            <p:nvPr>
+              <p:extLst>
+                <p:ext uri="{386F3935-93C4-4BCD-93E2-E3B085C9AB24}">
+                  <p16:designElem xmlns:p16="http://schemas.microsoft.com/office/powerpoint/2015/main" val="1"/>
+                </p:ext>
+              </p:extLst>
+            </p:nvPr>
+          </p:nvCxnSpPr>
+          <p:spPr>
+            <a:xfrm flipH="1">
+              <a:off x="7425267" y="3681413"/>
+              <a:ext cx="4763558" cy="3176587"/>
+            </a:xfrm>
+            <a:prstGeom prst="line">
+              <a:avLst/>
+            </a:prstGeom>
+            <a:ln w="9525">
+              <a:solidFill>
+                <a:schemeClr val="bg1">
+                  <a:lumMod val="85000"/>
+                </a:schemeClr>
+              </a:solidFill>
+            </a:ln>
+          </p:spPr>
+          <p:style>
+            <a:lnRef idx="2">
+              <a:schemeClr val="accent1"/>
+            </a:lnRef>
+            <a:fillRef idx="0">
+              <a:schemeClr val="accent1"/>
+            </a:fillRef>
+            <a:effectRef idx="1">
+              <a:schemeClr val="accent1"/>
+            </a:effectRef>
+            <a:fontRef idx="minor">
+              <a:schemeClr val="tx1"/>
+            </a:fontRef>
+          </p:style>
+        </p:cxnSp>
+        <p:sp>
+          <p:nvSpPr>
+            <p:cNvPr id="15" name="Rectangle 23">
+              <a:extLst>
+                <a:ext uri="{FF2B5EF4-FFF2-40B4-BE49-F238E27FC236}">
+                  <a16:creationId xmlns:a16="http://schemas.microsoft.com/office/drawing/2014/main" id="{BA032363-A188-47C5-9D59-9B788809DCD2}"/>
+                </a:ext>
+                <a:ext uri="{C183D7F6-B498-43B3-948B-1728B52AA6E4}">
+                  <adec:decorative xmlns:adec="http://schemas.microsoft.com/office/drawing/2017/decorative" val="1"/>
+                </a:ext>
+              </a:extLst>
+            </p:cNvPr>
+            <p:cNvSpPr/>
+            <p:nvPr>
+              <p:extLst>
+                <p:ext uri="{386F3935-93C4-4BCD-93E2-E3B085C9AB24}">
+                  <p16:designElem xmlns:p16="http://schemas.microsoft.com/office/powerpoint/2015/main" val="1"/>
+                </p:ext>
+              </p:extLst>
+            </p:nvPr>
+          </p:nvSpPr>
+          <p:spPr>
+            <a:xfrm>
+              <a:off x="9181476" y="-8467"/>
+              <a:ext cx="3007349" cy="6866467"/>
+            </a:xfrm>
+            <a:custGeom>
+              <a:avLst/>
+              <a:gdLst/>
+              <a:ahLst/>
+              <a:cxnLst/>
+              <a:rect l="l" t="t" r="r" b="b"/>
+              <a:pathLst>
+                <a:path w="3007349" h="6866467">
+                  <a:moveTo>
+                    <a:pt x="2045532" y="0"/>
+                  </a:moveTo>
+                  <a:lnTo>
+                    <a:pt x="3007349" y="0"/>
+                  </a:lnTo>
+                  <a:lnTo>
+                    <a:pt x="3007349" y="6866467"/>
+                  </a:lnTo>
+                  <a:lnTo>
+                    <a:pt x="0" y="6866467"/>
+                  </a:lnTo>
+                  <a:lnTo>
+                    <a:pt x="2045532" y="0"/>
+                  </a:lnTo>
+                  <a:close/>
+                </a:path>
+              </a:pathLst>
+            </a:custGeom>
+            <a:solidFill>
+              <a:schemeClr val="accent1">
+                <a:alpha val="30000"/>
+              </a:schemeClr>
+            </a:solidFill>
+            <a:ln>
+              <a:noFill/>
+            </a:ln>
+            <a:effectLst/>
+          </p:spPr>
+          <p:style>
+            <a:lnRef idx="1">
+              <a:schemeClr val="accent1"/>
+            </a:lnRef>
+            <a:fillRef idx="3">
+              <a:schemeClr val="accent1"/>
+            </a:fillRef>
+            <a:effectRef idx="2">
+              <a:schemeClr val="accent1"/>
+            </a:effectRef>
+            <a:fontRef idx="minor">
+              <a:schemeClr val="lt1"/>
+            </a:fontRef>
+          </p:style>
+        </p:sp>
+        <p:sp>
+          <p:nvSpPr>
+            <p:cNvPr id="16" name="Rectangle 25">
+              <a:extLst>
+                <a:ext uri="{FF2B5EF4-FFF2-40B4-BE49-F238E27FC236}">
+                  <a16:creationId xmlns:a16="http://schemas.microsoft.com/office/drawing/2014/main" id="{2C4077DF-6BB9-4069-AD28-6B1664EBB064}"/>
+                </a:ext>
+                <a:ext uri="{C183D7F6-B498-43B3-948B-1728B52AA6E4}">
+                  <adec:decorative xmlns:adec="http://schemas.microsoft.com/office/drawing/2017/decorative" val="1"/>
+                </a:ext>
+              </a:extLst>
+            </p:cNvPr>
+            <p:cNvSpPr/>
+            <p:nvPr>
+              <p:extLst>
+                <p:ext uri="{386F3935-93C4-4BCD-93E2-E3B085C9AB24}">
+                  <p16:designElem xmlns:p16="http://schemas.microsoft.com/office/powerpoint/2015/main" val="1"/>
+                </p:ext>
+              </p:extLst>
+            </p:nvPr>
+          </p:nvSpPr>
+          <p:spPr>
+            <a:xfrm>
+              <a:off x="9603442" y="-8467"/>
+              <a:ext cx="2588558" cy="6866467"/>
+            </a:xfrm>
+            <a:custGeom>
+              <a:avLst/>
+              <a:gdLst/>
+              <a:ahLst/>
+              <a:cxnLst/>
+              <a:rect l="l" t="t" r="r" b="b"/>
+              <a:pathLst>
+                <a:path w="2573311" h="6866467">
+                  <a:moveTo>
+                    <a:pt x="0" y="0"/>
+                  </a:moveTo>
+                  <a:lnTo>
+                    <a:pt x="2573311" y="0"/>
+                  </a:lnTo>
+                  <a:lnTo>
+                    <a:pt x="2573311" y="6866467"/>
+                  </a:lnTo>
+                  <a:lnTo>
+                    <a:pt x="1202336" y="6866467"/>
+                  </a:lnTo>
+                  <a:lnTo>
+                    <a:pt x="0" y="0"/>
+                  </a:lnTo>
+                  <a:close/>
+                </a:path>
+              </a:pathLst>
+            </a:custGeom>
+            <a:solidFill>
+              <a:schemeClr val="accent1">
+                <a:alpha val="20000"/>
+              </a:schemeClr>
+            </a:solidFill>
+            <a:ln>
+              <a:noFill/>
+            </a:ln>
+            <a:effectLst/>
+          </p:spPr>
+          <p:style>
+            <a:lnRef idx="1">
+              <a:schemeClr val="accent1"/>
+            </a:lnRef>
+            <a:fillRef idx="3">
+              <a:schemeClr val="accent1"/>
+            </a:fillRef>
+            <a:effectRef idx="2">
+              <a:schemeClr val="accent1"/>
+            </a:effectRef>
+            <a:fontRef idx="minor">
+              <a:schemeClr val="lt1"/>
+            </a:fontRef>
+          </p:style>
+        </p:sp>
+        <p:sp>
+          <p:nvSpPr>
+            <p:cNvPr id="17" name="Isosceles Triangle 16">
+              <a:extLst>
+                <a:ext uri="{FF2B5EF4-FFF2-40B4-BE49-F238E27FC236}">
+                  <a16:creationId xmlns:a16="http://schemas.microsoft.com/office/drawing/2014/main" id="{1D2B8B50-3419-41ED-9A9F-3CF9EEBBD3F2}"/>
+                </a:ext>
+                <a:ext uri="{C183D7F6-B498-43B3-948B-1728B52AA6E4}">
+                  <adec:decorative xmlns:adec="http://schemas.microsoft.com/office/drawing/2017/decorative" val="1"/>
+                </a:ext>
+              </a:extLst>
+            </p:cNvPr>
+            <p:cNvSpPr/>
+            <p:nvPr>
+              <p:extLst>
+                <p:ext uri="{386F3935-93C4-4BCD-93E2-E3B085C9AB24}">
+                  <p16:designElem xmlns:p16="http://schemas.microsoft.com/office/powerpoint/2015/main" val="1"/>
+                </p:ext>
+              </p:extLst>
+            </p:nvPr>
+          </p:nvSpPr>
+          <p:spPr>
+            <a:xfrm>
+              <a:off x="8932333" y="3048000"/>
+              <a:ext cx="3259667" cy="3810000"/>
+            </a:xfrm>
+            <a:prstGeom prst="triangle">
+              <a:avLst>
+                <a:gd name="adj" fmla="val 100000"/>
+              </a:avLst>
+            </a:prstGeom>
+            <a:solidFill>
+              <a:schemeClr val="accent2">
+                <a:alpha val="72000"/>
+              </a:schemeClr>
+            </a:solidFill>
+            <a:ln>
+              <a:noFill/>
+            </a:ln>
+            <a:effectLst/>
+          </p:spPr>
+          <p:style>
+            <a:lnRef idx="1">
+              <a:schemeClr val="accent1"/>
+            </a:lnRef>
+            <a:fillRef idx="3">
+              <a:schemeClr val="accent1"/>
+            </a:fillRef>
+            <a:effectRef idx="2">
+              <a:schemeClr val="accent1"/>
+            </a:effectRef>
+            <a:fontRef idx="minor">
+              <a:schemeClr val="lt1"/>
+            </a:fontRef>
+          </p:style>
+        </p:sp>
+        <p:sp>
+          <p:nvSpPr>
+            <p:cNvPr id="18" name="Rectangle 27">
+              <a:extLst>
+                <a:ext uri="{FF2B5EF4-FFF2-40B4-BE49-F238E27FC236}">
+                  <a16:creationId xmlns:a16="http://schemas.microsoft.com/office/drawing/2014/main" id="{5C640498-2E73-4FA2-BEB6-C3596A458C8A}"/>
+                </a:ext>
+                <a:ext uri="{C183D7F6-B498-43B3-948B-1728B52AA6E4}">
+                  <adec:decorative xmlns:adec="http://schemas.microsoft.com/office/drawing/2017/decorative" val="1"/>
+                </a:ext>
+              </a:extLst>
+            </p:cNvPr>
+            <p:cNvSpPr/>
+            <p:nvPr>
+              <p:extLst>
+                <p:ext uri="{386F3935-93C4-4BCD-93E2-E3B085C9AB24}">
+                  <p16:designElem xmlns:p16="http://schemas.microsoft.com/office/powerpoint/2015/main" val="1"/>
+                </p:ext>
+              </p:extLst>
+            </p:nvPr>
+          </p:nvSpPr>
+          <p:spPr>
+            <a:xfrm>
+              <a:off x="9334500" y="-8467"/>
+              <a:ext cx="2854326" cy="6866467"/>
+            </a:xfrm>
+            <a:custGeom>
+              <a:avLst/>
+              <a:gdLst/>
+              <a:ahLst/>
+              <a:cxnLst/>
+              <a:rect l="l" t="t" r="r" b="b"/>
+              <a:pathLst>
+                <a:path w="2858013" h="6866467">
+                  <a:moveTo>
+                    <a:pt x="0" y="0"/>
+                  </a:moveTo>
+                  <a:lnTo>
+                    <a:pt x="2858013" y="0"/>
+                  </a:lnTo>
+                  <a:lnTo>
+                    <a:pt x="2858013" y="6866467"/>
+                  </a:lnTo>
+                  <a:lnTo>
+                    <a:pt x="2473942" y="6866467"/>
+                  </a:lnTo>
+                  <a:lnTo>
+                    <a:pt x="0" y="0"/>
+                  </a:lnTo>
+                  <a:close/>
+                </a:path>
+              </a:pathLst>
+            </a:custGeom>
+            <a:solidFill>
+              <a:schemeClr val="accent2">
+                <a:lumMod val="75000"/>
+                <a:alpha val="70000"/>
+              </a:schemeClr>
+            </a:solidFill>
+            <a:ln>
+              <a:noFill/>
+            </a:ln>
+            <a:effectLst/>
+          </p:spPr>
+          <p:style>
+            <a:lnRef idx="1">
+              <a:schemeClr val="accent1"/>
+            </a:lnRef>
+            <a:fillRef idx="3">
+              <a:schemeClr val="accent1"/>
+            </a:fillRef>
+            <a:effectRef idx="2">
+              <a:schemeClr val="accent1"/>
+            </a:effectRef>
+            <a:fontRef idx="minor">
+              <a:schemeClr val="lt1"/>
+            </a:fontRef>
+          </p:style>
+        </p:sp>
+        <p:sp>
+          <p:nvSpPr>
+            <p:cNvPr id="19" name="Rectangle 28">
+              <a:extLst>
+                <a:ext uri="{FF2B5EF4-FFF2-40B4-BE49-F238E27FC236}">
+                  <a16:creationId xmlns:a16="http://schemas.microsoft.com/office/drawing/2014/main" id="{3240EEFC-4112-4C39-A816-C815774F6D69}"/>
+                </a:ext>
+                <a:ext uri="{C183D7F6-B498-43B3-948B-1728B52AA6E4}">
+                  <adec:decorative xmlns:adec="http://schemas.microsoft.com/office/drawing/2017/decorative" val="1"/>
+                </a:ext>
+              </a:extLst>
+            </p:cNvPr>
+            <p:cNvSpPr/>
+            <p:nvPr>
+              <p:extLst>
+                <p:ext uri="{386F3935-93C4-4BCD-93E2-E3B085C9AB24}">
+                  <p16:designElem xmlns:p16="http://schemas.microsoft.com/office/powerpoint/2015/main" val="1"/>
+                </p:ext>
+              </p:extLst>
+            </p:nvPr>
+          </p:nvSpPr>
+          <p:spPr>
+            <a:xfrm>
+              <a:off x="10898730" y="-8467"/>
+              <a:ext cx="1290094" cy="6866467"/>
+            </a:xfrm>
+            <a:custGeom>
+              <a:avLst/>
+              <a:gdLst/>
+              <a:ahLst/>
+              <a:cxnLst/>
+              <a:rect l="l" t="t" r="r" b="b"/>
+              <a:pathLst>
+                <a:path w="1290094" h="6858000">
+                  <a:moveTo>
+                    <a:pt x="1019735" y="0"/>
+                  </a:moveTo>
+                  <a:lnTo>
+                    <a:pt x="1290094" y="0"/>
+                  </a:lnTo>
+                  <a:lnTo>
+                    <a:pt x="1290094" y="6858000"/>
+                  </a:lnTo>
+                  <a:lnTo>
+                    <a:pt x="0" y="6858000"/>
+                  </a:lnTo>
+                  <a:lnTo>
+                    <a:pt x="1019735" y="0"/>
+                  </a:lnTo>
+                  <a:close/>
+                </a:path>
+              </a:pathLst>
+            </a:custGeom>
+            <a:solidFill>
+              <a:schemeClr val="accent1">
+                <a:lumMod val="60000"/>
+                <a:lumOff val="40000"/>
+                <a:alpha val="70000"/>
+              </a:schemeClr>
+            </a:solidFill>
+            <a:ln>
+              <a:noFill/>
+            </a:ln>
+            <a:effectLst/>
+          </p:spPr>
+          <p:style>
+            <a:lnRef idx="1">
+              <a:schemeClr val="accent1"/>
+            </a:lnRef>
+            <a:fillRef idx="3">
+              <a:schemeClr val="accent1"/>
+            </a:fillRef>
+            <a:effectRef idx="2">
+              <a:schemeClr val="accent1"/>
+            </a:effectRef>
+            <a:fontRef idx="minor">
+              <a:schemeClr val="lt1"/>
+            </a:fontRef>
+          </p:style>
+        </p:sp>
+        <p:sp>
+          <p:nvSpPr>
+            <p:cNvPr id="20" name="Rectangle 29">
+              <a:extLst>
+                <a:ext uri="{FF2B5EF4-FFF2-40B4-BE49-F238E27FC236}">
+                  <a16:creationId xmlns:a16="http://schemas.microsoft.com/office/drawing/2014/main" id="{ADF362B0-03EA-4800-9FAA-9F128587E428}"/>
+                </a:ext>
+                <a:ext uri="{C183D7F6-B498-43B3-948B-1728B52AA6E4}">
+                  <adec:decorative xmlns:adec="http://schemas.microsoft.com/office/drawing/2017/decorative" val="1"/>
+                </a:ext>
+              </a:extLst>
+            </p:cNvPr>
+            <p:cNvSpPr/>
+            <p:nvPr>
+              <p:extLst>
+                <p:ext uri="{386F3935-93C4-4BCD-93E2-E3B085C9AB24}">
+                  <p16:designElem xmlns:p16="http://schemas.microsoft.com/office/powerpoint/2015/main" val="1"/>
+                </p:ext>
+              </p:extLst>
+            </p:nvPr>
+          </p:nvSpPr>
+          <p:spPr>
+            <a:xfrm>
+              <a:off x="10938999" y="-8467"/>
+              <a:ext cx="1249825" cy="6866467"/>
+            </a:xfrm>
+            <a:custGeom>
+              <a:avLst/>
+              <a:gdLst/>
+              <a:ahLst/>
+              <a:cxnLst/>
+              <a:rect l="l" t="t" r="r" b="b"/>
+              <a:pathLst>
+                <a:path w="1249825" h="6858000">
+                  <a:moveTo>
+                    <a:pt x="0" y="0"/>
+                  </a:moveTo>
+                  <a:lnTo>
+                    <a:pt x="1249825" y="0"/>
+                  </a:lnTo>
+                  <a:lnTo>
+                    <a:pt x="1249825" y="6858000"/>
+                  </a:lnTo>
+                  <a:lnTo>
+                    <a:pt x="1109382" y="6858000"/>
+                  </a:lnTo>
+                  <a:lnTo>
+                    <a:pt x="0" y="0"/>
+                  </a:lnTo>
+                  <a:close/>
+                </a:path>
+              </a:pathLst>
+            </a:custGeom>
+            <a:solidFill>
+              <a:schemeClr val="accent1">
+                <a:alpha val="65000"/>
+              </a:schemeClr>
+            </a:solidFill>
+            <a:ln>
+              <a:noFill/>
+            </a:ln>
+            <a:effectLst/>
+          </p:spPr>
+          <p:style>
+            <a:lnRef idx="1">
+              <a:schemeClr val="accent1"/>
+            </a:lnRef>
+            <a:fillRef idx="3">
+              <a:schemeClr val="accent1"/>
+            </a:fillRef>
+            <a:effectRef idx="2">
+              <a:schemeClr val="accent1"/>
+            </a:effectRef>
+            <a:fontRef idx="minor">
+              <a:schemeClr val="lt1"/>
+            </a:fontRef>
+          </p:style>
+        </p:sp>
+        <p:sp>
+          <p:nvSpPr>
+            <p:cNvPr id="21" name="Isosceles Triangle 20">
+              <a:extLst>
+                <a:ext uri="{FF2B5EF4-FFF2-40B4-BE49-F238E27FC236}">
+                  <a16:creationId xmlns:a16="http://schemas.microsoft.com/office/drawing/2014/main" id="{0BA84559-2F4C-4795-9246-4C563F942DB9}"/>
+                </a:ext>
+                <a:ext uri="{C183D7F6-B498-43B3-948B-1728B52AA6E4}">
+                  <adec:decorative xmlns:adec="http://schemas.microsoft.com/office/drawing/2017/decorative" val="1"/>
+                </a:ext>
+              </a:extLst>
+            </p:cNvPr>
+            <p:cNvSpPr/>
+            <p:nvPr>
+              <p:extLst>
+                <p:ext uri="{386F3935-93C4-4BCD-93E2-E3B085C9AB24}">
+                  <p16:designElem xmlns:p16="http://schemas.microsoft.com/office/powerpoint/2015/main" val="1"/>
+                </p:ext>
+              </p:extLst>
+            </p:nvPr>
+          </p:nvSpPr>
+          <p:spPr>
+            <a:xfrm>
+              <a:off x="10371666" y="3589867"/>
+              <a:ext cx="1817159" cy="3268133"/>
+            </a:xfrm>
+            <a:prstGeom prst="triangle">
+              <a:avLst>
+                <a:gd name="adj" fmla="val 100000"/>
+              </a:avLst>
+            </a:prstGeom>
+            <a:solidFill>
+              <a:schemeClr val="accent1">
+                <a:alpha val="80000"/>
+              </a:schemeClr>
+            </a:solidFill>
+            <a:ln>
+              <a:noFill/>
+            </a:ln>
+            <a:effectLst/>
+          </p:spPr>
+          <p:style>
+            <a:lnRef idx="1">
+              <a:schemeClr val="accent1"/>
+            </a:lnRef>
+            <a:fillRef idx="3">
+              <a:schemeClr val="accent1"/>
+            </a:fillRef>
+            <a:effectRef idx="2">
+              <a:schemeClr val="accent1"/>
+            </a:effectRef>
+            <a:fontRef idx="minor">
+              <a:schemeClr val="lt1"/>
+            </a:fontRef>
+          </p:style>
+        </p:sp>
+        <p:sp>
+          <p:nvSpPr>
+            <p:cNvPr id="22" name="Isosceles Triangle 21">
+              <a:extLst>
+                <a:ext uri="{FF2B5EF4-FFF2-40B4-BE49-F238E27FC236}">
+                  <a16:creationId xmlns:a16="http://schemas.microsoft.com/office/drawing/2014/main" id="{FA77A1AA-CA47-4A91-A0A1-0A8CE31A985E}"/>
+                </a:ext>
+                <a:ext uri="{C183D7F6-B498-43B3-948B-1728B52AA6E4}">
+                  <adec:decorative xmlns:adec="http://schemas.microsoft.com/office/drawing/2017/decorative" val="1"/>
+                </a:ext>
+              </a:extLst>
+            </p:cNvPr>
+            <p:cNvSpPr/>
+            <p:nvPr>
+              <p:extLst>
+                <p:ext uri="{386F3935-93C4-4BCD-93E2-E3B085C9AB24}">
+                  <p16:designElem xmlns:p16="http://schemas.microsoft.com/office/powerpoint/2015/main" val="1"/>
+                </p:ext>
+              </p:extLst>
+            </p:nvPr>
+          </p:nvSpPr>
+          <p:spPr>
+            <a:xfrm>
+              <a:off x="0" y="4013200"/>
+              <a:ext cx="448733" cy="2844800"/>
+            </a:xfrm>
+            <a:prstGeom prst="triangle">
+              <a:avLst>
+                <a:gd name="adj" fmla="val 0"/>
+              </a:avLst>
+            </a:prstGeom>
+            <a:solidFill>
+              <a:schemeClr val="accent1">
+                <a:alpha val="85000"/>
+              </a:schemeClr>
+            </a:solidFill>
+            <a:ln>
+              <a:noFill/>
+            </a:ln>
+            <a:effectLst/>
+          </p:spPr>
+          <p:style>
+            <a:lnRef idx="1">
+              <a:schemeClr val="accent1"/>
+            </a:lnRef>
+            <a:fillRef idx="3">
+              <a:schemeClr val="accent1"/>
+            </a:fillRef>
+            <a:effectRef idx="2">
+              <a:schemeClr val="accent1"/>
+            </a:effectRef>
+            <a:fontRef idx="minor">
+              <a:schemeClr val="lt1"/>
+            </a:fontRef>
+          </p:style>
+        </p:sp>
+      </p:grpSp>
+      <p:sp>
+        <p:nvSpPr>
+          <p:cNvPr id="48" name="Rectangle 23">
+            <a:extLst>
+              <a:ext uri="{FF2B5EF4-FFF2-40B4-BE49-F238E27FC236}">
+                <a16:creationId xmlns:a16="http://schemas.microsoft.com/office/drawing/2014/main" id="{03E8462A-FEBA-4848-81CC-3F8DA3E477BE}"/>
+              </a:ext>
+              <a:ext uri="{C183D7F6-B498-43B3-948B-1728B52AA6E4}">
+                <adec:decorative xmlns:adec="http://schemas.microsoft.com/office/drawing/2017/decorative" val="1"/>
+              </a:ext>
+            </a:extLst>
+          </p:cNvPr>
+          <p:cNvSpPr>
+            <a:spLocks noGrp="1" noRot="1" noChangeAspect="1" noMove="1" noResize="1" noEditPoints="1" noAdjustHandles="1" noChangeArrowheads="1" noChangeShapeType="1" noTextEdit="1"/>
+          </p:cNvSpPr>
+          <p:nvPr>
+            <p:extLst>
+              <p:ext uri="{386F3935-93C4-4BCD-93E2-E3B085C9AB24}">
+                <p16:designElem xmlns:p16="http://schemas.microsoft.com/office/powerpoint/2015/main" val="1"/>
+              </p:ext>
+            </p:extLst>
           </p:nvPr>
         </p:nvSpPr>
         <p:spPr>
           <a:xfrm>
-            <a:off x="838200" y="933296"/>
-            <a:ext cx="10515600" cy="1325563"/>
+            <a:off x="0" y="0"/>
+            <a:ext cx="12188952" cy="6858000"/>
+          </a:xfrm>
+          <a:prstGeom prst="rect">
+            <a:avLst/>
+          </a:prstGeom>
+          <a:solidFill>
+            <a:schemeClr val="accent2"/>
+          </a:solidFill>
+          <a:ln>
+            <a:noFill/>
+          </a:ln>
+        </p:spPr>
+        <p:style>
+          <a:lnRef idx="2">
+            <a:schemeClr val="accent1">
+              <a:shade val="50000"/>
+            </a:schemeClr>
+          </a:lnRef>
+          <a:fillRef idx="1">
+            <a:schemeClr val="accent1"/>
+          </a:fillRef>
+          <a:effectRef idx="0">
+            <a:schemeClr val="accent1"/>
+          </a:effectRef>
+          <a:fontRef idx="minor">
+            <a:schemeClr val="lt1"/>
+          </a:fontRef>
+        </p:style>
+        <p:txBody>
+          <a:bodyPr rtlCol="0" anchor="ctr"/>
+          <a:lstStyle/>
+          <a:p>
+            <a:pPr algn="ctr"/>
+            <a:endParaRPr lang="en-US"/>
+          </a:p>
+        </p:txBody>
+      </p:sp>
+      <p:grpSp>
+        <p:nvGrpSpPr>
+          <p:cNvPr id="49" name="Group 25">
+            <a:extLst>
+              <a:ext uri="{FF2B5EF4-FFF2-40B4-BE49-F238E27FC236}">
+                <a16:creationId xmlns:a16="http://schemas.microsoft.com/office/drawing/2014/main" id="{2109F83F-40FE-4DB3-84CC-09FB3340D06D}"/>
+              </a:ext>
+              <a:ext uri="{C183D7F6-B498-43B3-948B-1728B52AA6E4}">
+                <adec:decorative xmlns:adec="http://schemas.microsoft.com/office/drawing/2017/decorative" val="1"/>
+              </a:ext>
+            </a:extLst>
+          </p:cNvPr>
+          <p:cNvGrpSpPr>
+            <a:grpSpLocks noGrp="1" noUngrp="1" noRot="1" noChangeAspect="1" noMove="1" noResize="1"/>
+          </p:cNvGrpSpPr>
+          <p:nvPr>
+            <p:extLst>
+              <p:ext uri="{386F3935-93C4-4BCD-93E2-E3B085C9AB24}">
+                <p16:designElem xmlns:p16="http://schemas.microsoft.com/office/powerpoint/2015/main" val="1"/>
+              </p:ext>
+            </p:extLst>
+          </p:nvPr>
+        </p:nvGrpSpPr>
+        <p:grpSpPr>
+          <a:xfrm>
+            <a:off x="0" y="-8467"/>
+            <a:ext cx="12192000" cy="6866467"/>
+            <a:chOff x="0" y="-8467"/>
+            <a:chExt cx="12192000" cy="6866467"/>
+          </a:xfrm>
+        </p:grpSpPr>
+        <p:cxnSp>
+          <p:nvCxnSpPr>
+            <p:cNvPr id="27" name="Straight Connector 26">
+              <a:extLst>
+                <a:ext uri="{FF2B5EF4-FFF2-40B4-BE49-F238E27FC236}">
+                  <a16:creationId xmlns:a16="http://schemas.microsoft.com/office/drawing/2014/main" id="{1DE492D7-C3C3-48FF-80C8-37021EA0262F}"/>
+                </a:ext>
+                <a:ext uri="{C183D7F6-B498-43B3-948B-1728B52AA6E4}">
+                  <adec:decorative xmlns:adec="http://schemas.microsoft.com/office/drawing/2017/decorative" val="1"/>
+                </a:ext>
+              </a:extLst>
+            </p:cNvPr>
+            <p:cNvCxnSpPr/>
+            <p:nvPr>
+              <p:extLst>
+                <p:ext uri="{386F3935-93C4-4BCD-93E2-E3B085C9AB24}">
+                  <p16:designElem xmlns:p16="http://schemas.microsoft.com/office/powerpoint/2015/main" val="1"/>
+                </p:ext>
+              </p:extLst>
+            </p:nvPr>
+          </p:nvCxnSpPr>
+          <p:spPr>
+            <a:xfrm flipH="1">
+              <a:off x="7425267" y="3681413"/>
+              <a:ext cx="4763558" cy="3176587"/>
+            </a:xfrm>
+            <a:prstGeom prst="line">
+              <a:avLst/>
+            </a:prstGeom>
+            <a:ln w="9525">
+              <a:solidFill>
+                <a:schemeClr val="bg1">
+                  <a:lumMod val="85000"/>
+                </a:schemeClr>
+              </a:solidFill>
+            </a:ln>
+          </p:spPr>
+          <p:style>
+            <a:lnRef idx="2">
+              <a:schemeClr val="accent1"/>
+            </a:lnRef>
+            <a:fillRef idx="0">
+              <a:schemeClr val="accent1"/>
+            </a:fillRef>
+            <a:effectRef idx="1">
+              <a:schemeClr val="accent1"/>
+            </a:effectRef>
+            <a:fontRef idx="minor">
+              <a:schemeClr val="tx1"/>
+            </a:fontRef>
+          </p:style>
+        </p:cxnSp>
+        <p:sp>
+          <p:nvSpPr>
+            <p:cNvPr id="28" name="Rectangle 23">
+              <a:extLst>
+                <a:ext uri="{FF2B5EF4-FFF2-40B4-BE49-F238E27FC236}">
+                  <a16:creationId xmlns:a16="http://schemas.microsoft.com/office/drawing/2014/main" id="{0B30FF97-2E9A-490A-AED2-90BA2E0EC17F}"/>
+                </a:ext>
+                <a:ext uri="{C183D7F6-B498-43B3-948B-1728B52AA6E4}">
+                  <adec:decorative xmlns:adec="http://schemas.microsoft.com/office/drawing/2017/decorative" val="1"/>
+                </a:ext>
+              </a:extLst>
+            </p:cNvPr>
+            <p:cNvSpPr/>
+            <p:nvPr>
+              <p:extLst>
+                <p:ext uri="{386F3935-93C4-4BCD-93E2-E3B085C9AB24}">
+                  <p16:designElem xmlns:p16="http://schemas.microsoft.com/office/powerpoint/2015/main" val="1"/>
+                </p:ext>
+              </p:extLst>
+            </p:nvPr>
+          </p:nvSpPr>
+          <p:spPr>
+            <a:xfrm>
+              <a:off x="9181476" y="-8467"/>
+              <a:ext cx="3007349" cy="6866467"/>
+            </a:xfrm>
+            <a:custGeom>
+              <a:avLst/>
+              <a:gdLst/>
+              <a:ahLst/>
+              <a:cxnLst/>
+              <a:rect l="l" t="t" r="r" b="b"/>
+              <a:pathLst>
+                <a:path w="3007349" h="6866467">
+                  <a:moveTo>
+                    <a:pt x="2045532" y="0"/>
+                  </a:moveTo>
+                  <a:lnTo>
+                    <a:pt x="3007349" y="0"/>
+                  </a:lnTo>
+                  <a:lnTo>
+                    <a:pt x="3007349" y="6866467"/>
+                  </a:lnTo>
+                  <a:lnTo>
+                    <a:pt x="0" y="6866467"/>
+                  </a:lnTo>
+                  <a:lnTo>
+                    <a:pt x="2045532" y="0"/>
+                  </a:lnTo>
+                  <a:close/>
+                </a:path>
+              </a:pathLst>
+            </a:custGeom>
+            <a:solidFill>
+              <a:schemeClr val="accent1">
+                <a:alpha val="30000"/>
+              </a:schemeClr>
+            </a:solidFill>
+            <a:ln>
+              <a:noFill/>
+            </a:ln>
+            <a:effectLst/>
+          </p:spPr>
+          <p:style>
+            <a:lnRef idx="1">
+              <a:schemeClr val="accent1"/>
+            </a:lnRef>
+            <a:fillRef idx="3">
+              <a:schemeClr val="accent1"/>
+            </a:fillRef>
+            <a:effectRef idx="2">
+              <a:schemeClr val="accent1"/>
+            </a:effectRef>
+            <a:fontRef idx="minor">
+              <a:schemeClr val="lt1"/>
+            </a:fontRef>
+          </p:style>
+        </p:sp>
+        <p:sp>
+          <p:nvSpPr>
+            <p:cNvPr id="29" name="Rectangle 25">
+              <a:extLst>
+                <a:ext uri="{FF2B5EF4-FFF2-40B4-BE49-F238E27FC236}">
+                  <a16:creationId xmlns:a16="http://schemas.microsoft.com/office/drawing/2014/main" id="{B6D53C7D-A312-47B6-A66A-230A19CFACA6}"/>
+                </a:ext>
+                <a:ext uri="{C183D7F6-B498-43B3-948B-1728B52AA6E4}">
+                  <adec:decorative xmlns:adec="http://schemas.microsoft.com/office/drawing/2017/decorative" val="1"/>
+                </a:ext>
+              </a:extLst>
+            </p:cNvPr>
+            <p:cNvSpPr/>
+            <p:nvPr>
+              <p:extLst>
+                <p:ext uri="{386F3935-93C4-4BCD-93E2-E3B085C9AB24}">
+                  <p16:designElem xmlns:p16="http://schemas.microsoft.com/office/powerpoint/2015/main" val="1"/>
+                </p:ext>
+              </p:extLst>
+            </p:nvPr>
+          </p:nvSpPr>
+          <p:spPr>
+            <a:xfrm>
+              <a:off x="9603442" y="-8467"/>
+              <a:ext cx="2588558" cy="6866467"/>
+            </a:xfrm>
+            <a:custGeom>
+              <a:avLst/>
+              <a:gdLst/>
+              <a:ahLst/>
+              <a:cxnLst/>
+              <a:rect l="l" t="t" r="r" b="b"/>
+              <a:pathLst>
+                <a:path w="2573311" h="6866467">
+                  <a:moveTo>
+                    <a:pt x="0" y="0"/>
+                  </a:moveTo>
+                  <a:lnTo>
+                    <a:pt x="2573311" y="0"/>
+                  </a:lnTo>
+                  <a:lnTo>
+                    <a:pt x="2573311" y="6866467"/>
+                  </a:lnTo>
+                  <a:lnTo>
+                    <a:pt x="1202336" y="6866467"/>
+                  </a:lnTo>
+                  <a:lnTo>
+                    <a:pt x="0" y="0"/>
+                  </a:lnTo>
+                  <a:close/>
+                </a:path>
+              </a:pathLst>
+            </a:custGeom>
+            <a:solidFill>
+              <a:schemeClr val="accent1">
+                <a:alpha val="20000"/>
+              </a:schemeClr>
+            </a:solidFill>
+            <a:ln>
+              <a:noFill/>
+            </a:ln>
+            <a:effectLst/>
+          </p:spPr>
+          <p:style>
+            <a:lnRef idx="1">
+              <a:schemeClr val="accent1"/>
+            </a:lnRef>
+            <a:fillRef idx="3">
+              <a:schemeClr val="accent1"/>
+            </a:fillRef>
+            <a:effectRef idx="2">
+              <a:schemeClr val="accent1"/>
+            </a:effectRef>
+            <a:fontRef idx="minor">
+              <a:schemeClr val="lt1"/>
+            </a:fontRef>
+          </p:style>
+        </p:sp>
+        <p:sp>
+          <p:nvSpPr>
+            <p:cNvPr id="30" name="Isosceles Triangle 29">
+              <a:extLst>
+                <a:ext uri="{FF2B5EF4-FFF2-40B4-BE49-F238E27FC236}">
+                  <a16:creationId xmlns:a16="http://schemas.microsoft.com/office/drawing/2014/main" id="{9329D58C-0D2E-4A2B-AD6A-9CEE506784A8}"/>
+                </a:ext>
+                <a:ext uri="{C183D7F6-B498-43B3-948B-1728B52AA6E4}">
+                  <adec:decorative xmlns:adec="http://schemas.microsoft.com/office/drawing/2017/decorative" val="1"/>
+                </a:ext>
+              </a:extLst>
+            </p:cNvPr>
+            <p:cNvSpPr/>
+            <p:nvPr>
+              <p:extLst>
+                <p:ext uri="{386F3935-93C4-4BCD-93E2-E3B085C9AB24}">
+                  <p16:designElem xmlns:p16="http://schemas.microsoft.com/office/powerpoint/2015/main" val="1"/>
+                </p:ext>
+              </p:extLst>
+            </p:nvPr>
+          </p:nvSpPr>
+          <p:spPr>
+            <a:xfrm>
+              <a:off x="8932333" y="3048000"/>
+              <a:ext cx="3259667" cy="3810000"/>
+            </a:xfrm>
+            <a:prstGeom prst="triangle">
+              <a:avLst>
+                <a:gd name="adj" fmla="val 100000"/>
+              </a:avLst>
+            </a:prstGeom>
+            <a:solidFill>
+              <a:schemeClr val="accent2">
+                <a:alpha val="72000"/>
+              </a:schemeClr>
+            </a:solidFill>
+            <a:ln>
+              <a:noFill/>
+            </a:ln>
+            <a:effectLst/>
+          </p:spPr>
+          <p:style>
+            <a:lnRef idx="1">
+              <a:schemeClr val="accent1"/>
+            </a:lnRef>
+            <a:fillRef idx="3">
+              <a:schemeClr val="accent1"/>
+            </a:fillRef>
+            <a:effectRef idx="2">
+              <a:schemeClr val="accent1"/>
+            </a:effectRef>
+            <a:fontRef idx="minor">
+              <a:schemeClr val="lt1"/>
+            </a:fontRef>
+          </p:style>
+        </p:sp>
+        <p:sp>
+          <p:nvSpPr>
+            <p:cNvPr id="31" name="Rectangle 27">
+              <a:extLst>
+                <a:ext uri="{FF2B5EF4-FFF2-40B4-BE49-F238E27FC236}">
+                  <a16:creationId xmlns:a16="http://schemas.microsoft.com/office/drawing/2014/main" id="{9D446EDE-C690-4461-8BF2-7634808FC8B4}"/>
+                </a:ext>
+                <a:ext uri="{C183D7F6-B498-43B3-948B-1728B52AA6E4}">
+                  <adec:decorative xmlns:adec="http://schemas.microsoft.com/office/drawing/2017/decorative" val="1"/>
+                </a:ext>
+              </a:extLst>
+            </p:cNvPr>
+            <p:cNvSpPr/>
+            <p:nvPr>
+              <p:extLst>
+                <p:ext uri="{386F3935-93C4-4BCD-93E2-E3B085C9AB24}">
+                  <p16:designElem xmlns:p16="http://schemas.microsoft.com/office/powerpoint/2015/main" val="1"/>
+                </p:ext>
+              </p:extLst>
+            </p:nvPr>
+          </p:nvSpPr>
+          <p:spPr>
+            <a:xfrm>
+              <a:off x="9334500" y="-8467"/>
+              <a:ext cx="2854326" cy="6866467"/>
+            </a:xfrm>
+            <a:custGeom>
+              <a:avLst/>
+              <a:gdLst/>
+              <a:ahLst/>
+              <a:cxnLst/>
+              <a:rect l="l" t="t" r="r" b="b"/>
+              <a:pathLst>
+                <a:path w="2858013" h="6866467">
+                  <a:moveTo>
+                    <a:pt x="0" y="0"/>
+                  </a:moveTo>
+                  <a:lnTo>
+                    <a:pt x="2858013" y="0"/>
+                  </a:lnTo>
+                  <a:lnTo>
+                    <a:pt x="2858013" y="6866467"/>
+                  </a:lnTo>
+                  <a:lnTo>
+                    <a:pt x="2473942" y="6866467"/>
+                  </a:lnTo>
+                  <a:lnTo>
+                    <a:pt x="0" y="0"/>
+                  </a:lnTo>
+                  <a:close/>
+                </a:path>
+              </a:pathLst>
+            </a:custGeom>
+            <a:solidFill>
+              <a:schemeClr val="accent2">
+                <a:lumMod val="75000"/>
+                <a:alpha val="70000"/>
+              </a:schemeClr>
+            </a:solidFill>
+            <a:ln>
+              <a:noFill/>
+            </a:ln>
+            <a:effectLst/>
+          </p:spPr>
+          <p:style>
+            <a:lnRef idx="1">
+              <a:schemeClr val="accent1"/>
+            </a:lnRef>
+            <a:fillRef idx="3">
+              <a:schemeClr val="accent1"/>
+            </a:fillRef>
+            <a:effectRef idx="2">
+              <a:schemeClr val="accent1"/>
+            </a:effectRef>
+            <a:fontRef idx="minor">
+              <a:schemeClr val="lt1"/>
+            </a:fontRef>
+          </p:style>
+        </p:sp>
+        <p:sp>
+          <p:nvSpPr>
+            <p:cNvPr id="32" name="Rectangle 28">
+              <a:extLst>
+                <a:ext uri="{FF2B5EF4-FFF2-40B4-BE49-F238E27FC236}">
+                  <a16:creationId xmlns:a16="http://schemas.microsoft.com/office/drawing/2014/main" id="{323F3D34-6531-4AD7-A8C6-195A090281A1}"/>
+                </a:ext>
+                <a:ext uri="{C183D7F6-B498-43B3-948B-1728B52AA6E4}">
+                  <adec:decorative xmlns:adec="http://schemas.microsoft.com/office/drawing/2017/decorative" val="1"/>
+                </a:ext>
+              </a:extLst>
+            </p:cNvPr>
+            <p:cNvSpPr/>
+            <p:nvPr>
+              <p:extLst>
+                <p:ext uri="{386F3935-93C4-4BCD-93E2-E3B085C9AB24}">
+                  <p16:designElem xmlns:p16="http://schemas.microsoft.com/office/powerpoint/2015/main" val="1"/>
+                </p:ext>
+              </p:extLst>
+            </p:nvPr>
+          </p:nvSpPr>
+          <p:spPr>
+            <a:xfrm>
+              <a:off x="10898730" y="-8467"/>
+              <a:ext cx="1290094" cy="6866467"/>
+            </a:xfrm>
+            <a:custGeom>
+              <a:avLst/>
+              <a:gdLst/>
+              <a:ahLst/>
+              <a:cxnLst/>
+              <a:rect l="l" t="t" r="r" b="b"/>
+              <a:pathLst>
+                <a:path w="1290094" h="6858000">
+                  <a:moveTo>
+                    <a:pt x="1019735" y="0"/>
+                  </a:moveTo>
+                  <a:lnTo>
+                    <a:pt x="1290094" y="0"/>
+                  </a:lnTo>
+                  <a:lnTo>
+                    <a:pt x="1290094" y="6858000"/>
+                  </a:lnTo>
+                  <a:lnTo>
+                    <a:pt x="0" y="6858000"/>
+                  </a:lnTo>
+                  <a:lnTo>
+                    <a:pt x="1019735" y="0"/>
+                  </a:lnTo>
+                  <a:close/>
+                </a:path>
+              </a:pathLst>
+            </a:custGeom>
+            <a:solidFill>
+              <a:schemeClr val="accent1">
+                <a:lumMod val="60000"/>
+                <a:lumOff val="40000"/>
+                <a:alpha val="70000"/>
+              </a:schemeClr>
+            </a:solidFill>
+            <a:ln>
+              <a:noFill/>
+            </a:ln>
+            <a:effectLst/>
+          </p:spPr>
+          <p:style>
+            <a:lnRef idx="1">
+              <a:schemeClr val="accent1"/>
+            </a:lnRef>
+            <a:fillRef idx="3">
+              <a:schemeClr val="accent1"/>
+            </a:fillRef>
+            <a:effectRef idx="2">
+              <a:schemeClr val="accent1"/>
+            </a:effectRef>
+            <a:fontRef idx="minor">
+              <a:schemeClr val="lt1"/>
+            </a:fontRef>
+          </p:style>
+        </p:sp>
+        <p:sp>
+          <p:nvSpPr>
+            <p:cNvPr id="33" name="Rectangle 29">
+              <a:extLst>
+                <a:ext uri="{FF2B5EF4-FFF2-40B4-BE49-F238E27FC236}">
+                  <a16:creationId xmlns:a16="http://schemas.microsoft.com/office/drawing/2014/main" id="{B9B0AE3F-2350-435F-A9B0-C310BF876385}"/>
+                </a:ext>
+                <a:ext uri="{C183D7F6-B498-43B3-948B-1728B52AA6E4}">
+                  <adec:decorative xmlns:adec="http://schemas.microsoft.com/office/drawing/2017/decorative" val="1"/>
+                </a:ext>
+              </a:extLst>
+            </p:cNvPr>
+            <p:cNvSpPr/>
+            <p:nvPr>
+              <p:extLst>
+                <p:ext uri="{386F3935-93C4-4BCD-93E2-E3B085C9AB24}">
+                  <p16:designElem xmlns:p16="http://schemas.microsoft.com/office/powerpoint/2015/main" val="1"/>
+                </p:ext>
+              </p:extLst>
+            </p:nvPr>
+          </p:nvSpPr>
+          <p:spPr>
+            <a:xfrm>
+              <a:off x="10938999" y="-8467"/>
+              <a:ext cx="1249825" cy="6866467"/>
+            </a:xfrm>
+            <a:custGeom>
+              <a:avLst/>
+              <a:gdLst/>
+              <a:ahLst/>
+              <a:cxnLst/>
+              <a:rect l="l" t="t" r="r" b="b"/>
+              <a:pathLst>
+                <a:path w="1249825" h="6858000">
+                  <a:moveTo>
+                    <a:pt x="0" y="0"/>
+                  </a:moveTo>
+                  <a:lnTo>
+                    <a:pt x="1249825" y="0"/>
+                  </a:lnTo>
+                  <a:lnTo>
+                    <a:pt x="1249825" y="6858000"/>
+                  </a:lnTo>
+                  <a:lnTo>
+                    <a:pt x="1109382" y="6858000"/>
+                  </a:lnTo>
+                  <a:lnTo>
+                    <a:pt x="0" y="0"/>
+                  </a:lnTo>
+                  <a:close/>
+                </a:path>
+              </a:pathLst>
+            </a:custGeom>
+            <a:solidFill>
+              <a:schemeClr val="accent1">
+                <a:alpha val="65000"/>
+              </a:schemeClr>
+            </a:solidFill>
+            <a:ln>
+              <a:noFill/>
+            </a:ln>
+            <a:effectLst/>
+          </p:spPr>
+          <p:style>
+            <a:lnRef idx="1">
+              <a:schemeClr val="accent1"/>
+            </a:lnRef>
+            <a:fillRef idx="3">
+              <a:schemeClr val="accent1"/>
+            </a:fillRef>
+            <a:effectRef idx="2">
+              <a:schemeClr val="accent1"/>
+            </a:effectRef>
+            <a:fontRef idx="minor">
+              <a:schemeClr val="lt1"/>
+            </a:fontRef>
+          </p:style>
+        </p:sp>
+        <p:sp>
+          <p:nvSpPr>
+            <p:cNvPr id="34" name="Isosceles Triangle 33">
+              <a:extLst>
+                <a:ext uri="{FF2B5EF4-FFF2-40B4-BE49-F238E27FC236}">
+                  <a16:creationId xmlns:a16="http://schemas.microsoft.com/office/drawing/2014/main" id="{4EFA655C-9E50-4C14-A89E-AD7B648E4E2B}"/>
+                </a:ext>
+                <a:ext uri="{C183D7F6-B498-43B3-948B-1728B52AA6E4}">
+                  <adec:decorative xmlns:adec="http://schemas.microsoft.com/office/drawing/2017/decorative" val="1"/>
+                </a:ext>
+              </a:extLst>
+            </p:cNvPr>
+            <p:cNvSpPr/>
+            <p:nvPr>
+              <p:extLst>
+                <p:ext uri="{386F3935-93C4-4BCD-93E2-E3B085C9AB24}">
+                  <p16:designElem xmlns:p16="http://schemas.microsoft.com/office/powerpoint/2015/main" val="1"/>
+                </p:ext>
+              </p:extLst>
+            </p:nvPr>
+          </p:nvSpPr>
+          <p:spPr>
+            <a:xfrm>
+              <a:off x="10371666" y="3589867"/>
+              <a:ext cx="1817159" cy="3268133"/>
+            </a:xfrm>
+            <a:prstGeom prst="triangle">
+              <a:avLst>
+                <a:gd name="adj" fmla="val 100000"/>
+              </a:avLst>
+            </a:prstGeom>
+            <a:solidFill>
+              <a:schemeClr val="accent1">
+                <a:alpha val="80000"/>
+              </a:schemeClr>
+            </a:solidFill>
+            <a:ln>
+              <a:noFill/>
+            </a:ln>
+            <a:effectLst/>
+          </p:spPr>
+          <p:style>
+            <a:lnRef idx="1">
+              <a:schemeClr val="accent1"/>
+            </a:lnRef>
+            <a:fillRef idx="3">
+              <a:schemeClr val="accent1"/>
+            </a:fillRef>
+            <a:effectRef idx="2">
+              <a:schemeClr val="accent1"/>
+            </a:effectRef>
+            <a:fontRef idx="minor">
+              <a:schemeClr val="lt1"/>
+            </a:fontRef>
+          </p:style>
+        </p:sp>
+        <p:sp>
+          <p:nvSpPr>
+            <p:cNvPr id="35" name="Isosceles Triangle 34">
+              <a:extLst>
+                <a:ext uri="{FF2B5EF4-FFF2-40B4-BE49-F238E27FC236}">
+                  <a16:creationId xmlns:a16="http://schemas.microsoft.com/office/drawing/2014/main" id="{3E843863-7D25-4C01-9A17-E817CB6D998A}"/>
+                </a:ext>
+                <a:ext uri="{C183D7F6-B498-43B3-948B-1728B52AA6E4}">
+                  <adec:decorative xmlns:adec="http://schemas.microsoft.com/office/drawing/2017/decorative" val="1"/>
+                </a:ext>
+              </a:extLst>
+            </p:cNvPr>
+            <p:cNvSpPr/>
+            <p:nvPr>
+              <p:extLst>
+                <p:ext uri="{386F3935-93C4-4BCD-93E2-E3B085C9AB24}">
+                  <p16:designElem xmlns:p16="http://schemas.microsoft.com/office/powerpoint/2015/main" val="1"/>
+                </p:ext>
+              </p:extLst>
+            </p:nvPr>
+          </p:nvSpPr>
+          <p:spPr>
+            <a:xfrm>
+              <a:off x="0" y="4013200"/>
+              <a:ext cx="448733" cy="2844800"/>
+            </a:xfrm>
+            <a:prstGeom prst="triangle">
+              <a:avLst>
+                <a:gd name="adj" fmla="val 0"/>
+              </a:avLst>
+            </a:prstGeom>
+            <a:solidFill>
+              <a:schemeClr val="accent1">
+                <a:alpha val="85000"/>
+              </a:schemeClr>
+            </a:solidFill>
+            <a:ln>
+              <a:noFill/>
+            </a:ln>
+            <a:effectLst/>
+          </p:spPr>
+          <p:style>
+            <a:lnRef idx="1">
+              <a:schemeClr val="accent1"/>
+            </a:lnRef>
+            <a:fillRef idx="3">
+              <a:schemeClr val="accent1"/>
+            </a:fillRef>
+            <a:effectRef idx="2">
+              <a:schemeClr val="accent1"/>
+            </a:effectRef>
+            <a:fontRef idx="minor">
+              <a:schemeClr val="lt1"/>
+            </a:fontRef>
+          </p:style>
+        </p:sp>
+      </p:grpSp>
+      <p:sp>
+        <p:nvSpPr>
+          <p:cNvPr id="50" name="Rectangle 36">
+            <a:extLst>
+              <a:ext uri="{FF2B5EF4-FFF2-40B4-BE49-F238E27FC236}">
+                <a16:creationId xmlns:a16="http://schemas.microsoft.com/office/drawing/2014/main" id="{7941F9B1-B01B-4A84-89D9-B169AEB4E456}"/>
+              </a:ext>
+              <a:ext uri="{C183D7F6-B498-43B3-948B-1728B52AA6E4}">
+                <adec:decorative xmlns:adec="http://schemas.microsoft.com/office/drawing/2017/decorative" val="1"/>
+              </a:ext>
+            </a:extLst>
+          </p:cNvPr>
+          <p:cNvSpPr>
+            <a:spLocks noGrp="1" noRot="1" noChangeAspect="1" noMove="1" noResize="1" noEditPoints="1" noAdjustHandles="1" noChangeArrowheads="1" noChangeShapeType="1" noTextEdit="1"/>
+          </p:cNvSpPr>
+          <p:nvPr>
+            <p:extLst>
+              <p:ext uri="{386F3935-93C4-4BCD-93E2-E3B085C9AB24}">
+                <p16:designElem xmlns:p16="http://schemas.microsoft.com/office/powerpoint/2015/main" val="1"/>
+              </p:ext>
+            </p:extLst>
+          </p:nvPr>
+        </p:nvSpPr>
+        <p:spPr>
+          <a:xfrm>
+            <a:off x="477012" y="480060"/>
+            <a:ext cx="11237976" cy="5897880"/>
+          </a:xfrm>
+          <a:prstGeom prst="rect">
+            <a:avLst/>
+          </a:prstGeom>
+          <a:solidFill>
+            <a:srgbClr val="FFFFFF"/>
+          </a:solidFill>
+          <a:ln w="9525">
+            <a:noFill/>
+          </a:ln>
+          <a:effectLst>
+            <a:outerShdw blurRad="63500" dist="17780" dir="5400000" algn="t" rotWithShape="0">
+              <a:prstClr val="black">
+                <a:alpha val="43000"/>
+              </a:prstClr>
+            </a:outerShdw>
+          </a:effectLst>
+        </p:spPr>
+        <p:style>
+          <a:lnRef idx="2">
+            <a:schemeClr val="accent1">
+              <a:shade val="50000"/>
+            </a:schemeClr>
+          </a:lnRef>
+          <a:fillRef idx="1">
+            <a:schemeClr val="accent1"/>
+          </a:fillRef>
+          <a:effectRef idx="0">
+            <a:schemeClr val="accent1"/>
+          </a:effectRef>
+          <a:fontRef idx="minor">
+            <a:schemeClr val="lt1"/>
+          </a:fontRef>
+        </p:style>
+        <p:txBody>
+          <a:bodyPr rtlCol="0" anchor="ctr"/>
+          <a:lstStyle/>
+          <a:p>
+            <a:pPr algn="ctr"/>
+            <a:endParaRPr lang="en-US"/>
+          </a:p>
+        </p:txBody>
+      </p:sp>
+      <p:pic>
+        <p:nvPicPr>
+          <p:cNvPr id="7" name="Picture 6" descr="A screenshot of a cell phone&#10;&#10;Description automatically generated">
+            <a:extLst>
+              <a:ext uri="{FF2B5EF4-FFF2-40B4-BE49-F238E27FC236}">
+                <a16:creationId xmlns:a16="http://schemas.microsoft.com/office/drawing/2014/main" id="{30745693-96ED-4588-9BB5-9855160A1EC8}"/>
+              </a:ext>
+            </a:extLst>
+          </p:cNvPr>
+          <p:cNvPicPr>
+            <a:picLocks noChangeAspect="1"/>
+          </p:cNvPicPr>
+          <p:nvPr/>
+        </p:nvPicPr>
+        <p:blipFill>
+          <a:blip r:embed="rId2">
+            <a:extLst>
+              <a:ext uri="{28A0092B-C50C-407E-A947-70E740481C1C}">
+                <a14:useLocalDpi xmlns:a14="http://schemas.microsoft.com/office/drawing/2010/main" val="0"/>
+              </a:ext>
+            </a:extLst>
+          </a:blip>
+          <a:stretch>
+            <a:fillRect/>
+          </a:stretch>
+        </p:blipFill>
+        <p:spPr>
+          <a:xfrm>
+            <a:off x="1499893" y="1400178"/>
+            <a:ext cx="7863823" cy="4167827"/>
+          </a:xfrm>
+          <a:prstGeom prst="rect">
+            <a:avLst/>
+          </a:prstGeom>
+        </p:spPr>
+      </p:pic>
+      <p:sp>
+        <p:nvSpPr>
+          <p:cNvPr id="36" name="Content Placeholder 2">
+            <a:extLst>
+              <a:ext uri="{FF2B5EF4-FFF2-40B4-BE49-F238E27FC236}">
+                <a16:creationId xmlns:a16="http://schemas.microsoft.com/office/drawing/2014/main" id="{D74EA045-5DFC-4857-AEDF-11483EFC901E}"/>
+              </a:ext>
+            </a:extLst>
+          </p:cNvPr>
+          <p:cNvSpPr txBox="1">
+            <a:spLocks/>
+          </p:cNvSpPr>
+          <p:nvPr/>
+        </p:nvSpPr>
+        <p:spPr>
+          <a:xfrm>
+            <a:off x="4115394" y="1177589"/>
+            <a:ext cx="3489174" cy="445179"/>
+          </a:xfrm>
+          <a:prstGeom prst="rect">
+            <a:avLst/>
+          </a:prstGeom>
+        </p:spPr>
+        <p:txBody>
+          <a:bodyPr vert="horz" lIns="91440" tIns="45720" rIns="91440" bIns="45720" rtlCol="0">
+            <a:normAutofit/>
+          </a:bodyPr>
+          <a:lstStyle>
+            <a:lvl1pPr marL="342900" indent="-342900" algn="l" defTabSz="457200" rtl="0" eaLnBrk="1" latinLnBrk="0" hangingPunct="1">
+              <a:spcBef>
+                <a:spcPts val="1000"/>
+              </a:spcBef>
+              <a:spcAft>
+                <a:spcPts val="0"/>
+              </a:spcAft>
+              <a:buClr>
+                <a:schemeClr val="accent1"/>
+              </a:buClr>
+              <a:buSzPct val="80000"/>
+              <a:buFont typeface="Wingdings 3" charset="2"/>
+              <a:buChar char=""/>
+              <a:defRPr sz="1800" kern="1200">
+                <a:solidFill>
+                  <a:schemeClr val="tx1">
+                    <a:lumMod val="75000"/>
+                    <a:lumOff val="25000"/>
+                  </a:schemeClr>
+                </a:solidFill>
+                <a:latin typeface="+mn-lt"/>
+                <a:ea typeface="+mn-ea"/>
+                <a:cs typeface="+mn-cs"/>
+              </a:defRPr>
+            </a:lvl1pPr>
+            <a:lvl2pPr marL="742950" indent="-285750" algn="l" defTabSz="457200" rtl="0" eaLnBrk="1" latinLnBrk="0" hangingPunct="1">
+              <a:spcBef>
+                <a:spcPts val="1000"/>
+              </a:spcBef>
+              <a:spcAft>
+                <a:spcPts val="0"/>
+              </a:spcAft>
+              <a:buClr>
+                <a:schemeClr val="accent1"/>
+              </a:buClr>
+              <a:buSzPct val="80000"/>
+              <a:buFont typeface="Wingdings 3" charset="2"/>
+              <a:buChar char=""/>
+              <a:defRPr sz="1600" kern="1200">
+                <a:solidFill>
+                  <a:schemeClr val="tx1">
+                    <a:lumMod val="75000"/>
+                    <a:lumOff val="25000"/>
+                  </a:schemeClr>
+                </a:solidFill>
+                <a:latin typeface="+mn-lt"/>
+                <a:ea typeface="+mn-ea"/>
+                <a:cs typeface="+mn-cs"/>
+              </a:defRPr>
+            </a:lvl2pPr>
+            <a:lvl3pPr marL="1143000" indent="-228600" algn="l" defTabSz="457200" rtl="0" eaLnBrk="1" latinLnBrk="0" hangingPunct="1">
+              <a:spcBef>
+                <a:spcPts val="1000"/>
+              </a:spcBef>
+              <a:spcAft>
+                <a:spcPts val="0"/>
+              </a:spcAft>
+              <a:buClr>
+                <a:schemeClr val="accent1"/>
+              </a:buClr>
+              <a:buSzPct val="80000"/>
+              <a:buFont typeface="Wingdings 3" charset="2"/>
+              <a:buChar char=""/>
+              <a:defRPr sz="1400" kern="1200">
+                <a:solidFill>
+                  <a:schemeClr val="tx1">
+                    <a:lumMod val="75000"/>
+                    <a:lumOff val="25000"/>
+                  </a:schemeClr>
+                </a:solidFill>
+                <a:latin typeface="+mn-lt"/>
+                <a:ea typeface="+mn-ea"/>
+                <a:cs typeface="+mn-cs"/>
+              </a:defRPr>
+            </a:lvl3pPr>
+            <a:lvl4pPr marL="1600200" indent="-228600" algn="l" defTabSz="457200" rtl="0" eaLnBrk="1" latinLnBrk="0" hangingPunct="1">
+              <a:spcBef>
+                <a:spcPts val="1000"/>
+              </a:spcBef>
+              <a:spcAft>
+                <a:spcPts val="0"/>
+              </a:spcAft>
+              <a:buClr>
+                <a:schemeClr val="accent1"/>
+              </a:buClr>
+              <a:buSzPct val="80000"/>
+              <a:buFont typeface="Wingdings 3" charset="2"/>
+              <a:buChar char=""/>
+              <a:defRPr sz="1200" kern="1200">
+                <a:solidFill>
+                  <a:schemeClr val="tx1">
+                    <a:lumMod val="75000"/>
+                    <a:lumOff val="25000"/>
+                  </a:schemeClr>
+                </a:solidFill>
+                <a:latin typeface="+mn-lt"/>
+                <a:ea typeface="+mn-ea"/>
+                <a:cs typeface="+mn-cs"/>
+              </a:defRPr>
+            </a:lvl4pPr>
+            <a:lvl5pPr marL="2057400" indent="-228600" algn="l" defTabSz="457200" rtl="0" eaLnBrk="1" latinLnBrk="0" hangingPunct="1">
+              <a:spcBef>
+                <a:spcPts val="1000"/>
+              </a:spcBef>
+              <a:spcAft>
+                <a:spcPts val="0"/>
+              </a:spcAft>
+              <a:buClr>
+                <a:schemeClr val="accent1"/>
+              </a:buClr>
+              <a:buSzPct val="80000"/>
+              <a:buFont typeface="Wingdings 3" charset="2"/>
+              <a:buChar char=""/>
+              <a:defRPr sz="1200" kern="1200">
+                <a:solidFill>
+                  <a:schemeClr val="tx1">
+                    <a:lumMod val="75000"/>
+                    <a:lumOff val="25000"/>
+                  </a:schemeClr>
+                </a:solidFill>
+                <a:latin typeface="+mn-lt"/>
+                <a:ea typeface="+mn-ea"/>
+                <a:cs typeface="+mn-cs"/>
+              </a:defRPr>
+            </a:lvl5pPr>
+            <a:lvl6pPr marL="2514600" indent="-228600" algn="l" defTabSz="457200" rtl="0" eaLnBrk="1" latinLnBrk="0" hangingPunct="1">
+              <a:spcBef>
+                <a:spcPts val="1000"/>
+              </a:spcBef>
+              <a:spcAft>
+                <a:spcPts val="0"/>
+              </a:spcAft>
+              <a:buClr>
+                <a:schemeClr val="accent1"/>
+              </a:buClr>
+              <a:buSzPct val="80000"/>
+              <a:buFont typeface="Wingdings 3" charset="2"/>
+              <a:buChar char=""/>
+              <a:defRPr sz="1200" kern="1200">
+                <a:solidFill>
+                  <a:schemeClr val="tx1">
+                    <a:lumMod val="75000"/>
+                    <a:lumOff val="25000"/>
+                  </a:schemeClr>
+                </a:solidFill>
+                <a:latin typeface="+mn-lt"/>
+                <a:ea typeface="+mn-ea"/>
+                <a:cs typeface="+mn-cs"/>
+              </a:defRPr>
+            </a:lvl6pPr>
+            <a:lvl7pPr marL="2971800" indent="-228600" algn="l" defTabSz="457200" rtl="0" eaLnBrk="1" latinLnBrk="0" hangingPunct="1">
+              <a:spcBef>
+                <a:spcPts val="1000"/>
+              </a:spcBef>
+              <a:spcAft>
+                <a:spcPts val="0"/>
+              </a:spcAft>
+              <a:buClr>
+                <a:schemeClr val="accent1"/>
+              </a:buClr>
+              <a:buSzPct val="80000"/>
+              <a:buFont typeface="Wingdings 3" charset="2"/>
+              <a:buChar char=""/>
+              <a:defRPr sz="1200" kern="1200">
+                <a:solidFill>
+                  <a:schemeClr val="tx1">
+                    <a:lumMod val="75000"/>
+                    <a:lumOff val="25000"/>
+                  </a:schemeClr>
+                </a:solidFill>
+                <a:latin typeface="+mn-lt"/>
+                <a:ea typeface="+mn-ea"/>
+                <a:cs typeface="+mn-cs"/>
+              </a:defRPr>
+            </a:lvl7pPr>
+            <a:lvl8pPr marL="3429000" indent="-228600" algn="l" defTabSz="457200" rtl="0" eaLnBrk="1" latinLnBrk="0" hangingPunct="1">
+              <a:spcBef>
+                <a:spcPts val="1000"/>
+              </a:spcBef>
+              <a:spcAft>
+                <a:spcPts val="0"/>
+              </a:spcAft>
+              <a:buClr>
+                <a:schemeClr val="accent1"/>
+              </a:buClr>
+              <a:buSzPct val="80000"/>
+              <a:buFont typeface="Wingdings 3" charset="2"/>
+              <a:buChar char=""/>
+              <a:defRPr sz="1200" kern="1200">
+                <a:solidFill>
+                  <a:schemeClr val="tx1">
+                    <a:lumMod val="75000"/>
+                    <a:lumOff val="25000"/>
+                  </a:schemeClr>
+                </a:solidFill>
+                <a:latin typeface="+mn-lt"/>
+                <a:ea typeface="+mn-ea"/>
+                <a:cs typeface="+mn-cs"/>
+              </a:defRPr>
+            </a:lvl8pPr>
+            <a:lvl9pPr marL="3886200" indent="-228600" algn="l" defTabSz="457200" rtl="0" eaLnBrk="1" latinLnBrk="0" hangingPunct="1">
+              <a:spcBef>
+                <a:spcPts val="1000"/>
+              </a:spcBef>
+              <a:spcAft>
+                <a:spcPts val="0"/>
+              </a:spcAft>
+              <a:buClr>
+                <a:schemeClr val="accent1"/>
+              </a:buClr>
+              <a:buSzPct val="80000"/>
+              <a:buFont typeface="Wingdings 3" charset="2"/>
+              <a:buChar char=""/>
+              <a:defRPr sz="1200" kern="1200">
+                <a:solidFill>
+                  <a:schemeClr val="tx1">
+                    <a:lumMod val="75000"/>
+                    <a:lumOff val="25000"/>
+                  </a:schemeClr>
+                </a:solidFill>
+                <a:latin typeface="+mn-lt"/>
+                <a:ea typeface="+mn-ea"/>
+                <a:cs typeface="+mn-cs"/>
+              </a:defRPr>
+            </a:lvl9pPr>
+          </a:lstStyle>
+          <a:p>
+            <a:pPr marL="0" indent="0">
+              <a:buNone/>
+            </a:pPr>
+            <a:r>
+              <a:rPr lang="en-US" sz="2000" dirty="0"/>
+              <a:t>Higher Income ~ Better Care</a:t>
+            </a:r>
+          </a:p>
+          <a:p>
+            <a:endParaRPr lang="en-US" sz="2000" dirty="0"/>
+          </a:p>
+        </p:txBody>
+      </p:sp>
+      <p:sp>
+        <p:nvSpPr>
+          <p:cNvPr id="37" name="Title 1">
+            <a:extLst>
+              <a:ext uri="{FF2B5EF4-FFF2-40B4-BE49-F238E27FC236}">
+                <a16:creationId xmlns:a16="http://schemas.microsoft.com/office/drawing/2014/main" id="{068E6817-1182-478F-A561-659509CE4716}"/>
+              </a:ext>
+            </a:extLst>
+          </p:cNvPr>
+          <p:cNvSpPr>
+            <a:spLocks noGrp="1"/>
+          </p:cNvSpPr>
+          <p:nvPr>
+            <p:ph type="title"/>
+          </p:nvPr>
+        </p:nvSpPr>
+        <p:spPr>
+          <a:xfrm>
+            <a:off x="3301276" y="517189"/>
+            <a:ext cx="5117410" cy="660400"/>
           </a:xfrm>
         </p:spPr>
         <p:txBody>
-          <a:bodyPr>
-            <a:normAutofit fontScale="90000"/>
+          <a:bodyPr/>
+          <a:lstStyle/>
+          <a:p>
+            <a:pPr algn="ctr"/>
+            <a:r>
+              <a:rPr lang="en-US" dirty="0"/>
+              <a:t>Income by County</a:t>
+            </a:r>
+          </a:p>
+        </p:txBody>
+      </p:sp>
+      <p:sp>
+        <p:nvSpPr>
+          <p:cNvPr id="38" name="Title 1">
+            <a:extLst>
+              <a:ext uri="{FF2B5EF4-FFF2-40B4-BE49-F238E27FC236}">
+                <a16:creationId xmlns:a16="http://schemas.microsoft.com/office/drawing/2014/main" id="{E6315741-5B65-4749-AC1C-400F55E37744}"/>
+              </a:ext>
+            </a:extLst>
+          </p:cNvPr>
+          <p:cNvSpPr txBox="1">
+            <a:spLocks/>
+          </p:cNvSpPr>
+          <p:nvPr/>
+        </p:nvSpPr>
+        <p:spPr>
+          <a:xfrm>
+            <a:off x="2633187" y="5538636"/>
+            <a:ext cx="6488261" cy="662782"/>
+          </a:xfrm>
+          <a:prstGeom prst="rect">
+            <a:avLst/>
+          </a:prstGeom>
+        </p:spPr>
+        <p:txBody>
+          <a:bodyPr vert="horz" lIns="91440" tIns="45720" rIns="91440" bIns="45720" rtlCol="0" anchor="t">
+            <a:normAutofit fontScale="25000" lnSpcReduction="20000"/>
           </a:bodyPr>
-          <a:lstStyle/>
-          <a:p>
-            <a:r>
-              <a:rPr lang="en-US" dirty="0"/>
-              <a:t>Question 5: </a:t>
-            </a:r>
-            <a:r>
-              <a:rPr lang="en-US" dirty="0">
+          <a:lstStyle>
+            <a:lvl1pPr algn="l" defTabSz="457200" rtl="0" eaLnBrk="1" latinLnBrk="0" hangingPunct="1">
+              <a:spcBef>
+                <a:spcPct val="0"/>
+              </a:spcBef>
+              <a:buNone/>
+              <a:defRPr sz="3600" kern="1200">
+                <a:solidFill>
+                  <a:schemeClr val="accent1"/>
+                </a:solidFill>
+                <a:latin typeface="+mj-lt"/>
+                <a:ea typeface="+mj-ea"/>
+                <a:cs typeface="+mj-cs"/>
+              </a:defRPr>
+            </a:lvl1pPr>
+            <a:lvl2pPr eaLnBrk="1" hangingPunct="1">
+              <a:defRPr>
+                <a:solidFill>
+                  <a:schemeClr val="tx2"/>
+                </a:solidFill>
+              </a:defRPr>
+            </a:lvl2pPr>
+            <a:lvl3pPr eaLnBrk="1" hangingPunct="1">
+              <a:defRPr>
+                <a:solidFill>
+                  <a:schemeClr val="tx2"/>
+                </a:solidFill>
+              </a:defRPr>
+            </a:lvl3pPr>
+            <a:lvl4pPr eaLnBrk="1" hangingPunct="1">
+              <a:defRPr>
+                <a:solidFill>
+                  <a:schemeClr val="tx2"/>
+                </a:solidFill>
+              </a:defRPr>
+            </a:lvl4pPr>
+            <a:lvl5pPr eaLnBrk="1" hangingPunct="1">
+              <a:defRPr>
+                <a:solidFill>
+                  <a:schemeClr val="tx2"/>
+                </a:solidFill>
+              </a:defRPr>
+            </a:lvl5pPr>
+            <a:lvl6pPr eaLnBrk="1" hangingPunct="1">
+              <a:defRPr>
+                <a:solidFill>
+                  <a:schemeClr val="tx2"/>
+                </a:solidFill>
+              </a:defRPr>
+            </a:lvl6pPr>
+            <a:lvl7pPr eaLnBrk="1" hangingPunct="1">
+              <a:defRPr>
+                <a:solidFill>
+                  <a:schemeClr val="tx2"/>
+                </a:solidFill>
+              </a:defRPr>
+            </a:lvl7pPr>
+            <a:lvl8pPr eaLnBrk="1" hangingPunct="1">
+              <a:defRPr>
+                <a:solidFill>
+                  <a:schemeClr val="tx2"/>
+                </a:solidFill>
+              </a:defRPr>
+            </a:lvl8pPr>
+            <a:lvl9pPr eaLnBrk="1" hangingPunct="1">
+              <a:defRPr>
+                <a:solidFill>
+                  <a:schemeClr val="tx2"/>
+                </a:solidFill>
+              </a:defRPr>
+            </a:lvl9pPr>
+          </a:lstStyle>
+          <a:p>
+            <a:pPr algn="ctr"/>
+            <a:r>
+              <a:rPr lang="en-US" sz="8000" dirty="0">
                 <a:solidFill>
                   <a:schemeClr val="tx1"/>
                 </a:solidFill>
               </a:rPr>
-              <a:t>Is there a relationship between higher Medicare spending and how much data is recorded?</a:t>
+              <a:t>If a county has lower Medicare spending </a:t>
+            </a:r>
+          </a:p>
+          <a:p>
+            <a:pPr algn="ctr"/>
+            <a:r>
+              <a:rPr lang="en-US" sz="8000" dirty="0">
+                <a:solidFill>
+                  <a:schemeClr val="tx1"/>
+                </a:solidFill>
+              </a:rPr>
+              <a:t>then there are more unexpected hospital visits.</a:t>
             </a:r>
             <a:br>
               <a:rPr lang="en-US" dirty="0"/>
@@ -6102,40 +8032,10 @@
           </a:p>
         </p:txBody>
       </p:sp>
-      <p:sp>
-        <p:nvSpPr>
-          <p:cNvPr id="3" name="Content Placeholder 2">
-            <a:extLst>
-              <a:ext uri="{FF2B5EF4-FFF2-40B4-BE49-F238E27FC236}">
-                <a16:creationId xmlns:a16="http://schemas.microsoft.com/office/drawing/2014/main" id="{5E7B344C-D99C-4B48-ADE4-E897A73E80D7}"/>
-              </a:ext>
-            </a:extLst>
-          </p:cNvPr>
-          <p:cNvSpPr>
-            <a:spLocks noGrp="1"/>
-          </p:cNvSpPr>
-          <p:nvPr>
-            <p:ph idx="1"/>
-          </p:nvPr>
-        </p:nvSpPr>
-        <p:spPr>
-          <a:xfrm>
-            <a:off x="838200" y="2645545"/>
-            <a:ext cx="10515600" cy="3531417"/>
-          </a:xfrm>
-        </p:spPr>
-        <p:txBody>
-          <a:bodyPr/>
-          <a:lstStyle/>
-          <a:p>
-            <a:endParaRPr lang="en-US" dirty="0"/>
-          </a:p>
-        </p:txBody>
-      </p:sp>
     </p:spTree>
     <p:extLst>
       <p:ext uri="{BB962C8B-B14F-4D97-AF65-F5344CB8AC3E}">
-        <p14:creationId xmlns:p14="http://schemas.microsoft.com/office/powerpoint/2010/main" val="4120186997"/>
+        <p14:creationId xmlns:p14="http://schemas.microsoft.com/office/powerpoint/2010/main" val="644430293"/>
       </p:ext>
     </p:extLst>
   </p:cSld>
@@ -6146,113 +8046,6 @@
 </file>
 
 <file path=ppt/slides/slide12.xml><?xml version="1.0" encoding="utf-8"?>
-<p:sld xmlns:a="http://schemas.openxmlformats.org/drawingml/2006/main" xmlns:r="http://schemas.openxmlformats.org/officeDocument/2006/relationships" xmlns:p="http://schemas.openxmlformats.org/presentationml/2006/main">
-  <p:cSld>
-    <p:spTree>
-      <p:nvGrpSpPr>
-        <p:cNvPr id="1" name=""/>
-        <p:cNvGrpSpPr/>
-        <p:nvPr/>
-      </p:nvGrpSpPr>
-      <p:grpSpPr>
-        <a:xfrm>
-          <a:off x="0" y="0"/>
-          <a:ext cx="0" cy="0"/>
-          <a:chOff x="0" y="0"/>
-          <a:chExt cx="0" cy="0"/>
-        </a:xfrm>
-      </p:grpSpPr>
-      <p:sp>
-        <p:nvSpPr>
-          <p:cNvPr id="2" name="Title 1">
-            <a:extLst>
-              <a:ext uri="{FF2B5EF4-FFF2-40B4-BE49-F238E27FC236}">
-                <a16:creationId xmlns:a16="http://schemas.microsoft.com/office/drawing/2014/main" id="{F12AB2B4-4AB3-4F5F-B211-E50CA5283BC9}"/>
-              </a:ext>
-            </a:extLst>
-          </p:cNvPr>
-          <p:cNvSpPr>
-            <a:spLocks noGrp="1"/>
-          </p:cNvSpPr>
-          <p:nvPr>
-            <p:ph type="title"/>
-          </p:nvPr>
-        </p:nvSpPr>
-        <p:spPr>
-          <a:xfrm>
-            <a:off x="838200" y="809008"/>
-            <a:ext cx="10515600" cy="1325563"/>
-          </a:xfrm>
-        </p:spPr>
-        <p:txBody>
-          <a:bodyPr>
-            <a:normAutofit fontScale="90000"/>
-          </a:bodyPr>
-          <a:lstStyle/>
-          <a:p>
-            <a:r>
-              <a:rPr lang="en-US" dirty="0"/>
-              <a:t>Question 6: </a:t>
-            </a:r>
-            <a:r>
-              <a:rPr lang="en-US" dirty="0">
-                <a:solidFill>
-                  <a:schemeClr val="tx1"/>
-                </a:solidFill>
-              </a:rPr>
-              <a:t>If a county has lower Medicare spending, then there are more unexpected hospital visits.</a:t>
-            </a:r>
-            <a:br>
-              <a:rPr lang="en-US" dirty="0"/>
-            </a:br>
-            <a:endParaRPr lang="en-US" dirty="0"/>
-          </a:p>
-        </p:txBody>
-      </p:sp>
-      <p:sp>
-        <p:nvSpPr>
-          <p:cNvPr id="3" name="Content Placeholder 2">
-            <a:extLst>
-              <a:ext uri="{FF2B5EF4-FFF2-40B4-BE49-F238E27FC236}">
-                <a16:creationId xmlns:a16="http://schemas.microsoft.com/office/drawing/2014/main" id="{79FBEAF6-7EF9-412D-9D76-8C61BA2DAF81}"/>
-              </a:ext>
-            </a:extLst>
-          </p:cNvPr>
-          <p:cNvSpPr>
-            <a:spLocks noGrp="1"/>
-          </p:cNvSpPr>
-          <p:nvPr>
-            <p:ph idx="1"/>
-          </p:nvPr>
-        </p:nvSpPr>
-        <p:spPr>
-          <a:xfrm>
-            <a:off x="838200" y="2396971"/>
-            <a:ext cx="10515600" cy="3779992"/>
-          </a:xfrm>
-        </p:spPr>
-        <p:txBody>
-          <a:bodyPr/>
-          <a:lstStyle/>
-          <a:p>
-            <a:endParaRPr lang="en-US"/>
-          </a:p>
-        </p:txBody>
-      </p:sp>
-    </p:spTree>
-    <p:extLst>
-      <p:ext uri="{BB962C8B-B14F-4D97-AF65-F5344CB8AC3E}">
-        <p14:creationId xmlns:p14="http://schemas.microsoft.com/office/powerpoint/2010/main" val="302074012"/>
-      </p:ext>
-    </p:extLst>
-  </p:cSld>
-  <p:clrMapOvr>
-    <a:masterClrMapping/>
-  </p:clrMapOvr>
-</p:sld>
-</file>
-
-<file path=ppt/slides/slide13.xml><?xml version="1.0" encoding="utf-8"?>
 <p:sld xmlns:a="http://schemas.openxmlformats.org/drawingml/2006/main" xmlns:r="http://schemas.openxmlformats.org/officeDocument/2006/relationships" xmlns:p="http://schemas.openxmlformats.org/presentationml/2006/main">
   <p:cSld>
     <p:spTree>
@@ -6371,7 +8164,12 @@
             <p:ph type="title"/>
           </p:nvPr>
         </p:nvSpPr>
-        <p:spPr/>
+        <p:spPr>
+          <a:xfrm>
+            <a:off x="3175985" y="37344"/>
+            <a:ext cx="5117410" cy="660400"/>
+          </a:xfrm>
+        </p:spPr>
         <p:txBody>
           <a:bodyPr/>
           <a:lstStyle/>
@@ -6400,30 +8198,1110 @@
             <p:ph idx="1"/>
           </p:nvPr>
         </p:nvSpPr>
-        <p:spPr/>
-        <p:txBody>
-          <a:bodyPr/>
+        <p:spPr>
+          <a:xfrm>
+            <a:off x="6964325" y="1775530"/>
+            <a:ext cx="2962743" cy="474399"/>
+          </a:xfrm>
+        </p:spPr>
+        <p:txBody>
+          <a:bodyPr>
+            <a:normAutofit/>
+          </a:bodyPr>
           <a:lstStyle/>
           <a:p>
+            <a:pPr marL="0" indent="0">
+              <a:buNone/>
+            </a:pPr>
+            <a:r>
+              <a:rPr lang="en-US" sz="2400" b="1" dirty="0"/>
+              <a:t>Areas to compare:</a:t>
+            </a:r>
+            <a:endParaRPr lang="en-US" sz="2400" dirty="0"/>
+          </a:p>
+          <a:p>
+            <a:pPr marL="0" indent="0">
+              <a:buNone/>
+            </a:pPr>
+            <a:endParaRPr lang="en-US" sz="2900" dirty="0"/>
+          </a:p>
+          <a:p>
+            <a:pPr marL="0" indent="0">
+              <a:buNone/>
+            </a:pPr>
+            <a:endParaRPr lang="en-US" dirty="0"/>
+          </a:p>
+          <a:p>
+            <a:pPr marL="0" indent="0">
+              <a:buNone/>
+            </a:pPr>
+            <a:endParaRPr lang="en-US" dirty="0"/>
+          </a:p>
+          <a:p>
+            <a:pPr marL="0" indent="0">
+              <a:buNone/>
+            </a:pPr>
+            <a:endParaRPr lang="en-US" dirty="0"/>
+          </a:p>
+          <a:p>
+            <a:endParaRPr lang="en-US" dirty="0"/>
+          </a:p>
+        </p:txBody>
+      </p:sp>
+      <p:sp>
+        <p:nvSpPr>
+          <p:cNvPr id="5" name="TextBox 4">
+            <a:extLst>
+              <a:ext uri="{FF2B5EF4-FFF2-40B4-BE49-F238E27FC236}">
+                <a16:creationId xmlns:a16="http://schemas.microsoft.com/office/drawing/2014/main" id="{E9CE7AA7-B064-44A3-A476-387D9DA69026}"/>
+              </a:ext>
+            </a:extLst>
+          </p:cNvPr>
+          <p:cNvSpPr txBox="1"/>
+          <p:nvPr/>
+        </p:nvSpPr>
+        <p:spPr>
+          <a:xfrm>
+            <a:off x="2557129" y="680740"/>
+            <a:ext cx="5964865" cy="1015663"/>
+          </a:xfrm>
+          <a:prstGeom prst="rect">
+            <a:avLst/>
+          </a:prstGeom>
+          <a:noFill/>
+        </p:spPr>
+        <p:txBody>
+          <a:bodyPr wrap="square" rtlCol="0">
+            <a:spAutoFit/>
+          </a:bodyPr>
+          <a:lstStyle/>
+          <a:p>
+            <a:pPr algn="ctr"/>
+            <a:r>
+              <a:rPr lang="en-US" sz="2400" b="1" dirty="0"/>
+              <a:t>Initial Theory</a:t>
+            </a:r>
+          </a:p>
+          <a:p>
+            <a:pPr algn="ctr"/>
             <a:r>
               <a:rPr lang="en-US" dirty="0"/>
-              <a:t>“If Medicare spends more money at a certain hospital, then that hospital will likely be better quality.”</a:t>
-            </a:r>
-          </a:p>
-          <a:p>
+              <a:t>“If Medicare spends more money at a certain hospital, </a:t>
+            </a:r>
+          </a:p>
+          <a:p>
+            <a:pPr algn="ctr"/>
             <a:r>
               <a:rPr lang="en-US" dirty="0"/>
-              <a:t>That was our initial theory.</a:t>
-            </a:r>
-          </a:p>
-          <a:p>
-            <a:r>
-              <a:rPr lang="en-US" dirty="0"/>
-              <a:t>We broke down that theory into 4 areas to compare.</a:t>
-            </a:r>
-          </a:p>
-          <a:p>
+              <a:t>then that hospital will likely be better quality.”</a:t>
+            </a:r>
+          </a:p>
+        </p:txBody>
+      </p:sp>
+      <p:sp>
+        <p:nvSpPr>
+          <p:cNvPr id="6" name="Content Placeholder 2">
+            <a:extLst>
+              <a:ext uri="{FF2B5EF4-FFF2-40B4-BE49-F238E27FC236}">
+                <a16:creationId xmlns:a16="http://schemas.microsoft.com/office/drawing/2014/main" id="{CACE7142-5C3C-446F-A58C-112F78A33FE4}"/>
+              </a:ext>
+            </a:extLst>
+          </p:cNvPr>
+          <p:cNvSpPr txBox="1">
+            <a:spLocks/>
+          </p:cNvSpPr>
+          <p:nvPr/>
+        </p:nvSpPr>
+        <p:spPr>
+          <a:xfrm>
+            <a:off x="6510867" y="2339796"/>
+            <a:ext cx="4745271" cy="4759787"/>
+          </a:xfrm>
+          <a:prstGeom prst="rect">
+            <a:avLst/>
+          </a:prstGeom>
+        </p:spPr>
+        <p:txBody>
+          <a:bodyPr vert="horz" lIns="91440" tIns="45720" rIns="91440" bIns="45720" rtlCol="0">
+            <a:normAutofit fontScale="32500" lnSpcReduction="20000"/>
+          </a:bodyPr>
+          <a:lstStyle>
+            <a:lvl1pPr marL="342900" indent="-342900" algn="l" defTabSz="457200" rtl="0" eaLnBrk="1" latinLnBrk="0" hangingPunct="1">
+              <a:spcBef>
+                <a:spcPts val="1000"/>
+              </a:spcBef>
+              <a:spcAft>
+                <a:spcPts val="0"/>
+              </a:spcAft>
+              <a:buClr>
+                <a:schemeClr val="accent1"/>
+              </a:buClr>
+              <a:buSzPct val="80000"/>
+              <a:buFont typeface="Wingdings 3" charset="2"/>
+              <a:buChar char=""/>
+              <a:defRPr sz="1800" kern="1200">
+                <a:solidFill>
+                  <a:schemeClr val="tx1">
+                    <a:lumMod val="75000"/>
+                    <a:lumOff val="25000"/>
+                  </a:schemeClr>
+                </a:solidFill>
+                <a:latin typeface="+mn-lt"/>
+                <a:ea typeface="+mn-ea"/>
+                <a:cs typeface="+mn-cs"/>
+              </a:defRPr>
+            </a:lvl1pPr>
+            <a:lvl2pPr marL="742950" indent="-285750" algn="l" defTabSz="457200" rtl="0" eaLnBrk="1" latinLnBrk="0" hangingPunct="1">
+              <a:spcBef>
+                <a:spcPts val="1000"/>
+              </a:spcBef>
+              <a:spcAft>
+                <a:spcPts val="0"/>
+              </a:spcAft>
+              <a:buClr>
+                <a:schemeClr val="accent1"/>
+              </a:buClr>
+              <a:buSzPct val="80000"/>
+              <a:buFont typeface="Wingdings 3" charset="2"/>
+              <a:buChar char=""/>
+              <a:defRPr sz="1600" kern="1200">
+                <a:solidFill>
+                  <a:schemeClr val="tx1">
+                    <a:lumMod val="75000"/>
+                    <a:lumOff val="25000"/>
+                  </a:schemeClr>
+                </a:solidFill>
+                <a:latin typeface="+mn-lt"/>
+                <a:ea typeface="+mn-ea"/>
+                <a:cs typeface="+mn-cs"/>
+              </a:defRPr>
+            </a:lvl2pPr>
+            <a:lvl3pPr marL="1143000" indent="-228600" algn="l" defTabSz="457200" rtl="0" eaLnBrk="1" latinLnBrk="0" hangingPunct="1">
+              <a:spcBef>
+                <a:spcPts val="1000"/>
+              </a:spcBef>
+              <a:spcAft>
+                <a:spcPts val="0"/>
+              </a:spcAft>
+              <a:buClr>
+                <a:schemeClr val="accent1"/>
+              </a:buClr>
+              <a:buSzPct val="80000"/>
+              <a:buFont typeface="Wingdings 3" charset="2"/>
+              <a:buChar char=""/>
+              <a:defRPr sz="1400" kern="1200">
+                <a:solidFill>
+                  <a:schemeClr val="tx1">
+                    <a:lumMod val="75000"/>
+                    <a:lumOff val="25000"/>
+                  </a:schemeClr>
+                </a:solidFill>
+                <a:latin typeface="+mn-lt"/>
+                <a:ea typeface="+mn-ea"/>
+                <a:cs typeface="+mn-cs"/>
+              </a:defRPr>
+            </a:lvl3pPr>
+            <a:lvl4pPr marL="1600200" indent="-228600" algn="l" defTabSz="457200" rtl="0" eaLnBrk="1" latinLnBrk="0" hangingPunct="1">
+              <a:spcBef>
+                <a:spcPts val="1000"/>
+              </a:spcBef>
+              <a:spcAft>
+                <a:spcPts val="0"/>
+              </a:spcAft>
+              <a:buClr>
+                <a:schemeClr val="accent1"/>
+              </a:buClr>
+              <a:buSzPct val="80000"/>
+              <a:buFont typeface="Wingdings 3" charset="2"/>
+              <a:buChar char=""/>
+              <a:defRPr sz="1200" kern="1200">
+                <a:solidFill>
+                  <a:schemeClr val="tx1">
+                    <a:lumMod val="75000"/>
+                    <a:lumOff val="25000"/>
+                  </a:schemeClr>
+                </a:solidFill>
+                <a:latin typeface="+mn-lt"/>
+                <a:ea typeface="+mn-ea"/>
+                <a:cs typeface="+mn-cs"/>
+              </a:defRPr>
+            </a:lvl4pPr>
+            <a:lvl5pPr marL="2057400" indent="-228600" algn="l" defTabSz="457200" rtl="0" eaLnBrk="1" latinLnBrk="0" hangingPunct="1">
+              <a:spcBef>
+                <a:spcPts val="1000"/>
+              </a:spcBef>
+              <a:spcAft>
+                <a:spcPts val="0"/>
+              </a:spcAft>
+              <a:buClr>
+                <a:schemeClr val="accent1"/>
+              </a:buClr>
+              <a:buSzPct val="80000"/>
+              <a:buFont typeface="Wingdings 3" charset="2"/>
+              <a:buChar char=""/>
+              <a:defRPr sz="1200" kern="1200">
+                <a:solidFill>
+                  <a:schemeClr val="tx1">
+                    <a:lumMod val="75000"/>
+                    <a:lumOff val="25000"/>
+                  </a:schemeClr>
+                </a:solidFill>
+                <a:latin typeface="+mn-lt"/>
+                <a:ea typeface="+mn-ea"/>
+                <a:cs typeface="+mn-cs"/>
+              </a:defRPr>
+            </a:lvl5pPr>
+            <a:lvl6pPr marL="2514600" indent="-228600" algn="l" defTabSz="457200" rtl="0" eaLnBrk="1" latinLnBrk="0" hangingPunct="1">
+              <a:spcBef>
+                <a:spcPts val="1000"/>
+              </a:spcBef>
+              <a:spcAft>
+                <a:spcPts val="0"/>
+              </a:spcAft>
+              <a:buClr>
+                <a:schemeClr val="accent1"/>
+              </a:buClr>
+              <a:buSzPct val="80000"/>
+              <a:buFont typeface="Wingdings 3" charset="2"/>
+              <a:buChar char=""/>
+              <a:defRPr sz="1200" kern="1200">
+                <a:solidFill>
+                  <a:schemeClr val="tx1">
+                    <a:lumMod val="75000"/>
+                    <a:lumOff val="25000"/>
+                  </a:schemeClr>
+                </a:solidFill>
+                <a:latin typeface="+mn-lt"/>
+                <a:ea typeface="+mn-ea"/>
+                <a:cs typeface="+mn-cs"/>
+              </a:defRPr>
+            </a:lvl6pPr>
+            <a:lvl7pPr marL="2971800" indent="-228600" algn="l" defTabSz="457200" rtl="0" eaLnBrk="1" latinLnBrk="0" hangingPunct="1">
+              <a:spcBef>
+                <a:spcPts val="1000"/>
+              </a:spcBef>
+              <a:spcAft>
+                <a:spcPts val="0"/>
+              </a:spcAft>
+              <a:buClr>
+                <a:schemeClr val="accent1"/>
+              </a:buClr>
+              <a:buSzPct val="80000"/>
+              <a:buFont typeface="Wingdings 3" charset="2"/>
+              <a:buChar char=""/>
+              <a:defRPr sz="1200" kern="1200">
+                <a:solidFill>
+                  <a:schemeClr val="tx1">
+                    <a:lumMod val="75000"/>
+                    <a:lumOff val="25000"/>
+                  </a:schemeClr>
+                </a:solidFill>
+                <a:latin typeface="+mn-lt"/>
+                <a:ea typeface="+mn-ea"/>
+                <a:cs typeface="+mn-cs"/>
+              </a:defRPr>
+            </a:lvl7pPr>
+            <a:lvl8pPr marL="3429000" indent="-228600" algn="l" defTabSz="457200" rtl="0" eaLnBrk="1" latinLnBrk="0" hangingPunct="1">
+              <a:spcBef>
+                <a:spcPts val="1000"/>
+              </a:spcBef>
+              <a:spcAft>
+                <a:spcPts val="0"/>
+              </a:spcAft>
+              <a:buClr>
+                <a:schemeClr val="accent1"/>
+              </a:buClr>
+              <a:buSzPct val="80000"/>
+              <a:buFont typeface="Wingdings 3" charset="2"/>
+              <a:buChar char=""/>
+              <a:defRPr sz="1200" kern="1200">
+                <a:solidFill>
+                  <a:schemeClr val="tx1">
+                    <a:lumMod val="75000"/>
+                    <a:lumOff val="25000"/>
+                  </a:schemeClr>
+                </a:solidFill>
+                <a:latin typeface="+mn-lt"/>
+                <a:ea typeface="+mn-ea"/>
+                <a:cs typeface="+mn-cs"/>
+              </a:defRPr>
+            </a:lvl8pPr>
+            <a:lvl9pPr marL="3886200" indent="-228600" algn="l" defTabSz="457200" rtl="0" eaLnBrk="1" latinLnBrk="0" hangingPunct="1">
+              <a:spcBef>
+                <a:spcPts val="1000"/>
+              </a:spcBef>
+              <a:spcAft>
+                <a:spcPts val="0"/>
+              </a:spcAft>
+              <a:buClr>
+                <a:schemeClr val="accent1"/>
+              </a:buClr>
+              <a:buSzPct val="80000"/>
+              <a:buFont typeface="Wingdings 3" charset="2"/>
+              <a:buChar char=""/>
+              <a:defRPr sz="1200" kern="1200">
+                <a:solidFill>
+                  <a:schemeClr val="tx1">
+                    <a:lumMod val="75000"/>
+                    <a:lumOff val="25000"/>
+                  </a:schemeClr>
+                </a:solidFill>
+                <a:latin typeface="+mn-lt"/>
+                <a:ea typeface="+mn-ea"/>
+                <a:cs typeface="+mn-cs"/>
+              </a:defRPr>
+            </a:lvl9pPr>
+          </a:lstStyle>
+          <a:p>
+            <a:r>
+              <a:rPr lang="en-US" sz="6400" dirty="0"/>
+              <a:t>Readmission Rates</a:t>
+            </a:r>
+          </a:p>
+          <a:p>
+            <a:r>
+              <a:rPr lang="en-US" sz="6400" dirty="0"/>
+              <a:t>Complications &amp; Deaths</a:t>
+            </a:r>
+          </a:p>
+          <a:p>
+            <a:r>
+              <a:rPr lang="en-US" sz="6400" dirty="0"/>
+              <a:t>Unexpected Hospital Visits</a:t>
+            </a:r>
+          </a:p>
+          <a:p>
+            <a:r>
+              <a:rPr lang="en-US" sz="6400" dirty="0"/>
+              <a:t>Medicare Spending per Patient</a:t>
+            </a:r>
+          </a:p>
+          <a:p>
+            <a:r>
+              <a:rPr lang="en-US" sz="6400" dirty="0"/>
+              <a:t>Income per County:</a:t>
+            </a:r>
+          </a:p>
+          <a:p>
+            <a:pPr marL="457200" lvl="1" indent="0">
+              <a:buNone/>
+            </a:pPr>
+            <a:r>
+              <a:rPr lang="en-US" sz="6200" dirty="0"/>
+              <a:t>Clay, MO</a:t>
+            </a:r>
+          </a:p>
+          <a:p>
+            <a:pPr marL="457200" lvl="1" indent="0">
+              <a:buNone/>
+            </a:pPr>
+            <a:r>
+              <a:rPr lang="en-US" sz="6200" dirty="0"/>
+              <a:t>Jackson, MO</a:t>
+            </a:r>
+          </a:p>
+          <a:p>
+            <a:pPr marL="457200" lvl="1" indent="0">
+              <a:buNone/>
+            </a:pPr>
+            <a:r>
+              <a:rPr lang="en-US" sz="6200" dirty="0"/>
+              <a:t>Johnson, KS</a:t>
+            </a:r>
+          </a:p>
+          <a:p>
+            <a:pPr marL="457200" lvl="1" indent="0">
+              <a:buNone/>
+            </a:pPr>
+            <a:r>
+              <a:rPr lang="en-US" sz="6200" dirty="0"/>
+              <a:t>Leavenworth, KS</a:t>
+            </a:r>
+          </a:p>
+          <a:p>
+            <a:pPr marL="457200" lvl="1" indent="0">
+              <a:buNone/>
+            </a:pPr>
+            <a:r>
+              <a:rPr lang="en-US" sz="6200" dirty="0"/>
+              <a:t>Sedgwick, KS</a:t>
+            </a:r>
+          </a:p>
+          <a:p>
+            <a:pPr marL="457200" lvl="1" indent="0">
+              <a:buNone/>
+            </a:pPr>
+            <a:r>
+              <a:rPr lang="en-US" sz="6200" dirty="0"/>
+              <a:t>Wyandotte, KS</a:t>
+            </a:r>
+            <a:endParaRPr lang="en-US" sz="9600" dirty="0"/>
+          </a:p>
+        </p:txBody>
+      </p:sp>
+      <p:sp>
+        <p:nvSpPr>
+          <p:cNvPr id="8" name="Content Placeholder 2">
+            <a:extLst>
+              <a:ext uri="{FF2B5EF4-FFF2-40B4-BE49-F238E27FC236}">
+                <a16:creationId xmlns:a16="http://schemas.microsoft.com/office/drawing/2014/main" id="{8349254D-CED4-444A-8EB4-9AE39BD31113}"/>
+              </a:ext>
+            </a:extLst>
+          </p:cNvPr>
+          <p:cNvSpPr txBox="1">
+            <a:spLocks/>
+          </p:cNvSpPr>
+          <p:nvPr/>
+        </p:nvSpPr>
+        <p:spPr>
+          <a:xfrm>
+            <a:off x="1118781" y="1705043"/>
+            <a:ext cx="2057204" cy="474399"/>
+          </a:xfrm>
+          <a:prstGeom prst="rect">
+            <a:avLst/>
+          </a:prstGeom>
+        </p:spPr>
+        <p:txBody>
+          <a:bodyPr vert="horz" lIns="91440" tIns="45720" rIns="91440" bIns="45720" rtlCol="0">
+            <a:normAutofit/>
+          </a:bodyPr>
+          <a:lstStyle>
+            <a:lvl1pPr marL="342900" indent="-342900" algn="l" defTabSz="457200" rtl="0" eaLnBrk="1" latinLnBrk="0" hangingPunct="1">
+              <a:spcBef>
+                <a:spcPts val="1000"/>
+              </a:spcBef>
+              <a:spcAft>
+                <a:spcPts val="0"/>
+              </a:spcAft>
+              <a:buClr>
+                <a:schemeClr val="accent1"/>
+              </a:buClr>
+              <a:buSzPct val="80000"/>
+              <a:buFont typeface="Wingdings 3" charset="2"/>
+              <a:buChar char=""/>
+              <a:defRPr sz="1800" kern="1200">
+                <a:solidFill>
+                  <a:schemeClr val="tx1">
+                    <a:lumMod val="75000"/>
+                    <a:lumOff val="25000"/>
+                  </a:schemeClr>
+                </a:solidFill>
+                <a:latin typeface="+mn-lt"/>
+                <a:ea typeface="+mn-ea"/>
+                <a:cs typeface="+mn-cs"/>
+              </a:defRPr>
+            </a:lvl1pPr>
+            <a:lvl2pPr marL="742950" indent="-285750" algn="l" defTabSz="457200" rtl="0" eaLnBrk="1" latinLnBrk="0" hangingPunct="1">
+              <a:spcBef>
+                <a:spcPts val="1000"/>
+              </a:spcBef>
+              <a:spcAft>
+                <a:spcPts val="0"/>
+              </a:spcAft>
+              <a:buClr>
+                <a:schemeClr val="accent1"/>
+              </a:buClr>
+              <a:buSzPct val="80000"/>
+              <a:buFont typeface="Wingdings 3" charset="2"/>
+              <a:buChar char=""/>
+              <a:defRPr sz="1600" kern="1200">
+                <a:solidFill>
+                  <a:schemeClr val="tx1">
+                    <a:lumMod val="75000"/>
+                    <a:lumOff val="25000"/>
+                  </a:schemeClr>
+                </a:solidFill>
+                <a:latin typeface="+mn-lt"/>
+                <a:ea typeface="+mn-ea"/>
+                <a:cs typeface="+mn-cs"/>
+              </a:defRPr>
+            </a:lvl2pPr>
+            <a:lvl3pPr marL="1143000" indent="-228600" algn="l" defTabSz="457200" rtl="0" eaLnBrk="1" latinLnBrk="0" hangingPunct="1">
+              <a:spcBef>
+                <a:spcPts val="1000"/>
+              </a:spcBef>
+              <a:spcAft>
+                <a:spcPts val="0"/>
+              </a:spcAft>
+              <a:buClr>
+                <a:schemeClr val="accent1"/>
+              </a:buClr>
+              <a:buSzPct val="80000"/>
+              <a:buFont typeface="Wingdings 3" charset="2"/>
+              <a:buChar char=""/>
+              <a:defRPr sz="1400" kern="1200">
+                <a:solidFill>
+                  <a:schemeClr val="tx1">
+                    <a:lumMod val="75000"/>
+                    <a:lumOff val="25000"/>
+                  </a:schemeClr>
+                </a:solidFill>
+                <a:latin typeface="+mn-lt"/>
+                <a:ea typeface="+mn-ea"/>
+                <a:cs typeface="+mn-cs"/>
+              </a:defRPr>
+            </a:lvl3pPr>
+            <a:lvl4pPr marL="1600200" indent="-228600" algn="l" defTabSz="457200" rtl="0" eaLnBrk="1" latinLnBrk="0" hangingPunct="1">
+              <a:spcBef>
+                <a:spcPts val="1000"/>
+              </a:spcBef>
+              <a:spcAft>
+                <a:spcPts val="0"/>
+              </a:spcAft>
+              <a:buClr>
+                <a:schemeClr val="accent1"/>
+              </a:buClr>
+              <a:buSzPct val="80000"/>
+              <a:buFont typeface="Wingdings 3" charset="2"/>
+              <a:buChar char=""/>
+              <a:defRPr sz="1200" kern="1200">
+                <a:solidFill>
+                  <a:schemeClr val="tx1">
+                    <a:lumMod val="75000"/>
+                    <a:lumOff val="25000"/>
+                  </a:schemeClr>
+                </a:solidFill>
+                <a:latin typeface="+mn-lt"/>
+                <a:ea typeface="+mn-ea"/>
+                <a:cs typeface="+mn-cs"/>
+              </a:defRPr>
+            </a:lvl4pPr>
+            <a:lvl5pPr marL="2057400" indent="-228600" algn="l" defTabSz="457200" rtl="0" eaLnBrk="1" latinLnBrk="0" hangingPunct="1">
+              <a:spcBef>
+                <a:spcPts val="1000"/>
+              </a:spcBef>
+              <a:spcAft>
+                <a:spcPts val="0"/>
+              </a:spcAft>
+              <a:buClr>
+                <a:schemeClr val="accent1"/>
+              </a:buClr>
+              <a:buSzPct val="80000"/>
+              <a:buFont typeface="Wingdings 3" charset="2"/>
+              <a:buChar char=""/>
+              <a:defRPr sz="1200" kern="1200">
+                <a:solidFill>
+                  <a:schemeClr val="tx1">
+                    <a:lumMod val="75000"/>
+                    <a:lumOff val="25000"/>
+                  </a:schemeClr>
+                </a:solidFill>
+                <a:latin typeface="+mn-lt"/>
+                <a:ea typeface="+mn-ea"/>
+                <a:cs typeface="+mn-cs"/>
+              </a:defRPr>
+            </a:lvl5pPr>
+            <a:lvl6pPr marL="2514600" indent="-228600" algn="l" defTabSz="457200" rtl="0" eaLnBrk="1" latinLnBrk="0" hangingPunct="1">
+              <a:spcBef>
+                <a:spcPts val="1000"/>
+              </a:spcBef>
+              <a:spcAft>
+                <a:spcPts val="0"/>
+              </a:spcAft>
+              <a:buClr>
+                <a:schemeClr val="accent1"/>
+              </a:buClr>
+              <a:buSzPct val="80000"/>
+              <a:buFont typeface="Wingdings 3" charset="2"/>
+              <a:buChar char=""/>
+              <a:defRPr sz="1200" kern="1200">
+                <a:solidFill>
+                  <a:schemeClr val="tx1">
+                    <a:lumMod val="75000"/>
+                    <a:lumOff val="25000"/>
+                  </a:schemeClr>
+                </a:solidFill>
+                <a:latin typeface="+mn-lt"/>
+                <a:ea typeface="+mn-ea"/>
+                <a:cs typeface="+mn-cs"/>
+              </a:defRPr>
+            </a:lvl6pPr>
+            <a:lvl7pPr marL="2971800" indent="-228600" algn="l" defTabSz="457200" rtl="0" eaLnBrk="1" latinLnBrk="0" hangingPunct="1">
+              <a:spcBef>
+                <a:spcPts val="1000"/>
+              </a:spcBef>
+              <a:spcAft>
+                <a:spcPts val="0"/>
+              </a:spcAft>
+              <a:buClr>
+                <a:schemeClr val="accent1"/>
+              </a:buClr>
+              <a:buSzPct val="80000"/>
+              <a:buFont typeface="Wingdings 3" charset="2"/>
+              <a:buChar char=""/>
+              <a:defRPr sz="1200" kern="1200">
+                <a:solidFill>
+                  <a:schemeClr val="tx1">
+                    <a:lumMod val="75000"/>
+                    <a:lumOff val="25000"/>
+                  </a:schemeClr>
+                </a:solidFill>
+                <a:latin typeface="+mn-lt"/>
+                <a:ea typeface="+mn-ea"/>
+                <a:cs typeface="+mn-cs"/>
+              </a:defRPr>
+            </a:lvl7pPr>
+            <a:lvl8pPr marL="3429000" indent="-228600" algn="l" defTabSz="457200" rtl="0" eaLnBrk="1" latinLnBrk="0" hangingPunct="1">
+              <a:spcBef>
+                <a:spcPts val="1000"/>
+              </a:spcBef>
+              <a:spcAft>
+                <a:spcPts val="0"/>
+              </a:spcAft>
+              <a:buClr>
+                <a:schemeClr val="accent1"/>
+              </a:buClr>
+              <a:buSzPct val="80000"/>
+              <a:buFont typeface="Wingdings 3" charset="2"/>
+              <a:buChar char=""/>
+              <a:defRPr sz="1200" kern="1200">
+                <a:solidFill>
+                  <a:schemeClr val="tx1">
+                    <a:lumMod val="75000"/>
+                    <a:lumOff val="25000"/>
+                  </a:schemeClr>
+                </a:solidFill>
+                <a:latin typeface="+mn-lt"/>
+                <a:ea typeface="+mn-ea"/>
+                <a:cs typeface="+mn-cs"/>
+              </a:defRPr>
+            </a:lvl8pPr>
+            <a:lvl9pPr marL="3886200" indent="-228600" algn="l" defTabSz="457200" rtl="0" eaLnBrk="1" latinLnBrk="0" hangingPunct="1">
+              <a:spcBef>
+                <a:spcPts val="1000"/>
+              </a:spcBef>
+              <a:spcAft>
+                <a:spcPts val="0"/>
+              </a:spcAft>
+              <a:buClr>
+                <a:schemeClr val="accent1"/>
+              </a:buClr>
+              <a:buSzPct val="80000"/>
+              <a:buFont typeface="Wingdings 3" charset="2"/>
+              <a:buChar char=""/>
+              <a:defRPr sz="1200" kern="1200">
+                <a:solidFill>
+                  <a:schemeClr val="tx1">
+                    <a:lumMod val="75000"/>
+                    <a:lumOff val="25000"/>
+                  </a:schemeClr>
+                </a:solidFill>
+                <a:latin typeface="+mn-lt"/>
+                <a:ea typeface="+mn-ea"/>
+                <a:cs typeface="+mn-cs"/>
+              </a:defRPr>
+            </a:lvl9pPr>
+          </a:lstStyle>
+          <a:p>
+            <a:pPr marL="0" indent="0">
+              <a:buFont typeface="Wingdings 3" charset="2"/>
+              <a:buNone/>
+            </a:pPr>
+            <a:r>
+              <a:rPr lang="en-US" sz="2400" b="1" dirty="0"/>
+              <a:t>Our Process:</a:t>
+            </a:r>
+            <a:endParaRPr lang="en-US" sz="2400" dirty="0"/>
+          </a:p>
+          <a:p>
+            <a:pPr marL="0" indent="0">
+              <a:buFont typeface="Wingdings 3" charset="2"/>
+              <a:buNone/>
+            </a:pPr>
+            <a:endParaRPr lang="en-US" sz="2900" dirty="0"/>
+          </a:p>
+          <a:p>
+            <a:pPr marL="0" indent="0">
+              <a:buFont typeface="Wingdings 3" charset="2"/>
+              <a:buNone/>
+            </a:pPr>
             <a:endParaRPr lang="en-US" dirty="0"/>
+          </a:p>
+          <a:p>
+            <a:pPr marL="0" indent="0">
+              <a:buFont typeface="Wingdings 3" charset="2"/>
+              <a:buNone/>
+            </a:pPr>
+            <a:endParaRPr lang="en-US" dirty="0"/>
+          </a:p>
+          <a:p>
+            <a:pPr marL="0" indent="0">
+              <a:buFont typeface="Wingdings 3" charset="2"/>
+              <a:buNone/>
+            </a:pPr>
+            <a:endParaRPr lang="en-US" dirty="0"/>
+          </a:p>
+          <a:p>
+            <a:endParaRPr lang="en-US" dirty="0"/>
+          </a:p>
+        </p:txBody>
+      </p:sp>
+      <p:sp>
+        <p:nvSpPr>
+          <p:cNvPr id="9" name="Content Placeholder 2">
+            <a:extLst>
+              <a:ext uri="{FF2B5EF4-FFF2-40B4-BE49-F238E27FC236}">
+                <a16:creationId xmlns:a16="http://schemas.microsoft.com/office/drawing/2014/main" id="{ACF2C73F-4F35-477F-BF81-21B929F5AE83}"/>
+              </a:ext>
+            </a:extLst>
+          </p:cNvPr>
+          <p:cNvSpPr txBox="1">
+            <a:spLocks/>
+          </p:cNvSpPr>
+          <p:nvPr/>
+        </p:nvSpPr>
+        <p:spPr>
+          <a:xfrm>
+            <a:off x="539111" y="2255299"/>
+            <a:ext cx="4745271" cy="4759787"/>
+          </a:xfrm>
+          <a:prstGeom prst="rect">
+            <a:avLst/>
+          </a:prstGeom>
+        </p:spPr>
+        <p:txBody>
+          <a:bodyPr vert="horz" lIns="91440" tIns="45720" rIns="91440" bIns="45720" rtlCol="0">
+            <a:normAutofit fontScale="32500" lnSpcReduction="20000"/>
+          </a:bodyPr>
+          <a:lstStyle>
+            <a:lvl1pPr marL="342900" indent="-342900" algn="l" defTabSz="457200" rtl="0" eaLnBrk="1" latinLnBrk="0" hangingPunct="1">
+              <a:spcBef>
+                <a:spcPts val="1000"/>
+              </a:spcBef>
+              <a:spcAft>
+                <a:spcPts val="0"/>
+              </a:spcAft>
+              <a:buClr>
+                <a:schemeClr val="accent1"/>
+              </a:buClr>
+              <a:buSzPct val="80000"/>
+              <a:buFont typeface="Wingdings 3" charset="2"/>
+              <a:buChar char=""/>
+              <a:defRPr sz="1800" kern="1200">
+                <a:solidFill>
+                  <a:schemeClr val="tx1">
+                    <a:lumMod val="75000"/>
+                    <a:lumOff val="25000"/>
+                  </a:schemeClr>
+                </a:solidFill>
+                <a:latin typeface="+mn-lt"/>
+                <a:ea typeface="+mn-ea"/>
+                <a:cs typeface="+mn-cs"/>
+              </a:defRPr>
+            </a:lvl1pPr>
+            <a:lvl2pPr marL="742950" indent="-285750" algn="l" defTabSz="457200" rtl="0" eaLnBrk="1" latinLnBrk="0" hangingPunct="1">
+              <a:spcBef>
+                <a:spcPts val="1000"/>
+              </a:spcBef>
+              <a:spcAft>
+                <a:spcPts val="0"/>
+              </a:spcAft>
+              <a:buClr>
+                <a:schemeClr val="accent1"/>
+              </a:buClr>
+              <a:buSzPct val="80000"/>
+              <a:buFont typeface="Wingdings 3" charset="2"/>
+              <a:buChar char=""/>
+              <a:defRPr sz="1600" kern="1200">
+                <a:solidFill>
+                  <a:schemeClr val="tx1">
+                    <a:lumMod val="75000"/>
+                    <a:lumOff val="25000"/>
+                  </a:schemeClr>
+                </a:solidFill>
+                <a:latin typeface="+mn-lt"/>
+                <a:ea typeface="+mn-ea"/>
+                <a:cs typeface="+mn-cs"/>
+              </a:defRPr>
+            </a:lvl2pPr>
+            <a:lvl3pPr marL="1143000" indent="-228600" algn="l" defTabSz="457200" rtl="0" eaLnBrk="1" latinLnBrk="0" hangingPunct="1">
+              <a:spcBef>
+                <a:spcPts val="1000"/>
+              </a:spcBef>
+              <a:spcAft>
+                <a:spcPts val="0"/>
+              </a:spcAft>
+              <a:buClr>
+                <a:schemeClr val="accent1"/>
+              </a:buClr>
+              <a:buSzPct val="80000"/>
+              <a:buFont typeface="Wingdings 3" charset="2"/>
+              <a:buChar char=""/>
+              <a:defRPr sz="1400" kern="1200">
+                <a:solidFill>
+                  <a:schemeClr val="tx1">
+                    <a:lumMod val="75000"/>
+                    <a:lumOff val="25000"/>
+                  </a:schemeClr>
+                </a:solidFill>
+                <a:latin typeface="+mn-lt"/>
+                <a:ea typeface="+mn-ea"/>
+                <a:cs typeface="+mn-cs"/>
+              </a:defRPr>
+            </a:lvl3pPr>
+            <a:lvl4pPr marL="1600200" indent="-228600" algn="l" defTabSz="457200" rtl="0" eaLnBrk="1" latinLnBrk="0" hangingPunct="1">
+              <a:spcBef>
+                <a:spcPts val="1000"/>
+              </a:spcBef>
+              <a:spcAft>
+                <a:spcPts val="0"/>
+              </a:spcAft>
+              <a:buClr>
+                <a:schemeClr val="accent1"/>
+              </a:buClr>
+              <a:buSzPct val="80000"/>
+              <a:buFont typeface="Wingdings 3" charset="2"/>
+              <a:buChar char=""/>
+              <a:defRPr sz="1200" kern="1200">
+                <a:solidFill>
+                  <a:schemeClr val="tx1">
+                    <a:lumMod val="75000"/>
+                    <a:lumOff val="25000"/>
+                  </a:schemeClr>
+                </a:solidFill>
+                <a:latin typeface="+mn-lt"/>
+                <a:ea typeface="+mn-ea"/>
+                <a:cs typeface="+mn-cs"/>
+              </a:defRPr>
+            </a:lvl4pPr>
+            <a:lvl5pPr marL="2057400" indent="-228600" algn="l" defTabSz="457200" rtl="0" eaLnBrk="1" latinLnBrk="0" hangingPunct="1">
+              <a:spcBef>
+                <a:spcPts val="1000"/>
+              </a:spcBef>
+              <a:spcAft>
+                <a:spcPts val="0"/>
+              </a:spcAft>
+              <a:buClr>
+                <a:schemeClr val="accent1"/>
+              </a:buClr>
+              <a:buSzPct val="80000"/>
+              <a:buFont typeface="Wingdings 3" charset="2"/>
+              <a:buChar char=""/>
+              <a:defRPr sz="1200" kern="1200">
+                <a:solidFill>
+                  <a:schemeClr val="tx1">
+                    <a:lumMod val="75000"/>
+                    <a:lumOff val="25000"/>
+                  </a:schemeClr>
+                </a:solidFill>
+                <a:latin typeface="+mn-lt"/>
+                <a:ea typeface="+mn-ea"/>
+                <a:cs typeface="+mn-cs"/>
+              </a:defRPr>
+            </a:lvl5pPr>
+            <a:lvl6pPr marL="2514600" indent="-228600" algn="l" defTabSz="457200" rtl="0" eaLnBrk="1" latinLnBrk="0" hangingPunct="1">
+              <a:spcBef>
+                <a:spcPts val="1000"/>
+              </a:spcBef>
+              <a:spcAft>
+                <a:spcPts val="0"/>
+              </a:spcAft>
+              <a:buClr>
+                <a:schemeClr val="accent1"/>
+              </a:buClr>
+              <a:buSzPct val="80000"/>
+              <a:buFont typeface="Wingdings 3" charset="2"/>
+              <a:buChar char=""/>
+              <a:defRPr sz="1200" kern="1200">
+                <a:solidFill>
+                  <a:schemeClr val="tx1">
+                    <a:lumMod val="75000"/>
+                    <a:lumOff val="25000"/>
+                  </a:schemeClr>
+                </a:solidFill>
+                <a:latin typeface="+mn-lt"/>
+                <a:ea typeface="+mn-ea"/>
+                <a:cs typeface="+mn-cs"/>
+              </a:defRPr>
+            </a:lvl6pPr>
+            <a:lvl7pPr marL="2971800" indent="-228600" algn="l" defTabSz="457200" rtl="0" eaLnBrk="1" latinLnBrk="0" hangingPunct="1">
+              <a:spcBef>
+                <a:spcPts val="1000"/>
+              </a:spcBef>
+              <a:spcAft>
+                <a:spcPts val="0"/>
+              </a:spcAft>
+              <a:buClr>
+                <a:schemeClr val="accent1"/>
+              </a:buClr>
+              <a:buSzPct val="80000"/>
+              <a:buFont typeface="Wingdings 3" charset="2"/>
+              <a:buChar char=""/>
+              <a:defRPr sz="1200" kern="1200">
+                <a:solidFill>
+                  <a:schemeClr val="tx1">
+                    <a:lumMod val="75000"/>
+                    <a:lumOff val="25000"/>
+                  </a:schemeClr>
+                </a:solidFill>
+                <a:latin typeface="+mn-lt"/>
+                <a:ea typeface="+mn-ea"/>
+                <a:cs typeface="+mn-cs"/>
+              </a:defRPr>
+            </a:lvl7pPr>
+            <a:lvl8pPr marL="3429000" indent="-228600" algn="l" defTabSz="457200" rtl="0" eaLnBrk="1" latinLnBrk="0" hangingPunct="1">
+              <a:spcBef>
+                <a:spcPts val="1000"/>
+              </a:spcBef>
+              <a:spcAft>
+                <a:spcPts val="0"/>
+              </a:spcAft>
+              <a:buClr>
+                <a:schemeClr val="accent1"/>
+              </a:buClr>
+              <a:buSzPct val="80000"/>
+              <a:buFont typeface="Wingdings 3" charset="2"/>
+              <a:buChar char=""/>
+              <a:defRPr sz="1200" kern="1200">
+                <a:solidFill>
+                  <a:schemeClr val="tx1">
+                    <a:lumMod val="75000"/>
+                    <a:lumOff val="25000"/>
+                  </a:schemeClr>
+                </a:solidFill>
+                <a:latin typeface="+mn-lt"/>
+                <a:ea typeface="+mn-ea"/>
+                <a:cs typeface="+mn-cs"/>
+              </a:defRPr>
+            </a:lvl8pPr>
+            <a:lvl9pPr marL="3886200" indent="-228600" algn="l" defTabSz="457200" rtl="0" eaLnBrk="1" latinLnBrk="0" hangingPunct="1">
+              <a:spcBef>
+                <a:spcPts val="1000"/>
+              </a:spcBef>
+              <a:spcAft>
+                <a:spcPts val="0"/>
+              </a:spcAft>
+              <a:buClr>
+                <a:schemeClr val="accent1"/>
+              </a:buClr>
+              <a:buSzPct val="80000"/>
+              <a:buFont typeface="Wingdings 3" charset="2"/>
+              <a:buChar char=""/>
+              <a:defRPr sz="1200" kern="1200">
+                <a:solidFill>
+                  <a:schemeClr val="tx1">
+                    <a:lumMod val="75000"/>
+                    <a:lumOff val="25000"/>
+                  </a:schemeClr>
+                </a:solidFill>
+                <a:latin typeface="+mn-lt"/>
+                <a:ea typeface="+mn-ea"/>
+                <a:cs typeface="+mn-cs"/>
+              </a:defRPr>
+            </a:lvl9pPr>
+          </a:lstStyle>
+          <a:p>
+            <a:r>
+              <a:rPr lang="en-US" sz="6400" dirty="0"/>
+              <a:t>Data Search:</a:t>
+            </a:r>
+          </a:p>
+          <a:p>
+            <a:pPr marL="457200" lvl="1" indent="0">
+              <a:buFont typeface="Wingdings 3" charset="2"/>
+              <a:buNone/>
+            </a:pPr>
+            <a:r>
+              <a:rPr lang="en-US" sz="6400" dirty="0"/>
+              <a:t>Initial </a:t>
+            </a:r>
+            <a:r>
+              <a:rPr lang="en-US" sz="6400" dirty="0" err="1"/>
+              <a:t>cvs</a:t>
+            </a:r>
+            <a:r>
+              <a:rPr lang="en-US" sz="6400" dirty="0"/>
+              <a:t> files found – Steve</a:t>
+            </a:r>
+          </a:p>
+          <a:p>
+            <a:pPr marL="457200" lvl="1" indent="0">
+              <a:buFont typeface="Wingdings 3" charset="2"/>
+              <a:buNone/>
+            </a:pPr>
+            <a:r>
+              <a:rPr lang="en-US" sz="6400" dirty="0"/>
+              <a:t>Income data found – Charlie</a:t>
+            </a:r>
+          </a:p>
+          <a:p>
+            <a:pPr lvl="1"/>
+            <a:endParaRPr lang="en-US" sz="6400" dirty="0"/>
+          </a:p>
+          <a:p>
+            <a:r>
+              <a:rPr lang="en-US" sz="6400" dirty="0"/>
+              <a:t>Data Cleanup:</a:t>
+            </a:r>
+          </a:p>
+          <a:p>
+            <a:pPr marL="457200" lvl="1" indent="0">
+              <a:buFont typeface="Wingdings 3" charset="2"/>
+              <a:buNone/>
+            </a:pPr>
+            <a:r>
+              <a:rPr lang="en-US" sz="6400" dirty="0"/>
+              <a:t>Initial cleanup – Sasha and Tad</a:t>
+            </a:r>
+          </a:p>
+          <a:p>
+            <a:pPr marL="457200" lvl="1" indent="0">
+              <a:buFont typeface="Wingdings 3" charset="2"/>
+              <a:buNone/>
+            </a:pPr>
+            <a:endParaRPr lang="en-US" sz="6400" dirty="0"/>
+          </a:p>
+          <a:p>
+            <a:r>
+              <a:rPr lang="en-US" sz="6400" dirty="0" err="1"/>
+              <a:t>Jupyter</a:t>
+            </a:r>
+            <a:r>
+              <a:rPr lang="en-US" sz="6400" dirty="0"/>
+              <a:t> notebook:</a:t>
+            </a:r>
+          </a:p>
+          <a:p>
+            <a:pPr marL="457200" lvl="1" indent="0">
+              <a:buFont typeface="Wingdings 3" charset="2"/>
+              <a:buNone/>
+            </a:pPr>
+            <a:r>
+              <a:rPr lang="en-US" sz="6400" dirty="0"/>
+              <a:t>Initial  – Sasha and Tad</a:t>
+            </a:r>
+          </a:p>
+          <a:p>
+            <a:pPr marL="457200" lvl="1" indent="0">
+              <a:buFont typeface="Wingdings 3" charset="2"/>
+              <a:buNone/>
+            </a:pPr>
+            <a:r>
+              <a:rPr lang="en-US" sz="6400" dirty="0"/>
+              <a:t>Coding - All</a:t>
+            </a:r>
+          </a:p>
+          <a:p>
+            <a:pPr marL="457200" lvl="1" indent="0">
+              <a:buFont typeface="Wingdings 3" charset="2"/>
+              <a:buNone/>
+            </a:pPr>
+            <a:r>
+              <a:rPr lang="en-US" sz="6400" dirty="0"/>
+              <a:t>Graphs – All</a:t>
+            </a:r>
+          </a:p>
+          <a:p>
+            <a:pPr marL="457200" lvl="1" indent="0">
+              <a:buFont typeface="Wingdings 3" charset="2"/>
+              <a:buNone/>
+            </a:pPr>
+            <a:r>
+              <a:rPr lang="en-US" sz="6400" dirty="0"/>
+              <a:t>Conclusion - All</a:t>
+            </a:r>
+            <a:endParaRPr lang="en-US" sz="9600" dirty="0"/>
           </a:p>
         </p:txBody>
       </p:sp>
@@ -6504,7 +9382,7 @@
         <p:spPr>
           <a:xfrm>
             <a:off x="757233" y="1561068"/>
-            <a:ext cx="1835047" cy="1464815"/>
+            <a:ext cx="3322616" cy="1464815"/>
           </a:xfrm>
         </p:spPr>
         <p:txBody>
@@ -6537,7 +9415,7 @@
         </p:nvSpPr>
         <p:spPr>
           <a:xfrm>
-            <a:off x="6067785" y="1561068"/>
+            <a:off x="5791338" y="1612128"/>
             <a:ext cx="2911876" cy="369332"/>
           </a:xfrm>
           <a:prstGeom prst="rect">
@@ -6608,7 +9486,7 @@
         <p:spPr>
           <a:xfrm>
             <a:off x="6067785" y="3132052"/>
-            <a:ext cx="2760955" cy="646331"/>
+            <a:ext cx="3607843" cy="369332"/>
           </a:xfrm>
           <a:prstGeom prst="rect">
             <a:avLst/>
@@ -6747,7 +9625,7 @@
           <p:cNvPr id="2" name="Title 1">
             <a:extLst>
               <a:ext uri="{FF2B5EF4-FFF2-40B4-BE49-F238E27FC236}">
-                <a16:creationId xmlns:a16="http://schemas.microsoft.com/office/drawing/2014/main" id="{46A7FFC7-8096-4526-9CAA-75BFF434FE61}"/>
+                <a16:creationId xmlns:a16="http://schemas.microsoft.com/office/drawing/2014/main" id="{58047559-5EC1-43D8-8F94-23869C87ED6A}"/>
               </a:ext>
             </a:extLst>
           </p:cNvPr>
@@ -6765,7 +9643,7 @@
           <a:p>
             <a:r>
               <a:rPr lang="en-US" dirty="0"/>
-              <a:t>Our Process</a:t>
+              <a:t>The data cleaning saga…</a:t>
             </a:r>
           </a:p>
         </p:txBody>
@@ -6775,7 +9653,7 @@
           <p:cNvPr id="3" name="Content Placeholder 2">
             <a:extLst>
               <a:ext uri="{FF2B5EF4-FFF2-40B4-BE49-F238E27FC236}">
-                <a16:creationId xmlns:a16="http://schemas.microsoft.com/office/drawing/2014/main" id="{B4CD0948-B81E-4F63-9D02-DCC2A14DF9D0}"/>
+                <a16:creationId xmlns:a16="http://schemas.microsoft.com/office/drawing/2014/main" id="{419C77F7-5314-4853-BD19-E051484D91DA}"/>
               </a:ext>
             </a:extLst>
           </p:cNvPr>
@@ -6786,52 +9664,71 @@
             <p:ph idx="1"/>
           </p:nvPr>
         </p:nvSpPr>
-        <p:spPr/>
+        <p:spPr>
+          <a:xfrm>
+            <a:off x="571009" y="1352514"/>
+            <a:ext cx="9434228" cy="3880773"/>
+          </a:xfrm>
+        </p:spPr>
         <p:txBody>
           <a:bodyPr/>
           <a:lstStyle/>
           <a:p>
             <a:r>
               <a:rPr lang="en-US" dirty="0"/>
-              <a:t>Steve found the initial csv files we used</a:t>
+              <a:t>Initially, we had high hopes about these data sets</a:t>
             </a:r>
           </a:p>
           <a:p>
             <a:r>
               <a:rPr lang="en-US" dirty="0"/>
-              <a:t>Charlie found the income data</a:t>
+              <a:t>They all had lots of column merge options! Great!!!</a:t>
             </a:r>
           </a:p>
           <a:p>
             <a:r>
               <a:rPr lang="en-US" dirty="0"/>
-              <a:t>Sasha made the starter </a:t>
+              <a:t>But it turned out that a lot of the columns were Object-type…</a:t>
+            </a:r>
+          </a:p>
+          <a:p>
+            <a:r>
+              <a:rPr lang="en-US" dirty="0"/>
+              <a:t>And the “Score” column had different meanings for each file…</a:t>
+            </a:r>
+          </a:p>
+          <a:p>
+            <a:r>
+              <a:rPr lang="en-US" dirty="0"/>
+              <a:t>We tried casting them to floats, but ran into issues with </a:t>
             </a:r>
             <a:r>
               <a:rPr lang="en-US" dirty="0" err="1"/>
-              <a:t>jupyter</a:t>
+              <a:t>NaN</a:t>
             </a:r>
             <a:r>
               <a:rPr lang="en-US" dirty="0"/>
-              <a:t> notebooks and formatted the plots</a:t>
+              <a:t> columns and null values</a:t>
             </a:r>
           </a:p>
           <a:p>
             <a:r>
               <a:rPr lang="en-US" dirty="0"/>
-              <a:t>Tad cleaned the data</a:t>
-            </a:r>
-          </a:p>
-          <a:p>
+              <a:t>Trying to replace the </a:t>
+            </a:r>
+            <a:r>
+              <a:rPr lang="en-US" dirty="0" err="1"/>
+              <a:t>NaN</a:t>
+            </a:r>
             <a:r>
               <a:rPr lang="en-US" dirty="0"/>
-              <a:t>Then we used the cleaned data to make graphs</a:t>
+              <a:t> columns led us to realize that Data Series values are ambiguous, and you can’t directly compare them to a value</a:t>
             </a:r>
           </a:p>
           <a:p>
             <a:r>
               <a:rPr lang="en-US" dirty="0"/>
-              <a:t>From the graphs we drew our conclusions</a:t>
+              <a:t>Sasha wrote a VB script, but there was too much data and it didn’t work</a:t>
             </a:r>
           </a:p>
         </p:txBody>
@@ -6839,7 +9736,7 @@
     </p:spTree>
     <p:extLst>
       <p:ext uri="{BB962C8B-B14F-4D97-AF65-F5344CB8AC3E}">
-        <p14:creationId xmlns:p14="http://schemas.microsoft.com/office/powerpoint/2010/main" val="3243531418"/>
+        <p14:creationId xmlns:p14="http://schemas.microsoft.com/office/powerpoint/2010/main" val="1020637921"/>
       </p:ext>
     </p:extLst>
   </p:cSld>
@@ -6871,7 +9768,7 @@
           <p:cNvPr id="2" name="Title 1">
             <a:extLst>
               <a:ext uri="{FF2B5EF4-FFF2-40B4-BE49-F238E27FC236}">
-                <a16:creationId xmlns:a16="http://schemas.microsoft.com/office/drawing/2014/main" id="{58047559-5EC1-43D8-8F94-23869C87ED6A}"/>
+                <a16:creationId xmlns:a16="http://schemas.microsoft.com/office/drawing/2014/main" id="{8FA609FA-2602-460C-B86A-36EF1C8E1ED8}"/>
               </a:ext>
             </a:extLst>
           </p:cNvPr>
@@ -6889,7 +9786,7 @@
           <a:p>
             <a:r>
               <a:rPr lang="en-US" dirty="0"/>
-              <a:t>The data cleaning saga…</a:t>
+              <a:t>The data cleaning saga continues…</a:t>
             </a:r>
           </a:p>
         </p:txBody>
@@ -6899,7 +9796,7 @@
           <p:cNvPr id="3" name="Content Placeholder 2">
             <a:extLst>
               <a:ext uri="{FF2B5EF4-FFF2-40B4-BE49-F238E27FC236}">
-                <a16:creationId xmlns:a16="http://schemas.microsoft.com/office/drawing/2014/main" id="{419C77F7-5314-4853-BD19-E051484D91DA}"/>
+                <a16:creationId xmlns:a16="http://schemas.microsoft.com/office/drawing/2014/main" id="{912ACEB9-2452-4739-BDD4-C3D9D781E28A}"/>
               </a:ext>
             </a:extLst>
           </p:cNvPr>
@@ -6915,75 +9812,14 @@
           <a:bodyPr/>
           <a:lstStyle/>
           <a:p>
-            <a:r>
-              <a:rPr lang="en-US" dirty="0"/>
-              <a:t>Initially, we had high hopes about these data sets</a:t>
-            </a:r>
-          </a:p>
-          <a:p>
-            <a:r>
-              <a:rPr lang="en-US" dirty="0"/>
-              <a:t>They all had lots of column merge options! Great!!!</a:t>
-            </a:r>
-          </a:p>
-          <a:p>
-            <a:r>
-              <a:rPr lang="en-US" dirty="0"/>
-              <a:t>But it turned out that a lot of the columns were Object-type…</a:t>
-            </a:r>
-          </a:p>
-          <a:p>
-            <a:r>
-              <a:rPr lang="en-US" dirty="0"/>
-              <a:t>And the “Score” column had different meanings for each file…</a:t>
-            </a:r>
-          </a:p>
-          <a:p>
-            <a:r>
-              <a:rPr lang="en-US" dirty="0"/>
-              <a:t>We tried casting them to floats, but ran into issues with </a:t>
-            </a:r>
-            <a:r>
-              <a:rPr lang="en-US" dirty="0" err="1"/>
-              <a:t>NaN</a:t>
-            </a:r>
-            <a:r>
-              <a:rPr lang="en-US" dirty="0"/>
-              <a:t> columns and null values</a:t>
-            </a:r>
-          </a:p>
-          <a:p>
-            <a:r>
-              <a:rPr lang="en-US" dirty="0"/>
-              <a:t>Trying to replace the </a:t>
-            </a:r>
-            <a:r>
-              <a:rPr lang="en-US" dirty="0" err="1"/>
-              <a:t>NaN</a:t>
-            </a:r>
-            <a:r>
-              <a:rPr lang="en-US" dirty="0"/>
-              <a:t> columns led us to realize that Data Series values are ambiguous, and you can’t directly compare them to a value</a:t>
-            </a:r>
-          </a:p>
-          <a:p>
-            <a:r>
-              <a:rPr lang="en-US" dirty="0"/>
-              <a:t>Eventually we figured came up with the solution to just change the CSV files</a:t>
-            </a:r>
-          </a:p>
-          <a:p>
-            <a:r>
-              <a:rPr lang="en-US" dirty="0"/>
-              <a:t>Sasha wrote a VB script, but there was too much data and it didn’t work</a:t>
-            </a:r>
+            <a:endParaRPr lang="en-US" dirty="0"/>
           </a:p>
         </p:txBody>
       </p:sp>
     </p:spTree>
     <p:extLst>
       <p:ext uri="{BB962C8B-B14F-4D97-AF65-F5344CB8AC3E}">
-        <p14:creationId xmlns:p14="http://schemas.microsoft.com/office/powerpoint/2010/main" val="1020637921"/>
+        <p14:creationId xmlns:p14="http://schemas.microsoft.com/office/powerpoint/2010/main" val="3722343492"/>
       </p:ext>
     </p:extLst>
   </p:cSld>
@@ -7015,7 +9851,7 @@
           <p:cNvPr id="2" name="Title 1">
             <a:extLst>
               <a:ext uri="{FF2B5EF4-FFF2-40B4-BE49-F238E27FC236}">
-                <a16:creationId xmlns:a16="http://schemas.microsoft.com/office/drawing/2014/main" id="{8FA609FA-2602-460C-B86A-36EF1C8E1ED8}"/>
+                <a16:creationId xmlns:a16="http://schemas.microsoft.com/office/drawing/2014/main" id="{6AB6E4B9-C1F6-4B71-89BE-973D6B28428D}"/>
               </a:ext>
             </a:extLst>
           </p:cNvPr>
@@ -7026,15 +9862,37 @@
             <p:ph type="title"/>
           </p:nvPr>
         </p:nvSpPr>
-        <p:spPr/>
-        <p:txBody>
-          <a:bodyPr/>
+        <p:spPr>
+          <a:xfrm>
+            <a:off x="838200" y="871153"/>
+            <a:ext cx="10515600" cy="1325563"/>
+          </a:xfrm>
+        </p:spPr>
+        <p:txBody>
+          <a:bodyPr>
+            <a:normAutofit fontScale="90000"/>
+          </a:bodyPr>
           <a:lstStyle/>
           <a:p>
             <a:r>
               <a:rPr lang="en-US" dirty="0"/>
-              <a:t>The data cleaning saga continues…</a:t>
-            </a:r>
+              <a:t>Question 1:</a:t>
+            </a:r>
+            <a:br>
+              <a:rPr lang="en-US" dirty="0"/>
+            </a:br>
+            <a:r>
+              <a:rPr lang="en-US" dirty="0">
+                <a:solidFill>
+                  <a:schemeClr val="tx1"/>
+                </a:solidFill>
+              </a:rPr>
+              <a:t>If a county has higher Medicare spending, then they should have less deaths/post-hospital accidents.</a:t>
+            </a:r>
+            <a:br>
+              <a:rPr lang="en-US" dirty="0"/>
+            </a:br>
+            <a:endParaRPr lang="en-US" dirty="0"/>
           </a:p>
         </p:txBody>
       </p:sp>
@@ -7043,7 +9901,7 @@
           <p:cNvPr id="3" name="Content Placeholder 2">
             <a:extLst>
               <a:ext uri="{FF2B5EF4-FFF2-40B4-BE49-F238E27FC236}">
-                <a16:creationId xmlns:a16="http://schemas.microsoft.com/office/drawing/2014/main" id="{912ACEB9-2452-4739-BDD4-C3D9D781E28A}"/>
+                <a16:creationId xmlns:a16="http://schemas.microsoft.com/office/drawing/2014/main" id="{969B6C85-E363-478F-A946-050C3A9A91F8}"/>
               </a:ext>
             </a:extLst>
           </p:cNvPr>
@@ -7054,7 +9912,12 @@
             <p:ph idx="1"/>
           </p:nvPr>
         </p:nvSpPr>
-        <p:spPr/>
+        <p:spPr>
+          <a:xfrm>
+            <a:off x="838200" y="2592279"/>
+            <a:ext cx="10515600" cy="3584683"/>
+          </a:xfrm>
+        </p:spPr>
         <p:txBody>
           <a:bodyPr/>
           <a:lstStyle/>
@@ -7066,7 +9929,7 @@
     </p:spTree>
     <p:extLst>
       <p:ext uri="{BB962C8B-B14F-4D97-AF65-F5344CB8AC3E}">
-        <p14:creationId xmlns:p14="http://schemas.microsoft.com/office/powerpoint/2010/main" val="3722343492"/>
+        <p14:creationId xmlns:p14="http://schemas.microsoft.com/office/powerpoint/2010/main" val="1009227351"/>
       </p:ext>
     </p:extLst>
   </p:cSld>
@@ -7098,7 +9961,7 @@
           <p:cNvPr id="2" name="Title 1">
             <a:extLst>
               <a:ext uri="{FF2B5EF4-FFF2-40B4-BE49-F238E27FC236}">
-                <a16:creationId xmlns:a16="http://schemas.microsoft.com/office/drawing/2014/main" id="{6AB6E4B9-C1F6-4B71-89BE-973D6B28428D}"/>
+                <a16:creationId xmlns:a16="http://schemas.microsoft.com/office/drawing/2014/main" id="{9E04E921-6E2A-471E-8FA1-A7C9E4246B39}"/>
               </a:ext>
             </a:extLst>
           </p:cNvPr>
@@ -7111,7 +9974,7 @@
         </p:nvSpPr>
         <p:spPr>
           <a:xfrm>
-            <a:off x="838200" y="871153"/>
+            <a:off x="838200" y="791254"/>
             <a:ext cx="10515600" cy="1325563"/>
           </a:xfrm>
         </p:spPr>
@@ -7123,18 +9986,15 @@
           <a:p>
             <a:r>
               <a:rPr lang="en-US" dirty="0"/>
-              <a:t>Question 1:</a:t>
-            </a:r>
-            <a:br>
-              <a:rPr lang="en-US" dirty="0"/>
-            </a:br>
+              <a:t>Question 2: </a:t>
+            </a:r>
             <a:r>
               <a:rPr lang="en-US" dirty="0">
                 <a:solidFill>
                   <a:schemeClr val="tx1"/>
                 </a:solidFill>
               </a:rPr>
-              <a:t>If a county has higher Medicare spending, then they should have less deaths/post-hospital accidents.</a:t>
+              <a:t>If a county has higher Medicare spending, then they should have less readmissions.</a:t>
             </a:r>
             <a:br>
               <a:rPr lang="en-US" dirty="0"/>
@@ -7148,7 +10008,7 @@
           <p:cNvPr id="3" name="Content Placeholder 2">
             <a:extLst>
               <a:ext uri="{FF2B5EF4-FFF2-40B4-BE49-F238E27FC236}">
-                <a16:creationId xmlns:a16="http://schemas.microsoft.com/office/drawing/2014/main" id="{969B6C85-E363-478F-A946-050C3A9A91F8}"/>
+                <a16:creationId xmlns:a16="http://schemas.microsoft.com/office/drawing/2014/main" id="{1CF0FAC3-A729-405E-B050-AD598AE25214}"/>
               </a:ext>
             </a:extLst>
           </p:cNvPr>
@@ -7161,8 +10021,8 @@
         </p:nvSpPr>
         <p:spPr>
           <a:xfrm>
-            <a:off x="838200" y="2592279"/>
-            <a:ext cx="10515600" cy="3584683"/>
+            <a:off x="838200" y="2423603"/>
+            <a:ext cx="10515600" cy="3753359"/>
           </a:xfrm>
         </p:spPr>
         <p:txBody>
@@ -7176,7 +10036,7 @@
     </p:spTree>
     <p:extLst>
       <p:ext uri="{BB962C8B-B14F-4D97-AF65-F5344CB8AC3E}">
-        <p14:creationId xmlns:p14="http://schemas.microsoft.com/office/powerpoint/2010/main" val="1009227351"/>
+        <p14:creationId xmlns:p14="http://schemas.microsoft.com/office/powerpoint/2010/main" val="524358472"/>
       </p:ext>
     </p:extLst>
   </p:cSld>
@@ -7208,7 +10068,7 @@
           <p:cNvPr id="2" name="Title 1">
             <a:extLst>
               <a:ext uri="{FF2B5EF4-FFF2-40B4-BE49-F238E27FC236}">
-                <a16:creationId xmlns:a16="http://schemas.microsoft.com/office/drawing/2014/main" id="{9E04E921-6E2A-471E-8FA1-A7C9E4246B39}"/>
+                <a16:creationId xmlns:a16="http://schemas.microsoft.com/office/drawing/2014/main" id="{5B7667AF-1456-441C-8708-D771F6A9D659}"/>
               </a:ext>
             </a:extLst>
           </p:cNvPr>
@@ -7221,7 +10081,7 @@
         </p:nvSpPr>
         <p:spPr>
           <a:xfrm>
-            <a:off x="838200" y="791254"/>
+            <a:off x="838200" y="681037"/>
             <a:ext cx="10515600" cy="1325563"/>
           </a:xfrm>
         </p:spPr>
@@ -7233,7 +10093,7 @@
           <a:p>
             <a:r>
               <a:rPr lang="en-US" dirty="0"/>
-              <a:t>Question 2: </a:t>
+              <a:t>Question 3: </a:t>
             </a:r>
             <a:r>
               <a:rPr lang="en-US" dirty="0">
@@ -7241,7 +10101,7 @@
                   <a:schemeClr val="tx1"/>
                 </a:solidFill>
               </a:rPr>
-              <a:t>If a county has higher Medicare spending, then they should have less readmissions.</a:t>
+              <a:t>Which county has the greatest count of data recordings? AKA, which county has the least “not available” data?</a:t>
             </a:r>
             <a:br>
               <a:rPr lang="en-US" dirty="0"/>
@@ -7255,7 +10115,7 @@
           <p:cNvPr id="3" name="Content Placeholder 2">
             <a:extLst>
               <a:ext uri="{FF2B5EF4-FFF2-40B4-BE49-F238E27FC236}">
-                <a16:creationId xmlns:a16="http://schemas.microsoft.com/office/drawing/2014/main" id="{1CF0FAC3-A729-405E-B050-AD598AE25214}"/>
+                <a16:creationId xmlns:a16="http://schemas.microsoft.com/office/drawing/2014/main" id="{BC651B5A-6918-4380-BAAE-12FA6759B43E}"/>
               </a:ext>
             </a:extLst>
           </p:cNvPr>
@@ -7268,8 +10128,8 @@
         </p:nvSpPr>
         <p:spPr>
           <a:xfrm>
-            <a:off x="838200" y="2423603"/>
-            <a:ext cx="10515600" cy="3753359"/>
+            <a:off x="838200" y="2281561"/>
+            <a:ext cx="10515600" cy="3895402"/>
           </a:xfrm>
         </p:spPr>
         <p:txBody>
@@ -7283,7 +10143,7 @@
     </p:spTree>
     <p:extLst>
       <p:ext uri="{BB962C8B-B14F-4D97-AF65-F5344CB8AC3E}">
-        <p14:creationId xmlns:p14="http://schemas.microsoft.com/office/powerpoint/2010/main" val="524358472"/>
+        <p14:creationId xmlns:p14="http://schemas.microsoft.com/office/powerpoint/2010/main" val="2635635244"/>
       </p:ext>
     </p:extLst>
   </p:cSld>
@@ -7315,7 +10175,7 @@
           <p:cNvPr id="2" name="Title 1">
             <a:extLst>
               <a:ext uri="{FF2B5EF4-FFF2-40B4-BE49-F238E27FC236}">
-                <a16:creationId xmlns:a16="http://schemas.microsoft.com/office/drawing/2014/main" id="{5B7667AF-1456-441C-8708-D771F6A9D659}"/>
+                <a16:creationId xmlns:a16="http://schemas.microsoft.com/office/drawing/2014/main" id="{455E15F1-4C8E-4060-A3D7-6D5C3FA63DA5}"/>
               </a:ext>
             </a:extLst>
           </p:cNvPr>
@@ -7326,12 +10186,7 @@
             <p:ph type="title"/>
           </p:nvPr>
         </p:nvSpPr>
-        <p:spPr>
-          <a:xfrm>
-            <a:off x="838200" y="681037"/>
-            <a:ext cx="10515600" cy="1325563"/>
-          </a:xfrm>
-        </p:spPr>
+        <p:spPr/>
         <p:txBody>
           <a:bodyPr>
             <a:normAutofit fontScale="90000"/>
@@ -7340,7 +10195,7 @@
           <a:p>
             <a:r>
               <a:rPr lang="en-US" dirty="0"/>
-              <a:t>Question 3: </a:t>
+              <a:t>Question 4: </a:t>
             </a:r>
             <a:r>
               <a:rPr lang="en-US" dirty="0">
@@ -7348,7 +10203,7 @@
                   <a:schemeClr val="tx1"/>
                 </a:solidFill>
               </a:rPr>
-              <a:t>Which county has the greatest count of data recordings? AKA, which county has the least “not available” data?</a:t>
+              <a:t>If a county is good at recording their data, then they should have less readmissions. </a:t>
             </a:r>
             <a:br>
               <a:rPr lang="en-US" dirty="0"/>
@@ -7362,7 +10217,7 @@
           <p:cNvPr id="3" name="Content Placeholder 2">
             <a:extLst>
               <a:ext uri="{FF2B5EF4-FFF2-40B4-BE49-F238E27FC236}">
-                <a16:creationId xmlns:a16="http://schemas.microsoft.com/office/drawing/2014/main" id="{BC651B5A-6918-4380-BAAE-12FA6759B43E}"/>
+                <a16:creationId xmlns:a16="http://schemas.microsoft.com/office/drawing/2014/main" id="{7143B4AA-F574-426C-ADAC-83AAB5A13F5F}"/>
               </a:ext>
             </a:extLst>
           </p:cNvPr>
@@ -7373,24 +10228,19 @@
             <p:ph idx="1"/>
           </p:nvPr>
         </p:nvSpPr>
-        <p:spPr>
-          <a:xfrm>
-            <a:off x="838200" y="2281561"/>
-            <a:ext cx="10515600" cy="3895402"/>
-          </a:xfrm>
-        </p:spPr>
+        <p:spPr/>
         <p:txBody>
           <a:bodyPr/>
           <a:lstStyle/>
           <a:p>
-            <a:endParaRPr lang="en-US" dirty="0"/>
+            <a:endParaRPr lang="en-US"/>
           </a:p>
         </p:txBody>
       </p:sp>
     </p:spTree>
     <p:extLst>
       <p:ext uri="{BB962C8B-B14F-4D97-AF65-F5344CB8AC3E}">
-        <p14:creationId xmlns:p14="http://schemas.microsoft.com/office/powerpoint/2010/main" val="2635635244"/>
+        <p14:creationId xmlns:p14="http://schemas.microsoft.com/office/powerpoint/2010/main" val="3595413408"/>
       </p:ext>
     </p:extLst>
   </p:cSld>

--- a/SnakeBitePresentation.pptx
+++ b/SnakeBitePresentation.pptx
@@ -13,10 +13,11 @@
     <p:sldId id="258" r:id="rId7"/>
     <p:sldId id="259" r:id="rId8"/>
     <p:sldId id="260" r:id="rId9"/>
-    <p:sldId id="261" r:id="rId10"/>
-    <p:sldId id="262" r:id="rId11"/>
-    <p:sldId id="269" r:id="rId12"/>
-    <p:sldId id="264" r:id="rId13"/>
+    <p:sldId id="270" r:id="rId10"/>
+    <p:sldId id="261" r:id="rId11"/>
+    <p:sldId id="262" r:id="rId12"/>
+    <p:sldId id="269" r:id="rId13"/>
+    <p:sldId id="264" r:id="rId14"/>
   </p:sldIdLst>
   <p:sldSz cx="12192000" cy="6858000"/>
   <p:notesSz cx="6858000" cy="9144000"/>
@@ -845,7 +846,7 @@
           <a:p>
             <a:fld id="{8CC71C08-3195-43D4-9A1F-6CFC67AEC340}" type="datetimeFigureOut">
               <a:rPr lang="en-US" smtClean="0"/>
-              <a:t>3/1/2019</a:t>
+              <a:t>3/2/2019</a:t>
             </a:fld>
             <a:endParaRPr lang="en-US"/>
           </a:p>
@@ -1096,7 +1097,7 @@
           <a:p>
             <a:fld id="{8CC71C08-3195-43D4-9A1F-6CFC67AEC340}" type="datetimeFigureOut">
               <a:rPr lang="en-US" smtClean="0"/>
-              <a:t>3/1/2019</a:t>
+              <a:t>3/2/2019</a:t>
             </a:fld>
             <a:endParaRPr lang="en-US"/>
           </a:p>
@@ -1410,7 +1411,7 @@
           <a:p>
             <a:fld id="{8CC71C08-3195-43D4-9A1F-6CFC67AEC340}" type="datetimeFigureOut">
               <a:rPr lang="en-US" smtClean="0"/>
-              <a:t>3/1/2019</a:t>
+              <a:t>3/2/2019</a:t>
             </a:fld>
             <a:endParaRPr lang="en-US"/>
           </a:p>
@@ -1751,7 +1752,7 @@
           <a:p>
             <a:fld id="{8CC71C08-3195-43D4-9A1F-6CFC67AEC340}" type="datetimeFigureOut">
               <a:rPr lang="en-US" smtClean="0"/>
-              <a:t>3/1/2019</a:t>
+              <a:t>3/2/2019</a:t>
             </a:fld>
             <a:endParaRPr lang="en-US"/>
           </a:p>
@@ -2065,7 +2066,7 @@
           <a:p>
             <a:fld id="{8CC71C08-3195-43D4-9A1F-6CFC67AEC340}" type="datetimeFigureOut">
               <a:rPr lang="en-US" smtClean="0"/>
-              <a:t>3/1/2019</a:t>
+              <a:t>3/2/2019</a:t>
             </a:fld>
             <a:endParaRPr lang="en-US"/>
           </a:p>
@@ -2458,7 +2459,7 @@
           <a:p>
             <a:fld id="{8CC71C08-3195-43D4-9A1F-6CFC67AEC340}" type="datetimeFigureOut">
               <a:rPr lang="en-US" smtClean="0"/>
-              <a:t>3/1/2019</a:t>
+              <a:t>3/2/2019</a:t>
             </a:fld>
             <a:endParaRPr lang="en-US"/>
           </a:p>
@@ -2628,7 +2629,7 @@
           <a:p>
             <a:fld id="{8CC71C08-3195-43D4-9A1F-6CFC67AEC340}" type="datetimeFigureOut">
               <a:rPr lang="en-US" smtClean="0"/>
-              <a:t>3/1/2019</a:t>
+              <a:t>3/2/2019</a:t>
             </a:fld>
             <a:endParaRPr lang="en-US"/>
           </a:p>
@@ -2808,7 +2809,7 @@
           <a:p>
             <a:fld id="{8CC71C08-3195-43D4-9A1F-6CFC67AEC340}" type="datetimeFigureOut">
               <a:rPr lang="en-US" smtClean="0"/>
-              <a:t>3/1/2019</a:t>
+              <a:t>3/2/2019</a:t>
             </a:fld>
             <a:endParaRPr lang="en-US"/>
           </a:p>
@@ -2984,7 +2985,7 @@
           <a:p>
             <a:fld id="{8CC71C08-3195-43D4-9A1F-6CFC67AEC340}" type="datetimeFigureOut">
               <a:rPr lang="en-US" smtClean="0"/>
-              <a:t>3/1/2019</a:t>
+              <a:t>3/2/2019</a:t>
             </a:fld>
             <a:endParaRPr lang="en-US"/>
           </a:p>
@@ -3231,7 +3232,7 @@
           <a:p>
             <a:fld id="{8CC71C08-3195-43D4-9A1F-6CFC67AEC340}" type="datetimeFigureOut">
               <a:rPr lang="en-US" smtClean="0"/>
-              <a:t>3/1/2019</a:t>
+              <a:t>3/2/2019</a:t>
             </a:fld>
             <a:endParaRPr lang="en-US"/>
           </a:p>
@@ -3463,7 +3464,7 @@
           <a:p>
             <a:fld id="{8CC71C08-3195-43D4-9A1F-6CFC67AEC340}" type="datetimeFigureOut">
               <a:rPr lang="en-US" smtClean="0"/>
-              <a:t>3/1/2019</a:t>
+              <a:t>3/2/2019</a:t>
             </a:fld>
             <a:endParaRPr lang="en-US"/>
           </a:p>
@@ -3837,7 +3838,7 @@
           <a:p>
             <a:fld id="{8CC71C08-3195-43D4-9A1F-6CFC67AEC340}" type="datetimeFigureOut">
               <a:rPr lang="en-US" smtClean="0"/>
-              <a:t>3/1/2019</a:t>
+              <a:t>3/2/2019</a:t>
             </a:fld>
             <a:endParaRPr lang="en-US"/>
           </a:p>
@@ -3960,7 +3961,7 @@
           <a:p>
             <a:fld id="{8CC71C08-3195-43D4-9A1F-6CFC67AEC340}" type="datetimeFigureOut">
               <a:rPr lang="en-US" smtClean="0"/>
-              <a:t>3/1/2019</a:t>
+              <a:t>3/2/2019</a:t>
             </a:fld>
             <a:endParaRPr lang="en-US"/>
           </a:p>
@@ -4055,7 +4056,7 @@
           <a:p>
             <a:fld id="{8CC71C08-3195-43D4-9A1F-6CFC67AEC340}" type="datetimeFigureOut">
               <a:rPr lang="en-US" smtClean="0"/>
-              <a:t>3/1/2019</a:t>
+              <a:t>3/2/2019</a:t>
             </a:fld>
             <a:endParaRPr lang="en-US"/>
           </a:p>
@@ -4310,7 +4311,7 @@
           <a:p>
             <a:fld id="{8CC71C08-3195-43D4-9A1F-6CFC67AEC340}" type="datetimeFigureOut">
               <a:rPr lang="en-US" smtClean="0"/>
-              <a:t>3/1/2019</a:t>
+              <a:t>3/2/2019</a:t>
             </a:fld>
             <a:endParaRPr lang="en-US"/>
           </a:p>
@@ -4573,7 +4574,7 @@
           <a:p>
             <a:fld id="{8CC71C08-3195-43D4-9A1F-6CFC67AEC340}" type="datetimeFigureOut">
               <a:rPr lang="en-US" smtClean="0"/>
-              <a:t>3/1/2019</a:t>
+              <a:t>3/2/2019</a:t>
             </a:fld>
             <a:endParaRPr lang="en-US"/>
           </a:p>
@@ -5316,7 +5317,7 @@
           <a:p>
             <a:fld id="{8CC71C08-3195-43D4-9A1F-6CFC67AEC340}" type="datetimeFigureOut">
               <a:rPr lang="en-US" smtClean="0"/>
-              <a:t>3/1/2019</a:t>
+              <a:t>3/2/2019</a:t>
             </a:fld>
             <a:endParaRPr lang="en-US"/>
           </a:p>
@@ -5982,6 +5983,103 @@
           <p:cNvPr id="2" name="Title 1">
             <a:extLst>
               <a:ext uri="{FF2B5EF4-FFF2-40B4-BE49-F238E27FC236}">
+                <a16:creationId xmlns:a16="http://schemas.microsoft.com/office/drawing/2014/main" id="{455E15F1-4C8E-4060-A3D7-6D5C3FA63DA5}"/>
+              </a:ext>
+            </a:extLst>
+          </p:cNvPr>
+          <p:cNvSpPr>
+            <a:spLocks noGrp="1"/>
+          </p:cNvSpPr>
+          <p:nvPr>
+            <p:ph type="title"/>
+          </p:nvPr>
+        </p:nvSpPr>
+        <p:spPr/>
+        <p:txBody>
+          <a:bodyPr>
+            <a:normAutofit fontScale="90000"/>
+          </a:bodyPr>
+          <a:lstStyle/>
+          <a:p>
+            <a:r>
+              <a:rPr lang="en-US" dirty="0"/>
+              <a:t>Question 4: </a:t>
+            </a:r>
+            <a:r>
+              <a:rPr lang="en-US" dirty="0">
+                <a:solidFill>
+                  <a:schemeClr val="tx1"/>
+                </a:solidFill>
+              </a:rPr>
+              <a:t>If a county is good at recording their data, then they should have less readmissions. </a:t>
+            </a:r>
+            <a:br>
+              <a:rPr lang="en-US" dirty="0"/>
+            </a:br>
+            <a:endParaRPr lang="en-US" dirty="0"/>
+          </a:p>
+        </p:txBody>
+      </p:sp>
+      <p:sp>
+        <p:nvSpPr>
+          <p:cNvPr id="3" name="Content Placeholder 2">
+            <a:extLst>
+              <a:ext uri="{FF2B5EF4-FFF2-40B4-BE49-F238E27FC236}">
+                <a16:creationId xmlns:a16="http://schemas.microsoft.com/office/drawing/2014/main" id="{7143B4AA-F574-426C-ADAC-83AAB5A13F5F}"/>
+              </a:ext>
+            </a:extLst>
+          </p:cNvPr>
+          <p:cNvSpPr>
+            <a:spLocks noGrp="1"/>
+          </p:cNvSpPr>
+          <p:nvPr>
+            <p:ph idx="1"/>
+          </p:nvPr>
+        </p:nvSpPr>
+        <p:spPr/>
+        <p:txBody>
+          <a:bodyPr/>
+          <a:lstStyle/>
+          <a:p>
+            <a:endParaRPr lang="en-US"/>
+          </a:p>
+        </p:txBody>
+      </p:sp>
+    </p:spTree>
+    <p:extLst>
+      <p:ext uri="{BB962C8B-B14F-4D97-AF65-F5344CB8AC3E}">
+        <p14:creationId xmlns:p14="http://schemas.microsoft.com/office/powerpoint/2010/main" val="3595413408"/>
+      </p:ext>
+    </p:extLst>
+  </p:cSld>
+  <p:clrMapOvr>
+    <a:masterClrMapping/>
+  </p:clrMapOvr>
+</p:sld>
+</file>
+
+<file path=ppt/slides/slide11.xml><?xml version="1.0" encoding="utf-8"?>
+<p:sld xmlns:a="http://schemas.openxmlformats.org/drawingml/2006/main" xmlns:r="http://schemas.openxmlformats.org/officeDocument/2006/relationships" xmlns:p="http://schemas.openxmlformats.org/presentationml/2006/main">
+  <p:cSld>
+    <p:spTree>
+      <p:nvGrpSpPr>
+        <p:cNvPr id="1" name=""/>
+        <p:cNvGrpSpPr/>
+        <p:nvPr/>
+      </p:nvGrpSpPr>
+      <p:grpSpPr>
+        <a:xfrm>
+          <a:off x="0" y="0"/>
+          <a:ext cx="0" cy="0"/>
+          <a:chOff x="0" y="0"/>
+          <a:chExt cx="0" cy="0"/>
+        </a:xfrm>
+      </p:grpSpPr>
+      <p:sp>
+        <p:nvSpPr>
+          <p:cNvPr id="2" name="Title 1">
+            <a:extLst>
+              <a:ext uri="{FF2B5EF4-FFF2-40B4-BE49-F238E27FC236}">
                 <a16:creationId xmlns:a16="http://schemas.microsoft.com/office/drawing/2014/main" id="{2BA4C45F-0A8F-4D0C-AE64-D48E5E351467}"/>
               </a:ext>
             </a:extLst>
@@ -6067,7 +6165,7 @@
 </p:sld>
 </file>
 
-<file path=ppt/slides/slide11.xml><?xml version="1.0" encoding="utf-8"?>
+<file path=ppt/slides/slide12.xml><?xml version="1.0" encoding="utf-8"?>
 <p:sld xmlns:a="http://schemas.openxmlformats.org/drawingml/2006/main" xmlns:r="http://schemas.openxmlformats.org/officeDocument/2006/relationships" xmlns:p="http://schemas.openxmlformats.org/presentationml/2006/main">
   <p:cSld>
     <p:bg>
@@ -8045,7 +8143,7 @@
 </p:sld>
 </file>
 
-<file path=ppt/slides/slide12.xml><?xml version="1.0" encoding="utf-8"?>
+<file path=ppt/slides/slide13.xml><?xml version="1.0" encoding="utf-8"?>
 <p:sld xmlns:a="http://schemas.openxmlformats.org/drawingml/2006/main" xmlns:r="http://schemas.openxmlformats.org/officeDocument/2006/relationships" xmlns:p="http://schemas.openxmlformats.org/presentationml/2006/main">
   <p:cSld>
     <p:spTree>
@@ -10065,78 +10163,375 @@
       </p:grpSpPr>
       <p:sp>
         <p:nvSpPr>
-          <p:cNvPr id="2" name="Title 1">
+          <p:cNvPr id="4" name="Rectangle 3">
             <a:extLst>
               <a:ext uri="{FF2B5EF4-FFF2-40B4-BE49-F238E27FC236}">
-                <a16:creationId xmlns:a16="http://schemas.microsoft.com/office/drawing/2014/main" id="{5B7667AF-1456-441C-8708-D771F6A9D659}"/>
+                <a16:creationId xmlns:a16="http://schemas.microsoft.com/office/drawing/2014/main" id="{C960193E-A476-4B10-95BA-6A9C22CB696A}"/>
               </a:ext>
             </a:extLst>
           </p:cNvPr>
-          <p:cNvSpPr>
-            <a:spLocks noGrp="1"/>
-          </p:cNvSpPr>
-          <p:nvPr>
-            <p:ph type="title"/>
-          </p:nvPr>
+          <p:cNvSpPr/>
+          <p:nvPr/>
         </p:nvSpPr>
         <p:spPr>
           <a:xfrm>
-            <a:off x="838200" y="681037"/>
-            <a:ext cx="10515600" cy="1325563"/>
+            <a:off x="720090" y="182880"/>
+            <a:ext cx="8835390" cy="707886"/>
           </a:xfrm>
+          <a:prstGeom prst="rect">
+            <a:avLst/>
+          </a:prstGeom>
         </p:spPr>
         <p:txBody>
-          <a:bodyPr>
-            <a:normAutofit fontScale="90000"/>
+          <a:bodyPr wrap="square">
+            <a:spAutoFit/>
           </a:bodyPr>
           <a:lstStyle/>
           <a:p>
-            <a:r>
-              <a:rPr lang="en-US" dirty="0"/>
-              <a:t>Question 3: </a:t>
-            </a:r>
-            <a:r>
-              <a:rPr lang="en-US" dirty="0">
-                <a:solidFill>
-                  <a:schemeClr val="tx1"/>
-                </a:solidFill>
-              </a:rPr>
-              <a:t>Which county has the greatest count of data recordings? AKA, which county has the least “not available” data?</a:t>
-            </a:r>
-            <a:br>
-              <a:rPr lang="en-US" dirty="0"/>
-            </a:br>
-            <a:endParaRPr lang="en-US" dirty="0"/>
-          </a:p>
-        </p:txBody>
-      </p:sp>
-      <p:sp>
-        <p:nvSpPr>
-          <p:cNvPr id="3" name="Content Placeholder 2">
+            <a:pPr algn="ctr"/>
+            <a:r>
+              <a:rPr lang="en-US" sz="2000" dirty="0"/>
+              <a:t>The Medicare Spending Per Patient</a:t>
+            </a:r>
+          </a:p>
+          <a:p>
+            <a:pPr algn="ctr"/>
+            <a:r>
+              <a:rPr lang="en-US" sz="2000" dirty="0"/>
+              <a:t>Medicare spends more, less, or about the same for an episode of care</a:t>
+            </a:r>
+          </a:p>
+        </p:txBody>
+      </p:sp>
+      <p:pic>
+        <p:nvPicPr>
+          <p:cNvPr id="1026" name="Picture 2">
             <a:extLst>
               <a:ext uri="{FF2B5EF4-FFF2-40B4-BE49-F238E27FC236}">
-                <a16:creationId xmlns:a16="http://schemas.microsoft.com/office/drawing/2014/main" id="{BC651B5A-6918-4380-BAAE-12FA6759B43E}"/>
+                <a16:creationId xmlns:a16="http://schemas.microsoft.com/office/drawing/2014/main" id="{77A96258-5A62-408F-AF07-F1075254987A}"/>
               </a:ext>
             </a:extLst>
           </p:cNvPr>
-          <p:cNvSpPr>
-            <a:spLocks noGrp="1"/>
-          </p:cNvSpPr>
-          <p:nvPr>
-            <p:ph idx="1"/>
-          </p:nvPr>
+          <p:cNvPicPr>
+            <a:picLocks noChangeAspect="1" noChangeArrowheads="1"/>
+          </p:cNvPicPr>
+          <p:nvPr/>
+        </p:nvPicPr>
+        <p:blipFill>
+          <a:blip r:embed="rId2">
+            <a:extLst>
+              <a:ext uri="{28A0092B-C50C-407E-A947-70E740481C1C}">
+                <a14:useLocalDpi xmlns:a14="http://schemas.microsoft.com/office/drawing/2010/main" val="0"/>
+              </a:ext>
+            </a:extLst>
+          </a:blip>
+          <a:srcRect/>
+          <a:stretch>
+            <a:fillRect/>
+          </a:stretch>
+        </p:blipFill>
+        <p:spPr bwMode="auto">
+          <a:xfrm>
+            <a:off x="1882140" y="2229353"/>
+            <a:ext cx="6305550" cy="4445767"/>
+          </a:xfrm>
+          <a:prstGeom prst="rect">
+            <a:avLst/>
+          </a:prstGeom>
+          <a:noFill/>
+          <a:extLst>
+            <a:ext uri="{909E8E84-426E-40DD-AFC4-6F175D3DCCD1}">
+              <a14:hiddenFill xmlns:a14="http://schemas.microsoft.com/office/drawing/2010/main">
+                <a:solidFill>
+                  <a:srgbClr val="FFFFFF"/>
+                </a:solidFill>
+              </a14:hiddenFill>
+            </a:ext>
+          </a:extLst>
+        </p:spPr>
+      </p:pic>
+      <p:sp>
+        <p:nvSpPr>
+          <p:cNvPr id="7" name="Content Placeholder 2">
+            <a:extLst>
+              <a:ext uri="{FF2B5EF4-FFF2-40B4-BE49-F238E27FC236}">
+                <a16:creationId xmlns:a16="http://schemas.microsoft.com/office/drawing/2014/main" id="{8D12E0A2-1D9E-4CC8-8E87-26DF6979AD4B}"/>
+              </a:ext>
+            </a:extLst>
+          </p:cNvPr>
+          <p:cNvSpPr txBox="1">
+            <a:spLocks/>
+          </p:cNvSpPr>
+          <p:nvPr/>
         </p:nvSpPr>
         <p:spPr>
           <a:xfrm>
-            <a:off x="838200" y="2281561"/>
-            <a:ext cx="10515600" cy="3895402"/>
+            <a:off x="2727960" y="1429903"/>
+            <a:ext cx="5562600" cy="707886"/>
           </a:xfrm>
+          <a:prstGeom prst="rect">
+            <a:avLst/>
+          </a:prstGeom>
         </p:spPr>
         <p:txBody>
-          <a:bodyPr/>
-          <a:lstStyle/>
-          <a:p>
-            <a:endParaRPr lang="en-US" dirty="0"/>
+          <a:bodyPr vert="horz" lIns="91440" tIns="45720" rIns="91440" bIns="45720" rtlCol="0">
+            <a:normAutofit fontScale="25000" lnSpcReduction="20000"/>
+          </a:bodyPr>
+          <a:lstStyle>
+            <a:lvl1pPr marL="342900" indent="-342900" algn="l" defTabSz="457200" rtl="0" eaLnBrk="1" latinLnBrk="0" hangingPunct="1">
+              <a:spcBef>
+                <a:spcPts val="1000"/>
+              </a:spcBef>
+              <a:spcAft>
+                <a:spcPts val="0"/>
+              </a:spcAft>
+              <a:buClr>
+                <a:schemeClr val="accent1"/>
+              </a:buClr>
+              <a:buSzPct val="80000"/>
+              <a:buFont typeface="Wingdings 3" charset="2"/>
+              <a:buChar char=""/>
+              <a:defRPr sz="1800" kern="1200">
+                <a:solidFill>
+                  <a:schemeClr val="tx1">
+                    <a:lumMod val="75000"/>
+                    <a:lumOff val="25000"/>
+                  </a:schemeClr>
+                </a:solidFill>
+                <a:latin typeface="+mn-lt"/>
+                <a:ea typeface="+mn-ea"/>
+                <a:cs typeface="+mn-cs"/>
+              </a:defRPr>
+            </a:lvl1pPr>
+            <a:lvl2pPr marL="742950" indent="-285750" algn="l" defTabSz="457200" rtl="0" eaLnBrk="1" latinLnBrk="0" hangingPunct="1">
+              <a:spcBef>
+                <a:spcPts val="1000"/>
+              </a:spcBef>
+              <a:spcAft>
+                <a:spcPts val="0"/>
+              </a:spcAft>
+              <a:buClr>
+                <a:schemeClr val="accent1"/>
+              </a:buClr>
+              <a:buSzPct val="80000"/>
+              <a:buFont typeface="Wingdings 3" charset="2"/>
+              <a:buChar char=""/>
+              <a:defRPr sz="1600" kern="1200">
+                <a:solidFill>
+                  <a:schemeClr val="tx1">
+                    <a:lumMod val="75000"/>
+                    <a:lumOff val="25000"/>
+                  </a:schemeClr>
+                </a:solidFill>
+                <a:latin typeface="+mn-lt"/>
+                <a:ea typeface="+mn-ea"/>
+                <a:cs typeface="+mn-cs"/>
+              </a:defRPr>
+            </a:lvl2pPr>
+            <a:lvl3pPr marL="1143000" indent="-228600" algn="l" defTabSz="457200" rtl="0" eaLnBrk="1" latinLnBrk="0" hangingPunct="1">
+              <a:spcBef>
+                <a:spcPts val="1000"/>
+              </a:spcBef>
+              <a:spcAft>
+                <a:spcPts val="0"/>
+              </a:spcAft>
+              <a:buClr>
+                <a:schemeClr val="accent1"/>
+              </a:buClr>
+              <a:buSzPct val="80000"/>
+              <a:buFont typeface="Wingdings 3" charset="2"/>
+              <a:buChar char=""/>
+              <a:defRPr sz="1400" kern="1200">
+                <a:solidFill>
+                  <a:schemeClr val="tx1">
+                    <a:lumMod val="75000"/>
+                    <a:lumOff val="25000"/>
+                  </a:schemeClr>
+                </a:solidFill>
+                <a:latin typeface="+mn-lt"/>
+                <a:ea typeface="+mn-ea"/>
+                <a:cs typeface="+mn-cs"/>
+              </a:defRPr>
+            </a:lvl3pPr>
+            <a:lvl4pPr marL="1600200" indent="-228600" algn="l" defTabSz="457200" rtl="0" eaLnBrk="1" latinLnBrk="0" hangingPunct="1">
+              <a:spcBef>
+                <a:spcPts val="1000"/>
+              </a:spcBef>
+              <a:spcAft>
+                <a:spcPts val="0"/>
+              </a:spcAft>
+              <a:buClr>
+                <a:schemeClr val="accent1"/>
+              </a:buClr>
+              <a:buSzPct val="80000"/>
+              <a:buFont typeface="Wingdings 3" charset="2"/>
+              <a:buChar char=""/>
+              <a:defRPr sz="1200" kern="1200">
+                <a:solidFill>
+                  <a:schemeClr val="tx1">
+                    <a:lumMod val="75000"/>
+                    <a:lumOff val="25000"/>
+                  </a:schemeClr>
+                </a:solidFill>
+                <a:latin typeface="+mn-lt"/>
+                <a:ea typeface="+mn-ea"/>
+                <a:cs typeface="+mn-cs"/>
+              </a:defRPr>
+            </a:lvl4pPr>
+            <a:lvl5pPr marL="2057400" indent="-228600" algn="l" defTabSz="457200" rtl="0" eaLnBrk="1" latinLnBrk="0" hangingPunct="1">
+              <a:spcBef>
+                <a:spcPts val="1000"/>
+              </a:spcBef>
+              <a:spcAft>
+                <a:spcPts val="0"/>
+              </a:spcAft>
+              <a:buClr>
+                <a:schemeClr val="accent1"/>
+              </a:buClr>
+              <a:buSzPct val="80000"/>
+              <a:buFont typeface="Wingdings 3" charset="2"/>
+              <a:buChar char=""/>
+              <a:defRPr sz="1200" kern="1200">
+                <a:solidFill>
+                  <a:schemeClr val="tx1">
+                    <a:lumMod val="75000"/>
+                    <a:lumOff val="25000"/>
+                  </a:schemeClr>
+                </a:solidFill>
+                <a:latin typeface="+mn-lt"/>
+                <a:ea typeface="+mn-ea"/>
+                <a:cs typeface="+mn-cs"/>
+              </a:defRPr>
+            </a:lvl5pPr>
+            <a:lvl6pPr marL="2514600" indent="-228600" algn="l" defTabSz="457200" rtl="0" eaLnBrk="1" latinLnBrk="0" hangingPunct="1">
+              <a:spcBef>
+                <a:spcPts val="1000"/>
+              </a:spcBef>
+              <a:spcAft>
+                <a:spcPts val="0"/>
+              </a:spcAft>
+              <a:buClr>
+                <a:schemeClr val="accent1"/>
+              </a:buClr>
+              <a:buSzPct val="80000"/>
+              <a:buFont typeface="Wingdings 3" charset="2"/>
+              <a:buChar char=""/>
+              <a:defRPr sz="1200" kern="1200">
+                <a:solidFill>
+                  <a:schemeClr val="tx1">
+                    <a:lumMod val="75000"/>
+                    <a:lumOff val="25000"/>
+                  </a:schemeClr>
+                </a:solidFill>
+                <a:latin typeface="+mn-lt"/>
+                <a:ea typeface="+mn-ea"/>
+                <a:cs typeface="+mn-cs"/>
+              </a:defRPr>
+            </a:lvl6pPr>
+            <a:lvl7pPr marL="2971800" indent="-228600" algn="l" defTabSz="457200" rtl="0" eaLnBrk="1" latinLnBrk="0" hangingPunct="1">
+              <a:spcBef>
+                <a:spcPts val="1000"/>
+              </a:spcBef>
+              <a:spcAft>
+                <a:spcPts val="0"/>
+              </a:spcAft>
+              <a:buClr>
+                <a:schemeClr val="accent1"/>
+              </a:buClr>
+              <a:buSzPct val="80000"/>
+              <a:buFont typeface="Wingdings 3" charset="2"/>
+              <a:buChar char=""/>
+              <a:defRPr sz="1200" kern="1200">
+                <a:solidFill>
+                  <a:schemeClr val="tx1">
+                    <a:lumMod val="75000"/>
+                    <a:lumOff val="25000"/>
+                  </a:schemeClr>
+                </a:solidFill>
+                <a:latin typeface="+mn-lt"/>
+                <a:ea typeface="+mn-ea"/>
+                <a:cs typeface="+mn-cs"/>
+              </a:defRPr>
+            </a:lvl7pPr>
+            <a:lvl8pPr marL="3429000" indent="-228600" algn="l" defTabSz="457200" rtl="0" eaLnBrk="1" latinLnBrk="0" hangingPunct="1">
+              <a:spcBef>
+                <a:spcPts val="1000"/>
+              </a:spcBef>
+              <a:spcAft>
+                <a:spcPts val="0"/>
+              </a:spcAft>
+              <a:buClr>
+                <a:schemeClr val="accent1"/>
+              </a:buClr>
+              <a:buSzPct val="80000"/>
+              <a:buFont typeface="Wingdings 3" charset="2"/>
+              <a:buChar char=""/>
+              <a:defRPr sz="1200" kern="1200">
+                <a:solidFill>
+                  <a:schemeClr val="tx1">
+                    <a:lumMod val="75000"/>
+                    <a:lumOff val="25000"/>
+                  </a:schemeClr>
+                </a:solidFill>
+                <a:latin typeface="+mn-lt"/>
+                <a:ea typeface="+mn-ea"/>
+                <a:cs typeface="+mn-cs"/>
+              </a:defRPr>
+            </a:lvl8pPr>
+            <a:lvl9pPr marL="3886200" indent="-228600" algn="l" defTabSz="457200" rtl="0" eaLnBrk="1" latinLnBrk="0" hangingPunct="1">
+              <a:spcBef>
+                <a:spcPts val="1000"/>
+              </a:spcBef>
+              <a:spcAft>
+                <a:spcPts val="0"/>
+              </a:spcAft>
+              <a:buClr>
+                <a:schemeClr val="accent1"/>
+              </a:buClr>
+              <a:buSzPct val="80000"/>
+              <a:buFont typeface="Wingdings 3" charset="2"/>
+              <a:buChar char=""/>
+              <a:defRPr sz="1200" kern="1200">
+                <a:solidFill>
+                  <a:schemeClr val="tx1">
+                    <a:lumMod val="75000"/>
+                    <a:lumOff val="25000"/>
+                  </a:schemeClr>
+                </a:solidFill>
+                <a:latin typeface="+mn-lt"/>
+                <a:ea typeface="+mn-ea"/>
+                <a:cs typeface="+mn-cs"/>
+              </a:defRPr>
+            </a:lvl9pPr>
+          </a:lstStyle>
+          <a:p>
+            <a:r>
+              <a:rPr lang="en-US" sz="8000" dirty="0"/>
+              <a:t>Based on the average score per county:</a:t>
+            </a:r>
+          </a:p>
+          <a:p>
+            <a:pPr lvl="1"/>
+            <a:r>
+              <a:rPr lang="en-US" sz="8000" dirty="0"/>
+              <a:t>Johnson County spends more</a:t>
+            </a:r>
+          </a:p>
+          <a:p>
+            <a:pPr marL="0" indent="0">
+              <a:buNone/>
+            </a:pPr>
+            <a:r>
+              <a:rPr lang="en-US" dirty="0"/>
+              <a:t>	</a:t>
+            </a:r>
+            <a:endParaRPr lang="en-US" sz="6400" dirty="0"/>
+          </a:p>
+          <a:p>
+            <a:pPr marL="0" indent="0">
+              <a:buNone/>
+            </a:pPr>
+            <a:endParaRPr lang="en-US" sz="9600" dirty="0"/>
           </a:p>
         </p:txBody>
       </p:sp>
@@ -10175,7 +10570,7 @@
           <p:cNvPr id="2" name="Title 1">
             <a:extLst>
               <a:ext uri="{FF2B5EF4-FFF2-40B4-BE49-F238E27FC236}">
-                <a16:creationId xmlns:a16="http://schemas.microsoft.com/office/drawing/2014/main" id="{455E15F1-4C8E-4060-A3D7-6D5C3FA63DA5}"/>
+                <a16:creationId xmlns:a16="http://schemas.microsoft.com/office/drawing/2014/main" id="{5B7667AF-1456-441C-8708-D771F6A9D659}"/>
               </a:ext>
             </a:extLst>
           </p:cNvPr>
@@ -10186,7 +10581,12 @@
             <p:ph type="title"/>
           </p:nvPr>
         </p:nvSpPr>
-        <p:spPr/>
+        <p:spPr>
+          <a:xfrm>
+            <a:off x="838200" y="681037"/>
+            <a:ext cx="10515600" cy="2999423"/>
+          </a:xfrm>
+        </p:spPr>
         <p:txBody>
           <a:bodyPr>
             <a:normAutofit fontScale="90000"/>
@@ -10195,7 +10595,7 @@
           <a:p>
             <a:r>
               <a:rPr lang="en-US" dirty="0"/>
-              <a:t>Question 4: </a:t>
+              <a:t>Question 3: </a:t>
             </a:r>
             <a:r>
               <a:rPr lang="en-US" dirty="0">
@@ -10203,8 +10603,26 @@
                   <a:schemeClr val="tx1"/>
                 </a:solidFill>
               </a:rPr>
-              <a:t>If a county is good at recording their data, then they should have less readmissions. </a:t>
-            </a:r>
+              <a:t>Which county has the greatest count of data recordings? AKA, which county has the least “not available” data?</a:t>
+            </a:r>
+            <a:br>
+              <a:rPr lang="en-US" dirty="0">
+                <a:solidFill>
+                  <a:schemeClr val="tx1"/>
+                </a:solidFill>
+              </a:rPr>
+            </a:br>
+            <a:r>
+              <a:rPr lang="en-US" dirty="0">
+                <a:solidFill>
+                  <a:schemeClr val="tx1"/>
+                </a:solidFill>
+              </a:rPr>
+              <a:t>Count each “score” available and then compare between counties.</a:t>
+            </a:r>
+            <a:br>
+              <a:rPr lang="en-US" dirty="0"/>
+            </a:br>
             <a:br>
               <a:rPr lang="en-US" dirty="0"/>
             </a:br>
@@ -10212,35 +10630,10 @@
           </a:p>
         </p:txBody>
       </p:sp>
-      <p:sp>
-        <p:nvSpPr>
-          <p:cNvPr id="3" name="Content Placeholder 2">
-            <a:extLst>
-              <a:ext uri="{FF2B5EF4-FFF2-40B4-BE49-F238E27FC236}">
-                <a16:creationId xmlns:a16="http://schemas.microsoft.com/office/drawing/2014/main" id="{7143B4AA-F574-426C-ADAC-83AAB5A13F5F}"/>
-              </a:ext>
-            </a:extLst>
-          </p:cNvPr>
-          <p:cNvSpPr>
-            <a:spLocks noGrp="1"/>
-          </p:cNvSpPr>
-          <p:nvPr>
-            <p:ph idx="1"/>
-          </p:nvPr>
-        </p:nvSpPr>
-        <p:spPr/>
-        <p:txBody>
-          <a:bodyPr/>
-          <a:lstStyle/>
-          <a:p>
-            <a:endParaRPr lang="en-US"/>
-          </a:p>
-        </p:txBody>
-      </p:sp>
     </p:spTree>
     <p:extLst>
       <p:ext uri="{BB962C8B-B14F-4D97-AF65-F5344CB8AC3E}">
-        <p14:creationId xmlns:p14="http://schemas.microsoft.com/office/powerpoint/2010/main" val="3595413408"/>
+        <p14:creationId xmlns:p14="http://schemas.microsoft.com/office/powerpoint/2010/main" val="1293162816"/>
       </p:ext>
     </p:extLst>
   </p:cSld>

--- a/SnakeBitePresentation.pptx
+++ b/SnakeBitePresentation.pptx
@@ -5859,7 +5859,7 @@
         </p:nvSpPr>
         <p:spPr>
           <a:xfrm>
-            <a:off x="6096000" y="2807167"/>
+            <a:off x="6096000" y="2455949"/>
             <a:ext cx="3341036" cy="701580"/>
           </a:xfrm>
         </p:spPr>
@@ -5868,10 +5868,16 @@
           <a:lstStyle/>
           <a:p>
             <a:r>
-              <a:rPr lang="en-US" dirty="0" err="1"/>
+              <a:rPr lang="en-US" dirty="0" err="1">
+                <a:latin typeface="Calibri" panose="020F0502020204030204" pitchFamily="34" charset="0"/>
+                <a:cs typeface="Calibri" panose="020F0502020204030204" pitchFamily="34" charset="0"/>
+              </a:rPr>
               <a:t>Snakebait</a:t>
             </a:r>
-            <a:endParaRPr lang="en-US" dirty="0"/>
+            <a:endParaRPr lang="en-US" dirty="0">
+              <a:latin typeface="Calibri" panose="020F0502020204030204" pitchFamily="34" charset="0"/>
+              <a:cs typeface="Calibri" panose="020F0502020204030204" pitchFamily="34" charset="0"/>
+            </a:endParaRPr>
           </a:p>
         </p:txBody>
       </p:sp>
@@ -5893,21 +5899,82 @@
         </p:nvSpPr>
         <p:spPr>
           <a:xfrm>
-            <a:off x="6510670" y="3508747"/>
-            <a:ext cx="2926366" cy="414841"/>
+            <a:off x="6862896" y="3157529"/>
+            <a:ext cx="2221914" cy="2010060"/>
           </a:xfrm>
         </p:spPr>
         <p:txBody>
-          <a:bodyPr/>
+          <a:bodyPr>
+            <a:noAutofit/>
+          </a:bodyPr>
           <a:lstStyle/>
           <a:p>
-            <a:r>
-              <a:rPr lang="en-US" dirty="0">
+            <a:pPr algn="ctr"/>
+            <a:r>
+              <a:rPr lang="en-US" sz="2000" dirty="0">
                 <a:solidFill>
                   <a:schemeClr val="tx1"/>
                 </a:solidFill>
+                <a:latin typeface="Calibri" panose="020F0502020204030204" pitchFamily="34" charset="0"/>
+                <a:cs typeface="Calibri" panose="020F0502020204030204" pitchFamily="34" charset="0"/>
               </a:rPr>
-              <a:t>Tad, Charlie, Steve, Sasha</a:t>
+              <a:t>Tad  Tatsuya Mura </a:t>
+            </a:r>
+          </a:p>
+          <a:p>
+            <a:pPr algn="ctr"/>
+            <a:r>
+              <a:rPr lang="en-US" sz="2000" dirty="0">
+                <a:solidFill>
+                  <a:schemeClr val="tx1"/>
+                </a:solidFill>
+                <a:latin typeface="Calibri" panose="020F0502020204030204" pitchFamily="34" charset="0"/>
+                <a:cs typeface="Calibri" panose="020F0502020204030204" pitchFamily="34" charset="0"/>
+              </a:rPr>
+              <a:t>Charlie </a:t>
+            </a:r>
+            <a:r>
+              <a:rPr lang="en-US" sz="2000" dirty="0" err="1">
+                <a:solidFill>
+                  <a:schemeClr val="tx1"/>
+                </a:solidFill>
+                <a:latin typeface="Calibri" panose="020F0502020204030204" pitchFamily="34" charset="0"/>
+                <a:cs typeface="Calibri" panose="020F0502020204030204" pitchFamily="34" charset="0"/>
+              </a:rPr>
+              <a:t>Ortman</a:t>
+            </a:r>
+            <a:endParaRPr lang="en-US" sz="2000" dirty="0">
+              <a:solidFill>
+                <a:schemeClr val="tx1"/>
+              </a:solidFill>
+              <a:latin typeface="Calibri" panose="020F0502020204030204" pitchFamily="34" charset="0"/>
+              <a:cs typeface="Calibri" panose="020F0502020204030204" pitchFamily="34" charset="0"/>
+            </a:endParaRPr>
+          </a:p>
+          <a:p>
+            <a:pPr algn="ctr"/>
+            <a:r>
+              <a:rPr lang="en-US" sz="2000" dirty="0">
+                <a:solidFill>
+                  <a:schemeClr val="tx1"/>
+                </a:solidFill>
+                <a:latin typeface="Calibri" panose="020F0502020204030204" pitchFamily="34" charset="0"/>
+                <a:cs typeface="Calibri" panose="020F0502020204030204" pitchFamily="34" charset="0"/>
+              </a:rPr>
+              <a:t>Steve Ricard</a:t>
+            </a:r>
+          </a:p>
+          <a:p>
+            <a:pPr algn="ctr"/>
+            <a:r>
+              <a:rPr lang="en-US" sz="2000" dirty="0">
+                <a:solidFill>
+                  <a:schemeClr val="tx1"/>
+                </a:solidFill>
+                <a:latin typeface="Calibri" panose="020F0502020204030204" pitchFamily="34" charset="0"/>
+                <a:cs typeface="Calibri" panose="020F0502020204030204" pitchFamily="34" charset="0"/>
+              </a:rPr>
+              <a:t>Sasha Bridges</a:t>
             </a:r>
           </a:p>
         </p:txBody>
@@ -5940,8 +6007,8 @@
         </p:blipFill>
         <p:spPr>
           <a:xfrm>
-            <a:off x="-219982" y="0"/>
-            <a:ext cx="7891288" cy="6458725"/>
+            <a:off x="593309" y="648246"/>
+            <a:ext cx="6131699" cy="5018567"/>
           </a:xfrm>
           <a:prstGeom prst="rect">
             <a:avLst/>
@@ -6002,7 +6069,10 @@
           <a:lstStyle/>
           <a:p>
             <a:r>
-              <a:rPr lang="en-US" dirty="0"/>
+              <a:rPr lang="en-US" dirty="0">
+                <a:latin typeface="Calibri" panose="020F0502020204030204" pitchFamily="34" charset="0"/>
+                <a:cs typeface="Calibri" panose="020F0502020204030204" pitchFamily="34" charset="0"/>
+              </a:rPr>
               <a:t>Question 4: </a:t>
             </a:r>
             <a:r>
@@ -6010,13 +6080,21 @@
                 <a:solidFill>
                   <a:schemeClr val="tx1"/>
                 </a:solidFill>
+                <a:latin typeface="Calibri" panose="020F0502020204030204" pitchFamily="34" charset="0"/>
+                <a:cs typeface="Calibri" panose="020F0502020204030204" pitchFamily="34" charset="0"/>
               </a:rPr>
               <a:t>If a county is good at recording their data, then they should have less readmissions. </a:t>
             </a:r>
             <a:br>
-              <a:rPr lang="en-US" dirty="0"/>
+              <a:rPr lang="en-US" dirty="0">
+                <a:latin typeface="Calibri" panose="020F0502020204030204" pitchFamily="34" charset="0"/>
+                <a:cs typeface="Calibri" panose="020F0502020204030204" pitchFamily="34" charset="0"/>
+              </a:rPr>
             </a:br>
-            <a:endParaRPr lang="en-US" dirty="0"/>
+            <a:endParaRPr lang="en-US" dirty="0">
+              <a:latin typeface="Calibri" panose="020F0502020204030204" pitchFamily="34" charset="0"/>
+              <a:cs typeface="Calibri" panose="020F0502020204030204" pitchFamily="34" charset="0"/>
+            </a:endParaRPr>
           </a:p>
         </p:txBody>
       </p:sp>
@@ -7997,7 +8075,10 @@
           <a:p>
             <a:pPr algn="ctr"/>
             <a:r>
-              <a:rPr lang="en-US" dirty="0"/>
+              <a:rPr lang="en-US" dirty="0">
+                <a:latin typeface="Calibri" panose="020F0502020204030204" pitchFamily="34" charset="0"/>
+                <a:cs typeface="Calibri" panose="020F0502020204030204" pitchFamily="34" charset="0"/>
+              </a:rPr>
               <a:t>Income by County</a:t>
             </a:r>
           </a:p>
@@ -8109,6 +8190,8 @@
                 <a:solidFill>
                   <a:schemeClr val="tx1"/>
                 </a:solidFill>
+                <a:latin typeface="Calibri" panose="020F0502020204030204" pitchFamily="34" charset="0"/>
+                <a:cs typeface="Calibri" panose="020F0502020204030204" pitchFamily="34" charset="0"/>
               </a:rPr>
               <a:t>If a county has lower Medicare spending </a:t>
             </a:r>
@@ -8120,13 +8203,21 @@
                 <a:solidFill>
                   <a:schemeClr val="tx1"/>
                 </a:solidFill>
+                <a:latin typeface="Calibri" panose="020F0502020204030204" pitchFamily="34" charset="0"/>
+                <a:cs typeface="Calibri" panose="020F0502020204030204" pitchFamily="34" charset="0"/>
               </a:rPr>
               <a:t>then there are more unexpected hospital visits.</a:t>
             </a:r>
             <a:br>
-              <a:rPr lang="en-US" dirty="0"/>
+              <a:rPr lang="en-US" dirty="0">
+                <a:latin typeface="Calibri" panose="020F0502020204030204" pitchFamily="34" charset="0"/>
+                <a:cs typeface="Calibri" panose="020F0502020204030204" pitchFamily="34" charset="0"/>
+              </a:rPr>
             </a:br>
-            <a:endParaRPr lang="en-US" dirty="0"/>
+            <a:endParaRPr lang="en-US" dirty="0">
+              <a:latin typeface="Calibri" panose="020F0502020204030204" pitchFamily="34" charset="0"/>
+              <a:cs typeface="Calibri" panose="020F0502020204030204" pitchFamily="34" charset="0"/>
+            </a:endParaRPr>
           </a:p>
         </p:txBody>
       </p:sp>
@@ -8176,13 +8267,23 @@
             <p:ph type="title"/>
           </p:nvPr>
         </p:nvSpPr>
-        <p:spPr/>
-        <p:txBody>
-          <a:bodyPr/>
+        <p:spPr>
+          <a:xfrm>
+            <a:off x="677334" y="609600"/>
+            <a:ext cx="8596668" cy="613144"/>
+          </a:xfrm>
+        </p:spPr>
+        <p:txBody>
+          <a:bodyPr>
+            <a:normAutofit fontScale="90000"/>
+          </a:bodyPr>
           <a:lstStyle/>
           <a:p>
             <a:r>
-              <a:rPr lang="en-US" dirty="0"/>
+              <a:rPr lang="en-US" dirty="0">
+                <a:latin typeface="Calibri" panose="020F0502020204030204" pitchFamily="34" charset="0"/>
+                <a:cs typeface="Calibri" panose="020F0502020204030204" pitchFamily="34" charset="0"/>
+              </a:rPr>
               <a:t>Conclusion</a:t>
             </a:r>
           </a:p>
@@ -8210,9 +8311,36 @@
           <a:lstStyle/>
           <a:p>
             <a:r>
-              <a:rPr lang="en-US" dirty="0"/>
+              <a:rPr lang="en-US" dirty="0">
+                <a:latin typeface="Calibri" panose="020F0502020204030204" pitchFamily="34" charset="0"/>
+                <a:cs typeface="Calibri" panose="020F0502020204030204" pitchFamily="34" charset="0"/>
+              </a:rPr>
+              <a:t>Based on the data, Medicare is directly related to the income.</a:t>
+            </a:r>
+          </a:p>
+          <a:p>
+            <a:r>
+              <a:rPr lang="en-US" dirty="0">
+                <a:latin typeface="Calibri" panose="020F0502020204030204" pitchFamily="34" charset="0"/>
+                <a:cs typeface="Calibri" panose="020F0502020204030204" pitchFamily="34" charset="0"/>
+              </a:rPr>
               <a:t>CMS.gov files are difficult to work with</a:t>
             </a:r>
+          </a:p>
+          <a:p>
+            <a:pPr marL="0" indent="0">
+              <a:buNone/>
+            </a:pPr>
+            <a:r>
+              <a:rPr lang="en-US" dirty="0">
+                <a:latin typeface="Calibri" panose="020F0502020204030204" pitchFamily="34" charset="0"/>
+                <a:cs typeface="Calibri" panose="020F0502020204030204" pitchFamily="34" charset="0"/>
+              </a:rPr>
+              <a:t>  </a:t>
+            </a:r>
+          </a:p>
+          <a:p>
+            <a:endParaRPr lang="en-US" dirty="0"/>
           </a:p>
         </p:txBody>
       </p:sp>
@@ -8274,7 +8402,10 @@
           <a:p>
             <a:pPr algn="ctr"/>
             <a:r>
-              <a:rPr lang="en-US" dirty="0"/>
+              <a:rPr lang="en-US" dirty="0">
+                <a:latin typeface="Calibri" panose="020F0502020204030204" pitchFamily="34" charset="0"/>
+                <a:cs typeface="Calibri" panose="020F0502020204030204" pitchFamily="34" charset="0"/>
+              </a:rPr>
               <a:t>Medicare vs Hospitals</a:t>
             </a:r>
           </a:p>
@@ -8299,7 +8430,7 @@
         <p:spPr>
           <a:xfrm>
             <a:off x="6964325" y="1775530"/>
-            <a:ext cx="2962743" cy="474399"/>
+            <a:ext cx="2562447" cy="474399"/>
           </a:xfrm>
         </p:spPr>
         <p:txBody>
@@ -8312,10 +8443,16 @@
               <a:buNone/>
             </a:pPr>
             <a:r>
-              <a:rPr lang="en-US" sz="2400" b="1" dirty="0"/>
+              <a:rPr lang="en-US" sz="2400" b="1" dirty="0">
+                <a:latin typeface="Calibri" panose="020F0502020204030204" pitchFamily="34" charset="0"/>
+                <a:cs typeface="Calibri" panose="020F0502020204030204" pitchFamily="34" charset="0"/>
+              </a:rPr>
               <a:t>Areas to compare:</a:t>
             </a:r>
-            <a:endParaRPr lang="en-US" sz="2400" dirty="0"/>
+            <a:endParaRPr lang="en-US" sz="2400" dirty="0">
+              <a:latin typeface="Calibri" panose="020F0502020204030204" pitchFamily="34" charset="0"/>
+              <a:cs typeface="Calibri" panose="020F0502020204030204" pitchFamily="34" charset="0"/>
+            </a:endParaRPr>
           </a:p>
           <a:p>
             <a:pPr marL="0" indent="0">
@@ -8376,21 +8513,30 @@
           <a:p>
             <a:pPr algn="ctr"/>
             <a:r>
-              <a:rPr lang="en-US" sz="2400" b="1" dirty="0"/>
+              <a:rPr lang="en-US" sz="2400" b="1" dirty="0">
+                <a:latin typeface="Calibri" panose="020F0502020204030204" pitchFamily="34" charset="0"/>
+                <a:cs typeface="Calibri" panose="020F0502020204030204" pitchFamily="34" charset="0"/>
+              </a:rPr>
               <a:t>Initial Theory</a:t>
             </a:r>
           </a:p>
           <a:p>
             <a:pPr algn="ctr"/>
             <a:r>
-              <a:rPr lang="en-US" dirty="0"/>
+              <a:rPr lang="en-US" dirty="0">
+                <a:latin typeface="Calibri" panose="020F0502020204030204" pitchFamily="34" charset="0"/>
+                <a:cs typeface="Calibri" panose="020F0502020204030204" pitchFamily="34" charset="0"/>
+              </a:rPr>
               <a:t>“If Medicare spends more money at a certain hospital, </a:t>
             </a:r>
           </a:p>
           <a:p>
             <a:pPr algn="ctr"/>
             <a:r>
-              <a:rPr lang="en-US" dirty="0"/>
+              <a:rPr lang="en-US" dirty="0">
+                <a:latin typeface="Calibri" panose="020F0502020204030204" pitchFamily="34" charset="0"/>
+                <a:cs typeface="Calibri" panose="020F0502020204030204" pitchFamily="34" charset="0"/>
+              </a:rPr>
               <a:t>then that hospital will likely be better quality.”</a:t>
             </a:r>
           </a:p>
@@ -8652,31 +8798,46 @@
           </a:lstStyle>
           <a:p>
             <a:r>
-              <a:rPr lang="en-US" sz="6400" dirty="0"/>
+              <a:rPr lang="en-US" sz="6400" dirty="0">
+                <a:latin typeface="Calibri" panose="020F0502020204030204" pitchFamily="34" charset="0"/>
+                <a:cs typeface="Calibri" panose="020F0502020204030204" pitchFamily="34" charset="0"/>
+              </a:rPr>
               <a:t>Readmission Rates</a:t>
             </a:r>
           </a:p>
           <a:p>
             <a:r>
-              <a:rPr lang="en-US" sz="6400" dirty="0"/>
+              <a:rPr lang="en-US" sz="6400" dirty="0">
+                <a:latin typeface="Calibri" panose="020F0502020204030204" pitchFamily="34" charset="0"/>
+                <a:cs typeface="Calibri" panose="020F0502020204030204" pitchFamily="34" charset="0"/>
+              </a:rPr>
               <a:t>Complications &amp; Deaths</a:t>
             </a:r>
           </a:p>
           <a:p>
             <a:r>
-              <a:rPr lang="en-US" sz="6400" dirty="0"/>
+              <a:rPr lang="en-US" sz="6400" dirty="0">
+                <a:latin typeface="Calibri" panose="020F0502020204030204" pitchFamily="34" charset="0"/>
+                <a:cs typeface="Calibri" panose="020F0502020204030204" pitchFamily="34" charset="0"/>
+              </a:rPr>
               <a:t>Unexpected Hospital Visits</a:t>
             </a:r>
           </a:p>
           <a:p>
             <a:r>
-              <a:rPr lang="en-US" sz="6400" dirty="0"/>
+              <a:rPr lang="en-US" sz="6400" dirty="0">
+                <a:latin typeface="Calibri" panose="020F0502020204030204" pitchFamily="34" charset="0"/>
+                <a:cs typeface="Calibri" panose="020F0502020204030204" pitchFamily="34" charset="0"/>
+              </a:rPr>
               <a:t>Medicare Spending per Patient</a:t>
             </a:r>
           </a:p>
           <a:p>
             <a:r>
-              <a:rPr lang="en-US" sz="6400" dirty="0"/>
+              <a:rPr lang="en-US" sz="6400" dirty="0">
+                <a:latin typeface="Calibri" panose="020F0502020204030204" pitchFamily="34" charset="0"/>
+                <a:cs typeface="Calibri" panose="020F0502020204030204" pitchFamily="34" charset="0"/>
+              </a:rPr>
               <a:t>Income per County:</a:t>
             </a:r>
           </a:p>
@@ -8685,7 +8846,10 @@
               <a:buNone/>
             </a:pPr>
             <a:r>
-              <a:rPr lang="en-US" sz="6200" dirty="0"/>
+              <a:rPr lang="en-US" sz="6200" dirty="0">
+                <a:latin typeface="Calibri" panose="020F0502020204030204" pitchFamily="34" charset="0"/>
+                <a:cs typeface="Calibri" panose="020F0502020204030204" pitchFamily="34" charset="0"/>
+              </a:rPr>
               <a:t>Clay, MO</a:t>
             </a:r>
           </a:p>
@@ -8694,7 +8858,10 @@
               <a:buNone/>
             </a:pPr>
             <a:r>
-              <a:rPr lang="en-US" sz="6200" dirty="0"/>
+              <a:rPr lang="en-US" sz="6200" dirty="0">
+                <a:latin typeface="Calibri" panose="020F0502020204030204" pitchFamily="34" charset="0"/>
+                <a:cs typeface="Calibri" panose="020F0502020204030204" pitchFamily="34" charset="0"/>
+              </a:rPr>
               <a:t>Jackson, MO</a:t>
             </a:r>
           </a:p>
@@ -8703,7 +8870,10 @@
               <a:buNone/>
             </a:pPr>
             <a:r>
-              <a:rPr lang="en-US" sz="6200" dirty="0"/>
+              <a:rPr lang="en-US" sz="6200" dirty="0">
+                <a:latin typeface="Calibri" panose="020F0502020204030204" pitchFamily="34" charset="0"/>
+                <a:cs typeface="Calibri" panose="020F0502020204030204" pitchFamily="34" charset="0"/>
+              </a:rPr>
               <a:t>Johnson, KS</a:t>
             </a:r>
           </a:p>
@@ -8712,7 +8882,10 @@
               <a:buNone/>
             </a:pPr>
             <a:r>
-              <a:rPr lang="en-US" sz="6200" dirty="0"/>
+              <a:rPr lang="en-US" sz="6200" dirty="0">
+                <a:latin typeface="Calibri" panose="020F0502020204030204" pitchFamily="34" charset="0"/>
+                <a:cs typeface="Calibri" panose="020F0502020204030204" pitchFamily="34" charset="0"/>
+              </a:rPr>
               <a:t>Leavenworth, KS</a:t>
             </a:r>
           </a:p>
@@ -8721,7 +8894,10 @@
               <a:buNone/>
             </a:pPr>
             <a:r>
-              <a:rPr lang="en-US" sz="6200" dirty="0"/>
+              <a:rPr lang="en-US" sz="6200" dirty="0">
+                <a:latin typeface="Calibri" panose="020F0502020204030204" pitchFamily="34" charset="0"/>
+                <a:cs typeface="Calibri" panose="020F0502020204030204" pitchFamily="34" charset="0"/>
+              </a:rPr>
               <a:t>Sedgwick, KS</a:t>
             </a:r>
           </a:p>
@@ -8730,10 +8906,16 @@
               <a:buNone/>
             </a:pPr>
             <a:r>
-              <a:rPr lang="en-US" sz="6200" dirty="0"/>
+              <a:rPr lang="en-US" sz="6200" dirty="0">
+                <a:latin typeface="Calibri" panose="020F0502020204030204" pitchFamily="34" charset="0"/>
+                <a:cs typeface="Calibri" panose="020F0502020204030204" pitchFamily="34" charset="0"/>
+              </a:rPr>
               <a:t>Wyandotte, KS</a:t>
             </a:r>
-            <a:endParaRPr lang="en-US" sz="9600" dirty="0"/>
+            <a:endParaRPr lang="en-US" sz="9600" dirty="0">
+              <a:latin typeface="Calibri" panose="020F0502020204030204" pitchFamily="34" charset="0"/>
+              <a:cs typeface="Calibri" panose="020F0502020204030204" pitchFamily="34" charset="0"/>
+            </a:endParaRPr>
           </a:p>
         </p:txBody>
       </p:sp>
@@ -8997,10 +9179,16 @@
               <a:buNone/>
             </a:pPr>
             <a:r>
-              <a:rPr lang="en-US" sz="2400" b="1" dirty="0"/>
+              <a:rPr lang="en-US" sz="2400" b="1" dirty="0">
+                <a:latin typeface="Calibri" panose="020F0502020204030204" pitchFamily="34" charset="0"/>
+                <a:cs typeface="Calibri" panose="020F0502020204030204" pitchFamily="34" charset="0"/>
+              </a:rPr>
               <a:t>Our Process:</a:t>
             </a:r>
-            <a:endParaRPr lang="en-US" sz="2400" dirty="0"/>
+            <a:endParaRPr lang="en-US" sz="2400" dirty="0">
+              <a:latin typeface="Calibri" panose="020F0502020204030204" pitchFamily="34" charset="0"/>
+              <a:cs typeface="Calibri" panose="020F0502020204030204" pitchFamily="34" charset="0"/>
+            </a:endParaRPr>
           </a:p>
           <a:p>
             <a:pPr marL="0" indent="0">
@@ -9291,7 +9479,10 @@
           </a:lstStyle>
           <a:p>
             <a:r>
-              <a:rPr lang="en-US" sz="6400" dirty="0"/>
+              <a:rPr lang="en-US" sz="6400" dirty="0">
+                <a:latin typeface="Calibri" panose="020F0502020204030204" pitchFamily="34" charset="0"/>
+                <a:cs typeface="Calibri" panose="020F0502020204030204" pitchFamily="34" charset="0"/>
+              </a:rPr>
               <a:t>Data Search:</a:t>
             </a:r>
           </a:p>
@@ -9301,15 +9492,24 @@
               <a:buNone/>
             </a:pPr>
             <a:r>
-              <a:rPr lang="en-US" sz="6400" dirty="0"/>
+              <a:rPr lang="en-US" sz="6400" dirty="0">
+                <a:latin typeface="Calibri" panose="020F0502020204030204" pitchFamily="34" charset="0"/>
+                <a:cs typeface="Calibri" panose="020F0502020204030204" pitchFamily="34" charset="0"/>
+              </a:rPr>
               <a:t>Initial </a:t>
             </a:r>
             <a:r>
-              <a:rPr lang="en-US" sz="6400" dirty="0" err="1"/>
+              <a:rPr lang="en-US" sz="6400" dirty="0" err="1">
+                <a:latin typeface="Calibri" panose="020F0502020204030204" pitchFamily="34" charset="0"/>
+                <a:cs typeface="Calibri" panose="020F0502020204030204" pitchFamily="34" charset="0"/>
+              </a:rPr>
               <a:t>cvs</a:t>
             </a:r>
             <a:r>
-              <a:rPr lang="en-US" sz="6400" dirty="0"/>
+              <a:rPr lang="en-US" sz="6400" dirty="0">
+                <a:latin typeface="Calibri" panose="020F0502020204030204" pitchFamily="34" charset="0"/>
+                <a:cs typeface="Calibri" panose="020F0502020204030204" pitchFamily="34" charset="0"/>
+              </a:rPr>
               <a:t> files found – Steve</a:t>
             </a:r>
           </a:p>
@@ -9319,17 +9519,26 @@
               <a:buNone/>
             </a:pPr>
             <a:r>
-              <a:rPr lang="en-US" sz="6400" dirty="0"/>
+              <a:rPr lang="en-US" sz="6400" dirty="0">
+                <a:latin typeface="Calibri" panose="020F0502020204030204" pitchFamily="34" charset="0"/>
+                <a:cs typeface="Calibri" panose="020F0502020204030204" pitchFamily="34" charset="0"/>
+              </a:rPr>
               <a:t>Income data found – Charlie</a:t>
             </a:r>
           </a:p>
           <a:p>
             <a:pPr lvl="1"/>
-            <a:endParaRPr lang="en-US" sz="6400" dirty="0"/>
-          </a:p>
-          <a:p>
-            <a:r>
-              <a:rPr lang="en-US" sz="6400" dirty="0"/>
+            <a:endParaRPr lang="en-US" sz="6400" dirty="0">
+              <a:latin typeface="Calibri" panose="020F0502020204030204" pitchFamily="34" charset="0"/>
+              <a:cs typeface="Calibri" panose="020F0502020204030204" pitchFamily="34" charset="0"/>
+            </a:endParaRPr>
+          </a:p>
+          <a:p>
+            <a:r>
+              <a:rPr lang="en-US" sz="6400" dirty="0">
+                <a:latin typeface="Calibri" panose="020F0502020204030204" pitchFamily="34" charset="0"/>
+                <a:cs typeface="Calibri" panose="020F0502020204030204" pitchFamily="34" charset="0"/>
+              </a:rPr>
               <a:t>Data Cleanup:</a:t>
             </a:r>
           </a:p>
@@ -9339,7 +9548,10 @@
               <a:buNone/>
             </a:pPr>
             <a:r>
-              <a:rPr lang="en-US" sz="6400" dirty="0"/>
+              <a:rPr lang="en-US" sz="6400" dirty="0">
+                <a:latin typeface="Calibri" panose="020F0502020204030204" pitchFamily="34" charset="0"/>
+                <a:cs typeface="Calibri" panose="020F0502020204030204" pitchFamily="34" charset="0"/>
+              </a:rPr>
               <a:t>Initial cleanup – Sasha and Tad</a:t>
             </a:r>
           </a:p>
@@ -9348,15 +9560,24 @@
               <a:buFont typeface="Wingdings 3" charset="2"/>
               <a:buNone/>
             </a:pPr>
-            <a:endParaRPr lang="en-US" sz="6400" dirty="0"/>
-          </a:p>
-          <a:p>
-            <a:r>
-              <a:rPr lang="en-US" sz="6400" dirty="0" err="1"/>
+            <a:endParaRPr lang="en-US" sz="6400" dirty="0">
+              <a:latin typeface="Calibri" panose="020F0502020204030204" pitchFamily="34" charset="0"/>
+              <a:cs typeface="Calibri" panose="020F0502020204030204" pitchFamily="34" charset="0"/>
+            </a:endParaRPr>
+          </a:p>
+          <a:p>
+            <a:r>
+              <a:rPr lang="en-US" sz="6400" dirty="0" err="1">
+                <a:latin typeface="Calibri" panose="020F0502020204030204" pitchFamily="34" charset="0"/>
+                <a:cs typeface="Calibri" panose="020F0502020204030204" pitchFamily="34" charset="0"/>
+              </a:rPr>
               <a:t>Jupyter</a:t>
             </a:r>
             <a:r>
-              <a:rPr lang="en-US" sz="6400" dirty="0"/>
+              <a:rPr lang="en-US" sz="6400" dirty="0">
+                <a:latin typeface="Calibri" panose="020F0502020204030204" pitchFamily="34" charset="0"/>
+                <a:cs typeface="Calibri" panose="020F0502020204030204" pitchFamily="34" charset="0"/>
+              </a:rPr>
               <a:t> notebook:</a:t>
             </a:r>
           </a:p>
@@ -9366,7 +9587,10 @@
               <a:buNone/>
             </a:pPr>
             <a:r>
-              <a:rPr lang="en-US" sz="6400" dirty="0"/>
+              <a:rPr lang="en-US" sz="6400" dirty="0">
+                <a:latin typeface="Calibri" panose="020F0502020204030204" pitchFamily="34" charset="0"/>
+                <a:cs typeface="Calibri" panose="020F0502020204030204" pitchFamily="34" charset="0"/>
+              </a:rPr>
               <a:t>Initial  – Sasha and Tad</a:t>
             </a:r>
           </a:p>
@@ -9376,7 +9600,10 @@
               <a:buNone/>
             </a:pPr>
             <a:r>
-              <a:rPr lang="en-US" sz="6400" dirty="0"/>
+              <a:rPr lang="en-US" sz="6400" dirty="0">
+                <a:latin typeface="Calibri" panose="020F0502020204030204" pitchFamily="34" charset="0"/>
+                <a:cs typeface="Calibri" panose="020F0502020204030204" pitchFamily="34" charset="0"/>
+              </a:rPr>
               <a:t>Coding - All</a:t>
             </a:r>
           </a:p>
@@ -9386,7 +9613,10 @@
               <a:buNone/>
             </a:pPr>
             <a:r>
-              <a:rPr lang="en-US" sz="6400" dirty="0"/>
+              <a:rPr lang="en-US" sz="6400" dirty="0">
+                <a:latin typeface="Calibri" panose="020F0502020204030204" pitchFamily="34" charset="0"/>
+                <a:cs typeface="Calibri" panose="020F0502020204030204" pitchFamily="34" charset="0"/>
+              </a:rPr>
               <a:t>Graphs – All</a:t>
             </a:r>
           </a:p>
@@ -9396,10 +9626,16 @@
               <a:buNone/>
             </a:pPr>
             <a:r>
-              <a:rPr lang="en-US" sz="6400" dirty="0"/>
+              <a:rPr lang="en-US" sz="6400" dirty="0">
+                <a:latin typeface="Calibri" panose="020F0502020204030204" pitchFamily="34" charset="0"/>
+                <a:cs typeface="Calibri" panose="020F0502020204030204" pitchFamily="34" charset="0"/>
+              </a:rPr>
               <a:t>Conclusion - All</a:t>
             </a:r>
-            <a:endParaRPr lang="en-US" sz="9600" dirty="0"/>
+            <a:endParaRPr lang="en-US" sz="9600" dirty="0">
+              <a:latin typeface="Calibri" panose="020F0502020204030204" pitchFamily="34" charset="0"/>
+              <a:cs typeface="Calibri" panose="020F0502020204030204" pitchFamily="34" charset="0"/>
+            </a:endParaRPr>
           </a:p>
         </p:txBody>
       </p:sp>
@@ -9449,13 +9685,21 @@
             <p:ph type="title"/>
           </p:nvPr>
         </p:nvSpPr>
-        <p:spPr/>
+        <p:spPr>
+          <a:xfrm>
+            <a:off x="677334" y="609600"/>
+            <a:ext cx="8596668" cy="653170"/>
+          </a:xfrm>
+        </p:spPr>
         <p:txBody>
           <a:bodyPr/>
           <a:lstStyle/>
           <a:p>
             <a:r>
-              <a:rPr lang="en-US" dirty="0"/>
+              <a:rPr lang="en-US" dirty="0">
+                <a:latin typeface="Calibri" panose="020F0502020204030204" pitchFamily="34" charset="0"/>
+                <a:cs typeface="Calibri" panose="020F0502020204030204" pitchFamily="34" charset="0"/>
+              </a:rPr>
               <a:t>Areas of Comparison</a:t>
             </a:r>
           </a:p>
@@ -9479,8 +9723,8 @@
         </p:nvSpPr>
         <p:spPr>
           <a:xfrm>
-            <a:off x="757233" y="1561068"/>
-            <a:ext cx="3322616" cy="1464815"/>
+            <a:off x="757233" y="1561069"/>
+            <a:ext cx="3322616" cy="369332"/>
           </a:xfrm>
         </p:spPr>
         <p:txBody>
@@ -9493,7 +9737,10 @@
               <a:buNone/>
             </a:pPr>
             <a:r>
-              <a:rPr lang="en-US" dirty="0"/>
+              <a:rPr lang="en-US" dirty="0">
+                <a:latin typeface="Calibri" panose="020F0502020204030204" pitchFamily="34" charset="0"/>
+                <a:cs typeface="Calibri" panose="020F0502020204030204" pitchFamily="34" charset="0"/>
+              </a:rPr>
               <a:t>Readmission Rates</a:t>
             </a:r>
           </a:p>
@@ -9528,7 +9775,10 @@
           <a:lstStyle/>
           <a:p>
             <a:r>
-              <a:rPr lang="en-US" dirty="0"/>
+              <a:rPr lang="en-US" dirty="0">
+                <a:latin typeface="Calibri" panose="020F0502020204030204" pitchFamily="34" charset="0"/>
+                <a:cs typeface="Calibri" panose="020F0502020204030204" pitchFamily="34" charset="0"/>
+              </a:rPr>
               <a:t>Complications &amp; Deaths</a:t>
             </a:r>
           </a:p>
@@ -9563,7 +9813,10 @@
           <a:lstStyle/>
           <a:p>
             <a:r>
-              <a:rPr lang="en-US" dirty="0"/>
+              <a:rPr lang="en-US" dirty="0">
+                <a:latin typeface="Calibri" panose="020F0502020204030204" pitchFamily="34" charset="0"/>
+                <a:cs typeface="Calibri" panose="020F0502020204030204" pitchFamily="34" charset="0"/>
+              </a:rPr>
               <a:t>Unexpected Hospital Visits</a:t>
             </a:r>
           </a:p>
@@ -9598,7 +9851,10 @@
           <a:lstStyle/>
           <a:p>
             <a:r>
-              <a:rPr lang="en-US" dirty="0"/>
+              <a:rPr lang="en-US" dirty="0">
+                <a:latin typeface="Calibri" panose="020F0502020204030204" pitchFamily="34" charset="0"/>
+                <a:cs typeface="Calibri" panose="020F0502020204030204" pitchFamily="34" charset="0"/>
+              </a:rPr>
               <a:t>Medicare Spending per Patient</a:t>
             </a:r>
           </a:p>
@@ -9734,13 +9990,21 @@
             <p:ph type="title"/>
           </p:nvPr>
         </p:nvSpPr>
-        <p:spPr/>
+        <p:spPr>
+          <a:xfrm>
+            <a:off x="677334" y="609600"/>
+            <a:ext cx="8596668" cy="655674"/>
+          </a:xfrm>
+        </p:spPr>
         <p:txBody>
           <a:bodyPr/>
           <a:lstStyle/>
           <a:p>
             <a:r>
-              <a:rPr lang="en-US" dirty="0"/>
+              <a:rPr lang="en-US" dirty="0">
+                <a:latin typeface="Calibri" panose="020F0502020204030204" pitchFamily="34" charset="0"/>
+                <a:cs typeface="Calibri" panose="020F0502020204030204" pitchFamily="34" charset="0"/>
+              </a:rPr>
               <a:t>The data cleaning saga…</a:t>
             </a:r>
           </a:p>
@@ -9773,59 +10037,92 @@
           <a:lstStyle/>
           <a:p>
             <a:r>
-              <a:rPr lang="en-US" dirty="0"/>
+              <a:rPr lang="en-US" dirty="0">
+                <a:latin typeface="Calibri" panose="020F0502020204030204" pitchFamily="34" charset="0"/>
+                <a:cs typeface="Calibri" panose="020F0502020204030204" pitchFamily="34" charset="0"/>
+              </a:rPr>
               <a:t>Initially, we had high hopes about these data sets</a:t>
             </a:r>
           </a:p>
           <a:p>
             <a:r>
-              <a:rPr lang="en-US" dirty="0"/>
+              <a:rPr lang="en-US" dirty="0">
+                <a:latin typeface="Calibri" panose="020F0502020204030204" pitchFamily="34" charset="0"/>
+                <a:cs typeface="Calibri" panose="020F0502020204030204" pitchFamily="34" charset="0"/>
+              </a:rPr>
               <a:t>They all had lots of column merge options! Great!!!</a:t>
             </a:r>
           </a:p>
           <a:p>
             <a:r>
-              <a:rPr lang="en-US" dirty="0"/>
+              <a:rPr lang="en-US" dirty="0">
+                <a:latin typeface="Calibri" panose="020F0502020204030204" pitchFamily="34" charset="0"/>
+                <a:cs typeface="Calibri" panose="020F0502020204030204" pitchFamily="34" charset="0"/>
+              </a:rPr>
               <a:t>But it turned out that a lot of the columns were Object-type…</a:t>
             </a:r>
           </a:p>
           <a:p>
             <a:r>
-              <a:rPr lang="en-US" dirty="0"/>
+              <a:rPr lang="en-US" dirty="0">
+                <a:latin typeface="Calibri" panose="020F0502020204030204" pitchFamily="34" charset="0"/>
+                <a:cs typeface="Calibri" panose="020F0502020204030204" pitchFamily="34" charset="0"/>
+              </a:rPr>
               <a:t>And the “Score” column had different meanings for each file…</a:t>
             </a:r>
           </a:p>
           <a:p>
             <a:r>
-              <a:rPr lang="en-US" dirty="0"/>
+              <a:rPr lang="en-US" dirty="0">
+                <a:latin typeface="Calibri" panose="020F0502020204030204" pitchFamily="34" charset="0"/>
+                <a:cs typeface="Calibri" panose="020F0502020204030204" pitchFamily="34" charset="0"/>
+              </a:rPr>
               <a:t>We tried casting them to floats, but ran into issues with </a:t>
             </a:r>
             <a:r>
-              <a:rPr lang="en-US" dirty="0" err="1"/>
+              <a:rPr lang="en-US" dirty="0" err="1">
+                <a:latin typeface="Calibri" panose="020F0502020204030204" pitchFamily="34" charset="0"/>
+                <a:cs typeface="Calibri" panose="020F0502020204030204" pitchFamily="34" charset="0"/>
+              </a:rPr>
               <a:t>NaN</a:t>
             </a:r>
             <a:r>
-              <a:rPr lang="en-US" dirty="0"/>
+              <a:rPr lang="en-US" dirty="0">
+                <a:latin typeface="Calibri" panose="020F0502020204030204" pitchFamily="34" charset="0"/>
+                <a:cs typeface="Calibri" panose="020F0502020204030204" pitchFamily="34" charset="0"/>
+              </a:rPr>
               <a:t> columns and null values</a:t>
             </a:r>
           </a:p>
           <a:p>
             <a:r>
-              <a:rPr lang="en-US" dirty="0"/>
+              <a:rPr lang="en-US" dirty="0">
+                <a:latin typeface="Calibri" panose="020F0502020204030204" pitchFamily="34" charset="0"/>
+                <a:cs typeface="Calibri" panose="020F0502020204030204" pitchFamily="34" charset="0"/>
+              </a:rPr>
               <a:t>Trying to replace the </a:t>
             </a:r>
             <a:r>
-              <a:rPr lang="en-US" dirty="0" err="1"/>
+              <a:rPr lang="en-US" dirty="0" err="1">
+                <a:latin typeface="Calibri" panose="020F0502020204030204" pitchFamily="34" charset="0"/>
+                <a:cs typeface="Calibri" panose="020F0502020204030204" pitchFamily="34" charset="0"/>
+              </a:rPr>
               <a:t>NaN</a:t>
             </a:r>
             <a:r>
-              <a:rPr lang="en-US" dirty="0"/>
+              <a:rPr lang="en-US" dirty="0">
+                <a:latin typeface="Calibri" panose="020F0502020204030204" pitchFamily="34" charset="0"/>
+                <a:cs typeface="Calibri" panose="020F0502020204030204" pitchFamily="34" charset="0"/>
+              </a:rPr>
               <a:t> columns led us to realize that Data Series values are ambiguous, and you can’t directly compare them to a value</a:t>
             </a:r>
           </a:p>
           <a:p>
             <a:r>
-              <a:rPr lang="en-US" dirty="0"/>
+              <a:rPr lang="en-US" dirty="0">
+                <a:latin typeface="Calibri" panose="020F0502020204030204" pitchFamily="34" charset="0"/>
+                <a:cs typeface="Calibri" panose="020F0502020204030204" pitchFamily="34" charset="0"/>
+              </a:rPr>
               <a:t>Sasha wrote a VB script, but there was too much data and it didn’t work</a:t>
             </a:r>
           </a:p>
@@ -9883,7 +10180,10 @@
           <a:lstStyle/>
           <a:p>
             <a:r>
-              <a:rPr lang="en-US" dirty="0"/>
+              <a:rPr lang="en-US" dirty="0">
+                <a:latin typeface="Calibri" panose="020F0502020204030204" pitchFamily="34" charset="0"/>
+                <a:cs typeface="Calibri" panose="020F0502020204030204" pitchFamily="34" charset="0"/>
+              </a:rPr>
               <a:t>The data cleaning saga continues…</a:t>
             </a:r>
           </a:p>
@@ -9963,7 +10263,7 @@
         <p:spPr>
           <a:xfrm>
             <a:off x="838200" y="871153"/>
-            <a:ext cx="10515600" cy="1325563"/>
+            <a:ext cx="10515600" cy="1616866"/>
           </a:xfrm>
         </p:spPr>
         <p:txBody>
@@ -9973,24 +10273,38 @@
           <a:lstStyle/>
           <a:p>
             <a:r>
-              <a:rPr lang="en-US" dirty="0"/>
+              <a:rPr lang="en-US" dirty="0">
+                <a:latin typeface="Calibri" panose="020F0502020204030204" pitchFamily="34" charset="0"/>
+                <a:cs typeface="Calibri" panose="020F0502020204030204" pitchFamily="34" charset="0"/>
+              </a:rPr>
               <a:t>Question 1:</a:t>
             </a:r>
             <a:br>
-              <a:rPr lang="en-US" dirty="0"/>
+              <a:rPr lang="en-US" dirty="0">
+                <a:latin typeface="Calibri" panose="020F0502020204030204" pitchFamily="34" charset="0"/>
+                <a:cs typeface="Calibri" panose="020F0502020204030204" pitchFamily="34" charset="0"/>
+              </a:rPr>
             </a:br>
             <a:r>
               <a:rPr lang="en-US" dirty="0">
                 <a:solidFill>
                   <a:schemeClr val="tx1"/>
                 </a:solidFill>
+                <a:latin typeface="Calibri" panose="020F0502020204030204" pitchFamily="34" charset="0"/>
+                <a:cs typeface="Calibri" panose="020F0502020204030204" pitchFamily="34" charset="0"/>
               </a:rPr>
               <a:t>If a county has higher Medicare spending, then they should have less deaths/post-hospital accidents.</a:t>
             </a:r>
             <a:br>
-              <a:rPr lang="en-US" dirty="0"/>
+              <a:rPr lang="en-US" dirty="0">
+                <a:latin typeface="Calibri" panose="020F0502020204030204" pitchFamily="34" charset="0"/>
+                <a:cs typeface="Calibri" panose="020F0502020204030204" pitchFamily="34" charset="0"/>
+              </a:rPr>
             </a:br>
-            <a:endParaRPr lang="en-US" dirty="0"/>
+            <a:endParaRPr lang="en-US" dirty="0">
+              <a:latin typeface="Calibri" panose="020F0502020204030204" pitchFamily="34" charset="0"/>
+              <a:cs typeface="Calibri" panose="020F0502020204030204" pitchFamily="34" charset="0"/>
+            </a:endParaRPr>
           </a:p>
         </p:txBody>
       </p:sp>
@@ -10083,7 +10397,10 @@
           <a:lstStyle/>
           <a:p>
             <a:r>
-              <a:rPr lang="en-US" dirty="0"/>
+              <a:rPr lang="en-US" dirty="0">
+                <a:latin typeface="Calibri" panose="020F0502020204030204" pitchFamily="34" charset="0"/>
+                <a:cs typeface="Calibri" panose="020F0502020204030204" pitchFamily="34" charset="0"/>
+              </a:rPr>
               <a:t>Question 2: </a:t>
             </a:r>
             <a:r>
@@ -10091,13 +10408,21 @@
                 <a:solidFill>
                   <a:schemeClr val="tx1"/>
                 </a:solidFill>
+                <a:latin typeface="Calibri" panose="020F0502020204030204" pitchFamily="34" charset="0"/>
+                <a:cs typeface="Calibri" panose="020F0502020204030204" pitchFamily="34" charset="0"/>
               </a:rPr>
               <a:t>If a county has higher Medicare spending, then they should have less readmissions.</a:t>
             </a:r>
             <a:br>
-              <a:rPr lang="en-US" dirty="0"/>
+              <a:rPr lang="en-US" dirty="0">
+                <a:latin typeface="Calibri" panose="020F0502020204030204" pitchFamily="34" charset="0"/>
+                <a:cs typeface="Calibri" panose="020F0502020204030204" pitchFamily="34" charset="0"/>
+              </a:rPr>
             </a:br>
-            <a:endParaRPr lang="en-US" dirty="0"/>
+            <a:endParaRPr lang="en-US" dirty="0">
+              <a:latin typeface="Calibri" panose="020F0502020204030204" pitchFamily="34" charset="0"/>
+              <a:cs typeface="Calibri" panose="020F0502020204030204" pitchFamily="34" charset="0"/>
+            </a:endParaRPr>
           </a:p>
         </p:txBody>
       </p:sp>
@@ -10190,15 +10515,21 @@
           <a:p>
             <a:pPr algn="ctr"/>
             <a:r>
-              <a:rPr lang="en-US" sz="2000" dirty="0"/>
+              <a:rPr lang="en-US" sz="2000" b="1" dirty="0">
+                <a:latin typeface="Calibri" panose="020F0502020204030204" pitchFamily="34" charset="0"/>
+                <a:cs typeface="Calibri" panose="020F0502020204030204" pitchFamily="34" charset="0"/>
+              </a:rPr>
               <a:t>The Medicare Spending Per Patient</a:t>
             </a:r>
           </a:p>
           <a:p>
             <a:pPr algn="ctr"/>
             <a:r>
-              <a:rPr lang="en-US" sz="2000" dirty="0"/>
-              <a:t>Medicare spends more, less, or about the same for an episode of care</a:t>
+              <a:rPr lang="en-US" sz="2000" dirty="0">
+                <a:latin typeface="Calibri" panose="020F0502020204030204" pitchFamily="34" charset="0"/>
+                <a:cs typeface="Calibri" panose="020F0502020204030204" pitchFamily="34" charset="0"/>
+              </a:rPr>
+              <a:t>Medicare spends more, less, or about the same for an episode of care?</a:t>
             </a:r>
           </a:p>
         </p:txBody>
@@ -10266,7 +10597,7 @@
         </p:nvSpPr>
         <p:spPr>
           <a:xfrm>
-            <a:off x="2727960" y="1429903"/>
+            <a:off x="2504676" y="1100293"/>
             <a:ext cx="5562600" cy="707886"/>
           </a:xfrm>
           <a:prstGeom prst="rect">
@@ -10594,7 +10925,10 @@
           <a:lstStyle/>
           <a:p>
             <a:r>
-              <a:rPr lang="en-US" dirty="0"/>
+              <a:rPr lang="en-US" dirty="0">
+                <a:latin typeface="Calibri" panose="020F0502020204030204" pitchFamily="34" charset="0"/>
+                <a:cs typeface="Calibri" panose="020F0502020204030204" pitchFamily="34" charset="0"/>
+              </a:rPr>
               <a:t>Question 3: </a:t>
             </a:r>
             <a:r>
@@ -10602,6 +10936,8 @@
                 <a:solidFill>
                   <a:schemeClr val="tx1"/>
                 </a:solidFill>
+                <a:latin typeface="Calibri" panose="020F0502020204030204" pitchFamily="34" charset="0"/>
+                <a:cs typeface="Calibri" panose="020F0502020204030204" pitchFamily="34" charset="0"/>
               </a:rPr>
               <a:t>Which county has the greatest count of data recordings? AKA, which county has the least “not available” data?</a:t>
             </a:r>
@@ -10610,6 +10946,8 @@
                 <a:solidFill>
                   <a:schemeClr val="tx1"/>
                 </a:solidFill>
+                <a:latin typeface="Calibri" panose="020F0502020204030204" pitchFamily="34" charset="0"/>
+                <a:cs typeface="Calibri" panose="020F0502020204030204" pitchFamily="34" charset="0"/>
               </a:rPr>
             </a:br>
             <a:r>
@@ -10617,16 +10955,27 @@
                 <a:solidFill>
                   <a:schemeClr val="tx1"/>
                 </a:solidFill>
+                <a:latin typeface="Calibri" panose="020F0502020204030204" pitchFamily="34" charset="0"/>
+                <a:cs typeface="Calibri" panose="020F0502020204030204" pitchFamily="34" charset="0"/>
               </a:rPr>
               <a:t>Count each “score” available and then compare between counties.</a:t>
             </a:r>
             <a:br>
-              <a:rPr lang="en-US" dirty="0"/>
+              <a:rPr lang="en-US" dirty="0">
+                <a:latin typeface="Calibri" panose="020F0502020204030204" pitchFamily="34" charset="0"/>
+                <a:cs typeface="Calibri" panose="020F0502020204030204" pitchFamily="34" charset="0"/>
+              </a:rPr>
             </a:br>
             <a:br>
-              <a:rPr lang="en-US" dirty="0"/>
+              <a:rPr lang="en-US" dirty="0">
+                <a:latin typeface="Calibri" panose="020F0502020204030204" pitchFamily="34" charset="0"/>
+                <a:cs typeface="Calibri" panose="020F0502020204030204" pitchFamily="34" charset="0"/>
+              </a:rPr>
             </a:br>
-            <a:endParaRPr lang="en-US" dirty="0"/>
+            <a:endParaRPr lang="en-US" dirty="0">
+              <a:latin typeface="Calibri" panose="020F0502020204030204" pitchFamily="34" charset="0"/>
+              <a:cs typeface="Calibri" panose="020F0502020204030204" pitchFamily="34" charset="0"/>
+            </a:endParaRPr>
           </a:p>
         </p:txBody>
       </p:sp>

--- a/SnakeBitePresentation.pptx
+++ b/SnakeBitePresentation.pptx
@@ -6073,17 +6073,22 @@
                 <a:latin typeface="Calibri" panose="020F0502020204030204" pitchFamily="34" charset="0"/>
                 <a:cs typeface="Calibri" panose="020F0502020204030204" pitchFamily="34" charset="0"/>
               </a:rPr>
-              <a:t>Question 4: </a:t>
-            </a:r>
-            <a:r>
-              <a:rPr lang="en-US" dirty="0">
-                <a:solidFill>
-                  <a:schemeClr val="tx1"/>
-                </a:solidFill>
+              <a:t>Question 4</a:t>
+            </a:r>
+            <a:r>
+              <a:rPr lang="en-US">
                 <a:latin typeface="Calibri" panose="020F0502020204030204" pitchFamily="34" charset="0"/>
                 <a:cs typeface="Calibri" panose="020F0502020204030204" pitchFamily="34" charset="0"/>
               </a:rPr>
-              <a:t>If a county is good at recording their data, then they should have less readmissions. </a:t>
+              <a:t>: </a:t>
+            </a:r>
+            <a:r>
+              <a:rPr lang="en-US">
+                <a:solidFill>
+                  <a:schemeClr val="tx1"/>
+                </a:solidFill>
+              </a:rPr>
+              <a:t>Is there a relationship between higher Medicare spending and how much data is recorded?</a:t>
             </a:r>
             <a:br>
               <a:rPr lang="en-US" dirty="0">
@@ -6098,31 +6103,41 @@
           </a:p>
         </p:txBody>
       </p:sp>
-      <p:sp>
-        <p:nvSpPr>
-          <p:cNvPr id="3" name="Content Placeholder 2">
+      <p:pic>
+        <p:nvPicPr>
+          <p:cNvPr id="5" name="Content Placeholder 4">
             <a:extLst>
               <a:ext uri="{FF2B5EF4-FFF2-40B4-BE49-F238E27FC236}">
-                <a16:creationId xmlns:a16="http://schemas.microsoft.com/office/drawing/2014/main" id="{7143B4AA-F574-426C-ADAC-83AAB5A13F5F}"/>
+                <a16:creationId xmlns:a16="http://schemas.microsoft.com/office/drawing/2014/main" id="{D1B6FC60-5232-4088-875A-464C1A1BAFE7}"/>
               </a:ext>
             </a:extLst>
           </p:cNvPr>
-          <p:cNvSpPr>
-            <a:spLocks noGrp="1"/>
-          </p:cNvSpPr>
+          <p:cNvPicPr>
+            <a:picLocks noGrp="1" noChangeAspect="1"/>
+          </p:cNvPicPr>
           <p:nvPr>
             <p:ph idx="1"/>
           </p:nvPr>
-        </p:nvSpPr>
-        <p:spPr/>
-        <p:txBody>
-          <a:bodyPr/>
-          <a:lstStyle/>
-          <a:p>
-            <a:endParaRPr lang="en-US"/>
-          </a:p>
-        </p:txBody>
-      </p:sp>
+        </p:nvPicPr>
+        <p:blipFill>
+          <a:blip r:embed="rId2">
+            <a:extLst>
+              <a:ext uri="{28A0092B-C50C-407E-A947-70E740481C1C}">
+                <a14:useLocalDpi xmlns:a14="http://schemas.microsoft.com/office/drawing/2010/main" val="0"/>
+              </a:ext>
+            </a:extLst>
+          </a:blip>
+          <a:stretch>
+            <a:fillRect/>
+          </a:stretch>
+        </p:blipFill>
+        <p:spPr>
+          <a:xfrm>
+            <a:off x="2232194" y="2272090"/>
+            <a:ext cx="5487650" cy="3658433"/>
+          </a:xfrm>
+        </p:spPr>
+      </p:pic>
     </p:spTree>
     <p:extLst>
       <p:ext uri="{BB962C8B-B14F-4D97-AF65-F5344CB8AC3E}">
@@ -8325,6 +8340,29 @@
                 <a:cs typeface="Calibri" panose="020F0502020204030204" pitchFamily="34" charset="0"/>
               </a:rPr>
               <a:t>CMS.gov files are difficult to work with</a:t>
+            </a:r>
+          </a:p>
+          <a:p>
+            <a:r>
+              <a:rPr lang="en-US" dirty="0">
+                <a:latin typeface="Calibri" panose="020F0502020204030204" pitchFamily="34" charset="0"/>
+                <a:cs typeface="Calibri" panose="020F0502020204030204" pitchFamily="34" charset="0"/>
+              </a:rPr>
+              <a:t>There is a correlation between data recorded and </a:t>
+            </a:r>
+            <a:r>
+              <a:rPr lang="en-US" dirty="0" err="1">
+                <a:latin typeface="Calibri" panose="020F0502020204030204" pitchFamily="34" charset="0"/>
+                <a:cs typeface="Calibri" panose="020F0502020204030204" pitchFamily="34" charset="0"/>
+              </a:rPr>
+              <a:t>Medicade</a:t>
+            </a:r>
+            <a:r>
+              <a:rPr lang="en-US" dirty="0">
+                <a:latin typeface="Calibri" panose="020F0502020204030204" pitchFamily="34" charset="0"/>
+                <a:cs typeface="Calibri" panose="020F0502020204030204" pitchFamily="34" charset="0"/>
+              </a:rPr>
+              <a:t> money spent.</a:t>
             </a:r>
           </a:p>
           <a:p>

--- a/SnakeBitePresentation.pptx
+++ b/SnakeBitePresentation.pptx
@@ -846,7 +846,7 @@
           <a:p>
             <a:fld id="{8CC71C08-3195-43D4-9A1F-6CFC67AEC340}" type="datetimeFigureOut">
               <a:rPr lang="en-US" smtClean="0"/>
-              <a:t>3/2/2019</a:t>
+              <a:t>3/2/19</a:t>
             </a:fld>
             <a:endParaRPr lang="en-US"/>
           </a:p>
@@ -1097,7 +1097,7 @@
           <a:p>
             <a:fld id="{8CC71C08-3195-43D4-9A1F-6CFC67AEC340}" type="datetimeFigureOut">
               <a:rPr lang="en-US" smtClean="0"/>
-              <a:t>3/2/2019</a:t>
+              <a:t>3/2/19</a:t>
             </a:fld>
             <a:endParaRPr lang="en-US"/>
           </a:p>
@@ -1411,7 +1411,7 @@
           <a:p>
             <a:fld id="{8CC71C08-3195-43D4-9A1F-6CFC67AEC340}" type="datetimeFigureOut">
               <a:rPr lang="en-US" smtClean="0"/>
-              <a:t>3/2/2019</a:t>
+              <a:t>3/2/19</a:t>
             </a:fld>
             <a:endParaRPr lang="en-US"/>
           </a:p>
@@ -1752,7 +1752,7 @@
           <a:p>
             <a:fld id="{8CC71C08-3195-43D4-9A1F-6CFC67AEC340}" type="datetimeFigureOut">
               <a:rPr lang="en-US" smtClean="0"/>
-              <a:t>3/2/2019</a:t>
+              <a:t>3/2/19</a:t>
             </a:fld>
             <a:endParaRPr lang="en-US"/>
           </a:p>
@@ -2066,7 +2066,7 @@
           <a:p>
             <a:fld id="{8CC71C08-3195-43D4-9A1F-6CFC67AEC340}" type="datetimeFigureOut">
               <a:rPr lang="en-US" smtClean="0"/>
-              <a:t>3/2/2019</a:t>
+              <a:t>3/2/19</a:t>
             </a:fld>
             <a:endParaRPr lang="en-US"/>
           </a:p>
@@ -2459,7 +2459,7 @@
           <a:p>
             <a:fld id="{8CC71C08-3195-43D4-9A1F-6CFC67AEC340}" type="datetimeFigureOut">
               <a:rPr lang="en-US" smtClean="0"/>
-              <a:t>3/2/2019</a:t>
+              <a:t>3/2/19</a:t>
             </a:fld>
             <a:endParaRPr lang="en-US"/>
           </a:p>
@@ -2629,7 +2629,7 @@
           <a:p>
             <a:fld id="{8CC71C08-3195-43D4-9A1F-6CFC67AEC340}" type="datetimeFigureOut">
               <a:rPr lang="en-US" smtClean="0"/>
-              <a:t>3/2/2019</a:t>
+              <a:t>3/2/19</a:t>
             </a:fld>
             <a:endParaRPr lang="en-US"/>
           </a:p>
@@ -2809,7 +2809,7 @@
           <a:p>
             <a:fld id="{8CC71C08-3195-43D4-9A1F-6CFC67AEC340}" type="datetimeFigureOut">
               <a:rPr lang="en-US" smtClean="0"/>
-              <a:t>3/2/2019</a:t>
+              <a:t>3/2/19</a:t>
             </a:fld>
             <a:endParaRPr lang="en-US"/>
           </a:p>
@@ -2985,7 +2985,7 @@
           <a:p>
             <a:fld id="{8CC71C08-3195-43D4-9A1F-6CFC67AEC340}" type="datetimeFigureOut">
               <a:rPr lang="en-US" smtClean="0"/>
-              <a:t>3/2/2019</a:t>
+              <a:t>3/2/19</a:t>
             </a:fld>
             <a:endParaRPr lang="en-US"/>
           </a:p>
@@ -3232,7 +3232,7 @@
           <a:p>
             <a:fld id="{8CC71C08-3195-43D4-9A1F-6CFC67AEC340}" type="datetimeFigureOut">
               <a:rPr lang="en-US" smtClean="0"/>
-              <a:t>3/2/2019</a:t>
+              <a:t>3/2/19</a:t>
             </a:fld>
             <a:endParaRPr lang="en-US"/>
           </a:p>
@@ -3464,7 +3464,7 @@
           <a:p>
             <a:fld id="{8CC71C08-3195-43D4-9A1F-6CFC67AEC340}" type="datetimeFigureOut">
               <a:rPr lang="en-US" smtClean="0"/>
-              <a:t>3/2/2019</a:t>
+              <a:t>3/2/19</a:t>
             </a:fld>
             <a:endParaRPr lang="en-US"/>
           </a:p>
@@ -3838,7 +3838,7 @@
           <a:p>
             <a:fld id="{8CC71C08-3195-43D4-9A1F-6CFC67AEC340}" type="datetimeFigureOut">
               <a:rPr lang="en-US" smtClean="0"/>
-              <a:t>3/2/2019</a:t>
+              <a:t>3/2/19</a:t>
             </a:fld>
             <a:endParaRPr lang="en-US"/>
           </a:p>
@@ -3961,7 +3961,7 @@
           <a:p>
             <a:fld id="{8CC71C08-3195-43D4-9A1F-6CFC67AEC340}" type="datetimeFigureOut">
               <a:rPr lang="en-US" smtClean="0"/>
-              <a:t>3/2/2019</a:t>
+              <a:t>3/2/19</a:t>
             </a:fld>
             <a:endParaRPr lang="en-US"/>
           </a:p>
@@ -4056,7 +4056,7 @@
           <a:p>
             <a:fld id="{8CC71C08-3195-43D4-9A1F-6CFC67AEC340}" type="datetimeFigureOut">
               <a:rPr lang="en-US" smtClean="0"/>
-              <a:t>3/2/2019</a:t>
+              <a:t>3/2/19</a:t>
             </a:fld>
             <a:endParaRPr lang="en-US"/>
           </a:p>
@@ -4311,7 +4311,7 @@
           <a:p>
             <a:fld id="{8CC71C08-3195-43D4-9A1F-6CFC67AEC340}" type="datetimeFigureOut">
               <a:rPr lang="en-US" smtClean="0"/>
-              <a:t>3/2/2019</a:t>
+              <a:t>3/2/19</a:t>
             </a:fld>
             <a:endParaRPr lang="en-US"/>
           </a:p>
@@ -4574,7 +4574,7 @@
           <a:p>
             <a:fld id="{8CC71C08-3195-43D4-9A1F-6CFC67AEC340}" type="datetimeFigureOut">
               <a:rPr lang="en-US" smtClean="0"/>
-              <a:t>3/2/2019</a:t>
+              <a:t>3/2/19</a:t>
             </a:fld>
             <a:endParaRPr lang="en-US"/>
           </a:p>
@@ -5317,7 +5317,7 @@
           <a:p>
             <a:fld id="{8CC71C08-3195-43D4-9A1F-6CFC67AEC340}" type="datetimeFigureOut">
               <a:rPr lang="en-US" smtClean="0"/>
-              <a:t>3/2/2019</a:t>
+              <a:t>3/2/19</a:t>
             </a:fld>
             <a:endParaRPr lang="en-US"/>
           </a:p>
@@ -6073,22 +6073,17 @@
                 <a:latin typeface="Calibri" panose="020F0502020204030204" pitchFamily="34" charset="0"/>
                 <a:cs typeface="Calibri" panose="020F0502020204030204" pitchFamily="34" charset="0"/>
               </a:rPr>
-              <a:t>Question 4</a:t>
-            </a:r>
-            <a:r>
-              <a:rPr lang="en-US">
+              <a:t>Question 4: </a:t>
+            </a:r>
+            <a:r>
+              <a:rPr lang="en-US" dirty="0">
+                <a:solidFill>
+                  <a:schemeClr val="tx1"/>
+                </a:solidFill>
                 <a:latin typeface="Calibri" panose="020F0502020204030204" pitchFamily="34" charset="0"/>
                 <a:cs typeface="Calibri" panose="020F0502020204030204" pitchFamily="34" charset="0"/>
               </a:rPr>
-              <a:t>: </a:t>
-            </a:r>
-            <a:r>
-              <a:rPr lang="en-US">
-                <a:solidFill>
-                  <a:schemeClr val="tx1"/>
-                </a:solidFill>
-              </a:rPr>
-              <a:t>Is there a relationship between higher Medicare spending and how much data is recorded?</a:t>
+              <a:t>If a county is good at recording their data, then they should have less readmissions. </a:t>
             </a:r>
             <a:br>
               <a:rPr lang="en-US" dirty="0">
@@ -6103,41 +6098,31 @@
           </a:p>
         </p:txBody>
       </p:sp>
-      <p:pic>
-        <p:nvPicPr>
-          <p:cNvPr id="5" name="Content Placeholder 4">
+      <p:sp>
+        <p:nvSpPr>
+          <p:cNvPr id="3" name="Content Placeholder 2">
             <a:extLst>
               <a:ext uri="{FF2B5EF4-FFF2-40B4-BE49-F238E27FC236}">
-                <a16:creationId xmlns:a16="http://schemas.microsoft.com/office/drawing/2014/main" id="{D1B6FC60-5232-4088-875A-464C1A1BAFE7}"/>
+                <a16:creationId xmlns:a16="http://schemas.microsoft.com/office/drawing/2014/main" id="{7143B4AA-F574-426C-ADAC-83AAB5A13F5F}"/>
               </a:ext>
             </a:extLst>
           </p:cNvPr>
-          <p:cNvPicPr>
-            <a:picLocks noGrp="1" noChangeAspect="1"/>
-          </p:cNvPicPr>
+          <p:cNvSpPr>
+            <a:spLocks noGrp="1"/>
+          </p:cNvSpPr>
           <p:nvPr>
             <p:ph idx="1"/>
           </p:nvPr>
-        </p:nvPicPr>
-        <p:blipFill>
-          <a:blip r:embed="rId2">
-            <a:extLst>
-              <a:ext uri="{28A0092B-C50C-407E-A947-70E740481C1C}">
-                <a14:useLocalDpi xmlns:a14="http://schemas.microsoft.com/office/drawing/2010/main" val="0"/>
-              </a:ext>
-            </a:extLst>
-          </a:blip>
-          <a:stretch>
-            <a:fillRect/>
-          </a:stretch>
-        </p:blipFill>
-        <p:spPr>
-          <a:xfrm>
-            <a:off x="2232194" y="2272090"/>
-            <a:ext cx="5487650" cy="3658433"/>
-          </a:xfrm>
-        </p:spPr>
-      </p:pic>
+        </p:nvSpPr>
+        <p:spPr/>
+        <p:txBody>
+          <a:bodyPr/>
+          <a:lstStyle/>
+          <a:p>
+            <a:endParaRPr lang="en-US"/>
+          </a:p>
+        </p:txBody>
+      </p:sp>
     </p:spTree>
     <p:extLst>
       <p:ext uri="{BB962C8B-B14F-4D97-AF65-F5344CB8AC3E}">
@@ -8340,29 +8325,6 @@
                 <a:cs typeface="Calibri" panose="020F0502020204030204" pitchFamily="34" charset="0"/>
               </a:rPr>
               <a:t>CMS.gov files are difficult to work with</a:t>
-            </a:r>
-          </a:p>
-          <a:p>
-            <a:r>
-              <a:rPr lang="en-US" dirty="0">
-                <a:latin typeface="Calibri" panose="020F0502020204030204" pitchFamily="34" charset="0"/>
-                <a:cs typeface="Calibri" panose="020F0502020204030204" pitchFamily="34" charset="0"/>
-              </a:rPr>
-              <a:t>There is a correlation between data recorded and </a:t>
-            </a:r>
-            <a:r>
-              <a:rPr lang="en-US" dirty="0" err="1">
-                <a:latin typeface="Calibri" panose="020F0502020204030204" pitchFamily="34" charset="0"/>
-                <a:cs typeface="Calibri" panose="020F0502020204030204" pitchFamily="34" charset="0"/>
-              </a:rPr>
-              <a:t>Medicade</a:t>
-            </a:r>
-            <a:r>
-              <a:rPr lang="en-US" dirty="0">
-                <a:latin typeface="Calibri" panose="020F0502020204030204" pitchFamily="34" charset="0"/>
-                <a:cs typeface="Calibri" panose="020F0502020204030204" pitchFamily="34" charset="0"/>
-              </a:rPr>
-              <a:t> money spent.</a:t>
             </a:r>
           </a:p>
           <a:p>
@@ -10039,12 +10001,16 @@
           <a:lstStyle/>
           <a:p>
             <a:r>
-              <a:rPr lang="en-US" dirty="0">
+              <a:rPr lang="en-US">
                 <a:latin typeface="Calibri" panose="020F0502020204030204" pitchFamily="34" charset="0"/>
                 <a:cs typeface="Calibri" panose="020F0502020204030204" pitchFamily="34" charset="0"/>
               </a:rPr>
-              <a:t>The data cleaning saga…</a:t>
-            </a:r>
+              <a:t>The 80/20…</a:t>
+            </a:r>
+            <a:endParaRPr lang="en-US" dirty="0">
+              <a:latin typeface="Calibri" panose="020F0502020204030204" pitchFamily="34" charset="0"/>
+              <a:cs typeface="Calibri" panose="020F0502020204030204" pitchFamily="34" charset="0"/>
+            </a:endParaRPr>
           </a:p>
         </p:txBody>
       </p:sp>

--- a/SnakeBitePresentation.pptx
+++ b/SnakeBitePresentation.pptx
@@ -9552,7 +9552,7 @@
                 <a:latin typeface="Calibri" panose="020F0502020204030204" pitchFamily="34" charset="0"/>
                 <a:cs typeface="Calibri" panose="020F0502020204030204" pitchFamily="34" charset="0"/>
               </a:rPr>
-              <a:t>Initial cleanup – Sasha and Tad</a:t>
+              <a:t>Cleanup and organize – Sasha and Tad</a:t>
             </a:r>
           </a:p>
           <a:p>
@@ -10001,16 +10001,12 @@
           <a:lstStyle/>
           <a:p>
             <a:r>
-              <a:rPr lang="en-US">
+              <a:rPr lang="en-US" dirty="0">
                 <a:latin typeface="Calibri" panose="020F0502020204030204" pitchFamily="34" charset="0"/>
                 <a:cs typeface="Calibri" panose="020F0502020204030204" pitchFamily="34" charset="0"/>
               </a:rPr>
-              <a:t>The 80/20…</a:t>
-            </a:r>
-            <a:endParaRPr lang="en-US" dirty="0">
-              <a:latin typeface="Calibri" panose="020F0502020204030204" pitchFamily="34" charset="0"/>
-              <a:cs typeface="Calibri" panose="020F0502020204030204" pitchFamily="34" charset="0"/>
-            </a:endParaRPr>
+              <a:t>The data cleaning saga…</a:t>
+            </a:r>
           </a:p>
         </p:txBody>
       </p:sp>
@@ -10188,8 +10184,18 @@
                 <a:latin typeface="Calibri" panose="020F0502020204030204" pitchFamily="34" charset="0"/>
                 <a:cs typeface="Calibri" panose="020F0502020204030204" pitchFamily="34" charset="0"/>
               </a:rPr>
-              <a:t>The data cleaning saga continues…</a:t>
-            </a:r>
+              <a:t>80/20</a:t>
+            </a:r>
+            <a:br>
+              <a:rPr lang="en-US" dirty="0">
+                <a:latin typeface="Calibri" panose="020F0502020204030204" pitchFamily="34" charset="0"/>
+                <a:cs typeface="Calibri" panose="020F0502020204030204" pitchFamily="34" charset="0"/>
+              </a:rPr>
+            </a:br>
+            <a:endParaRPr lang="en-US" dirty="0">
+              <a:latin typeface="Calibri" panose="020F0502020204030204" pitchFamily="34" charset="0"/>
+              <a:cs typeface="Calibri" panose="020F0502020204030204" pitchFamily="34" charset="0"/>
+            </a:endParaRPr>
           </a:p>
         </p:txBody>
       </p:sp>
@@ -10214,6 +10220,94 @@
           <a:bodyPr/>
           <a:lstStyle/>
           <a:p>
+            <a:r>
+              <a:rPr lang="en-US" dirty="0"/>
+              <a:t>Ignore missing values or fill with reasonable numbers:</a:t>
+            </a:r>
+          </a:p>
+          <a:p>
+            <a:pPr lvl="1"/>
+            <a:r>
+              <a:rPr lang="en-US" dirty="0" err="1"/>
+              <a:t>DataFrame.dropna</a:t>
+            </a:r>
+            <a:r>
+              <a:rPr lang="en-US" dirty="0"/>
+              <a:t> = lose accuracy</a:t>
+            </a:r>
+          </a:p>
+          <a:p>
+            <a:pPr lvl="1"/>
+            <a:r>
+              <a:rPr lang="en-US" dirty="0"/>
+              <a:t>Lambda function or Your own function</a:t>
+            </a:r>
+          </a:p>
+          <a:p>
+            <a:pPr lvl="2"/>
+            <a:r>
+              <a:rPr lang="en-US" dirty="0"/>
+              <a:t>I. e. </a:t>
+            </a:r>
+            <a:r>
+              <a:rPr lang="en-US" dirty="0" err="1"/>
+              <a:t>df</a:t>
+            </a:r>
+            <a:r>
+              <a:rPr lang="en-US" dirty="0"/>
+              <a:t>[‘Age’].apply(lambda x: </a:t>
+            </a:r>
+            <a:r>
+              <a:rPr lang="en-US" dirty="0" err="1"/>
+              <a:t>x.fillna</a:t>
+            </a:r>
+            <a:r>
+              <a:rPr lang="en-US" dirty="0"/>
+              <a:t>(</a:t>
+            </a:r>
+            <a:r>
+              <a:rPr lang="en-US" dirty="0" err="1"/>
+              <a:t>x.mean</a:t>
+            </a:r>
+            <a:r>
+              <a:rPr lang="en-US" dirty="0"/>
+              <a:t>()),axis=0)</a:t>
+            </a:r>
+          </a:p>
+          <a:p>
+            <a:r>
+              <a:rPr lang="en-US" dirty="0"/>
+              <a:t>Scaling, Standardizing or Normalizing</a:t>
+            </a:r>
+          </a:p>
+          <a:p>
+            <a:pPr lvl="1"/>
+            <a:r>
+              <a:rPr lang="en-US" dirty="0" err="1"/>
+              <a:t>dfA</a:t>
+            </a:r>
+            <a:r>
+              <a:rPr lang="en-US" dirty="0"/>
+              <a:t> score range: 0 to 30</a:t>
+            </a:r>
+          </a:p>
+          <a:p>
+            <a:pPr lvl="1"/>
+            <a:r>
+              <a:rPr lang="en-US" dirty="0" err="1"/>
+              <a:t>dfB</a:t>
+            </a:r>
+            <a:r>
+              <a:rPr lang="en-US" dirty="0"/>
+              <a:t> score range: -30 </a:t>
+            </a:r>
+            <a:r>
+              <a:rPr lang="en-US"/>
+              <a:t>to 50</a:t>
+            </a:r>
+          </a:p>
+          <a:p>
+            <a:pPr lvl="1"/>
             <a:endParaRPr lang="en-US" dirty="0"/>
           </a:p>
         </p:txBody>

--- a/SnakeBitePresentation.pptx
+++ b/SnakeBitePresentation.pptx
@@ -846,7 +846,7 @@
           <a:p>
             <a:fld id="{8CC71C08-3195-43D4-9A1F-6CFC67AEC340}" type="datetimeFigureOut">
               <a:rPr lang="en-US" smtClean="0"/>
-              <a:t>3/2/19</a:t>
+              <a:t>3/3/19</a:t>
             </a:fld>
             <a:endParaRPr lang="en-US"/>
           </a:p>
@@ -1097,7 +1097,7 @@
           <a:p>
             <a:fld id="{8CC71C08-3195-43D4-9A1F-6CFC67AEC340}" type="datetimeFigureOut">
               <a:rPr lang="en-US" smtClean="0"/>
-              <a:t>3/2/19</a:t>
+              <a:t>3/3/19</a:t>
             </a:fld>
             <a:endParaRPr lang="en-US"/>
           </a:p>
@@ -1411,7 +1411,7 @@
           <a:p>
             <a:fld id="{8CC71C08-3195-43D4-9A1F-6CFC67AEC340}" type="datetimeFigureOut">
               <a:rPr lang="en-US" smtClean="0"/>
-              <a:t>3/2/19</a:t>
+              <a:t>3/3/19</a:t>
             </a:fld>
             <a:endParaRPr lang="en-US"/>
           </a:p>
@@ -1752,7 +1752,7 @@
           <a:p>
             <a:fld id="{8CC71C08-3195-43D4-9A1F-6CFC67AEC340}" type="datetimeFigureOut">
               <a:rPr lang="en-US" smtClean="0"/>
-              <a:t>3/2/19</a:t>
+              <a:t>3/3/19</a:t>
             </a:fld>
             <a:endParaRPr lang="en-US"/>
           </a:p>
@@ -2066,7 +2066,7 @@
           <a:p>
             <a:fld id="{8CC71C08-3195-43D4-9A1F-6CFC67AEC340}" type="datetimeFigureOut">
               <a:rPr lang="en-US" smtClean="0"/>
-              <a:t>3/2/19</a:t>
+              <a:t>3/3/19</a:t>
             </a:fld>
             <a:endParaRPr lang="en-US"/>
           </a:p>
@@ -2459,7 +2459,7 @@
           <a:p>
             <a:fld id="{8CC71C08-3195-43D4-9A1F-6CFC67AEC340}" type="datetimeFigureOut">
               <a:rPr lang="en-US" smtClean="0"/>
-              <a:t>3/2/19</a:t>
+              <a:t>3/3/19</a:t>
             </a:fld>
             <a:endParaRPr lang="en-US"/>
           </a:p>
@@ -2629,7 +2629,7 @@
           <a:p>
             <a:fld id="{8CC71C08-3195-43D4-9A1F-6CFC67AEC340}" type="datetimeFigureOut">
               <a:rPr lang="en-US" smtClean="0"/>
-              <a:t>3/2/19</a:t>
+              <a:t>3/3/19</a:t>
             </a:fld>
             <a:endParaRPr lang="en-US"/>
           </a:p>
@@ -2809,7 +2809,7 @@
           <a:p>
             <a:fld id="{8CC71C08-3195-43D4-9A1F-6CFC67AEC340}" type="datetimeFigureOut">
               <a:rPr lang="en-US" smtClean="0"/>
-              <a:t>3/2/19</a:t>
+              <a:t>3/3/19</a:t>
             </a:fld>
             <a:endParaRPr lang="en-US"/>
           </a:p>
@@ -2985,7 +2985,7 @@
           <a:p>
             <a:fld id="{8CC71C08-3195-43D4-9A1F-6CFC67AEC340}" type="datetimeFigureOut">
               <a:rPr lang="en-US" smtClean="0"/>
-              <a:t>3/2/19</a:t>
+              <a:t>3/3/19</a:t>
             </a:fld>
             <a:endParaRPr lang="en-US"/>
           </a:p>
@@ -3232,7 +3232,7 @@
           <a:p>
             <a:fld id="{8CC71C08-3195-43D4-9A1F-6CFC67AEC340}" type="datetimeFigureOut">
               <a:rPr lang="en-US" smtClean="0"/>
-              <a:t>3/2/19</a:t>
+              <a:t>3/3/19</a:t>
             </a:fld>
             <a:endParaRPr lang="en-US"/>
           </a:p>
@@ -3464,7 +3464,7 @@
           <a:p>
             <a:fld id="{8CC71C08-3195-43D4-9A1F-6CFC67AEC340}" type="datetimeFigureOut">
               <a:rPr lang="en-US" smtClean="0"/>
-              <a:t>3/2/19</a:t>
+              <a:t>3/3/19</a:t>
             </a:fld>
             <a:endParaRPr lang="en-US"/>
           </a:p>
@@ -3838,7 +3838,7 @@
           <a:p>
             <a:fld id="{8CC71C08-3195-43D4-9A1F-6CFC67AEC340}" type="datetimeFigureOut">
               <a:rPr lang="en-US" smtClean="0"/>
-              <a:t>3/2/19</a:t>
+              <a:t>3/3/19</a:t>
             </a:fld>
             <a:endParaRPr lang="en-US"/>
           </a:p>
@@ -3961,7 +3961,7 @@
           <a:p>
             <a:fld id="{8CC71C08-3195-43D4-9A1F-6CFC67AEC340}" type="datetimeFigureOut">
               <a:rPr lang="en-US" smtClean="0"/>
-              <a:t>3/2/19</a:t>
+              <a:t>3/3/19</a:t>
             </a:fld>
             <a:endParaRPr lang="en-US"/>
           </a:p>
@@ -4056,7 +4056,7 @@
           <a:p>
             <a:fld id="{8CC71C08-3195-43D4-9A1F-6CFC67AEC340}" type="datetimeFigureOut">
               <a:rPr lang="en-US" smtClean="0"/>
-              <a:t>3/2/19</a:t>
+              <a:t>3/3/19</a:t>
             </a:fld>
             <a:endParaRPr lang="en-US"/>
           </a:p>
@@ -4311,7 +4311,7 @@
           <a:p>
             <a:fld id="{8CC71C08-3195-43D4-9A1F-6CFC67AEC340}" type="datetimeFigureOut">
               <a:rPr lang="en-US" smtClean="0"/>
-              <a:t>3/2/19</a:t>
+              <a:t>3/3/19</a:t>
             </a:fld>
             <a:endParaRPr lang="en-US"/>
           </a:p>
@@ -4574,7 +4574,7 @@
           <a:p>
             <a:fld id="{8CC71C08-3195-43D4-9A1F-6CFC67AEC340}" type="datetimeFigureOut">
               <a:rPr lang="en-US" smtClean="0"/>
-              <a:t>3/2/19</a:t>
+              <a:t>3/3/19</a:t>
             </a:fld>
             <a:endParaRPr lang="en-US"/>
           </a:p>
@@ -5317,7 +5317,7 @@
           <a:p>
             <a:fld id="{8CC71C08-3195-43D4-9A1F-6CFC67AEC340}" type="datetimeFigureOut">
               <a:rPr lang="en-US" smtClean="0"/>
-              <a:t>3/2/19</a:t>
+              <a:t>3/3/19</a:t>
             </a:fld>
             <a:endParaRPr lang="en-US"/>
           </a:p>
@@ -10176,9 +10176,17 @@
         </p:nvSpPr>
         <p:spPr/>
         <p:txBody>
-          <a:bodyPr/>
+          <a:bodyPr>
+            <a:normAutofit fontScale="90000"/>
+          </a:bodyPr>
           <a:lstStyle/>
           <a:p>
+            <a:br>
+              <a:rPr lang="en-US" dirty="0">
+                <a:latin typeface="Calibri" panose="020F0502020204030204" pitchFamily="34" charset="0"/>
+                <a:cs typeface="Calibri" panose="020F0502020204030204" pitchFamily="34" charset="0"/>
+              </a:rPr>
+            </a:br>
             <a:r>
               <a:rPr lang="en-US" dirty="0">
                 <a:latin typeface="Calibri" panose="020F0502020204030204" pitchFamily="34" charset="0"/>
@@ -10186,6 +10194,12 @@
               </a:rPr>
               <a:t>80/20</a:t>
             </a:r>
+            <a:br>
+              <a:rPr lang="en-US" dirty="0">
+                <a:latin typeface="Calibri" panose="020F0502020204030204" pitchFamily="34" charset="0"/>
+                <a:cs typeface="Calibri" panose="020F0502020204030204" pitchFamily="34" charset="0"/>
+              </a:rPr>
+            </a:br>
             <a:br>
               <a:rPr lang="en-US" dirty="0">
                 <a:latin typeface="Calibri" panose="020F0502020204030204" pitchFamily="34" charset="0"/>
@@ -10222,7 +10236,7 @@
           <a:p>
             <a:r>
               <a:rPr lang="en-US" dirty="0"/>
-              <a:t>Ignore missing values or fill with reasonable numbers:</a:t>
+              <a:t>Ignore missing values vs fill with reasonable numbers:</a:t>
             </a:r>
           </a:p>
           <a:p>
@@ -10240,7 +10254,14 @@
             <a:pPr lvl="1"/>
             <a:r>
               <a:rPr lang="en-US" dirty="0"/>
-              <a:t>Lambda function or Your own function</a:t>
+              <a:t>Create your own function</a:t>
+            </a:r>
+          </a:p>
+          <a:p>
+            <a:pPr lvl="1"/>
+            <a:r>
+              <a:rPr lang="en-US" dirty="0"/>
+              <a:t>Lambda function</a:t>
             </a:r>
           </a:p>
           <a:p>
@@ -10255,7 +10276,7 @@
             </a:r>
             <a:r>
               <a:rPr lang="en-US" dirty="0"/>
-              <a:t>[‘Age’].apply(lambda x: </a:t>
+              <a:t>[‘Score’].apply(lambda x: </a:t>
             </a:r>
             <a:r>
               <a:rPr lang="en-US" dirty="0" err="1"/>
@@ -10271,13 +10292,13 @@
             </a:r>
             <a:r>
               <a:rPr lang="en-US" dirty="0"/>
-              <a:t>()),axis=0)</a:t>
+              <a:t>()),axis=1)</a:t>
             </a:r>
           </a:p>
           <a:p>
             <a:r>
               <a:rPr lang="en-US" dirty="0"/>
-              <a:t>Scaling, Standardizing or Normalizing</a:t>
+              <a:t>Normalizing data(rescaling or standardizing)</a:t>
             </a:r>
           </a:p>
           <a:p>
@@ -10299,11 +10320,7 @@
             </a:r>
             <a:r>
               <a:rPr lang="en-US" dirty="0"/>
-              <a:t> score range: -30 </a:t>
-            </a:r>
-            <a:r>
-              <a:rPr lang="en-US"/>
-              <a:t>to 50</a:t>
+              <a:t> score range: -30 to 50</a:t>
             </a:r>
           </a:p>
           <a:p>

--- a/SnakeBitePresentation.pptx
+++ b/SnakeBitePresentation.pptx
@@ -10192,7 +10192,7 @@
                 <a:latin typeface="Calibri" panose="020F0502020204030204" pitchFamily="34" charset="0"/>
                 <a:cs typeface="Calibri" panose="020F0502020204030204" pitchFamily="34" charset="0"/>
               </a:rPr>
-              <a:t>80/20</a:t>
+              <a:t>Data Cleaning</a:t>
             </a:r>
             <a:br>
               <a:rPr lang="en-US" dirty="0">
@@ -10235,8 +10235,17 @@
           <a:lstStyle/>
           <a:p>
             <a:r>
+              <a:rPr lang="en-US" dirty="0">
+                <a:cs typeface="Calibri" panose="020F0502020204030204" pitchFamily="34" charset="0"/>
+              </a:rPr>
+              <a:t>80% of data analysis process is data cleaning</a:t>
+            </a:r>
+            <a:endParaRPr lang="en-US" dirty="0"/>
+          </a:p>
+          <a:p>
+            <a:r>
               <a:rPr lang="en-US" dirty="0"/>
-              <a:t>Ignore missing values vs fill with reasonable numbers:</a:t>
+              <a:t>Ignoring missing values vs filling reasonable numbers:</a:t>
             </a:r>
           </a:p>
           <a:p>
@@ -10298,7 +10307,7 @@
           <a:p>
             <a:r>
               <a:rPr lang="en-US" dirty="0"/>
-              <a:t>Normalizing data(rescaling or standardizing)</a:t>
+              <a:t>Normalizing data (rescaling or standardizing)</a:t>
             </a:r>
           </a:p>
           <a:p>

--- a/SnakeBitePresentation.pptx
+++ b/SnakeBitePresentation.pptx
@@ -10,14 +10,15 @@
     <p:sldId id="267" r:id="rId4"/>
     <p:sldId id="266" r:id="rId5"/>
     <p:sldId id="268" r:id="rId6"/>
-    <p:sldId id="258" r:id="rId7"/>
-    <p:sldId id="259" r:id="rId8"/>
-    <p:sldId id="260" r:id="rId9"/>
-    <p:sldId id="270" r:id="rId10"/>
-    <p:sldId id="261" r:id="rId11"/>
-    <p:sldId id="262" r:id="rId12"/>
-    <p:sldId id="269" r:id="rId13"/>
-    <p:sldId id="264" r:id="rId14"/>
+    <p:sldId id="271" r:id="rId7"/>
+    <p:sldId id="269" r:id="rId8"/>
+    <p:sldId id="258" r:id="rId9"/>
+    <p:sldId id="260" r:id="rId10"/>
+    <p:sldId id="259" r:id="rId11"/>
+    <p:sldId id="261" r:id="rId12"/>
+    <p:sldId id="272" r:id="rId13"/>
+    <p:sldId id="273" r:id="rId14"/>
+    <p:sldId id="264" r:id="rId15"/>
   </p:sldIdLst>
   <p:sldSz cx="12192000" cy="6858000"/>
   <p:notesSz cx="6858000" cy="9144000"/>
@@ -846,7 +847,7 @@
           <a:p>
             <a:fld id="{8CC71C08-3195-43D4-9A1F-6CFC67AEC340}" type="datetimeFigureOut">
               <a:rPr lang="en-US" smtClean="0"/>
-              <a:t>3/3/19</a:t>
+              <a:t>3/3/2019</a:t>
             </a:fld>
             <a:endParaRPr lang="en-US"/>
           </a:p>
@@ -1097,7 +1098,7 @@
           <a:p>
             <a:fld id="{8CC71C08-3195-43D4-9A1F-6CFC67AEC340}" type="datetimeFigureOut">
               <a:rPr lang="en-US" smtClean="0"/>
-              <a:t>3/3/19</a:t>
+              <a:t>3/3/2019</a:t>
             </a:fld>
             <a:endParaRPr lang="en-US"/>
           </a:p>
@@ -1411,7 +1412,7 @@
           <a:p>
             <a:fld id="{8CC71C08-3195-43D4-9A1F-6CFC67AEC340}" type="datetimeFigureOut">
               <a:rPr lang="en-US" smtClean="0"/>
-              <a:t>3/3/19</a:t>
+              <a:t>3/3/2019</a:t>
             </a:fld>
             <a:endParaRPr lang="en-US"/>
           </a:p>
@@ -1752,7 +1753,7 @@
           <a:p>
             <a:fld id="{8CC71C08-3195-43D4-9A1F-6CFC67AEC340}" type="datetimeFigureOut">
               <a:rPr lang="en-US" smtClean="0"/>
-              <a:t>3/3/19</a:t>
+              <a:t>3/3/2019</a:t>
             </a:fld>
             <a:endParaRPr lang="en-US"/>
           </a:p>
@@ -2066,7 +2067,7 @@
           <a:p>
             <a:fld id="{8CC71C08-3195-43D4-9A1F-6CFC67AEC340}" type="datetimeFigureOut">
               <a:rPr lang="en-US" smtClean="0"/>
-              <a:t>3/3/19</a:t>
+              <a:t>3/3/2019</a:t>
             </a:fld>
             <a:endParaRPr lang="en-US"/>
           </a:p>
@@ -2459,7 +2460,7 @@
           <a:p>
             <a:fld id="{8CC71C08-3195-43D4-9A1F-6CFC67AEC340}" type="datetimeFigureOut">
               <a:rPr lang="en-US" smtClean="0"/>
-              <a:t>3/3/19</a:t>
+              <a:t>3/3/2019</a:t>
             </a:fld>
             <a:endParaRPr lang="en-US"/>
           </a:p>
@@ -2629,7 +2630,7 @@
           <a:p>
             <a:fld id="{8CC71C08-3195-43D4-9A1F-6CFC67AEC340}" type="datetimeFigureOut">
               <a:rPr lang="en-US" smtClean="0"/>
-              <a:t>3/3/19</a:t>
+              <a:t>3/3/2019</a:t>
             </a:fld>
             <a:endParaRPr lang="en-US"/>
           </a:p>
@@ -2809,7 +2810,7 @@
           <a:p>
             <a:fld id="{8CC71C08-3195-43D4-9A1F-6CFC67AEC340}" type="datetimeFigureOut">
               <a:rPr lang="en-US" smtClean="0"/>
-              <a:t>3/3/19</a:t>
+              <a:t>3/3/2019</a:t>
             </a:fld>
             <a:endParaRPr lang="en-US"/>
           </a:p>
@@ -2985,7 +2986,7 @@
           <a:p>
             <a:fld id="{8CC71C08-3195-43D4-9A1F-6CFC67AEC340}" type="datetimeFigureOut">
               <a:rPr lang="en-US" smtClean="0"/>
-              <a:t>3/3/19</a:t>
+              <a:t>3/3/2019</a:t>
             </a:fld>
             <a:endParaRPr lang="en-US"/>
           </a:p>
@@ -3232,7 +3233,7 @@
           <a:p>
             <a:fld id="{8CC71C08-3195-43D4-9A1F-6CFC67AEC340}" type="datetimeFigureOut">
               <a:rPr lang="en-US" smtClean="0"/>
-              <a:t>3/3/19</a:t>
+              <a:t>3/3/2019</a:t>
             </a:fld>
             <a:endParaRPr lang="en-US"/>
           </a:p>
@@ -3464,7 +3465,7 @@
           <a:p>
             <a:fld id="{8CC71C08-3195-43D4-9A1F-6CFC67AEC340}" type="datetimeFigureOut">
               <a:rPr lang="en-US" smtClean="0"/>
-              <a:t>3/3/19</a:t>
+              <a:t>3/3/2019</a:t>
             </a:fld>
             <a:endParaRPr lang="en-US"/>
           </a:p>
@@ -3838,7 +3839,7 @@
           <a:p>
             <a:fld id="{8CC71C08-3195-43D4-9A1F-6CFC67AEC340}" type="datetimeFigureOut">
               <a:rPr lang="en-US" smtClean="0"/>
-              <a:t>3/3/19</a:t>
+              <a:t>3/3/2019</a:t>
             </a:fld>
             <a:endParaRPr lang="en-US"/>
           </a:p>
@@ -3961,7 +3962,7 @@
           <a:p>
             <a:fld id="{8CC71C08-3195-43D4-9A1F-6CFC67AEC340}" type="datetimeFigureOut">
               <a:rPr lang="en-US" smtClean="0"/>
-              <a:t>3/3/19</a:t>
+              <a:t>3/3/2019</a:t>
             </a:fld>
             <a:endParaRPr lang="en-US"/>
           </a:p>
@@ -4056,7 +4057,7 @@
           <a:p>
             <a:fld id="{8CC71C08-3195-43D4-9A1F-6CFC67AEC340}" type="datetimeFigureOut">
               <a:rPr lang="en-US" smtClean="0"/>
-              <a:t>3/3/19</a:t>
+              <a:t>3/3/2019</a:t>
             </a:fld>
             <a:endParaRPr lang="en-US"/>
           </a:p>
@@ -4311,7 +4312,7 @@
           <a:p>
             <a:fld id="{8CC71C08-3195-43D4-9A1F-6CFC67AEC340}" type="datetimeFigureOut">
               <a:rPr lang="en-US" smtClean="0"/>
-              <a:t>3/3/19</a:t>
+              <a:t>3/3/2019</a:t>
             </a:fld>
             <a:endParaRPr lang="en-US"/>
           </a:p>
@@ -4574,7 +4575,7 @@
           <a:p>
             <a:fld id="{8CC71C08-3195-43D4-9A1F-6CFC67AEC340}" type="datetimeFigureOut">
               <a:rPr lang="en-US" smtClean="0"/>
-              <a:t>3/3/19</a:t>
+              <a:t>3/3/2019</a:t>
             </a:fld>
             <a:endParaRPr lang="en-US"/>
           </a:p>
@@ -5317,7 +5318,7 @@
           <a:p>
             <a:fld id="{8CC71C08-3195-43D4-9A1F-6CFC67AEC340}" type="datetimeFigureOut">
               <a:rPr lang="en-US" smtClean="0"/>
-              <a:t>3/3/19</a:t>
+              <a:t>3/3/2019</a:t>
             </a:fld>
             <a:endParaRPr lang="en-US"/>
           </a:p>
@@ -5867,17 +5868,14 @@
           <a:bodyPr/>
           <a:lstStyle/>
           <a:p>
-            <a:r>
-              <a:rPr lang="en-US" dirty="0" err="1">
+            <a:pPr algn="ctr"/>
+            <a:r>
+              <a:rPr lang="en-US" dirty="0">
                 <a:latin typeface="Calibri" panose="020F0502020204030204" pitchFamily="34" charset="0"/>
                 <a:cs typeface="Calibri" panose="020F0502020204030204" pitchFamily="34" charset="0"/>
               </a:rPr>
-              <a:t>Snakebait</a:t>
-            </a:r>
-            <a:endParaRPr lang="en-US" dirty="0">
-              <a:latin typeface="Calibri" panose="020F0502020204030204" pitchFamily="34" charset="0"/>
-              <a:cs typeface="Calibri" panose="020F0502020204030204" pitchFamily="34" charset="0"/>
-            </a:endParaRPr>
+              <a:t>Team Snakebait</a:t>
+            </a:r>
           </a:p>
         </p:txBody>
       </p:sp>
@@ -5931,25 +5929,8 @@
                 <a:latin typeface="Calibri" panose="020F0502020204030204" pitchFamily="34" charset="0"/>
                 <a:cs typeface="Calibri" panose="020F0502020204030204" pitchFamily="34" charset="0"/>
               </a:rPr>
-              <a:t>Charlie </a:t>
-            </a:r>
-            <a:r>
-              <a:rPr lang="en-US" sz="2000" dirty="0" err="1">
-                <a:solidFill>
-                  <a:schemeClr val="tx1"/>
-                </a:solidFill>
-                <a:latin typeface="Calibri" panose="020F0502020204030204" pitchFamily="34" charset="0"/>
-                <a:cs typeface="Calibri" panose="020F0502020204030204" pitchFamily="34" charset="0"/>
-              </a:rPr>
-              <a:t>Ortman</a:t>
-            </a:r>
-            <a:endParaRPr lang="en-US" sz="2000" dirty="0">
-              <a:solidFill>
-                <a:schemeClr val="tx1"/>
-              </a:solidFill>
-              <a:latin typeface="Calibri" panose="020F0502020204030204" pitchFamily="34" charset="0"/>
-              <a:cs typeface="Calibri" panose="020F0502020204030204" pitchFamily="34" charset="0"/>
-            </a:endParaRPr>
+              <a:t>Charlie Ortman</a:t>
+            </a:r>
           </a:p>
           <a:p>
             <a:pPr algn="ctr"/>
@@ -6007,8 +5988,158 @@
         </p:blipFill>
         <p:spPr>
           <a:xfrm>
-            <a:off x="593309" y="648246"/>
+            <a:off x="1089048" y="648245"/>
             <a:ext cx="6131699" cy="5018567"/>
+          </a:xfrm>
+          <a:prstGeom prst="rect">
+            <a:avLst/>
+          </a:prstGeom>
+        </p:spPr>
+      </p:pic>
+      <p:sp>
+        <p:nvSpPr>
+          <p:cNvPr id="6" name="Title 1">
+            <a:extLst>
+              <a:ext uri="{FF2B5EF4-FFF2-40B4-BE49-F238E27FC236}">
+                <a16:creationId xmlns:a16="http://schemas.microsoft.com/office/drawing/2014/main" id="{ED00F53F-E7D1-4D7B-9507-9597F2AB5308}"/>
+              </a:ext>
+            </a:extLst>
+          </p:cNvPr>
+          <p:cNvSpPr txBox="1">
+            <a:spLocks/>
+          </p:cNvSpPr>
+          <p:nvPr/>
+        </p:nvSpPr>
+        <p:spPr>
+          <a:xfrm>
+            <a:off x="1967346" y="6209755"/>
+            <a:ext cx="4101788" cy="701580"/>
+          </a:xfrm>
+          <a:prstGeom prst="rect">
+            <a:avLst/>
+          </a:prstGeom>
+        </p:spPr>
+        <p:txBody>
+          <a:bodyPr vert="horz" lIns="91440" tIns="45720" rIns="91440" bIns="45720" rtlCol="0" anchor="b">
+            <a:noAutofit/>
+          </a:bodyPr>
+          <a:lstStyle>
+            <a:lvl1pPr algn="r" defTabSz="457200" rtl="0" eaLnBrk="1" latinLnBrk="0" hangingPunct="1">
+              <a:spcBef>
+                <a:spcPct val="0"/>
+              </a:spcBef>
+              <a:buNone/>
+              <a:defRPr sz="5400" kern="1200">
+                <a:solidFill>
+                  <a:schemeClr val="accent1"/>
+                </a:solidFill>
+                <a:latin typeface="+mj-lt"/>
+                <a:ea typeface="+mj-ea"/>
+                <a:cs typeface="+mj-cs"/>
+              </a:defRPr>
+            </a:lvl1pPr>
+            <a:lvl2pPr eaLnBrk="1" hangingPunct="1">
+              <a:defRPr>
+                <a:solidFill>
+                  <a:schemeClr val="tx2"/>
+                </a:solidFill>
+              </a:defRPr>
+            </a:lvl2pPr>
+            <a:lvl3pPr eaLnBrk="1" hangingPunct="1">
+              <a:defRPr>
+                <a:solidFill>
+                  <a:schemeClr val="tx2"/>
+                </a:solidFill>
+              </a:defRPr>
+            </a:lvl3pPr>
+            <a:lvl4pPr eaLnBrk="1" hangingPunct="1">
+              <a:defRPr>
+                <a:solidFill>
+                  <a:schemeClr val="tx2"/>
+                </a:solidFill>
+              </a:defRPr>
+            </a:lvl4pPr>
+            <a:lvl5pPr eaLnBrk="1" hangingPunct="1">
+              <a:defRPr>
+                <a:solidFill>
+                  <a:schemeClr val="tx2"/>
+                </a:solidFill>
+              </a:defRPr>
+            </a:lvl5pPr>
+            <a:lvl6pPr eaLnBrk="1" hangingPunct="1">
+              <a:defRPr>
+                <a:solidFill>
+                  <a:schemeClr val="tx2"/>
+                </a:solidFill>
+              </a:defRPr>
+            </a:lvl6pPr>
+            <a:lvl7pPr eaLnBrk="1" hangingPunct="1">
+              <a:defRPr>
+                <a:solidFill>
+                  <a:schemeClr val="tx2"/>
+                </a:solidFill>
+              </a:defRPr>
+            </a:lvl7pPr>
+            <a:lvl8pPr eaLnBrk="1" hangingPunct="1">
+              <a:defRPr>
+                <a:solidFill>
+                  <a:schemeClr val="tx2"/>
+                </a:solidFill>
+              </a:defRPr>
+            </a:lvl8pPr>
+            <a:lvl9pPr eaLnBrk="1" hangingPunct="1">
+              <a:defRPr>
+                <a:solidFill>
+                  <a:schemeClr val="tx2"/>
+                </a:solidFill>
+              </a:defRPr>
+            </a:lvl9pPr>
+          </a:lstStyle>
+          <a:p>
+            <a:r>
+              <a:rPr lang="en-US" sz="2000" dirty="0">
+                <a:solidFill>
+                  <a:schemeClr val="tx1"/>
+                </a:solidFill>
+                <a:latin typeface="Calibri" panose="020F0502020204030204" pitchFamily="34" charset="0"/>
+                <a:ea typeface="+mn-ea"/>
+                <a:cs typeface="Calibri" panose="020F0502020204030204" pitchFamily="34" charset="0"/>
+              </a:rPr>
+              <a:t>“Taking a byte out of Medicare Costs”</a:t>
+            </a:r>
+          </a:p>
+          <a:p>
+            <a:endParaRPr lang="en-US" dirty="0">
+              <a:latin typeface="Calibri" panose="020F0502020204030204" pitchFamily="34" charset="0"/>
+              <a:cs typeface="Calibri" panose="020F0502020204030204" pitchFamily="34" charset="0"/>
+            </a:endParaRPr>
+          </a:p>
+        </p:txBody>
+      </p:sp>
+      <p:pic>
+        <p:nvPicPr>
+          <p:cNvPr id="4" name="Picture 3">
+            <a:extLst>
+              <a:ext uri="{FF2B5EF4-FFF2-40B4-BE49-F238E27FC236}">
+                <a16:creationId xmlns:a16="http://schemas.microsoft.com/office/drawing/2014/main" id="{FC69A964-F375-468D-9B46-868FDCD8B458}"/>
+              </a:ext>
+            </a:extLst>
+          </p:cNvPr>
+          <p:cNvPicPr>
+            <a:picLocks noChangeAspect="1"/>
+          </p:cNvPicPr>
+          <p:nvPr/>
+        </p:nvPicPr>
+        <p:blipFill>
+          <a:blip r:embed="rId3"/>
+          <a:stretch>
+            <a:fillRect/>
+          </a:stretch>
+        </p:blipFill>
+        <p:spPr>
+          <a:xfrm>
+            <a:off x="1606659" y="105302"/>
+            <a:ext cx="8439977" cy="1161012"/>
           </a:xfrm>
           <a:prstGeom prst="rect">
             <a:avLst/>
@@ -6050,7 +6181,7 @@
           <p:cNvPr id="2" name="Title 1">
             <a:extLst>
               <a:ext uri="{FF2B5EF4-FFF2-40B4-BE49-F238E27FC236}">
-                <a16:creationId xmlns:a16="http://schemas.microsoft.com/office/drawing/2014/main" id="{455E15F1-4C8E-4060-A3D7-6D5C3FA63DA5}"/>
+                <a16:creationId xmlns:a16="http://schemas.microsoft.com/office/drawing/2014/main" id="{9E04E921-6E2A-471E-8FA1-A7C9E4246B39}"/>
               </a:ext>
             </a:extLst>
           </p:cNvPr>
@@ -6061,7 +6192,12 @@
             <p:ph type="title"/>
           </p:nvPr>
         </p:nvSpPr>
-        <p:spPr/>
+        <p:spPr>
+          <a:xfrm>
+            <a:off x="838200" y="791254"/>
+            <a:ext cx="10515600" cy="1325563"/>
+          </a:xfrm>
+        </p:spPr>
         <p:txBody>
           <a:bodyPr>
             <a:normAutofit fontScale="90000"/>
@@ -6073,7 +6209,7 @@
                 <a:latin typeface="Calibri" panose="020F0502020204030204" pitchFamily="34" charset="0"/>
                 <a:cs typeface="Calibri" panose="020F0502020204030204" pitchFamily="34" charset="0"/>
               </a:rPr>
-              <a:t>Question 4: </a:t>
+              <a:t>Question 2: </a:t>
             </a:r>
             <a:r>
               <a:rPr lang="en-US" dirty="0">
@@ -6083,7 +6219,7 @@
                 <a:latin typeface="Calibri" panose="020F0502020204030204" pitchFamily="34" charset="0"/>
                 <a:cs typeface="Calibri" panose="020F0502020204030204" pitchFamily="34" charset="0"/>
               </a:rPr>
-              <a:t>If a county is good at recording their data, then they should have less readmissions. </a:t>
+              <a:t>If hospitals within a county have consistent Medicare spending, then they should have Fewer readmissions.</a:t>
             </a:r>
             <a:br>
               <a:rPr lang="en-US" dirty="0">
@@ -6098,35 +6234,10 @@
           </a:p>
         </p:txBody>
       </p:sp>
-      <p:sp>
-        <p:nvSpPr>
-          <p:cNvPr id="3" name="Content Placeholder 2">
-            <a:extLst>
-              <a:ext uri="{FF2B5EF4-FFF2-40B4-BE49-F238E27FC236}">
-                <a16:creationId xmlns:a16="http://schemas.microsoft.com/office/drawing/2014/main" id="{7143B4AA-F574-426C-ADAC-83AAB5A13F5F}"/>
-              </a:ext>
-            </a:extLst>
-          </p:cNvPr>
-          <p:cNvSpPr>
-            <a:spLocks noGrp="1"/>
-          </p:cNvSpPr>
-          <p:nvPr>
-            <p:ph idx="1"/>
-          </p:nvPr>
-        </p:nvSpPr>
-        <p:spPr/>
-        <p:txBody>
-          <a:bodyPr/>
-          <a:lstStyle/>
-          <a:p>
-            <a:endParaRPr lang="en-US"/>
-          </a:p>
-        </p:txBody>
-      </p:sp>
     </p:spTree>
     <p:extLst>
       <p:ext uri="{BB962C8B-B14F-4D97-AF65-F5344CB8AC3E}">
-        <p14:creationId xmlns:p14="http://schemas.microsoft.com/office/powerpoint/2010/main" val="3595413408"/>
+        <p14:creationId xmlns:p14="http://schemas.microsoft.com/office/powerpoint/2010/main" val="524358472"/>
       </p:ext>
     </p:extLst>
   </p:cSld>
@@ -6158,7 +6269,7 @@
           <p:cNvPr id="2" name="Title 1">
             <a:extLst>
               <a:ext uri="{FF2B5EF4-FFF2-40B4-BE49-F238E27FC236}">
-                <a16:creationId xmlns:a16="http://schemas.microsoft.com/office/drawing/2014/main" id="{2BA4C45F-0A8F-4D0C-AE64-D48E5E351467}"/>
+                <a16:creationId xmlns:a16="http://schemas.microsoft.com/office/drawing/2014/main" id="{455E15F1-4C8E-4060-A3D7-6D5C3FA63DA5}"/>
               </a:ext>
             </a:extLst>
           </p:cNvPr>
@@ -6171,8 +6282,8 @@
         </p:nvSpPr>
         <p:spPr>
           <a:xfrm>
-            <a:off x="838200" y="933296"/>
-            <a:ext cx="10515600" cy="1325563"/>
+            <a:off x="1005186" y="411480"/>
+            <a:ext cx="8596668" cy="1320800"/>
           </a:xfrm>
         </p:spPr>
         <p:txBody>
@@ -6182,8 +6293,11 @@
           <a:lstStyle/>
           <a:p>
             <a:r>
-              <a:rPr lang="en-US" dirty="0"/>
-              <a:t>Question 5: </a:t>
+              <a:rPr lang="en-US" dirty="0">
+                <a:latin typeface="Calibri" panose="020F0502020204030204" pitchFamily="34" charset="0"/>
+                <a:cs typeface="Calibri" panose="020F0502020204030204" pitchFamily="34" charset="0"/>
+              </a:rPr>
+              <a:t>Question 4: </a:t>
             </a:r>
             <a:r>
               <a:rPr lang="en-US" dirty="0">
@@ -6192,20 +6306,140 @@
                 </a:solidFill>
               </a:rPr>
               <a:t>Is there a relationship between higher Medicare spending and how much data is recorded?</a:t>
+            </a:r>
+            <a:br>
+              <a:rPr lang="en-US" dirty="0">
+                <a:latin typeface="Calibri" panose="020F0502020204030204" pitchFamily="34" charset="0"/>
+                <a:cs typeface="Calibri" panose="020F0502020204030204" pitchFamily="34" charset="0"/>
+              </a:rPr>
+            </a:br>
+            <a:endParaRPr lang="en-US" dirty="0">
+              <a:latin typeface="Calibri" panose="020F0502020204030204" pitchFamily="34" charset="0"/>
+              <a:cs typeface="Calibri" panose="020F0502020204030204" pitchFamily="34" charset="0"/>
+            </a:endParaRPr>
+          </a:p>
+        </p:txBody>
+      </p:sp>
+      <p:pic>
+        <p:nvPicPr>
+          <p:cNvPr id="5" name="Content Placeholder 4">
+            <a:extLst>
+              <a:ext uri="{FF2B5EF4-FFF2-40B4-BE49-F238E27FC236}">
+                <a16:creationId xmlns:a16="http://schemas.microsoft.com/office/drawing/2014/main" id="{D1B6FC60-5232-4088-875A-464C1A1BAFE7}"/>
+              </a:ext>
+            </a:extLst>
+          </p:cNvPr>
+          <p:cNvPicPr>
+            <a:picLocks noGrp="1" noChangeAspect="1"/>
+          </p:cNvPicPr>
+          <p:nvPr>
+            <p:ph idx="1"/>
+          </p:nvPr>
+        </p:nvPicPr>
+        <p:blipFill>
+          <a:blip r:embed="rId2">
+            <a:extLst>
+              <a:ext uri="{28A0092B-C50C-407E-A947-70E740481C1C}">
+                <a14:useLocalDpi xmlns:a14="http://schemas.microsoft.com/office/drawing/2010/main" val="0"/>
+              </a:ext>
+            </a:extLst>
+          </a:blip>
+          <a:stretch>
+            <a:fillRect/>
+          </a:stretch>
+        </p:blipFill>
+        <p:spPr>
+          <a:xfrm>
+            <a:off x="2130022" y="2011680"/>
+            <a:ext cx="7036838" cy="4691225"/>
+          </a:xfrm>
+        </p:spPr>
+      </p:pic>
+    </p:spTree>
+    <p:extLst>
+      <p:ext uri="{BB962C8B-B14F-4D97-AF65-F5344CB8AC3E}">
+        <p14:creationId xmlns:p14="http://schemas.microsoft.com/office/powerpoint/2010/main" val="3595413408"/>
+      </p:ext>
+    </p:extLst>
+  </p:cSld>
+  <p:clrMapOvr>
+    <a:masterClrMapping/>
+  </p:clrMapOvr>
+</p:sld>
+</file>
+
+<file path=ppt/slides/slide12.xml><?xml version="1.0" encoding="utf-8"?>
+<p:sld xmlns:a="http://schemas.openxmlformats.org/drawingml/2006/main" xmlns:r="http://schemas.openxmlformats.org/officeDocument/2006/relationships" xmlns:p="http://schemas.openxmlformats.org/presentationml/2006/main">
+  <p:cSld>
+    <p:spTree>
+      <p:nvGrpSpPr>
+        <p:cNvPr id="1" name=""/>
+        <p:cNvGrpSpPr/>
+        <p:nvPr/>
+      </p:nvGrpSpPr>
+      <p:grpSpPr>
+        <a:xfrm>
+          <a:off x="0" y="0"/>
+          <a:ext cx="0" cy="0"/>
+          <a:chOff x="0" y="0"/>
+          <a:chExt cx="0" cy="0"/>
+        </a:xfrm>
+      </p:grpSpPr>
+      <p:sp>
+        <p:nvSpPr>
+          <p:cNvPr id="2" name="Title 1">
+            <a:extLst>
+              <a:ext uri="{FF2B5EF4-FFF2-40B4-BE49-F238E27FC236}">
+                <a16:creationId xmlns:a16="http://schemas.microsoft.com/office/drawing/2014/main" id="{455E15F1-4C8E-4060-A3D7-6D5C3FA63DA5}"/>
+              </a:ext>
+            </a:extLst>
+          </p:cNvPr>
+          <p:cNvSpPr>
+            <a:spLocks noGrp="1"/>
+          </p:cNvSpPr>
+          <p:nvPr>
+            <p:ph type="title"/>
+          </p:nvPr>
+        </p:nvSpPr>
+        <p:spPr>
+          <a:xfrm>
+            <a:off x="3270204" y="222524"/>
+            <a:ext cx="6095606" cy="670611"/>
+          </a:xfrm>
+        </p:spPr>
+        <p:txBody>
+          <a:bodyPr>
+            <a:normAutofit fontScale="90000"/>
+          </a:bodyPr>
+          <a:lstStyle/>
+          <a:p>
+            <a:r>
+              <a:rPr lang="en-US" dirty="0">
+                <a:solidFill>
+                  <a:schemeClr val="accent2"/>
+                </a:solidFill>
+              </a:rPr>
+              <a:t>Health System Performance</a:t>
             </a:r>
             <a:br>
               <a:rPr lang="en-US" dirty="0"/>
             </a:br>
-            <a:endParaRPr lang="en-US" dirty="0"/>
+            <a:endParaRPr lang="en-US" dirty="0">
+              <a:solidFill>
+                <a:schemeClr val="tx1"/>
+              </a:solidFill>
+              <a:latin typeface="Calibri" panose="020F0502020204030204" pitchFamily="34" charset="0"/>
+              <a:cs typeface="Calibri" panose="020F0502020204030204" pitchFamily="34" charset="0"/>
+            </a:endParaRPr>
           </a:p>
         </p:txBody>
       </p:sp>
       <p:sp>
         <p:nvSpPr>
-          <p:cNvPr id="3" name="Content Placeholder 2">
+          <p:cNvPr id="8" name="Content Placeholder 2">
             <a:extLst>
               <a:ext uri="{FF2B5EF4-FFF2-40B4-BE49-F238E27FC236}">
-                <a16:creationId xmlns:a16="http://schemas.microsoft.com/office/drawing/2014/main" id="{5E7B344C-D99C-4B48-ADE4-E897A73E80D7}"/>
+                <a16:creationId xmlns:a16="http://schemas.microsoft.com/office/drawing/2014/main" id="{C664C669-08D0-413D-913E-C9618F10F5D3}"/>
               </a:ext>
             </a:extLst>
           </p:cNvPr>
@@ -6218,22 +6452,854 @@
         </p:nvSpPr>
         <p:spPr>
           <a:xfrm>
-            <a:off x="838200" y="2645545"/>
-            <a:ext cx="10515600" cy="3531417"/>
+            <a:off x="495204" y="893134"/>
+            <a:ext cx="6439042" cy="3871907"/>
           </a:xfrm>
         </p:spPr>
         <p:txBody>
-          <a:bodyPr/>
+          <a:bodyPr>
+            <a:normAutofit/>
+          </a:bodyPr>
           <a:lstStyle/>
           <a:p>
+            <a:r>
+              <a:rPr lang="en-US" b="1" dirty="0"/>
+              <a:t>Overall Rank</a:t>
+            </a:r>
+          </a:p>
+          <a:p>
+            <a:r>
+              <a:rPr lang="en-US" b="1" dirty="0"/>
+              <a:t>Access and Affordability</a:t>
+            </a:r>
+          </a:p>
+          <a:p>
+            <a:pPr marL="457200" lvl="1" indent="0">
+              <a:lnSpc>
+                <a:spcPct val="110000"/>
+              </a:lnSpc>
+              <a:spcBef>
+                <a:spcPts val="0"/>
+              </a:spcBef>
+              <a:buNone/>
+            </a:pPr>
+            <a:r>
+              <a:rPr lang="en-US" dirty="0"/>
+              <a:t>Adults ages 19-64 uninured</a:t>
+            </a:r>
+          </a:p>
+          <a:p>
+            <a:pPr marL="457200" lvl="1" indent="0">
+              <a:lnSpc>
+                <a:spcPct val="110000"/>
+              </a:lnSpc>
+              <a:spcBef>
+                <a:spcPts val="0"/>
+              </a:spcBef>
+              <a:buNone/>
+            </a:pPr>
+            <a:r>
+              <a:rPr lang="en-US" dirty="0"/>
+              <a:t>Adults without a unusual source of care</a:t>
+            </a:r>
+          </a:p>
+          <a:p>
+            <a:pPr marL="457200" lvl="1" indent="0">
+              <a:lnSpc>
+                <a:spcPct val="110000"/>
+              </a:lnSpc>
+              <a:spcBef>
+                <a:spcPts val="0"/>
+              </a:spcBef>
+              <a:buNone/>
+            </a:pPr>
+            <a:r>
+              <a:rPr lang="en-US" dirty="0"/>
+              <a:t>Adults who went without care because of cost</a:t>
+            </a:r>
+          </a:p>
+          <a:p>
+            <a:pPr marL="457200" lvl="1" indent="0">
+              <a:buNone/>
+            </a:pPr>
             <a:endParaRPr lang="en-US" dirty="0"/>
+          </a:p>
+          <a:p>
+            <a:r>
+              <a:rPr lang="en-US" b="1" dirty="0"/>
+              <a:t>Prevention and Treatment</a:t>
+            </a:r>
+          </a:p>
+          <a:p>
+            <a:pPr marL="457200" lvl="1" indent="0">
+              <a:spcBef>
+                <a:spcPts val="0"/>
+              </a:spcBef>
+              <a:buNone/>
+            </a:pPr>
+            <a:r>
+              <a:rPr lang="en-US" dirty="0"/>
+              <a:t>Adults without all age- and gender </a:t>
+            </a:r>
+          </a:p>
+          <a:p>
+            <a:pPr marL="457200" lvl="1" indent="0">
+              <a:spcBef>
+                <a:spcPts val="0"/>
+              </a:spcBef>
+              <a:buNone/>
+            </a:pPr>
+            <a:r>
+              <a:rPr lang="en-US" dirty="0"/>
+              <a:t>	appropriate cancer screenings</a:t>
+            </a:r>
+          </a:p>
+          <a:p>
+            <a:pPr marL="457200" lvl="1" indent="0">
+              <a:spcBef>
+                <a:spcPts val="0"/>
+              </a:spcBef>
+              <a:buNone/>
+            </a:pPr>
+            <a:r>
+              <a:rPr lang="en-US" dirty="0"/>
+              <a:t>Adults without all age-appropriate</a:t>
+            </a:r>
+          </a:p>
+          <a:p>
+            <a:pPr marL="457200" lvl="1" indent="0">
+              <a:spcBef>
+                <a:spcPts val="0"/>
+              </a:spcBef>
+              <a:buNone/>
+            </a:pPr>
+            <a:r>
+              <a:rPr lang="en-US" dirty="0"/>
+              <a:t>Hospital 30-day mortality</a:t>
+            </a:r>
+          </a:p>
+          <a:p>
+            <a:pPr marL="457200" lvl="1" indent="0">
+              <a:buNone/>
+            </a:pPr>
+            <a:endParaRPr lang="en-US" dirty="0"/>
+          </a:p>
+          <a:p>
+            <a:pPr marL="457200" lvl="1" indent="0">
+              <a:buNone/>
+            </a:pPr>
+            <a:endParaRPr lang="en-US" b="1" dirty="0"/>
+          </a:p>
+          <a:p>
+            <a:endParaRPr lang="en-US" dirty="0">
+              <a:latin typeface="Calibri" panose="020F0502020204030204" pitchFamily="34" charset="0"/>
+              <a:cs typeface="Calibri" panose="020F0502020204030204" pitchFamily="34" charset="0"/>
+            </a:endParaRPr>
+          </a:p>
+          <a:p>
+            <a:pPr marL="0" indent="0">
+              <a:buNone/>
+            </a:pPr>
+            <a:endParaRPr lang="en-US" dirty="0">
+              <a:latin typeface="Calibri" panose="020F0502020204030204" pitchFamily="34" charset="0"/>
+              <a:cs typeface="Calibri" panose="020F0502020204030204" pitchFamily="34" charset="0"/>
+            </a:endParaRPr>
+          </a:p>
+        </p:txBody>
+      </p:sp>
+      <p:sp>
+        <p:nvSpPr>
+          <p:cNvPr id="9" name="Content Placeholder 2">
+            <a:extLst>
+              <a:ext uri="{FF2B5EF4-FFF2-40B4-BE49-F238E27FC236}">
+                <a16:creationId xmlns:a16="http://schemas.microsoft.com/office/drawing/2014/main" id="{BB00988C-8C96-4E51-AB61-A265FBCFC865}"/>
+              </a:ext>
+            </a:extLst>
+          </p:cNvPr>
+          <p:cNvSpPr txBox="1">
+            <a:spLocks/>
+          </p:cNvSpPr>
+          <p:nvPr/>
+        </p:nvSpPr>
+        <p:spPr>
+          <a:xfrm>
+            <a:off x="6200521" y="893134"/>
+            <a:ext cx="5991479" cy="3871907"/>
+          </a:xfrm>
+          <a:prstGeom prst="rect">
+            <a:avLst/>
+          </a:prstGeom>
+        </p:spPr>
+        <p:txBody>
+          <a:bodyPr vert="horz" lIns="91440" tIns="45720" rIns="91440" bIns="45720" rtlCol="0">
+            <a:normAutofit/>
+          </a:bodyPr>
+          <a:lstStyle>
+            <a:lvl1pPr marL="342900" indent="-342900" algn="l" defTabSz="457200" rtl="0" eaLnBrk="1" latinLnBrk="0" hangingPunct="1">
+              <a:spcBef>
+                <a:spcPts val="1000"/>
+              </a:spcBef>
+              <a:spcAft>
+                <a:spcPts val="0"/>
+              </a:spcAft>
+              <a:buClr>
+                <a:schemeClr val="accent1"/>
+              </a:buClr>
+              <a:buSzPct val="80000"/>
+              <a:buFont typeface="Wingdings 3" charset="2"/>
+              <a:buChar char=""/>
+              <a:defRPr sz="1800" kern="1200">
+                <a:solidFill>
+                  <a:schemeClr val="tx1">
+                    <a:lumMod val="75000"/>
+                    <a:lumOff val="25000"/>
+                  </a:schemeClr>
+                </a:solidFill>
+                <a:latin typeface="+mn-lt"/>
+                <a:ea typeface="+mn-ea"/>
+                <a:cs typeface="+mn-cs"/>
+              </a:defRPr>
+            </a:lvl1pPr>
+            <a:lvl2pPr marL="742950" indent="-285750" algn="l" defTabSz="457200" rtl="0" eaLnBrk="1" latinLnBrk="0" hangingPunct="1">
+              <a:spcBef>
+                <a:spcPts val="1000"/>
+              </a:spcBef>
+              <a:spcAft>
+                <a:spcPts val="0"/>
+              </a:spcAft>
+              <a:buClr>
+                <a:schemeClr val="accent1"/>
+              </a:buClr>
+              <a:buSzPct val="80000"/>
+              <a:buFont typeface="Wingdings 3" charset="2"/>
+              <a:buChar char=""/>
+              <a:defRPr sz="1600" kern="1200">
+                <a:solidFill>
+                  <a:schemeClr val="tx1">
+                    <a:lumMod val="75000"/>
+                    <a:lumOff val="25000"/>
+                  </a:schemeClr>
+                </a:solidFill>
+                <a:latin typeface="+mn-lt"/>
+                <a:ea typeface="+mn-ea"/>
+                <a:cs typeface="+mn-cs"/>
+              </a:defRPr>
+            </a:lvl2pPr>
+            <a:lvl3pPr marL="1143000" indent="-228600" algn="l" defTabSz="457200" rtl="0" eaLnBrk="1" latinLnBrk="0" hangingPunct="1">
+              <a:spcBef>
+                <a:spcPts val="1000"/>
+              </a:spcBef>
+              <a:spcAft>
+                <a:spcPts val="0"/>
+              </a:spcAft>
+              <a:buClr>
+                <a:schemeClr val="accent1"/>
+              </a:buClr>
+              <a:buSzPct val="80000"/>
+              <a:buFont typeface="Wingdings 3" charset="2"/>
+              <a:buChar char=""/>
+              <a:defRPr sz="1400" kern="1200">
+                <a:solidFill>
+                  <a:schemeClr val="tx1">
+                    <a:lumMod val="75000"/>
+                    <a:lumOff val="25000"/>
+                  </a:schemeClr>
+                </a:solidFill>
+                <a:latin typeface="+mn-lt"/>
+                <a:ea typeface="+mn-ea"/>
+                <a:cs typeface="+mn-cs"/>
+              </a:defRPr>
+            </a:lvl3pPr>
+            <a:lvl4pPr marL="1600200" indent="-228600" algn="l" defTabSz="457200" rtl="0" eaLnBrk="1" latinLnBrk="0" hangingPunct="1">
+              <a:spcBef>
+                <a:spcPts val="1000"/>
+              </a:spcBef>
+              <a:spcAft>
+                <a:spcPts val="0"/>
+              </a:spcAft>
+              <a:buClr>
+                <a:schemeClr val="accent1"/>
+              </a:buClr>
+              <a:buSzPct val="80000"/>
+              <a:buFont typeface="Wingdings 3" charset="2"/>
+              <a:buChar char=""/>
+              <a:defRPr sz="1200" kern="1200">
+                <a:solidFill>
+                  <a:schemeClr val="tx1">
+                    <a:lumMod val="75000"/>
+                    <a:lumOff val="25000"/>
+                  </a:schemeClr>
+                </a:solidFill>
+                <a:latin typeface="+mn-lt"/>
+                <a:ea typeface="+mn-ea"/>
+                <a:cs typeface="+mn-cs"/>
+              </a:defRPr>
+            </a:lvl4pPr>
+            <a:lvl5pPr marL="2057400" indent="-228600" algn="l" defTabSz="457200" rtl="0" eaLnBrk="1" latinLnBrk="0" hangingPunct="1">
+              <a:spcBef>
+                <a:spcPts val="1000"/>
+              </a:spcBef>
+              <a:spcAft>
+                <a:spcPts val="0"/>
+              </a:spcAft>
+              <a:buClr>
+                <a:schemeClr val="accent1"/>
+              </a:buClr>
+              <a:buSzPct val="80000"/>
+              <a:buFont typeface="Wingdings 3" charset="2"/>
+              <a:buChar char=""/>
+              <a:defRPr sz="1200" kern="1200">
+                <a:solidFill>
+                  <a:schemeClr val="tx1">
+                    <a:lumMod val="75000"/>
+                    <a:lumOff val="25000"/>
+                  </a:schemeClr>
+                </a:solidFill>
+                <a:latin typeface="+mn-lt"/>
+                <a:ea typeface="+mn-ea"/>
+                <a:cs typeface="+mn-cs"/>
+              </a:defRPr>
+            </a:lvl5pPr>
+            <a:lvl6pPr marL="2514600" indent="-228600" algn="l" defTabSz="457200" rtl="0" eaLnBrk="1" latinLnBrk="0" hangingPunct="1">
+              <a:spcBef>
+                <a:spcPts val="1000"/>
+              </a:spcBef>
+              <a:spcAft>
+                <a:spcPts val="0"/>
+              </a:spcAft>
+              <a:buClr>
+                <a:schemeClr val="accent1"/>
+              </a:buClr>
+              <a:buSzPct val="80000"/>
+              <a:buFont typeface="Wingdings 3" charset="2"/>
+              <a:buChar char=""/>
+              <a:defRPr sz="1200" kern="1200">
+                <a:solidFill>
+                  <a:schemeClr val="tx1">
+                    <a:lumMod val="75000"/>
+                    <a:lumOff val="25000"/>
+                  </a:schemeClr>
+                </a:solidFill>
+                <a:latin typeface="+mn-lt"/>
+                <a:ea typeface="+mn-ea"/>
+                <a:cs typeface="+mn-cs"/>
+              </a:defRPr>
+            </a:lvl6pPr>
+            <a:lvl7pPr marL="2971800" indent="-228600" algn="l" defTabSz="457200" rtl="0" eaLnBrk="1" latinLnBrk="0" hangingPunct="1">
+              <a:spcBef>
+                <a:spcPts val="1000"/>
+              </a:spcBef>
+              <a:spcAft>
+                <a:spcPts val="0"/>
+              </a:spcAft>
+              <a:buClr>
+                <a:schemeClr val="accent1"/>
+              </a:buClr>
+              <a:buSzPct val="80000"/>
+              <a:buFont typeface="Wingdings 3" charset="2"/>
+              <a:buChar char=""/>
+              <a:defRPr sz="1200" kern="1200">
+                <a:solidFill>
+                  <a:schemeClr val="tx1">
+                    <a:lumMod val="75000"/>
+                    <a:lumOff val="25000"/>
+                  </a:schemeClr>
+                </a:solidFill>
+                <a:latin typeface="+mn-lt"/>
+                <a:ea typeface="+mn-ea"/>
+                <a:cs typeface="+mn-cs"/>
+              </a:defRPr>
+            </a:lvl7pPr>
+            <a:lvl8pPr marL="3429000" indent="-228600" algn="l" defTabSz="457200" rtl="0" eaLnBrk="1" latinLnBrk="0" hangingPunct="1">
+              <a:spcBef>
+                <a:spcPts val="1000"/>
+              </a:spcBef>
+              <a:spcAft>
+                <a:spcPts val="0"/>
+              </a:spcAft>
+              <a:buClr>
+                <a:schemeClr val="accent1"/>
+              </a:buClr>
+              <a:buSzPct val="80000"/>
+              <a:buFont typeface="Wingdings 3" charset="2"/>
+              <a:buChar char=""/>
+              <a:defRPr sz="1200" kern="1200">
+                <a:solidFill>
+                  <a:schemeClr val="tx1">
+                    <a:lumMod val="75000"/>
+                    <a:lumOff val="25000"/>
+                  </a:schemeClr>
+                </a:solidFill>
+                <a:latin typeface="+mn-lt"/>
+                <a:ea typeface="+mn-ea"/>
+                <a:cs typeface="+mn-cs"/>
+              </a:defRPr>
+            </a:lvl8pPr>
+            <a:lvl9pPr marL="3886200" indent="-228600" algn="l" defTabSz="457200" rtl="0" eaLnBrk="1" latinLnBrk="0" hangingPunct="1">
+              <a:spcBef>
+                <a:spcPts val="1000"/>
+              </a:spcBef>
+              <a:spcAft>
+                <a:spcPts val="0"/>
+              </a:spcAft>
+              <a:buClr>
+                <a:schemeClr val="accent1"/>
+              </a:buClr>
+              <a:buSzPct val="80000"/>
+              <a:buFont typeface="Wingdings 3" charset="2"/>
+              <a:buChar char=""/>
+              <a:defRPr sz="1200" kern="1200">
+                <a:solidFill>
+                  <a:schemeClr val="tx1">
+                    <a:lumMod val="75000"/>
+                    <a:lumOff val="25000"/>
+                  </a:schemeClr>
+                </a:solidFill>
+                <a:latin typeface="+mn-lt"/>
+                <a:ea typeface="+mn-ea"/>
+                <a:cs typeface="+mn-cs"/>
+              </a:defRPr>
+            </a:lvl9pPr>
+          </a:lstStyle>
+          <a:p>
+            <a:r>
+              <a:rPr lang="en-US" dirty="0"/>
+              <a:t>Healthy Lives</a:t>
+            </a:r>
+          </a:p>
+          <a:p>
+            <a:pPr marL="457200" lvl="1" indent="0">
+              <a:spcBef>
+                <a:spcPts val="0"/>
+              </a:spcBef>
+              <a:buNone/>
+            </a:pPr>
+            <a:r>
+              <a:rPr lang="en-US" dirty="0"/>
+              <a:t>Colorectal cancer deaths </a:t>
+            </a:r>
+          </a:p>
+          <a:p>
+            <a:pPr marL="457200" lvl="1" indent="0">
+              <a:spcBef>
+                <a:spcPts val="0"/>
+              </a:spcBef>
+              <a:buNone/>
+            </a:pPr>
+            <a:r>
+              <a:rPr lang="en-US" dirty="0"/>
+              <a:t>Deaths from suicide, alcohol, and drug use</a:t>
+            </a:r>
+          </a:p>
+          <a:p>
+            <a:pPr marL="457200" lvl="1" indent="0">
+              <a:spcBef>
+                <a:spcPts val="0"/>
+              </a:spcBef>
+              <a:buNone/>
+            </a:pPr>
+            <a:r>
+              <a:rPr lang="en-US" dirty="0"/>
+              <a:t>Adults who report fair/poor health </a:t>
+            </a:r>
+          </a:p>
+          <a:p>
+            <a:pPr marL="457200" lvl="1" indent="0">
+              <a:spcBef>
+                <a:spcPts val="0"/>
+              </a:spcBef>
+              <a:buNone/>
+            </a:pPr>
+            <a:r>
+              <a:rPr lang="en-US" dirty="0"/>
+              <a:t>Adults who smoke</a:t>
+            </a:r>
+          </a:p>
+          <a:p>
+            <a:endParaRPr lang="en-US" dirty="0"/>
+          </a:p>
+          <a:p>
+            <a:r>
+              <a:rPr lang="en-US" dirty="0"/>
+              <a:t>Disparity</a:t>
+            </a:r>
+          </a:p>
+          <a:p>
+            <a:pPr marL="457200" lvl="1" indent="0">
+              <a:spcBef>
+                <a:spcPts val="0"/>
+              </a:spcBef>
+              <a:buNone/>
+            </a:pPr>
+            <a:r>
+              <a:rPr lang="en-US" dirty="0"/>
+              <a:t>Adults ages 19–64 uninsured </a:t>
+            </a:r>
+          </a:p>
+          <a:p>
+            <a:pPr marL="457200" lvl="1" indent="0">
+              <a:spcBef>
+                <a:spcPts val="0"/>
+              </a:spcBef>
+              <a:buNone/>
+            </a:pPr>
+            <a:r>
+              <a:rPr lang="en-US" dirty="0"/>
+              <a:t>Adults without a usual source of care </a:t>
+            </a:r>
+          </a:p>
+          <a:p>
+            <a:pPr marL="457200" lvl="1" indent="0">
+              <a:spcBef>
+                <a:spcPts val="0"/>
+              </a:spcBef>
+              <a:buNone/>
+            </a:pPr>
+            <a:r>
+              <a:rPr lang="en-US" dirty="0"/>
+              <a:t>Adults who went without care because of cost </a:t>
+            </a:r>
+          </a:p>
+          <a:p>
+            <a:endParaRPr lang="en-US" dirty="0"/>
+          </a:p>
+          <a:p>
+            <a:pPr marL="0" indent="0">
+              <a:buFont typeface="Wingdings 3" charset="2"/>
+              <a:buNone/>
+            </a:pPr>
+            <a:endParaRPr lang="en-US" dirty="0">
+              <a:latin typeface="Calibri" panose="020F0502020204030204" pitchFamily="34" charset="0"/>
+              <a:cs typeface="Calibri" panose="020F0502020204030204" pitchFamily="34" charset="0"/>
+            </a:endParaRPr>
+          </a:p>
+        </p:txBody>
+      </p:sp>
+      <p:sp>
+        <p:nvSpPr>
+          <p:cNvPr id="10" name="Content Placeholder 2">
+            <a:extLst>
+              <a:ext uri="{FF2B5EF4-FFF2-40B4-BE49-F238E27FC236}">
+                <a16:creationId xmlns:a16="http://schemas.microsoft.com/office/drawing/2014/main" id="{F5CDF98A-0FD4-4C0D-A18D-9BFC5EE5FB8D}"/>
+              </a:ext>
+            </a:extLst>
+          </p:cNvPr>
+          <p:cNvSpPr txBox="1">
+            <a:spLocks/>
+          </p:cNvSpPr>
+          <p:nvPr/>
+        </p:nvSpPr>
+        <p:spPr>
+          <a:xfrm>
+            <a:off x="376864" y="4954017"/>
+            <a:ext cx="5786680" cy="1780032"/>
+          </a:xfrm>
+          <a:prstGeom prst="rect">
+            <a:avLst/>
+          </a:prstGeom>
+        </p:spPr>
+        <p:txBody>
+          <a:bodyPr vert="horz" lIns="91440" tIns="45720" rIns="91440" bIns="45720" rtlCol="0">
+            <a:normAutofit/>
+          </a:bodyPr>
+          <a:lstStyle>
+            <a:lvl1pPr marL="342900" indent="-342900" algn="l" defTabSz="457200" rtl="0" eaLnBrk="1" latinLnBrk="0" hangingPunct="1">
+              <a:spcBef>
+                <a:spcPts val="1000"/>
+              </a:spcBef>
+              <a:spcAft>
+                <a:spcPts val="0"/>
+              </a:spcAft>
+              <a:buClr>
+                <a:schemeClr val="accent1"/>
+              </a:buClr>
+              <a:buSzPct val="80000"/>
+              <a:buFont typeface="Wingdings 3" charset="2"/>
+              <a:buChar char=""/>
+              <a:defRPr sz="1800" kern="1200">
+                <a:solidFill>
+                  <a:schemeClr val="tx1">
+                    <a:lumMod val="75000"/>
+                    <a:lumOff val="25000"/>
+                  </a:schemeClr>
+                </a:solidFill>
+                <a:latin typeface="+mn-lt"/>
+                <a:ea typeface="+mn-ea"/>
+                <a:cs typeface="+mn-cs"/>
+              </a:defRPr>
+            </a:lvl1pPr>
+            <a:lvl2pPr marL="742950" indent="-285750" algn="l" defTabSz="457200" rtl="0" eaLnBrk="1" latinLnBrk="0" hangingPunct="1">
+              <a:spcBef>
+                <a:spcPts val="1000"/>
+              </a:spcBef>
+              <a:spcAft>
+                <a:spcPts val="0"/>
+              </a:spcAft>
+              <a:buClr>
+                <a:schemeClr val="accent1"/>
+              </a:buClr>
+              <a:buSzPct val="80000"/>
+              <a:buFont typeface="Wingdings 3" charset="2"/>
+              <a:buChar char=""/>
+              <a:defRPr sz="1600" kern="1200">
+                <a:solidFill>
+                  <a:schemeClr val="tx1">
+                    <a:lumMod val="75000"/>
+                    <a:lumOff val="25000"/>
+                  </a:schemeClr>
+                </a:solidFill>
+                <a:latin typeface="+mn-lt"/>
+                <a:ea typeface="+mn-ea"/>
+                <a:cs typeface="+mn-cs"/>
+              </a:defRPr>
+            </a:lvl2pPr>
+            <a:lvl3pPr marL="1143000" indent="-228600" algn="l" defTabSz="457200" rtl="0" eaLnBrk="1" latinLnBrk="0" hangingPunct="1">
+              <a:spcBef>
+                <a:spcPts val="1000"/>
+              </a:spcBef>
+              <a:spcAft>
+                <a:spcPts val="0"/>
+              </a:spcAft>
+              <a:buClr>
+                <a:schemeClr val="accent1"/>
+              </a:buClr>
+              <a:buSzPct val="80000"/>
+              <a:buFont typeface="Wingdings 3" charset="2"/>
+              <a:buChar char=""/>
+              <a:defRPr sz="1400" kern="1200">
+                <a:solidFill>
+                  <a:schemeClr val="tx1">
+                    <a:lumMod val="75000"/>
+                    <a:lumOff val="25000"/>
+                  </a:schemeClr>
+                </a:solidFill>
+                <a:latin typeface="+mn-lt"/>
+                <a:ea typeface="+mn-ea"/>
+                <a:cs typeface="+mn-cs"/>
+              </a:defRPr>
+            </a:lvl3pPr>
+            <a:lvl4pPr marL="1600200" indent="-228600" algn="l" defTabSz="457200" rtl="0" eaLnBrk="1" latinLnBrk="0" hangingPunct="1">
+              <a:spcBef>
+                <a:spcPts val="1000"/>
+              </a:spcBef>
+              <a:spcAft>
+                <a:spcPts val="0"/>
+              </a:spcAft>
+              <a:buClr>
+                <a:schemeClr val="accent1"/>
+              </a:buClr>
+              <a:buSzPct val="80000"/>
+              <a:buFont typeface="Wingdings 3" charset="2"/>
+              <a:buChar char=""/>
+              <a:defRPr sz="1200" kern="1200">
+                <a:solidFill>
+                  <a:schemeClr val="tx1">
+                    <a:lumMod val="75000"/>
+                    <a:lumOff val="25000"/>
+                  </a:schemeClr>
+                </a:solidFill>
+                <a:latin typeface="+mn-lt"/>
+                <a:ea typeface="+mn-ea"/>
+                <a:cs typeface="+mn-cs"/>
+              </a:defRPr>
+            </a:lvl4pPr>
+            <a:lvl5pPr marL="2057400" indent="-228600" algn="l" defTabSz="457200" rtl="0" eaLnBrk="1" latinLnBrk="0" hangingPunct="1">
+              <a:spcBef>
+                <a:spcPts val="1000"/>
+              </a:spcBef>
+              <a:spcAft>
+                <a:spcPts val="0"/>
+              </a:spcAft>
+              <a:buClr>
+                <a:schemeClr val="accent1"/>
+              </a:buClr>
+              <a:buSzPct val="80000"/>
+              <a:buFont typeface="Wingdings 3" charset="2"/>
+              <a:buChar char=""/>
+              <a:defRPr sz="1200" kern="1200">
+                <a:solidFill>
+                  <a:schemeClr val="tx1">
+                    <a:lumMod val="75000"/>
+                    <a:lumOff val="25000"/>
+                  </a:schemeClr>
+                </a:solidFill>
+                <a:latin typeface="+mn-lt"/>
+                <a:ea typeface="+mn-ea"/>
+                <a:cs typeface="+mn-cs"/>
+              </a:defRPr>
+            </a:lvl5pPr>
+            <a:lvl6pPr marL="2514600" indent="-228600" algn="l" defTabSz="457200" rtl="0" eaLnBrk="1" latinLnBrk="0" hangingPunct="1">
+              <a:spcBef>
+                <a:spcPts val="1000"/>
+              </a:spcBef>
+              <a:spcAft>
+                <a:spcPts val="0"/>
+              </a:spcAft>
+              <a:buClr>
+                <a:schemeClr val="accent1"/>
+              </a:buClr>
+              <a:buSzPct val="80000"/>
+              <a:buFont typeface="Wingdings 3" charset="2"/>
+              <a:buChar char=""/>
+              <a:defRPr sz="1200" kern="1200">
+                <a:solidFill>
+                  <a:schemeClr val="tx1">
+                    <a:lumMod val="75000"/>
+                    <a:lumOff val="25000"/>
+                  </a:schemeClr>
+                </a:solidFill>
+                <a:latin typeface="+mn-lt"/>
+                <a:ea typeface="+mn-ea"/>
+                <a:cs typeface="+mn-cs"/>
+              </a:defRPr>
+            </a:lvl6pPr>
+            <a:lvl7pPr marL="2971800" indent="-228600" algn="l" defTabSz="457200" rtl="0" eaLnBrk="1" latinLnBrk="0" hangingPunct="1">
+              <a:spcBef>
+                <a:spcPts val="1000"/>
+              </a:spcBef>
+              <a:spcAft>
+                <a:spcPts val="0"/>
+              </a:spcAft>
+              <a:buClr>
+                <a:schemeClr val="accent1"/>
+              </a:buClr>
+              <a:buSzPct val="80000"/>
+              <a:buFont typeface="Wingdings 3" charset="2"/>
+              <a:buChar char=""/>
+              <a:defRPr sz="1200" kern="1200">
+                <a:solidFill>
+                  <a:schemeClr val="tx1">
+                    <a:lumMod val="75000"/>
+                    <a:lumOff val="25000"/>
+                  </a:schemeClr>
+                </a:solidFill>
+                <a:latin typeface="+mn-lt"/>
+                <a:ea typeface="+mn-ea"/>
+                <a:cs typeface="+mn-cs"/>
+              </a:defRPr>
+            </a:lvl7pPr>
+            <a:lvl8pPr marL="3429000" indent="-228600" algn="l" defTabSz="457200" rtl="0" eaLnBrk="1" latinLnBrk="0" hangingPunct="1">
+              <a:spcBef>
+                <a:spcPts val="1000"/>
+              </a:spcBef>
+              <a:spcAft>
+                <a:spcPts val="0"/>
+              </a:spcAft>
+              <a:buClr>
+                <a:schemeClr val="accent1"/>
+              </a:buClr>
+              <a:buSzPct val="80000"/>
+              <a:buFont typeface="Wingdings 3" charset="2"/>
+              <a:buChar char=""/>
+              <a:defRPr sz="1200" kern="1200">
+                <a:solidFill>
+                  <a:schemeClr val="tx1">
+                    <a:lumMod val="75000"/>
+                    <a:lumOff val="25000"/>
+                  </a:schemeClr>
+                </a:solidFill>
+                <a:latin typeface="+mn-lt"/>
+                <a:ea typeface="+mn-ea"/>
+                <a:cs typeface="+mn-cs"/>
+              </a:defRPr>
+            </a:lvl8pPr>
+            <a:lvl9pPr marL="3886200" indent="-228600" algn="l" defTabSz="457200" rtl="0" eaLnBrk="1" latinLnBrk="0" hangingPunct="1">
+              <a:spcBef>
+                <a:spcPts val="1000"/>
+              </a:spcBef>
+              <a:spcAft>
+                <a:spcPts val="0"/>
+              </a:spcAft>
+              <a:buClr>
+                <a:schemeClr val="accent1"/>
+              </a:buClr>
+              <a:buSzPct val="80000"/>
+              <a:buFont typeface="Wingdings 3" charset="2"/>
+              <a:buChar char=""/>
+              <a:defRPr sz="1200" kern="1200">
+                <a:solidFill>
+                  <a:schemeClr val="tx1">
+                    <a:lumMod val="75000"/>
+                    <a:lumOff val="25000"/>
+                  </a:schemeClr>
+                </a:solidFill>
+                <a:latin typeface="+mn-lt"/>
+                <a:ea typeface="+mn-ea"/>
+                <a:cs typeface="+mn-cs"/>
+              </a:defRPr>
+            </a:lvl9pPr>
+          </a:lstStyle>
+          <a:p>
+            <a:r>
+              <a:rPr lang="en-US" b="1" dirty="0"/>
+              <a:t>Avoidable Hospital Use and Cost</a:t>
+            </a:r>
+          </a:p>
+          <a:p>
+            <a:pPr marL="457200" lvl="1" indent="0">
+              <a:spcBef>
+                <a:spcPts val="0"/>
+              </a:spcBef>
+              <a:buNone/>
+            </a:pPr>
+            <a:r>
+              <a:rPr lang="en-US" dirty="0"/>
+              <a:t>admissions for ambulatory care–sensitive conditions</a:t>
+            </a:r>
+          </a:p>
+          <a:p>
+            <a:pPr marL="457200" lvl="1" indent="0">
+              <a:spcBef>
+                <a:spcPts val="0"/>
+              </a:spcBef>
+              <a:buNone/>
+            </a:pPr>
+            <a:r>
+              <a:rPr lang="en-US" dirty="0"/>
+              <a:t>30-day hospital readmissions</a:t>
+            </a:r>
+          </a:p>
+          <a:p>
+            <a:pPr marL="457200" lvl="1" indent="0">
+              <a:spcBef>
+                <a:spcPts val="0"/>
+              </a:spcBef>
+              <a:buNone/>
+            </a:pPr>
+            <a:r>
+              <a:rPr lang="en-US" dirty="0"/>
+              <a:t>30-day hospital readmissions</a:t>
+            </a:r>
+          </a:p>
+          <a:p>
+            <a:pPr marL="457200" lvl="1" indent="0">
+              <a:buFont typeface="Wingdings 3" charset="2"/>
+              <a:buNone/>
+            </a:pPr>
+            <a:endParaRPr lang="en-US" b="1" dirty="0"/>
+          </a:p>
+          <a:p>
+            <a:endParaRPr lang="en-US" dirty="0">
+              <a:latin typeface="Calibri" panose="020F0502020204030204" pitchFamily="34" charset="0"/>
+              <a:cs typeface="Calibri" panose="020F0502020204030204" pitchFamily="34" charset="0"/>
+            </a:endParaRPr>
+          </a:p>
+          <a:p>
+            <a:pPr marL="0" indent="0">
+              <a:buFont typeface="Wingdings 3" charset="2"/>
+              <a:buNone/>
+            </a:pPr>
+            <a:endParaRPr lang="en-US" dirty="0">
+              <a:latin typeface="Calibri" panose="020F0502020204030204" pitchFamily="34" charset="0"/>
+              <a:cs typeface="Calibri" panose="020F0502020204030204" pitchFamily="34" charset="0"/>
+            </a:endParaRPr>
           </a:p>
         </p:txBody>
       </p:sp>
     </p:spTree>
     <p:extLst>
       <p:ext uri="{BB962C8B-B14F-4D97-AF65-F5344CB8AC3E}">
-        <p14:creationId xmlns:p14="http://schemas.microsoft.com/office/powerpoint/2010/main" val="4120186997"/>
+        <p14:creationId xmlns:p14="http://schemas.microsoft.com/office/powerpoint/2010/main" val="1403823028"/>
       </p:ext>
     </p:extLst>
   </p:cSld>
@@ -6243,7 +7309,4219 @@
 </p:sld>
 </file>
 
-<file path=ppt/slides/slide12.xml><?xml version="1.0" encoding="utf-8"?>
+<file path=ppt/slides/slide13.xml><?xml version="1.0" encoding="utf-8"?>
+<p:sld xmlns:a="http://schemas.openxmlformats.org/drawingml/2006/main" xmlns:r="http://schemas.openxmlformats.org/officeDocument/2006/relationships" xmlns:p="http://schemas.openxmlformats.org/presentationml/2006/main">
+  <p:cSld>
+    <p:spTree>
+      <p:nvGrpSpPr>
+        <p:cNvPr id="1" name=""/>
+        <p:cNvGrpSpPr/>
+        <p:nvPr/>
+      </p:nvGrpSpPr>
+      <p:grpSpPr>
+        <a:xfrm>
+          <a:off x="0" y="0"/>
+          <a:ext cx="0" cy="0"/>
+          <a:chOff x="0" y="0"/>
+          <a:chExt cx="0" cy="0"/>
+        </a:xfrm>
+      </p:grpSpPr>
+      <p:sp>
+        <p:nvSpPr>
+          <p:cNvPr id="2" name="Title 1">
+            <a:extLst>
+              <a:ext uri="{FF2B5EF4-FFF2-40B4-BE49-F238E27FC236}">
+                <a16:creationId xmlns:a16="http://schemas.microsoft.com/office/drawing/2014/main" id="{455E15F1-4C8E-4060-A3D7-6D5C3FA63DA5}"/>
+              </a:ext>
+            </a:extLst>
+          </p:cNvPr>
+          <p:cNvSpPr>
+            <a:spLocks noGrp="1"/>
+          </p:cNvSpPr>
+          <p:nvPr>
+            <p:ph type="title"/>
+          </p:nvPr>
+        </p:nvSpPr>
+        <p:spPr>
+          <a:xfrm>
+            <a:off x="3270204" y="222524"/>
+            <a:ext cx="6095606" cy="670611"/>
+          </a:xfrm>
+        </p:spPr>
+        <p:txBody>
+          <a:bodyPr>
+            <a:normAutofit fontScale="90000"/>
+          </a:bodyPr>
+          <a:lstStyle/>
+          <a:p>
+            <a:r>
+              <a:rPr lang="en-US" dirty="0">
+                <a:solidFill>
+                  <a:schemeClr val="accent2"/>
+                </a:solidFill>
+              </a:rPr>
+              <a:t>Health System Performance</a:t>
+            </a:r>
+            <a:br>
+              <a:rPr lang="en-US" dirty="0">
+                <a:solidFill>
+                  <a:schemeClr val="accent2"/>
+                </a:solidFill>
+              </a:rPr>
+            </a:br>
+            <a:endParaRPr lang="en-US" dirty="0">
+              <a:solidFill>
+                <a:schemeClr val="accent2"/>
+              </a:solidFill>
+              <a:latin typeface="Calibri" panose="020F0502020204030204" pitchFamily="34" charset="0"/>
+              <a:cs typeface="Calibri" panose="020F0502020204030204" pitchFamily="34" charset="0"/>
+            </a:endParaRPr>
+          </a:p>
+        </p:txBody>
+      </p:sp>
+      <p:pic>
+        <p:nvPicPr>
+          <p:cNvPr id="6" name="Picture 5">
+            <a:extLst>
+              <a:ext uri="{FF2B5EF4-FFF2-40B4-BE49-F238E27FC236}">
+                <a16:creationId xmlns:a16="http://schemas.microsoft.com/office/drawing/2014/main" id="{843FB053-ADBB-4DC3-A4E4-20093E0819CD}"/>
+              </a:ext>
+            </a:extLst>
+          </p:cNvPr>
+          <p:cNvPicPr>
+            <a:picLocks noChangeAspect="1"/>
+          </p:cNvPicPr>
+          <p:nvPr/>
+        </p:nvPicPr>
+        <p:blipFill>
+          <a:blip r:embed="rId2"/>
+          <a:stretch>
+            <a:fillRect/>
+          </a:stretch>
+        </p:blipFill>
+        <p:spPr>
+          <a:xfrm>
+            <a:off x="5851654" y="893135"/>
+            <a:ext cx="5840474" cy="4359018"/>
+          </a:xfrm>
+          <a:prstGeom prst="rect">
+            <a:avLst/>
+          </a:prstGeom>
+        </p:spPr>
+      </p:pic>
+      <p:pic>
+        <p:nvPicPr>
+          <p:cNvPr id="7" name="Picture 6">
+            <a:extLst>
+              <a:ext uri="{FF2B5EF4-FFF2-40B4-BE49-F238E27FC236}">
+                <a16:creationId xmlns:a16="http://schemas.microsoft.com/office/drawing/2014/main" id="{291C6CC5-F547-447B-9E33-96C35F34E82E}"/>
+              </a:ext>
+            </a:extLst>
+          </p:cNvPr>
+          <p:cNvPicPr>
+            <a:picLocks noChangeAspect="1"/>
+          </p:cNvPicPr>
+          <p:nvPr/>
+        </p:nvPicPr>
+        <p:blipFill>
+          <a:blip r:embed="rId3"/>
+          <a:stretch>
+            <a:fillRect/>
+          </a:stretch>
+        </p:blipFill>
+        <p:spPr>
+          <a:xfrm>
+            <a:off x="499872" y="1071642"/>
+            <a:ext cx="5267435" cy="4002004"/>
+          </a:xfrm>
+          <a:prstGeom prst="rect">
+            <a:avLst/>
+          </a:prstGeom>
+        </p:spPr>
+      </p:pic>
+    </p:spTree>
+    <p:extLst>
+      <p:ext uri="{BB962C8B-B14F-4D97-AF65-F5344CB8AC3E}">
+        <p14:creationId xmlns:p14="http://schemas.microsoft.com/office/powerpoint/2010/main" val="440680151"/>
+      </p:ext>
+    </p:extLst>
+  </p:cSld>
+  <p:clrMapOvr>
+    <a:masterClrMapping/>
+  </p:clrMapOvr>
+</p:sld>
+</file>
+
+<file path=ppt/slides/slide14.xml><?xml version="1.0" encoding="utf-8"?>
+<p:sld xmlns:a="http://schemas.openxmlformats.org/drawingml/2006/main" xmlns:r="http://schemas.openxmlformats.org/officeDocument/2006/relationships" xmlns:p="http://schemas.openxmlformats.org/presentationml/2006/main">
+  <p:cSld>
+    <p:spTree>
+      <p:nvGrpSpPr>
+        <p:cNvPr id="1" name=""/>
+        <p:cNvGrpSpPr/>
+        <p:nvPr/>
+      </p:nvGrpSpPr>
+      <p:grpSpPr>
+        <a:xfrm>
+          <a:off x="0" y="0"/>
+          <a:ext cx="0" cy="0"/>
+          <a:chOff x="0" y="0"/>
+          <a:chExt cx="0" cy="0"/>
+        </a:xfrm>
+      </p:grpSpPr>
+      <p:sp>
+        <p:nvSpPr>
+          <p:cNvPr id="2" name="Title 1">
+            <a:extLst>
+              <a:ext uri="{FF2B5EF4-FFF2-40B4-BE49-F238E27FC236}">
+                <a16:creationId xmlns:a16="http://schemas.microsoft.com/office/drawing/2014/main" id="{BC92672D-732A-4354-95BD-91A90966E622}"/>
+              </a:ext>
+            </a:extLst>
+          </p:cNvPr>
+          <p:cNvSpPr>
+            <a:spLocks noGrp="1"/>
+          </p:cNvSpPr>
+          <p:nvPr>
+            <p:ph type="title"/>
+          </p:nvPr>
+        </p:nvSpPr>
+        <p:spPr>
+          <a:xfrm>
+            <a:off x="4632960" y="409708"/>
+            <a:ext cx="2248362" cy="613144"/>
+          </a:xfrm>
+        </p:spPr>
+        <p:txBody>
+          <a:bodyPr>
+            <a:normAutofit fontScale="90000"/>
+          </a:bodyPr>
+          <a:lstStyle/>
+          <a:p>
+            <a:r>
+              <a:rPr lang="en-US" dirty="0">
+                <a:latin typeface="Calibri" panose="020F0502020204030204" pitchFamily="34" charset="0"/>
+                <a:cs typeface="Calibri" panose="020F0502020204030204" pitchFamily="34" charset="0"/>
+              </a:rPr>
+              <a:t>Conclusion</a:t>
+            </a:r>
+          </a:p>
+        </p:txBody>
+      </p:sp>
+      <p:sp>
+        <p:nvSpPr>
+          <p:cNvPr id="3" name="Content Placeholder 2">
+            <a:extLst>
+              <a:ext uri="{FF2B5EF4-FFF2-40B4-BE49-F238E27FC236}">
+                <a16:creationId xmlns:a16="http://schemas.microsoft.com/office/drawing/2014/main" id="{F134CAE0-BFFA-473A-85E0-1327451806C9}"/>
+              </a:ext>
+            </a:extLst>
+          </p:cNvPr>
+          <p:cNvSpPr>
+            <a:spLocks noGrp="1"/>
+          </p:cNvSpPr>
+          <p:nvPr>
+            <p:ph idx="1"/>
+          </p:nvPr>
+        </p:nvSpPr>
+        <p:spPr>
+          <a:xfrm>
+            <a:off x="677334" y="1222744"/>
+            <a:ext cx="10463106" cy="4918976"/>
+          </a:xfrm>
+        </p:spPr>
+        <p:txBody>
+          <a:bodyPr>
+            <a:normAutofit fontScale="77500" lnSpcReduction="20000"/>
+          </a:bodyPr>
+          <a:lstStyle/>
+          <a:p>
+            <a:r>
+              <a:rPr lang="en-US" sz="3300" dirty="0">
+                <a:latin typeface="Calibri" panose="020F0502020204030204" pitchFamily="34" charset="0"/>
+                <a:cs typeface="Calibri" panose="020F0502020204030204" pitchFamily="34" charset="0"/>
+              </a:rPr>
+              <a:t>Based on the data, Medicare is directly related to the income.</a:t>
+            </a:r>
+          </a:p>
+          <a:p>
+            <a:r>
+              <a:rPr lang="en-US" sz="3300" dirty="0">
+                <a:latin typeface="Calibri" panose="020F0502020204030204" pitchFamily="34" charset="0"/>
+                <a:cs typeface="Calibri" panose="020F0502020204030204" pitchFamily="34" charset="0"/>
+              </a:rPr>
+              <a:t>CMS.gov files are difficult to work with</a:t>
+            </a:r>
+          </a:p>
+          <a:p>
+            <a:r>
+              <a:rPr lang="en-US" sz="3300" dirty="0">
+                <a:latin typeface="Calibri" panose="020F0502020204030204" pitchFamily="34" charset="0"/>
+                <a:cs typeface="Calibri" panose="020F0502020204030204" pitchFamily="34" charset="0"/>
+              </a:rPr>
+              <a:t>There is a correlation between data recorded and Medicare money spent</a:t>
+            </a:r>
+          </a:p>
+          <a:p>
+            <a:r>
+              <a:rPr lang="en-US" sz="3300" dirty="0">
+                <a:latin typeface="Calibri" panose="020F0502020204030204" pitchFamily="34" charset="0"/>
+                <a:cs typeface="Calibri" panose="020F0502020204030204" pitchFamily="34" charset="0"/>
+              </a:rPr>
+              <a:t>Medicare outcome differ by county </a:t>
+            </a:r>
+          </a:p>
+          <a:p>
+            <a:pPr marL="457200" lvl="1" indent="0">
+              <a:buNone/>
+            </a:pPr>
+            <a:r>
+              <a:rPr lang="en-US" sz="3300" dirty="0">
+                <a:latin typeface="Calibri" panose="020F0502020204030204" pitchFamily="34" charset="0"/>
+                <a:cs typeface="Calibri" panose="020F0502020204030204" pitchFamily="34" charset="0"/>
+              </a:rPr>
+              <a:t>Readmission rate different among 6 counties</a:t>
+            </a:r>
+          </a:p>
+          <a:p>
+            <a:pPr marL="457200" lvl="1" indent="0">
+              <a:buNone/>
+            </a:pPr>
+            <a:r>
+              <a:rPr lang="en-US" sz="3300" dirty="0">
+                <a:latin typeface="Calibri" panose="020F0502020204030204" pitchFamily="34" charset="0"/>
+                <a:cs typeface="Calibri" panose="020F0502020204030204" pitchFamily="34" charset="0"/>
+              </a:rPr>
+              <a:t>Compilations and Deaths were differ among 6 counties</a:t>
+            </a:r>
+          </a:p>
+          <a:p>
+            <a:pPr marL="457200" lvl="1" indent="0">
+              <a:buNone/>
+            </a:pPr>
+            <a:r>
+              <a:rPr lang="en-US" sz="3300" dirty="0">
+                <a:latin typeface="Calibri" panose="020F0502020204030204" pitchFamily="34" charset="0"/>
+                <a:cs typeface="Calibri" panose="020F0502020204030204" pitchFamily="34" charset="0"/>
+              </a:rPr>
+              <a:t>Unexpected hospitable visit also differ among the 6 counties</a:t>
+            </a:r>
+          </a:p>
+          <a:p>
+            <a:pPr marL="457200" lvl="1" indent="0">
+              <a:buNone/>
+            </a:pPr>
+            <a:r>
+              <a:rPr lang="en-US" sz="3300" dirty="0">
+                <a:latin typeface="Calibri" panose="020F0502020204030204" pitchFamily="34" charset="0"/>
+                <a:cs typeface="Calibri" panose="020F0502020204030204" pitchFamily="34" charset="0"/>
+              </a:rPr>
+              <a:t>Medicare spending per </a:t>
+            </a:r>
+            <a:r>
+              <a:rPr lang="en-US" sz="3600" dirty="0">
+                <a:latin typeface="Calibri" panose="020F0502020204030204" pitchFamily="34" charset="0"/>
+                <a:cs typeface="Calibri" panose="020F0502020204030204" pitchFamily="34" charset="0"/>
+              </a:rPr>
+              <a:t>patient</a:t>
+            </a:r>
+            <a:r>
+              <a:rPr lang="en-US" sz="3300" dirty="0">
+                <a:latin typeface="Calibri" panose="020F0502020204030204" pitchFamily="34" charset="0"/>
+                <a:cs typeface="Calibri" panose="020F0502020204030204" pitchFamily="34" charset="0"/>
+              </a:rPr>
+              <a:t> per p</a:t>
+            </a:r>
+            <a:r>
+              <a:rPr lang="en-US" sz="3600" dirty="0">
+                <a:latin typeface="Calibri" panose="020F0502020204030204" pitchFamily="34" charset="0"/>
+                <a:cs typeface="Calibri" panose="020F0502020204030204" pitchFamily="34" charset="0"/>
+              </a:rPr>
+              <a:t>atient</a:t>
+            </a:r>
+            <a:endParaRPr lang="en-US" sz="3300" dirty="0">
+              <a:latin typeface="Calibri" panose="020F0502020204030204" pitchFamily="34" charset="0"/>
+              <a:cs typeface="Calibri" panose="020F0502020204030204" pitchFamily="34" charset="0"/>
+            </a:endParaRPr>
+          </a:p>
+          <a:p>
+            <a:pPr lvl="1"/>
+            <a:endParaRPr lang="en-US" dirty="0">
+              <a:latin typeface="Calibri" panose="020F0502020204030204" pitchFamily="34" charset="0"/>
+              <a:cs typeface="Calibri" panose="020F0502020204030204" pitchFamily="34" charset="0"/>
+            </a:endParaRPr>
+          </a:p>
+          <a:p>
+            <a:pPr lvl="1"/>
+            <a:endParaRPr lang="en-US" dirty="0">
+              <a:latin typeface="Calibri" panose="020F0502020204030204" pitchFamily="34" charset="0"/>
+              <a:cs typeface="Calibri" panose="020F0502020204030204" pitchFamily="34" charset="0"/>
+            </a:endParaRPr>
+          </a:p>
+          <a:p>
+            <a:pPr lvl="1"/>
+            <a:endParaRPr lang="en-US" dirty="0">
+              <a:latin typeface="Calibri" panose="020F0502020204030204" pitchFamily="34" charset="0"/>
+              <a:cs typeface="Calibri" panose="020F0502020204030204" pitchFamily="34" charset="0"/>
+            </a:endParaRPr>
+          </a:p>
+          <a:p>
+            <a:pPr marL="0" indent="0">
+              <a:buNone/>
+            </a:pPr>
+            <a:r>
+              <a:rPr lang="en-US" dirty="0">
+                <a:latin typeface="Calibri" panose="020F0502020204030204" pitchFamily="34" charset="0"/>
+                <a:cs typeface="Calibri" panose="020F0502020204030204" pitchFamily="34" charset="0"/>
+              </a:rPr>
+              <a:t>  </a:t>
+            </a:r>
+          </a:p>
+          <a:p>
+            <a:endParaRPr lang="en-US" dirty="0"/>
+          </a:p>
+        </p:txBody>
+      </p:sp>
+    </p:spTree>
+    <p:extLst>
+      <p:ext uri="{BB962C8B-B14F-4D97-AF65-F5344CB8AC3E}">
+        <p14:creationId xmlns:p14="http://schemas.microsoft.com/office/powerpoint/2010/main" val="1415604396"/>
+      </p:ext>
+    </p:extLst>
+  </p:cSld>
+  <p:clrMapOvr>
+    <a:masterClrMapping/>
+  </p:clrMapOvr>
+</p:sld>
+</file>
+
+<file path=ppt/slides/slide2.xml><?xml version="1.0" encoding="utf-8"?>
+<p:sld xmlns:a="http://schemas.openxmlformats.org/drawingml/2006/main" xmlns:r="http://schemas.openxmlformats.org/officeDocument/2006/relationships" xmlns:p="http://schemas.openxmlformats.org/presentationml/2006/main">
+  <p:cSld>
+    <p:spTree>
+      <p:nvGrpSpPr>
+        <p:cNvPr id="1" name=""/>
+        <p:cNvGrpSpPr/>
+        <p:nvPr/>
+      </p:nvGrpSpPr>
+      <p:grpSpPr>
+        <a:xfrm>
+          <a:off x="0" y="0"/>
+          <a:ext cx="0" cy="0"/>
+          <a:chOff x="0" y="0"/>
+          <a:chExt cx="0" cy="0"/>
+        </a:xfrm>
+      </p:grpSpPr>
+      <p:sp>
+        <p:nvSpPr>
+          <p:cNvPr id="2" name="Title 1">
+            <a:extLst>
+              <a:ext uri="{FF2B5EF4-FFF2-40B4-BE49-F238E27FC236}">
+                <a16:creationId xmlns:a16="http://schemas.microsoft.com/office/drawing/2014/main" id="{5895323D-71FD-46DC-8C91-6594EDFBDF25}"/>
+              </a:ext>
+            </a:extLst>
+          </p:cNvPr>
+          <p:cNvSpPr>
+            <a:spLocks noGrp="1"/>
+          </p:cNvSpPr>
+          <p:nvPr>
+            <p:ph type="title"/>
+          </p:nvPr>
+        </p:nvSpPr>
+        <p:spPr>
+          <a:xfrm>
+            <a:off x="2000422" y="45298"/>
+            <a:ext cx="6245126" cy="660400"/>
+          </a:xfrm>
+        </p:spPr>
+        <p:txBody>
+          <a:bodyPr>
+            <a:normAutofit fontScale="90000"/>
+          </a:bodyPr>
+          <a:lstStyle/>
+          <a:p>
+            <a:pPr algn="ctr"/>
+            <a:r>
+              <a:rPr lang="en-US" dirty="0">
+                <a:latin typeface="Calibri" panose="020F0502020204030204" pitchFamily="34" charset="0"/>
+                <a:cs typeface="Calibri" panose="020F0502020204030204" pitchFamily="34" charset="0"/>
+              </a:rPr>
+              <a:t>Medicare Outcomes by County</a:t>
+            </a:r>
+            <a:br>
+              <a:rPr lang="en-US" dirty="0">
+                <a:latin typeface="Calibri" panose="020F0502020204030204" pitchFamily="34" charset="0"/>
+                <a:cs typeface="Calibri" panose="020F0502020204030204" pitchFamily="34" charset="0"/>
+              </a:rPr>
+            </a:br>
+            <a:endParaRPr lang="en-US" dirty="0">
+              <a:latin typeface="Calibri" panose="020F0502020204030204" pitchFamily="34" charset="0"/>
+              <a:cs typeface="Calibri" panose="020F0502020204030204" pitchFamily="34" charset="0"/>
+            </a:endParaRPr>
+          </a:p>
+        </p:txBody>
+      </p:sp>
+      <p:sp>
+        <p:nvSpPr>
+          <p:cNvPr id="3" name="Content Placeholder 2">
+            <a:extLst>
+              <a:ext uri="{FF2B5EF4-FFF2-40B4-BE49-F238E27FC236}">
+                <a16:creationId xmlns:a16="http://schemas.microsoft.com/office/drawing/2014/main" id="{100A28AF-450D-48DA-B73C-B17225192AF4}"/>
+              </a:ext>
+            </a:extLst>
+          </p:cNvPr>
+          <p:cNvSpPr>
+            <a:spLocks noGrp="1"/>
+          </p:cNvSpPr>
+          <p:nvPr>
+            <p:ph idx="1"/>
+          </p:nvPr>
+        </p:nvSpPr>
+        <p:spPr>
+          <a:xfrm>
+            <a:off x="6964325" y="1775530"/>
+            <a:ext cx="2562447" cy="474399"/>
+          </a:xfrm>
+        </p:spPr>
+        <p:txBody>
+          <a:bodyPr>
+            <a:normAutofit/>
+          </a:bodyPr>
+          <a:lstStyle/>
+          <a:p>
+            <a:pPr marL="0" indent="0">
+              <a:buNone/>
+            </a:pPr>
+            <a:r>
+              <a:rPr lang="en-US" sz="2400" b="1" dirty="0">
+                <a:latin typeface="Calibri" panose="020F0502020204030204" pitchFamily="34" charset="0"/>
+                <a:cs typeface="Calibri" panose="020F0502020204030204" pitchFamily="34" charset="0"/>
+              </a:rPr>
+              <a:t>Areas to compare:</a:t>
+            </a:r>
+            <a:endParaRPr lang="en-US" sz="2400" dirty="0">
+              <a:latin typeface="Calibri" panose="020F0502020204030204" pitchFamily="34" charset="0"/>
+              <a:cs typeface="Calibri" panose="020F0502020204030204" pitchFamily="34" charset="0"/>
+            </a:endParaRPr>
+          </a:p>
+          <a:p>
+            <a:pPr marL="0" indent="0">
+              <a:buNone/>
+            </a:pPr>
+            <a:endParaRPr lang="en-US" sz="2900" dirty="0"/>
+          </a:p>
+          <a:p>
+            <a:pPr marL="0" indent="0">
+              <a:buNone/>
+            </a:pPr>
+            <a:endParaRPr lang="en-US" dirty="0"/>
+          </a:p>
+          <a:p>
+            <a:pPr marL="0" indent="0">
+              <a:buNone/>
+            </a:pPr>
+            <a:endParaRPr lang="en-US" dirty="0"/>
+          </a:p>
+          <a:p>
+            <a:pPr marL="0" indent="0">
+              <a:buNone/>
+            </a:pPr>
+            <a:endParaRPr lang="en-US" dirty="0"/>
+          </a:p>
+          <a:p>
+            <a:endParaRPr lang="en-US" dirty="0"/>
+          </a:p>
+        </p:txBody>
+      </p:sp>
+      <p:sp>
+        <p:nvSpPr>
+          <p:cNvPr id="5" name="TextBox 4">
+            <a:extLst>
+              <a:ext uri="{FF2B5EF4-FFF2-40B4-BE49-F238E27FC236}">
+                <a16:creationId xmlns:a16="http://schemas.microsoft.com/office/drawing/2014/main" id="{E9CE7AA7-B064-44A3-A476-387D9DA69026}"/>
+              </a:ext>
+            </a:extLst>
+          </p:cNvPr>
+          <p:cNvSpPr txBox="1"/>
+          <p:nvPr/>
+        </p:nvSpPr>
+        <p:spPr>
+          <a:xfrm>
+            <a:off x="2557129" y="680740"/>
+            <a:ext cx="6245126" cy="1015663"/>
+          </a:xfrm>
+          <a:prstGeom prst="rect">
+            <a:avLst/>
+          </a:prstGeom>
+          <a:noFill/>
+        </p:spPr>
+        <p:txBody>
+          <a:bodyPr wrap="square" rtlCol="0">
+            <a:spAutoFit/>
+          </a:bodyPr>
+          <a:lstStyle/>
+          <a:p>
+            <a:pPr algn="ctr"/>
+            <a:r>
+              <a:rPr lang="en-US" sz="2400" b="1" dirty="0">
+                <a:latin typeface="Calibri" panose="020F0502020204030204" pitchFamily="34" charset="0"/>
+                <a:cs typeface="Calibri" panose="020F0502020204030204" pitchFamily="34" charset="0"/>
+              </a:rPr>
+              <a:t>Initial Hypothesis:</a:t>
+            </a:r>
+          </a:p>
+          <a:p>
+            <a:pPr algn="ctr"/>
+            <a:r>
+              <a:rPr lang="en-US" dirty="0">
+                <a:latin typeface="Calibri" panose="020F0502020204030204" pitchFamily="34" charset="0"/>
+                <a:cs typeface="Calibri" panose="020F0502020204030204" pitchFamily="34" charset="0"/>
+              </a:rPr>
+              <a:t>“Medicare spending will be equally and fairly</a:t>
+            </a:r>
+          </a:p>
+          <a:p>
+            <a:pPr algn="ctr"/>
+            <a:r>
+              <a:rPr lang="en-US" dirty="0">
+                <a:latin typeface="Calibri" panose="020F0502020204030204" pitchFamily="34" charset="0"/>
+                <a:cs typeface="Calibri" panose="020F0502020204030204" pitchFamily="34" charset="0"/>
+              </a:rPr>
+              <a:t>applied so patients receive consistent, high quality, health care.”</a:t>
+            </a:r>
+          </a:p>
+        </p:txBody>
+      </p:sp>
+      <p:sp>
+        <p:nvSpPr>
+          <p:cNvPr id="6" name="Content Placeholder 2">
+            <a:extLst>
+              <a:ext uri="{FF2B5EF4-FFF2-40B4-BE49-F238E27FC236}">
+                <a16:creationId xmlns:a16="http://schemas.microsoft.com/office/drawing/2014/main" id="{CACE7142-5C3C-446F-A58C-112F78A33FE4}"/>
+              </a:ext>
+            </a:extLst>
+          </p:cNvPr>
+          <p:cNvSpPr txBox="1">
+            <a:spLocks/>
+          </p:cNvSpPr>
+          <p:nvPr/>
+        </p:nvSpPr>
+        <p:spPr>
+          <a:xfrm>
+            <a:off x="6429619" y="2255915"/>
+            <a:ext cx="4745271" cy="4759787"/>
+          </a:xfrm>
+          <a:prstGeom prst="rect">
+            <a:avLst/>
+          </a:prstGeom>
+        </p:spPr>
+        <p:txBody>
+          <a:bodyPr vert="horz" lIns="91440" tIns="45720" rIns="91440" bIns="45720" rtlCol="0">
+            <a:normAutofit/>
+          </a:bodyPr>
+          <a:lstStyle>
+            <a:lvl1pPr marL="342900" indent="-342900" algn="l" defTabSz="457200" rtl="0" eaLnBrk="1" latinLnBrk="0" hangingPunct="1">
+              <a:spcBef>
+                <a:spcPts val="1000"/>
+              </a:spcBef>
+              <a:spcAft>
+                <a:spcPts val="0"/>
+              </a:spcAft>
+              <a:buClr>
+                <a:schemeClr val="accent1"/>
+              </a:buClr>
+              <a:buSzPct val="80000"/>
+              <a:buFont typeface="Wingdings 3" charset="2"/>
+              <a:buChar char=""/>
+              <a:defRPr sz="1800" kern="1200">
+                <a:solidFill>
+                  <a:schemeClr val="tx1">
+                    <a:lumMod val="75000"/>
+                    <a:lumOff val="25000"/>
+                  </a:schemeClr>
+                </a:solidFill>
+                <a:latin typeface="+mn-lt"/>
+                <a:ea typeface="+mn-ea"/>
+                <a:cs typeface="+mn-cs"/>
+              </a:defRPr>
+            </a:lvl1pPr>
+            <a:lvl2pPr marL="742950" indent="-285750" algn="l" defTabSz="457200" rtl="0" eaLnBrk="1" latinLnBrk="0" hangingPunct="1">
+              <a:spcBef>
+                <a:spcPts val="1000"/>
+              </a:spcBef>
+              <a:spcAft>
+                <a:spcPts val="0"/>
+              </a:spcAft>
+              <a:buClr>
+                <a:schemeClr val="accent1"/>
+              </a:buClr>
+              <a:buSzPct val="80000"/>
+              <a:buFont typeface="Wingdings 3" charset="2"/>
+              <a:buChar char=""/>
+              <a:defRPr sz="1600" kern="1200">
+                <a:solidFill>
+                  <a:schemeClr val="tx1">
+                    <a:lumMod val="75000"/>
+                    <a:lumOff val="25000"/>
+                  </a:schemeClr>
+                </a:solidFill>
+                <a:latin typeface="+mn-lt"/>
+                <a:ea typeface="+mn-ea"/>
+                <a:cs typeface="+mn-cs"/>
+              </a:defRPr>
+            </a:lvl2pPr>
+            <a:lvl3pPr marL="1143000" indent="-228600" algn="l" defTabSz="457200" rtl="0" eaLnBrk="1" latinLnBrk="0" hangingPunct="1">
+              <a:spcBef>
+                <a:spcPts val="1000"/>
+              </a:spcBef>
+              <a:spcAft>
+                <a:spcPts val="0"/>
+              </a:spcAft>
+              <a:buClr>
+                <a:schemeClr val="accent1"/>
+              </a:buClr>
+              <a:buSzPct val="80000"/>
+              <a:buFont typeface="Wingdings 3" charset="2"/>
+              <a:buChar char=""/>
+              <a:defRPr sz="1400" kern="1200">
+                <a:solidFill>
+                  <a:schemeClr val="tx1">
+                    <a:lumMod val="75000"/>
+                    <a:lumOff val="25000"/>
+                  </a:schemeClr>
+                </a:solidFill>
+                <a:latin typeface="+mn-lt"/>
+                <a:ea typeface="+mn-ea"/>
+                <a:cs typeface="+mn-cs"/>
+              </a:defRPr>
+            </a:lvl3pPr>
+            <a:lvl4pPr marL="1600200" indent="-228600" algn="l" defTabSz="457200" rtl="0" eaLnBrk="1" latinLnBrk="0" hangingPunct="1">
+              <a:spcBef>
+                <a:spcPts val="1000"/>
+              </a:spcBef>
+              <a:spcAft>
+                <a:spcPts val="0"/>
+              </a:spcAft>
+              <a:buClr>
+                <a:schemeClr val="accent1"/>
+              </a:buClr>
+              <a:buSzPct val="80000"/>
+              <a:buFont typeface="Wingdings 3" charset="2"/>
+              <a:buChar char=""/>
+              <a:defRPr sz="1200" kern="1200">
+                <a:solidFill>
+                  <a:schemeClr val="tx1">
+                    <a:lumMod val="75000"/>
+                    <a:lumOff val="25000"/>
+                  </a:schemeClr>
+                </a:solidFill>
+                <a:latin typeface="+mn-lt"/>
+                <a:ea typeface="+mn-ea"/>
+                <a:cs typeface="+mn-cs"/>
+              </a:defRPr>
+            </a:lvl4pPr>
+            <a:lvl5pPr marL="2057400" indent="-228600" algn="l" defTabSz="457200" rtl="0" eaLnBrk="1" latinLnBrk="0" hangingPunct="1">
+              <a:spcBef>
+                <a:spcPts val="1000"/>
+              </a:spcBef>
+              <a:spcAft>
+                <a:spcPts val="0"/>
+              </a:spcAft>
+              <a:buClr>
+                <a:schemeClr val="accent1"/>
+              </a:buClr>
+              <a:buSzPct val="80000"/>
+              <a:buFont typeface="Wingdings 3" charset="2"/>
+              <a:buChar char=""/>
+              <a:defRPr sz="1200" kern="1200">
+                <a:solidFill>
+                  <a:schemeClr val="tx1">
+                    <a:lumMod val="75000"/>
+                    <a:lumOff val="25000"/>
+                  </a:schemeClr>
+                </a:solidFill>
+                <a:latin typeface="+mn-lt"/>
+                <a:ea typeface="+mn-ea"/>
+                <a:cs typeface="+mn-cs"/>
+              </a:defRPr>
+            </a:lvl5pPr>
+            <a:lvl6pPr marL="2514600" indent="-228600" algn="l" defTabSz="457200" rtl="0" eaLnBrk="1" latinLnBrk="0" hangingPunct="1">
+              <a:spcBef>
+                <a:spcPts val="1000"/>
+              </a:spcBef>
+              <a:spcAft>
+                <a:spcPts val="0"/>
+              </a:spcAft>
+              <a:buClr>
+                <a:schemeClr val="accent1"/>
+              </a:buClr>
+              <a:buSzPct val="80000"/>
+              <a:buFont typeface="Wingdings 3" charset="2"/>
+              <a:buChar char=""/>
+              <a:defRPr sz="1200" kern="1200">
+                <a:solidFill>
+                  <a:schemeClr val="tx1">
+                    <a:lumMod val="75000"/>
+                    <a:lumOff val="25000"/>
+                  </a:schemeClr>
+                </a:solidFill>
+                <a:latin typeface="+mn-lt"/>
+                <a:ea typeface="+mn-ea"/>
+                <a:cs typeface="+mn-cs"/>
+              </a:defRPr>
+            </a:lvl6pPr>
+            <a:lvl7pPr marL="2971800" indent="-228600" algn="l" defTabSz="457200" rtl="0" eaLnBrk="1" latinLnBrk="0" hangingPunct="1">
+              <a:spcBef>
+                <a:spcPts val="1000"/>
+              </a:spcBef>
+              <a:spcAft>
+                <a:spcPts val="0"/>
+              </a:spcAft>
+              <a:buClr>
+                <a:schemeClr val="accent1"/>
+              </a:buClr>
+              <a:buSzPct val="80000"/>
+              <a:buFont typeface="Wingdings 3" charset="2"/>
+              <a:buChar char=""/>
+              <a:defRPr sz="1200" kern="1200">
+                <a:solidFill>
+                  <a:schemeClr val="tx1">
+                    <a:lumMod val="75000"/>
+                    <a:lumOff val="25000"/>
+                  </a:schemeClr>
+                </a:solidFill>
+                <a:latin typeface="+mn-lt"/>
+                <a:ea typeface="+mn-ea"/>
+                <a:cs typeface="+mn-cs"/>
+              </a:defRPr>
+            </a:lvl7pPr>
+            <a:lvl8pPr marL="3429000" indent="-228600" algn="l" defTabSz="457200" rtl="0" eaLnBrk="1" latinLnBrk="0" hangingPunct="1">
+              <a:spcBef>
+                <a:spcPts val="1000"/>
+              </a:spcBef>
+              <a:spcAft>
+                <a:spcPts val="0"/>
+              </a:spcAft>
+              <a:buClr>
+                <a:schemeClr val="accent1"/>
+              </a:buClr>
+              <a:buSzPct val="80000"/>
+              <a:buFont typeface="Wingdings 3" charset="2"/>
+              <a:buChar char=""/>
+              <a:defRPr sz="1200" kern="1200">
+                <a:solidFill>
+                  <a:schemeClr val="tx1">
+                    <a:lumMod val="75000"/>
+                    <a:lumOff val="25000"/>
+                  </a:schemeClr>
+                </a:solidFill>
+                <a:latin typeface="+mn-lt"/>
+                <a:ea typeface="+mn-ea"/>
+                <a:cs typeface="+mn-cs"/>
+              </a:defRPr>
+            </a:lvl8pPr>
+            <a:lvl9pPr marL="3886200" indent="-228600" algn="l" defTabSz="457200" rtl="0" eaLnBrk="1" latinLnBrk="0" hangingPunct="1">
+              <a:spcBef>
+                <a:spcPts val="1000"/>
+              </a:spcBef>
+              <a:spcAft>
+                <a:spcPts val="0"/>
+              </a:spcAft>
+              <a:buClr>
+                <a:schemeClr val="accent1"/>
+              </a:buClr>
+              <a:buSzPct val="80000"/>
+              <a:buFont typeface="Wingdings 3" charset="2"/>
+              <a:buChar char=""/>
+              <a:defRPr sz="1200" kern="1200">
+                <a:solidFill>
+                  <a:schemeClr val="tx1">
+                    <a:lumMod val="75000"/>
+                    <a:lumOff val="25000"/>
+                  </a:schemeClr>
+                </a:solidFill>
+                <a:latin typeface="+mn-lt"/>
+                <a:ea typeface="+mn-ea"/>
+                <a:cs typeface="+mn-cs"/>
+              </a:defRPr>
+            </a:lvl9pPr>
+          </a:lstStyle>
+          <a:p>
+            <a:r>
+              <a:rPr lang="en-US" sz="2000" dirty="0">
+                <a:latin typeface="Calibri" panose="020F0502020204030204" pitchFamily="34" charset="0"/>
+                <a:cs typeface="Calibri" panose="020F0502020204030204" pitchFamily="34" charset="0"/>
+              </a:rPr>
+              <a:t>Income per County:</a:t>
+            </a:r>
+          </a:p>
+          <a:p>
+            <a:pPr marL="457200" lvl="1" indent="0">
+              <a:buNone/>
+            </a:pPr>
+            <a:r>
+              <a:rPr lang="en-US" sz="2000" dirty="0">
+                <a:latin typeface="Calibri" panose="020F0502020204030204" pitchFamily="34" charset="0"/>
+                <a:cs typeface="Calibri" panose="020F0502020204030204" pitchFamily="34" charset="0"/>
+              </a:rPr>
+              <a:t>Clay, MO</a:t>
+            </a:r>
+          </a:p>
+          <a:p>
+            <a:pPr marL="457200" lvl="1" indent="0">
+              <a:buNone/>
+            </a:pPr>
+            <a:r>
+              <a:rPr lang="en-US" sz="2000" dirty="0">
+                <a:latin typeface="Calibri" panose="020F0502020204030204" pitchFamily="34" charset="0"/>
+                <a:cs typeface="Calibri" panose="020F0502020204030204" pitchFamily="34" charset="0"/>
+              </a:rPr>
+              <a:t>Jackson, MO</a:t>
+            </a:r>
+          </a:p>
+          <a:p>
+            <a:pPr marL="457200" lvl="1" indent="0">
+              <a:buNone/>
+            </a:pPr>
+            <a:r>
+              <a:rPr lang="en-US" sz="2000" dirty="0">
+                <a:latin typeface="Calibri" panose="020F0502020204030204" pitchFamily="34" charset="0"/>
+                <a:cs typeface="Calibri" panose="020F0502020204030204" pitchFamily="34" charset="0"/>
+              </a:rPr>
+              <a:t>Johnson, KS</a:t>
+            </a:r>
+          </a:p>
+          <a:p>
+            <a:pPr marL="457200" lvl="1" indent="0">
+              <a:buNone/>
+            </a:pPr>
+            <a:r>
+              <a:rPr lang="en-US" sz="2000" dirty="0">
+                <a:latin typeface="Calibri" panose="020F0502020204030204" pitchFamily="34" charset="0"/>
+                <a:cs typeface="Calibri" panose="020F0502020204030204" pitchFamily="34" charset="0"/>
+              </a:rPr>
+              <a:t>Leavenworth, KS</a:t>
+            </a:r>
+          </a:p>
+          <a:p>
+            <a:pPr marL="457200" lvl="1" indent="0">
+              <a:buNone/>
+            </a:pPr>
+            <a:r>
+              <a:rPr lang="en-US" sz="2000" dirty="0">
+                <a:latin typeface="Calibri" panose="020F0502020204030204" pitchFamily="34" charset="0"/>
+                <a:cs typeface="Calibri" panose="020F0502020204030204" pitchFamily="34" charset="0"/>
+              </a:rPr>
+              <a:t>Sedgwick, KS</a:t>
+            </a:r>
+          </a:p>
+          <a:p>
+            <a:pPr marL="457200" lvl="1" indent="0">
+              <a:buNone/>
+            </a:pPr>
+            <a:r>
+              <a:rPr lang="en-US" sz="2000" dirty="0">
+                <a:latin typeface="Calibri" panose="020F0502020204030204" pitchFamily="34" charset="0"/>
+                <a:cs typeface="Calibri" panose="020F0502020204030204" pitchFamily="34" charset="0"/>
+              </a:rPr>
+              <a:t>Wyandotte, KS</a:t>
+            </a:r>
+          </a:p>
+        </p:txBody>
+      </p:sp>
+      <p:sp>
+        <p:nvSpPr>
+          <p:cNvPr id="8" name="Content Placeholder 2">
+            <a:extLst>
+              <a:ext uri="{FF2B5EF4-FFF2-40B4-BE49-F238E27FC236}">
+                <a16:creationId xmlns:a16="http://schemas.microsoft.com/office/drawing/2014/main" id="{8349254D-CED4-444A-8EB4-9AE39BD31113}"/>
+              </a:ext>
+            </a:extLst>
+          </p:cNvPr>
+          <p:cNvSpPr txBox="1">
+            <a:spLocks/>
+          </p:cNvSpPr>
+          <p:nvPr/>
+        </p:nvSpPr>
+        <p:spPr>
+          <a:xfrm>
+            <a:off x="1118781" y="1705043"/>
+            <a:ext cx="2057204" cy="474399"/>
+          </a:xfrm>
+          <a:prstGeom prst="rect">
+            <a:avLst/>
+          </a:prstGeom>
+        </p:spPr>
+        <p:txBody>
+          <a:bodyPr vert="horz" lIns="91440" tIns="45720" rIns="91440" bIns="45720" rtlCol="0">
+            <a:normAutofit/>
+          </a:bodyPr>
+          <a:lstStyle>
+            <a:lvl1pPr marL="342900" indent="-342900" algn="l" defTabSz="457200" rtl="0" eaLnBrk="1" latinLnBrk="0" hangingPunct="1">
+              <a:spcBef>
+                <a:spcPts val="1000"/>
+              </a:spcBef>
+              <a:spcAft>
+                <a:spcPts val="0"/>
+              </a:spcAft>
+              <a:buClr>
+                <a:schemeClr val="accent1"/>
+              </a:buClr>
+              <a:buSzPct val="80000"/>
+              <a:buFont typeface="Wingdings 3" charset="2"/>
+              <a:buChar char=""/>
+              <a:defRPr sz="1800" kern="1200">
+                <a:solidFill>
+                  <a:schemeClr val="tx1">
+                    <a:lumMod val="75000"/>
+                    <a:lumOff val="25000"/>
+                  </a:schemeClr>
+                </a:solidFill>
+                <a:latin typeface="+mn-lt"/>
+                <a:ea typeface="+mn-ea"/>
+                <a:cs typeface="+mn-cs"/>
+              </a:defRPr>
+            </a:lvl1pPr>
+            <a:lvl2pPr marL="742950" indent="-285750" algn="l" defTabSz="457200" rtl="0" eaLnBrk="1" latinLnBrk="0" hangingPunct="1">
+              <a:spcBef>
+                <a:spcPts val="1000"/>
+              </a:spcBef>
+              <a:spcAft>
+                <a:spcPts val="0"/>
+              </a:spcAft>
+              <a:buClr>
+                <a:schemeClr val="accent1"/>
+              </a:buClr>
+              <a:buSzPct val="80000"/>
+              <a:buFont typeface="Wingdings 3" charset="2"/>
+              <a:buChar char=""/>
+              <a:defRPr sz="1600" kern="1200">
+                <a:solidFill>
+                  <a:schemeClr val="tx1">
+                    <a:lumMod val="75000"/>
+                    <a:lumOff val="25000"/>
+                  </a:schemeClr>
+                </a:solidFill>
+                <a:latin typeface="+mn-lt"/>
+                <a:ea typeface="+mn-ea"/>
+                <a:cs typeface="+mn-cs"/>
+              </a:defRPr>
+            </a:lvl2pPr>
+            <a:lvl3pPr marL="1143000" indent="-228600" algn="l" defTabSz="457200" rtl="0" eaLnBrk="1" latinLnBrk="0" hangingPunct="1">
+              <a:spcBef>
+                <a:spcPts val="1000"/>
+              </a:spcBef>
+              <a:spcAft>
+                <a:spcPts val="0"/>
+              </a:spcAft>
+              <a:buClr>
+                <a:schemeClr val="accent1"/>
+              </a:buClr>
+              <a:buSzPct val="80000"/>
+              <a:buFont typeface="Wingdings 3" charset="2"/>
+              <a:buChar char=""/>
+              <a:defRPr sz="1400" kern="1200">
+                <a:solidFill>
+                  <a:schemeClr val="tx1">
+                    <a:lumMod val="75000"/>
+                    <a:lumOff val="25000"/>
+                  </a:schemeClr>
+                </a:solidFill>
+                <a:latin typeface="+mn-lt"/>
+                <a:ea typeface="+mn-ea"/>
+                <a:cs typeface="+mn-cs"/>
+              </a:defRPr>
+            </a:lvl3pPr>
+            <a:lvl4pPr marL="1600200" indent="-228600" algn="l" defTabSz="457200" rtl="0" eaLnBrk="1" latinLnBrk="0" hangingPunct="1">
+              <a:spcBef>
+                <a:spcPts val="1000"/>
+              </a:spcBef>
+              <a:spcAft>
+                <a:spcPts val="0"/>
+              </a:spcAft>
+              <a:buClr>
+                <a:schemeClr val="accent1"/>
+              </a:buClr>
+              <a:buSzPct val="80000"/>
+              <a:buFont typeface="Wingdings 3" charset="2"/>
+              <a:buChar char=""/>
+              <a:defRPr sz="1200" kern="1200">
+                <a:solidFill>
+                  <a:schemeClr val="tx1">
+                    <a:lumMod val="75000"/>
+                    <a:lumOff val="25000"/>
+                  </a:schemeClr>
+                </a:solidFill>
+                <a:latin typeface="+mn-lt"/>
+                <a:ea typeface="+mn-ea"/>
+                <a:cs typeface="+mn-cs"/>
+              </a:defRPr>
+            </a:lvl4pPr>
+            <a:lvl5pPr marL="2057400" indent="-228600" algn="l" defTabSz="457200" rtl="0" eaLnBrk="1" latinLnBrk="0" hangingPunct="1">
+              <a:spcBef>
+                <a:spcPts val="1000"/>
+              </a:spcBef>
+              <a:spcAft>
+                <a:spcPts val="0"/>
+              </a:spcAft>
+              <a:buClr>
+                <a:schemeClr val="accent1"/>
+              </a:buClr>
+              <a:buSzPct val="80000"/>
+              <a:buFont typeface="Wingdings 3" charset="2"/>
+              <a:buChar char=""/>
+              <a:defRPr sz="1200" kern="1200">
+                <a:solidFill>
+                  <a:schemeClr val="tx1">
+                    <a:lumMod val="75000"/>
+                    <a:lumOff val="25000"/>
+                  </a:schemeClr>
+                </a:solidFill>
+                <a:latin typeface="+mn-lt"/>
+                <a:ea typeface="+mn-ea"/>
+                <a:cs typeface="+mn-cs"/>
+              </a:defRPr>
+            </a:lvl5pPr>
+            <a:lvl6pPr marL="2514600" indent="-228600" algn="l" defTabSz="457200" rtl="0" eaLnBrk="1" latinLnBrk="0" hangingPunct="1">
+              <a:spcBef>
+                <a:spcPts val="1000"/>
+              </a:spcBef>
+              <a:spcAft>
+                <a:spcPts val="0"/>
+              </a:spcAft>
+              <a:buClr>
+                <a:schemeClr val="accent1"/>
+              </a:buClr>
+              <a:buSzPct val="80000"/>
+              <a:buFont typeface="Wingdings 3" charset="2"/>
+              <a:buChar char=""/>
+              <a:defRPr sz="1200" kern="1200">
+                <a:solidFill>
+                  <a:schemeClr val="tx1">
+                    <a:lumMod val="75000"/>
+                    <a:lumOff val="25000"/>
+                  </a:schemeClr>
+                </a:solidFill>
+                <a:latin typeface="+mn-lt"/>
+                <a:ea typeface="+mn-ea"/>
+                <a:cs typeface="+mn-cs"/>
+              </a:defRPr>
+            </a:lvl6pPr>
+            <a:lvl7pPr marL="2971800" indent="-228600" algn="l" defTabSz="457200" rtl="0" eaLnBrk="1" latinLnBrk="0" hangingPunct="1">
+              <a:spcBef>
+                <a:spcPts val="1000"/>
+              </a:spcBef>
+              <a:spcAft>
+                <a:spcPts val="0"/>
+              </a:spcAft>
+              <a:buClr>
+                <a:schemeClr val="accent1"/>
+              </a:buClr>
+              <a:buSzPct val="80000"/>
+              <a:buFont typeface="Wingdings 3" charset="2"/>
+              <a:buChar char=""/>
+              <a:defRPr sz="1200" kern="1200">
+                <a:solidFill>
+                  <a:schemeClr val="tx1">
+                    <a:lumMod val="75000"/>
+                    <a:lumOff val="25000"/>
+                  </a:schemeClr>
+                </a:solidFill>
+                <a:latin typeface="+mn-lt"/>
+                <a:ea typeface="+mn-ea"/>
+                <a:cs typeface="+mn-cs"/>
+              </a:defRPr>
+            </a:lvl7pPr>
+            <a:lvl8pPr marL="3429000" indent="-228600" algn="l" defTabSz="457200" rtl="0" eaLnBrk="1" latinLnBrk="0" hangingPunct="1">
+              <a:spcBef>
+                <a:spcPts val="1000"/>
+              </a:spcBef>
+              <a:spcAft>
+                <a:spcPts val="0"/>
+              </a:spcAft>
+              <a:buClr>
+                <a:schemeClr val="accent1"/>
+              </a:buClr>
+              <a:buSzPct val="80000"/>
+              <a:buFont typeface="Wingdings 3" charset="2"/>
+              <a:buChar char=""/>
+              <a:defRPr sz="1200" kern="1200">
+                <a:solidFill>
+                  <a:schemeClr val="tx1">
+                    <a:lumMod val="75000"/>
+                    <a:lumOff val="25000"/>
+                  </a:schemeClr>
+                </a:solidFill>
+                <a:latin typeface="+mn-lt"/>
+                <a:ea typeface="+mn-ea"/>
+                <a:cs typeface="+mn-cs"/>
+              </a:defRPr>
+            </a:lvl8pPr>
+            <a:lvl9pPr marL="3886200" indent="-228600" algn="l" defTabSz="457200" rtl="0" eaLnBrk="1" latinLnBrk="0" hangingPunct="1">
+              <a:spcBef>
+                <a:spcPts val="1000"/>
+              </a:spcBef>
+              <a:spcAft>
+                <a:spcPts val="0"/>
+              </a:spcAft>
+              <a:buClr>
+                <a:schemeClr val="accent1"/>
+              </a:buClr>
+              <a:buSzPct val="80000"/>
+              <a:buFont typeface="Wingdings 3" charset="2"/>
+              <a:buChar char=""/>
+              <a:defRPr sz="1200" kern="1200">
+                <a:solidFill>
+                  <a:schemeClr val="tx1">
+                    <a:lumMod val="75000"/>
+                    <a:lumOff val="25000"/>
+                  </a:schemeClr>
+                </a:solidFill>
+                <a:latin typeface="+mn-lt"/>
+                <a:ea typeface="+mn-ea"/>
+                <a:cs typeface="+mn-cs"/>
+              </a:defRPr>
+            </a:lvl9pPr>
+          </a:lstStyle>
+          <a:p>
+            <a:pPr marL="0" indent="0">
+              <a:buFont typeface="Wingdings 3" charset="2"/>
+              <a:buNone/>
+            </a:pPr>
+            <a:r>
+              <a:rPr lang="en-US" sz="2400" b="1" dirty="0">
+                <a:latin typeface="Calibri" panose="020F0502020204030204" pitchFamily="34" charset="0"/>
+                <a:cs typeface="Calibri" panose="020F0502020204030204" pitchFamily="34" charset="0"/>
+              </a:rPr>
+              <a:t>Our Process:</a:t>
+            </a:r>
+            <a:endParaRPr lang="en-US" sz="2400" dirty="0">
+              <a:latin typeface="Calibri" panose="020F0502020204030204" pitchFamily="34" charset="0"/>
+              <a:cs typeface="Calibri" panose="020F0502020204030204" pitchFamily="34" charset="0"/>
+            </a:endParaRPr>
+          </a:p>
+          <a:p>
+            <a:pPr marL="0" indent="0">
+              <a:buFont typeface="Wingdings 3" charset="2"/>
+              <a:buNone/>
+            </a:pPr>
+            <a:endParaRPr lang="en-US" sz="2900" dirty="0"/>
+          </a:p>
+          <a:p>
+            <a:pPr marL="0" indent="0">
+              <a:buFont typeface="Wingdings 3" charset="2"/>
+              <a:buNone/>
+            </a:pPr>
+            <a:endParaRPr lang="en-US" dirty="0"/>
+          </a:p>
+          <a:p>
+            <a:pPr marL="0" indent="0">
+              <a:buFont typeface="Wingdings 3" charset="2"/>
+              <a:buNone/>
+            </a:pPr>
+            <a:endParaRPr lang="en-US" dirty="0"/>
+          </a:p>
+          <a:p>
+            <a:pPr marL="0" indent="0">
+              <a:buFont typeface="Wingdings 3" charset="2"/>
+              <a:buNone/>
+            </a:pPr>
+            <a:endParaRPr lang="en-US" dirty="0"/>
+          </a:p>
+          <a:p>
+            <a:endParaRPr lang="en-US" dirty="0"/>
+          </a:p>
+        </p:txBody>
+      </p:sp>
+      <p:sp>
+        <p:nvSpPr>
+          <p:cNvPr id="9" name="Content Placeholder 2">
+            <a:extLst>
+              <a:ext uri="{FF2B5EF4-FFF2-40B4-BE49-F238E27FC236}">
+                <a16:creationId xmlns:a16="http://schemas.microsoft.com/office/drawing/2014/main" id="{ACF2C73F-4F35-477F-BF81-21B929F5AE83}"/>
+              </a:ext>
+            </a:extLst>
+          </p:cNvPr>
+          <p:cNvSpPr txBox="1">
+            <a:spLocks/>
+          </p:cNvSpPr>
+          <p:nvPr/>
+        </p:nvSpPr>
+        <p:spPr>
+          <a:xfrm>
+            <a:off x="539111" y="2255299"/>
+            <a:ext cx="4745271" cy="4759787"/>
+          </a:xfrm>
+          <a:prstGeom prst="rect">
+            <a:avLst/>
+          </a:prstGeom>
+        </p:spPr>
+        <p:txBody>
+          <a:bodyPr vert="horz" lIns="91440" tIns="45720" rIns="91440" bIns="45720" rtlCol="0">
+            <a:normAutofit fontScale="32500" lnSpcReduction="20000"/>
+          </a:bodyPr>
+          <a:lstStyle>
+            <a:lvl1pPr marL="342900" indent="-342900" algn="l" defTabSz="457200" rtl="0" eaLnBrk="1" latinLnBrk="0" hangingPunct="1">
+              <a:spcBef>
+                <a:spcPts val="1000"/>
+              </a:spcBef>
+              <a:spcAft>
+                <a:spcPts val="0"/>
+              </a:spcAft>
+              <a:buClr>
+                <a:schemeClr val="accent1"/>
+              </a:buClr>
+              <a:buSzPct val="80000"/>
+              <a:buFont typeface="Wingdings 3" charset="2"/>
+              <a:buChar char=""/>
+              <a:defRPr sz="1800" kern="1200">
+                <a:solidFill>
+                  <a:schemeClr val="tx1">
+                    <a:lumMod val="75000"/>
+                    <a:lumOff val="25000"/>
+                  </a:schemeClr>
+                </a:solidFill>
+                <a:latin typeface="+mn-lt"/>
+                <a:ea typeface="+mn-ea"/>
+                <a:cs typeface="+mn-cs"/>
+              </a:defRPr>
+            </a:lvl1pPr>
+            <a:lvl2pPr marL="742950" indent="-285750" algn="l" defTabSz="457200" rtl="0" eaLnBrk="1" latinLnBrk="0" hangingPunct="1">
+              <a:spcBef>
+                <a:spcPts val="1000"/>
+              </a:spcBef>
+              <a:spcAft>
+                <a:spcPts val="0"/>
+              </a:spcAft>
+              <a:buClr>
+                <a:schemeClr val="accent1"/>
+              </a:buClr>
+              <a:buSzPct val="80000"/>
+              <a:buFont typeface="Wingdings 3" charset="2"/>
+              <a:buChar char=""/>
+              <a:defRPr sz="1600" kern="1200">
+                <a:solidFill>
+                  <a:schemeClr val="tx1">
+                    <a:lumMod val="75000"/>
+                    <a:lumOff val="25000"/>
+                  </a:schemeClr>
+                </a:solidFill>
+                <a:latin typeface="+mn-lt"/>
+                <a:ea typeface="+mn-ea"/>
+                <a:cs typeface="+mn-cs"/>
+              </a:defRPr>
+            </a:lvl2pPr>
+            <a:lvl3pPr marL="1143000" indent="-228600" algn="l" defTabSz="457200" rtl="0" eaLnBrk="1" latinLnBrk="0" hangingPunct="1">
+              <a:spcBef>
+                <a:spcPts val="1000"/>
+              </a:spcBef>
+              <a:spcAft>
+                <a:spcPts val="0"/>
+              </a:spcAft>
+              <a:buClr>
+                <a:schemeClr val="accent1"/>
+              </a:buClr>
+              <a:buSzPct val="80000"/>
+              <a:buFont typeface="Wingdings 3" charset="2"/>
+              <a:buChar char=""/>
+              <a:defRPr sz="1400" kern="1200">
+                <a:solidFill>
+                  <a:schemeClr val="tx1">
+                    <a:lumMod val="75000"/>
+                    <a:lumOff val="25000"/>
+                  </a:schemeClr>
+                </a:solidFill>
+                <a:latin typeface="+mn-lt"/>
+                <a:ea typeface="+mn-ea"/>
+                <a:cs typeface="+mn-cs"/>
+              </a:defRPr>
+            </a:lvl3pPr>
+            <a:lvl4pPr marL="1600200" indent="-228600" algn="l" defTabSz="457200" rtl="0" eaLnBrk="1" latinLnBrk="0" hangingPunct="1">
+              <a:spcBef>
+                <a:spcPts val="1000"/>
+              </a:spcBef>
+              <a:spcAft>
+                <a:spcPts val="0"/>
+              </a:spcAft>
+              <a:buClr>
+                <a:schemeClr val="accent1"/>
+              </a:buClr>
+              <a:buSzPct val="80000"/>
+              <a:buFont typeface="Wingdings 3" charset="2"/>
+              <a:buChar char=""/>
+              <a:defRPr sz="1200" kern="1200">
+                <a:solidFill>
+                  <a:schemeClr val="tx1">
+                    <a:lumMod val="75000"/>
+                    <a:lumOff val="25000"/>
+                  </a:schemeClr>
+                </a:solidFill>
+                <a:latin typeface="+mn-lt"/>
+                <a:ea typeface="+mn-ea"/>
+                <a:cs typeface="+mn-cs"/>
+              </a:defRPr>
+            </a:lvl4pPr>
+            <a:lvl5pPr marL="2057400" indent="-228600" algn="l" defTabSz="457200" rtl="0" eaLnBrk="1" latinLnBrk="0" hangingPunct="1">
+              <a:spcBef>
+                <a:spcPts val="1000"/>
+              </a:spcBef>
+              <a:spcAft>
+                <a:spcPts val="0"/>
+              </a:spcAft>
+              <a:buClr>
+                <a:schemeClr val="accent1"/>
+              </a:buClr>
+              <a:buSzPct val="80000"/>
+              <a:buFont typeface="Wingdings 3" charset="2"/>
+              <a:buChar char=""/>
+              <a:defRPr sz="1200" kern="1200">
+                <a:solidFill>
+                  <a:schemeClr val="tx1">
+                    <a:lumMod val="75000"/>
+                    <a:lumOff val="25000"/>
+                  </a:schemeClr>
+                </a:solidFill>
+                <a:latin typeface="+mn-lt"/>
+                <a:ea typeface="+mn-ea"/>
+                <a:cs typeface="+mn-cs"/>
+              </a:defRPr>
+            </a:lvl5pPr>
+            <a:lvl6pPr marL="2514600" indent="-228600" algn="l" defTabSz="457200" rtl="0" eaLnBrk="1" latinLnBrk="0" hangingPunct="1">
+              <a:spcBef>
+                <a:spcPts val="1000"/>
+              </a:spcBef>
+              <a:spcAft>
+                <a:spcPts val="0"/>
+              </a:spcAft>
+              <a:buClr>
+                <a:schemeClr val="accent1"/>
+              </a:buClr>
+              <a:buSzPct val="80000"/>
+              <a:buFont typeface="Wingdings 3" charset="2"/>
+              <a:buChar char=""/>
+              <a:defRPr sz="1200" kern="1200">
+                <a:solidFill>
+                  <a:schemeClr val="tx1">
+                    <a:lumMod val="75000"/>
+                    <a:lumOff val="25000"/>
+                  </a:schemeClr>
+                </a:solidFill>
+                <a:latin typeface="+mn-lt"/>
+                <a:ea typeface="+mn-ea"/>
+                <a:cs typeface="+mn-cs"/>
+              </a:defRPr>
+            </a:lvl6pPr>
+            <a:lvl7pPr marL="2971800" indent="-228600" algn="l" defTabSz="457200" rtl="0" eaLnBrk="1" latinLnBrk="0" hangingPunct="1">
+              <a:spcBef>
+                <a:spcPts val="1000"/>
+              </a:spcBef>
+              <a:spcAft>
+                <a:spcPts val="0"/>
+              </a:spcAft>
+              <a:buClr>
+                <a:schemeClr val="accent1"/>
+              </a:buClr>
+              <a:buSzPct val="80000"/>
+              <a:buFont typeface="Wingdings 3" charset="2"/>
+              <a:buChar char=""/>
+              <a:defRPr sz="1200" kern="1200">
+                <a:solidFill>
+                  <a:schemeClr val="tx1">
+                    <a:lumMod val="75000"/>
+                    <a:lumOff val="25000"/>
+                  </a:schemeClr>
+                </a:solidFill>
+                <a:latin typeface="+mn-lt"/>
+                <a:ea typeface="+mn-ea"/>
+                <a:cs typeface="+mn-cs"/>
+              </a:defRPr>
+            </a:lvl7pPr>
+            <a:lvl8pPr marL="3429000" indent="-228600" algn="l" defTabSz="457200" rtl="0" eaLnBrk="1" latinLnBrk="0" hangingPunct="1">
+              <a:spcBef>
+                <a:spcPts val="1000"/>
+              </a:spcBef>
+              <a:spcAft>
+                <a:spcPts val="0"/>
+              </a:spcAft>
+              <a:buClr>
+                <a:schemeClr val="accent1"/>
+              </a:buClr>
+              <a:buSzPct val="80000"/>
+              <a:buFont typeface="Wingdings 3" charset="2"/>
+              <a:buChar char=""/>
+              <a:defRPr sz="1200" kern="1200">
+                <a:solidFill>
+                  <a:schemeClr val="tx1">
+                    <a:lumMod val="75000"/>
+                    <a:lumOff val="25000"/>
+                  </a:schemeClr>
+                </a:solidFill>
+                <a:latin typeface="+mn-lt"/>
+                <a:ea typeface="+mn-ea"/>
+                <a:cs typeface="+mn-cs"/>
+              </a:defRPr>
+            </a:lvl8pPr>
+            <a:lvl9pPr marL="3886200" indent="-228600" algn="l" defTabSz="457200" rtl="0" eaLnBrk="1" latinLnBrk="0" hangingPunct="1">
+              <a:spcBef>
+                <a:spcPts val="1000"/>
+              </a:spcBef>
+              <a:spcAft>
+                <a:spcPts val="0"/>
+              </a:spcAft>
+              <a:buClr>
+                <a:schemeClr val="accent1"/>
+              </a:buClr>
+              <a:buSzPct val="80000"/>
+              <a:buFont typeface="Wingdings 3" charset="2"/>
+              <a:buChar char=""/>
+              <a:defRPr sz="1200" kern="1200">
+                <a:solidFill>
+                  <a:schemeClr val="tx1">
+                    <a:lumMod val="75000"/>
+                    <a:lumOff val="25000"/>
+                  </a:schemeClr>
+                </a:solidFill>
+                <a:latin typeface="+mn-lt"/>
+                <a:ea typeface="+mn-ea"/>
+                <a:cs typeface="+mn-cs"/>
+              </a:defRPr>
+            </a:lvl9pPr>
+          </a:lstStyle>
+          <a:p>
+            <a:r>
+              <a:rPr lang="en-US" sz="6400" dirty="0">
+                <a:latin typeface="Calibri" panose="020F0502020204030204" pitchFamily="34" charset="0"/>
+                <a:cs typeface="Calibri" panose="020F0502020204030204" pitchFamily="34" charset="0"/>
+              </a:rPr>
+              <a:t>Data Search:</a:t>
+            </a:r>
+          </a:p>
+          <a:p>
+            <a:pPr marL="457200" lvl="1" indent="0">
+              <a:buFont typeface="Wingdings 3" charset="2"/>
+              <a:buNone/>
+            </a:pPr>
+            <a:r>
+              <a:rPr lang="en-US" sz="6400" dirty="0">
+                <a:latin typeface="Calibri" panose="020F0502020204030204" pitchFamily="34" charset="0"/>
+                <a:cs typeface="Calibri" panose="020F0502020204030204" pitchFamily="34" charset="0"/>
+              </a:rPr>
+              <a:t>Initial csv files found – Steve</a:t>
+            </a:r>
+          </a:p>
+          <a:p>
+            <a:pPr marL="457200" lvl="1" indent="0">
+              <a:buFont typeface="Wingdings 3" charset="2"/>
+              <a:buNone/>
+            </a:pPr>
+            <a:r>
+              <a:rPr lang="en-US" sz="6400" dirty="0">
+                <a:latin typeface="Calibri" panose="020F0502020204030204" pitchFamily="34" charset="0"/>
+                <a:cs typeface="Calibri" panose="020F0502020204030204" pitchFamily="34" charset="0"/>
+              </a:rPr>
+              <a:t>Income data found – Charlie</a:t>
+            </a:r>
+          </a:p>
+          <a:p>
+            <a:pPr lvl="1"/>
+            <a:endParaRPr lang="en-US" sz="6400" dirty="0">
+              <a:latin typeface="Calibri" panose="020F0502020204030204" pitchFamily="34" charset="0"/>
+              <a:cs typeface="Calibri" panose="020F0502020204030204" pitchFamily="34" charset="0"/>
+            </a:endParaRPr>
+          </a:p>
+          <a:p>
+            <a:r>
+              <a:rPr lang="en-US" sz="6400" dirty="0">
+                <a:latin typeface="Calibri" panose="020F0502020204030204" pitchFamily="34" charset="0"/>
+                <a:cs typeface="Calibri" panose="020F0502020204030204" pitchFamily="34" charset="0"/>
+              </a:rPr>
+              <a:t>Data Cleanup:</a:t>
+            </a:r>
+          </a:p>
+          <a:p>
+            <a:pPr marL="457200" lvl="1" indent="0">
+              <a:buFont typeface="Wingdings 3" charset="2"/>
+              <a:buNone/>
+            </a:pPr>
+            <a:r>
+              <a:rPr lang="en-US" sz="6400" dirty="0">
+                <a:latin typeface="Calibri" panose="020F0502020204030204" pitchFamily="34" charset="0"/>
+                <a:cs typeface="Calibri" panose="020F0502020204030204" pitchFamily="34" charset="0"/>
+              </a:rPr>
+              <a:t>Initial cleanup – Sasha and Tad</a:t>
+            </a:r>
+          </a:p>
+          <a:p>
+            <a:pPr marL="457200" lvl="1" indent="0">
+              <a:buFont typeface="Wingdings 3" charset="2"/>
+              <a:buNone/>
+            </a:pPr>
+            <a:endParaRPr lang="en-US" sz="6400" dirty="0">
+              <a:latin typeface="Calibri" panose="020F0502020204030204" pitchFamily="34" charset="0"/>
+              <a:cs typeface="Calibri" panose="020F0502020204030204" pitchFamily="34" charset="0"/>
+            </a:endParaRPr>
+          </a:p>
+          <a:p>
+            <a:r>
+              <a:rPr lang="en-US" sz="6400" dirty="0" err="1">
+                <a:latin typeface="Calibri" panose="020F0502020204030204" pitchFamily="34" charset="0"/>
+                <a:cs typeface="Calibri" panose="020F0502020204030204" pitchFamily="34" charset="0"/>
+              </a:rPr>
+              <a:t>Jupyter</a:t>
+            </a:r>
+            <a:r>
+              <a:rPr lang="en-US" sz="6400" dirty="0">
+                <a:latin typeface="Calibri" panose="020F0502020204030204" pitchFamily="34" charset="0"/>
+                <a:cs typeface="Calibri" panose="020F0502020204030204" pitchFamily="34" charset="0"/>
+              </a:rPr>
+              <a:t> notebook:</a:t>
+            </a:r>
+          </a:p>
+          <a:p>
+            <a:pPr marL="457200" lvl="1" indent="0">
+              <a:buFont typeface="Wingdings 3" charset="2"/>
+              <a:buNone/>
+            </a:pPr>
+            <a:r>
+              <a:rPr lang="en-US" sz="6400" dirty="0">
+                <a:latin typeface="Calibri" panose="020F0502020204030204" pitchFamily="34" charset="0"/>
+                <a:cs typeface="Calibri" panose="020F0502020204030204" pitchFamily="34" charset="0"/>
+              </a:rPr>
+              <a:t>Initial  – Sasha and Tad</a:t>
+            </a:r>
+          </a:p>
+          <a:p>
+            <a:pPr marL="457200" lvl="1" indent="0">
+              <a:buFont typeface="Wingdings 3" charset="2"/>
+              <a:buNone/>
+            </a:pPr>
+            <a:r>
+              <a:rPr lang="en-US" sz="6400" dirty="0">
+                <a:latin typeface="Calibri" panose="020F0502020204030204" pitchFamily="34" charset="0"/>
+                <a:cs typeface="Calibri" panose="020F0502020204030204" pitchFamily="34" charset="0"/>
+              </a:rPr>
+              <a:t>Coding - All</a:t>
+            </a:r>
+          </a:p>
+          <a:p>
+            <a:pPr marL="457200" lvl="1" indent="0">
+              <a:buFont typeface="Wingdings 3" charset="2"/>
+              <a:buNone/>
+            </a:pPr>
+            <a:r>
+              <a:rPr lang="en-US" sz="6400" dirty="0">
+                <a:latin typeface="Calibri" panose="020F0502020204030204" pitchFamily="34" charset="0"/>
+                <a:cs typeface="Calibri" panose="020F0502020204030204" pitchFamily="34" charset="0"/>
+              </a:rPr>
+              <a:t>Graphs – All</a:t>
+            </a:r>
+          </a:p>
+          <a:p>
+            <a:pPr marL="457200" lvl="1" indent="0">
+              <a:buFont typeface="Wingdings 3" charset="2"/>
+              <a:buNone/>
+            </a:pPr>
+            <a:r>
+              <a:rPr lang="en-US" sz="6400" dirty="0">
+                <a:latin typeface="Calibri" panose="020F0502020204030204" pitchFamily="34" charset="0"/>
+                <a:cs typeface="Calibri" panose="020F0502020204030204" pitchFamily="34" charset="0"/>
+              </a:rPr>
+              <a:t>Conclusion - All</a:t>
+            </a:r>
+            <a:endParaRPr lang="en-US" sz="9600" dirty="0">
+              <a:latin typeface="Calibri" panose="020F0502020204030204" pitchFamily="34" charset="0"/>
+              <a:cs typeface="Calibri" panose="020F0502020204030204" pitchFamily="34" charset="0"/>
+            </a:endParaRPr>
+          </a:p>
+        </p:txBody>
+      </p:sp>
+    </p:spTree>
+    <p:extLst>
+      <p:ext uri="{BB962C8B-B14F-4D97-AF65-F5344CB8AC3E}">
+        <p14:creationId xmlns:p14="http://schemas.microsoft.com/office/powerpoint/2010/main" val="4020539180"/>
+      </p:ext>
+    </p:extLst>
+  </p:cSld>
+  <p:clrMapOvr>
+    <a:masterClrMapping/>
+  </p:clrMapOvr>
+</p:sld>
+</file>
+
+<file path=ppt/slides/slide3.xml><?xml version="1.0" encoding="utf-8"?>
+<p:sld xmlns:a="http://schemas.openxmlformats.org/drawingml/2006/main" xmlns:r="http://schemas.openxmlformats.org/officeDocument/2006/relationships" xmlns:p="http://schemas.openxmlformats.org/presentationml/2006/main">
+  <p:cSld>
+    <p:spTree>
+      <p:nvGrpSpPr>
+        <p:cNvPr id="1" name=""/>
+        <p:cNvGrpSpPr/>
+        <p:nvPr/>
+      </p:nvGrpSpPr>
+      <p:grpSpPr>
+        <a:xfrm>
+          <a:off x="0" y="0"/>
+          <a:ext cx="0" cy="0"/>
+          <a:chOff x="0" y="0"/>
+          <a:chExt cx="0" cy="0"/>
+        </a:xfrm>
+      </p:grpSpPr>
+      <p:sp>
+        <p:nvSpPr>
+          <p:cNvPr id="2" name="Title 1">
+            <a:extLst>
+              <a:ext uri="{FF2B5EF4-FFF2-40B4-BE49-F238E27FC236}">
+                <a16:creationId xmlns:a16="http://schemas.microsoft.com/office/drawing/2014/main" id="{D667A678-072C-4536-9A4C-9838DC450849}"/>
+              </a:ext>
+            </a:extLst>
+          </p:cNvPr>
+          <p:cNvSpPr>
+            <a:spLocks noGrp="1"/>
+          </p:cNvSpPr>
+          <p:nvPr>
+            <p:ph type="title"/>
+          </p:nvPr>
+        </p:nvSpPr>
+        <p:spPr>
+          <a:xfrm>
+            <a:off x="1552225" y="232632"/>
+            <a:ext cx="8596668" cy="653170"/>
+          </a:xfrm>
+        </p:spPr>
+        <p:txBody>
+          <a:bodyPr/>
+          <a:lstStyle/>
+          <a:p>
+            <a:r>
+              <a:rPr lang="en-US" dirty="0">
+                <a:latin typeface="Calibri" panose="020F0502020204030204" pitchFamily="34" charset="0"/>
+                <a:cs typeface="Calibri" panose="020F0502020204030204" pitchFamily="34" charset="0"/>
+              </a:rPr>
+              <a:t>Areas of Comparison </a:t>
+            </a:r>
+            <a:r>
+              <a:rPr lang="en-US" sz="3200" dirty="0">
+                <a:latin typeface="Calibri" panose="020F0502020204030204" pitchFamily="34" charset="0"/>
+                <a:cs typeface="Calibri" panose="020F0502020204030204" pitchFamily="34" charset="0"/>
+              </a:rPr>
+              <a:t>(Independent factors)</a:t>
+            </a:r>
+          </a:p>
+        </p:txBody>
+      </p:sp>
+      <p:sp>
+        <p:nvSpPr>
+          <p:cNvPr id="3" name="Content Placeholder 2">
+            <a:extLst>
+              <a:ext uri="{FF2B5EF4-FFF2-40B4-BE49-F238E27FC236}">
+                <a16:creationId xmlns:a16="http://schemas.microsoft.com/office/drawing/2014/main" id="{0C677369-E30C-4EBD-A68E-43173DF8F67C}"/>
+              </a:ext>
+            </a:extLst>
+          </p:cNvPr>
+          <p:cNvSpPr>
+            <a:spLocks noGrp="1"/>
+          </p:cNvSpPr>
+          <p:nvPr>
+            <p:ph idx="1"/>
+          </p:nvPr>
+        </p:nvSpPr>
+        <p:spPr>
+          <a:xfrm>
+            <a:off x="1060499" y="1292567"/>
+            <a:ext cx="3469614" cy="997399"/>
+          </a:xfrm>
+        </p:spPr>
+        <p:txBody>
+          <a:bodyPr numCol="1">
+            <a:normAutofit/>
+          </a:bodyPr>
+          <a:lstStyle/>
+          <a:p>
+            <a:pPr marL="0" indent="0">
+              <a:buNone/>
+            </a:pPr>
+            <a:r>
+              <a:rPr lang="en-US" b="1" u="sng" dirty="0">
+                <a:latin typeface="Calibri" panose="020F0502020204030204" pitchFamily="34" charset="0"/>
+                <a:cs typeface="Calibri" panose="020F0502020204030204" pitchFamily="34" charset="0"/>
+              </a:rPr>
+              <a:t>Readmission Rates</a:t>
+            </a:r>
+            <a:r>
+              <a:rPr lang="en-US" b="1" dirty="0">
+                <a:latin typeface="Calibri" panose="020F0502020204030204" pitchFamily="34" charset="0"/>
+                <a:cs typeface="Calibri" panose="020F0502020204030204" pitchFamily="34" charset="0"/>
+              </a:rPr>
+              <a:t>: </a:t>
+            </a:r>
+          </a:p>
+          <a:p>
+            <a:pPr marL="0" indent="0">
+              <a:lnSpc>
+                <a:spcPct val="110000"/>
+              </a:lnSpc>
+              <a:spcBef>
+                <a:spcPts val="0"/>
+              </a:spcBef>
+              <a:buNone/>
+            </a:pPr>
+            <a:r>
+              <a:rPr lang="en-US" dirty="0">
+                <a:latin typeface="Calibri" panose="020F0502020204030204" pitchFamily="34" charset="0"/>
+                <a:cs typeface="Calibri" panose="020F0502020204030204" pitchFamily="34" charset="0"/>
+              </a:rPr>
+              <a:t>Patients re-admitted to Hospital too soon after being discharged.</a:t>
+            </a:r>
+          </a:p>
+        </p:txBody>
+      </p:sp>
+      <p:sp>
+        <p:nvSpPr>
+          <p:cNvPr id="4" name="TextBox 3">
+            <a:extLst>
+              <a:ext uri="{FF2B5EF4-FFF2-40B4-BE49-F238E27FC236}">
+                <a16:creationId xmlns:a16="http://schemas.microsoft.com/office/drawing/2014/main" id="{A0E874B4-B00D-404A-BBFD-C81D875921B3}"/>
+              </a:ext>
+            </a:extLst>
+          </p:cNvPr>
+          <p:cNvSpPr txBox="1"/>
+          <p:nvPr/>
+        </p:nvSpPr>
+        <p:spPr>
+          <a:xfrm>
+            <a:off x="6096000" y="1313243"/>
+            <a:ext cx="5219521" cy="646331"/>
+          </a:xfrm>
+          <a:prstGeom prst="rect">
+            <a:avLst/>
+          </a:prstGeom>
+          <a:noFill/>
+        </p:spPr>
+        <p:txBody>
+          <a:bodyPr wrap="square" rtlCol="0">
+            <a:spAutoFit/>
+          </a:bodyPr>
+          <a:lstStyle/>
+          <a:p>
+            <a:r>
+              <a:rPr lang="en-US" b="1" u="sng" dirty="0">
+                <a:latin typeface="Calibri" panose="020F0502020204030204" pitchFamily="34" charset="0"/>
+                <a:cs typeface="Calibri" panose="020F0502020204030204" pitchFamily="34" charset="0"/>
+              </a:rPr>
+              <a:t>Complications &amp; Deaths</a:t>
+            </a:r>
+            <a:r>
+              <a:rPr lang="en-US" b="1" dirty="0">
+                <a:latin typeface="Calibri" panose="020F0502020204030204" pitchFamily="34" charset="0"/>
+                <a:cs typeface="Calibri" panose="020F0502020204030204" pitchFamily="34" charset="0"/>
+              </a:rPr>
+              <a:t>: </a:t>
+            </a:r>
+          </a:p>
+          <a:p>
+            <a:r>
+              <a:rPr lang="en-US" dirty="0">
+                <a:latin typeface="Calibri" panose="020F0502020204030204" pitchFamily="34" charset="0"/>
+                <a:cs typeface="Calibri" panose="020F0502020204030204" pitchFamily="34" charset="0"/>
+              </a:rPr>
+              <a:t>Patients should expect consistent, high quality care.</a:t>
+            </a:r>
+          </a:p>
+        </p:txBody>
+      </p:sp>
+      <p:sp>
+        <p:nvSpPr>
+          <p:cNvPr id="5" name="TextBox 4">
+            <a:extLst>
+              <a:ext uri="{FF2B5EF4-FFF2-40B4-BE49-F238E27FC236}">
+                <a16:creationId xmlns:a16="http://schemas.microsoft.com/office/drawing/2014/main" id="{B9440A08-49FA-4923-BFC6-EC5191602256}"/>
+              </a:ext>
+            </a:extLst>
+          </p:cNvPr>
+          <p:cNvSpPr txBox="1"/>
+          <p:nvPr/>
+        </p:nvSpPr>
+        <p:spPr>
+          <a:xfrm>
+            <a:off x="1066885" y="3776022"/>
+            <a:ext cx="4458394" cy="923330"/>
+          </a:xfrm>
+          <a:prstGeom prst="rect">
+            <a:avLst/>
+          </a:prstGeom>
+          <a:noFill/>
+        </p:spPr>
+        <p:txBody>
+          <a:bodyPr wrap="square" rtlCol="0">
+            <a:spAutoFit/>
+          </a:bodyPr>
+          <a:lstStyle/>
+          <a:p>
+            <a:r>
+              <a:rPr lang="en-US" b="1" u="sng" dirty="0">
+                <a:latin typeface="Calibri" panose="020F0502020204030204" pitchFamily="34" charset="0"/>
+                <a:cs typeface="Calibri" panose="020F0502020204030204" pitchFamily="34" charset="0"/>
+              </a:rPr>
+              <a:t>Unexpected Hospital Visits</a:t>
+            </a:r>
+            <a:r>
+              <a:rPr lang="en-US" b="1" dirty="0">
+                <a:latin typeface="Calibri" panose="020F0502020204030204" pitchFamily="34" charset="0"/>
+                <a:cs typeface="Calibri" panose="020F0502020204030204" pitchFamily="34" charset="0"/>
+              </a:rPr>
+              <a:t>: </a:t>
+            </a:r>
+          </a:p>
+          <a:p>
+            <a:r>
+              <a:rPr lang="en-US" dirty="0">
+                <a:latin typeface="Calibri" panose="020F0502020204030204" pitchFamily="34" charset="0"/>
+                <a:cs typeface="Calibri" panose="020F0502020204030204" pitchFamily="34" charset="0"/>
+              </a:rPr>
+              <a:t>Patients go to hospital (or Emergency Room) for unexpected care.</a:t>
+            </a:r>
+          </a:p>
+        </p:txBody>
+      </p:sp>
+      <p:sp>
+        <p:nvSpPr>
+          <p:cNvPr id="6" name="TextBox 5">
+            <a:extLst>
+              <a:ext uri="{FF2B5EF4-FFF2-40B4-BE49-F238E27FC236}">
+                <a16:creationId xmlns:a16="http://schemas.microsoft.com/office/drawing/2014/main" id="{8B1121B5-913D-4359-9EF6-CDBC7E653FF1}"/>
+              </a:ext>
+            </a:extLst>
+          </p:cNvPr>
+          <p:cNvSpPr txBox="1"/>
+          <p:nvPr/>
+        </p:nvSpPr>
+        <p:spPr>
+          <a:xfrm>
+            <a:off x="6336857" y="3525911"/>
+            <a:ext cx="4646597" cy="923330"/>
+          </a:xfrm>
+          <a:prstGeom prst="rect">
+            <a:avLst/>
+          </a:prstGeom>
+          <a:noFill/>
+        </p:spPr>
+        <p:txBody>
+          <a:bodyPr wrap="square" rtlCol="0">
+            <a:spAutoFit/>
+          </a:bodyPr>
+          <a:lstStyle/>
+          <a:p>
+            <a:r>
+              <a:rPr lang="en-US" b="1" u="sng" dirty="0">
+                <a:latin typeface="Calibri" panose="020F0502020204030204" pitchFamily="34" charset="0"/>
+                <a:cs typeface="Calibri" panose="020F0502020204030204" pitchFamily="34" charset="0"/>
+              </a:rPr>
+              <a:t>Medicare Spending per Patient</a:t>
+            </a:r>
+            <a:r>
+              <a:rPr lang="en-US" b="1" dirty="0">
+                <a:latin typeface="Calibri" panose="020F0502020204030204" pitchFamily="34" charset="0"/>
+                <a:cs typeface="Calibri" panose="020F0502020204030204" pitchFamily="34" charset="0"/>
+              </a:rPr>
+              <a:t>:</a:t>
+            </a:r>
+          </a:p>
+          <a:p>
+            <a:r>
+              <a:rPr lang="en-US" dirty="0">
+                <a:latin typeface="Calibri" panose="020F0502020204030204" pitchFamily="34" charset="0"/>
+                <a:cs typeface="Calibri" panose="020F0502020204030204" pitchFamily="34" charset="0"/>
+              </a:rPr>
+              <a:t>Amount of Medicare dollars used to treat and care for the eligible patient.</a:t>
+            </a:r>
+          </a:p>
+        </p:txBody>
+      </p:sp>
+      <p:cxnSp>
+        <p:nvCxnSpPr>
+          <p:cNvPr id="8" name="Straight Connector 7">
+            <a:extLst>
+              <a:ext uri="{FF2B5EF4-FFF2-40B4-BE49-F238E27FC236}">
+                <a16:creationId xmlns:a16="http://schemas.microsoft.com/office/drawing/2014/main" id="{EA5AB258-7A96-4420-9990-044D852AB9C0}"/>
+              </a:ext>
+            </a:extLst>
+          </p:cNvPr>
+          <p:cNvCxnSpPr>
+            <a:cxnSpLocks/>
+          </p:cNvCxnSpPr>
+          <p:nvPr/>
+        </p:nvCxnSpPr>
+        <p:spPr>
+          <a:xfrm>
+            <a:off x="1060499" y="3333076"/>
+            <a:ext cx="9420442" cy="0"/>
+          </a:xfrm>
+          <a:prstGeom prst="line">
+            <a:avLst/>
+          </a:prstGeom>
+          <a:ln w="38100">
+            <a:solidFill>
+              <a:srgbClr val="00B050"/>
+            </a:solidFill>
+          </a:ln>
+        </p:spPr>
+        <p:style>
+          <a:lnRef idx="1">
+            <a:schemeClr val="accent1"/>
+          </a:lnRef>
+          <a:fillRef idx="0">
+            <a:schemeClr val="accent1"/>
+          </a:fillRef>
+          <a:effectRef idx="0">
+            <a:schemeClr val="accent1"/>
+          </a:effectRef>
+          <a:fontRef idx="minor">
+            <a:schemeClr val="tx1"/>
+          </a:fontRef>
+        </p:style>
+      </p:cxnSp>
+      <p:cxnSp>
+        <p:nvCxnSpPr>
+          <p:cNvPr id="10" name="Straight Connector 9">
+            <a:extLst>
+              <a:ext uri="{FF2B5EF4-FFF2-40B4-BE49-F238E27FC236}">
+                <a16:creationId xmlns:a16="http://schemas.microsoft.com/office/drawing/2014/main" id="{640A6475-9DD9-4144-B488-917009C1562C}"/>
+              </a:ext>
+            </a:extLst>
+          </p:cNvPr>
+          <p:cNvCxnSpPr>
+            <a:cxnSpLocks/>
+          </p:cNvCxnSpPr>
+          <p:nvPr/>
+        </p:nvCxnSpPr>
+        <p:spPr>
+          <a:xfrm>
+            <a:off x="5770720" y="885802"/>
+            <a:ext cx="0" cy="5241150"/>
+          </a:xfrm>
+          <a:prstGeom prst="line">
+            <a:avLst/>
+          </a:prstGeom>
+          <a:ln w="57150">
+            <a:solidFill>
+              <a:srgbClr val="00B050"/>
+            </a:solidFill>
+          </a:ln>
+        </p:spPr>
+        <p:style>
+          <a:lnRef idx="1">
+            <a:schemeClr val="accent1"/>
+          </a:lnRef>
+          <a:fillRef idx="0">
+            <a:schemeClr val="accent1"/>
+          </a:fillRef>
+          <a:effectRef idx="0">
+            <a:schemeClr val="accent1"/>
+          </a:effectRef>
+          <a:fontRef idx="minor">
+            <a:schemeClr val="tx1"/>
+          </a:fontRef>
+        </p:style>
+      </p:cxnSp>
+    </p:spTree>
+    <p:extLst>
+      <p:ext uri="{BB962C8B-B14F-4D97-AF65-F5344CB8AC3E}">
+        <p14:creationId xmlns:p14="http://schemas.microsoft.com/office/powerpoint/2010/main" val="990220506"/>
+      </p:ext>
+    </p:extLst>
+  </p:cSld>
+  <p:clrMapOvr>
+    <a:masterClrMapping/>
+  </p:clrMapOvr>
+</p:sld>
+</file>
+
+<file path=ppt/slides/slide4.xml><?xml version="1.0" encoding="utf-8"?>
+<p:sld xmlns:a="http://schemas.openxmlformats.org/drawingml/2006/main" xmlns:r="http://schemas.openxmlformats.org/officeDocument/2006/relationships" xmlns:p="http://schemas.openxmlformats.org/presentationml/2006/main">
+  <p:cSld>
+    <p:spTree>
+      <p:nvGrpSpPr>
+        <p:cNvPr id="1" name=""/>
+        <p:cNvGrpSpPr/>
+        <p:nvPr/>
+      </p:nvGrpSpPr>
+      <p:grpSpPr>
+        <a:xfrm>
+          <a:off x="0" y="0"/>
+          <a:ext cx="0" cy="0"/>
+          <a:chOff x="0" y="0"/>
+          <a:chExt cx="0" cy="0"/>
+        </a:xfrm>
+      </p:grpSpPr>
+      <p:sp>
+        <p:nvSpPr>
+          <p:cNvPr id="3" name="Content Placeholder 2">
+            <a:extLst>
+              <a:ext uri="{FF2B5EF4-FFF2-40B4-BE49-F238E27FC236}">
+                <a16:creationId xmlns:a16="http://schemas.microsoft.com/office/drawing/2014/main" id="{419C77F7-5314-4853-BD19-E051484D91DA}"/>
+              </a:ext>
+            </a:extLst>
+          </p:cNvPr>
+          <p:cNvSpPr>
+            <a:spLocks noGrp="1"/>
+          </p:cNvSpPr>
+          <p:nvPr>
+            <p:ph idx="1"/>
+          </p:nvPr>
+        </p:nvSpPr>
+        <p:spPr>
+          <a:xfrm>
+            <a:off x="867773" y="1481746"/>
+            <a:ext cx="10105955" cy="4295414"/>
+          </a:xfrm>
+        </p:spPr>
+        <p:txBody>
+          <a:bodyPr>
+            <a:normAutofit fontScale="92500" lnSpcReduction="20000"/>
+          </a:bodyPr>
+          <a:lstStyle/>
+          <a:p>
+            <a:pPr>
+              <a:spcBef>
+                <a:spcPts val="0"/>
+              </a:spcBef>
+            </a:pPr>
+            <a:r>
+              <a:rPr lang="en-US" sz="1900" dirty="0">
+                <a:latin typeface="Calibri" panose="020F0502020204030204" pitchFamily="34" charset="0"/>
+                <a:cs typeface="Calibri" panose="020F0502020204030204" pitchFamily="34" charset="0"/>
+              </a:rPr>
+              <a:t>80% of data analysis process is data cleaning</a:t>
+            </a:r>
+          </a:p>
+          <a:p>
+            <a:pPr>
+              <a:spcBef>
+                <a:spcPts val="0"/>
+              </a:spcBef>
+            </a:pPr>
+            <a:endParaRPr lang="en-US" sz="1900" dirty="0">
+              <a:latin typeface="Calibri" panose="020F0502020204030204" pitchFamily="34" charset="0"/>
+              <a:cs typeface="Calibri" panose="020F0502020204030204" pitchFamily="34" charset="0"/>
+            </a:endParaRPr>
+          </a:p>
+          <a:p>
+            <a:pPr>
+              <a:spcBef>
+                <a:spcPts val="0"/>
+              </a:spcBef>
+            </a:pPr>
+            <a:r>
+              <a:rPr lang="en-US" sz="1900" dirty="0">
+                <a:latin typeface="Calibri" panose="020F0502020204030204" pitchFamily="34" charset="0"/>
+                <a:cs typeface="Calibri" panose="020F0502020204030204" pitchFamily="34" charset="0"/>
+              </a:rPr>
+              <a:t>Initially, we expected that income differences (county level) would influence health care</a:t>
+            </a:r>
+          </a:p>
+          <a:p>
+            <a:pPr>
+              <a:spcBef>
+                <a:spcPts val="0"/>
+              </a:spcBef>
+            </a:pPr>
+            <a:endParaRPr lang="en-US" sz="1900" dirty="0">
+              <a:latin typeface="Calibri" panose="020F0502020204030204" pitchFamily="34" charset="0"/>
+              <a:cs typeface="Calibri" panose="020F0502020204030204" pitchFamily="34" charset="0"/>
+            </a:endParaRPr>
+          </a:p>
+          <a:p>
+            <a:pPr>
+              <a:spcBef>
+                <a:spcPts val="0"/>
+              </a:spcBef>
+            </a:pPr>
+            <a:r>
+              <a:rPr lang="en-US" sz="1900" dirty="0">
+                <a:latin typeface="Calibri" panose="020F0502020204030204" pitchFamily="34" charset="0"/>
+                <a:cs typeface="Calibri" panose="020F0502020204030204" pitchFamily="34" charset="0"/>
+              </a:rPr>
+              <a:t>The information was able to be obtained from cms.gov, medicare.gov and the census bureau.</a:t>
+            </a:r>
+          </a:p>
+          <a:p>
+            <a:pPr>
+              <a:spcBef>
+                <a:spcPts val="0"/>
+              </a:spcBef>
+            </a:pPr>
+            <a:endParaRPr lang="en-US" sz="1900" dirty="0">
+              <a:latin typeface="Calibri" panose="020F0502020204030204" pitchFamily="34" charset="0"/>
+              <a:cs typeface="Calibri" panose="020F0502020204030204" pitchFamily="34" charset="0"/>
+            </a:endParaRPr>
+          </a:p>
+          <a:p>
+            <a:pPr>
+              <a:spcBef>
+                <a:spcPts val="0"/>
+              </a:spcBef>
+            </a:pPr>
+            <a:r>
+              <a:rPr lang="en-US" sz="1900" dirty="0">
+                <a:latin typeface="Calibri" panose="020F0502020204030204" pitchFamily="34" charset="0"/>
+                <a:cs typeface="Calibri" panose="020F0502020204030204" pitchFamily="34" charset="0"/>
+              </a:rPr>
+              <a:t>API’s were available but the sites presented data filtering tools – </a:t>
+            </a:r>
+          </a:p>
+          <a:p>
+            <a:pPr marL="0" indent="0">
+              <a:spcBef>
+                <a:spcPts val="0"/>
+              </a:spcBef>
+              <a:buNone/>
+            </a:pPr>
+            <a:r>
+              <a:rPr lang="en-US" sz="1900" dirty="0">
+                <a:latin typeface="Calibri" panose="020F0502020204030204" pitchFamily="34" charset="0"/>
+                <a:cs typeface="Calibri" panose="020F0502020204030204" pitchFamily="34" charset="0"/>
+              </a:rPr>
+              <a:t>	allowing smaller more manageable csv formatted files.</a:t>
+            </a:r>
+          </a:p>
+          <a:p>
+            <a:pPr marL="0" indent="0">
+              <a:spcBef>
+                <a:spcPts val="0"/>
+              </a:spcBef>
+              <a:buNone/>
+            </a:pPr>
+            <a:endParaRPr lang="en-US" sz="1900" dirty="0">
+              <a:latin typeface="Calibri" panose="020F0502020204030204" pitchFamily="34" charset="0"/>
+              <a:cs typeface="Calibri" panose="020F0502020204030204" pitchFamily="34" charset="0"/>
+            </a:endParaRPr>
+          </a:p>
+          <a:p>
+            <a:pPr>
+              <a:spcBef>
+                <a:spcPts val="0"/>
+              </a:spcBef>
+            </a:pPr>
+            <a:r>
+              <a:rPr lang="en-US" sz="1900" dirty="0">
+                <a:latin typeface="Calibri" panose="020F0502020204030204" pitchFamily="34" charset="0"/>
+                <a:cs typeface="Calibri" panose="020F0502020204030204" pitchFamily="34" charset="0"/>
+              </a:rPr>
+              <a:t>Many of the columns were Object-type</a:t>
+            </a:r>
+          </a:p>
+          <a:p>
+            <a:pPr>
+              <a:spcBef>
+                <a:spcPts val="0"/>
+              </a:spcBef>
+            </a:pPr>
+            <a:endParaRPr lang="en-US" sz="1900" dirty="0">
+              <a:latin typeface="Calibri" panose="020F0502020204030204" pitchFamily="34" charset="0"/>
+              <a:cs typeface="Calibri" panose="020F0502020204030204" pitchFamily="34" charset="0"/>
+            </a:endParaRPr>
+          </a:p>
+          <a:p>
+            <a:pPr>
+              <a:spcBef>
+                <a:spcPts val="0"/>
+              </a:spcBef>
+            </a:pPr>
+            <a:r>
+              <a:rPr lang="en-US" sz="1900" dirty="0">
+                <a:latin typeface="Calibri" panose="020F0502020204030204" pitchFamily="34" charset="0"/>
+                <a:cs typeface="Calibri" panose="020F0502020204030204" pitchFamily="34" charset="0"/>
+              </a:rPr>
+              <a:t>We saw “Score” columns frequently but they had different meanings for each file</a:t>
+            </a:r>
+          </a:p>
+          <a:p>
+            <a:pPr>
+              <a:spcBef>
+                <a:spcPts val="0"/>
+              </a:spcBef>
+            </a:pPr>
+            <a:endParaRPr lang="en-US" sz="1900" dirty="0">
+              <a:latin typeface="Calibri" panose="020F0502020204030204" pitchFamily="34" charset="0"/>
+              <a:cs typeface="Calibri" panose="020F0502020204030204" pitchFamily="34" charset="0"/>
+            </a:endParaRPr>
+          </a:p>
+          <a:p>
+            <a:pPr>
+              <a:spcBef>
+                <a:spcPts val="0"/>
+              </a:spcBef>
+            </a:pPr>
+            <a:r>
+              <a:rPr lang="en-US" sz="1900" dirty="0">
+                <a:latin typeface="Calibri" panose="020F0502020204030204" pitchFamily="34" charset="0"/>
+                <a:cs typeface="Calibri" panose="020F0502020204030204" pitchFamily="34" charset="0"/>
+              </a:rPr>
+              <a:t>We tried casting them to floats, but ran into issues with </a:t>
+            </a:r>
+            <a:r>
+              <a:rPr lang="en-US" sz="1900" dirty="0" err="1">
+                <a:latin typeface="Calibri" panose="020F0502020204030204" pitchFamily="34" charset="0"/>
+                <a:cs typeface="Calibri" panose="020F0502020204030204" pitchFamily="34" charset="0"/>
+              </a:rPr>
+              <a:t>NaN</a:t>
+            </a:r>
+            <a:r>
+              <a:rPr lang="en-US" sz="1900" dirty="0">
+                <a:latin typeface="Calibri" panose="020F0502020204030204" pitchFamily="34" charset="0"/>
+                <a:cs typeface="Calibri" panose="020F0502020204030204" pitchFamily="34" charset="0"/>
+              </a:rPr>
+              <a:t> columns and null values</a:t>
+            </a:r>
+          </a:p>
+          <a:p>
+            <a:pPr>
+              <a:spcBef>
+                <a:spcPts val="0"/>
+              </a:spcBef>
+            </a:pPr>
+            <a:endParaRPr lang="en-US" sz="1900" dirty="0">
+              <a:latin typeface="Calibri" panose="020F0502020204030204" pitchFamily="34" charset="0"/>
+              <a:cs typeface="Calibri" panose="020F0502020204030204" pitchFamily="34" charset="0"/>
+            </a:endParaRPr>
+          </a:p>
+          <a:p>
+            <a:pPr>
+              <a:spcBef>
+                <a:spcPts val="0"/>
+              </a:spcBef>
+            </a:pPr>
+            <a:r>
+              <a:rPr lang="en-US" sz="1900" dirty="0">
+                <a:latin typeface="Calibri" panose="020F0502020204030204" pitchFamily="34" charset="0"/>
+                <a:cs typeface="Calibri" panose="020F0502020204030204" pitchFamily="34" charset="0"/>
+              </a:rPr>
+              <a:t>Trying to replace the </a:t>
+            </a:r>
+            <a:r>
+              <a:rPr lang="en-US" sz="1900" dirty="0" err="1">
+                <a:latin typeface="Calibri" panose="020F0502020204030204" pitchFamily="34" charset="0"/>
+                <a:cs typeface="Calibri" panose="020F0502020204030204" pitchFamily="34" charset="0"/>
+              </a:rPr>
+              <a:t>NaN</a:t>
+            </a:r>
+            <a:r>
+              <a:rPr lang="en-US" sz="1900" dirty="0">
+                <a:latin typeface="Calibri" panose="020F0502020204030204" pitchFamily="34" charset="0"/>
+                <a:cs typeface="Calibri" panose="020F0502020204030204" pitchFamily="34" charset="0"/>
+              </a:rPr>
+              <a:t> columns led us to realize that Data Series values are ambiguous, and you can’t directly compare them to a value</a:t>
+            </a:r>
+          </a:p>
+          <a:p>
+            <a:pPr>
+              <a:spcBef>
+                <a:spcPts val="0"/>
+              </a:spcBef>
+            </a:pPr>
+            <a:endParaRPr lang="en-US" sz="1900" dirty="0">
+              <a:latin typeface="Calibri" panose="020F0502020204030204" pitchFamily="34" charset="0"/>
+              <a:cs typeface="Calibri" panose="020F0502020204030204" pitchFamily="34" charset="0"/>
+            </a:endParaRPr>
+          </a:p>
+          <a:p>
+            <a:pPr>
+              <a:spcBef>
+                <a:spcPts val="0"/>
+              </a:spcBef>
+            </a:pPr>
+            <a:r>
+              <a:rPr lang="en-US" sz="1900" dirty="0">
+                <a:latin typeface="Calibri" panose="020F0502020204030204" pitchFamily="34" charset="0"/>
+                <a:cs typeface="Calibri" panose="020F0502020204030204" pitchFamily="34" charset="0"/>
+              </a:rPr>
+              <a:t>Experimented with VBA scripting but there was too much data and it didn’t work</a:t>
+            </a:r>
+          </a:p>
+          <a:p>
+            <a:pPr marL="0" indent="0">
+              <a:buNone/>
+            </a:pPr>
+            <a:endParaRPr lang="en-US" dirty="0">
+              <a:latin typeface="Calibri" panose="020F0502020204030204" pitchFamily="34" charset="0"/>
+              <a:cs typeface="Calibri" panose="020F0502020204030204" pitchFamily="34" charset="0"/>
+            </a:endParaRPr>
+          </a:p>
+        </p:txBody>
+      </p:sp>
+      <p:sp>
+        <p:nvSpPr>
+          <p:cNvPr id="6" name="Title 1">
+            <a:extLst>
+              <a:ext uri="{FF2B5EF4-FFF2-40B4-BE49-F238E27FC236}">
+                <a16:creationId xmlns:a16="http://schemas.microsoft.com/office/drawing/2014/main" id="{6B167B1A-C128-4AFC-8980-D4EC13B5930E}"/>
+              </a:ext>
+            </a:extLst>
+          </p:cNvPr>
+          <p:cNvSpPr>
+            <a:spLocks noGrp="1"/>
+          </p:cNvSpPr>
+          <p:nvPr>
+            <p:ph type="title"/>
+          </p:nvPr>
+        </p:nvSpPr>
+        <p:spPr>
+          <a:xfrm>
+            <a:off x="3576462" y="381173"/>
+            <a:ext cx="5039075" cy="692799"/>
+          </a:xfrm>
+        </p:spPr>
+        <p:txBody>
+          <a:bodyPr/>
+          <a:lstStyle/>
+          <a:p>
+            <a:pPr algn="ctr"/>
+            <a:r>
+              <a:rPr lang="en-US" dirty="0">
+                <a:latin typeface="Calibri" panose="020F0502020204030204" pitchFamily="34" charset="0"/>
+                <a:cs typeface="Calibri" panose="020F0502020204030204" pitchFamily="34" charset="0"/>
+              </a:rPr>
+              <a:t>Data Cleaning</a:t>
+            </a:r>
+            <a:endParaRPr lang="en-US" sz="1800" dirty="0">
+              <a:latin typeface="Calibri" panose="020F0502020204030204" pitchFamily="34" charset="0"/>
+              <a:cs typeface="Calibri" panose="020F0502020204030204" pitchFamily="34" charset="0"/>
+            </a:endParaRPr>
+          </a:p>
+        </p:txBody>
+      </p:sp>
+    </p:spTree>
+    <p:extLst>
+      <p:ext uri="{BB962C8B-B14F-4D97-AF65-F5344CB8AC3E}">
+        <p14:creationId xmlns:p14="http://schemas.microsoft.com/office/powerpoint/2010/main" val="1020637921"/>
+      </p:ext>
+    </p:extLst>
+  </p:cSld>
+  <p:clrMapOvr>
+    <a:masterClrMapping/>
+  </p:clrMapOvr>
+</p:sld>
+</file>
+
+<file path=ppt/slides/slide5.xml><?xml version="1.0" encoding="utf-8"?>
+<p:sld xmlns:a="http://schemas.openxmlformats.org/drawingml/2006/main" xmlns:r="http://schemas.openxmlformats.org/officeDocument/2006/relationships" xmlns:p="http://schemas.openxmlformats.org/presentationml/2006/main">
+  <p:cSld>
+    <p:spTree>
+      <p:nvGrpSpPr>
+        <p:cNvPr id="1" name=""/>
+        <p:cNvGrpSpPr/>
+        <p:nvPr/>
+      </p:nvGrpSpPr>
+      <p:grpSpPr>
+        <a:xfrm>
+          <a:off x="0" y="0"/>
+          <a:ext cx="0" cy="0"/>
+          <a:chOff x="0" y="0"/>
+          <a:chExt cx="0" cy="0"/>
+        </a:xfrm>
+      </p:grpSpPr>
+      <p:sp>
+        <p:nvSpPr>
+          <p:cNvPr id="2" name="Title 1">
+            <a:extLst>
+              <a:ext uri="{FF2B5EF4-FFF2-40B4-BE49-F238E27FC236}">
+                <a16:creationId xmlns:a16="http://schemas.microsoft.com/office/drawing/2014/main" id="{8FA609FA-2602-460C-B86A-36EF1C8E1ED8}"/>
+              </a:ext>
+            </a:extLst>
+          </p:cNvPr>
+          <p:cNvSpPr>
+            <a:spLocks noGrp="1"/>
+          </p:cNvSpPr>
+          <p:nvPr>
+            <p:ph type="title"/>
+          </p:nvPr>
+        </p:nvSpPr>
+        <p:spPr>
+          <a:xfrm>
+            <a:off x="892487" y="167813"/>
+            <a:ext cx="8596668" cy="692799"/>
+          </a:xfrm>
+        </p:spPr>
+        <p:txBody>
+          <a:bodyPr/>
+          <a:lstStyle/>
+          <a:p>
+            <a:pPr algn="ctr"/>
+            <a:r>
+              <a:rPr lang="en-US" dirty="0">
+                <a:latin typeface="Calibri" panose="020F0502020204030204" pitchFamily="34" charset="0"/>
+                <a:cs typeface="Calibri" panose="020F0502020204030204" pitchFamily="34" charset="0"/>
+              </a:rPr>
+              <a:t>Data Cleaning </a:t>
+            </a:r>
+            <a:r>
+              <a:rPr lang="en-US" sz="1800" dirty="0">
+                <a:latin typeface="Calibri" panose="020F0502020204030204" pitchFamily="34" charset="0"/>
+                <a:cs typeface="Calibri" panose="020F0502020204030204" pitchFamily="34" charset="0"/>
+              </a:rPr>
+              <a:t>(continue)</a:t>
+            </a:r>
+          </a:p>
+        </p:txBody>
+      </p:sp>
+      <p:sp>
+        <p:nvSpPr>
+          <p:cNvPr id="3" name="Content Placeholder 2">
+            <a:extLst>
+              <a:ext uri="{FF2B5EF4-FFF2-40B4-BE49-F238E27FC236}">
+                <a16:creationId xmlns:a16="http://schemas.microsoft.com/office/drawing/2014/main" id="{912ACEB9-2452-4739-BDD4-C3D9D781E28A}"/>
+              </a:ext>
+            </a:extLst>
+          </p:cNvPr>
+          <p:cNvSpPr>
+            <a:spLocks noGrp="1"/>
+          </p:cNvSpPr>
+          <p:nvPr>
+            <p:ph idx="1"/>
+          </p:nvPr>
+        </p:nvSpPr>
+        <p:spPr>
+          <a:xfrm>
+            <a:off x="2250639" y="981635"/>
+            <a:ext cx="7238516" cy="4585447"/>
+          </a:xfrm>
+        </p:spPr>
+        <p:txBody>
+          <a:bodyPr/>
+          <a:lstStyle/>
+          <a:p>
+            <a:r>
+              <a:rPr lang="en-US" dirty="0">
+                <a:latin typeface="Calibri" panose="020F0502020204030204" pitchFamily="34" charset="0"/>
+                <a:cs typeface="Calibri" panose="020F0502020204030204" pitchFamily="34" charset="0"/>
+              </a:rPr>
+              <a:t>Ignoring missing values vs filling reasonable numbers:</a:t>
+            </a:r>
+          </a:p>
+          <a:p>
+            <a:pPr marL="457200" lvl="1" indent="0">
+              <a:spcBef>
+                <a:spcPts val="0"/>
+              </a:spcBef>
+              <a:buNone/>
+            </a:pPr>
+            <a:r>
+              <a:rPr lang="en-US" sz="1800" dirty="0" err="1">
+                <a:latin typeface="Calibri" panose="020F0502020204030204" pitchFamily="34" charset="0"/>
+                <a:cs typeface="Calibri" panose="020F0502020204030204" pitchFamily="34" charset="0"/>
+              </a:rPr>
+              <a:t>DataFrame.dropna</a:t>
+            </a:r>
+            <a:r>
+              <a:rPr lang="en-US" sz="1800" dirty="0">
+                <a:latin typeface="Calibri" panose="020F0502020204030204" pitchFamily="34" charset="0"/>
+                <a:cs typeface="Calibri" panose="020F0502020204030204" pitchFamily="34" charset="0"/>
+              </a:rPr>
+              <a:t> = lose accuracy</a:t>
+            </a:r>
+          </a:p>
+          <a:p>
+            <a:pPr marL="457200" lvl="1" indent="0">
+              <a:spcBef>
+                <a:spcPts val="0"/>
+              </a:spcBef>
+              <a:buNone/>
+            </a:pPr>
+            <a:r>
+              <a:rPr lang="en-US" sz="1800" dirty="0">
+                <a:latin typeface="Calibri" panose="020F0502020204030204" pitchFamily="34" charset="0"/>
+                <a:cs typeface="Calibri" panose="020F0502020204030204" pitchFamily="34" charset="0"/>
+              </a:rPr>
+              <a:t>Create your own function</a:t>
+            </a:r>
+          </a:p>
+          <a:p>
+            <a:pPr marL="457200" lvl="1" indent="0">
+              <a:spcBef>
+                <a:spcPts val="0"/>
+              </a:spcBef>
+              <a:buNone/>
+            </a:pPr>
+            <a:r>
+              <a:rPr lang="en-US" sz="1800" dirty="0">
+                <a:latin typeface="Calibri" panose="020F0502020204030204" pitchFamily="34" charset="0"/>
+                <a:cs typeface="Calibri" panose="020F0502020204030204" pitchFamily="34" charset="0"/>
+              </a:rPr>
+              <a:t>Lambda function</a:t>
+            </a:r>
+          </a:p>
+          <a:p>
+            <a:pPr marL="914400" lvl="2" indent="0">
+              <a:spcBef>
+                <a:spcPts val="0"/>
+              </a:spcBef>
+              <a:buNone/>
+            </a:pPr>
+            <a:r>
+              <a:rPr lang="en-US" sz="1800" dirty="0">
+                <a:latin typeface="Calibri" panose="020F0502020204030204" pitchFamily="34" charset="0"/>
+                <a:cs typeface="Calibri" panose="020F0502020204030204" pitchFamily="34" charset="0"/>
+              </a:rPr>
+              <a:t>I. e. </a:t>
+            </a:r>
+            <a:r>
+              <a:rPr lang="en-US" sz="1800" dirty="0" err="1">
+                <a:latin typeface="Calibri" panose="020F0502020204030204" pitchFamily="34" charset="0"/>
+                <a:cs typeface="Calibri" panose="020F0502020204030204" pitchFamily="34" charset="0"/>
+              </a:rPr>
+              <a:t>df</a:t>
+            </a:r>
+            <a:r>
+              <a:rPr lang="en-US" sz="1800" dirty="0">
+                <a:latin typeface="Calibri" panose="020F0502020204030204" pitchFamily="34" charset="0"/>
+                <a:cs typeface="Calibri" panose="020F0502020204030204" pitchFamily="34" charset="0"/>
+              </a:rPr>
+              <a:t>[‘Score’].apply(lambda x: </a:t>
+            </a:r>
+            <a:r>
+              <a:rPr lang="en-US" sz="1800" dirty="0" err="1">
+                <a:latin typeface="Calibri" panose="020F0502020204030204" pitchFamily="34" charset="0"/>
+                <a:cs typeface="Calibri" panose="020F0502020204030204" pitchFamily="34" charset="0"/>
+              </a:rPr>
+              <a:t>x.fillna</a:t>
+            </a:r>
+            <a:r>
+              <a:rPr lang="en-US" sz="1800" dirty="0">
+                <a:latin typeface="Calibri" panose="020F0502020204030204" pitchFamily="34" charset="0"/>
+                <a:cs typeface="Calibri" panose="020F0502020204030204" pitchFamily="34" charset="0"/>
+              </a:rPr>
+              <a:t>(</a:t>
+            </a:r>
+            <a:r>
+              <a:rPr lang="en-US" sz="1800" dirty="0" err="1">
+                <a:latin typeface="Calibri" panose="020F0502020204030204" pitchFamily="34" charset="0"/>
+                <a:cs typeface="Calibri" panose="020F0502020204030204" pitchFamily="34" charset="0"/>
+              </a:rPr>
+              <a:t>x.mean</a:t>
+            </a:r>
+            <a:r>
+              <a:rPr lang="en-US" sz="1800" dirty="0">
+                <a:latin typeface="Calibri" panose="020F0502020204030204" pitchFamily="34" charset="0"/>
+                <a:cs typeface="Calibri" panose="020F0502020204030204" pitchFamily="34" charset="0"/>
+              </a:rPr>
+              <a:t>()),axis=1)</a:t>
+            </a:r>
+          </a:p>
+          <a:p>
+            <a:r>
+              <a:rPr lang="en-US" dirty="0">
+                <a:latin typeface="Calibri" panose="020F0502020204030204" pitchFamily="34" charset="0"/>
+                <a:cs typeface="Calibri" panose="020F0502020204030204" pitchFamily="34" charset="0"/>
+              </a:rPr>
+              <a:t>Normalizing data (rescaling or standardizing)</a:t>
+            </a:r>
+          </a:p>
+          <a:p>
+            <a:pPr marL="457200" lvl="1" indent="0">
+              <a:spcBef>
+                <a:spcPts val="0"/>
+              </a:spcBef>
+              <a:buNone/>
+            </a:pPr>
+            <a:r>
+              <a:rPr lang="en-US" sz="1800" dirty="0" err="1">
+                <a:latin typeface="Calibri" panose="020F0502020204030204" pitchFamily="34" charset="0"/>
+                <a:cs typeface="Calibri" panose="020F0502020204030204" pitchFamily="34" charset="0"/>
+              </a:rPr>
+              <a:t>dfA</a:t>
+            </a:r>
+            <a:r>
+              <a:rPr lang="en-US" sz="1800" dirty="0">
+                <a:latin typeface="Calibri" panose="020F0502020204030204" pitchFamily="34" charset="0"/>
+                <a:cs typeface="Calibri" panose="020F0502020204030204" pitchFamily="34" charset="0"/>
+              </a:rPr>
+              <a:t> score range: 0 to 30</a:t>
+            </a:r>
+          </a:p>
+          <a:p>
+            <a:pPr marL="457200" lvl="1" indent="0">
+              <a:spcBef>
+                <a:spcPts val="0"/>
+              </a:spcBef>
+              <a:buNone/>
+            </a:pPr>
+            <a:r>
+              <a:rPr lang="en-US" sz="1800" dirty="0" err="1">
+                <a:latin typeface="Calibri" panose="020F0502020204030204" pitchFamily="34" charset="0"/>
+                <a:cs typeface="Calibri" panose="020F0502020204030204" pitchFamily="34" charset="0"/>
+              </a:rPr>
+              <a:t>dfB</a:t>
+            </a:r>
+            <a:r>
+              <a:rPr lang="en-US" sz="1800" dirty="0">
+                <a:latin typeface="Calibri" panose="020F0502020204030204" pitchFamily="34" charset="0"/>
+                <a:cs typeface="Calibri" panose="020F0502020204030204" pitchFamily="34" charset="0"/>
+              </a:rPr>
+              <a:t> score range: -30 to 50</a:t>
+            </a:r>
+          </a:p>
+          <a:p>
+            <a:pPr marL="0" indent="0">
+              <a:buNone/>
+            </a:pPr>
+            <a:endParaRPr lang="en-US" dirty="0"/>
+          </a:p>
+        </p:txBody>
+      </p:sp>
+    </p:spTree>
+    <p:extLst>
+      <p:ext uri="{BB962C8B-B14F-4D97-AF65-F5344CB8AC3E}">
+        <p14:creationId xmlns:p14="http://schemas.microsoft.com/office/powerpoint/2010/main" val="3722343492"/>
+      </p:ext>
+    </p:extLst>
+  </p:cSld>
+  <p:clrMapOvr>
+    <a:masterClrMapping/>
+  </p:clrMapOvr>
+</p:sld>
+</file>
+
+<file path=ppt/slides/slide6.xml><?xml version="1.0" encoding="utf-8"?>
+<p:sld xmlns:a="http://schemas.openxmlformats.org/drawingml/2006/main" xmlns:r="http://schemas.openxmlformats.org/officeDocument/2006/relationships" xmlns:p="http://schemas.openxmlformats.org/presentationml/2006/main">
+  <p:cSld>
+    <p:bg>
+      <p:bgPr>
+        <a:solidFill>
+          <a:schemeClr val="bg1"/>
+        </a:solidFill>
+        <a:effectLst/>
+      </p:bgPr>
+    </p:bg>
+    <p:spTree>
+      <p:nvGrpSpPr>
+        <p:cNvPr id="1" name=""/>
+        <p:cNvGrpSpPr/>
+        <p:nvPr/>
+      </p:nvGrpSpPr>
+      <p:grpSpPr>
+        <a:xfrm>
+          <a:off x="0" y="0"/>
+          <a:ext cx="0" cy="0"/>
+          <a:chOff x="0" y="0"/>
+          <a:chExt cx="0" cy="0"/>
+        </a:xfrm>
+      </p:grpSpPr>
+      <p:grpSp>
+        <p:nvGrpSpPr>
+          <p:cNvPr id="37" name="Group 9">
+            <a:extLst>
+              <a:ext uri="{FF2B5EF4-FFF2-40B4-BE49-F238E27FC236}">
+                <a16:creationId xmlns:a16="http://schemas.microsoft.com/office/drawing/2014/main" id="{DDE8DE2B-61C1-46D5-BEB8-521321C182C4}"/>
+              </a:ext>
+              <a:ext uri="{C183D7F6-B498-43B3-948B-1728B52AA6E4}">
+                <adec:decorative xmlns:adec="http://schemas.microsoft.com/office/drawing/2017/decorative" val="1"/>
+              </a:ext>
+            </a:extLst>
+          </p:cNvPr>
+          <p:cNvGrpSpPr>
+            <a:grpSpLocks noGrp="1" noUngrp="1" noRot="1" noChangeAspect="1" noMove="1" noResize="1"/>
+          </p:cNvGrpSpPr>
+          <p:nvPr>
+            <p:extLst>
+              <p:ext uri="{386F3935-93C4-4BCD-93E2-E3B085C9AB24}">
+                <p16:designElem xmlns:p16="http://schemas.microsoft.com/office/powerpoint/2015/main" val="1"/>
+              </p:ext>
+            </p:extLst>
+          </p:nvPr>
+        </p:nvGrpSpPr>
+        <p:grpSpPr>
+          <a:xfrm>
+            <a:off x="0" y="-8467"/>
+            <a:ext cx="12192000" cy="6866467"/>
+            <a:chOff x="0" y="-8467"/>
+            <a:chExt cx="12192000" cy="6866467"/>
+          </a:xfrm>
+        </p:grpSpPr>
+        <p:cxnSp>
+          <p:nvCxnSpPr>
+            <p:cNvPr id="11" name="Straight Connector 10">
+              <a:extLst>
+                <a:ext uri="{FF2B5EF4-FFF2-40B4-BE49-F238E27FC236}">
+                  <a16:creationId xmlns:a16="http://schemas.microsoft.com/office/drawing/2014/main" id="{E012C92A-B902-4B69-BDCF-CCA3021FCB47}"/>
+                </a:ext>
+                <a:ext uri="{C183D7F6-B498-43B3-948B-1728B52AA6E4}">
+                  <adec:decorative xmlns:adec="http://schemas.microsoft.com/office/drawing/2017/decorative" val="1"/>
+                </a:ext>
+              </a:extLst>
+            </p:cNvPr>
+            <p:cNvCxnSpPr/>
+            <p:nvPr>
+              <p:extLst>
+                <p:ext uri="{386F3935-93C4-4BCD-93E2-E3B085C9AB24}">
+                  <p16:designElem xmlns:p16="http://schemas.microsoft.com/office/powerpoint/2015/main" val="1"/>
+                </p:ext>
+              </p:extLst>
+            </p:nvPr>
+          </p:nvCxnSpPr>
+          <p:spPr>
+            <a:xfrm>
+              <a:off x="9371012" y="0"/>
+              <a:ext cx="1219200" cy="6858000"/>
+            </a:xfrm>
+            <a:prstGeom prst="line">
+              <a:avLst/>
+            </a:prstGeom>
+            <a:ln w="9525">
+              <a:solidFill>
+                <a:schemeClr val="bg1">
+                  <a:lumMod val="75000"/>
+                </a:schemeClr>
+              </a:solidFill>
+            </a:ln>
+          </p:spPr>
+          <p:style>
+            <a:lnRef idx="2">
+              <a:schemeClr val="accent1"/>
+            </a:lnRef>
+            <a:fillRef idx="0">
+              <a:schemeClr val="accent1"/>
+            </a:fillRef>
+            <a:effectRef idx="1">
+              <a:schemeClr val="accent1"/>
+            </a:effectRef>
+            <a:fontRef idx="minor">
+              <a:schemeClr val="tx1"/>
+            </a:fontRef>
+          </p:style>
+        </p:cxnSp>
+        <p:cxnSp>
+          <p:nvCxnSpPr>
+            <p:cNvPr id="12" name="Straight Connector 11">
+              <a:extLst>
+                <a:ext uri="{FF2B5EF4-FFF2-40B4-BE49-F238E27FC236}">
+                  <a16:creationId xmlns:a16="http://schemas.microsoft.com/office/drawing/2014/main" id="{A2BDBC14-42A0-4182-BFBA-0751F6350CB3}"/>
+                </a:ext>
+                <a:ext uri="{C183D7F6-B498-43B3-948B-1728B52AA6E4}">
+                  <adec:decorative xmlns:adec="http://schemas.microsoft.com/office/drawing/2017/decorative" val="1"/>
+                </a:ext>
+              </a:extLst>
+            </p:cNvPr>
+            <p:cNvCxnSpPr/>
+            <p:nvPr>
+              <p:extLst>
+                <p:ext uri="{386F3935-93C4-4BCD-93E2-E3B085C9AB24}">
+                  <p16:designElem xmlns:p16="http://schemas.microsoft.com/office/powerpoint/2015/main" val="1"/>
+                </p:ext>
+              </p:extLst>
+            </p:nvPr>
+          </p:nvCxnSpPr>
+          <p:spPr>
+            <a:xfrm flipH="1">
+              <a:off x="7425267" y="3681413"/>
+              <a:ext cx="4763558" cy="3176587"/>
+            </a:xfrm>
+            <a:prstGeom prst="line">
+              <a:avLst/>
+            </a:prstGeom>
+            <a:ln w="9525">
+              <a:solidFill>
+                <a:schemeClr val="bg1">
+                  <a:lumMod val="85000"/>
+                </a:schemeClr>
+              </a:solidFill>
+            </a:ln>
+          </p:spPr>
+          <p:style>
+            <a:lnRef idx="2">
+              <a:schemeClr val="accent1"/>
+            </a:lnRef>
+            <a:fillRef idx="0">
+              <a:schemeClr val="accent1"/>
+            </a:fillRef>
+            <a:effectRef idx="1">
+              <a:schemeClr val="accent1"/>
+            </a:effectRef>
+            <a:fontRef idx="minor">
+              <a:schemeClr val="tx1"/>
+            </a:fontRef>
+          </p:style>
+        </p:cxnSp>
+        <p:sp>
+          <p:nvSpPr>
+            <p:cNvPr id="13" name="Rectangle 23">
+              <a:extLst>
+                <a:ext uri="{FF2B5EF4-FFF2-40B4-BE49-F238E27FC236}">
+                  <a16:creationId xmlns:a16="http://schemas.microsoft.com/office/drawing/2014/main" id="{902DC474-5BCC-4188-ACDC-AD63E6B187EC}"/>
+                </a:ext>
+                <a:ext uri="{C183D7F6-B498-43B3-948B-1728B52AA6E4}">
+                  <adec:decorative xmlns:adec="http://schemas.microsoft.com/office/drawing/2017/decorative" val="1"/>
+                </a:ext>
+              </a:extLst>
+            </p:cNvPr>
+            <p:cNvSpPr/>
+            <p:nvPr>
+              <p:extLst>
+                <p:ext uri="{386F3935-93C4-4BCD-93E2-E3B085C9AB24}">
+                  <p16:designElem xmlns:p16="http://schemas.microsoft.com/office/powerpoint/2015/main" val="1"/>
+                </p:ext>
+              </p:extLst>
+            </p:nvPr>
+          </p:nvSpPr>
+          <p:spPr>
+            <a:xfrm>
+              <a:off x="9181476" y="-8467"/>
+              <a:ext cx="3007349" cy="6866467"/>
+            </a:xfrm>
+            <a:custGeom>
+              <a:avLst/>
+              <a:gdLst/>
+              <a:ahLst/>
+              <a:cxnLst/>
+              <a:rect l="l" t="t" r="r" b="b"/>
+              <a:pathLst>
+                <a:path w="3007349" h="6866467">
+                  <a:moveTo>
+                    <a:pt x="2045532" y="0"/>
+                  </a:moveTo>
+                  <a:lnTo>
+                    <a:pt x="3007349" y="0"/>
+                  </a:lnTo>
+                  <a:lnTo>
+                    <a:pt x="3007349" y="6866467"/>
+                  </a:lnTo>
+                  <a:lnTo>
+                    <a:pt x="0" y="6866467"/>
+                  </a:lnTo>
+                  <a:lnTo>
+                    <a:pt x="2045532" y="0"/>
+                  </a:lnTo>
+                  <a:close/>
+                </a:path>
+              </a:pathLst>
+            </a:custGeom>
+            <a:solidFill>
+              <a:schemeClr val="accent1">
+                <a:alpha val="30000"/>
+              </a:schemeClr>
+            </a:solidFill>
+            <a:ln>
+              <a:noFill/>
+            </a:ln>
+            <a:effectLst/>
+          </p:spPr>
+          <p:style>
+            <a:lnRef idx="1">
+              <a:schemeClr val="accent1"/>
+            </a:lnRef>
+            <a:fillRef idx="3">
+              <a:schemeClr val="accent1"/>
+            </a:fillRef>
+            <a:effectRef idx="2">
+              <a:schemeClr val="accent1"/>
+            </a:effectRef>
+            <a:fontRef idx="minor">
+              <a:schemeClr val="lt1"/>
+            </a:fontRef>
+          </p:style>
+        </p:sp>
+        <p:sp>
+          <p:nvSpPr>
+            <p:cNvPr id="14" name="Rectangle 25">
+              <a:extLst>
+                <a:ext uri="{FF2B5EF4-FFF2-40B4-BE49-F238E27FC236}">
+                  <a16:creationId xmlns:a16="http://schemas.microsoft.com/office/drawing/2014/main" id="{7B427019-8592-4032-931B-4F27104C9DE2}"/>
+                </a:ext>
+                <a:ext uri="{C183D7F6-B498-43B3-948B-1728B52AA6E4}">
+                  <adec:decorative xmlns:adec="http://schemas.microsoft.com/office/drawing/2017/decorative" val="1"/>
+                </a:ext>
+              </a:extLst>
+            </p:cNvPr>
+            <p:cNvSpPr/>
+            <p:nvPr>
+              <p:extLst>
+                <p:ext uri="{386F3935-93C4-4BCD-93E2-E3B085C9AB24}">
+                  <p16:designElem xmlns:p16="http://schemas.microsoft.com/office/powerpoint/2015/main" val="1"/>
+                </p:ext>
+              </p:extLst>
+            </p:nvPr>
+          </p:nvSpPr>
+          <p:spPr>
+            <a:xfrm>
+              <a:off x="9603442" y="-8467"/>
+              <a:ext cx="2588558" cy="6866467"/>
+            </a:xfrm>
+            <a:custGeom>
+              <a:avLst/>
+              <a:gdLst/>
+              <a:ahLst/>
+              <a:cxnLst/>
+              <a:rect l="l" t="t" r="r" b="b"/>
+              <a:pathLst>
+                <a:path w="2573311" h="6866467">
+                  <a:moveTo>
+                    <a:pt x="0" y="0"/>
+                  </a:moveTo>
+                  <a:lnTo>
+                    <a:pt x="2573311" y="0"/>
+                  </a:lnTo>
+                  <a:lnTo>
+                    <a:pt x="2573311" y="6866467"/>
+                  </a:lnTo>
+                  <a:lnTo>
+                    <a:pt x="1202336" y="6866467"/>
+                  </a:lnTo>
+                  <a:lnTo>
+                    <a:pt x="0" y="0"/>
+                  </a:lnTo>
+                  <a:close/>
+                </a:path>
+              </a:pathLst>
+            </a:custGeom>
+            <a:solidFill>
+              <a:schemeClr val="accent1">
+                <a:alpha val="20000"/>
+              </a:schemeClr>
+            </a:solidFill>
+            <a:ln>
+              <a:noFill/>
+            </a:ln>
+            <a:effectLst/>
+          </p:spPr>
+          <p:style>
+            <a:lnRef idx="1">
+              <a:schemeClr val="accent1"/>
+            </a:lnRef>
+            <a:fillRef idx="3">
+              <a:schemeClr val="accent1"/>
+            </a:fillRef>
+            <a:effectRef idx="2">
+              <a:schemeClr val="accent1"/>
+            </a:effectRef>
+            <a:fontRef idx="minor">
+              <a:schemeClr val="lt1"/>
+            </a:fontRef>
+          </p:style>
+        </p:sp>
+        <p:sp>
+          <p:nvSpPr>
+            <p:cNvPr id="15" name="Isosceles Triangle 14">
+              <a:extLst>
+                <a:ext uri="{FF2B5EF4-FFF2-40B4-BE49-F238E27FC236}">
+                  <a16:creationId xmlns:a16="http://schemas.microsoft.com/office/drawing/2014/main" id="{1D6E2CEA-A5BB-4CF7-B907-AE4DBF6748EB}"/>
+                </a:ext>
+                <a:ext uri="{C183D7F6-B498-43B3-948B-1728B52AA6E4}">
+                  <adec:decorative xmlns:adec="http://schemas.microsoft.com/office/drawing/2017/decorative" val="1"/>
+                </a:ext>
+              </a:extLst>
+            </p:cNvPr>
+            <p:cNvSpPr/>
+            <p:nvPr>
+              <p:extLst>
+                <p:ext uri="{386F3935-93C4-4BCD-93E2-E3B085C9AB24}">
+                  <p16:designElem xmlns:p16="http://schemas.microsoft.com/office/powerpoint/2015/main" val="1"/>
+                </p:ext>
+              </p:extLst>
+            </p:nvPr>
+          </p:nvSpPr>
+          <p:spPr>
+            <a:xfrm>
+              <a:off x="8932333" y="3048000"/>
+              <a:ext cx="3259667" cy="3810000"/>
+            </a:xfrm>
+            <a:prstGeom prst="triangle">
+              <a:avLst>
+                <a:gd name="adj" fmla="val 100000"/>
+              </a:avLst>
+            </a:prstGeom>
+            <a:solidFill>
+              <a:schemeClr val="accent2">
+                <a:alpha val="72000"/>
+              </a:schemeClr>
+            </a:solidFill>
+            <a:ln>
+              <a:noFill/>
+            </a:ln>
+            <a:effectLst/>
+          </p:spPr>
+          <p:style>
+            <a:lnRef idx="1">
+              <a:schemeClr val="accent1"/>
+            </a:lnRef>
+            <a:fillRef idx="3">
+              <a:schemeClr val="accent1"/>
+            </a:fillRef>
+            <a:effectRef idx="2">
+              <a:schemeClr val="accent1"/>
+            </a:effectRef>
+            <a:fontRef idx="minor">
+              <a:schemeClr val="lt1"/>
+            </a:fontRef>
+          </p:style>
+        </p:sp>
+        <p:sp>
+          <p:nvSpPr>
+            <p:cNvPr id="16" name="Rectangle 27">
+              <a:extLst>
+                <a:ext uri="{FF2B5EF4-FFF2-40B4-BE49-F238E27FC236}">
+                  <a16:creationId xmlns:a16="http://schemas.microsoft.com/office/drawing/2014/main" id="{78D09D5A-29CC-4B32-9CE1-72E607558A6C}"/>
+                </a:ext>
+                <a:ext uri="{C183D7F6-B498-43B3-948B-1728B52AA6E4}">
+                  <adec:decorative xmlns:adec="http://schemas.microsoft.com/office/drawing/2017/decorative" val="1"/>
+                </a:ext>
+              </a:extLst>
+            </p:cNvPr>
+            <p:cNvSpPr/>
+            <p:nvPr>
+              <p:extLst>
+                <p:ext uri="{386F3935-93C4-4BCD-93E2-E3B085C9AB24}">
+                  <p16:designElem xmlns:p16="http://schemas.microsoft.com/office/powerpoint/2015/main" val="1"/>
+                </p:ext>
+              </p:extLst>
+            </p:nvPr>
+          </p:nvSpPr>
+          <p:spPr>
+            <a:xfrm>
+              <a:off x="9334500" y="-8467"/>
+              <a:ext cx="2854326" cy="6866467"/>
+            </a:xfrm>
+            <a:custGeom>
+              <a:avLst/>
+              <a:gdLst/>
+              <a:ahLst/>
+              <a:cxnLst/>
+              <a:rect l="l" t="t" r="r" b="b"/>
+              <a:pathLst>
+                <a:path w="2858013" h="6866467">
+                  <a:moveTo>
+                    <a:pt x="0" y="0"/>
+                  </a:moveTo>
+                  <a:lnTo>
+                    <a:pt x="2858013" y="0"/>
+                  </a:lnTo>
+                  <a:lnTo>
+                    <a:pt x="2858013" y="6866467"/>
+                  </a:lnTo>
+                  <a:lnTo>
+                    <a:pt x="2473942" y="6866467"/>
+                  </a:lnTo>
+                  <a:lnTo>
+                    <a:pt x="0" y="0"/>
+                  </a:lnTo>
+                  <a:close/>
+                </a:path>
+              </a:pathLst>
+            </a:custGeom>
+            <a:solidFill>
+              <a:schemeClr val="accent2">
+                <a:lumMod val="75000"/>
+                <a:alpha val="70000"/>
+              </a:schemeClr>
+            </a:solidFill>
+            <a:ln>
+              <a:noFill/>
+            </a:ln>
+            <a:effectLst/>
+          </p:spPr>
+          <p:style>
+            <a:lnRef idx="1">
+              <a:schemeClr val="accent1"/>
+            </a:lnRef>
+            <a:fillRef idx="3">
+              <a:schemeClr val="accent1"/>
+            </a:fillRef>
+            <a:effectRef idx="2">
+              <a:schemeClr val="accent1"/>
+            </a:effectRef>
+            <a:fontRef idx="minor">
+              <a:schemeClr val="lt1"/>
+            </a:fontRef>
+          </p:style>
+        </p:sp>
+        <p:sp>
+          <p:nvSpPr>
+            <p:cNvPr id="17" name="Rectangle 28">
+              <a:extLst>
+                <a:ext uri="{FF2B5EF4-FFF2-40B4-BE49-F238E27FC236}">
+                  <a16:creationId xmlns:a16="http://schemas.microsoft.com/office/drawing/2014/main" id="{6DF3A3FC-950B-40B0-923D-0F0BC1A54204}"/>
+                </a:ext>
+                <a:ext uri="{C183D7F6-B498-43B3-948B-1728B52AA6E4}">
+                  <adec:decorative xmlns:adec="http://schemas.microsoft.com/office/drawing/2017/decorative" val="1"/>
+                </a:ext>
+              </a:extLst>
+            </p:cNvPr>
+            <p:cNvSpPr/>
+            <p:nvPr>
+              <p:extLst>
+                <p:ext uri="{386F3935-93C4-4BCD-93E2-E3B085C9AB24}">
+                  <p16:designElem xmlns:p16="http://schemas.microsoft.com/office/powerpoint/2015/main" val="1"/>
+                </p:ext>
+              </p:extLst>
+            </p:nvPr>
+          </p:nvSpPr>
+          <p:spPr>
+            <a:xfrm>
+              <a:off x="10898730" y="-8467"/>
+              <a:ext cx="1290094" cy="6866467"/>
+            </a:xfrm>
+            <a:custGeom>
+              <a:avLst/>
+              <a:gdLst/>
+              <a:ahLst/>
+              <a:cxnLst/>
+              <a:rect l="l" t="t" r="r" b="b"/>
+              <a:pathLst>
+                <a:path w="1290094" h="6858000">
+                  <a:moveTo>
+                    <a:pt x="1019735" y="0"/>
+                  </a:moveTo>
+                  <a:lnTo>
+                    <a:pt x="1290094" y="0"/>
+                  </a:lnTo>
+                  <a:lnTo>
+                    <a:pt x="1290094" y="6858000"/>
+                  </a:lnTo>
+                  <a:lnTo>
+                    <a:pt x="0" y="6858000"/>
+                  </a:lnTo>
+                  <a:lnTo>
+                    <a:pt x="1019735" y="0"/>
+                  </a:lnTo>
+                  <a:close/>
+                </a:path>
+              </a:pathLst>
+            </a:custGeom>
+            <a:solidFill>
+              <a:schemeClr val="accent1">
+                <a:lumMod val="60000"/>
+                <a:lumOff val="40000"/>
+                <a:alpha val="70000"/>
+              </a:schemeClr>
+            </a:solidFill>
+            <a:ln>
+              <a:noFill/>
+            </a:ln>
+            <a:effectLst/>
+          </p:spPr>
+          <p:style>
+            <a:lnRef idx="1">
+              <a:schemeClr val="accent1"/>
+            </a:lnRef>
+            <a:fillRef idx="3">
+              <a:schemeClr val="accent1"/>
+            </a:fillRef>
+            <a:effectRef idx="2">
+              <a:schemeClr val="accent1"/>
+            </a:effectRef>
+            <a:fontRef idx="minor">
+              <a:schemeClr val="lt1"/>
+            </a:fontRef>
+          </p:style>
+        </p:sp>
+        <p:sp>
+          <p:nvSpPr>
+            <p:cNvPr id="18" name="Rectangle 29">
+              <a:extLst>
+                <a:ext uri="{FF2B5EF4-FFF2-40B4-BE49-F238E27FC236}">
+                  <a16:creationId xmlns:a16="http://schemas.microsoft.com/office/drawing/2014/main" id="{BCA0F2E1-CD3D-4521-9CCB-41A5CC6C543E}"/>
+                </a:ext>
+                <a:ext uri="{C183D7F6-B498-43B3-948B-1728B52AA6E4}">
+                  <adec:decorative xmlns:adec="http://schemas.microsoft.com/office/drawing/2017/decorative" val="1"/>
+                </a:ext>
+              </a:extLst>
+            </p:cNvPr>
+            <p:cNvSpPr/>
+            <p:nvPr>
+              <p:extLst>
+                <p:ext uri="{386F3935-93C4-4BCD-93E2-E3B085C9AB24}">
+                  <p16:designElem xmlns:p16="http://schemas.microsoft.com/office/powerpoint/2015/main" val="1"/>
+                </p:ext>
+              </p:extLst>
+            </p:nvPr>
+          </p:nvSpPr>
+          <p:spPr>
+            <a:xfrm>
+              <a:off x="10938999" y="-8467"/>
+              <a:ext cx="1249825" cy="6866467"/>
+            </a:xfrm>
+            <a:custGeom>
+              <a:avLst/>
+              <a:gdLst/>
+              <a:ahLst/>
+              <a:cxnLst/>
+              <a:rect l="l" t="t" r="r" b="b"/>
+              <a:pathLst>
+                <a:path w="1249825" h="6858000">
+                  <a:moveTo>
+                    <a:pt x="0" y="0"/>
+                  </a:moveTo>
+                  <a:lnTo>
+                    <a:pt x="1249825" y="0"/>
+                  </a:lnTo>
+                  <a:lnTo>
+                    <a:pt x="1249825" y="6858000"/>
+                  </a:lnTo>
+                  <a:lnTo>
+                    <a:pt x="1109382" y="6858000"/>
+                  </a:lnTo>
+                  <a:lnTo>
+                    <a:pt x="0" y="0"/>
+                  </a:lnTo>
+                  <a:close/>
+                </a:path>
+              </a:pathLst>
+            </a:custGeom>
+            <a:solidFill>
+              <a:schemeClr val="accent1">
+                <a:alpha val="65000"/>
+              </a:schemeClr>
+            </a:solidFill>
+            <a:ln>
+              <a:noFill/>
+            </a:ln>
+            <a:effectLst/>
+          </p:spPr>
+          <p:style>
+            <a:lnRef idx="1">
+              <a:schemeClr val="accent1"/>
+            </a:lnRef>
+            <a:fillRef idx="3">
+              <a:schemeClr val="accent1"/>
+            </a:fillRef>
+            <a:effectRef idx="2">
+              <a:schemeClr val="accent1"/>
+            </a:effectRef>
+            <a:fontRef idx="minor">
+              <a:schemeClr val="lt1"/>
+            </a:fontRef>
+          </p:style>
+        </p:sp>
+        <p:sp>
+          <p:nvSpPr>
+            <p:cNvPr id="19" name="Isosceles Triangle 18">
+              <a:extLst>
+                <a:ext uri="{FF2B5EF4-FFF2-40B4-BE49-F238E27FC236}">
+                  <a16:creationId xmlns:a16="http://schemas.microsoft.com/office/drawing/2014/main" id="{9BA4F16A-21DC-462A-AD37-0A93C8B79E1E}"/>
+                </a:ext>
+                <a:ext uri="{C183D7F6-B498-43B3-948B-1728B52AA6E4}">
+                  <adec:decorative xmlns:adec="http://schemas.microsoft.com/office/drawing/2017/decorative" val="1"/>
+                </a:ext>
+              </a:extLst>
+            </p:cNvPr>
+            <p:cNvSpPr/>
+            <p:nvPr>
+              <p:extLst>
+                <p:ext uri="{386F3935-93C4-4BCD-93E2-E3B085C9AB24}">
+                  <p16:designElem xmlns:p16="http://schemas.microsoft.com/office/powerpoint/2015/main" val="1"/>
+                </p:ext>
+              </p:extLst>
+            </p:nvPr>
+          </p:nvSpPr>
+          <p:spPr>
+            <a:xfrm>
+              <a:off x="10371666" y="3589867"/>
+              <a:ext cx="1817159" cy="3268133"/>
+            </a:xfrm>
+            <a:prstGeom prst="triangle">
+              <a:avLst>
+                <a:gd name="adj" fmla="val 100000"/>
+              </a:avLst>
+            </a:prstGeom>
+            <a:solidFill>
+              <a:schemeClr val="accent1">
+                <a:alpha val="80000"/>
+              </a:schemeClr>
+            </a:solidFill>
+            <a:ln>
+              <a:noFill/>
+            </a:ln>
+            <a:effectLst/>
+          </p:spPr>
+          <p:style>
+            <a:lnRef idx="1">
+              <a:schemeClr val="accent1"/>
+            </a:lnRef>
+            <a:fillRef idx="3">
+              <a:schemeClr val="accent1"/>
+            </a:fillRef>
+            <a:effectRef idx="2">
+              <a:schemeClr val="accent1"/>
+            </a:effectRef>
+            <a:fontRef idx="minor">
+              <a:schemeClr val="lt1"/>
+            </a:fontRef>
+          </p:style>
+        </p:sp>
+        <p:sp>
+          <p:nvSpPr>
+            <p:cNvPr id="20" name="Isosceles Triangle 19">
+              <a:extLst>
+                <a:ext uri="{FF2B5EF4-FFF2-40B4-BE49-F238E27FC236}">
+                  <a16:creationId xmlns:a16="http://schemas.microsoft.com/office/drawing/2014/main" id="{FB75EBDD-038D-4572-A372-114938295706}"/>
+                </a:ext>
+                <a:ext uri="{C183D7F6-B498-43B3-948B-1728B52AA6E4}">
+                  <adec:decorative xmlns:adec="http://schemas.microsoft.com/office/drawing/2017/decorative" val="1"/>
+                </a:ext>
+              </a:extLst>
+            </p:cNvPr>
+            <p:cNvSpPr/>
+            <p:nvPr>
+              <p:extLst>
+                <p:ext uri="{386F3935-93C4-4BCD-93E2-E3B085C9AB24}">
+                  <p16:designElem xmlns:p16="http://schemas.microsoft.com/office/powerpoint/2015/main" val="1"/>
+                </p:ext>
+              </p:extLst>
+            </p:nvPr>
+          </p:nvSpPr>
+          <p:spPr>
+            <a:xfrm>
+              <a:off x="0" y="4013200"/>
+              <a:ext cx="448733" cy="2844800"/>
+            </a:xfrm>
+            <a:prstGeom prst="triangle">
+              <a:avLst>
+                <a:gd name="adj" fmla="val 0"/>
+              </a:avLst>
+            </a:prstGeom>
+            <a:solidFill>
+              <a:schemeClr val="accent1">
+                <a:alpha val="85000"/>
+              </a:schemeClr>
+            </a:solidFill>
+            <a:ln>
+              <a:noFill/>
+            </a:ln>
+            <a:effectLst/>
+          </p:spPr>
+          <p:style>
+            <a:lnRef idx="1">
+              <a:schemeClr val="accent1"/>
+            </a:lnRef>
+            <a:fillRef idx="3">
+              <a:schemeClr val="accent1"/>
+            </a:fillRef>
+            <a:effectRef idx="2">
+              <a:schemeClr val="accent1"/>
+            </a:effectRef>
+            <a:fontRef idx="minor">
+              <a:schemeClr val="lt1"/>
+            </a:fontRef>
+          </p:style>
+        </p:sp>
+      </p:grpSp>
+      <p:sp>
+        <p:nvSpPr>
+          <p:cNvPr id="38" name="Rectangle 21">
+            <a:extLst>
+              <a:ext uri="{FF2B5EF4-FFF2-40B4-BE49-F238E27FC236}">
+                <a16:creationId xmlns:a16="http://schemas.microsoft.com/office/drawing/2014/main" id="{21029ED5-F105-4DD2-99C8-1E4422817978}"/>
+              </a:ext>
+              <a:ext uri="{C183D7F6-B498-43B3-948B-1728B52AA6E4}">
+                <adec:decorative xmlns:adec="http://schemas.microsoft.com/office/drawing/2017/decorative" val="1"/>
+              </a:ext>
+            </a:extLst>
+          </p:cNvPr>
+          <p:cNvSpPr>
+            <a:spLocks noGrp="1" noRot="1" noChangeAspect="1" noMove="1" noResize="1" noEditPoints="1" noAdjustHandles="1" noChangeArrowheads="1" noChangeShapeType="1" noTextEdit="1"/>
+          </p:cNvSpPr>
+          <p:nvPr>
+            <p:extLst>
+              <p:ext uri="{386F3935-93C4-4BCD-93E2-E3B085C9AB24}">
+                <p16:designElem xmlns:p16="http://schemas.microsoft.com/office/powerpoint/2015/main" val="1"/>
+              </p:ext>
+            </p:extLst>
+          </p:nvPr>
+        </p:nvSpPr>
+        <p:spPr>
+          <a:xfrm>
+            <a:off x="0" y="0"/>
+            <a:ext cx="12192000" cy="6858000"/>
+          </a:xfrm>
+          <a:prstGeom prst="rect">
+            <a:avLst/>
+          </a:prstGeom>
+          <a:ln>
+            <a:noFill/>
+          </a:ln>
+        </p:spPr>
+        <p:style>
+          <a:lnRef idx="2">
+            <a:schemeClr val="accent1">
+              <a:shade val="50000"/>
+            </a:schemeClr>
+          </a:lnRef>
+          <a:fillRef idx="1">
+            <a:schemeClr val="accent1"/>
+          </a:fillRef>
+          <a:effectRef idx="0">
+            <a:schemeClr val="accent1"/>
+          </a:effectRef>
+          <a:fontRef idx="minor">
+            <a:schemeClr val="lt1"/>
+          </a:fontRef>
+        </p:style>
+        <p:txBody>
+          <a:bodyPr rtlCol="0" anchor="ctr"/>
+          <a:lstStyle/>
+          <a:p>
+            <a:pPr algn="ctr"/>
+            <a:endParaRPr lang="en-US"/>
+          </a:p>
+        </p:txBody>
+      </p:sp>
+      <p:grpSp>
+        <p:nvGrpSpPr>
+          <p:cNvPr id="39" name="Group 23">
+            <a:extLst>
+              <a:ext uri="{FF2B5EF4-FFF2-40B4-BE49-F238E27FC236}">
+                <a16:creationId xmlns:a16="http://schemas.microsoft.com/office/drawing/2014/main" id="{2D621E68-BF28-4A1C-B1A2-4E55E139E79A}"/>
+              </a:ext>
+              <a:ext uri="{C183D7F6-B498-43B3-948B-1728B52AA6E4}">
+                <adec:decorative xmlns:adec="http://schemas.microsoft.com/office/drawing/2017/decorative" val="1"/>
+              </a:ext>
+            </a:extLst>
+          </p:cNvPr>
+          <p:cNvGrpSpPr>
+            <a:grpSpLocks noGrp="1" noUngrp="1" noRot="1" noChangeAspect="1" noMove="1" noResize="1"/>
+          </p:cNvGrpSpPr>
+          <p:nvPr>
+            <p:extLst>
+              <p:ext uri="{386F3935-93C4-4BCD-93E2-E3B085C9AB24}">
+                <p16:designElem xmlns:p16="http://schemas.microsoft.com/office/powerpoint/2015/main" val="1"/>
+              </p:ext>
+            </p:extLst>
+          </p:nvPr>
+        </p:nvGrpSpPr>
+        <p:grpSpPr>
+          <a:xfrm>
+            <a:off x="0" y="-8467"/>
+            <a:ext cx="12192000" cy="6866467"/>
+            <a:chOff x="0" y="-8467"/>
+            <a:chExt cx="12192000" cy="6866467"/>
+          </a:xfrm>
+        </p:grpSpPr>
+        <p:cxnSp>
+          <p:nvCxnSpPr>
+            <p:cNvPr id="25" name="Straight Connector 24">
+              <a:extLst>
+                <a:ext uri="{FF2B5EF4-FFF2-40B4-BE49-F238E27FC236}">
+                  <a16:creationId xmlns:a16="http://schemas.microsoft.com/office/drawing/2014/main" id="{BE8BBE4D-F0DF-49B9-B75A-99DAC53ACA77}"/>
+                </a:ext>
+                <a:ext uri="{C183D7F6-B498-43B3-948B-1728B52AA6E4}">
+                  <adec:decorative xmlns:adec="http://schemas.microsoft.com/office/drawing/2017/decorative" val="1"/>
+                </a:ext>
+              </a:extLst>
+            </p:cNvPr>
+            <p:cNvCxnSpPr/>
+            <p:nvPr>
+              <p:extLst>
+                <p:ext uri="{386F3935-93C4-4BCD-93E2-E3B085C9AB24}">
+                  <p16:designElem xmlns:p16="http://schemas.microsoft.com/office/powerpoint/2015/main" val="1"/>
+                </p:ext>
+              </p:extLst>
+            </p:nvPr>
+          </p:nvCxnSpPr>
+          <p:spPr>
+            <a:xfrm flipH="1">
+              <a:off x="7425267" y="3681413"/>
+              <a:ext cx="4763558" cy="3176587"/>
+            </a:xfrm>
+            <a:prstGeom prst="line">
+              <a:avLst/>
+            </a:prstGeom>
+            <a:ln w="9525">
+              <a:solidFill>
+                <a:schemeClr val="bg1">
+                  <a:lumMod val="85000"/>
+                </a:schemeClr>
+              </a:solidFill>
+            </a:ln>
+          </p:spPr>
+          <p:style>
+            <a:lnRef idx="2">
+              <a:schemeClr val="accent1"/>
+            </a:lnRef>
+            <a:fillRef idx="0">
+              <a:schemeClr val="accent1"/>
+            </a:fillRef>
+            <a:effectRef idx="1">
+              <a:schemeClr val="accent1"/>
+            </a:effectRef>
+            <a:fontRef idx="minor">
+              <a:schemeClr val="tx1"/>
+            </a:fontRef>
+          </p:style>
+        </p:cxnSp>
+        <p:sp>
+          <p:nvSpPr>
+            <p:cNvPr id="26" name="Rectangle 23">
+              <a:extLst>
+                <a:ext uri="{FF2B5EF4-FFF2-40B4-BE49-F238E27FC236}">
+                  <a16:creationId xmlns:a16="http://schemas.microsoft.com/office/drawing/2014/main" id="{E0F07DDC-34A6-46A1-9DE9-2BBE2931A55B}"/>
+                </a:ext>
+                <a:ext uri="{C183D7F6-B498-43B3-948B-1728B52AA6E4}">
+                  <adec:decorative xmlns:adec="http://schemas.microsoft.com/office/drawing/2017/decorative" val="1"/>
+                </a:ext>
+              </a:extLst>
+            </p:cNvPr>
+            <p:cNvSpPr/>
+            <p:nvPr>
+              <p:extLst>
+                <p:ext uri="{386F3935-93C4-4BCD-93E2-E3B085C9AB24}">
+                  <p16:designElem xmlns:p16="http://schemas.microsoft.com/office/powerpoint/2015/main" val="1"/>
+                </p:ext>
+              </p:extLst>
+            </p:nvPr>
+          </p:nvSpPr>
+          <p:spPr>
+            <a:xfrm>
+              <a:off x="9181476" y="-8467"/>
+              <a:ext cx="3007349" cy="6866467"/>
+            </a:xfrm>
+            <a:custGeom>
+              <a:avLst/>
+              <a:gdLst/>
+              <a:ahLst/>
+              <a:cxnLst/>
+              <a:rect l="l" t="t" r="r" b="b"/>
+              <a:pathLst>
+                <a:path w="3007349" h="6866467">
+                  <a:moveTo>
+                    <a:pt x="2045532" y="0"/>
+                  </a:moveTo>
+                  <a:lnTo>
+                    <a:pt x="3007349" y="0"/>
+                  </a:lnTo>
+                  <a:lnTo>
+                    <a:pt x="3007349" y="6866467"/>
+                  </a:lnTo>
+                  <a:lnTo>
+                    <a:pt x="0" y="6866467"/>
+                  </a:lnTo>
+                  <a:lnTo>
+                    <a:pt x="2045532" y="0"/>
+                  </a:lnTo>
+                  <a:close/>
+                </a:path>
+              </a:pathLst>
+            </a:custGeom>
+            <a:solidFill>
+              <a:schemeClr val="accent1">
+                <a:alpha val="30000"/>
+              </a:schemeClr>
+            </a:solidFill>
+            <a:ln>
+              <a:noFill/>
+            </a:ln>
+            <a:effectLst/>
+          </p:spPr>
+          <p:style>
+            <a:lnRef idx="1">
+              <a:schemeClr val="accent1"/>
+            </a:lnRef>
+            <a:fillRef idx="3">
+              <a:schemeClr val="accent1"/>
+            </a:fillRef>
+            <a:effectRef idx="2">
+              <a:schemeClr val="accent1"/>
+            </a:effectRef>
+            <a:fontRef idx="minor">
+              <a:schemeClr val="lt1"/>
+            </a:fontRef>
+          </p:style>
+        </p:sp>
+        <p:sp>
+          <p:nvSpPr>
+            <p:cNvPr id="27" name="Rectangle 25">
+              <a:extLst>
+                <a:ext uri="{FF2B5EF4-FFF2-40B4-BE49-F238E27FC236}">
+                  <a16:creationId xmlns:a16="http://schemas.microsoft.com/office/drawing/2014/main" id="{2CEB2BF9-B8DB-45B9-86EA-D197B5B1AEFF}"/>
+                </a:ext>
+                <a:ext uri="{C183D7F6-B498-43B3-948B-1728B52AA6E4}">
+                  <adec:decorative xmlns:adec="http://schemas.microsoft.com/office/drawing/2017/decorative" val="1"/>
+                </a:ext>
+              </a:extLst>
+            </p:cNvPr>
+            <p:cNvSpPr/>
+            <p:nvPr>
+              <p:extLst>
+                <p:ext uri="{386F3935-93C4-4BCD-93E2-E3B085C9AB24}">
+                  <p16:designElem xmlns:p16="http://schemas.microsoft.com/office/powerpoint/2015/main" val="1"/>
+                </p:ext>
+              </p:extLst>
+            </p:nvPr>
+          </p:nvSpPr>
+          <p:spPr>
+            <a:xfrm>
+              <a:off x="9603442" y="-8467"/>
+              <a:ext cx="2588558" cy="6866467"/>
+            </a:xfrm>
+            <a:custGeom>
+              <a:avLst/>
+              <a:gdLst/>
+              <a:ahLst/>
+              <a:cxnLst/>
+              <a:rect l="l" t="t" r="r" b="b"/>
+              <a:pathLst>
+                <a:path w="2573311" h="6866467">
+                  <a:moveTo>
+                    <a:pt x="0" y="0"/>
+                  </a:moveTo>
+                  <a:lnTo>
+                    <a:pt x="2573311" y="0"/>
+                  </a:lnTo>
+                  <a:lnTo>
+                    <a:pt x="2573311" y="6866467"/>
+                  </a:lnTo>
+                  <a:lnTo>
+                    <a:pt x="1202336" y="6866467"/>
+                  </a:lnTo>
+                  <a:lnTo>
+                    <a:pt x="0" y="0"/>
+                  </a:lnTo>
+                  <a:close/>
+                </a:path>
+              </a:pathLst>
+            </a:custGeom>
+            <a:solidFill>
+              <a:schemeClr val="accent1">
+                <a:alpha val="20000"/>
+              </a:schemeClr>
+            </a:solidFill>
+            <a:ln>
+              <a:noFill/>
+            </a:ln>
+            <a:effectLst/>
+          </p:spPr>
+          <p:style>
+            <a:lnRef idx="1">
+              <a:schemeClr val="accent1"/>
+            </a:lnRef>
+            <a:fillRef idx="3">
+              <a:schemeClr val="accent1"/>
+            </a:fillRef>
+            <a:effectRef idx="2">
+              <a:schemeClr val="accent1"/>
+            </a:effectRef>
+            <a:fontRef idx="minor">
+              <a:schemeClr val="lt1"/>
+            </a:fontRef>
+          </p:style>
+        </p:sp>
+        <p:sp>
+          <p:nvSpPr>
+            <p:cNvPr id="28" name="Isosceles Triangle 27">
+              <a:extLst>
+                <a:ext uri="{FF2B5EF4-FFF2-40B4-BE49-F238E27FC236}">
+                  <a16:creationId xmlns:a16="http://schemas.microsoft.com/office/drawing/2014/main" id="{08B5BB34-3801-4E70-A981-FE007635E11D}"/>
+                </a:ext>
+                <a:ext uri="{C183D7F6-B498-43B3-948B-1728B52AA6E4}">
+                  <adec:decorative xmlns:adec="http://schemas.microsoft.com/office/drawing/2017/decorative" val="1"/>
+                </a:ext>
+              </a:extLst>
+            </p:cNvPr>
+            <p:cNvSpPr/>
+            <p:nvPr>
+              <p:extLst>
+                <p:ext uri="{386F3935-93C4-4BCD-93E2-E3B085C9AB24}">
+                  <p16:designElem xmlns:p16="http://schemas.microsoft.com/office/powerpoint/2015/main" val="1"/>
+                </p:ext>
+              </p:extLst>
+            </p:nvPr>
+          </p:nvSpPr>
+          <p:spPr>
+            <a:xfrm>
+              <a:off x="8932333" y="3048000"/>
+              <a:ext cx="3259667" cy="3810000"/>
+            </a:xfrm>
+            <a:prstGeom prst="triangle">
+              <a:avLst>
+                <a:gd name="adj" fmla="val 100000"/>
+              </a:avLst>
+            </a:prstGeom>
+            <a:solidFill>
+              <a:schemeClr val="accent2">
+                <a:alpha val="72000"/>
+              </a:schemeClr>
+            </a:solidFill>
+            <a:ln>
+              <a:noFill/>
+            </a:ln>
+            <a:effectLst/>
+          </p:spPr>
+          <p:style>
+            <a:lnRef idx="1">
+              <a:schemeClr val="accent1"/>
+            </a:lnRef>
+            <a:fillRef idx="3">
+              <a:schemeClr val="accent1"/>
+            </a:fillRef>
+            <a:effectRef idx="2">
+              <a:schemeClr val="accent1"/>
+            </a:effectRef>
+            <a:fontRef idx="minor">
+              <a:schemeClr val="lt1"/>
+            </a:fontRef>
+          </p:style>
+        </p:sp>
+        <p:sp>
+          <p:nvSpPr>
+            <p:cNvPr id="29" name="Rectangle 27">
+              <a:extLst>
+                <a:ext uri="{FF2B5EF4-FFF2-40B4-BE49-F238E27FC236}">
+                  <a16:creationId xmlns:a16="http://schemas.microsoft.com/office/drawing/2014/main" id="{38432A75-2CEB-463C-A8F2-ABB50A79F444}"/>
+                </a:ext>
+                <a:ext uri="{C183D7F6-B498-43B3-948B-1728B52AA6E4}">
+                  <adec:decorative xmlns:adec="http://schemas.microsoft.com/office/drawing/2017/decorative" val="1"/>
+                </a:ext>
+              </a:extLst>
+            </p:cNvPr>
+            <p:cNvSpPr/>
+            <p:nvPr>
+              <p:extLst>
+                <p:ext uri="{386F3935-93C4-4BCD-93E2-E3B085C9AB24}">
+                  <p16:designElem xmlns:p16="http://schemas.microsoft.com/office/powerpoint/2015/main" val="1"/>
+                </p:ext>
+              </p:extLst>
+            </p:nvPr>
+          </p:nvSpPr>
+          <p:spPr>
+            <a:xfrm>
+              <a:off x="9334500" y="-8467"/>
+              <a:ext cx="2854326" cy="6866467"/>
+            </a:xfrm>
+            <a:custGeom>
+              <a:avLst/>
+              <a:gdLst/>
+              <a:ahLst/>
+              <a:cxnLst/>
+              <a:rect l="l" t="t" r="r" b="b"/>
+              <a:pathLst>
+                <a:path w="2858013" h="6866467">
+                  <a:moveTo>
+                    <a:pt x="0" y="0"/>
+                  </a:moveTo>
+                  <a:lnTo>
+                    <a:pt x="2858013" y="0"/>
+                  </a:lnTo>
+                  <a:lnTo>
+                    <a:pt x="2858013" y="6866467"/>
+                  </a:lnTo>
+                  <a:lnTo>
+                    <a:pt x="2473942" y="6866467"/>
+                  </a:lnTo>
+                  <a:lnTo>
+                    <a:pt x="0" y="0"/>
+                  </a:lnTo>
+                  <a:close/>
+                </a:path>
+              </a:pathLst>
+            </a:custGeom>
+            <a:solidFill>
+              <a:schemeClr val="accent2">
+                <a:lumMod val="75000"/>
+                <a:alpha val="70000"/>
+              </a:schemeClr>
+            </a:solidFill>
+            <a:ln>
+              <a:noFill/>
+            </a:ln>
+            <a:effectLst/>
+          </p:spPr>
+          <p:style>
+            <a:lnRef idx="1">
+              <a:schemeClr val="accent1"/>
+            </a:lnRef>
+            <a:fillRef idx="3">
+              <a:schemeClr val="accent1"/>
+            </a:fillRef>
+            <a:effectRef idx="2">
+              <a:schemeClr val="accent1"/>
+            </a:effectRef>
+            <a:fontRef idx="minor">
+              <a:schemeClr val="lt1"/>
+            </a:fontRef>
+          </p:style>
+        </p:sp>
+        <p:sp>
+          <p:nvSpPr>
+            <p:cNvPr id="30" name="Rectangle 28">
+              <a:extLst>
+                <a:ext uri="{FF2B5EF4-FFF2-40B4-BE49-F238E27FC236}">
+                  <a16:creationId xmlns:a16="http://schemas.microsoft.com/office/drawing/2014/main" id="{E7E850B8-C050-4597-8BEB-113FEC9A27C9}"/>
+                </a:ext>
+                <a:ext uri="{C183D7F6-B498-43B3-948B-1728B52AA6E4}">
+                  <adec:decorative xmlns:adec="http://schemas.microsoft.com/office/drawing/2017/decorative" val="1"/>
+                </a:ext>
+              </a:extLst>
+            </p:cNvPr>
+            <p:cNvSpPr/>
+            <p:nvPr>
+              <p:extLst>
+                <p:ext uri="{386F3935-93C4-4BCD-93E2-E3B085C9AB24}">
+                  <p16:designElem xmlns:p16="http://schemas.microsoft.com/office/powerpoint/2015/main" val="1"/>
+                </p:ext>
+              </p:extLst>
+            </p:nvPr>
+          </p:nvSpPr>
+          <p:spPr>
+            <a:xfrm>
+              <a:off x="10898730" y="-8467"/>
+              <a:ext cx="1290094" cy="6866467"/>
+            </a:xfrm>
+            <a:custGeom>
+              <a:avLst/>
+              <a:gdLst/>
+              <a:ahLst/>
+              <a:cxnLst/>
+              <a:rect l="l" t="t" r="r" b="b"/>
+              <a:pathLst>
+                <a:path w="1290094" h="6858000">
+                  <a:moveTo>
+                    <a:pt x="1019735" y="0"/>
+                  </a:moveTo>
+                  <a:lnTo>
+                    <a:pt x="1290094" y="0"/>
+                  </a:lnTo>
+                  <a:lnTo>
+                    <a:pt x="1290094" y="6858000"/>
+                  </a:lnTo>
+                  <a:lnTo>
+                    <a:pt x="0" y="6858000"/>
+                  </a:lnTo>
+                  <a:lnTo>
+                    <a:pt x="1019735" y="0"/>
+                  </a:lnTo>
+                  <a:close/>
+                </a:path>
+              </a:pathLst>
+            </a:custGeom>
+            <a:solidFill>
+              <a:schemeClr val="accent1">
+                <a:lumMod val="60000"/>
+                <a:lumOff val="40000"/>
+                <a:alpha val="70000"/>
+              </a:schemeClr>
+            </a:solidFill>
+            <a:ln>
+              <a:noFill/>
+            </a:ln>
+            <a:effectLst/>
+          </p:spPr>
+          <p:style>
+            <a:lnRef idx="1">
+              <a:schemeClr val="accent1"/>
+            </a:lnRef>
+            <a:fillRef idx="3">
+              <a:schemeClr val="accent1"/>
+            </a:fillRef>
+            <a:effectRef idx="2">
+              <a:schemeClr val="accent1"/>
+            </a:effectRef>
+            <a:fontRef idx="minor">
+              <a:schemeClr val="lt1"/>
+            </a:fontRef>
+          </p:style>
+        </p:sp>
+        <p:sp>
+          <p:nvSpPr>
+            <p:cNvPr id="31" name="Rectangle 29">
+              <a:extLst>
+                <a:ext uri="{FF2B5EF4-FFF2-40B4-BE49-F238E27FC236}">
+                  <a16:creationId xmlns:a16="http://schemas.microsoft.com/office/drawing/2014/main" id="{24ACC798-9CEC-4B6F-A8DD-F8E6FCCCF164}"/>
+                </a:ext>
+                <a:ext uri="{C183D7F6-B498-43B3-948B-1728B52AA6E4}">
+                  <adec:decorative xmlns:adec="http://schemas.microsoft.com/office/drawing/2017/decorative" val="1"/>
+                </a:ext>
+              </a:extLst>
+            </p:cNvPr>
+            <p:cNvSpPr/>
+            <p:nvPr>
+              <p:extLst>
+                <p:ext uri="{386F3935-93C4-4BCD-93E2-E3B085C9AB24}">
+                  <p16:designElem xmlns:p16="http://schemas.microsoft.com/office/powerpoint/2015/main" val="1"/>
+                </p:ext>
+              </p:extLst>
+            </p:nvPr>
+          </p:nvSpPr>
+          <p:spPr>
+            <a:xfrm>
+              <a:off x="10938999" y="-8467"/>
+              <a:ext cx="1249825" cy="6866467"/>
+            </a:xfrm>
+            <a:custGeom>
+              <a:avLst/>
+              <a:gdLst/>
+              <a:ahLst/>
+              <a:cxnLst/>
+              <a:rect l="l" t="t" r="r" b="b"/>
+              <a:pathLst>
+                <a:path w="1249825" h="6858000">
+                  <a:moveTo>
+                    <a:pt x="0" y="0"/>
+                  </a:moveTo>
+                  <a:lnTo>
+                    <a:pt x="1249825" y="0"/>
+                  </a:lnTo>
+                  <a:lnTo>
+                    <a:pt x="1249825" y="6858000"/>
+                  </a:lnTo>
+                  <a:lnTo>
+                    <a:pt x="1109382" y="6858000"/>
+                  </a:lnTo>
+                  <a:lnTo>
+                    <a:pt x="0" y="0"/>
+                  </a:lnTo>
+                  <a:close/>
+                </a:path>
+              </a:pathLst>
+            </a:custGeom>
+            <a:solidFill>
+              <a:schemeClr val="accent1">
+                <a:alpha val="65000"/>
+              </a:schemeClr>
+            </a:solidFill>
+            <a:ln>
+              <a:noFill/>
+            </a:ln>
+            <a:effectLst/>
+          </p:spPr>
+          <p:style>
+            <a:lnRef idx="1">
+              <a:schemeClr val="accent1"/>
+            </a:lnRef>
+            <a:fillRef idx="3">
+              <a:schemeClr val="accent1"/>
+            </a:fillRef>
+            <a:effectRef idx="2">
+              <a:schemeClr val="accent1"/>
+            </a:effectRef>
+            <a:fontRef idx="minor">
+              <a:schemeClr val="lt1"/>
+            </a:fontRef>
+          </p:style>
+        </p:sp>
+        <p:sp>
+          <p:nvSpPr>
+            <p:cNvPr id="32" name="Isosceles Triangle 31">
+              <a:extLst>
+                <a:ext uri="{FF2B5EF4-FFF2-40B4-BE49-F238E27FC236}">
+                  <a16:creationId xmlns:a16="http://schemas.microsoft.com/office/drawing/2014/main" id="{1D58A8C6-1294-4CD9-89BC-F1E981A524AA}"/>
+                </a:ext>
+                <a:ext uri="{C183D7F6-B498-43B3-948B-1728B52AA6E4}">
+                  <adec:decorative xmlns:adec="http://schemas.microsoft.com/office/drawing/2017/decorative" val="1"/>
+                </a:ext>
+              </a:extLst>
+            </p:cNvPr>
+            <p:cNvSpPr/>
+            <p:nvPr>
+              <p:extLst>
+                <p:ext uri="{386F3935-93C4-4BCD-93E2-E3B085C9AB24}">
+                  <p16:designElem xmlns:p16="http://schemas.microsoft.com/office/powerpoint/2015/main" val="1"/>
+                </p:ext>
+              </p:extLst>
+            </p:nvPr>
+          </p:nvSpPr>
+          <p:spPr>
+            <a:xfrm>
+              <a:off x="10371666" y="3589867"/>
+              <a:ext cx="1817159" cy="3268133"/>
+            </a:xfrm>
+            <a:prstGeom prst="triangle">
+              <a:avLst>
+                <a:gd name="adj" fmla="val 100000"/>
+              </a:avLst>
+            </a:prstGeom>
+            <a:solidFill>
+              <a:schemeClr val="accent1">
+                <a:alpha val="80000"/>
+              </a:schemeClr>
+            </a:solidFill>
+            <a:ln>
+              <a:noFill/>
+            </a:ln>
+            <a:effectLst/>
+          </p:spPr>
+          <p:style>
+            <a:lnRef idx="1">
+              <a:schemeClr val="accent1"/>
+            </a:lnRef>
+            <a:fillRef idx="3">
+              <a:schemeClr val="accent1"/>
+            </a:fillRef>
+            <a:effectRef idx="2">
+              <a:schemeClr val="accent1"/>
+            </a:effectRef>
+            <a:fontRef idx="minor">
+              <a:schemeClr val="lt1"/>
+            </a:fontRef>
+          </p:style>
+        </p:sp>
+        <p:sp>
+          <p:nvSpPr>
+            <p:cNvPr id="33" name="Isosceles Triangle 32">
+              <a:extLst>
+                <a:ext uri="{FF2B5EF4-FFF2-40B4-BE49-F238E27FC236}">
+                  <a16:creationId xmlns:a16="http://schemas.microsoft.com/office/drawing/2014/main" id="{F32F2ED6-6143-46C4-A641-72D42732B6FA}"/>
+                </a:ext>
+                <a:ext uri="{C183D7F6-B498-43B3-948B-1728B52AA6E4}">
+                  <adec:decorative xmlns:adec="http://schemas.microsoft.com/office/drawing/2017/decorative" val="1"/>
+                </a:ext>
+              </a:extLst>
+            </p:cNvPr>
+            <p:cNvSpPr/>
+            <p:nvPr>
+              <p:extLst>
+                <p:ext uri="{386F3935-93C4-4BCD-93E2-E3B085C9AB24}">
+                  <p16:designElem xmlns:p16="http://schemas.microsoft.com/office/powerpoint/2015/main" val="1"/>
+                </p:ext>
+              </p:extLst>
+            </p:nvPr>
+          </p:nvSpPr>
+          <p:spPr>
+            <a:xfrm>
+              <a:off x="0" y="4013200"/>
+              <a:ext cx="448733" cy="2844800"/>
+            </a:xfrm>
+            <a:prstGeom prst="triangle">
+              <a:avLst>
+                <a:gd name="adj" fmla="val 0"/>
+              </a:avLst>
+            </a:prstGeom>
+            <a:solidFill>
+              <a:schemeClr val="accent1">
+                <a:alpha val="85000"/>
+              </a:schemeClr>
+            </a:solidFill>
+            <a:ln>
+              <a:noFill/>
+            </a:ln>
+            <a:effectLst/>
+          </p:spPr>
+          <p:style>
+            <a:lnRef idx="1">
+              <a:schemeClr val="accent1"/>
+            </a:lnRef>
+            <a:fillRef idx="3">
+              <a:schemeClr val="accent1"/>
+            </a:fillRef>
+            <a:effectRef idx="2">
+              <a:schemeClr val="accent1"/>
+            </a:effectRef>
+            <a:fontRef idx="minor">
+              <a:schemeClr val="lt1"/>
+            </a:fontRef>
+          </p:style>
+        </p:sp>
+      </p:grpSp>
+      <p:sp>
+        <p:nvSpPr>
+          <p:cNvPr id="40" name="Rectangle 34">
+            <a:extLst>
+              <a:ext uri="{FF2B5EF4-FFF2-40B4-BE49-F238E27FC236}">
+                <a16:creationId xmlns:a16="http://schemas.microsoft.com/office/drawing/2014/main" id="{5C9652B3-A450-4ED6-8FBF-F536BA60B4D8}"/>
+              </a:ext>
+              <a:ext uri="{C183D7F6-B498-43B3-948B-1728B52AA6E4}">
+                <adec:decorative xmlns:adec="http://schemas.microsoft.com/office/drawing/2017/decorative" val="1"/>
+              </a:ext>
+            </a:extLst>
+          </p:cNvPr>
+          <p:cNvSpPr>
+            <a:spLocks noGrp="1" noRot="1" noChangeAspect="1" noMove="1" noResize="1" noEditPoints="1" noAdjustHandles="1" noChangeArrowheads="1" noChangeShapeType="1" noTextEdit="1"/>
+          </p:cNvSpPr>
+          <p:nvPr>
+            <p:extLst>
+              <p:ext uri="{386F3935-93C4-4BCD-93E2-E3B085C9AB24}">
+                <p16:designElem xmlns:p16="http://schemas.microsoft.com/office/powerpoint/2015/main" val="1"/>
+              </p:ext>
+            </p:extLst>
+          </p:nvPr>
+        </p:nvSpPr>
+        <p:spPr>
+          <a:xfrm>
+            <a:off x="477012" y="480060"/>
+            <a:ext cx="11237976" cy="5897880"/>
+          </a:xfrm>
+          <a:prstGeom prst="rect">
+            <a:avLst/>
+          </a:prstGeom>
+          <a:solidFill>
+            <a:srgbClr val="FFFFFF"/>
+          </a:solidFill>
+          <a:ln w="22225">
+            <a:solidFill>
+              <a:srgbClr val="FFFFFF"/>
+            </a:solidFill>
+          </a:ln>
+        </p:spPr>
+        <p:style>
+          <a:lnRef idx="2">
+            <a:schemeClr val="accent1">
+              <a:shade val="50000"/>
+            </a:schemeClr>
+          </a:lnRef>
+          <a:fillRef idx="1">
+            <a:schemeClr val="accent1"/>
+          </a:fillRef>
+          <a:effectRef idx="0">
+            <a:schemeClr val="accent1"/>
+          </a:effectRef>
+          <a:fontRef idx="minor">
+            <a:schemeClr val="lt1"/>
+          </a:fontRef>
+        </p:style>
+        <p:txBody>
+          <a:bodyPr rtlCol="0" anchor="ctr"/>
+          <a:lstStyle/>
+          <a:p>
+            <a:pPr algn="ctr"/>
+            <a:endParaRPr lang="en-US"/>
+          </a:p>
+        </p:txBody>
+      </p:sp>
+      <p:pic>
+        <p:nvPicPr>
+          <p:cNvPr id="5" name="Content Placeholder 4" descr="A screenshot of a cell phone&#10;&#10;Description automatically generated">
+            <a:extLst>
+              <a:ext uri="{FF2B5EF4-FFF2-40B4-BE49-F238E27FC236}">
+                <a16:creationId xmlns:a16="http://schemas.microsoft.com/office/drawing/2014/main" id="{A351CAC2-A64F-5444-959B-972D9BDA1788}"/>
+              </a:ext>
+            </a:extLst>
+          </p:cNvPr>
+          <p:cNvPicPr>
+            <a:picLocks noGrp="1" noChangeAspect="1"/>
+          </p:cNvPicPr>
+          <p:nvPr>
+            <p:ph idx="1"/>
+          </p:nvPr>
+        </p:nvPicPr>
+        <p:blipFill rotWithShape="1">
+          <a:blip r:embed="rId2">
+            <a:extLst>
+              <a:ext uri="{28A0092B-C50C-407E-A947-70E740481C1C}">
+                <a14:useLocalDpi xmlns:a14="http://schemas.microsoft.com/office/drawing/2010/main" val="0"/>
+              </a:ext>
+            </a:extLst>
+          </a:blip>
+          <a:srcRect r="5214" b="-1"/>
+          <a:stretch/>
+        </p:blipFill>
+        <p:spPr>
+          <a:xfrm>
+            <a:off x="529627" y="567266"/>
+            <a:ext cx="11010101" cy="5715000"/>
+          </a:xfrm>
+          <a:prstGeom prst="rect">
+            <a:avLst/>
+          </a:prstGeom>
+        </p:spPr>
+      </p:pic>
+    </p:spTree>
+    <p:extLst>
+      <p:ext uri="{BB962C8B-B14F-4D97-AF65-F5344CB8AC3E}">
+        <p14:creationId xmlns:p14="http://schemas.microsoft.com/office/powerpoint/2010/main" val="1583886536"/>
+      </p:ext>
+    </p:extLst>
+  </p:cSld>
+  <p:clrMapOvr>
+    <a:masterClrMapping/>
+  </p:clrMapOvr>
+</p:sld>
+</file>
+
+<file path=ppt/slides/slide7.xml><?xml version="1.0" encoding="utf-8"?>
 <p:sld xmlns:a="http://schemas.openxmlformats.org/drawingml/2006/main" xmlns:r="http://schemas.openxmlformats.org/officeDocument/2006/relationships" xmlns:p="http://schemas.openxmlformats.org/presentationml/2006/main">
   <p:cSld>
     <p:bg>
@@ -8234,2124 +13512,7 @@
 </p:sld>
 </file>
 
-<file path=ppt/slides/slide13.xml><?xml version="1.0" encoding="utf-8"?>
-<p:sld xmlns:a="http://schemas.openxmlformats.org/drawingml/2006/main" xmlns:r="http://schemas.openxmlformats.org/officeDocument/2006/relationships" xmlns:p="http://schemas.openxmlformats.org/presentationml/2006/main">
-  <p:cSld>
-    <p:spTree>
-      <p:nvGrpSpPr>
-        <p:cNvPr id="1" name=""/>
-        <p:cNvGrpSpPr/>
-        <p:nvPr/>
-      </p:nvGrpSpPr>
-      <p:grpSpPr>
-        <a:xfrm>
-          <a:off x="0" y="0"/>
-          <a:ext cx="0" cy="0"/>
-          <a:chOff x="0" y="0"/>
-          <a:chExt cx="0" cy="0"/>
-        </a:xfrm>
-      </p:grpSpPr>
-      <p:sp>
-        <p:nvSpPr>
-          <p:cNvPr id="2" name="Title 1">
-            <a:extLst>
-              <a:ext uri="{FF2B5EF4-FFF2-40B4-BE49-F238E27FC236}">
-                <a16:creationId xmlns:a16="http://schemas.microsoft.com/office/drawing/2014/main" id="{BC92672D-732A-4354-95BD-91A90966E622}"/>
-              </a:ext>
-            </a:extLst>
-          </p:cNvPr>
-          <p:cNvSpPr>
-            <a:spLocks noGrp="1"/>
-          </p:cNvSpPr>
-          <p:nvPr>
-            <p:ph type="title"/>
-          </p:nvPr>
-        </p:nvSpPr>
-        <p:spPr>
-          <a:xfrm>
-            <a:off x="677334" y="609600"/>
-            <a:ext cx="8596668" cy="613144"/>
-          </a:xfrm>
-        </p:spPr>
-        <p:txBody>
-          <a:bodyPr>
-            <a:normAutofit fontScale="90000"/>
-          </a:bodyPr>
-          <a:lstStyle/>
-          <a:p>
-            <a:r>
-              <a:rPr lang="en-US" dirty="0">
-                <a:latin typeface="Calibri" panose="020F0502020204030204" pitchFamily="34" charset="0"/>
-                <a:cs typeface="Calibri" panose="020F0502020204030204" pitchFamily="34" charset="0"/>
-              </a:rPr>
-              <a:t>Conclusion</a:t>
-            </a:r>
-          </a:p>
-        </p:txBody>
-      </p:sp>
-      <p:sp>
-        <p:nvSpPr>
-          <p:cNvPr id="3" name="Content Placeholder 2">
-            <a:extLst>
-              <a:ext uri="{FF2B5EF4-FFF2-40B4-BE49-F238E27FC236}">
-                <a16:creationId xmlns:a16="http://schemas.microsoft.com/office/drawing/2014/main" id="{F134CAE0-BFFA-473A-85E0-1327451806C9}"/>
-              </a:ext>
-            </a:extLst>
-          </p:cNvPr>
-          <p:cNvSpPr>
-            <a:spLocks noGrp="1"/>
-          </p:cNvSpPr>
-          <p:nvPr>
-            <p:ph idx="1"/>
-          </p:nvPr>
-        </p:nvSpPr>
-        <p:spPr/>
-        <p:txBody>
-          <a:bodyPr/>
-          <a:lstStyle/>
-          <a:p>
-            <a:r>
-              <a:rPr lang="en-US" dirty="0">
-                <a:latin typeface="Calibri" panose="020F0502020204030204" pitchFamily="34" charset="0"/>
-                <a:cs typeface="Calibri" panose="020F0502020204030204" pitchFamily="34" charset="0"/>
-              </a:rPr>
-              <a:t>Based on the data, Medicare is directly related to the income.</a:t>
-            </a:r>
-          </a:p>
-          <a:p>
-            <a:r>
-              <a:rPr lang="en-US" dirty="0">
-                <a:latin typeface="Calibri" panose="020F0502020204030204" pitchFamily="34" charset="0"/>
-                <a:cs typeface="Calibri" panose="020F0502020204030204" pitchFamily="34" charset="0"/>
-              </a:rPr>
-              <a:t>CMS.gov files are difficult to work with</a:t>
-            </a:r>
-          </a:p>
-          <a:p>
-            <a:pPr marL="0" indent="0">
-              <a:buNone/>
-            </a:pPr>
-            <a:r>
-              <a:rPr lang="en-US" dirty="0">
-                <a:latin typeface="Calibri" panose="020F0502020204030204" pitchFamily="34" charset="0"/>
-                <a:cs typeface="Calibri" panose="020F0502020204030204" pitchFamily="34" charset="0"/>
-              </a:rPr>
-              <a:t>  </a:t>
-            </a:r>
-          </a:p>
-          <a:p>
-            <a:endParaRPr lang="en-US" dirty="0"/>
-          </a:p>
-        </p:txBody>
-      </p:sp>
-    </p:spTree>
-    <p:extLst>
-      <p:ext uri="{BB962C8B-B14F-4D97-AF65-F5344CB8AC3E}">
-        <p14:creationId xmlns:p14="http://schemas.microsoft.com/office/powerpoint/2010/main" val="1415604396"/>
-      </p:ext>
-    </p:extLst>
-  </p:cSld>
-  <p:clrMapOvr>
-    <a:masterClrMapping/>
-  </p:clrMapOvr>
-</p:sld>
-</file>
-
-<file path=ppt/slides/slide2.xml><?xml version="1.0" encoding="utf-8"?>
-<p:sld xmlns:a="http://schemas.openxmlformats.org/drawingml/2006/main" xmlns:r="http://schemas.openxmlformats.org/officeDocument/2006/relationships" xmlns:p="http://schemas.openxmlformats.org/presentationml/2006/main">
-  <p:cSld>
-    <p:spTree>
-      <p:nvGrpSpPr>
-        <p:cNvPr id="1" name=""/>
-        <p:cNvGrpSpPr/>
-        <p:nvPr/>
-      </p:nvGrpSpPr>
-      <p:grpSpPr>
-        <a:xfrm>
-          <a:off x="0" y="0"/>
-          <a:ext cx="0" cy="0"/>
-          <a:chOff x="0" y="0"/>
-          <a:chExt cx="0" cy="0"/>
-        </a:xfrm>
-      </p:grpSpPr>
-      <p:sp>
-        <p:nvSpPr>
-          <p:cNvPr id="2" name="Title 1">
-            <a:extLst>
-              <a:ext uri="{FF2B5EF4-FFF2-40B4-BE49-F238E27FC236}">
-                <a16:creationId xmlns:a16="http://schemas.microsoft.com/office/drawing/2014/main" id="{5895323D-71FD-46DC-8C91-6594EDFBDF25}"/>
-              </a:ext>
-            </a:extLst>
-          </p:cNvPr>
-          <p:cNvSpPr>
-            <a:spLocks noGrp="1"/>
-          </p:cNvSpPr>
-          <p:nvPr>
-            <p:ph type="title"/>
-          </p:nvPr>
-        </p:nvSpPr>
-        <p:spPr>
-          <a:xfrm>
-            <a:off x="3175985" y="37344"/>
-            <a:ext cx="5117410" cy="660400"/>
-          </a:xfrm>
-        </p:spPr>
-        <p:txBody>
-          <a:bodyPr/>
-          <a:lstStyle/>
-          <a:p>
-            <a:pPr algn="ctr"/>
-            <a:r>
-              <a:rPr lang="en-US" dirty="0">
-                <a:latin typeface="Calibri" panose="020F0502020204030204" pitchFamily="34" charset="0"/>
-                <a:cs typeface="Calibri" panose="020F0502020204030204" pitchFamily="34" charset="0"/>
-              </a:rPr>
-              <a:t>Medicare vs Hospitals</a:t>
-            </a:r>
-          </a:p>
-        </p:txBody>
-      </p:sp>
-      <p:sp>
-        <p:nvSpPr>
-          <p:cNvPr id="3" name="Content Placeholder 2">
-            <a:extLst>
-              <a:ext uri="{FF2B5EF4-FFF2-40B4-BE49-F238E27FC236}">
-                <a16:creationId xmlns:a16="http://schemas.microsoft.com/office/drawing/2014/main" id="{100A28AF-450D-48DA-B73C-B17225192AF4}"/>
-              </a:ext>
-            </a:extLst>
-          </p:cNvPr>
-          <p:cNvSpPr>
-            <a:spLocks noGrp="1"/>
-          </p:cNvSpPr>
-          <p:nvPr>
-            <p:ph idx="1"/>
-          </p:nvPr>
-        </p:nvSpPr>
-        <p:spPr>
-          <a:xfrm>
-            <a:off x="6964325" y="1775530"/>
-            <a:ext cx="2562447" cy="474399"/>
-          </a:xfrm>
-        </p:spPr>
-        <p:txBody>
-          <a:bodyPr>
-            <a:normAutofit/>
-          </a:bodyPr>
-          <a:lstStyle/>
-          <a:p>
-            <a:pPr marL="0" indent="0">
-              <a:buNone/>
-            </a:pPr>
-            <a:r>
-              <a:rPr lang="en-US" sz="2400" b="1" dirty="0">
-                <a:latin typeface="Calibri" panose="020F0502020204030204" pitchFamily="34" charset="0"/>
-                <a:cs typeface="Calibri" panose="020F0502020204030204" pitchFamily="34" charset="0"/>
-              </a:rPr>
-              <a:t>Areas to compare:</a:t>
-            </a:r>
-            <a:endParaRPr lang="en-US" sz="2400" dirty="0">
-              <a:latin typeface="Calibri" panose="020F0502020204030204" pitchFamily="34" charset="0"/>
-              <a:cs typeface="Calibri" panose="020F0502020204030204" pitchFamily="34" charset="0"/>
-            </a:endParaRPr>
-          </a:p>
-          <a:p>
-            <a:pPr marL="0" indent="0">
-              <a:buNone/>
-            </a:pPr>
-            <a:endParaRPr lang="en-US" sz="2900" dirty="0"/>
-          </a:p>
-          <a:p>
-            <a:pPr marL="0" indent="0">
-              <a:buNone/>
-            </a:pPr>
-            <a:endParaRPr lang="en-US" dirty="0"/>
-          </a:p>
-          <a:p>
-            <a:pPr marL="0" indent="0">
-              <a:buNone/>
-            </a:pPr>
-            <a:endParaRPr lang="en-US" dirty="0"/>
-          </a:p>
-          <a:p>
-            <a:pPr marL="0" indent="0">
-              <a:buNone/>
-            </a:pPr>
-            <a:endParaRPr lang="en-US" dirty="0"/>
-          </a:p>
-          <a:p>
-            <a:endParaRPr lang="en-US" dirty="0"/>
-          </a:p>
-        </p:txBody>
-      </p:sp>
-      <p:sp>
-        <p:nvSpPr>
-          <p:cNvPr id="5" name="TextBox 4">
-            <a:extLst>
-              <a:ext uri="{FF2B5EF4-FFF2-40B4-BE49-F238E27FC236}">
-                <a16:creationId xmlns:a16="http://schemas.microsoft.com/office/drawing/2014/main" id="{E9CE7AA7-B064-44A3-A476-387D9DA69026}"/>
-              </a:ext>
-            </a:extLst>
-          </p:cNvPr>
-          <p:cNvSpPr txBox="1"/>
-          <p:nvPr/>
-        </p:nvSpPr>
-        <p:spPr>
-          <a:xfrm>
-            <a:off x="2557129" y="680740"/>
-            <a:ext cx="5964865" cy="1015663"/>
-          </a:xfrm>
-          <a:prstGeom prst="rect">
-            <a:avLst/>
-          </a:prstGeom>
-          <a:noFill/>
-        </p:spPr>
-        <p:txBody>
-          <a:bodyPr wrap="square" rtlCol="0">
-            <a:spAutoFit/>
-          </a:bodyPr>
-          <a:lstStyle/>
-          <a:p>
-            <a:pPr algn="ctr"/>
-            <a:r>
-              <a:rPr lang="en-US" sz="2400" b="1" dirty="0">
-                <a:latin typeface="Calibri" panose="020F0502020204030204" pitchFamily="34" charset="0"/>
-                <a:cs typeface="Calibri" panose="020F0502020204030204" pitchFamily="34" charset="0"/>
-              </a:rPr>
-              <a:t>Initial Theory</a:t>
-            </a:r>
-          </a:p>
-          <a:p>
-            <a:pPr algn="ctr"/>
-            <a:r>
-              <a:rPr lang="en-US" dirty="0">
-                <a:latin typeface="Calibri" panose="020F0502020204030204" pitchFamily="34" charset="0"/>
-                <a:cs typeface="Calibri" panose="020F0502020204030204" pitchFamily="34" charset="0"/>
-              </a:rPr>
-              <a:t>“If Medicare spends more money at a certain hospital, </a:t>
-            </a:r>
-          </a:p>
-          <a:p>
-            <a:pPr algn="ctr"/>
-            <a:r>
-              <a:rPr lang="en-US" dirty="0">
-                <a:latin typeface="Calibri" panose="020F0502020204030204" pitchFamily="34" charset="0"/>
-                <a:cs typeface="Calibri" panose="020F0502020204030204" pitchFamily="34" charset="0"/>
-              </a:rPr>
-              <a:t>then that hospital will likely be better quality.”</a:t>
-            </a:r>
-          </a:p>
-        </p:txBody>
-      </p:sp>
-      <p:sp>
-        <p:nvSpPr>
-          <p:cNvPr id="6" name="Content Placeholder 2">
-            <a:extLst>
-              <a:ext uri="{FF2B5EF4-FFF2-40B4-BE49-F238E27FC236}">
-                <a16:creationId xmlns:a16="http://schemas.microsoft.com/office/drawing/2014/main" id="{CACE7142-5C3C-446F-A58C-112F78A33FE4}"/>
-              </a:ext>
-            </a:extLst>
-          </p:cNvPr>
-          <p:cNvSpPr txBox="1">
-            <a:spLocks/>
-          </p:cNvSpPr>
-          <p:nvPr/>
-        </p:nvSpPr>
-        <p:spPr>
-          <a:xfrm>
-            <a:off x="6510867" y="2339796"/>
-            <a:ext cx="4745271" cy="4759787"/>
-          </a:xfrm>
-          <a:prstGeom prst="rect">
-            <a:avLst/>
-          </a:prstGeom>
-        </p:spPr>
-        <p:txBody>
-          <a:bodyPr vert="horz" lIns="91440" tIns="45720" rIns="91440" bIns="45720" rtlCol="0">
-            <a:normAutofit fontScale="32500" lnSpcReduction="20000"/>
-          </a:bodyPr>
-          <a:lstStyle>
-            <a:lvl1pPr marL="342900" indent="-342900" algn="l" defTabSz="457200" rtl="0" eaLnBrk="1" latinLnBrk="0" hangingPunct="1">
-              <a:spcBef>
-                <a:spcPts val="1000"/>
-              </a:spcBef>
-              <a:spcAft>
-                <a:spcPts val="0"/>
-              </a:spcAft>
-              <a:buClr>
-                <a:schemeClr val="accent1"/>
-              </a:buClr>
-              <a:buSzPct val="80000"/>
-              <a:buFont typeface="Wingdings 3" charset="2"/>
-              <a:buChar char=""/>
-              <a:defRPr sz="1800" kern="1200">
-                <a:solidFill>
-                  <a:schemeClr val="tx1">
-                    <a:lumMod val="75000"/>
-                    <a:lumOff val="25000"/>
-                  </a:schemeClr>
-                </a:solidFill>
-                <a:latin typeface="+mn-lt"/>
-                <a:ea typeface="+mn-ea"/>
-                <a:cs typeface="+mn-cs"/>
-              </a:defRPr>
-            </a:lvl1pPr>
-            <a:lvl2pPr marL="742950" indent="-285750" algn="l" defTabSz="457200" rtl="0" eaLnBrk="1" latinLnBrk="0" hangingPunct="1">
-              <a:spcBef>
-                <a:spcPts val="1000"/>
-              </a:spcBef>
-              <a:spcAft>
-                <a:spcPts val="0"/>
-              </a:spcAft>
-              <a:buClr>
-                <a:schemeClr val="accent1"/>
-              </a:buClr>
-              <a:buSzPct val="80000"/>
-              <a:buFont typeface="Wingdings 3" charset="2"/>
-              <a:buChar char=""/>
-              <a:defRPr sz="1600" kern="1200">
-                <a:solidFill>
-                  <a:schemeClr val="tx1">
-                    <a:lumMod val="75000"/>
-                    <a:lumOff val="25000"/>
-                  </a:schemeClr>
-                </a:solidFill>
-                <a:latin typeface="+mn-lt"/>
-                <a:ea typeface="+mn-ea"/>
-                <a:cs typeface="+mn-cs"/>
-              </a:defRPr>
-            </a:lvl2pPr>
-            <a:lvl3pPr marL="1143000" indent="-228600" algn="l" defTabSz="457200" rtl="0" eaLnBrk="1" latinLnBrk="0" hangingPunct="1">
-              <a:spcBef>
-                <a:spcPts val="1000"/>
-              </a:spcBef>
-              <a:spcAft>
-                <a:spcPts val="0"/>
-              </a:spcAft>
-              <a:buClr>
-                <a:schemeClr val="accent1"/>
-              </a:buClr>
-              <a:buSzPct val="80000"/>
-              <a:buFont typeface="Wingdings 3" charset="2"/>
-              <a:buChar char=""/>
-              <a:defRPr sz="1400" kern="1200">
-                <a:solidFill>
-                  <a:schemeClr val="tx1">
-                    <a:lumMod val="75000"/>
-                    <a:lumOff val="25000"/>
-                  </a:schemeClr>
-                </a:solidFill>
-                <a:latin typeface="+mn-lt"/>
-                <a:ea typeface="+mn-ea"/>
-                <a:cs typeface="+mn-cs"/>
-              </a:defRPr>
-            </a:lvl3pPr>
-            <a:lvl4pPr marL="1600200" indent="-228600" algn="l" defTabSz="457200" rtl="0" eaLnBrk="1" latinLnBrk="0" hangingPunct="1">
-              <a:spcBef>
-                <a:spcPts val="1000"/>
-              </a:spcBef>
-              <a:spcAft>
-                <a:spcPts val="0"/>
-              </a:spcAft>
-              <a:buClr>
-                <a:schemeClr val="accent1"/>
-              </a:buClr>
-              <a:buSzPct val="80000"/>
-              <a:buFont typeface="Wingdings 3" charset="2"/>
-              <a:buChar char=""/>
-              <a:defRPr sz="1200" kern="1200">
-                <a:solidFill>
-                  <a:schemeClr val="tx1">
-                    <a:lumMod val="75000"/>
-                    <a:lumOff val="25000"/>
-                  </a:schemeClr>
-                </a:solidFill>
-                <a:latin typeface="+mn-lt"/>
-                <a:ea typeface="+mn-ea"/>
-                <a:cs typeface="+mn-cs"/>
-              </a:defRPr>
-            </a:lvl4pPr>
-            <a:lvl5pPr marL="2057400" indent="-228600" algn="l" defTabSz="457200" rtl="0" eaLnBrk="1" latinLnBrk="0" hangingPunct="1">
-              <a:spcBef>
-                <a:spcPts val="1000"/>
-              </a:spcBef>
-              <a:spcAft>
-                <a:spcPts val="0"/>
-              </a:spcAft>
-              <a:buClr>
-                <a:schemeClr val="accent1"/>
-              </a:buClr>
-              <a:buSzPct val="80000"/>
-              <a:buFont typeface="Wingdings 3" charset="2"/>
-              <a:buChar char=""/>
-              <a:defRPr sz="1200" kern="1200">
-                <a:solidFill>
-                  <a:schemeClr val="tx1">
-                    <a:lumMod val="75000"/>
-                    <a:lumOff val="25000"/>
-                  </a:schemeClr>
-                </a:solidFill>
-                <a:latin typeface="+mn-lt"/>
-                <a:ea typeface="+mn-ea"/>
-                <a:cs typeface="+mn-cs"/>
-              </a:defRPr>
-            </a:lvl5pPr>
-            <a:lvl6pPr marL="2514600" indent="-228600" algn="l" defTabSz="457200" rtl="0" eaLnBrk="1" latinLnBrk="0" hangingPunct="1">
-              <a:spcBef>
-                <a:spcPts val="1000"/>
-              </a:spcBef>
-              <a:spcAft>
-                <a:spcPts val="0"/>
-              </a:spcAft>
-              <a:buClr>
-                <a:schemeClr val="accent1"/>
-              </a:buClr>
-              <a:buSzPct val="80000"/>
-              <a:buFont typeface="Wingdings 3" charset="2"/>
-              <a:buChar char=""/>
-              <a:defRPr sz="1200" kern="1200">
-                <a:solidFill>
-                  <a:schemeClr val="tx1">
-                    <a:lumMod val="75000"/>
-                    <a:lumOff val="25000"/>
-                  </a:schemeClr>
-                </a:solidFill>
-                <a:latin typeface="+mn-lt"/>
-                <a:ea typeface="+mn-ea"/>
-                <a:cs typeface="+mn-cs"/>
-              </a:defRPr>
-            </a:lvl6pPr>
-            <a:lvl7pPr marL="2971800" indent="-228600" algn="l" defTabSz="457200" rtl="0" eaLnBrk="1" latinLnBrk="0" hangingPunct="1">
-              <a:spcBef>
-                <a:spcPts val="1000"/>
-              </a:spcBef>
-              <a:spcAft>
-                <a:spcPts val="0"/>
-              </a:spcAft>
-              <a:buClr>
-                <a:schemeClr val="accent1"/>
-              </a:buClr>
-              <a:buSzPct val="80000"/>
-              <a:buFont typeface="Wingdings 3" charset="2"/>
-              <a:buChar char=""/>
-              <a:defRPr sz="1200" kern="1200">
-                <a:solidFill>
-                  <a:schemeClr val="tx1">
-                    <a:lumMod val="75000"/>
-                    <a:lumOff val="25000"/>
-                  </a:schemeClr>
-                </a:solidFill>
-                <a:latin typeface="+mn-lt"/>
-                <a:ea typeface="+mn-ea"/>
-                <a:cs typeface="+mn-cs"/>
-              </a:defRPr>
-            </a:lvl7pPr>
-            <a:lvl8pPr marL="3429000" indent="-228600" algn="l" defTabSz="457200" rtl="0" eaLnBrk="1" latinLnBrk="0" hangingPunct="1">
-              <a:spcBef>
-                <a:spcPts val="1000"/>
-              </a:spcBef>
-              <a:spcAft>
-                <a:spcPts val="0"/>
-              </a:spcAft>
-              <a:buClr>
-                <a:schemeClr val="accent1"/>
-              </a:buClr>
-              <a:buSzPct val="80000"/>
-              <a:buFont typeface="Wingdings 3" charset="2"/>
-              <a:buChar char=""/>
-              <a:defRPr sz="1200" kern="1200">
-                <a:solidFill>
-                  <a:schemeClr val="tx1">
-                    <a:lumMod val="75000"/>
-                    <a:lumOff val="25000"/>
-                  </a:schemeClr>
-                </a:solidFill>
-                <a:latin typeface="+mn-lt"/>
-                <a:ea typeface="+mn-ea"/>
-                <a:cs typeface="+mn-cs"/>
-              </a:defRPr>
-            </a:lvl8pPr>
-            <a:lvl9pPr marL="3886200" indent="-228600" algn="l" defTabSz="457200" rtl="0" eaLnBrk="1" latinLnBrk="0" hangingPunct="1">
-              <a:spcBef>
-                <a:spcPts val="1000"/>
-              </a:spcBef>
-              <a:spcAft>
-                <a:spcPts val="0"/>
-              </a:spcAft>
-              <a:buClr>
-                <a:schemeClr val="accent1"/>
-              </a:buClr>
-              <a:buSzPct val="80000"/>
-              <a:buFont typeface="Wingdings 3" charset="2"/>
-              <a:buChar char=""/>
-              <a:defRPr sz="1200" kern="1200">
-                <a:solidFill>
-                  <a:schemeClr val="tx1">
-                    <a:lumMod val="75000"/>
-                    <a:lumOff val="25000"/>
-                  </a:schemeClr>
-                </a:solidFill>
-                <a:latin typeface="+mn-lt"/>
-                <a:ea typeface="+mn-ea"/>
-                <a:cs typeface="+mn-cs"/>
-              </a:defRPr>
-            </a:lvl9pPr>
-          </a:lstStyle>
-          <a:p>
-            <a:r>
-              <a:rPr lang="en-US" sz="6400" dirty="0">
-                <a:latin typeface="Calibri" panose="020F0502020204030204" pitchFamily="34" charset="0"/>
-                <a:cs typeface="Calibri" panose="020F0502020204030204" pitchFamily="34" charset="0"/>
-              </a:rPr>
-              <a:t>Readmission Rates</a:t>
-            </a:r>
-          </a:p>
-          <a:p>
-            <a:r>
-              <a:rPr lang="en-US" sz="6400" dirty="0">
-                <a:latin typeface="Calibri" panose="020F0502020204030204" pitchFamily="34" charset="0"/>
-                <a:cs typeface="Calibri" panose="020F0502020204030204" pitchFamily="34" charset="0"/>
-              </a:rPr>
-              <a:t>Complications &amp; Deaths</a:t>
-            </a:r>
-          </a:p>
-          <a:p>
-            <a:r>
-              <a:rPr lang="en-US" sz="6400" dirty="0">
-                <a:latin typeface="Calibri" panose="020F0502020204030204" pitchFamily="34" charset="0"/>
-                <a:cs typeface="Calibri" panose="020F0502020204030204" pitchFamily="34" charset="0"/>
-              </a:rPr>
-              <a:t>Unexpected Hospital Visits</a:t>
-            </a:r>
-          </a:p>
-          <a:p>
-            <a:r>
-              <a:rPr lang="en-US" sz="6400" dirty="0">
-                <a:latin typeface="Calibri" panose="020F0502020204030204" pitchFamily="34" charset="0"/>
-                <a:cs typeface="Calibri" panose="020F0502020204030204" pitchFamily="34" charset="0"/>
-              </a:rPr>
-              <a:t>Medicare Spending per Patient</a:t>
-            </a:r>
-          </a:p>
-          <a:p>
-            <a:r>
-              <a:rPr lang="en-US" sz="6400" dirty="0">
-                <a:latin typeface="Calibri" panose="020F0502020204030204" pitchFamily="34" charset="0"/>
-                <a:cs typeface="Calibri" panose="020F0502020204030204" pitchFamily="34" charset="0"/>
-              </a:rPr>
-              <a:t>Income per County:</a:t>
-            </a:r>
-          </a:p>
-          <a:p>
-            <a:pPr marL="457200" lvl="1" indent="0">
-              <a:buNone/>
-            </a:pPr>
-            <a:r>
-              <a:rPr lang="en-US" sz="6200" dirty="0">
-                <a:latin typeface="Calibri" panose="020F0502020204030204" pitchFamily="34" charset="0"/>
-                <a:cs typeface="Calibri" panose="020F0502020204030204" pitchFamily="34" charset="0"/>
-              </a:rPr>
-              <a:t>Clay, MO</a:t>
-            </a:r>
-          </a:p>
-          <a:p>
-            <a:pPr marL="457200" lvl="1" indent="0">
-              <a:buNone/>
-            </a:pPr>
-            <a:r>
-              <a:rPr lang="en-US" sz="6200" dirty="0">
-                <a:latin typeface="Calibri" panose="020F0502020204030204" pitchFamily="34" charset="0"/>
-                <a:cs typeface="Calibri" panose="020F0502020204030204" pitchFamily="34" charset="0"/>
-              </a:rPr>
-              <a:t>Jackson, MO</a:t>
-            </a:r>
-          </a:p>
-          <a:p>
-            <a:pPr marL="457200" lvl="1" indent="0">
-              <a:buNone/>
-            </a:pPr>
-            <a:r>
-              <a:rPr lang="en-US" sz="6200" dirty="0">
-                <a:latin typeface="Calibri" panose="020F0502020204030204" pitchFamily="34" charset="0"/>
-                <a:cs typeface="Calibri" panose="020F0502020204030204" pitchFamily="34" charset="0"/>
-              </a:rPr>
-              <a:t>Johnson, KS</a:t>
-            </a:r>
-          </a:p>
-          <a:p>
-            <a:pPr marL="457200" lvl="1" indent="0">
-              <a:buNone/>
-            </a:pPr>
-            <a:r>
-              <a:rPr lang="en-US" sz="6200" dirty="0">
-                <a:latin typeface="Calibri" panose="020F0502020204030204" pitchFamily="34" charset="0"/>
-                <a:cs typeface="Calibri" panose="020F0502020204030204" pitchFamily="34" charset="0"/>
-              </a:rPr>
-              <a:t>Leavenworth, KS</a:t>
-            </a:r>
-          </a:p>
-          <a:p>
-            <a:pPr marL="457200" lvl="1" indent="0">
-              <a:buNone/>
-            </a:pPr>
-            <a:r>
-              <a:rPr lang="en-US" sz="6200" dirty="0">
-                <a:latin typeface="Calibri" panose="020F0502020204030204" pitchFamily="34" charset="0"/>
-                <a:cs typeface="Calibri" panose="020F0502020204030204" pitchFamily="34" charset="0"/>
-              </a:rPr>
-              <a:t>Sedgwick, KS</a:t>
-            </a:r>
-          </a:p>
-          <a:p>
-            <a:pPr marL="457200" lvl="1" indent="0">
-              <a:buNone/>
-            </a:pPr>
-            <a:r>
-              <a:rPr lang="en-US" sz="6200" dirty="0">
-                <a:latin typeface="Calibri" panose="020F0502020204030204" pitchFamily="34" charset="0"/>
-                <a:cs typeface="Calibri" panose="020F0502020204030204" pitchFamily="34" charset="0"/>
-              </a:rPr>
-              <a:t>Wyandotte, KS</a:t>
-            </a:r>
-            <a:endParaRPr lang="en-US" sz="9600" dirty="0">
-              <a:latin typeface="Calibri" panose="020F0502020204030204" pitchFamily="34" charset="0"/>
-              <a:cs typeface="Calibri" panose="020F0502020204030204" pitchFamily="34" charset="0"/>
-            </a:endParaRPr>
-          </a:p>
-        </p:txBody>
-      </p:sp>
-      <p:sp>
-        <p:nvSpPr>
-          <p:cNvPr id="8" name="Content Placeholder 2">
-            <a:extLst>
-              <a:ext uri="{FF2B5EF4-FFF2-40B4-BE49-F238E27FC236}">
-                <a16:creationId xmlns:a16="http://schemas.microsoft.com/office/drawing/2014/main" id="{8349254D-CED4-444A-8EB4-9AE39BD31113}"/>
-              </a:ext>
-            </a:extLst>
-          </p:cNvPr>
-          <p:cNvSpPr txBox="1">
-            <a:spLocks/>
-          </p:cNvSpPr>
-          <p:nvPr/>
-        </p:nvSpPr>
-        <p:spPr>
-          <a:xfrm>
-            <a:off x="1118781" y="1705043"/>
-            <a:ext cx="2057204" cy="474399"/>
-          </a:xfrm>
-          <a:prstGeom prst="rect">
-            <a:avLst/>
-          </a:prstGeom>
-        </p:spPr>
-        <p:txBody>
-          <a:bodyPr vert="horz" lIns="91440" tIns="45720" rIns="91440" bIns="45720" rtlCol="0">
-            <a:normAutofit/>
-          </a:bodyPr>
-          <a:lstStyle>
-            <a:lvl1pPr marL="342900" indent="-342900" algn="l" defTabSz="457200" rtl="0" eaLnBrk="1" latinLnBrk="0" hangingPunct="1">
-              <a:spcBef>
-                <a:spcPts val="1000"/>
-              </a:spcBef>
-              <a:spcAft>
-                <a:spcPts val="0"/>
-              </a:spcAft>
-              <a:buClr>
-                <a:schemeClr val="accent1"/>
-              </a:buClr>
-              <a:buSzPct val="80000"/>
-              <a:buFont typeface="Wingdings 3" charset="2"/>
-              <a:buChar char=""/>
-              <a:defRPr sz="1800" kern="1200">
-                <a:solidFill>
-                  <a:schemeClr val="tx1">
-                    <a:lumMod val="75000"/>
-                    <a:lumOff val="25000"/>
-                  </a:schemeClr>
-                </a:solidFill>
-                <a:latin typeface="+mn-lt"/>
-                <a:ea typeface="+mn-ea"/>
-                <a:cs typeface="+mn-cs"/>
-              </a:defRPr>
-            </a:lvl1pPr>
-            <a:lvl2pPr marL="742950" indent="-285750" algn="l" defTabSz="457200" rtl="0" eaLnBrk="1" latinLnBrk="0" hangingPunct="1">
-              <a:spcBef>
-                <a:spcPts val="1000"/>
-              </a:spcBef>
-              <a:spcAft>
-                <a:spcPts val="0"/>
-              </a:spcAft>
-              <a:buClr>
-                <a:schemeClr val="accent1"/>
-              </a:buClr>
-              <a:buSzPct val="80000"/>
-              <a:buFont typeface="Wingdings 3" charset="2"/>
-              <a:buChar char=""/>
-              <a:defRPr sz="1600" kern="1200">
-                <a:solidFill>
-                  <a:schemeClr val="tx1">
-                    <a:lumMod val="75000"/>
-                    <a:lumOff val="25000"/>
-                  </a:schemeClr>
-                </a:solidFill>
-                <a:latin typeface="+mn-lt"/>
-                <a:ea typeface="+mn-ea"/>
-                <a:cs typeface="+mn-cs"/>
-              </a:defRPr>
-            </a:lvl2pPr>
-            <a:lvl3pPr marL="1143000" indent="-228600" algn="l" defTabSz="457200" rtl="0" eaLnBrk="1" latinLnBrk="0" hangingPunct="1">
-              <a:spcBef>
-                <a:spcPts val="1000"/>
-              </a:spcBef>
-              <a:spcAft>
-                <a:spcPts val="0"/>
-              </a:spcAft>
-              <a:buClr>
-                <a:schemeClr val="accent1"/>
-              </a:buClr>
-              <a:buSzPct val="80000"/>
-              <a:buFont typeface="Wingdings 3" charset="2"/>
-              <a:buChar char=""/>
-              <a:defRPr sz="1400" kern="1200">
-                <a:solidFill>
-                  <a:schemeClr val="tx1">
-                    <a:lumMod val="75000"/>
-                    <a:lumOff val="25000"/>
-                  </a:schemeClr>
-                </a:solidFill>
-                <a:latin typeface="+mn-lt"/>
-                <a:ea typeface="+mn-ea"/>
-                <a:cs typeface="+mn-cs"/>
-              </a:defRPr>
-            </a:lvl3pPr>
-            <a:lvl4pPr marL="1600200" indent="-228600" algn="l" defTabSz="457200" rtl="0" eaLnBrk="1" latinLnBrk="0" hangingPunct="1">
-              <a:spcBef>
-                <a:spcPts val="1000"/>
-              </a:spcBef>
-              <a:spcAft>
-                <a:spcPts val="0"/>
-              </a:spcAft>
-              <a:buClr>
-                <a:schemeClr val="accent1"/>
-              </a:buClr>
-              <a:buSzPct val="80000"/>
-              <a:buFont typeface="Wingdings 3" charset="2"/>
-              <a:buChar char=""/>
-              <a:defRPr sz="1200" kern="1200">
-                <a:solidFill>
-                  <a:schemeClr val="tx1">
-                    <a:lumMod val="75000"/>
-                    <a:lumOff val="25000"/>
-                  </a:schemeClr>
-                </a:solidFill>
-                <a:latin typeface="+mn-lt"/>
-                <a:ea typeface="+mn-ea"/>
-                <a:cs typeface="+mn-cs"/>
-              </a:defRPr>
-            </a:lvl4pPr>
-            <a:lvl5pPr marL="2057400" indent="-228600" algn="l" defTabSz="457200" rtl="0" eaLnBrk="1" latinLnBrk="0" hangingPunct="1">
-              <a:spcBef>
-                <a:spcPts val="1000"/>
-              </a:spcBef>
-              <a:spcAft>
-                <a:spcPts val="0"/>
-              </a:spcAft>
-              <a:buClr>
-                <a:schemeClr val="accent1"/>
-              </a:buClr>
-              <a:buSzPct val="80000"/>
-              <a:buFont typeface="Wingdings 3" charset="2"/>
-              <a:buChar char=""/>
-              <a:defRPr sz="1200" kern="1200">
-                <a:solidFill>
-                  <a:schemeClr val="tx1">
-                    <a:lumMod val="75000"/>
-                    <a:lumOff val="25000"/>
-                  </a:schemeClr>
-                </a:solidFill>
-                <a:latin typeface="+mn-lt"/>
-                <a:ea typeface="+mn-ea"/>
-                <a:cs typeface="+mn-cs"/>
-              </a:defRPr>
-            </a:lvl5pPr>
-            <a:lvl6pPr marL="2514600" indent="-228600" algn="l" defTabSz="457200" rtl="0" eaLnBrk="1" latinLnBrk="0" hangingPunct="1">
-              <a:spcBef>
-                <a:spcPts val="1000"/>
-              </a:spcBef>
-              <a:spcAft>
-                <a:spcPts val="0"/>
-              </a:spcAft>
-              <a:buClr>
-                <a:schemeClr val="accent1"/>
-              </a:buClr>
-              <a:buSzPct val="80000"/>
-              <a:buFont typeface="Wingdings 3" charset="2"/>
-              <a:buChar char=""/>
-              <a:defRPr sz="1200" kern="1200">
-                <a:solidFill>
-                  <a:schemeClr val="tx1">
-                    <a:lumMod val="75000"/>
-                    <a:lumOff val="25000"/>
-                  </a:schemeClr>
-                </a:solidFill>
-                <a:latin typeface="+mn-lt"/>
-                <a:ea typeface="+mn-ea"/>
-                <a:cs typeface="+mn-cs"/>
-              </a:defRPr>
-            </a:lvl6pPr>
-            <a:lvl7pPr marL="2971800" indent="-228600" algn="l" defTabSz="457200" rtl="0" eaLnBrk="1" latinLnBrk="0" hangingPunct="1">
-              <a:spcBef>
-                <a:spcPts val="1000"/>
-              </a:spcBef>
-              <a:spcAft>
-                <a:spcPts val="0"/>
-              </a:spcAft>
-              <a:buClr>
-                <a:schemeClr val="accent1"/>
-              </a:buClr>
-              <a:buSzPct val="80000"/>
-              <a:buFont typeface="Wingdings 3" charset="2"/>
-              <a:buChar char=""/>
-              <a:defRPr sz="1200" kern="1200">
-                <a:solidFill>
-                  <a:schemeClr val="tx1">
-                    <a:lumMod val="75000"/>
-                    <a:lumOff val="25000"/>
-                  </a:schemeClr>
-                </a:solidFill>
-                <a:latin typeface="+mn-lt"/>
-                <a:ea typeface="+mn-ea"/>
-                <a:cs typeface="+mn-cs"/>
-              </a:defRPr>
-            </a:lvl7pPr>
-            <a:lvl8pPr marL="3429000" indent="-228600" algn="l" defTabSz="457200" rtl="0" eaLnBrk="1" latinLnBrk="0" hangingPunct="1">
-              <a:spcBef>
-                <a:spcPts val="1000"/>
-              </a:spcBef>
-              <a:spcAft>
-                <a:spcPts val="0"/>
-              </a:spcAft>
-              <a:buClr>
-                <a:schemeClr val="accent1"/>
-              </a:buClr>
-              <a:buSzPct val="80000"/>
-              <a:buFont typeface="Wingdings 3" charset="2"/>
-              <a:buChar char=""/>
-              <a:defRPr sz="1200" kern="1200">
-                <a:solidFill>
-                  <a:schemeClr val="tx1">
-                    <a:lumMod val="75000"/>
-                    <a:lumOff val="25000"/>
-                  </a:schemeClr>
-                </a:solidFill>
-                <a:latin typeface="+mn-lt"/>
-                <a:ea typeface="+mn-ea"/>
-                <a:cs typeface="+mn-cs"/>
-              </a:defRPr>
-            </a:lvl8pPr>
-            <a:lvl9pPr marL="3886200" indent="-228600" algn="l" defTabSz="457200" rtl="0" eaLnBrk="1" latinLnBrk="0" hangingPunct="1">
-              <a:spcBef>
-                <a:spcPts val="1000"/>
-              </a:spcBef>
-              <a:spcAft>
-                <a:spcPts val="0"/>
-              </a:spcAft>
-              <a:buClr>
-                <a:schemeClr val="accent1"/>
-              </a:buClr>
-              <a:buSzPct val="80000"/>
-              <a:buFont typeface="Wingdings 3" charset="2"/>
-              <a:buChar char=""/>
-              <a:defRPr sz="1200" kern="1200">
-                <a:solidFill>
-                  <a:schemeClr val="tx1">
-                    <a:lumMod val="75000"/>
-                    <a:lumOff val="25000"/>
-                  </a:schemeClr>
-                </a:solidFill>
-                <a:latin typeface="+mn-lt"/>
-                <a:ea typeface="+mn-ea"/>
-                <a:cs typeface="+mn-cs"/>
-              </a:defRPr>
-            </a:lvl9pPr>
-          </a:lstStyle>
-          <a:p>
-            <a:pPr marL="0" indent="0">
-              <a:buFont typeface="Wingdings 3" charset="2"/>
-              <a:buNone/>
-            </a:pPr>
-            <a:r>
-              <a:rPr lang="en-US" sz="2400" b="1" dirty="0">
-                <a:latin typeface="Calibri" panose="020F0502020204030204" pitchFamily="34" charset="0"/>
-                <a:cs typeface="Calibri" panose="020F0502020204030204" pitchFamily="34" charset="0"/>
-              </a:rPr>
-              <a:t>Our Process:</a:t>
-            </a:r>
-            <a:endParaRPr lang="en-US" sz="2400" dirty="0">
-              <a:latin typeface="Calibri" panose="020F0502020204030204" pitchFamily="34" charset="0"/>
-              <a:cs typeface="Calibri" panose="020F0502020204030204" pitchFamily="34" charset="0"/>
-            </a:endParaRPr>
-          </a:p>
-          <a:p>
-            <a:pPr marL="0" indent="0">
-              <a:buFont typeface="Wingdings 3" charset="2"/>
-              <a:buNone/>
-            </a:pPr>
-            <a:endParaRPr lang="en-US" sz="2900" dirty="0"/>
-          </a:p>
-          <a:p>
-            <a:pPr marL="0" indent="0">
-              <a:buFont typeface="Wingdings 3" charset="2"/>
-              <a:buNone/>
-            </a:pPr>
-            <a:endParaRPr lang="en-US" dirty="0"/>
-          </a:p>
-          <a:p>
-            <a:pPr marL="0" indent="0">
-              <a:buFont typeface="Wingdings 3" charset="2"/>
-              <a:buNone/>
-            </a:pPr>
-            <a:endParaRPr lang="en-US" dirty="0"/>
-          </a:p>
-          <a:p>
-            <a:pPr marL="0" indent="0">
-              <a:buFont typeface="Wingdings 3" charset="2"/>
-              <a:buNone/>
-            </a:pPr>
-            <a:endParaRPr lang="en-US" dirty="0"/>
-          </a:p>
-          <a:p>
-            <a:endParaRPr lang="en-US" dirty="0"/>
-          </a:p>
-        </p:txBody>
-      </p:sp>
-      <p:sp>
-        <p:nvSpPr>
-          <p:cNvPr id="9" name="Content Placeholder 2">
-            <a:extLst>
-              <a:ext uri="{FF2B5EF4-FFF2-40B4-BE49-F238E27FC236}">
-                <a16:creationId xmlns:a16="http://schemas.microsoft.com/office/drawing/2014/main" id="{ACF2C73F-4F35-477F-BF81-21B929F5AE83}"/>
-              </a:ext>
-            </a:extLst>
-          </p:cNvPr>
-          <p:cNvSpPr txBox="1">
-            <a:spLocks/>
-          </p:cNvSpPr>
-          <p:nvPr/>
-        </p:nvSpPr>
-        <p:spPr>
-          <a:xfrm>
-            <a:off x="539111" y="2255299"/>
-            <a:ext cx="4745271" cy="4759787"/>
-          </a:xfrm>
-          <a:prstGeom prst="rect">
-            <a:avLst/>
-          </a:prstGeom>
-        </p:spPr>
-        <p:txBody>
-          <a:bodyPr vert="horz" lIns="91440" tIns="45720" rIns="91440" bIns="45720" rtlCol="0">
-            <a:normAutofit fontScale="32500" lnSpcReduction="20000"/>
-          </a:bodyPr>
-          <a:lstStyle>
-            <a:lvl1pPr marL="342900" indent="-342900" algn="l" defTabSz="457200" rtl="0" eaLnBrk="1" latinLnBrk="0" hangingPunct="1">
-              <a:spcBef>
-                <a:spcPts val="1000"/>
-              </a:spcBef>
-              <a:spcAft>
-                <a:spcPts val="0"/>
-              </a:spcAft>
-              <a:buClr>
-                <a:schemeClr val="accent1"/>
-              </a:buClr>
-              <a:buSzPct val="80000"/>
-              <a:buFont typeface="Wingdings 3" charset="2"/>
-              <a:buChar char=""/>
-              <a:defRPr sz="1800" kern="1200">
-                <a:solidFill>
-                  <a:schemeClr val="tx1">
-                    <a:lumMod val="75000"/>
-                    <a:lumOff val="25000"/>
-                  </a:schemeClr>
-                </a:solidFill>
-                <a:latin typeface="+mn-lt"/>
-                <a:ea typeface="+mn-ea"/>
-                <a:cs typeface="+mn-cs"/>
-              </a:defRPr>
-            </a:lvl1pPr>
-            <a:lvl2pPr marL="742950" indent="-285750" algn="l" defTabSz="457200" rtl="0" eaLnBrk="1" latinLnBrk="0" hangingPunct="1">
-              <a:spcBef>
-                <a:spcPts val="1000"/>
-              </a:spcBef>
-              <a:spcAft>
-                <a:spcPts val="0"/>
-              </a:spcAft>
-              <a:buClr>
-                <a:schemeClr val="accent1"/>
-              </a:buClr>
-              <a:buSzPct val="80000"/>
-              <a:buFont typeface="Wingdings 3" charset="2"/>
-              <a:buChar char=""/>
-              <a:defRPr sz="1600" kern="1200">
-                <a:solidFill>
-                  <a:schemeClr val="tx1">
-                    <a:lumMod val="75000"/>
-                    <a:lumOff val="25000"/>
-                  </a:schemeClr>
-                </a:solidFill>
-                <a:latin typeface="+mn-lt"/>
-                <a:ea typeface="+mn-ea"/>
-                <a:cs typeface="+mn-cs"/>
-              </a:defRPr>
-            </a:lvl2pPr>
-            <a:lvl3pPr marL="1143000" indent="-228600" algn="l" defTabSz="457200" rtl="0" eaLnBrk="1" latinLnBrk="0" hangingPunct="1">
-              <a:spcBef>
-                <a:spcPts val="1000"/>
-              </a:spcBef>
-              <a:spcAft>
-                <a:spcPts val="0"/>
-              </a:spcAft>
-              <a:buClr>
-                <a:schemeClr val="accent1"/>
-              </a:buClr>
-              <a:buSzPct val="80000"/>
-              <a:buFont typeface="Wingdings 3" charset="2"/>
-              <a:buChar char=""/>
-              <a:defRPr sz="1400" kern="1200">
-                <a:solidFill>
-                  <a:schemeClr val="tx1">
-                    <a:lumMod val="75000"/>
-                    <a:lumOff val="25000"/>
-                  </a:schemeClr>
-                </a:solidFill>
-                <a:latin typeface="+mn-lt"/>
-                <a:ea typeface="+mn-ea"/>
-                <a:cs typeface="+mn-cs"/>
-              </a:defRPr>
-            </a:lvl3pPr>
-            <a:lvl4pPr marL="1600200" indent="-228600" algn="l" defTabSz="457200" rtl="0" eaLnBrk="1" latinLnBrk="0" hangingPunct="1">
-              <a:spcBef>
-                <a:spcPts val="1000"/>
-              </a:spcBef>
-              <a:spcAft>
-                <a:spcPts val="0"/>
-              </a:spcAft>
-              <a:buClr>
-                <a:schemeClr val="accent1"/>
-              </a:buClr>
-              <a:buSzPct val="80000"/>
-              <a:buFont typeface="Wingdings 3" charset="2"/>
-              <a:buChar char=""/>
-              <a:defRPr sz="1200" kern="1200">
-                <a:solidFill>
-                  <a:schemeClr val="tx1">
-                    <a:lumMod val="75000"/>
-                    <a:lumOff val="25000"/>
-                  </a:schemeClr>
-                </a:solidFill>
-                <a:latin typeface="+mn-lt"/>
-                <a:ea typeface="+mn-ea"/>
-                <a:cs typeface="+mn-cs"/>
-              </a:defRPr>
-            </a:lvl4pPr>
-            <a:lvl5pPr marL="2057400" indent="-228600" algn="l" defTabSz="457200" rtl="0" eaLnBrk="1" latinLnBrk="0" hangingPunct="1">
-              <a:spcBef>
-                <a:spcPts val="1000"/>
-              </a:spcBef>
-              <a:spcAft>
-                <a:spcPts val="0"/>
-              </a:spcAft>
-              <a:buClr>
-                <a:schemeClr val="accent1"/>
-              </a:buClr>
-              <a:buSzPct val="80000"/>
-              <a:buFont typeface="Wingdings 3" charset="2"/>
-              <a:buChar char=""/>
-              <a:defRPr sz="1200" kern="1200">
-                <a:solidFill>
-                  <a:schemeClr val="tx1">
-                    <a:lumMod val="75000"/>
-                    <a:lumOff val="25000"/>
-                  </a:schemeClr>
-                </a:solidFill>
-                <a:latin typeface="+mn-lt"/>
-                <a:ea typeface="+mn-ea"/>
-                <a:cs typeface="+mn-cs"/>
-              </a:defRPr>
-            </a:lvl5pPr>
-            <a:lvl6pPr marL="2514600" indent="-228600" algn="l" defTabSz="457200" rtl="0" eaLnBrk="1" latinLnBrk="0" hangingPunct="1">
-              <a:spcBef>
-                <a:spcPts val="1000"/>
-              </a:spcBef>
-              <a:spcAft>
-                <a:spcPts val="0"/>
-              </a:spcAft>
-              <a:buClr>
-                <a:schemeClr val="accent1"/>
-              </a:buClr>
-              <a:buSzPct val="80000"/>
-              <a:buFont typeface="Wingdings 3" charset="2"/>
-              <a:buChar char=""/>
-              <a:defRPr sz="1200" kern="1200">
-                <a:solidFill>
-                  <a:schemeClr val="tx1">
-                    <a:lumMod val="75000"/>
-                    <a:lumOff val="25000"/>
-                  </a:schemeClr>
-                </a:solidFill>
-                <a:latin typeface="+mn-lt"/>
-                <a:ea typeface="+mn-ea"/>
-                <a:cs typeface="+mn-cs"/>
-              </a:defRPr>
-            </a:lvl6pPr>
-            <a:lvl7pPr marL="2971800" indent="-228600" algn="l" defTabSz="457200" rtl="0" eaLnBrk="1" latinLnBrk="0" hangingPunct="1">
-              <a:spcBef>
-                <a:spcPts val="1000"/>
-              </a:spcBef>
-              <a:spcAft>
-                <a:spcPts val="0"/>
-              </a:spcAft>
-              <a:buClr>
-                <a:schemeClr val="accent1"/>
-              </a:buClr>
-              <a:buSzPct val="80000"/>
-              <a:buFont typeface="Wingdings 3" charset="2"/>
-              <a:buChar char=""/>
-              <a:defRPr sz="1200" kern="1200">
-                <a:solidFill>
-                  <a:schemeClr val="tx1">
-                    <a:lumMod val="75000"/>
-                    <a:lumOff val="25000"/>
-                  </a:schemeClr>
-                </a:solidFill>
-                <a:latin typeface="+mn-lt"/>
-                <a:ea typeface="+mn-ea"/>
-                <a:cs typeface="+mn-cs"/>
-              </a:defRPr>
-            </a:lvl7pPr>
-            <a:lvl8pPr marL="3429000" indent="-228600" algn="l" defTabSz="457200" rtl="0" eaLnBrk="1" latinLnBrk="0" hangingPunct="1">
-              <a:spcBef>
-                <a:spcPts val="1000"/>
-              </a:spcBef>
-              <a:spcAft>
-                <a:spcPts val="0"/>
-              </a:spcAft>
-              <a:buClr>
-                <a:schemeClr val="accent1"/>
-              </a:buClr>
-              <a:buSzPct val="80000"/>
-              <a:buFont typeface="Wingdings 3" charset="2"/>
-              <a:buChar char=""/>
-              <a:defRPr sz="1200" kern="1200">
-                <a:solidFill>
-                  <a:schemeClr val="tx1">
-                    <a:lumMod val="75000"/>
-                    <a:lumOff val="25000"/>
-                  </a:schemeClr>
-                </a:solidFill>
-                <a:latin typeface="+mn-lt"/>
-                <a:ea typeface="+mn-ea"/>
-                <a:cs typeface="+mn-cs"/>
-              </a:defRPr>
-            </a:lvl8pPr>
-            <a:lvl9pPr marL="3886200" indent="-228600" algn="l" defTabSz="457200" rtl="0" eaLnBrk="1" latinLnBrk="0" hangingPunct="1">
-              <a:spcBef>
-                <a:spcPts val="1000"/>
-              </a:spcBef>
-              <a:spcAft>
-                <a:spcPts val="0"/>
-              </a:spcAft>
-              <a:buClr>
-                <a:schemeClr val="accent1"/>
-              </a:buClr>
-              <a:buSzPct val="80000"/>
-              <a:buFont typeface="Wingdings 3" charset="2"/>
-              <a:buChar char=""/>
-              <a:defRPr sz="1200" kern="1200">
-                <a:solidFill>
-                  <a:schemeClr val="tx1">
-                    <a:lumMod val="75000"/>
-                    <a:lumOff val="25000"/>
-                  </a:schemeClr>
-                </a:solidFill>
-                <a:latin typeface="+mn-lt"/>
-                <a:ea typeface="+mn-ea"/>
-                <a:cs typeface="+mn-cs"/>
-              </a:defRPr>
-            </a:lvl9pPr>
-          </a:lstStyle>
-          <a:p>
-            <a:r>
-              <a:rPr lang="en-US" sz="6400" dirty="0">
-                <a:latin typeface="Calibri" panose="020F0502020204030204" pitchFamily="34" charset="0"/>
-                <a:cs typeface="Calibri" panose="020F0502020204030204" pitchFamily="34" charset="0"/>
-              </a:rPr>
-              <a:t>Data Search:</a:t>
-            </a:r>
-          </a:p>
-          <a:p>
-            <a:pPr marL="457200" lvl="1" indent="0">
-              <a:buFont typeface="Wingdings 3" charset="2"/>
-              <a:buNone/>
-            </a:pPr>
-            <a:r>
-              <a:rPr lang="en-US" sz="6400" dirty="0">
-                <a:latin typeface="Calibri" panose="020F0502020204030204" pitchFamily="34" charset="0"/>
-                <a:cs typeface="Calibri" panose="020F0502020204030204" pitchFamily="34" charset="0"/>
-              </a:rPr>
-              <a:t>Initial </a:t>
-            </a:r>
-            <a:r>
-              <a:rPr lang="en-US" sz="6400" dirty="0" err="1">
-                <a:latin typeface="Calibri" panose="020F0502020204030204" pitchFamily="34" charset="0"/>
-                <a:cs typeface="Calibri" panose="020F0502020204030204" pitchFamily="34" charset="0"/>
-              </a:rPr>
-              <a:t>cvs</a:t>
-            </a:r>
-            <a:r>
-              <a:rPr lang="en-US" sz="6400" dirty="0">
-                <a:latin typeface="Calibri" panose="020F0502020204030204" pitchFamily="34" charset="0"/>
-                <a:cs typeface="Calibri" panose="020F0502020204030204" pitchFamily="34" charset="0"/>
-              </a:rPr>
-              <a:t> files found – Steve</a:t>
-            </a:r>
-          </a:p>
-          <a:p>
-            <a:pPr marL="457200" lvl="1" indent="0">
-              <a:buFont typeface="Wingdings 3" charset="2"/>
-              <a:buNone/>
-            </a:pPr>
-            <a:r>
-              <a:rPr lang="en-US" sz="6400" dirty="0">
-                <a:latin typeface="Calibri" panose="020F0502020204030204" pitchFamily="34" charset="0"/>
-                <a:cs typeface="Calibri" panose="020F0502020204030204" pitchFamily="34" charset="0"/>
-              </a:rPr>
-              <a:t>Income data found – Charlie</a:t>
-            </a:r>
-          </a:p>
-          <a:p>
-            <a:pPr lvl="1"/>
-            <a:endParaRPr lang="en-US" sz="6400" dirty="0">
-              <a:latin typeface="Calibri" panose="020F0502020204030204" pitchFamily="34" charset="0"/>
-              <a:cs typeface="Calibri" panose="020F0502020204030204" pitchFamily="34" charset="0"/>
-            </a:endParaRPr>
-          </a:p>
-          <a:p>
-            <a:r>
-              <a:rPr lang="en-US" sz="6400" dirty="0">
-                <a:latin typeface="Calibri" panose="020F0502020204030204" pitchFamily="34" charset="0"/>
-                <a:cs typeface="Calibri" panose="020F0502020204030204" pitchFamily="34" charset="0"/>
-              </a:rPr>
-              <a:t>Data Cleanup:</a:t>
-            </a:r>
-          </a:p>
-          <a:p>
-            <a:pPr marL="457200" lvl="1" indent="0">
-              <a:buFont typeface="Wingdings 3" charset="2"/>
-              <a:buNone/>
-            </a:pPr>
-            <a:r>
-              <a:rPr lang="en-US" sz="6400" dirty="0">
-                <a:latin typeface="Calibri" panose="020F0502020204030204" pitchFamily="34" charset="0"/>
-                <a:cs typeface="Calibri" panose="020F0502020204030204" pitchFamily="34" charset="0"/>
-              </a:rPr>
-              <a:t>Cleanup and organize – Sasha and Tad</a:t>
-            </a:r>
-          </a:p>
-          <a:p>
-            <a:pPr marL="457200" lvl="1" indent="0">
-              <a:buFont typeface="Wingdings 3" charset="2"/>
-              <a:buNone/>
-            </a:pPr>
-            <a:endParaRPr lang="en-US" sz="6400" dirty="0">
-              <a:latin typeface="Calibri" panose="020F0502020204030204" pitchFamily="34" charset="0"/>
-              <a:cs typeface="Calibri" panose="020F0502020204030204" pitchFamily="34" charset="0"/>
-            </a:endParaRPr>
-          </a:p>
-          <a:p>
-            <a:r>
-              <a:rPr lang="en-US" sz="6400" dirty="0" err="1">
-                <a:latin typeface="Calibri" panose="020F0502020204030204" pitchFamily="34" charset="0"/>
-                <a:cs typeface="Calibri" panose="020F0502020204030204" pitchFamily="34" charset="0"/>
-              </a:rPr>
-              <a:t>Jupyter</a:t>
-            </a:r>
-            <a:r>
-              <a:rPr lang="en-US" sz="6400" dirty="0">
-                <a:latin typeface="Calibri" panose="020F0502020204030204" pitchFamily="34" charset="0"/>
-                <a:cs typeface="Calibri" panose="020F0502020204030204" pitchFamily="34" charset="0"/>
-              </a:rPr>
-              <a:t> notebook:</a:t>
-            </a:r>
-          </a:p>
-          <a:p>
-            <a:pPr marL="457200" lvl="1" indent="0">
-              <a:buFont typeface="Wingdings 3" charset="2"/>
-              <a:buNone/>
-            </a:pPr>
-            <a:r>
-              <a:rPr lang="en-US" sz="6400" dirty="0">
-                <a:latin typeface="Calibri" panose="020F0502020204030204" pitchFamily="34" charset="0"/>
-                <a:cs typeface="Calibri" panose="020F0502020204030204" pitchFamily="34" charset="0"/>
-              </a:rPr>
-              <a:t>Initial  – Sasha and Tad</a:t>
-            </a:r>
-          </a:p>
-          <a:p>
-            <a:pPr marL="457200" lvl="1" indent="0">
-              <a:buFont typeface="Wingdings 3" charset="2"/>
-              <a:buNone/>
-            </a:pPr>
-            <a:r>
-              <a:rPr lang="en-US" sz="6400" dirty="0">
-                <a:latin typeface="Calibri" panose="020F0502020204030204" pitchFamily="34" charset="0"/>
-                <a:cs typeface="Calibri" panose="020F0502020204030204" pitchFamily="34" charset="0"/>
-              </a:rPr>
-              <a:t>Coding - All</a:t>
-            </a:r>
-          </a:p>
-          <a:p>
-            <a:pPr marL="457200" lvl="1" indent="0">
-              <a:buFont typeface="Wingdings 3" charset="2"/>
-              <a:buNone/>
-            </a:pPr>
-            <a:r>
-              <a:rPr lang="en-US" sz="6400" dirty="0">
-                <a:latin typeface="Calibri" panose="020F0502020204030204" pitchFamily="34" charset="0"/>
-                <a:cs typeface="Calibri" panose="020F0502020204030204" pitchFamily="34" charset="0"/>
-              </a:rPr>
-              <a:t>Graphs – All</a:t>
-            </a:r>
-          </a:p>
-          <a:p>
-            <a:pPr marL="457200" lvl="1" indent="0">
-              <a:buFont typeface="Wingdings 3" charset="2"/>
-              <a:buNone/>
-            </a:pPr>
-            <a:r>
-              <a:rPr lang="en-US" sz="6400" dirty="0">
-                <a:latin typeface="Calibri" panose="020F0502020204030204" pitchFamily="34" charset="0"/>
-                <a:cs typeface="Calibri" panose="020F0502020204030204" pitchFamily="34" charset="0"/>
-              </a:rPr>
-              <a:t>Conclusion - All</a:t>
-            </a:r>
-            <a:endParaRPr lang="en-US" sz="9600" dirty="0">
-              <a:latin typeface="Calibri" panose="020F0502020204030204" pitchFamily="34" charset="0"/>
-              <a:cs typeface="Calibri" panose="020F0502020204030204" pitchFamily="34" charset="0"/>
-            </a:endParaRPr>
-          </a:p>
-        </p:txBody>
-      </p:sp>
-    </p:spTree>
-    <p:extLst>
-      <p:ext uri="{BB962C8B-B14F-4D97-AF65-F5344CB8AC3E}">
-        <p14:creationId xmlns:p14="http://schemas.microsoft.com/office/powerpoint/2010/main" val="4020539180"/>
-      </p:ext>
-    </p:extLst>
-  </p:cSld>
-  <p:clrMapOvr>
-    <a:masterClrMapping/>
-  </p:clrMapOvr>
-</p:sld>
-</file>
-
-<file path=ppt/slides/slide3.xml><?xml version="1.0" encoding="utf-8"?>
-<p:sld xmlns:a="http://schemas.openxmlformats.org/drawingml/2006/main" xmlns:r="http://schemas.openxmlformats.org/officeDocument/2006/relationships" xmlns:p="http://schemas.openxmlformats.org/presentationml/2006/main">
-  <p:cSld>
-    <p:spTree>
-      <p:nvGrpSpPr>
-        <p:cNvPr id="1" name=""/>
-        <p:cNvGrpSpPr/>
-        <p:nvPr/>
-      </p:nvGrpSpPr>
-      <p:grpSpPr>
-        <a:xfrm>
-          <a:off x="0" y="0"/>
-          <a:ext cx="0" cy="0"/>
-          <a:chOff x="0" y="0"/>
-          <a:chExt cx="0" cy="0"/>
-        </a:xfrm>
-      </p:grpSpPr>
-      <p:sp>
-        <p:nvSpPr>
-          <p:cNvPr id="2" name="Title 1">
-            <a:extLst>
-              <a:ext uri="{FF2B5EF4-FFF2-40B4-BE49-F238E27FC236}">
-                <a16:creationId xmlns:a16="http://schemas.microsoft.com/office/drawing/2014/main" id="{D667A678-072C-4536-9A4C-9838DC450849}"/>
-              </a:ext>
-            </a:extLst>
-          </p:cNvPr>
-          <p:cNvSpPr>
-            <a:spLocks noGrp="1"/>
-          </p:cNvSpPr>
-          <p:nvPr>
-            <p:ph type="title"/>
-          </p:nvPr>
-        </p:nvSpPr>
-        <p:spPr>
-          <a:xfrm>
-            <a:off x="677334" y="609600"/>
-            <a:ext cx="8596668" cy="653170"/>
-          </a:xfrm>
-        </p:spPr>
-        <p:txBody>
-          <a:bodyPr/>
-          <a:lstStyle/>
-          <a:p>
-            <a:r>
-              <a:rPr lang="en-US" dirty="0">
-                <a:latin typeface="Calibri" panose="020F0502020204030204" pitchFamily="34" charset="0"/>
-                <a:cs typeface="Calibri" panose="020F0502020204030204" pitchFamily="34" charset="0"/>
-              </a:rPr>
-              <a:t>Areas of Comparison</a:t>
-            </a:r>
-          </a:p>
-        </p:txBody>
-      </p:sp>
-      <p:sp>
-        <p:nvSpPr>
-          <p:cNvPr id="3" name="Content Placeholder 2">
-            <a:extLst>
-              <a:ext uri="{FF2B5EF4-FFF2-40B4-BE49-F238E27FC236}">
-                <a16:creationId xmlns:a16="http://schemas.microsoft.com/office/drawing/2014/main" id="{0C677369-E30C-4EBD-A68E-43173DF8F67C}"/>
-              </a:ext>
-            </a:extLst>
-          </p:cNvPr>
-          <p:cNvSpPr>
-            <a:spLocks noGrp="1"/>
-          </p:cNvSpPr>
-          <p:nvPr>
-            <p:ph idx="1"/>
-          </p:nvPr>
-        </p:nvSpPr>
-        <p:spPr>
-          <a:xfrm>
-            <a:off x="757233" y="1561069"/>
-            <a:ext cx="3322616" cy="369332"/>
-          </a:xfrm>
-        </p:spPr>
-        <p:txBody>
-          <a:bodyPr numCol="1">
-            <a:normAutofit/>
-          </a:bodyPr>
-          <a:lstStyle/>
-          <a:p>
-            <a:pPr marL="0" indent="0">
-              <a:buNone/>
-            </a:pPr>
-            <a:r>
-              <a:rPr lang="en-US" dirty="0">
-                <a:latin typeface="Calibri" panose="020F0502020204030204" pitchFamily="34" charset="0"/>
-                <a:cs typeface="Calibri" panose="020F0502020204030204" pitchFamily="34" charset="0"/>
-              </a:rPr>
-              <a:t>Readmission Rates</a:t>
-            </a:r>
-          </a:p>
-        </p:txBody>
-      </p:sp>
-      <p:sp>
-        <p:nvSpPr>
-          <p:cNvPr id="4" name="TextBox 3">
-            <a:extLst>
-              <a:ext uri="{FF2B5EF4-FFF2-40B4-BE49-F238E27FC236}">
-                <a16:creationId xmlns:a16="http://schemas.microsoft.com/office/drawing/2014/main" id="{A0E874B4-B00D-404A-BBFD-C81D875921B3}"/>
-              </a:ext>
-            </a:extLst>
-          </p:cNvPr>
-          <p:cNvSpPr txBox="1"/>
-          <p:nvPr/>
-        </p:nvSpPr>
-        <p:spPr>
-          <a:xfrm>
-            <a:off x="5791338" y="1612128"/>
-            <a:ext cx="2911876" cy="369332"/>
-          </a:xfrm>
-          <a:prstGeom prst="rect">
-            <a:avLst/>
-          </a:prstGeom>
-          <a:noFill/>
-        </p:spPr>
-        <p:txBody>
-          <a:bodyPr wrap="square" rtlCol="0">
-            <a:spAutoFit/>
-          </a:bodyPr>
-          <a:lstStyle/>
-          <a:p>
-            <a:r>
-              <a:rPr lang="en-US" dirty="0">
-                <a:latin typeface="Calibri" panose="020F0502020204030204" pitchFamily="34" charset="0"/>
-                <a:cs typeface="Calibri" panose="020F0502020204030204" pitchFamily="34" charset="0"/>
-              </a:rPr>
-              <a:t>Complications &amp; Deaths</a:t>
-            </a:r>
-          </a:p>
-        </p:txBody>
-      </p:sp>
-      <p:sp>
-        <p:nvSpPr>
-          <p:cNvPr id="5" name="TextBox 4">
-            <a:extLst>
-              <a:ext uri="{FF2B5EF4-FFF2-40B4-BE49-F238E27FC236}">
-                <a16:creationId xmlns:a16="http://schemas.microsoft.com/office/drawing/2014/main" id="{B9440A08-49FA-4923-BFC6-EC5191602256}"/>
-              </a:ext>
-            </a:extLst>
-          </p:cNvPr>
-          <p:cNvSpPr txBox="1"/>
-          <p:nvPr/>
-        </p:nvSpPr>
-        <p:spPr>
-          <a:xfrm>
-            <a:off x="676789" y="3085885"/>
-            <a:ext cx="3107185" cy="369332"/>
-          </a:xfrm>
-          <a:prstGeom prst="rect">
-            <a:avLst/>
-          </a:prstGeom>
-          <a:noFill/>
-        </p:spPr>
-        <p:txBody>
-          <a:bodyPr wrap="square" rtlCol="0">
-            <a:spAutoFit/>
-          </a:bodyPr>
-          <a:lstStyle/>
-          <a:p>
-            <a:r>
-              <a:rPr lang="en-US" dirty="0">
-                <a:latin typeface="Calibri" panose="020F0502020204030204" pitchFamily="34" charset="0"/>
-                <a:cs typeface="Calibri" panose="020F0502020204030204" pitchFamily="34" charset="0"/>
-              </a:rPr>
-              <a:t>Unexpected Hospital Visits</a:t>
-            </a:r>
-          </a:p>
-        </p:txBody>
-      </p:sp>
-      <p:sp>
-        <p:nvSpPr>
-          <p:cNvPr id="6" name="TextBox 5">
-            <a:extLst>
-              <a:ext uri="{FF2B5EF4-FFF2-40B4-BE49-F238E27FC236}">
-                <a16:creationId xmlns:a16="http://schemas.microsoft.com/office/drawing/2014/main" id="{8B1121B5-913D-4359-9EF6-CDBC7E653FF1}"/>
-              </a:ext>
-            </a:extLst>
-          </p:cNvPr>
-          <p:cNvSpPr txBox="1"/>
-          <p:nvPr/>
-        </p:nvSpPr>
-        <p:spPr>
-          <a:xfrm>
-            <a:off x="6067785" y="3132052"/>
-            <a:ext cx="3607843" cy="369332"/>
-          </a:xfrm>
-          <a:prstGeom prst="rect">
-            <a:avLst/>
-          </a:prstGeom>
-          <a:noFill/>
-        </p:spPr>
-        <p:txBody>
-          <a:bodyPr wrap="square" rtlCol="0">
-            <a:spAutoFit/>
-          </a:bodyPr>
-          <a:lstStyle/>
-          <a:p>
-            <a:r>
-              <a:rPr lang="en-US" dirty="0">
-                <a:latin typeface="Calibri" panose="020F0502020204030204" pitchFamily="34" charset="0"/>
-                <a:cs typeface="Calibri" panose="020F0502020204030204" pitchFamily="34" charset="0"/>
-              </a:rPr>
-              <a:t>Medicare Spending per Patient</a:t>
-            </a:r>
-          </a:p>
-        </p:txBody>
-      </p:sp>
-      <p:cxnSp>
-        <p:nvCxnSpPr>
-          <p:cNvPr id="8" name="Straight Connector 7">
-            <a:extLst>
-              <a:ext uri="{FF2B5EF4-FFF2-40B4-BE49-F238E27FC236}">
-                <a16:creationId xmlns:a16="http://schemas.microsoft.com/office/drawing/2014/main" id="{EA5AB258-7A96-4420-9990-044D852AB9C0}"/>
-              </a:ext>
-            </a:extLst>
-          </p:cNvPr>
-          <p:cNvCxnSpPr/>
-          <p:nvPr/>
-        </p:nvCxnSpPr>
-        <p:spPr>
-          <a:xfrm>
-            <a:off x="677334" y="2787588"/>
-            <a:ext cx="8431155" cy="0"/>
-          </a:xfrm>
-          <a:prstGeom prst="line">
-            <a:avLst/>
-          </a:prstGeom>
-          <a:ln w="38100">
-            <a:solidFill>
-              <a:srgbClr val="00B050"/>
-            </a:solidFill>
-          </a:ln>
-        </p:spPr>
-        <p:style>
-          <a:lnRef idx="1">
-            <a:schemeClr val="accent1"/>
-          </a:lnRef>
-          <a:fillRef idx="0">
-            <a:schemeClr val="accent1"/>
-          </a:fillRef>
-          <a:effectRef idx="0">
-            <a:schemeClr val="accent1"/>
-          </a:effectRef>
-          <a:fontRef idx="minor">
-            <a:schemeClr val="tx1"/>
-          </a:fontRef>
-        </p:style>
-      </p:cxnSp>
-      <p:cxnSp>
-        <p:nvCxnSpPr>
-          <p:cNvPr id="10" name="Straight Connector 9">
-            <a:extLst>
-              <a:ext uri="{FF2B5EF4-FFF2-40B4-BE49-F238E27FC236}">
-                <a16:creationId xmlns:a16="http://schemas.microsoft.com/office/drawing/2014/main" id="{640A6475-9DD9-4144-B488-917009C1562C}"/>
-              </a:ext>
-            </a:extLst>
-          </p:cNvPr>
-          <p:cNvCxnSpPr>
-            <a:cxnSpLocks/>
-          </p:cNvCxnSpPr>
-          <p:nvPr/>
-        </p:nvCxnSpPr>
-        <p:spPr>
-          <a:xfrm>
-            <a:off x="4975668" y="1651247"/>
-            <a:ext cx="66849" cy="2127136"/>
-          </a:xfrm>
-          <a:prstGeom prst="line">
-            <a:avLst/>
-          </a:prstGeom>
-          <a:ln w="57150">
-            <a:solidFill>
-              <a:srgbClr val="00B050"/>
-            </a:solidFill>
-          </a:ln>
-        </p:spPr>
-        <p:style>
-          <a:lnRef idx="1">
-            <a:schemeClr val="accent1"/>
-          </a:lnRef>
-          <a:fillRef idx="0">
-            <a:schemeClr val="accent1"/>
-          </a:fillRef>
-          <a:effectRef idx="0">
-            <a:schemeClr val="accent1"/>
-          </a:effectRef>
-          <a:fontRef idx="minor">
-            <a:schemeClr val="tx1"/>
-          </a:fontRef>
-        </p:style>
-      </p:cxnSp>
-    </p:spTree>
-    <p:extLst>
-      <p:ext uri="{BB962C8B-B14F-4D97-AF65-F5344CB8AC3E}">
-        <p14:creationId xmlns:p14="http://schemas.microsoft.com/office/powerpoint/2010/main" val="990220506"/>
-      </p:ext>
-    </p:extLst>
-  </p:cSld>
-  <p:clrMapOvr>
-    <a:masterClrMapping/>
-  </p:clrMapOvr>
-</p:sld>
-</file>
-
-<file path=ppt/slides/slide4.xml><?xml version="1.0" encoding="utf-8"?>
-<p:sld xmlns:a="http://schemas.openxmlformats.org/drawingml/2006/main" xmlns:r="http://schemas.openxmlformats.org/officeDocument/2006/relationships" xmlns:p="http://schemas.openxmlformats.org/presentationml/2006/main">
-  <p:cSld>
-    <p:spTree>
-      <p:nvGrpSpPr>
-        <p:cNvPr id="1" name=""/>
-        <p:cNvGrpSpPr/>
-        <p:nvPr/>
-      </p:nvGrpSpPr>
-      <p:grpSpPr>
-        <a:xfrm>
-          <a:off x="0" y="0"/>
-          <a:ext cx="0" cy="0"/>
-          <a:chOff x="0" y="0"/>
-          <a:chExt cx="0" cy="0"/>
-        </a:xfrm>
-      </p:grpSpPr>
-      <p:sp>
-        <p:nvSpPr>
-          <p:cNvPr id="2" name="Title 1">
-            <a:extLst>
-              <a:ext uri="{FF2B5EF4-FFF2-40B4-BE49-F238E27FC236}">
-                <a16:creationId xmlns:a16="http://schemas.microsoft.com/office/drawing/2014/main" id="{58047559-5EC1-43D8-8F94-23869C87ED6A}"/>
-              </a:ext>
-            </a:extLst>
-          </p:cNvPr>
-          <p:cNvSpPr>
-            <a:spLocks noGrp="1"/>
-          </p:cNvSpPr>
-          <p:nvPr>
-            <p:ph type="title"/>
-          </p:nvPr>
-        </p:nvSpPr>
-        <p:spPr>
-          <a:xfrm>
-            <a:off x="677334" y="609600"/>
-            <a:ext cx="8596668" cy="655674"/>
-          </a:xfrm>
-        </p:spPr>
-        <p:txBody>
-          <a:bodyPr/>
-          <a:lstStyle/>
-          <a:p>
-            <a:r>
-              <a:rPr lang="en-US" dirty="0">
-                <a:latin typeface="Calibri" panose="020F0502020204030204" pitchFamily="34" charset="0"/>
-                <a:cs typeface="Calibri" panose="020F0502020204030204" pitchFamily="34" charset="0"/>
-              </a:rPr>
-              <a:t>The data cleaning saga…</a:t>
-            </a:r>
-          </a:p>
-        </p:txBody>
-      </p:sp>
-      <p:sp>
-        <p:nvSpPr>
-          <p:cNvPr id="3" name="Content Placeholder 2">
-            <a:extLst>
-              <a:ext uri="{FF2B5EF4-FFF2-40B4-BE49-F238E27FC236}">
-                <a16:creationId xmlns:a16="http://schemas.microsoft.com/office/drawing/2014/main" id="{419C77F7-5314-4853-BD19-E051484D91DA}"/>
-              </a:ext>
-            </a:extLst>
-          </p:cNvPr>
-          <p:cNvSpPr>
-            <a:spLocks noGrp="1"/>
-          </p:cNvSpPr>
-          <p:nvPr>
-            <p:ph idx="1"/>
-          </p:nvPr>
-        </p:nvSpPr>
-        <p:spPr>
-          <a:xfrm>
-            <a:off x="571009" y="1352514"/>
-            <a:ext cx="9434228" cy="3880773"/>
-          </a:xfrm>
-        </p:spPr>
-        <p:txBody>
-          <a:bodyPr/>
-          <a:lstStyle/>
-          <a:p>
-            <a:r>
-              <a:rPr lang="en-US" dirty="0">
-                <a:latin typeface="Calibri" panose="020F0502020204030204" pitchFamily="34" charset="0"/>
-                <a:cs typeface="Calibri" panose="020F0502020204030204" pitchFamily="34" charset="0"/>
-              </a:rPr>
-              <a:t>Initially, we had high hopes about these data sets</a:t>
-            </a:r>
-          </a:p>
-          <a:p>
-            <a:r>
-              <a:rPr lang="en-US" dirty="0">
-                <a:latin typeface="Calibri" panose="020F0502020204030204" pitchFamily="34" charset="0"/>
-                <a:cs typeface="Calibri" panose="020F0502020204030204" pitchFamily="34" charset="0"/>
-              </a:rPr>
-              <a:t>They all had lots of column merge options! Great!!!</a:t>
-            </a:r>
-          </a:p>
-          <a:p>
-            <a:r>
-              <a:rPr lang="en-US" dirty="0">
-                <a:latin typeface="Calibri" panose="020F0502020204030204" pitchFamily="34" charset="0"/>
-                <a:cs typeface="Calibri" panose="020F0502020204030204" pitchFamily="34" charset="0"/>
-              </a:rPr>
-              <a:t>But it turned out that a lot of the columns were Object-type…</a:t>
-            </a:r>
-          </a:p>
-          <a:p>
-            <a:r>
-              <a:rPr lang="en-US" dirty="0">
-                <a:latin typeface="Calibri" panose="020F0502020204030204" pitchFamily="34" charset="0"/>
-                <a:cs typeface="Calibri" panose="020F0502020204030204" pitchFamily="34" charset="0"/>
-              </a:rPr>
-              <a:t>And the “Score” column had different meanings for each file…</a:t>
-            </a:r>
-          </a:p>
-          <a:p>
-            <a:r>
-              <a:rPr lang="en-US" dirty="0">
-                <a:latin typeface="Calibri" panose="020F0502020204030204" pitchFamily="34" charset="0"/>
-                <a:cs typeface="Calibri" panose="020F0502020204030204" pitchFamily="34" charset="0"/>
-              </a:rPr>
-              <a:t>We tried casting them to floats, but ran into issues with </a:t>
-            </a:r>
-            <a:r>
-              <a:rPr lang="en-US" dirty="0" err="1">
-                <a:latin typeface="Calibri" panose="020F0502020204030204" pitchFamily="34" charset="0"/>
-                <a:cs typeface="Calibri" panose="020F0502020204030204" pitchFamily="34" charset="0"/>
-              </a:rPr>
-              <a:t>NaN</a:t>
-            </a:r>
-            <a:r>
-              <a:rPr lang="en-US" dirty="0">
-                <a:latin typeface="Calibri" panose="020F0502020204030204" pitchFamily="34" charset="0"/>
-                <a:cs typeface="Calibri" panose="020F0502020204030204" pitchFamily="34" charset="0"/>
-              </a:rPr>
-              <a:t> columns and null values</a:t>
-            </a:r>
-          </a:p>
-          <a:p>
-            <a:r>
-              <a:rPr lang="en-US" dirty="0">
-                <a:latin typeface="Calibri" panose="020F0502020204030204" pitchFamily="34" charset="0"/>
-                <a:cs typeface="Calibri" panose="020F0502020204030204" pitchFamily="34" charset="0"/>
-              </a:rPr>
-              <a:t>Trying to replace the </a:t>
-            </a:r>
-            <a:r>
-              <a:rPr lang="en-US" dirty="0" err="1">
-                <a:latin typeface="Calibri" panose="020F0502020204030204" pitchFamily="34" charset="0"/>
-                <a:cs typeface="Calibri" panose="020F0502020204030204" pitchFamily="34" charset="0"/>
-              </a:rPr>
-              <a:t>NaN</a:t>
-            </a:r>
-            <a:r>
-              <a:rPr lang="en-US" dirty="0">
-                <a:latin typeface="Calibri" panose="020F0502020204030204" pitchFamily="34" charset="0"/>
-                <a:cs typeface="Calibri" panose="020F0502020204030204" pitchFamily="34" charset="0"/>
-              </a:rPr>
-              <a:t> columns led us to realize that Data Series values are ambiguous, and you can’t directly compare them to a value</a:t>
-            </a:r>
-          </a:p>
-          <a:p>
-            <a:r>
-              <a:rPr lang="en-US" dirty="0">
-                <a:latin typeface="Calibri" panose="020F0502020204030204" pitchFamily="34" charset="0"/>
-                <a:cs typeface="Calibri" panose="020F0502020204030204" pitchFamily="34" charset="0"/>
-              </a:rPr>
-              <a:t>Sasha wrote a VB script, but there was too much data and it didn’t work</a:t>
-            </a:r>
-          </a:p>
-        </p:txBody>
-      </p:sp>
-    </p:spTree>
-    <p:extLst>
-      <p:ext uri="{BB962C8B-B14F-4D97-AF65-F5344CB8AC3E}">
-        <p14:creationId xmlns:p14="http://schemas.microsoft.com/office/powerpoint/2010/main" val="1020637921"/>
-      </p:ext>
-    </p:extLst>
-  </p:cSld>
-  <p:clrMapOvr>
-    <a:masterClrMapping/>
-  </p:clrMapOvr>
-</p:sld>
-</file>
-
-<file path=ppt/slides/slide5.xml><?xml version="1.0" encoding="utf-8"?>
-<p:sld xmlns:a="http://schemas.openxmlformats.org/drawingml/2006/main" xmlns:r="http://schemas.openxmlformats.org/officeDocument/2006/relationships" xmlns:p="http://schemas.openxmlformats.org/presentationml/2006/main">
-  <p:cSld>
-    <p:spTree>
-      <p:nvGrpSpPr>
-        <p:cNvPr id="1" name=""/>
-        <p:cNvGrpSpPr/>
-        <p:nvPr/>
-      </p:nvGrpSpPr>
-      <p:grpSpPr>
-        <a:xfrm>
-          <a:off x="0" y="0"/>
-          <a:ext cx="0" cy="0"/>
-          <a:chOff x="0" y="0"/>
-          <a:chExt cx="0" cy="0"/>
-        </a:xfrm>
-      </p:grpSpPr>
-      <p:sp>
-        <p:nvSpPr>
-          <p:cNvPr id="2" name="Title 1">
-            <a:extLst>
-              <a:ext uri="{FF2B5EF4-FFF2-40B4-BE49-F238E27FC236}">
-                <a16:creationId xmlns:a16="http://schemas.microsoft.com/office/drawing/2014/main" id="{8FA609FA-2602-460C-B86A-36EF1C8E1ED8}"/>
-              </a:ext>
-            </a:extLst>
-          </p:cNvPr>
-          <p:cNvSpPr>
-            <a:spLocks noGrp="1"/>
-          </p:cNvSpPr>
-          <p:nvPr>
-            <p:ph type="title"/>
-          </p:nvPr>
-        </p:nvSpPr>
-        <p:spPr/>
-        <p:txBody>
-          <a:bodyPr>
-            <a:normAutofit fontScale="90000"/>
-          </a:bodyPr>
-          <a:lstStyle/>
-          <a:p>
-            <a:br>
-              <a:rPr lang="en-US" dirty="0">
-                <a:latin typeface="Calibri" panose="020F0502020204030204" pitchFamily="34" charset="0"/>
-                <a:cs typeface="Calibri" panose="020F0502020204030204" pitchFamily="34" charset="0"/>
-              </a:rPr>
-            </a:br>
-            <a:r>
-              <a:rPr lang="en-US" dirty="0">
-                <a:latin typeface="Calibri" panose="020F0502020204030204" pitchFamily="34" charset="0"/>
-                <a:cs typeface="Calibri" panose="020F0502020204030204" pitchFamily="34" charset="0"/>
-              </a:rPr>
-              <a:t>Data Cleaning</a:t>
-            </a:r>
-            <a:br>
-              <a:rPr lang="en-US" dirty="0">
-                <a:latin typeface="Calibri" panose="020F0502020204030204" pitchFamily="34" charset="0"/>
-                <a:cs typeface="Calibri" panose="020F0502020204030204" pitchFamily="34" charset="0"/>
-              </a:rPr>
-            </a:br>
-            <a:br>
-              <a:rPr lang="en-US" dirty="0">
-                <a:latin typeface="Calibri" panose="020F0502020204030204" pitchFamily="34" charset="0"/>
-                <a:cs typeface="Calibri" panose="020F0502020204030204" pitchFamily="34" charset="0"/>
-              </a:rPr>
-            </a:br>
-            <a:endParaRPr lang="en-US" dirty="0">
-              <a:latin typeface="Calibri" panose="020F0502020204030204" pitchFamily="34" charset="0"/>
-              <a:cs typeface="Calibri" panose="020F0502020204030204" pitchFamily="34" charset="0"/>
-            </a:endParaRPr>
-          </a:p>
-        </p:txBody>
-      </p:sp>
-      <p:sp>
-        <p:nvSpPr>
-          <p:cNvPr id="3" name="Content Placeholder 2">
-            <a:extLst>
-              <a:ext uri="{FF2B5EF4-FFF2-40B4-BE49-F238E27FC236}">
-                <a16:creationId xmlns:a16="http://schemas.microsoft.com/office/drawing/2014/main" id="{912ACEB9-2452-4739-BDD4-C3D9D781E28A}"/>
-              </a:ext>
-            </a:extLst>
-          </p:cNvPr>
-          <p:cNvSpPr>
-            <a:spLocks noGrp="1"/>
-          </p:cNvSpPr>
-          <p:nvPr>
-            <p:ph idx="1"/>
-          </p:nvPr>
-        </p:nvSpPr>
-        <p:spPr/>
-        <p:txBody>
-          <a:bodyPr/>
-          <a:lstStyle/>
-          <a:p>
-            <a:r>
-              <a:rPr lang="en-US" dirty="0">
-                <a:cs typeface="Calibri" panose="020F0502020204030204" pitchFamily="34" charset="0"/>
-              </a:rPr>
-              <a:t>80% of data analysis process is data cleaning</a:t>
-            </a:r>
-            <a:endParaRPr lang="en-US" dirty="0"/>
-          </a:p>
-          <a:p>
-            <a:r>
-              <a:rPr lang="en-US" dirty="0"/>
-              <a:t>Ignoring missing values vs filling reasonable numbers:</a:t>
-            </a:r>
-          </a:p>
-          <a:p>
-            <a:pPr lvl="1"/>
-            <a:r>
-              <a:rPr lang="en-US" dirty="0" err="1"/>
-              <a:t>DataFrame.dropna</a:t>
-            </a:r>
-            <a:r>
-              <a:rPr lang="en-US" dirty="0"/>
-              <a:t> = lose accuracy</a:t>
-            </a:r>
-          </a:p>
-          <a:p>
-            <a:pPr lvl="1"/>
-            <a:r>
-              <a:rPr lang="en-US" dirty="0"/>
-              <a:t>Create your own function</a:t>
-            </a:r>
-          </a:p>
-          <a:p>
-            <a:pPr lvl="1"/>
-            <a:r>
-              <a:rPr lang="en-US" dirty="0"/>
-              <a:t>Lambda function</a:t>
-            </a:r>
-          </a:p>
-          <a:p>
-            <a:pPr lvl="2"/>
-            <a:r>
-              <a:rPr lang="en-US" dirty="0"/>
-              <a:t>I. e. </a:t>
-            </a:r>
-            <a:r>
-              <a:rPr lang="en-US" dirty="0" err="1"/>
-              <a:t>df</a:t>
-            </a:r>
-            <a:r>
-              <a:rPr lang="en-US" dirty="0"/>
-              <a:t>[‘Score’].apply(lambda x: </a:t>
-            </a:r>
-            <a:r>
-              <a:rPr lang="en-US" dirty="0" err="1"/>
-              <a:t>x.fillna</a:t>
-            </a:r>
-            <a:r>
-              <a:rPr lang="en-US" dirty="0"/>
-              <a:t>(</a:t>
-            </a:r>
-            <a:r>
-              <a:rPr lang="en-US" dirty="0" err="1"/>
-              <a:t>x.mean</a:t>
-            </a:r>
-            <a:r>
-              <a:rPr lang="en-US" dirty="0"/>
-              <a:t>()),axis=1)</a:t>
-            </a:r>
-          </a:p>
-          <a:p>
-            <a:r>
-              <a:rPr lang="en-US" dirty="0"/>
-              <a:t>Normalizing data (rescaling or standardizing)</a:t>
-            </a:r>
-          </a:p>
-          <a:p>
-            <a:pPr lvl="1"/>
-            <a:r>
-              <a:rPr lang="en-US" dirty="0" err="1"/>
-              <a:t>dfA</a:t>
-            </a:r>
-            <a:r>
-              <a:rPr lang="en-US" dirty="0"/>
-              <a:t> score range: 0 to 30</a:t>
-            </a:r>
-          </a:p>
-          <a:p>
-            <a:pPr lvl="1"/>
-            <a:r>
-              <a:rPr lang="en-US" dirty="0" err="1"/>
-              <a:t>dfB</a:t>
-            </a:r>
-            <a:r>
-              <a:rPr lang="en-US" dirty="0"/>
-              <a:t> score range: -30 to 50</a:t>
-            </a:r>
-          </a:p>
-          <a:p>
-            <a:pPr lvl="1"/>
-            <a:endParaRPr lang="en-US" dirty="0"/>
-          </a:p>
-        </p:txBody>
-      </p:sp>
-    </p:spTree>
-    <p:extLst>
-      <p:ext uri="{BB962C8B-B14F-4D97-AF65-F5344CB8AC3E}">
-        <p14:creationId xmlns:p14="http://schemas.microsoft.com/office/powerpoint/2010/main" val="3722343492"/>
-      </p:ext>
-    </p:extLst>
-  </p:cSld>
-  <p:clrMapOvr>
-    <a:masterClrMapping/>
-  </p:clrMapOvr>
-</p:sld>
-</file>
-
-<file path=ppt/slides/slide6.xml><?xml version="1.0" encoding="utf-8"?>
+<file path=ppt/slides/slide8.xml><?xml version="1.0" encoding="utf-8"?>
 <p:sld xmlns:a="http://schemas.openxmlformats.org/drawingml/2006/main" xmlns:r="http://schemas.openxmlformats.org/officeDocument/2006/relationships" xmlns:p="http://schemas.openxmlformats.org/presentationml/2006/main">
   <p:cSld>
     <p:spTree>
@@ -10417,7 +13578,7 @@
                 <a:latin typeface="Calibri" panose="020F0502020204030204" pitchFamily="34" charset="0"/>
                 <a:cs typeface="Calibri" panose="020F0502020204030204" pitchFamily="34" charset="0"/>
               </a:rPr>
-              <a:t>If a county has higher Medicare spending, then they should have less deaths/post-hospital accidents.</a:t>
+              <a:t>   Medicare spending should be consistent.</a:t>
             </a:r>
             <a:br>
               <a:rPr lang="en-US" dirty="0">
@@ -10429,36 +13590,6 @@
               <a:latin typeface="Calibri" panose="020F0502020204030204" pitchFamily="34" charset="0"/>
               <a:cs typeface="Calibri" panose="020F0502020204030204" pitchFamily="34" charset="0"/>
             </a:endParaRPr>
-          </a:p>
-        </p:txBody>
-      </p:sp>
-      <p:sp>
-        <p:nvSpPr>
-          <p:cNvPr id="3" name="Content Placeholder 2">
-            <a:extLst>
-              <a:ext uri="{FF2B5EF4-FFF2-40B4-BE49-F238E27FC236}">
-                <a16:creationId xmlns:a16="http://schemas.microsoft.com/office/drawing/2014/main" id="{969B6C85-E363-478F-A946-050C3A9A91F8}"/>
-              </a:ext>
-            </a:extLst>
-          </p:cNvPr>
-          <p:cNvSpPr>
-            <a:spLocks noGrp="1"/>
-          </p:cNvSpPr>
-          <p:nvPr>
-            <p:ph idx="1"/>
-          </p:nvPr>
-        </p:nvSpPr>
-        <p:spPr>
-          <a:xfrm>
-            <a:off x="838200" y="2592279"/>
-            <a:ext cx="10515600" cy="3584683"/>
-          </a:xfrm>
-        </p:spPr>
-        <p:txBody>
-          <a:bodyPr/>
-          <a:lstStyle/>
-          <a:p>
-            <a:endParaRPr lang="en-US" dirty="0"/>
           </a:p>
         </p:txBody>
       </p:sp>
@@ -10475,125 +13606,7 @@
 </p:sld>
 </file>
 
-<file path=ppt/slides/slide7.xml><?xml version="1.0" encoding="utf-8"?>
-<p:sld xmlns:a="http://schemas.openxmlformats.org/drawingml/2006/main" xmlns:r="http://schemas.openxmlformats.org/officeDocument/2006/relationships" xmlns:p="http://schemas.openxmlformats.org/presentationml/2006/main">
-  <p:cSld>
-    <p:spTree>
-      <p:nvGrpSpPr>
-        <p:cNvPr id="1" name=""/>
-        <p:cNvGrpSpPr/>
-        <p:nvPr/>
-      </p:nvGrpSpPr>
-      <p:grpSpPr>
-        <a:xfrm>
-          <a:off x="0" y="0"/>
-          <a:ext cx="0" cy="0"/>
-          <a:chOff x="0" y="0"/>
-          <a:chExt cx="0" cy="0"/>
-        </a:xfrm>
-      </p:grpSpPr>
-      <p:sp>
-        <p:nvSpPr>
-          <p:cNvPr id="2" name="Title 1">
-            <a:extLst>
-              <a:ext uri="{FF2B5EF4-FFF2-40B4-BE49-F238E27FC236}">
-                <a16:creationId xmlns:a16="http://schemas.microsoft.com/office/drawing/2014/main" id="{9E04E921-6E2A-471E-8FA1-A7C9E4246B39}"/>
-              </a:ext>
-            </a:extLst>
-          </p:cNvPr>
-          <p:cNvSpPr>
-            <a:spLocks noGrp="1"/>
-          </p:cNvSpPr>
-          <p:nvPr>
-            <p:ph type="title"/>
-          </p:nvPr>
-        </p:nvSpPr>
-        <p:spPr>
-          <a:xfrm>
-            <a:off x="838200" y="791254"/>
-            <a:ext cx="10515600" cy="1325563"/>
-          </a:xfrm>
-        </p:spPr>
-        <p:txBody>
-          <a:bodyPr>
-            <a:normAutofit fontScale="90000"/>
-          </a:bodyPr>
-          <a:lstStyle/>
-          <a:p>
-            <a:r>
-              <a:rPr lang="en-US" dirty="0">
-                <a:latin typeface="Calibri" panose="020F0502020204030204" pitchFamily="34" charset="0"/>
-                <a:cs typeface="Calibri" panose="020F0502020204030204" pitchFamily="34" charset="0"/>
-              </a:rPr>
-              <a:t>Question 2: </a:t>
-            </a:r>
-            <a:r>
-              <a:rPr lang="en-US" dirty="0">
-                <a:solidFill>
-                  <a:schemeClr val="tx1"/>
-                </a:solidFill>
-                <a:latin typeface="Calibri" panose="020F0502020204030204" pitchFamily="34" charset="0"/>
-                <a:cs typeface="Calibri" panose="020F0502020204030204" pitchFamily="34" charset="0"/>
-              </a:rPr>
-              <a:t>If a county has higher Medicare spending, then they should have less readmissions.</a:t>
-            </a:r>
-            <a:br>
-              <a:rPr lang="en-US" dirty="0">
-                <a:latin typeface="Calibri" panose="020F0502020204030204" pitchFamily="34" charset="0"/>
-                <a:cs typeface="Calibri" panose="020F0502020204030204" pitchFamily="34" charset="0"/>
-              </a:rPr>
-            </a:br>
-            <a:endParaRPr lang="en-US" dirty="0">
-              <a:latin typeface="Calibri" panose="020F0502020204030204" pitchFamily="34" charset="0"/>
-              <a:cs typeface="Calibri" panose="020F0502020204030204" pitchFamily="34" charset="0"/>
-            </a:endParaRPr>
-          </a:p>
-        </p:txBody>
-      </p:sp>
-      <p:sp>
-        <p:nvSpPr>
-          <p:cNvPr id="3" name="Content Placeholder 2">
-            <a:extLst>
-              <a:ext uri="{FF2B5EF4-FFF2-40B4-BE49-F238E27FC236}">
-                <a16:creationId xmlns:a16="http://schemas.microsoft.com/office/drawing/2014/main" id="{1CF0FAC3-A729-405E-B050-AD598AE25214}"/>
-              </a:ext>
-            </a:extLst>
-          </p:cNvPr>
-          <p:cNvSpPr>
-            <a:spLocks noGrp="1"/>
-          </p:cNvSpPr>
-          <p:nvPr>
-            <p:ph idx="1"/>
-          </p:nvPr>
-        </p:nvSpPr>
-        <p:spPr>
-          <a:xfrm>
-            <a:off x="838200" y="2423603"/>
-            <a:ext cx="10515600" cy="3753359"/>
-          </a:xfrm>
-        </p:spPr>
-        <p:txBody>
-          <a:bodyPr/>
-          <a:lstStyle/>
-          <a:p>
-            <a:endParaRPr lang="en-US" dirty="0"/>
-          </a:p>
-        </p:txBody>
-      </p:sp>
-    </p:spTree>
-    <p:extLst>
-      <p:ext uri="{BB962C8B-B14F-4D97-AF65-F5344CB8AC3E}">
-        <p14:creationId xmlns:p14="http://schemas.microsoft.com/office/powerpoint/2010/main" val="524358472"/>
-      </p:ext>
-    </p:extLst>
-  </p:cSld>
-  <p:clrMapOvr>
-    <a:masterClrMapping/>
-  </p:clrMapOvr>
-</p:sld>
-</file>
-
-<file path=ppt/slides/slide8.xml><?xml version="1.0" encoding="utf-8"?>
+<file path=ppt/slides/slide9.xml><?xml version="1.0" encoding="utf-8"?>
 <p:sld xmlns:a="http://schemas.openxmlformats.org/drawingml/2006/main" xmlns:r="http://schemas.openxmlformats.org/officeDocument/2006/relationships" xmlns:p="http://schemas.openxmlformats.org/presentationml/2006/main">
   <p:cSld>
     <p:spTree>
@@ -10687,7 +13700,7 @@
         </p:blipFill>
         <p:spPr bwMode="auto">
           <a:xfrm>
-            <a:off x="1882140" y="2229353"/>
+            <a:off x="1985010" y="2017706"/>
             <a:ext cx="6305550" cy="4445767"/>
           </a:xfrm>
           <a:prstGeom prst="rect">
@@ -10966,7 +13979,9 @@
             </a:r>
           </a:p>
           <a:p>
-            <a:pPr lvl="1"/>
+            <a:pPr marL="457200" lvl="1" indent="0">
+              <a:buNone/>
+            </a:pPr>
             <a:r>
               <a:rPr lang="en-US" sz="8000" dirty="0"/>
               <a:t>Johnson County spends more</a:t>
@@ -10994,119 +14009,6 @@
     <p:extLst>
       <p:ext uri="{BB962C8B-B14F-4D97-AF65-F5344CB8AC3E}">
         <p14:creationId xmlns:p14="http://schemas.microsoft.com/office/powerpoint/2010/main" val="2635635244"/>
-      </p:ext>
-    </p:extLst>
-  </p:cSld>
-  <p:clrMapOvr>
-    <a:masterClrMapping/>
-  </p:clrMapOvr>
-</p:sld>
-</file>
-
-<file path=ppt/slides/slide9.xml><?xml version="1.0" encoding="utf-8"?>
-<p:sld xmlns:a="http://schemas.openxmlformats.org/drawingml/2006/main" xmlns:r="http://schemas.openxmlformats.org/officeDocument/2006/relationships" xmlns:p="http://schemas.openxmlformats.org/presentationml/2006/main">
-  <p:cSld>
-    <p:spTree>
-      <p:nvGrpSpPr>
-        <p:cNvPr id="1" name=""/>
-        <p:cNvGrpSpPr/>
-        <p:nvPr/>
-      </p:nvGrpSpPr>
-      <p:grpSpPr>
-        <a:xfrm>
-          <a:off x="0" y="0"/>
-          <a:ext cx="0" cy="0"/>
-          <a:chOff x="0" y="0"/>
-          <a:chExt cx="0" cy="0"/>
-        </a:xfrm>
-      </p:grpSpPr>
-      <p:sp>
-        <p:nvSpPr>
-          <p:cNvPr id="2" name="Title 1">
-            <a:extLst>
-              <a:ext uri="{FF2B5EF4-FFF2-40B4-BE49-F238E27FC236}">
-                <a16:creationId xmlns:a16="http://schemas.microsoft.com/office/drawing/2014/main" id="{5B7667AF-1456-441C-8708-D771F6A9D659}"/>
-              </a:ext>
-            </a:extLst>
-          </p:cNvPr>
-          <p:cNvSpPr>
-            <a:spLocks noGrp="1"/>
-          </p:cNvSpPr>
-          <p:nvPr>
-            <p:ph type="title"/>
-          </p:nvPr>
-        </p:nvSpPr>
-        <p:spPr>
-          <a:xfrm>
-            <a:off x="838200" y="681037"/>
-            <a:ext cx="10515600" cy="2999423"/>
-          </a:xfrm>
-        </p:spPr>
-        <p:txBody>
-          <a:bodyPr>
-            <a:normAutofit fontScale="90000"/>
-          </a:bodyPr>
-          <a:lstStyle/>
-          <a:p>
-            <a:r>
-              <a:rPr lang="en-US" dirty="0">
-                <a:latin typeface="Calibri" panose="020F0502020204030204" pitchFamily="34" charset="0"/>
-                <a:cs typeface="Calibri" panose="020F0502020204030204" pitchFamily="34" charset="0"/>
-              </a:rPr>
-              <a:t>Question 3: </a:t>
-            </a:r>
-            <a:r>
-              <a:rPr lang="en-US" dirty="0">
-                <a:solidFill>
-                  <a:schemeClr val="tx1"/>
-                </a:solidFill>
-                <a:latin typeface="Calibri" panose="020F0502020204030204" pitchFamily="34" charset="0"/>
-                <a:cs typeface="Calibri" panose="020F0502020204030204" pitchFamily="34" charset="0"/>
-              </a:rPr>
-              <a:t>Which county has the greatest count of data recordings? AKA, which county has the least “not available” data?</a:t>
-            </a:r>
-            <a:br>
-              <a:rPr lang="en-US" dirty="0">
-                <a:solidFill>
-                  <a:schemeClr val="tx1"/>
-                </a:solidFill>
-                <a:latin typeface="Calibri" panose="020F0502020204030204" pitchFamily="34" charset="0"/>
-                <a:cs typeface="Calibri" panose="020F0502020204030204" pitchFamily="34" charset="0"/>
-              </a:rPr>
-            </a:br>
-            <a:r>
-              <a:rPr lang="en-US" dirty="0">
-                <a:solidFill>
-                  <a:schemeClr val="tx1"/>
-                </a:solidFill>
-                <a:latin typeface="Calibri" panose="020F0502020204030204" pitchFamily="34" charset="0"/>
-                <a:cs typeface="Calibri" panose="020F0502020204030204" pitchFamily="34" charset="0"/>
-              </a:rPr>
-              <a:t>Count each “score” available and then compare between counties.</a:t>
-            </a:r>
-            <a:br>
-              <a:rPr lang="en-US" dirty="0">
-                <a:latin typeface="Calibri" panose="020F0502020204030204" pitchFamily="34" charset="0"/>
-                <a:cs typeface="Calibri" panose="020F0502020204030204" pitchFamily="34" charset="0"/>
-              </a:rPr>
-            </a:br>
-            <a:br>
-              <a:rPr lang="en-US" dirty="0">
-                <a:latin typeface="Calibri" panose="020F0502020204030204" pitchFamily="34" charset="0"/>
-                <a:cs typeface="Calibri" panose="020F0502020204030204" pitchFamily="34" charset="0"/>
-              </a:rPr>
-            </a:br>
-            <a:endParaRPr lang="en-US" dirty="0">
-              <a:latin typeface="Calibri" panose="020F0502020204030204" pitchFamily="34" charset="0"/>
-              <a:cs typeface="Calibri" panose="020F0502020204030204" pitchFamily="34" charset="0"/>
-            </a:endParaRPr>
-          </a:p>
-        </p:txBody>
-      </p:sp>
-    </p:spTree>
-    <p:extLst>
-      <p:ext uri="{BB962C8B-B14F-4D97-AF65-F5344CB8AC3E}">
-        <p14:creationId xmlns:p14="http://schemas.microsoft.com/office/powerpoint/2010/main" val="1293162816"/>
       </p:ext>
     </p:extLst>
   </p:cSld>

--- a/SnakeBitePresentation.pptx
+++ b/SnakeBitePresentation.pptx
@@ -4,6 +4,9 @@
   <p:sldMasterIdLst>
     <p:sldMasterId id="2147483660" r:id="rId1"/>
   </p:sldMasterIdLst>
+  <p:notesMasterIdLst>
+    <p:notesMasterId r:id="rId16"/>
+  </p:notesMasterIdLst>
   <p:sldIdLst>
     <p:sldId id="256" r:id="rId2"/>
     <p:sldId id="257" r:id="rId3"/>
@@ -16,8 +19,8 @@
     <p:sldId id="260" r:id="rId10"/>
     <p:sldId id="259" r:id="rId11"/>
     <p:sldId id="261" r:id="rId12"/>
-    <p:sldId id="272" r:id="rId13"/>
-    <p:sldId id="273" r:id="rId14"/>
+    <p:sldId id="273" r:id="rId13"/>
+    <p:sldId id="272" r:id="rId14"/>
     <p:sldId id="264" r:id="rId15"/>
   </p:sldIdLst>
   <p:sldSz cx="12192000" cy="6858000"/>
@@ -125,6 +128,355 @@
 </p:presentation>
 </file>
 
+<file path=ppt/notesMasters/notesMaster1.xml><?xml version="1.0" encoding="utf-8"?>
+<p:notesMaster xmlns:a="http://schemas.openxmlformats.org/drawingml/2006/main" xmlns:r="http://schemas.openxmlformats.org/officeDocument/2006/relationships" xmlns:p="http://schemas.openxmlformats.org/presentationml/2006/main">
+  <p:cSld>
+    <p:bg>
+      <p:bgRef idx="1001">
+        <a:schemeClr val="bg1"/>
+      </p:bgRef>
+    </p:bg>
+    <p:spTree>
+      <p:nvGrpSpPr>
+        <p:cNvPr id="1" name=""/>
+        <p:cNvGrpSpPr/>
+        <p:nvPr/>
+      </p:nvGrpSpPr>
+      <p:grpSpPr>
+        <a:xfrm>
+          <a:off x="0" y="0"/>
+          <a:ext cx="0" cy="0"/>
+          <a:chOff x="0" y="0"/>
+          <a:chExt cx="0" cy="0"/>
+        </a:xfrm>
+      </p:grpSpPr>
+      <p:sp>
+        <p:nvSpPr>
+          <p:cNvPr id="2" name="Header Placeholder 1"/>
+          <p:cNvSpPr>
+            <a:spLocks noGrp="1"/>
+          </p:cNvSpPr>
+          <p:nvPr>
+            <p:ph type="hdr" sz="quarter"/>
+          </p:nvPr>
+        </p:nvSpPr>
+        <p:spPr>
+          <a:xfrm>
+            <a:off x="0" y="0"/>
+            <a:ext cx="2971800" cy="458788"/>
+          </a:xfrm>
+          <a:prstGeom prst="rect">
+            <a:avLst/>
+          </a:prstGeom>
+        </p:spPr>
+        <p:txBody>
+          <a:bodyPr vert="horz" lIns="91440" tIns="45720" rIns="91440" bIns="45720" rtlCol="0"/>
+          <a:lstStyle>
+            <a:lvl1pPr algn="l">
+              <a:defRPr sz="1200"/>
+            </a:lvl1pPr>
+          </a:lstStyle>
+          <a:p>
+            <a:endParaRPr lang="en-US"/>
+          </a:p>
+        </p:txBody>
+      </p:sp>
+      <p:sp>
+        <p:nvSpPr>
+          <p:cNvPr id="3" name="Date Placeholder 2"/>
+          <p:cNvSpPr>
+            <a:spLocks noGrp="1"/>
+          </p:cNvSpPr>
+          <p:nvPr>
+            <p:ph type="dt" idx="1"/>
+          </p:nvPr>
+        </p:nvSpPr>
+        <p:spPr>
+          <a:xfrm>
+            <a:off x="3884613" y="0"/>
+            <a:ext cx="2971800" cy="458788"/>
+          </a:xfrm>
+          <a:prstGeom prst="rect">
+            <a:avLst/>
+          </a:prstGeom>
+        </p:spPr>
+        <p:txBody>
+          <a:bodyPr vert="horz" lIns="91440" tIns="45720" rIns="91440" bIns="45720" rtlCol="0"/>
+          <a:lstStyle>
+            <a:lvl1pPr algn="r">
+              <a:defRPr sz="1200"/>
+            </a:lvl1pPr>
+          </a:lstStyle>
+          <a:p>
+            <a:fld id="{653221C4-9C0D-45CB-BD9D-06974F738297}" type="datetimeFigureOut">
+              <a:rPr lang="en-US" smtClean="0"/>
+              <a:t>3/4/2019</a:t>
+            </a:fld>
+            <a:endParaRPr lang="en-US"/>
+          </a:p>
+        </p:txBody>
+      </p:sp>
+      <p:sp>
+        <p:nvSpPr>
+          <p:cNvPr id="4" name="Slide Image Placeholder 3"/>
+          <p:cNvSpPr>
+            <a:spLocks noGrp="1" noRot="1" noChangeAspect="1"/>
+          </p:cNvSpPr>
+          <p:nvPr>
+            <p:ph type="sldImg" idx="2"/>
+          </p:nvPr>
+        </p:nvSpPr>
+        <p:spPr>
+          <a:xfrm>
+            <a:off x="685800" y="1143000"/>
+            <a:ext cx="5486400" cy="3086100"/>
+          </a:xfrm>
+          <a:prstGeom prst="rect">
+            <a:avLst/>
+          </a:prstGeom>
+          <a:noFill/>
+          <a:ln w="12700">
+            <a:solidFill>
+              <a:prstClr val="black"/>
+            </a:solidFill>
+          </a:ln>
+        </p:spPr>
+        <p:txBody>
+          <a:bodyPr vert="horz" lIns="91440" tIns="45720" rIns="91440" bIns="45720" rtlCol="0" anchor="ctr"/>
+          <a:lstStyle/>
+          <a:p>
+            <a:endParaRPr lang="en-US"/>
+          </a:p>
+        </p:txBody>
+      </p:sp>
+      <p:sp>
+        <p:nvSpPr>
+          <p:cNvPr id="5" name="Notes Placeholder 4"/>
+          <p:cNvSpPr>
+            <a:spLocks noGrp="1"/>
+          </p:cNvSpPr>
+          <p:nvPr>
+            <p:ph type="body" sz="quarter" idx="3"/>
+          </p:nvPr>
+        </p:nvSpPr>
+        <p:spPr>
+          <a:xfrm>
+            <a:off x="685800" y="4400550"/>
+            <a:ext cx="5486400" cy="3600450"/>
+          </a:xfrm>
+          <a:prstGeom prst="rect">
+            <a:avLst/>
+          </a:prstGeom>
+        </p:spPr>
+        <p:txBody>
+          <a:bodyPr vert="horz" lIns="91440" tIns="45720" rIns="91440" bIns="45720" rtlCol="0"/>
+          <a:lstStyle/>
+          <a:p>
+            <a:pPr lvl="0"/>
+            <a:r>
+              <a:rPr lang="en-US"/>
+              <a:t>Edit Master text styles</a:t>
+            </a:r>
+          </a:p>
+          <a:p>
+            <a:pPr lvl="1"/>
+            <a:r>
+              <a:rPr lang="en-US"/>
+              <a:t>Second level</a:t>
+            </a:r>
+          </a:p>
+          <a:p>
+            <a:pPr lvl="2"/>
+            <a:r>
+              <a:rPr lang="en-US"/>
+              <a:t>Third level</a:t>
+            </a:r>
+          </a:p>
+          <a:p>
+            <a:pPr lvl="3"/>
+            <a:r>
+              <a:rPr lang="en-US"/>
+              <a:t>Fourth level</a:t>
+            </a:r>
+          </a:p>
+          <a:p>
+            <a:pPr lvl="4"/>
+            <a:r>
+              <a:rPr lang="en-US"/>
+              <a:t>Fifth level</a:t>
+            </a:r>
+          </a:p>
+        </p:txBody>
+      </p:sp>
+      <p:sp>
+        <p:nvSpPr>
+          <p:cNvPr id="6" name="Footer Placeholder 5"/>
+          <p:cNvSpPr>
+            <a:spLocks noGrp="1"/>
+          </p:cNvSpPr>
+          <p:nvPr>
+            <p:ph type="ftr" sz="quarter" idx="4"/>
+          </p:nvPr>
+        </p:nvSpPr>
+        <p:spPr>
+          <a:xfrm>
+            <a:off x="0" y="8685213"/>
+            <a:ext cx="2971800" cy="458787"/>
+          </a:xfrm>
+          <a:prstGeom prst="rect">
+            <a:avLst/>
+          </a:prstGeom>
+        </p:spPr>
+        <p:txBody>
+          <a:bodyPr vert="horz" lIns="91440" tIns="45720" rIns="91440" bIns="45720" rtlCol="0" anchor="b"/>
+          <a:lstStyle>
+            <a:lvl1pPr algn="l">
+              <a:defRPr sz="1200"/>
+            </a:lvl1pPr>
+          </a:lstStyle>
+          <a:p>
+            <a:endParaRPr lang="en-US"/>
+          </a:p>
+        </p:txBody>
+      </p:sp>
+      <p:sp>
+        <p:nvSpPr>
+          <p:cNvPr id="7" name="Slide Number Placeholder 6"/>
+          <p:cNvSpPr>
+            <a:spLocks noGrp="1"/>
+          </p:cNvSpPr>
+          <p:nvPr>
+            <p:ph type="sldNum" sz="quarter" idx="5"/>
+          </p:nvPr>
+        </p:nvSpPr>
+        <p:spPr>
+          <a:xfrm>
+            <a:off x="3884613" y="8685213"/>
+            <a:ext cx="2971800" cy="458787"/>
+          </a:xfrm>
+          <a:prstGeom prst="rect">
+            <a:avLst/>
+          </a:prstGeom>
+        </p:spPr>
+        <p:txBody>
+          <a:bodyPr vert="horz" lIns="91440" tIns="45720" rIns="91440" bIns="45720" rtlCol="0" anchor="b"/>
+          <a:lstStyle>
+            <a:lvl1pPr algn="r">
+              <a:defRPr sz="1200"/>
+            </a:lvl1pPr>
+          </a:lstStyle>
+          <a:p>
+            <a:fld id="{06671798-842C-4472-924C-23EE0407E63B}" type="slidenum">
+              <a:rPr lang="en-US" smtClean="0"/>
+              <a:t>‹#›</a:t>
+            </a:fld>
+            <a:endParaRPr lang="en-US"/>
+          </a:p>
+        </p:txBody>
+      </p:sp>
+    </p:spTree>
+    <p:extLst>
+      <p:ext uri="{BB962C8B-B14F-4D97-AF65-F5344CB8AC3E}">
+        <p14:creationId xmlns:p14="http://schemas.microsoft.com/office/powerpoint/2010/main" val="1254979143"/>
+      </p:ext>
+    </p:extLst>
+  </p:cSld>
+  <p:clrMap bg1="lt1" tx1="dk1" bg2="lt2" tx2="dk2" accent1="accent1" accent2="accent2" accent3="accent3" accent4="accent4" accent5="accent5" accent6="accent6" hlink="hlink" folHlink="folHlink"/>
+  <p:notesStyle>
+    <a:lvl1pPr marL="0" algn="l" defTabSz="914400" rtl="0" eaLnBrk="1" latinLnBrk="0" hangingPunct="1">
+      <a:defRPr sz="1200" kern="1200">
+        <a:solidFill>
+          <a:schemeClr val="tx1"/>
+        </a:solidFill>
+        <a:latin typeface="+mn-lt"/>
+        <a:ea typeface="+mn-ea"/>
+        <a:cs typeface="+mn-cs"/>
+      </a:defRPr>
+    </a:lvl1pPr>
+    <a:lvl2pPr marL="457200" algn="l" defTabSz="914400" rtl="0" eaLnBrk="1" latinLnBrk="0" hangingPunct="1">
+      <a:defRPr sz="1200" kern="1200">
+        <a:solidFill>
+          <a:schemeClr val="tx1"/>
+        </a:solidFill>
+        <a:latin typeface="+mn-lt"/>
+        <a:ea typeface="+mn-ea"/>
+        <a:cs typeface="+mn-cs"/>
+      </a:defRPr>
+    </a:lvl2pPr>
+    <a:lvl3pPr marL="914400" algn="l" defTabSz="914400" rtl="0" eaLnBrk="1" latinLnBrk="0" hangingPunct="1">
+      <a:defRPr sz="1200" kern="1200">
+        <a:solidFill>
+          <a:schemeClr val="tx1"/>
+        </a:solidFill>
+        <a:latin typeface="+mn-lt"/>
+        <a:ea typeface="+mn-ea"/>
+        <a:cs typeface="+mn-cs"/>
+      </a:defRPr>
+    </a:lvl3pPr>
+    <a:lvl4pPr marL="1371600" algn="l" defTabSz="914400" rtl="0" eaLnBrk="1" latinLnBrk="0" hangingPunct="1">
+      <a:defRPr sz="1200" kern="1200">
+        <a:solidFill>
+          <a:schemeClr val="tx1"/>
+        </a:solidFill>
+        <a:latin typeface="+mn-lt"/>
+        <a:ea typeface="+mn-ea"/>
+        <a:cs typeface="+mn-cs"/>
+      </a:defRPr>
+    </a:lvl4pPr>
+    <a:lvl5pPr marL="1828800" algn="l" defTabSz="914400" rtl="0" eaLnBrk="1" latinLnBrk="0" hangingPunct="1">
+      <a:defRPr sz="1200" kern="1200">
+        <a:solidFill>
+          <a:schemeClr val="tx1"/>
+        </a:solidFill>
+        <a:latin typeface="+mn-lt"/>
+        <a:ea typeface="+mn-ea"/>
+        <a:cs typeface="+mn-cs"/>
+      </a:defRPr>
+    </a:lvl5pPr>
+    <a:lvl6pPr marL="2286000" algn="l" defTabSz="914400" rtl="0" eaLnBrk="1" latinLnBrk="0" hangingPunct="1">
+      <a:defRPr sz="1200" kern="1200">
+        <a:solidFill>
+          <a:schemeClr val="tx1"/>
+        </a:solidFill>
+        <a:latin typeface="+mn-lt"/>
+        <a:ea typeface="+mn-ea"/>
+        <a:cs typeface="+mn-cs"/>
+      </a:defRPr>
+    </a:lvl6pPr>
+    <a:lvl7pPr marL="2743200" algn="l" defTabSz="914400" rtl="0" eaLnBrk="1" latinLnBrk="0" hangingPunct="1">
+      <a:defRPr sz="1200" kern="1200">
+        <a:solidFill>
+          <a:schemeClr val="tx1"/>
+        </a:solidFill>
+        <a:latin typeface="+mn-lt"/>
+        <a:ea typeface="+mn-ea"/>
+        <a:cs typeface="+mn-cs"/>
+      </a:defRPr>
+    </a:lvl7pPr>
+    <a:lvl8pPr marL="3200400" algn="l" defTabSz="914400" rtl="0" eaLnBrk="1" latinLnBrk="0" hangingPunct="1">
+      <a:defRPr sz="1200" kern="1200">
+        <a:solidFill>
+          <a:schemeClr val="tx1"/>
+        </a:solidFill>
+        <a:latin typeface="+mn-lt"/>
+        <a:ea typeface="+mn-ea"/>
+        <a:cs typeface="+mn-cs"/>
+      </a:defRPr>
+    </a:lvl8pPr>
+    <a:lvl9pPr marL="3657600" algn="l" defTabSz="914400" rtl="0" eaLnBrk="1" latinLnBrk="0" hangingPunct="1">
+      <a:defRPr sz="1200" kern="1200">
+        <a:solidFill>
+          <a:schemeClr val="tx1"/>
+        </a:solidFill>
+        <a:latin typeface="+mn-lt"/>
+        <a:ea typeface="+mn-ea"/>
+        <a:cs typeface="+mn-cs"/>
+      </a:defRPr>
+    </a:lvl9pPr>
+  </p:notesStyle>
+</p:notesMaster>
+</file>
+
 <file path=ppt/slideLayouts/slideLayout1.xml><?xml version="1.0" encoding="utf-8"?>
 <p:sldLayout xmlns:a="http://schemas.openxmlformats.org/drawingml/2006/main" xmlns:r="http://schemas.openxmlformats.org/officeDocument/2006/relationships" xmlns:p="http://schemas.openxmlformats.org/presentationml/2006/main" showMasterSp="0" type="title" preserve="1">
   <p:cSld name="Title Slide">
@@ -847,7 +1199,7 @@
           <a:p>
             <a:fld id="{8CC71C08-3195-43D4-9A1F-6CFC67AEC340}" type="datetimeFigureOut">
               <a:rPr lang="en-US" smtClean="0"/>
-              <a:t>3/3/2019</a:t>
+              <a:t>3/4/2019</a:t>
             </a:fld>
             <a:endParaRPr lang="en-US"/>
           </a:p>
@@ -1098,7 +1450,7 @@
           <a:p>
             <a:fld id="{8CC71C08-3195-43D4-9A1F-6CFC67AEC340}" type="datetimeFigureOut">
               <a:rPr lang="en-US" smtClean="0"/>
-              <a:t>3/3/2019</a:t>
+              <a:t>3/4/2019</a:t>
             </a:fld>
             <a:endParaRPr lang="en-US"/>
           </a:p>
@@ -1412,7 +1764,7 @@
           <a:p>
             <a:fld id="{8CC71C08-3195-43D4-9A1F-6CFC67AEC340}" type="datetimeFigureOut">
               <a:rPr lang="en-US" smtClean="0"/>
-              <a:t>3/3/2019</a:t>
+              <a:t>3/4/2019</a:t>
             </a:fld>
             <a:endParaRPr lang="en-US"/>
           </a:p>
@@ -1753,7 +2105,7 @@
           <a:p>
             <a:fld id="{8CC71C08-3195-43D4-9A1F-6CFC67AEC340}" type="datetimeFigureOut">
               <a:rPr lang="en-US" smtClean="0"/>
-              <a:t>3/3/2019</a:t>
+              <a:t>3/4/2019</a:t>
             </a:fld>
             <a:endParaRPr lang="en-US"/>
           </a:p>
@@ -2067,7 +2419,7 @@
           <a:p>
             <a:fld id="{8CC71C08-3195-43D4-9A1F-6CFC67AEC340}" type="datetimeFigureOut">
               <a:rPr lang="en-US" smtClean="0"/>
-              <a:t>3/3/2019</a:t>
+              <a:t>3/4/2019</a:t>
             </a:fld>
             <a:endParaRPr lang="en-US"/>
           </a:p>
@@ -2460,7 +2812,7 @@
           <a:p>
             <a:fld id="{8CC71C08-3195-43D4-9A1F-6CFC67AEC340}" type="datetimeFigureOut">
               <a:rPr lang="en-US" smtClean="0"/>
-              <a:t>3/3/2019</a:t>
+              <a:t>3/4/2019</a:t>
             </a:fld>
             <a:endParaRPr lang="en-US"/>
           </a:p>
@@ -2630,7 +2982,7 @@
           <a:p>
             <a:fld id="{8CC71C08-3195-43D4-9A1F-6CFC67AEC340}" type="datetimeFigureOut">
               <a:rPr lang="en-US" smtClean="0"/>
-              <a:t>3/3/2019</a:t>
+              <a:t>3/4/2019</a:t>
             </a:fld>
             <a:endParaRPr lang="en-US"/>
           </a:p>
@@ -2810,7 +3162,7 @@
           <a:p>
             <a:fld id="{8CC71C08-3195-43D4-9A1F-6CFC67AEC340}" type="datetimeFigureOut">
               <a:rPr lang="en-US" smtClean="0"/>
-              <a:t>3/3/2019</a:t>
+              <a:t>3/4/2019</a:t>
             </a:fld>
             <a:endParaRPr lang="en-US"/>
           </a:p>
@@ -2986,7 +3338,7 @@
           <a:p>
             <a:fld id="{8CC71C08-3195-43D4-9A1F-6CFC67AEC340}" type="datetimeFigureOut">
               <a:rPr lang="en-US" smtClean="0"/>
-              <a:t>3/3/2019</a:t>
+              <a:t>3/4/2019</a:t>
             </a:fld>
             <a:endParaRPr lang="en-US"/>
           </a:p>
@@ -3233,7 +3585,7 @@
           <a:p>
             <a:fld id="{8CC71C08-3195-43D4-9A1F-6CFC67AEC340}" type="datetimeFigureOut">
               <a:rPr lang="en-US" smtClean="0"/>
-              <a:t>3/3/2019</a:t>
+              <a:t>3/4/2019</a:t>
             </a:fld>
             <a:endParaRPr lang="en-US"/>
           </a:p>
@@ -3465,7 +3817,7 @@
           <a:p>
             <a:fld id="{8CC71C08-3195-43D4-9A1F-6CFC67AEC340}" type="datetimeFigureOut">
               <a:rPr lang="en-US" smtClean="0"/>
-              <a:t>3/3/2019</a:t>
+              <a:t>3/4/2019</a:t>
             </a:fld>
             <a:endParaRPr lang="en-US"/>
           </a:p>
@@ -3839,7 +4191,7 @@
           <a:p>
             <a:fld id="{8CC71C08-3195-43D4-9A1F-6CFC67AEC340}" type="datetimeFigureOut">
               <a:rPr lang="en-US" smtClean="0"/>
-              <a:t>3/3/2019</a:t>
+              <a:t>3/4/2019</a:t>
             </a:fld>
             <a:endParaRPr lang="en-US"/>
           </a:p>
@@ -3962,7 +4314,7 @@
           <a:p>
             <a:fld id="{8CC71C08-3195-43D4-9A1F-6CFC67AEC340}" type="datetimeFigureOut">
               <a:rPr lang="en-US" smtClean="0"/>
-              <a:t>3/3/2019</a:t>
+              <a:t>3/4/2019</a:t>
             </a:fld>
             <a:endParaRPr lang="en-US"/>
           </a:p>
@@ -4057,7 +4409,7 @@
           <a:p>
             <a:fld id="{8CC71C08-3195-43D4-9A1F-6CFC67AEC340}" type="datetimeFigureOut">
               <a:rPr lang="en-US" smtClean="0"/>
-              <a:t>3/3/2019</a:t>
+              <a:t>3/4/2019</a:t>
             </a:fld>
             <a:endParaRPr lang="en-US"/>
           </a:p>
@@ -4312,7 +4664,7 @@
           <a:p>
             <a:fld id="{8CC71C08-3195-43D4-9A1F-6CFC67AEC340}" type="datetimeFigureOut">
               <a:rPr lang="en-US" smtClean="0"/>
-              <a:t>3/3/2019</a:t>
+              <a:t>3/4/2019</a:t>
             </a:fld>
             <a:endParaRPr lang="en-US"/>
           </a:p>
@@ -4575,7 +4927,7 @@
           <a:p>
             <a:fld id="{8CC71C08-3195-43D4-9A1F-6CFC67AEC340}" type="datetimeFigureOut">
               <a:rPr lang="en-US" smtClean="0"/>
-              <a:t>3/3/2019</a:t>
+              <a:t>3/4/2019</a:t>
             </a:fld>
             <a:endParaRPr lang="en-US"/>
           </a:p>
@@ -5318,7 +5670,7 @@
           <a:p>
             <a:fld id="{8CC71C08-3195-43D4-9A1F-6CFC67AEC340}" type="datetimeFigureOut">
               <a:rPr lang="en-US" smtClean="0"/>
-              <a:t>3/3/2019</a:t>
+              <a:t>3/4/2019</a:t>
             </a:fld>
             <a:endParaRPr lang="en-US"/>
           </a:p>
@@ -6138,7 +6490,7 @@
         </p:blipFill>
         <p:spPr>
           <a:xfrm>
-            <a:off x="1606659" y="105302"/>
+            <a:off x="1621899" y="105302"/>
             <a:ext cx="8439977" cy="1161012"/>
           </a:xfrm>
           <a:prstGeom prst="rect">
@@ -6194,8 +6546,8 @@
         </p:nvSpPr>
         <p:spPr>
           <a:xfrm>
-            <a:off x="838200" y="791254"/>
-            <a:ext cx="10515600" cy="1325563"/>
+            <a:off x="1889760" y="227374"/>
+            <a:ext cx="7985760" cy="1325563"/>
           </a:xfrm>
         </p:spPr>
         <p:txBody>
@@ -6205,14 +6557,7 @@
           <a:lstStyle/>
           <a:p>
             <a:r>
-              <a:rPr lang="en-US" dirty="0">
-                <a:latin typeface="Calibri" panose="020F0502020204030204" pitchFamily="34" charset="0"/>
-                <a:cs typeface="Calibri" panose="020F0502020204030204" pitchFamily="34" charset="0"/>
-              </a:rPr>
-              <a:t>Question 2: </a:t>
-            </a:r>
-            <a:r>
-              <a:rPr lang="en-US" dirty="0">
+              <a:rPr lang="en-US" sz="2700" dirty="0">
                 <a:solidFill>
                   <a:schemeClr val="tx1"/>
                 </a:solidFill>
@@ -6282,8 +6627,8 @@
         </p:nvSpPr>
         <p:spPr>
           <a:xfrm>
-            <a:off x="1005186" y="411480"/>
-            <a:ext cx="8596668" cy="1320800"/>
+            <a:off x="2549039" y="582003"/>
+            <a:ext cx="6198803" cy="1429677"/>
           </a:xfrm>
         </p:spPr>
         <p:txBody>
@@ -6293,17 +6638,12 @@
           <a:lstStyle/>
           <a:p>
             <a:r>
-              <a:rPr lang="en-US" dirty="0">
+              <a:rPr lang="en-US" sz="2700" dirty="0">
+                <a:solidFill>
+                  <a:schemeClr val="tx1"/>
+                </a:solidFill>
                 <a:latin typeface="Calibri" panose="020F0502020204030204" pitchFamily="34" charset="0"/>
                 <a:cs typeface="Calibri" panose="020F0502020204030204" pitchFamily="34" charset="0"/>
-              </a:rPr>
-              <a:t>Question 4: </a:t>
-            </a:r>
-            <a:r>
-              <a:rPr lang="en-US" dirty="0">
-                <a:solidFill>
-                  <a:schemeClr val="tx1"/>
-                </a:solidFill>
               </a:rPr>
               <a:t>Is there a relationship between higher Medicare spending and how much data is recorded?</a:t>
             </a:r>
@@ -6350,8 +6690,8 @@
         </p:blipFill>
         <p:spPr>
           <a:xfrm>
-            <a:off x="2130022" y="2011680"/>
-            <a:ext cx="7036838" cy="4691225"/>
+            <a:off x="1265049" y="1296841"/>
+            <a:ext cx="8273132" cy="5515421"/>
           </a:xfrm>
         </p:spPr>
       </p:pic>
@@ -6422,11 +6762,22 @@
               <a:t>Health System Performance</a:t>
             </a:r>
             <a:br>
-              <a:rPr lang="en-US" dirty="0"/>
+              <a:rPr lang="en-US" dirty="0">
+                <a:solidFill>
+                  <a:schemeClr val="accent2"/>
+                </a:solidFill>
+              </a:rPr>
+            </a:br>
+            <a:br>
+              <a:rPr lang="en-US" dirty="0">
+                <a:solidFill>
+                  <a:schemeClr val="accent2"/>
+                </a:solidFill>
+              </a:rPr>
             </a:br>
             <a:endParaRPr lang="en-US" dirty="0">
               <a:solidFill>
-                <a:schemeClr val="tx1"/>
+                <a:schemeClr val="accent2"/>
               </a:solidFill>
               <a:latin typeface="Calibri" panose="020F0502020204030204" pitchFamily="34" charset="0"/>
               <a:cs typeface="Calibri" panose="020F0502020204030204" pitchFamily="34" charset="0"/>
@@ -6434,872 +6785,105 @@
           </a:p>
         </p:txBody>
       </p:sp>
-      <p:sp>
-        <p:nvSpPr>
-          <p:cNvPr id="8" name="Content Placeholder 2">
+      <p:pic>
+        <p:nvPicPr>
+          <p:cNvPr id="6" name="Picture 5">
             <a:extLst>
               <a:ext uri="{FF2B5EF4-FFF2-40B4-BE49-F238E27FC236}">
-                <a16:creationId xmlns:a16="http://schemas.microsoft.com/office/drawing/2014/main" id="{C664C669-08D0-413D-913E-C9618F10F5D3}"/>
+                <a16:creationId xmlns:a16="http://schemas.microsoft.com/office/drawing/2014/main" id="{843FB053-ADBB-4DC3-A4E4-20093E0819CD}"/>
               </a:ext>
             </a:extLst>
           </p:cNvPr>
-          <p:cNvSpPr>
-            <a:spLocks noGrp="1"/>
-          </p:cNvSpPr>
-          <p:nvPr>
-            <p:ph idx="1"/>
-          </p:nvPr>
-        </p:nvSpPr>
+          <p:cNvPicPr>
+            <a:picLocks noChangeAspect="1"/>
+          </p:cNvPicPr>
+          <p:nvPr/>
+        </p:nvPicPr>
+        <p:blipFill>
+          <a:blip r:embed="rId2"/>
+          <a:stretch>
+            <a:fillRect/>
+          </a:stretch>
+        </p:blipFill>
         <p:spPr>
           <a:xfrm>
-            <a:off x="495204" y="893134"/>
-            <a:ext cx="6439042" cy="3871907"/>
-          </a:xfrm>
-        </p:spPr>
-        <p:txBody>
-          <a:bodyPr>
-            <a:normAutofit/>
-          </a:bodyPr>
-          <a:lstStyle/>
-          <a:p>
-            <a:r>
-              <a:rPr lang="en-US" b="1" dirty="0"/>
-              <a:t>Overall Rank</a:t>
-            </a:r>
-          </a:p>
-          <a:p>
-            <a:r>
-              <a:rPr lang="en-US" b="1" dirty="0"/>
-              <a:t>Access and Affordability</a:t>
-            </a:r>
-          </a:p>
-          <a:p>
-            <a:pPr marL="457200" lvl="1" indent="0">
-              <a:lnSpc>
-                <a:spcPct val="110000"/>
-              </a:lnSpc>
-              <a:spcBef>
-                <a:spcPts val="0"/>
-              </a:spcBef>
-              <a:buNone/>
-            </a:pPr>
-            <a:r>
-              <a:rPr lang="en-US" dirty="0"/>
-              <a:t>Adults ages 19-64 uninured</a:t>
-            </a:r>
-          </a:p>
-          <a:p>
-            <a:pPr marL="457200" lvl="1" indent="0">
-              <a:lnSpc>
-                <a:spcPct val="110000"/>
-              </a:lnSpc>
-              <a:spcBef>
-                <a:spcPts val="0"/>
-              </a:spcBef>
-              <a:buNone/>
-            </a:pPr>
-            <a:r>
-              <a:rPr lang="en-US" dirty="0"/>
-              <a:t>Adults without a unusual source of care</a:t>
-            </a:r>
-          </a:p>
-          <a:p>
-            <a:pPr marL="457200" lvl="1" indent="0">
-              <a:lnSpc>
-                <a:spcPct val="110000"/>
-              </a:lnSpc>
-              <a:spcBef>
-                <a:spcPts val="0"/>
-              </a:spcBef>
-              <a:buNone/>
-            </a:pPr>
-            <a:r>
-              <a:rPr lang="en-US" dirty="0"/>
-              <a:t>Adults who went without care because of cost</a:t>
-            </a:r>
-          </a:p>
-          <a:p>
-            <a:pPr marL="457200" lvl="1" indent="0">
-              <a:buNone/>
-            </a:pPr>
-            <a:endParaRPr lang="en-US" dirty="0"/>
-          </a:p>
-          <a:p>
-            <a:r>
-              <a:rPr lang="en-US" b="1" dirty="0"/>
-              <a:t>Prevention and Treatment</a:t>
-            </a:r>
-          </a:p>
-          <a:p>
-            <a:pPr marL="457200" lvl="1" indent="0">
-              <a:spcBef>
-                <a:spcPts val="0"/>
-              </a:spcBef>
-              <a:buNone/>
-            </a:pPr>
-            <a:r>
-              <a:rPr lang="en-US" dirty="0"/>
-              <a:t>Adults without all age- and gender </a:t>
-            </a:r>
-          </a:p>
-          <a:p>
-            <a:pPr marL="457200" lvl="1" indent="0">
-              <a:spcBef>
-                <a:spcPts val="0"/>
-              </a:spcBef>
-              <a:buNone/>
-            </a:pPr>
-            <a:r>
-              <a:rPr lang="en-US" dirty="0"/>
-              <a:t>	appropriate cancer screenings</a:t>
-            </a:r>
-          </a:p>
-          <a:p>
-            <a:pPr marL="457200" lvl="1" indent="0">
-              <a:spcBef>
-                <a:spcPts val="0"/>
-              </a:spcBef>
-              <a:buNone/>
-            </a:pPr>
-            <a:r>
-              <a:rPr lang="en-US" dirty="0"/>
-              <a:t>Adults without all age-appropriate</a:t>
-            </a:r>
-          </a:p>
-          <a:p>
-            <a:pPr marL="457200" lvl="1" indent="0">
-              <a:spcBef>
-                <a:spcPts val="0"/>
-              </a:spcBef>
-              <a:buNone/>
-            </a:pPr>
-            <a:r>
-              <a:rPr lang="en-US" dirty="0"/>
-              <a:t>Hospital 30-day mortality</a:t>
-            </a:r>
-          </a:p>
-          <a:p>
-            <a:pPr marL="457200" lvl="1" indent="0">
-              <a:buNone/>
-            </a:pPr>
-            <a:endParaRPr lang="en-US" dirty="0"/>
-          </a:p>
-          <a:p>
-            <a:pPr marL="457200" lvl="1" indent="0">
-              <a:buNone/>
-            </a:pPr>
-            <a:endParaRPr lang="en-US" b="1" dirty="0"/>
-          </a:p>
-          <a:p>
-            <a:endParaRPr lang="en-US" dirty="0">
-              <a:latin typeface="Calibri" panose="020F0502020204030204" pitchFamily="34" charset="0"/>
-              <a:cs typeface="Calibri" panose="020F0502020204030204" pitchFamily="34" charset="0"/>
-            </a:endParaRPr>
-          </a:p>
-          <a:p>
-            <a:pPr marL="0" indent="0">
-              <a:buNone/>
-            </a:pPr>
-            <a:endParaRPr lang="en-US" dirty="0">
-              <a:latin typeface="Calibri" panose="020F0502020204030204" pitchFamily="34" charset="0"/>
-              <a:cs typeface="Calibri" panose="020F0502020204030204" pitchFamily="34" charset="0"/>
-            </a:endParaRPr>
-          </a:p>
-        </p:txBody>
-      </p:sp>
-      <p:sp>
-        <p:nvSpPr>
-          <p:cNvPr id="9" name="Content Placeholder 2">
-            <a:extLst>
-              <a:ext uri="{FF2B5EF4-FFF2-40B4-BE49-F238E27FC236}">
-                <a16:creationId xmlns:a16="http://schemas.microsoft.com/office/drawing/2014/main" id="{BB00988C-8C96-4E51-AB61-A265FBCFC865}"/>
-              </a:ext>
-            </a:extLst>
-          </p:cNvPr>
-          <p:cNvSpPr txBox="1">
-            <a:spLocks/>
-          </p:cNvSpPr>
-          <p:nvPr/>
-        </p:nvSpPr>
-        <p:spPr>
-          <a:xfrm>
-            <a:off x="6200521" y="893134"/>
-            <a:ext cx="5991479" cy="3871907"/>
+            <a:off x="6096000" y="1249491"/>
+            <a:ext cx="5840474" cy="4359018"/>
           </a:xfrm>
           <a:prstGeom prst="rect">
             <a:avLst/>
           </a:prstGeom>
         </p:spPr>
-        <p:txBody>
-          <a:bodyPr vert="horz" lIns="91440" tIns="45720" rIns="91440" bIns="45720" rtlCol="0">
-            <a:normAutofit/>
-          </a:bodyPr>
-          <a:lstStyle>
-            <a:lvl1pPr marL="342900" indent="-342900" algn="l" defTabSz="457200" rtl="0" eaLnBrk="1" latinLnBrk="0" hangingPunct="1">
-              <a:spcBef>
-                <a:spcPts val="1000"/>
-              </a:spcBef>
-              <a:spcAft>
-                <a:spcPts val="0"/>
-              </a:spcAft>
-              <a:buClr>
-                <a:schemeClr val="accent1"/>
-              </a:buClr>
-              <a:buSzPct val="80000"/>
-              <a:buFont typeface="Wingdings 3" charset="2"/>
-              <a:buChar char=""/>
-              <a:defRPr sz="1800" kern="1200">
-                <a:solidFill>
-                  <a:schemeClr val="tx1">
-                    <a:lumMod val="75000"/>
-                    <a:lumOff val="25000"/>
-                  </a:schemeClr>
-                </a:solidFill>
-                <a:latin typeface="+mn-lt"/>
-                <a:ea typeface="+mn-ea"/>
-                <a:cs typeface="+mn-cs"/>
-              </a:defRPr>
-            </a:lvl1pPr>
-            <a:lvl2pPr marL="742950" indent="-285750" algn="l" defTabSz="457200" rtl="0" eaLnBrk="1" latinLnBrk="0" hangingPunct="1">
-              <a:spcBef>
-                <a:spcPts val="1000"/>
-              </a:spcBef>
-              <a:spcAft>
-                <a:spcPts val="0"/>
-              </a:spcAft>
-              <a:buClr>
-                <a:schemeClr val="accent1"/>
-              </a:buClr>
-              <a:buSzPct val="80000"/>
-              <a:buFont typeface="Wingdings 3" charset="2"/>
-              <a:buChar char=""/>
-              <a:defRPr sz="1600" kern="1200">
-                <a:solidFill>
-                  <a:schemeClr val="tx1">
-                    <a:lumMod val="75000"/>
-                    <a:lumOff val="25000"/>
-                  </a:schemeClr>
-                </a:solidFill>
-                <a:latin typeface="+mn-lt"/>
-                <a:ea typeface="+mn-ea"/>
-                <a:cs typeface="+mn-cs"/>
-              </a:defRPr>
-            </a:lvl2pPr>
-            <a:lvl3pPr marL="1143000" indent="-228600" algn="l" defTabSz="457200" rtl="0" eaLnBrk="1" latinLnBrk="0" hangingPunct="1">
-              <a:spcBef>
-                <a:spcPts val="1000"/>
-              </a:spcBef>
-              <a:spcAft>
-                <a:spcPts val="0"/>
-              </a:spcAft>
-              <a:buClr>
-                <a:schemeClr val="accent1"/>
-              </a:buClr>
-              <a:buSzPct val="80000"/>
-              <a:buFont typeface="Wingdings 3" charset="2"/>
-              <a:buChar char=""/>
-              <a:defRPr sz="1400" kern="1200">
-                <a:solidFill>
-                  <a:schemeClr val="tx1">
-                    <a:lumMod val="75000"/>
-                    <a:lumOff val="25000"/>
-                  </a:schemeClr>
-                </a:solidFill>
-                <a:latin typeface="+mn-lt"/>
-                <a:ea typeface="+mn-ea"/>
-                <a:cs typeface="+mn-cs"/>
-              </a:defRPr>
-            </a:lvl3pPr>
-            <a:lvl4pPr marL="1600200" indent="-228600" algn="l" defTabSz="457200" rtl="0" eaLnBrk="1" latinLnBrk="0" hangingPunct="1">
-              <a:spcBef>
-                <a:spcPts val="1000"/>
-              </a:spcBef>
-              <a:spcAft>
-                <a:spcPts val="0"/>
-              </a:spcAft>
-              <a:buClr>
-                <a:schemeClr val="accent1"/>
-              </a:buClr>
-              <a:buSzPct val="80000"/>
-              <a:buFont typeface="Wingdings 3" charset="2"/>
-              <a:buChar char=""/>
-              <a:defRPr sz="1200" kern="1200">
-                <a:solidFill>
-                  <a:schemeClr val="tx1">
-                    <a:lumMod val="75000"/>
-                    <a:lumOff val="25000"/>
-                  </a:schemeClr>
-                </a:solidFill>
-                <a:latin typeface="+mn-lt"/>
-                <a:ea typeface="+mn-ea"/>
-                <a:cs typeface="+mn-cs"/>
-              </a:defRPr>
-            </a:lvl4pPr>
-            <a:lvl5pPr marL="2057400" indent="-228600" algn="l" defTabSz="457200" rtl="0" eaLnBrk="1" latinLnBrk="0" hangingPunct="1">
-              <a:spcBef>
-                <a:spcPts val="1000"/>
-              </a:spcBef>
-              <a:spcAft>
-                <a:spcPts val="0"/>
-              </a:spcAft>
-              <a:buClr>
-                <a:schemeClr val="accent1"/>
-              </a:buClr>
-              <a:buSzPct val="80000"/>
-              <a:buFont typeface="Wingdings 3" charset="2"/>
-              <a:buChar char=""/>
-              <a:defRPr sz="1200" kern="1200">
-                <a:solidFill>
-                  <a:schemeClr val="tx1">
-                    <a:lumMod val="75000"/>
-                    <a:lumOff val="25000"/>
-                  </a:schemeClr>
-                </a:solidFill>
-                <a:latin typeface="+mn-lt"/>
-                <a:ea typeface="+mn-ea"/>
-                <a:cs typeface="+mn-cs"/>
-              </a:defRPr>
-            </a:lvl5pPr>
-            <a:lvl6pPr marL="2514600" indent="-228600" algn="l" defTabSz="457200" rtl="0" eaLnBrk="1" latinLnBrk="0" hangingPunct="1">
-              <a:spcBef>
-                <a:spcPts val="1000"/>
-              </a:spcBef>
-              <a:spcAft>
-                <a:spcPts val="0"/>
-              </a:spcAft>
-              <a:buClr>
-                <a:schemeClr val="accent1"/>
-              </a:buClr>
-              <a:buSzPct val="80000"/>
-              <a:buFont typeface="Wingdings 3" charset="2"/>
-              <a:buChar char=""/>
-              <a:defRPr sz="1200" kern="1200">
-                <a:solidFill>
-                  <a:schemeClr val="tx1">
-                    <a:lumMod val="75000"/>
-                    <a:lumOff val="25000"/>
-                  </a:schemeClr>
-                </a:solidFill>
-                <a:latin typeface="+mn-lt"/>
-                <a:ea typeface="+mn-ea"/>
-                <a:cs typeface="+mn-cs"/>
-              </a:defRPr>
-            </a:lvl6pPr>
-            <a:lvl7pPr marL="2971800" indent="-228600" algn="l" defTabSz="457200" rtl="0" eaLnBrk="1" latinLnBrk="0" hangingPunct="1">
-              <a:spcBef>
-                <a:spcPts val="1000"/>
-              </a:spcBef>
-              <a:spcAft>
-                <a:spcPts val="0"/>
-              </a:spcAft>
-              <a:buClr>
-                <a:schemeClr val="accent1"/>
-              </a:buClr>
-              <a:buSzPct val="80000"/>
-              <a:buFont typeface="Wingdings 3" charset="2"/>
-              <a:buChar char=""/>
-              <a:defRPr sz="1200" kern="1200">
-                <a:solidFill>
-                  <a:schemeClr val="tx1">
-                    <a:lumMod val="75000"/>
-                    <a:lumOff val="25000"/>
-                  </a:schemeClr>
-                </a:solidFill>
-                <a:latin typeface="+mn-lt"/>
-                <a:ea typeface="+mn-ea"/>
-                <a:cs typeface="+mn-cs"/>
-              </a:defRPr>
-            </a:lvl7pPr>
-            <a:lvl8pPr marL="3429000" indent="-228600" algn="l" defTabSz="457200" rtl="0" eaLnBrk="1" latinLnBrk="0" hangingPunct="1">
-              <a:spcBef>
-                <a:spcPts val="1000"/>
-              </a:spcBef>
-              <a:spcAft>
-                <a:spcPts val="0"/>
-              </a:spcAft>
-              <a:buClr>
-                <a:schemeClr val="accent1"/>
-              </a:buClr>
-              <a:buSzPct val="80000"/>
-              <a:buFont typeface="Wingdings 3" charset="2"/>
-              <a:buChar char=""/>
-              <a:defRPr sz="1200" kern="1200">
-                <a:solidFill>
-                  <a:schemeClr val="tx1">
-                    <a:lumMod val="75000"/>
-                    <a:lumOff val="25000"/>
-                  </a:schemeClr>
-                </a:solidFill>
-                <a:latin typeface="+mn-lt"/>
-                <a:ea typeface="+mn-ea"/>
-                <a:cs typeface="+mn-cs"/>
-              </a:defRPr>
-            </a:lvl8pPr>
-            <a:lvl9pPr marL="3886200" indent="-228600" algn="l" defTabSz="457200" rtl="0" eaLnBrk="1" latinLnBrk="0" hangingPunct="1">
-              <a:spcBef>
-                <a:spcPts val="1000"/>
-              </a:spcBef>
-              <a:spcAft>
-                <a:spcPts val="0"/>
-              </a:spcAft>
-              <a:buClr>
-                <a:schemeClr val="accent1"/>
-              </a:buClr>
-              <a:buSzPct val="80000"/>
-              <a:buFont typeface="Wingdings 3" charset="2"/>
-              <a:buChar char=""/>
-              <a:defRPr sz="1200" kern="1200">
-                <a:solidFill>
-                  <a:schemeClr val="tx1">
-                    <a:lumMod val="75000"/>
-                    <a:lumOff val="25000"/>
-                  </a:schemeClr>
-                </a:solidFill>
-                <a:latin typeface="+mn-lt"/>
-                <a:ea typeface="+mn-ea"/>
-                <a:cs typeface="+mn-cs"/>
-              </a:defRPr>
-            </a:lvl9pPr>
-          </a:lstStyle>
-          <a:p>
-            <a:r>
-              <a:rPr lang="en-US" dirty="0"/>
-              <a:t>Healthy Lives</a:t>
-            </a:r>
-          </a:p>
-          <a:p>
-            <a:pPr marL="457200" lvl="1" indent="0">
-              <a:spcBef>
-                <a:spcPts val="0"/>
-              </a:spcBef>
-              <a:buNone/>
-            </a:pPr>
-            <a:r>
-              <a:rPr lang="en-US" dirty="0"/>
-              <a:t>Colorectal cancer deaths </a:t>
-            </a:r>
-          </a:p>
-          <a:p>
-            <a:pPr marL="457200" lvl="1" indent="0">
-              <a:spcBef>
-                <a:spcPts val="0"/>
-              </a:spcBef>
-              <a:buNone/>
-            </a:pPr>
-            <a:r>
-              <a:rPr lang="en-US" dirty="0"/>
-              <a:t>Deaths from suicide, alcohol, and drug use</a:t>
-            </a:r>
-          </a:p>
-          <a:p>
-            <a:pPr marL="457200" lvl="1" indent="0">
-              <a:spcBef>
-                <a:spcPts val="0"/>
-              </a:spcBef>
-              <a:buNone/>
-            </a:pPr>
-            <a:r>
-              <a:rPr lang="en-US" dirty="0"/>
-              <a:t>Adults who report fair/poor health </a:t>
-            </a:r>
-          </a:p>
-          <a:p>
-            <a:pPr marL="457200" lvl="1" indent="0">
-              <a:spcBef>
-                <a:spcPts val="0"/>
-              </a:spcBef>
-              <a:buNone/>
-            </a:pPr>
-            <a:r>
-              <a:rPr lang="en-US" dirty="0"/>
-              <a:t>Adults who smoke</a:t>
-            </a:r>
-          </a:p>
-          <a:p>
-            <a:endParaRPr lang="en-US" dirty="0"/>
-          </a:p>
-          <a:p>
-            <a:r>
-              <a:rPr lang="en-US" dirty="0"/>
-              <a:t>Disparity</a:t>
-            </a:r>
-          </a:p>
-          <a:p>
-            <a:pPr marL="457200" lvl="1" indent="0">
-              <a:spcBef>
-                <a:spcPts val="0"/>
-              </a:spcBef>
-              <a:buNone/>
-            </a:pPr>
-            <a:r>
-              <a:rPr lang="en-US" dirty="0"/>
-              <a:t>Adults ages 19–64 uninsured </a:t>
-            </a:r>
-          </a:p>
-          <a:p>
-            <a:pPr marL="457200" lvl="1" indent="0">
-              <a:spcBef>
-                <a:spcPts val="0"/>
-              </a:spcBef>
-              <a:buNone/>
-            </a:pPr>
-            <a:r>
-              <a:rPr lang="en-US" dirty="0"/>
-              <a:t>Adults without a usual source of care </a:t>
-            </a:r>
-          </a:p>
-          <a:p>
-            <a:pPr marL="457200" lvl="1" indent="0">
-              <a:spcBef>
-                <a:spcPts val="0"/>
-              </a:spcBef>
-              <a:buNone/>
-            </a:pPr>
-            <a:r>
-              <a:rPr lang="en-US" dirty="0"/>
-              <a:t>Adults who went without care because of cost </a:t>
-            </a:r>
-          </a:p>
-          <a:p>
-            <a:endParaRPr lang="en-US" dirty="0"/>
-          </a:p>
-          <a:p>
-            <a:pPr marL="0" indent="0">
-              <a:buFont typeface="Wingdings 3" charset="2"/>
-              <a:buNone/>
-            </a:pPr>
-            <a:endParaRPr lang="en-US" dirty="0">
-              <a:latin typeface="Calibri" panose="020F0502020204030204" pitchFamily="34" charset="0"/>
-              <a:cs typeface="Calibri" panose="020F0502020204030204" pitchFamily="34" charset="0"/>
-            </a:endParaRPr>
-          </a:p>
-        </p:txBody>
-      </p:sp>
-      <p:sp>
-        <p:nvSpPr>
-          <p:cNvPr id="10" name="Content Placeholder 2">
+      </p:pic>
+      <p:pic>
+        <p:nvPicPr>
+          <p:cNvPr id="7" name="Picture 6">
             <a:extLst>
               <a:ext uri="{FF2B5EF4-FFF2-40B4-BE49-F238E27FC236}">
-                <a16:creationId xmlns:a16="http://schemas.microsoft.com/office/drawing/2014/main" id="{F5CDF98A-0FD4-4C0D-A18D-9BFC5EE5FB8D}"/>
+                <a16:creationId xmlns:a16="http://schemas.microsoft.com/office/drawing/2014/main" id="{291C6CC5-F547-447B-9E33-96C35F34E82E}"/>
               </a:ext>
             </a:extLst>
           </p:cNvPr>
-          <p:cNvSpPr txBox="1">
-            <a:spLocks/>
-          </p:cNvSpPr>
+          <p:cNvPicPr>
+            <a:picLocks noChangeAspect="1"/>
+          </p:cNvPicPr>
           <p:nvPr/>
-        </p:nvSpPr>
+        </p:nvPicPr>
+        <p:blipFill>
+          <a:blip r:embed="rId3"/>
+          <a:stretch>
+            <a:fillRect/>
+          </a:stretch>
+        </p:blipFill>
         <p:spPr>
           <a:xfrm>
-            <a:off x="376864" y="4954017"/>
-            <a:ext cx="5786680" cy="1780032"/>
+            <a:off x="408432" y="1470370"/>
+            <a:ext cx="5267435" cy="4002004"/>
           </a:xfrm>
           <a:prstGeom prst="rect">
             <a:avLst/>
           </a:prstGeom>
         </p:spPr>
+      </p:pic>
+      <p:sp>
+        <p:nvSpPr>
+          <p:cNvPr id="5" name="TextBox 4">
+            <a:extLst>
+              <a:ext uri="{FF2B5EF4-FFF2-40B4-BE49-F238E27FC236}">
+                <a16:creationId xmlns:a16="http://schemas.microsoft.com/office/drawing/2014/main" id="{00CD2C24-5BE1-4F6B-9B1E-BFC3DA71B42C}"/>
+              </a:ext>
+            </a:extLst>
+          </p:cNvPr>
+          <p:cNvSpPr txBox="1"/>
+          <p:nvPr/>
+        </p:nvSpPr>
+        <p:spPr>
+          <a:xfrm>
+            <a:off x="2209800" y="799759"/>
+            <a:ext cx="8976360" cy="369332"/>
+          </a:xfrm>
+          <a:prstGeom prst="rect">
+            <a:avLst/>
+          </a:prstGeom>
+          <a:noFill/>
+        </p:spPr>
         <p:txBody>
-          <a:bodyPr vert="horz" lIns="91440" tIns="45720" rIns="91440" bIns="45720" rtlCol="0">
-            <a:normAutofit/>
+          <a:bodyPr wrap="square" rtlCol="0">
+            <a:spAutoFit/>
           </a:bodyPr>
-          <a:lstStyle>
-            <a:lvl1pPr marL="342900" indent="-342900" algn="l" defTabSz="457200" rtl="0" eaLnBrk="1" latinLnBrk="0" hangingPunct="1">
-              <a:spcBef>
-                <a:spcPts val="1000"/>
-              </a:spcBef>
-              <a:spcAft>
-                <a:spcPts val="0"/>
-              </a:spcAft>
-              <a:buClr>
-                <a:schemeClr val="accent1"/>
-              </a:buClr>
-              <a:buSzPct val="80000"/>
-              <a:buFont typeface="Wingdings 3" charset="2"/>
-              <a:buChar char=""/>
-              <a:defRPr sz="1800" kern="1200">
-                <a:solidFill>
-                  <a:schemeClr val="tx1">
-                    <a:lumMod val="75000"/>
-                    <a:lumOff val="25000"/>
-                  </a:schemeClr>
-                </a:solidFill>
-                <a:latin typeface="+mn-lt"/>
-                <a:ea typeface="+mn-ea"/>
-                <a:cs typeface="+mn-cs"/>
-              </a:defRPr>
-            </a:lvl1pPr>
-            <a:lvl2pPr marL="742950" indent="-285750" algn="l" defTabSz="457200" rtl="0" eaLnBrk="1" latinLnBrk="0" hangingPunct="1">
-              <a:spcBef>
-                <a:spcPts val="1000"/>
-              </a:spcBef>
-              <a:spcAft>
-                <a:spcPts val="0"/>
-              </a:spcAft>
-              <a:buClr>
-                <a:schemeClr val="accent1"/>
-              </a:buClr>
-              <a:buSzPct val="80000"/>
-              <a:buFont typeface="Wingdings 3" charset="2"/>
-              <a:buChar char=""/>
-              <a:defRPr sz="1600" kern="1200">
-                <a:solidFill>
-                  <a:schemeClr val="tx1">
-                    <a:lumMod val="75000"/>
-                    <a:lumOff val="25000"/>
-                  </a:schemeClr>
-                </a:solidFill>
-                <a:latin typeface="+mn-lt"/>
-                <a:ea typeface="+mn-ea"/>
-                <a:cs typeface="+mn-cs"/>
-              </a:defRPr>
-            </a:lvl2pPr>
-            <a:lvl3pPr marL="1143000" indent="-228600" algn="l" defTabSz="457200" rtl="0" eaLnBrk="1" latinLnBrk="0" hangingPunct="1">
-              <a:spcBef>
-                <a:spcPts val="1000"/>
-              </a:spcBef>
-              <a:spcAft>
-                <a:spcPts val="0"/>
-              </a:spcAft>
-              <a:buClr>
-                <a:schemeClr val="accent1"/>
-              </a:buClr>
-              <a:buSzPct val="80000"/>
-              <a:buFont typeface="Wingdings 3" charset="2"/>
-              <a:buChar char=""/>
-              <a:defRPr sz="1400" kern="1200">
-                <a:solidFill>
-                  <a:schemeClr val="tx1">
-                    <a:lumMod val="75000"/>
-                    <a:lumOff val="25000"/>
-                  </a:schemeClr>
-                </a:solidFill>
-                <a:latin typeface="+mn-lt"/>
-                <a:ea typeface="+mn-ea"/>
-                <a:cs typeface="+mn-cs"/>
-              </a:defRPr>
-            </a:lvl3pPr>
-            <a:lvl4pPr marL="1600200" indent="-228600" algn="l" defTabSz="457200" rtl="0" eaLnBrk="1" latinLnBrk="0" hangingPunct="1">
-              <a:spcBef>
-                <a:spcPts val="1000"/>
-              </a:spcBef>
-              <a:spcAft>
-                <a:spcPts val="0"/>
-              </a:spcAft>
-              <a:buClr>
-                <a:schemeClr val="accent1"/>
-              </a:buClr>
-              <a:buSzPct val="80000"/>
-              <a:buFont typeface="Wingdings 3" charset="2"/>
-              <a:buChar char=""/>
-              <a:defRPr sz="1200" kern="1200">
-                <a:solidFill>
-                  <a:schemeClr val="tx1">
-                    <a:lumMod val="75000"/>
-                    <a:lumOff val="25000"/>
-                  </a:schemeClr>
-                </a:solidFill>
-                <a:latin typeface="+mn-lt"/>
-                <a:ea typeface="+mn-ea"/>
-                <a:cs typeface="+mn-cs"/>
-              </a:defRPr>
-            </a:lvl4pPr>
-            <a:lvl5pPr marL="2057400" indent="-228600" algn="l" defTabSz="457200" rtl="0" eaLnBrk="1" latinLnBrk="0" hangingPunct="1">
-              <a:spcBef>
-                <a:spcPts val="1000"/>
-              </a:spcBef>
-              <a:spcAft>
-                <a:spcPts val="0"/>
-              </a:spcAft>
-              <a:buClr>
-                <a:schemeClr val="accent1"/>
-              </a:buClr>
-              <a:buSzPct val="80000"/>
-              <a:buFont typeface="Wingdings 3" charset="2"/>
-              <a:buChar char=""/>
-              <a:defRPr sz="1200" kern="1200">
-                <a:solidFill>
-                  <a:schemeClr val="tx1">
-                    <a:lumMod val="75000"/>
-                    <a:lumOff val="25000"/>
-                  </a:schemeClr>
-                </a:solidFill>
-                <a:latin typeface="+mn-lt"/>
-                <a:ea typeface="+mn-ea"/>
-                <a:cs typeface="+mn-cs"/>
-              </a:defRPr>
-            </a:lvl5pPr>
-            <a:lvl6pPr marL="2514600" indent="-228600" algn="l" defTabSz="457200" rtl="0" eaLnBrk="1" latinLnBrk="0" hangingPunct="1">
-              <a:spcBef>
-                <a:spcPts val="1000"/>
-              </a:spcBef>
-              <a:spcAft>
-                <a:spcPts val="0"/>
-              </a:spcAft>
-              <a:buClr>
-                <a:schemeClr val="accent1"/>
-              </a:buClr>
-              <a:buSzPct val="80000"/>
-              <a:buFont typeface="Wingdings 3" charset="2"/>
-              <a:buChar char=""/>
-              <a:defRPr sz="1200" kern="1200">
-                <a:solidFill>
-                  <a:schemeClr val="tx1">
-                    <a:lumMod val="75000"/>
-                    <a:lumOff val="25000"/>
-                  </a:schemeClr>
-                </a:solidFill>
-                <a:latin typeface="+mn-lt"/>
-                <a:ea typeface="+mn-ea"/>
-                <a:cs typeface="+mn-cs"/>
-              </a:defRPr>
-            </a:lvl6pPr>
-            <a:lvl7pPr marL="2971800" indent="-228600" algn="l" defTabSz="457200" rtl="0" eaLnBrk="1" latinLnBrk="0" hangingPunct="1">
-              <a:spcBef>
-                <a:spcPts val="1000"/>
-              </a:spcBef>
-              <a:spcAft>
-                <a:spcPts val="0"/>
-              </a:spcAft>
-              <a:buClr>
-                <a:schemeClr val="accent1"/>
-              </a:buClr>
-              <a:buSzPct val="80000"/>
-              <a:buFont typeface="Wingdings 3" charset="2"/>
-              <a:buChar char=""/>
-              <a:defRPr sz="1200" kern="1200">
-                <a:solidFill>
-                  <a:schemeClr val="tx1">
-                    <a:lumMod val="75000"/>
-                    <a:lumOff val="25000"/>
-                  </a:schemeClr>
-                </a:solidFill>
-                <a:latin typeface="+mn-lt"/>
-                <a:ea typeface="+mn-ea"/>
-                <a:cs typeface="+mn-cs"/>
-              </a:defRPr>
-            </a:lvl7pPr>
-            <a:lvl8pPr marL="3429000" indent="-228600" algn="l" defTabSz="457200" rtl="0" eaLnBrk="1" latinLnBrk="0" hangingPunct="1">
-              <a:spcBef>
-                <a:spcPts val="1000"/>
-              </a:spcBef>
-              <a:spcAft>
-                <a:spcPts val="0"/>
-              </a:spcAft>
-              <a:buClr>
-                <a:schemeClr val="accent1"/>
-              </a:buClr>
-              <a:buSzPct val="80000"/>
-              <a:buFont typeface="Wingdings 3" charset="2"/>
-              <a:buChar char=""/>
-              <a:defRPr sz="1200" kern="1200">
-                <a:solidFill>
-                  <a:schemeClr val="tx1">
-                    <a:lumMod val="75000"/>
-                    <a:lumOff val="25000"/>
-                  </a:schemeClr>
-                </a:solidFill>
-                <a:latin typeface="+mn-lt"/>
-                <a:ea typeface="+mn-ea"/>
-                <a:cs typeface="+mn-cs"/>
-              </a:defRPr>
-            </a:lvl8pPr>
-            <a:lvl9pPr marL="3886200" indent="-228600" algn="l" defTabSz="457200" rtl="0" eaLnBrk="1" latinLnBrk="0" hangingPunct="1">
-              <a:spcBef>
-                <a:spcPts val="1000"/>
-              </a:spcBef>
-              <a:spcAft>
-                <a:spcPts val="0"/>
-              </a:spcAft>
-              <a:buClr>
-                <a:schemeClr val="accent1"/>
-              </a:buClr>
-              <a:buSzPct val="80000"/>
-              <a:buFont typeface="Wingdings 3" charset="2"/>
-              <a:buChar char=""/>
-              <a:defRPr sz="1200" kern="1200">
-                <a:solidFill>
-                  <a:schemeClr val="tx1">
-                    <a:lumMod val="75000"/>
-                    <a:lumOff val="25000"/>
-                  </a:schemeClr>
-                </a:solidFill>
-                <a:latin typeface="+mn-lt"/>
-                <a:ea typeface="+mn-ea"/>
-                <a:cs typeface="+mn-cs"/>
-              </a:defRPr>
-            </a:lvl9pPr>
-          </a:lstStyle>
-          <a:p>
-            <a:r>
-              <a:rPr lang="en-US" b="1" dirty="0"/>
-              <a:t>Avoidable Hospital Use and Cost</a:t>
-            </a:r>
-          </a:p>
-          <a:p>
-            <a:pPr marL="457200" lvl="1" indent="0">
-              <a:spcBef>
-                <a:spcPts val="0"/>
-              </a:spcBef>
-              <a:buNone/>
-            </a:pPr>
+          <a:lstStyle/>
+          <a:p>
             <a:r>
               <a:rPr lang="en-US" dirty="0"/>
-              <a:t>admissions for ambulatory care–sensitive conditions</a:t>
-            </a:r>
-          </a:p>
-          <a:p>
-            <a:pPr marL="457200" lvl="1" indent="0">
-              <a:spcBef>
-                <a:spcPts val="0"/>
-              </a:spcBef>
-              <a:buNone/>
-            </a:pPr>
-            <a:r>
-              <a:rPr lang="en-US" dirty="0"/>
-              <a:t>30-day hospital readmissions</a:t>
-            </a:r>
-          </a:p>
-          <a:p>
-            <a:pPr marL="457200" lvl="1" indent="0">
-              <a:spcBef>
-                <a:spcPts val="0"/>
-              </a:spcBef>
-              <a:buNone/>
-            </a:pPr>
-            <a:r>
-              <a:rPr lang="en-US" dirty="0"/>
-              <a:t>30-day hospital readmissions</a:t>
-            </a:r>
-          </a:p>
-          <a:p>
-            <a:pPr marL="457200" lvl="1" indent="0">
-              <a:buFont typeface="Wingdings 3" charset="2"/>
-              <a:buNone/>
-            </a:pPr>
-            <a:endParaRPr lang="en-US" b="1" dirty="0"/>
-          </a:p>
-          <a:p>
-            <a:endParaRPr lang="en-US" dirty="0">
-              <a:latin typeface="Calibri" panose="020F0502020204030204" pitchFamily="34" charset="0"/>
-              <a:cs typeface="Calibri" panose="020F0502020204030204" pitchFamily="34" charset="0"/>
-            </a:endParaRPr>
-          </a:p>
-          <a:p>
-            <a:pPr marL="0" indent="0">
-              <a:buFont typeface="Wingdings 3" charset="2"/>
-              <a:buNone/>
-            </a:pPr>
-            <a:endParaRPr lang="en-US" dirty="0">
-              <a:latin typeface="Calibri" panose="020F0502020204030204" pitchFamily="34" charset="0"/>
-              <a:cs typeface="Calibri" panose="020F0502020204030204" pitchFamily="34" charset="0"/>
-            </a:endParaRPr>
+              <a:t>How Does Medicare in Kansas and Missouri Compare to the National Rank?</a:t>
+            </a:r>
           </a:p>
         </p:txBody>
       </p:sp>
     </p:spTree>
     <p:extLst>
       <p:ext uri="{BB962C8B-B14F-4D97-AF65-F5344CB8AC3E}">
-        <p14:creationId xmlns:p14="http://schemas.microsoft.com/office/powerpoint/2010/main" val="1403823028"/>
+        <p14:creationId xmlns:p14="http://schemas.microsoft.com/office/powerpoint/2010/main" val="440680151"/>
       </p:ext>
     </p:extLst>
   </p:cSld>
@@ -7363,15 +6947,11 @@
               <a:t>Health System Performance</a:t>
             </a:r>
             <a:br>
-              <a:rPr lang="en-US" dirty="0">
-                <a:solidFill>
-                  <a:schemeClr val="accent2"/>
-                </a:solidFill>
-              </a:rPr>
+              <a:rPr lang="en-US" dirty="0"/>
             </a:br>
             <a:endParaRPr lang="en-US" dirty="0">
               <a:solidFill>
-                <a:schemeClr val="accent2"/>
+                <a:schemeClr val="tx1"/>
               </a:solidFill>
               <a:latin typeface="Calibri" panose="020F0502020204030204" pitchFamily="34" charset="0"/>
               <a:cs typeface="Calibri" panose="020F0502020204030204" pitchFamily="34" charset="0"/>
@@ -7379,70 +6959,947 @@
           </a:p>
         </p:txBody>
       </p:sp>
-      <p:pic>
-        <p:nvPicPr>
-          <p:cNvPr id="6" name="Picture 5">
+      <p:sp>
+        <p:nvSpPr>
+          <p:cNvPr id="8" name="Content Placeholder 2">
             <a:extLst>
               <a:ext uri="{FF2B5EF4-FFF2-40B4-BE49-F238E27FC236}">
-                <a16:creationId xmlns:a16="http://schemas.microsoft.com/office/drawing/2014/main" id="{843FB053-ADBB-4DC3-A4E4-20093E0819CD}"/>
+                <a16:creationId xmlns:a16="http://schemas.microsoft.com/office/drawing/2014/main" id="{C664C669-08D0-413D-913E-C9618F10F5D3}"/>
               </a:ext>
             </a:extLst>
           </p:cNvPr>
-          <p:cNvPicPr>
-            <a:picLocks noChangeAspect="1"/>
-          </p:cNvPicPr>
-          <p:nvPr/>
-        </p:nvPicPr>
-        <p:blipFill>
-          <a:blip r:embed="rId2"/>
-          <a:stretch>
-            <a:fillRect/>
-          </a:stretch>
-        </p:blipFill>
+          <p:cNvSpPr>
+            <a:spLocks noGrp="1"/>
+          </p:cNvSpPr>
+          <p:nvPr>
+            <p:ph idx="1"/>
+          </p:nvPr>
+        </p:nvSpPr>
         <p:spPr>
           <a:xfrm>
-            <a:off x="5851654" y="893135"/>
-            <a:ext cx="5840474" cy="4359018"/>
+            <a:off x="1152089" y="1230516"/>
+            <a:ext cx="6439042" cy="3871907"/>
+          </a:xfrm>
+        </p:spPr>
+        <p:txBody>
+          <a:bodyPr>
+            <a:normAutofit/>
+          </a:bodyPr>
+          <a:lstStyle/>
+          <a:p>
+            <a:r>
+              <a:rPr lang="en-US" b="1" dirty="0">
+                <a:latin typeface="Calibri" panose="020F0502020204030204" pitchFamily="34" charset="0"/>
+                <a:cs typeface="Calibri" panose="020F0502020204030204" pitchFamily="34" charset="0"/>
+              </a:rPr>
+              <a:t>Overall Rank</a:t>
+            </a:r>
+          </a:p>
+          <a:p>
+            <a:r>
+              <a:rPr lang="en-US" b="1" dirty="0">
+                <a:latin typeface="Calibri" panose="020F0502020204030204" pitchFamily="34" charset="0"/>
+                <a:cs typeface="Calibri" panose="020F0502020204030204" pitchFamily="34" charset="0"/>
+              </a:rPr>
+              <a:t>Access and Affordability</a:t>
+            </a:r>
+          </a:p>
+          <a:p>
+            <a:pPr marL="457200" lvl="1" indent="0">
+              <a:lnSpc>
+                <a:spcPct val="110000"/>
+              </a:lnSpc>
+              <a:spcBef>
+                <a:spcPts val="0"/>
+              </a:spcBef>
+              <a:buNone/>
+            </a:pPr>
+            <a:r>
+              <a:rPr lang="en-US" sz="1800" dirty="0">
+                <a:latin typeface="Calibri" panose="020F0502020204030204" pitchFamily="34" charset="0"/>
+                <a:cs typeface="Calibri" panose="020F0502020204030204" pitchFamily="34" charset="0"/>
+              </a:rPr>
+              <a:t>Adults ages 19-64 uninured</a:t>
+            </a:r>
+          </a:p>
+          <a:p>
+            <a:pPr marL="457200" lvl="1" indent="0">
+              <a:lnSpc>
+                <a:spcPct val="110000"/>
+              </a:lnSpc>
+              <a:spcBef>
+                <a:spcPts val="0"/>
+              </a:spcBef>
+              <a:buNone/>
+            </a:pPr>
+            <a:r>
+              <a:rPr lang="en-US" sz="1800" dirty="0">
+                <a:latin typeface="Calibri" panose="020F0502020204030204" pitchFamily="34" charset="0"/>
+                <a:cs typeface="Calibri" panose="020F0502020204030204" pitchFamily="34" charset="0"/>
+              </a:rPr>
+              <a:t>Adults without a unusual source of care</a:t>
+            </a:r>
+          </a:p>
+          <a:p>
+            <a:pPr marL="457200" lvl="1" indent="0">
+              <a:lnSpc>
+                <a:spcPct val="110000"/>
+              </a:lnSpc>
+              <a:spcBef>
+                <a:spcPts val="0"/>
+              </a:spcBef>
+              <a:buNone/>
+            </a:pPr>
+            <a:r>
+              <a:rPr lang="en-US" sz="1800" dirty="0">
+                <a:latin typeface="Calibri" panose="020F0502020204030204" pitchFamily="34" charset="0"/>
+                <a:cs typeface="Calibri" panose="020F0502020204030204" pitchFamily="34" charset="0"/>
+              </a:rPr>
+              <a:t>Adults who went without care because of cost</a:t>
+            </a:r>
+          </a:p>
+          <a:p>
+            <a:pPr marL="457200" lvl="1" indent="0">
+              <a:buNone/>
+            </a:pPr>
+            <a:endParaRPr lang="en-US" sz="1800" dirty="0">
+              <a:latin typeface="Calibri" panose="020F0502020204030204" pitchFamily="34" charset="0"/>
+              <a:cs typeface="Calibri" panose="020F0502020204030204" pitchFamily="34" charset="0"/>
+            </a:endParaRPr>
+          </a:p>
+          <a:p>
+            <a:r>
+              <a:rPr lang="en-US" b="1" dirty="0">
+                <a:latin typeface="Calibri" panose="020F0502020204030204" pitchFamily="34" charset="0"/>
+                <a:cs typeface="Calibri" panose="020F0502020204030204" pitchFamily="34" charset="0"/>
+              </a:rPr>
+              <a:t>Prevention and Treatment</a:t>
+            </a:r>
+          </a:p>
+          <a:p>
+            <a:pPr marL="457200" lvl="1" indent="0">
+              <a:spcBef>
+                <a:spcPts val="0"/>
+              </a:spcBef>
+              <a:buNone/>
+            </a:pPr>
+            <a:r>
+              <a:rPr lang="en-US" sz="1800" dirty="0">
+                <a:latin typeface="Calibri" panose="020F0502020204030204" pitchFamily="34" charset="0"/>
+                <a:cs typeface="Calibri" panose="020F0502020204030204" pitchFamily="34" charset="0"/>
+              </a:rPr>
+              <a:t>Adults without all age- and gender </a:t>
+            </a:r>
+          </a:p>
+          <a:p>
+            <a:pPr marL="457200" lvl="1" indent="0">
+              <a:spcBef>
+                <a:spcPts val="0"/>
+              </a:spcBef>
+              <a:buNone/>
+            </a:pPr>
+            <a:r>
+              <a:rPr lang="en-US" sz="1800" dirty="0">
+                <a:latin typeface="Calibri" panose="020F0502020204030204" pitchFamily="34" charset="0"/>
+                <a:cs typeface="Calibri" panose="020F0502020204030204" pitchFamily="34" charset="0"/>
+              </a:rPr>
+              <a:t>	appropriate cancer screenings</a:t>
+            </a:r>
+          </a:p>
+          <a:p>
+            <a:pPr marL="457200" lvl="1" indent="0">
+              <a:spcBef>
+                <a:spcPts val="0"/>
+              </a:spcBef>
+              <a:buNone/>
+            </a:pPr>
+            <a:r>
+              <a:rPr lang="en-US" sz="1800" dirty="0">
+                <a:latin typeface="Calibri" panose="020F0502020204030204" pitchFamily="34" charset="0"/>
+                <a:cs typeface="Calibri" panose="020F0502020204030204" pitchFamily="34" charset="0"/>
+              </a:rPr>
+              <a:t>Adults without all age-appropriate</a:t>
+            </a:r>
+          </a:p>
+          <a:p>
+            <a:pPr marL="457200" lvl="1" indent="0">
+              <a:spcBef>
+                <a:spcPts val="0"/>
+              </a:spcBef>
+              <a:buNone/>
+            </a:pPr>
+            <a:r>
+              <a:rPr lang="en-US" sz="1800" dirty="0">
+                <a:latin typeface="Calibri" panose="020F0502020204030204" pitchFamily="34" charset="0"/>
+                <a:cs typeface="Calibri" panose="020F0502020204030204" pitchFamily="34" charset="0"/>
+              </a:rPr>
+              <a:t>Hospital 30-day mortality</a:t>
+            </a:r>
+          </a:p>
+          <a:p>
+            <a:pPr marL="457200" lvl="1" indent="0">
+              <a:buNone/>
+            </a:pPr>
+            <a:endParaRPr lang="en-US" dirty="0"/>
+          </a:p>
+          <a:p>
+            <a:pPr marL="457200" lvl="1" indent="0">
+              <a:buNone/>
+            </a:pPr>
+            <a:endParaRPr lang="en-US" b="1" dirty="0"/>
+          </a:p>
+          <a:p>
+            <a:endParaRPr lang="en-US" dirty="0">
+              <a:latin typeface="Calibri" panose="020F0502020204030204" pitchFamily="34" charset="0"/>
+              <a:cs typeface="Calibri" panose="020F0502020204030204" pitchFamily="34" charset="0"/>
+            </a:endParaRPr>
+          </a:p>
+          <a:p>
+            <a:pPr marL="0" indent="0">
+              <a:buNone/>
+            </a:pPr>
+            <a:endParaRPr lang="en-US" dirty="0">
+              <a:latin typeface="Calibri" panose="020F0502020204030204" pitchFamily="34" charset="0"/>
+              <a:cs typeface="Calibri" panose="020F0502020204030204" pitchFamily="34" charset="0"/>
+            </a:endParaRPr>
+          </a:p>
+        </p:txBody>
+      </p:sp>
+      <p:sp>
+        <p:nvSpPr>
+          <p:cNvPr id="9" name="Content Placeholder 2">
+            <a:extLst>
+              <a:ext uri="{FF2B5EF4-FFF2-40B4-BE49-F238E27FC236}">
+                <a16:creationId xmlns:a16="http://schemas.microsoft.com/office/drawing/2014/main" id="{BB00988C-8C96-4E51-AB61-A265FBCFC865}"/>
+              </a:ext>
+            </a:extLst>
+          </p:cNvPr>
+          <p:cNvSpPr txBox="1">
+            <a:spLocks/>
+          </p:cNvSpPr>
+          <p:nvPr/>
+        </p:nvSpPr>
+        <p:spPr>
+          <a:xfrm>
+            <a:off x="6200521" y="1230516"/>
+            <a:ext cx="5991479" cy="3534525"/>
           </a:xfrm>
           <a:prstGeom prst="rect">
             <a:avLst/>
           </a:prstGeom>
         </p:spPr>
-      </p:pic>
-      <p:pic>
-        <p:nvPicPr>
-          <p:cNvPr id="7" name="Picture 6">
+        <p:txBody>
+          <a:bodyPr vert="horz" lIns="91440" tIns="45720" rIns="91440" bIns="45720" rtlCol="0">
+            <a:normAutofit/>
+          </a:bodyPr>
+          <a:lstStyle>
+            <a:lvl1pPr marL="342900" indent="-342900" algn="l" defTabSz="457200" rtl="0" eaLnBrk="1" latinLnBrk="0" hangingPunct="1">
+              <a:spcBef>
+                <a:spcPts val="1000"/>
+              </a:spcBef>
+              <a:spcAft>
+                <a:spcPts val="0"/>
+              </a:spcAft>
+              <a:buClr>
+                <a:schemeClr val="accent1"/>
+              </a:buClr>
+              <a:buSzPct val="80000"/>
+              <a:buFont typeface="Wingdings 3" charset="2"/>
+              <a:buChar char=""/>
+              <a:defRPr sz="1800" kern="1200">
+                <a:solidFill>
+                  <a:schemeClr val="tx1">
+                    <a:lumMod val="75000"/>
+                    <a:lumOff val="25000"/>
+                  </a:schemeClr>
+                </a:solidFill>
+                <a:latin typeface="+mn-lt"/>
+                <a:ea typeface="+mn-ea"/>
+                <a:cs typeface="+mn-cs"/>
+              </a:defRPr>
+            </a:lvl1pPr>
+            <a:lvl2pPr marL="742950" indent="-285750" algn="l" defTabSz="457200" rtl="0" eaLnBrk="1" latinLnBrk="0" hangingPunct="1">
+              <a:spcBef>
+                <a:spcPts val="1000"/>
+              </a:spcBef>
+              <a:spcAft>
+                <a:spcPts val="0"/>
+              </a:spcAft>
+              <a:buClr>
+                <a:schemeClr val="accent1"/>
+              </a:buClr>
+              <a:buSzPct val="80000"/>
+              <a:buFont typeface="Wingdings 3" charset="2"/>
+              <a:buChar char=""/>
+              <a:defRPr sz="1600" kern="1200">
+                <a:solidFill>
+                  <a:schemeClr val="tx1">
+                    <a:lumMod val="75000"/>
+                    <a:lumOff val="25000"/>
+                  </a:schemeClr>
+                </a:solidFill>
+                <a:latin typeface="+mn-lt"/>
+                <a:ea typeface="+mn-ea"/>
+                <a:cs typeface="+mn-cs"/>
+              </a:defRPr>
+            </a:lvl2pPr>
+            <a:lvl3pPr marL="1143000" indent="-228600" algn="l" defTabSz="457200" rtl="0" eaLnBrk="1" latinLnBrk="0" hangingPunct="1">
+              <a:spcBef>
+                <a:spcPts val="1000"/>
+              </a:spcBef>
+              <a:spcAft>
+                <a:spcPts val="0"/>
+              </a:spcAft>
+              <a:buClr>
+                <a:schemeClr val="accent1"/>
+              </a:buClr>
+              <a:buSzPct val="80000"/>
+              <a:buFont typeface="Wingdings 3" charset="2"/>
+              <a:buChar char=""/>
+              <a:defRPr sz="1400" kern="1200">
+                <a:solidFill>
+                  <a:schemeClr val="tx1">
+                    <a:lumMod val="75000"/>
+                    <a:lumOff val="25000"/>
+                  </a:schemeClr>
+                </a:solidFill>
+                <a:latin typeface="+mn-lt"/>
+                <a:ea typeface="+mn-ea"/>
+                <a:cs typeface="+mn-cs"/>
+              </a:defRPr>
+            </a:lvl3pPr>
+            <a:lvl4pPr marL="1600200" indent="-228600" algn="l" defTabSz="457200" rtl="0" eaLnBrk="1" latinLnBrk="0" hangingPunct="1">
+              <a:spcBef>
+                <a:spcPts val="1000"/>
+              </a:spcBef>
+              <a:spcAft>
+                <a:spcPts val="0"/>
+              </a:spcAft>
+              <a:buClr>
+                <a:schemeClr val="accent1"/>
+              </a:buClr>
+              <a:buSzPct val="80000"/>
+              <a:buFont typeface="Wingdings 3" charset="2"/>
+              <a:buChar char=""/>
+              <a:defRPr sz="1200" kern="1200">
+                <a:solidFill>
+                  <a:schemeClr val="tx1">
+                    <a:lumMod val="75000"/>
+                    <a:lumOff val="25000"/>
+                  </a:schemeClr>
+                </a:solidFill>
+                <a:latin typeface="+mn-lt"/>
+                <a:ea typeface="+mn-ea"/>
+                <a:cs typeface="+mn-cs"/>
+              </a:defRPr>
+            </a:lvl4pPr>
+            <a:lvl5pPr marL="2057400" indent="-228600" algn="l" defTabSz="457200" rtl="0" eaLnBrk="1" latinLnBrk="0" hangingPunct="1">
+              <a:spcBef>
+                <a:spcPts val="1000"/>
+              </a:spcBef>
+              <a:spcAft>
+                <a:spcPts val="0"/>
+              </a:spcAft>
+              <a:buClr>
+                <a:schemeClr val="accent1"/>
+              </a:buClr>
+              <a:buSzPct val="80000"/>
+              <a:buFont typeface="Wingdings 3" charset="2"/>
+              <a:buChar char=""/>
+              <a:defRPr sz="1200" kern="1200">
+                <a:solidFill>
+                  <a:schemeClr val="tx1">
+                    <a:lumMod val="75000"/>
+                    <a:lumOff val="25000"/>
+                  </a:schemeClr>
+                </a:solidFill>
+                <a:latin typeface="+mn-lt"/>
+                <a:ea typeface="+mn-ea"/>
+                <a:cs typeface="+mn-cs"/>
+              </a:defRPr>
+            </a:lvl5pPr>
+            <a:lvl6pPr marL="2514600" indent="-228600" algn="l" defTabSz="457200" rtl="0" eaLnBrk="1" latinLnBrk="0" hangingPunct="1">
+              <a:spcBef>
+                <a:spcPts val="1000"/>
+              </a:spcBef>
+              <a:spcAft>
+                <a:spcPts val="0"/>
+              </a:spcAft>
+              <a:buClr>
+                <a:schemeClr val="accent1"/>
+              </a:buClr>
+              <a:buSzPct val="80000"/>
+              <a:buFont typeface="Wingdings 3" charset="2"/>
+              <a:buChar char=""/>
+              <a:defRPr sz="1200" kern="1200">
+                <a:solidFill>
+                  <a:schemeClr val="tx1">
+                    <a:lumMod val="75000"/>
+                    <a:lumOff val="25000"/>
+                  </a:schemeClr>
+                </a:solidFill>
+                <a:latin typeface="+mn-lt"/>
+                <a:ea typeface="+mn-ea"/>
+                <a:cs typeface="+mn-cs"/>
+              </a:defRPr>
+            </a:lvl6pPr>
+            <a:lvl7pPr marL="2971800" indent="-228600" algn="l" defTabSz="457200" rtl="0" eaLnBrk="1" latinLnBrk="0" hangingPunct="1">
+              <a:spcBef>
+                <a:spcPts val="1000"/>
+              </a:spcBef>
+              <a:spcAft>
+                <a:spcPts val="0"/>
+              </a:spcAft>
+              <a:buClr>
+                <a:schemeClr val="accent1"/>
+              </a:buClr>
+              <a:buSzPct val="80000"/>
+              <a:buFont typeface="Wingdings 3" charset="2"/>
+              <a:buChar char=""/>
+              <a:defRPr sz="1200" kern="1200">
+                <a:solidFill>
+                  <a:schemeClr val="tx1">
+                    <a:lumMod val="75000"/>
+                    <a:lumOff val="25000"/>
+                  </a:schemeClr>
+                </a:solidFill>
+                <a:latin typeface="+mn-lt"/>
+                <a:ea typeface="+mn-ea"/>
+                <a:cs typeface="+mn-cs"/>
+              </a:defRPr>
+            </a:lvl7pPr>
+            <a:lvl8pPr marL="3429000" indent="-228600" algn="l" defTabSz="457200" rtl="0" eaLnBrk="1" latinLnBrk="0" hangingPunct="1">
+              <a:spcBef>
+                <a:spcPts val="1000"/>
+              </a:spcBef>
+              <a:spcAft>
+                <a:spcPts val="0"/>
+              </a:spcAft>
+              <a:buClr>
+                <a:schemeClr val="accent1"/>
+              </a:buClr>
+              <a:buSzPct val="80000"/>
+              <a:buFont typeface="Wingdings 3" charset="2"/>
+              <a:buChar char=""/>
+              <a:defRPr sz="1200" kern="1200">
+                <a:solidFill>
+                  <a:schemeClr val="tx1">
+                    <a:lumMod val="75000"/>
+                    <a:lumOff val="25000"/>
+                  </a:schemeClr>
+                </a:solidFill>
+                <a:latin typeface="+mn-lt"/>
+                <a:ea typeface="+mn-ea"/>
+                <a:cs typeface="+mn-cs"/>
+              </a:defRPr>
+            </a:lvl8pPr>
+            <a:lvl9pPr marL="3886200" indent="-228600" algn="l" defTabSz="457200" rtl="0" eaLnBrk="1" latinLnBrk="0" hangingPunct="1">
+              <a:spcBef>
+                <a:spcPts val="1000"/>
+              </a:spcBef>
+              <a:spcAft>
+                <a:spcPts val="0"/>
+              </a:spcAft>
+              <a:buClr>
+                <a:schemeClr val="accent1"/>
+              </a:buClr>
+              <a:buSzPct val="80000"/>
+              <a:buFont typeface="Wingdings 3" charset="2"/>
+              <a:buChar char=""/>
+              <a:defRPr sz="1200" kern="1200">
+                <a:solidFill>
+                  <a:schemeClr val="tx1">
+                    <a:lumMod val="75000"/>
+                    <a:lumOff val="25000"/>
+                  </a:schemeClr>
+                </a:solidFill>
+                <a:latin typeface="+mn-lt"/>
+                <a:ea typeface="+mn-ea"/>
+                <a:cs typeface="+mn-cs"/>
+              </a:defRPr>
+            </a:lvl9pPr>
+          </a:lstStyle>
+          <a:p>
+            <a:r>
+              <a:rPr lang="en-US" b="1" dirty="0">
+                <a:latin typeface="Calibri" panose="020F0502020204030204" pitchFamily="34" charset="0"/>
+                <a:cs typeface="Calibri" panose="020F0502020204030204" pitchFamily="34" charset="0"/>
+              </a:rPr>
+              <a:t>Healthy Lives</a:t>
+            </a:r>
+          </a:p>
+          <a:p>
+            <a:pPr marL="457200" lvl="1" indent="0">
+              <a:spcBef>
+                <a:spcPts val="0"/>
+              </a:spcBef>
+              <a:buNone/>
+            </a:pPr>
+            <a:r>
+              <a:rPr lang="en-US" sz="1800" dirty="0">
+                <a:latin typeface="Calibri" panose="020F0502020204030204" pitchFamily="34" charset="0"/>
+                <a:cs typeface="Calibri" panose="020F0502020204030204" pitchFamily="34" charset="0"/>
+              </a:rPr>
+              <a:t>Colorectal cancer deaths </a:t>
+            </a:r>
+          </a:p>
+          <a:p>
+            <a:pPr marL="457200" lvl="1" indent="0">
+              <a:spcBef>
+                <a:spcPts val="0"/>
+              </a:spcBef>
+              <a:buNone/>
+            </a:pPr>
+            <a:r>
+              <a:rPr lang="en-US" sz="1800" dirty="0">
+                <a:latin typeface="Calibri" panose="020F0502020204030204" pitchFamily="34" charset="0"/>
+                <a:cs typeface="Calibri" panose="020F0502020204030204" pitchFamily="34" charset="0"/>
+              </a:rPr>
+              <a:t>Deaths from suicide, alcohol, and drug use</a:t>
+            </a:r>
+          </a:p>
+          <a:p>
+            <a:pPr marL="457200" lvl="1" indent="0">
+              <a:spcBef>
+                <a:spcPts val="0"/>
+              </a:spcBef>
+              <a:buNone/>
+            </a:pPr>
+            <a:r>
+              <a:rPr lang="en-US" sz="1800" dirty="0">
+                <a:latin typeface="Calibri" panose="020F0502020204030204" pitchFamily="34" charset="0"/>
+                <a:cs typeface="Calibri" panose="020F0502020204030204" pitchFamily="34" charset="0"/>
+              </a:rPr>
+              <a:t>Adults who report fair/poor health </a:t>
+            </a:r>
+          </a:p>
+          <a:p>
+            <a:pPr marL="457200" lvl="1" indent="0">
+              <a:spcBef>
+                <a:spcPts val="0"/>
+              </a:spcBef>
+              <a:buNone/>
+            </a:pPr>
+            <a:r>
+              <a:rPr lang="en-US" sz="1800" dirty="0">
+                <a:latin typeface="Calibri" panose="020F0502020204030204" pitchFamily="34" charset="0"/>
+                <a:cs typeface="Calibri" panose="020F0502020204030204" pitchFamily="34" charset="0"/>
+              </a:rPr>
+              <a:t>Adults who smoke</a:t>
+            </a:r>
+          </a:p>
+          <a:p>
+            <a:endParaRPr lang="en-US" dirty="0">
+              <a:latin typeface="Calibri" panose="020F0502020204030204" pitchFamily="34" charset="0"/>
+              <a:cs typeface="Calibri" panose="020F0502020204030204" pitchFamily="34" charset="0"/>
+            </a:endParaRPr>
+          </a:p>
+          <a:p>
+            <a:r>
+              <a:rPr lang="en-US" b="1" dirty="0">
+                <a:latin typeface="Calibri" panose="020F0502020204030204" pitchFamily="34" charset="0"/>
+                <a:cs typeface="Calibri" panose="020F0502020204030204" pitchFamily="34" charset="0"/>
+              </a:rPr>
+              <a:t>Disparity</a:t>
+            </a:r>
+          </a:p>
+          <a:p>
+            <a:pPr marL="457200" lvl="1" indent="0">
+              <a:spcBef>
+                <a:spcPts val="0"/>
+              </a:spcBef>
+              <a:buNone/>
+            </a:pPr>
+            <a:r>
+              <a:rPr lang="en-US" sz="1800" dirty="0">
+                <a:latin typeface="Calibri" panose="020F0502020204030204" pitchFamily="34" charset="0"/>
+                <a:cs typeface="Calibri" panose="020F0502020204030204" pitchFamily="34" charset="0"/>
+              </a:rPr>
+              <a:t>Adults ages 19–64 uninsured </a:t>
+            </a:r>
+          </a:p>
+          <a:p>
+            <a:pPr marL="457200" lvl="1" indent="0">
+              <a:spcBef>
+                <a:spcPts val="0"/>
+              </a:spcBef>
+              <a:buNone/>
+            </a:pPr>
+            <a:r>
+              <a:rPr lang="en-US" sz="1800" dirty="0">
+                <a:latin typeface="Calibri" panose="020F0502020204030204" pitchFamily="34" charset="0"/>
+                <a:cs typeface="Calibri" panose="020F0502020204030204" pitchFamily="34" charset="0"/>
+              </a:rPr>
+              <a:t>Adults without a usual source of care </a:t>
+            </a:r>
+          </a:p>
+          <a:p>
+            <a:pPr marL="457200" lvl="1" indent="0">
+              <a:spcBef>
+                <a:spcPts val="0"/>
+              </a:spcBef>
+              <a:buNone/>
+            </a:pPr>
+            <a:r>
+              <a:rPr lang="en-US" sz="1800" dirty="0">
+                <a:latin typeface="Calibri" panose="020F0502020204030204" pitchFamily="34" charset="0"/>
+                <a:cs typeface="Calibri" panose="020F0502020204030204" pitchFamily="34" charset="0"/>
+              </a:rPr>
+              <a:t>Adults who went without care because of cost </a:t>
+            </a:r>
+          </a:p>
+          <a:p>
+            <a:endParaRPr lang="en-US" dirty="0"/>
+          </a:p>
+          <a:p>
+            <a:pPr marL="0" indent="0">
+              <a:buFont typeface="Wingdings 3" charset="2"/>
+              <a:buNone/>
+            </a:pPr>
+            <a:endParaRPr lang="en-US" dirty="0">
+              <a:latin typeface="Calibri" panose="020F0502020204030204" pitchFamily="34" charset="0"/>
+              <a:cs typeface="Calibri" panose="020F0502020204030204" pitchFamily="34" charset="0"/>
+            </a:endParaRPr>
+          </a:p>
+        </p:txBody>
+      </p:sp>
+      <p:sp>
+        <p:nvSpPr>
+          <p:cNvPr id="10" name="Content Placeholder 2">
             <a:extLst>
               <a:ext uri="{FF2B5EF4-FFF2-40B4-BE49-F238E27FC236}">
-                <a16:creationId xmlns:a16="http://schemas.microsoft.com/office/drawing/2014/main" id="{291C6CC5-F547-447B-9E33-96C35F34E82E}"/>
+                <a16:creationId xmlns:a16="http://schemas.microsoft.com/office/drawing/2014/main" id="{F5CDF98A-0FD4-4C0D-A18D-9BFC5EE5FB8D}"/>
               </a:ext>
             </a:extLst>
           </p:cNvPr>
-          <p:cNvPicPr>
-            <a:picLocks noChangeAspect="1"/>
-          </p:cNvPicPr>
+          <p:cNvSpPr txBox="1">
+            <a:spLocks/>
+          </p:cNvSpPr>
           <p:nvPr/>
-        </p:nvPicPr>
-        <p:blipFill>
-          <a:blip r:embed="rId3"/>
-          <a:stretch>
-            <a:fillRect/>
-          </a:stretch>
-        </p:blipFill>
+        </p:nvSpPr>
         <p:spPr>
           <a:xfrm>
-            <a:off x="499872" y="1071642"/>
-            <a:ext cx="5267435" cy="4002004"/>
+            <a:off x="3579130" y="5077968"/>
+            <a:ext cx="5786680" cy="1780032"/>
           </a:xfrm>
           <a:prstGeom prst="rect">
             <a:avLst/>
           </a:prstGeom>
         </p:spPr>
-      </p:pic>
+        <p:txBody>
+          <a:bodyPr vert="horz" lIns="91440" tIns="45720" rIns="91440" bIns="45720" rtlCol="0">
+            <a:normAutofit/>
+          </a:bodyPr>
+          <a:lstStyle>
+            <a:lvl1pPr marL="342900" indent="-342900" algn="l" defTabSz="457200" rtl="0" eaLnBrk="1" latinLnBrk="0" hangingPunct="1">
+              <a:spcBef>
+                <a:spcPts val="1000"/>
+              </a:spcBef>
+              <a:spcAft>
+                <a:spcPts val="0"/>
+              </a:spcAft>
+              <a:buClr>
+                <a:schemeClr val="accent1"/>
+              </a:buClr>
+              <a:buSzPct val="80000"/>
+              <a:buFont typeface="Wingdings 3" charset="2"/>
+              <a:buChar char=""/>
+              <a:defRPr sz="1800" kern="1200">
+                <a:solidFill>
+                  <a:schemeClr val="tx1">
+                    <a:lumMod val="75000"/>
+                    <a:lumOff val="25000"/>
+                  </a:schemeClr>
+                </a:solidFill>
+                <a:latin typeface="+mn-lt"/>
+                <a:ea typeface="+mn-ea"/>
+                <a:cs typeface="+mn-cs"/>
+              </a:defRPr>
+            </a:lvl1pPr>
+            <a:lvl2pPr marL="742950" indent="-285750" algn="l" defTabSz="457200" rtl="0" eaLnBrk="1" latinLnBrk="0" hangingPunct="1">
+              <a:spcBef>
+                <a:spcPts val="1000"/>
+              </a:spcBef>
+              <a:spcAft>
+                <a:spcPts val="0"/>
+              </a:spcAft>
+              <a:buClr>
+                <a:schemeClr val="accent1"/>
+              </a:buClr>
+              <a:buSzPct val="80000"/>
+              <a:buFont typeface="Wingdings 3" charset="2"/>
+              <a:buChar char=""/>
+              <a:defRPr sz="1600" kern="1200">
+                <a:solidFill>
+                  <a:schemeClr val="tx1">
+                    <a:lumMod val="75000"/>
+                    <a:lumOff val="25000"/>
+                  </a:schemeClr>
+                </a:solidFill>
+                <a:latin typeface="+mn-lt"/>
+                <a:ea typeface="+mn-ea"/>
+                <a:cs typeface="+mn-cs"/>
+              </a:defRPr>
+            </a:lvl2pPr>
+            <a:lvl3pPr marL="1143000" indent="-228600" algn="l" defTabSz="457200" rtl="0" eaLnBrk="1" latinLnBrk="0" hangingPunct="1">
+              <a:spcBef>
+                <a:spcPts val="1000"/>
+              </a:spcBef>
+              <a:spcAft>
+                <a:spcPts val="0"/>
+              </a:spcAft>
+              <a:buClr>
+                <a:schemeClr val="accent1"/>
+              </a:buClr>
+              <a:buSzPct val="80000"/>
+              <a:buFont typeface="Wingdings 3" charset="2"/>
+              <a:buChar char=""/>
+              <a:defRPr sz="1400" kern="1200">
+                <a:solidFill>
+                  <a:schemeClr val="tx1">
+                    <a:lumMod val="75000"/>
+                    <a:lumOff val="25000"/>
+                  </a:schemeClr>
+                </a:solidFill>
+                <a:latin typeface="+mn-lt"/>
+                <a:ea typeface="+mn-ea"/>
+                <a:cs typeface="+mn-cs"/>
+              </a:defRPr>
+            </a:lvl3pPr>
+            <a:lvl4pPr marL="1600200" indent="-228600" algn="l" defTabSz="457200" rtl="0" eaLnBrk="1" latinLnBrk="0" hangingPunct="1">
+              <a:spcBef>
+                <a:spcPts val="1000"/>
+              </a:spcBef>
+              <a:spcAft>
+                <a:spcPts val="0"/>
+              </a:spcAft>
+              <a:buClr>
+                <a:schemeClr val="accent1"/>
+              </a:buClr>
+              <a:buSzPct val="80000"/>
+              <a:buFont typeface="Wingdings 3" charset="2"/>
+              <a:buChar char=""/>
+              <a:defRPr sz="1200" kern="1200">
+                <a:solidFill>
+                  <a:schemeClr val="tx1">
+                    <a:lumMod val="75000"/>
+                    <a:lumOff val="25000"/>
+                  </a:schemeClr>
+                </a:solidFill>
+                <a:latin typeface="+mn-lt"/>
+                <a:ea typeface="+mn-ea"/>
+                <a:cs typeface="+mn-cs"/>
+              </a:defRPr>
+            </a:lvl4pPr>
+            <a:lvl5pPr marL="2057400" indent="-228600" algn="l" defTabSz="457200" rtl="0" eaLnBrk="1" latinLnBrk="0" hangingPunct="1">
+              <a:spcBef>
+                <a:spcPts val="1000"/>
+              </a:spcBef>
+              <a:spcAft>
+                <a:spcPts val="0"/>
+              </a:spcAft>
+              <a:buClr>
+                <a:schemeClr val="accent1"/>
+              </a:buClr>
+              <a:buSzPct val="80000"/>
+              <a:buFont typeface="Wingdings 3" charset="2"/>
+              <a:buChar char=""/>
+              <a:defRPr sz="1200" kern="1200">
+                <a:solidFill>
+                  <a:schemeClr val="tx1">
+                    <a:lumMod val="75000"/>
+                    <a:lumOff val="25000"/>
+                  </a:schemeClr>
+                </a:solidFill>
+                <a:latin typeface="+mn-lt"/>
+                <a:ea typeface="+mn-ea"/>
+                <a:cs typeface="+mn-cs"/>
+              </a:defRPr>
+            </a:lvl5pPr>
+            <a:lvl6pPr marL="2514600" indent="-228600" algn="l" defTabSz="457200" rtl="0" eaLnBrk="1" latinLnBrk="0" hangingPunct="1">
+              <a:spcBef>
+                <a:spcPts val="1000"/>
+              </a:spcBef>
+              <a:spcAft>
+                <a:spcPts val="0"/>
+              </a:spcAft>
+              <a:buClr>
+                <a:schemeClr val="accent1"/>
+              </a:buClr>
+              <a:buSzPct val="80000"/>
+              <a:buFont typeface="Wingdings 3" charset="2"/>
+              <a:buChar char=""/>
+              <a:defRPr sz="1200" kern="1200">
+                <a:solidFill>
+                  <a:schemeClr val="tx1">
+                    <a:lumMod val="75000"/>
+                    <a:lumOff val="25000"/>
+                  </a:schemeClr>
+                </a:solidFill>
+                <a:latin typeface="+mn-lt"/>
+                <a:ea typeface="+mn-ea"/>
+                <a:cs typeface="+mn-cs"/>
+              </a:defRPr>
+            </a:lvl6pPr>
+            <a:lvl7pPr marL="2971800" indent="-228600" algn="l" defTabSz="457200" rtl="0" eaLnBrk="1" latinLnBrk="0" hangingPunct="1">
+              <a:spcBef>
+                <a:spcPts val="1000"/>
+              </a:spcBef>
+              <a:spcAft>
+                <a:spcPts val="0"/>
+              </a:spcAft>
+              <a:buClr>
+                <a:schemeClr val="accent1"/>
+              </a:buClr>
+              <a:buSzPct val="80000"/>
+              <a:buFont typeface="Wingdings 3" charset="2"/>
+              <a:buChar char=""/>
+              <a:defRPr sz="1200" kern="1200">
+                <a:solidFill>
+                  <a:schemeClr val="tx1">
+                    <a:lumMod val="75000"/>
+                    <a:lumOff val="25000"/>
+                  </a:schemeClr>
+                </a:solidFill>
+                <a:latin typeface="+mn-lt"/>
+                <a:ea typeface="+mn-ea"/>
+                <a:cs typeface="+mn-cs"/>
+              </a:defRPr>
+            </a:lvl7pPr>
+            <a:lvl8pPr marL="3429000" indent="-228600" algn="l" defTabSz="457200" rtl="0" eaLnBrk="1" latinLnBrk="0" hangingPunct="1">
+              <a:spcBef>
+                <a:spcPts val="1000"/>
+              </a:spcBef>
+              <a:spcAft>
+                <a:spcPts val="0"/>
+              </a:spcAft>
+              <a:buClr>
+                <a:schemeClr val="accent1"/>
+              </a:buClr>
+              <a:buSzPct val="80000"/>
+              <a:buFont typeface="Wingdings 3" charset="2"/>
+              <a:buChar char=""/>
+              <a:defRPr sz="1200" kern="1200">
+                <a:solidFill>
+                  <a:schemeClr val="tx1">
+                    <a:lumMod val="75000"/>
+                    <a:lumOff val="25000"/>
+                  </a:schemeClr>
+                </a:solidFill>
+                <a:latin typeface="+mn-lt"/>
+                <a:ea typeface="+mn-ea"/>
+                <a:cs typeface="+mn-cs"/>
+              </a:defRPr>
+            </a:lvl8pPr>
+            <a:lvl9pPr marL="3886200" indent="-228600" algn="l" defTabSz="457200" rtl="0" eaLnBrk="1" latinLnBrk="0" hangingPunct="1">
+              <a:spcBef>
+                <a:spcPts val="1000"/>
+              </a:spcBef>
+              <a:spcAft>
+                <a:spcPts val="0"/>
+              </a:spcAft>
+              <a:buClr>
+                <a:schemeClr val="accent1"/>
+              </a:buClr>
+              <a:buSzPct val="80000"/>
+              <a:buFont typeface="Wingdings 3" charset="2"/>
+              <a:buChar char=""/>
+              <a:defRPr sz="1200" kern="1200">
+                <a:solidFill>
+                  <a:schemeClr val="tx1">
+                    <a:lumMod val="75000"/>
+                    <a:lumOff val="25000"/>
+                  </a:schemeClr>
+                </a:solidFill>
+                <a:latin typeface="+mn-lt"/>
+                <a:ea typeface="+mn-ea"/>
+                <a:cs typeface="+mn-cs"/>
+              </a:defRPr>
+            </a:lvl9pPr>
+          </a:lstStyle>
+          <a:p>
+            <a:r>
+              <a:rPr lang="en-US" b="1" dirty="0">
+                <a:latin typeface="Calibri" panose="020F0502020204030204" pitchFamily="34" charset="0"/>
+                <a:cs typeface="Calibri" panose="020F0502020204030204" pitchFamily="34" charset="0"/>
+              </a:rPr>
+              <a:t>Avoidable Hospital Use and Cost</a:t>
+            </a:r>
+          </a:p>
+          <a:p>
+            <a:pPr marL="457200" lvl="1" indent="0">
+              <a:spcBef>
+                <a:spcPts val="0"/>
+              </a:spcBef>
+              <a:buNone/>
+            </a:pPr>
+            <a:r>
+              <a:rPr lang="en-US" sz="1800" dirty="0">
+                <a:latin typeface="Calibri" panose="020F0502020204030204" pitchFamily="34" charset="0"/>
+                <a:cs typeface="Calibri" panose="020F0502020204030204" pitchFamily="34" charset="0"/>
+              </a:rPr>
+              <a:t>admissions for ambulatory care–sensitive conditions</a:t>
+            </a:r>
+          </a:p>
+          <a:p>
+            <a:pPr marL="457200" lvl="1" indent="0">
+              <a:spcBef>
+                <a:spcPts val="0"/>
+              </a:spcBef>
+              <a:buNone/>
+            </a:pPr>
+            <a:r>
+              <a:rPr lang="en-US" sz="1800" dirty="0">
+                <a:latin typeface="Calibri" panose="020F0502020204030204" pitchFamily="34" charset="0"/>
+                <a:cs typeface="Calibri" panose="020F0502020204030204" pitchFamily="34" charset="0"/>
+              </a:rPr>
+              <a:t>30-day hospital readmissions</a:t>
+            </a:r>
+          </a:p>
+          <a:p>
+            <a:pPr marL="457200" lvl="1" indent="0">
+              <a:spcBef>
+                <a:spcPts val="0"/>
+              </a:spcBef>
+              <a:buNone/>
+            </a:pPr>
+            <a:r>
+              <a:rPr lang="en-US" sz="1800" dirty="0">
+                <a:latin typeface="Calibri" panose="020F0502020204030204" pitchFamily="34" charset="0"/>
+                <a:cs typeface="Calibri" panose="020F0502020204030204" pitchFamily="34" charset="0"/>
+              </a:rPr>
+              <a:t>30-day hospital readmissions</a:t>
+            </a:r>
+          </a:p>
+          <a:p>
+            <a:pPr marL="457200" lvl="1" indent="0">
+              <a:buFont typeface="Wingdings 3" charset="2"/>
+              <a:buNone/>
+            </a:pPr>
+            <a:endParaRPr lang="en-US" b="1" dirty="0"/>
+          </a:p>
+          <a:p>
+            <a:endParaRPr lang="en-US" dirty="0">
+              <a:latin typeface="Calibri" panose="020F0502020204030204" pitchFamily="34" charset="0"/>
+              <a:cs typeface="Calibri" panose="020F0502020204030204" pitchFamily="34" charset="0"/>
+            </a:endParaRPr>
+          </a:p>
+          <a:p>
+            <a:pPr marL="0" indent="0">
+              <a:buFont typeface="Wingdings 3" charset="2"/>
+              <a:buNone/>
+            </a:pPr>
+            <a:endParaRPr lang="en-US" dirty="0">
+              <a:latin typeface="Calibri" panose="020F0502020204030204" pitchFamily="34" charset="0"/>
+              <a:cs typeface="Calibri" panose="020F0502020204030204" pitchFamily="34" charset="0"/>
+            </a:endParaRPr>
+          </a:p>
+        </p:txBody>
+      </p:sp>
     </p:spTree>
     <p:extLst>
       <p:ext uri="{BB962C8B-B14F-4D97-AF65-F5344CB8AC3E}">
-        <p14:creationId xmlns:p14="http://schemas.microsoft.com/office/powerpoint/2010/main" val="440680151"/>
+        <p14:creationId xmlns:p14="http://schemas.microsoft.com/office/powerpoint/2010/main" val="1403823028"/>
       </p:ext>
     </p:extLst>
   </p:cSld>
@@ -7525,18 +7982,18 @@
         </p:nvSpPr>
         <p:spPr>
           <a:xfrm>
-            <a:off x="677334" y="1222744"/>
-            <a:ext cx="10463106" cy="4918976"/>
+            <a:off x="1606974" y="1527544"/>
+            <a:ext cx="8649546" cy="4187456"/>
           </a:xfrm>
         </p:spPr>
         <p:txBody>
           <a:bodyPr>
-            <a:normAutofit fontScale="77500" lnSpcReduction="20000"/>
+            <a:normAutofit fontScale="70000" lnSpcReduction="20000"/>
           </a:bodyPr>
           <a:lstStyle/>
           <a:p>
             <a:r>
-              <a:rPr lang="en-US" sz="3300" dirty="0">
+              <a:rPr lang="en-US" sz="3400" dirty="0">
                 <a:latin typeface="Calibri" panose="020F0502020204030204" pitchFamily="34" charset="0"/>
                 <a:cs typeface="Calibri" panose="020F0502020204030204" pitchFamily="34" charset="0"/>
               </a:rPr>
@@ -7545,7 +8002,7 @@
           </a:p>
           <a:p>
             <a:r>
-              <a:rPr lang="en-US" sz="3300" dirty="0">
+              <a:rPr lang="en-US" sz="3400" dirty="0">
                 <a:latin typeface="Calibri" panose="020F0502020204030204" pitchFamily="34" charset="0"/>
                 <a:cs typeface="Calibri" panose="020F0502020204030204" pitchFamily="34" charset="0"/>
               </a:rPr>
@@ -7554,7 +8011,7 @@
           </a:p>
           <a:p>
             <a:r>
-              <a:rPr lang="en-US" sz="3300" dirty="0">
+              <a:rPr lang="en-US" sz="3400" dirty="0">
                 <a:latin typeface="Calibri" panose="020F0502020204030204" pitchFamily="34" charset="0"/>
                 <a:cs typeface="Calibri" panose="020F0502020204030204" pitchFamily="34" charset="0"/>
               </a:rPr>
@@ -7563,7 +8020,7 @@
           </a:p>
           <a:p>
             <a:r>
-              <a:rPr lang="en-US" sz="3300" dirty="0">
+              <a:rPr lang="en-US" sz="3400" dirty="0">
                 <a:latin typeface="Calibri" panose="020F0502020204030204" pitchFamily="34" charset="0"/>
                 <a:cs typeface="Calibri" panose="020F0502020204030204" pitchFamily="34" charset="0"/>
               </a:rPr>
@@ -7575,7 +8032,7 @@
               <a:buNone/>
             </a:pPr>
             <a:r>
-              <a:rPr lang="en-US" sz="3300" dirty="0">
+              <a:rPr lang="en-US" sz="3400" dirty="0">
                 <a:latin typeface="Calibri" panose="020F0502020204030204" pitchFamily="34" charset="0"/>
                 <a:cs typeface="Calibri" panose="020F0502020204030204" pitchFamily="34" charset="0"/>
               </a:rPr>
@@ -7587,7 +8044,7 @@
               <a:buNone/>
             </a:pPr>
             <a:r>
-              <a:rPr lang="en-US" sz="3300" dirty="0">
+              <a:rPr lang="en-US" sz="3400" dirty="0">
                 <a:latin typeface="Calibri" panose="020F0502020204030204" pitchFamily="34" charset="0"/>
                 <a:cs typeface="Calibri" panose="020F0502020204030204" pitchFamily="34" charset="0"/>
               </a:rPr>
@@ -7599,7 +8056,7 @@
               <a:buNone/>
             </a:pPr>
             <a:r>
-              <a:rPr lang="en-US" sz="3300" dirty="0">
+              <a:rPr lang="en-US" sz="3400" dirty="0">
                 <a:latin typeface="Calibri" panose="020F0502020204030204" pitchFamily="34" charset="0"/>
                 <a:cs typeface="Calibri" panose="020F0502020204030204" pitchFamily="34" charset="0"/>
               </a:rPr>
@@ -7611,47 +8068,12 @@
               <a:buNone/>
             </a:pPr>
             <a:r>
-              <a:rPr lang="en-US" sz="3300" dirty="0">
+              <a:rPr lang="en-US" sz="3400" dirty="0">
                 <a:latin typeface="Calibri" panose="020F0502020204030204" pitchFamily="34" charset="0"/>
                 <a:cs typeface="Calibri" panose="020F0502020204030204" pitchFamily="34" charset="0"/>
               </a:rPr>
-              <a:t>Medicare spending per </a:t>
-            </a:r>
-            <a:r>
-              <a:rPr lang="en-US" sz="3600" dirty="0">
-                <a:latin typeface="Calibri" panose="020F0502020204030204" pitchFamily="34" charset="0"/>
-                <a:cs typeface="Calibri" panose="020F0502020204030204" pitchFamily="34" charset="0"/>
-              </a:rPr>
-              <a:t>patient</a:t>
-            </a:r>
-            <a:r>
-              <a:rPr lang="en-US" sz="3300" dirty="0">
-                <a:latin typeface="Calibri" panose="020F0502020204030204" pitchFamily="34" charset="0"/>
-                <a:cs typeface="Calibri" panose="020F0502020204030204" pitchFamily="34" charset="0"/>
-              </a:rPr>
-              <a:t> per p</a:t>
-            </a:r>
-            <a:r>
-              <a:rPr lang="en-US" sz="3600" dirty="0">
-                <a:latin typeface="Calibri" panose="020F0502020204030204" pitchFamily="34" charset="0"/>
-                <a:cs typeface="Calibri" panose="020F0502020204030204" pitchFamily="34" charset="0"/>
-              </a:rPr>
-              <a:t>atient</a:t>
-            </a:r>
-            <a:endParaRPr lang="en-US" sz="3300" dirty="0">
-              <a:latin typeface="Calibri" panose="020F0502020204030204" pitchFamily="34" charset="0"/>
-              <a:cs typeface="Calibri" panose="020F0502020204030204" pitchFamily="34" charset="0"/>
-            </a:endParaRPr>
-          </a:p>
-          <a:p>
-            <a:pPr lvl="1"/>
-            <a:endParaRPr lang="en-US" dirty="0">
-              <a:latin typeface="Calibri" panose="020F0502020204030204" pitchFamily="34" charset="0"/>
-              <a:cs typeface="Calibri" panose="020F0502020204030204" pitchFamily="34" charset="0"/>
-            </a:endParaRPr>
-          </a:p>
-          <a:p>
-            <a:pPr lvl="1"/>
+              <a:t>Medicare spending per patient per patient</a:t>
+            </a:r>
             <a:endParaRPr lang="en-US" dirty="0">
               <a:latin typeface="Calibri" panose="020F0502020204030204" pitchFamily="34" charset="0"/>
               <a:cs typeface="Calibri" panose="020F0502020204030204" pitchFamily="34" charset="0"/>
@@ -7729,7 +8151,7 @@
         </p:nvSpPr>
         <p:spPr>
           <a:xfrm>
-            <a:off x="2000422" y="45298"/>
+            <a:off x="2396662" y="234777"/>
             <a:ext cx="6245126" cy="660400"/>
           </a:xfrm>
         </p:spPr>
@@ -7778,7 +8200,7 @@
         </p:nvSpPr>
         <p:spPr>
           <a:xfrm>
-            <a:off x="6964325" y="1775530"/>
+            <a:off x="7360564" y="1867092"/>
             <a:ext cx="2562447" cy="474399"/>
           </a:xfrm>
         </p:spPr>
@@ -7793,12 +8215,18 @@
             </a:pPr>
             <a:r>
               <a:rPr lang="en-US" sz="2400" b="1" dirty="0">
+                <a:solidFill>
+                  <a:schemeClr val="accent1"/>
+                </a:solidFill>
                 <a:latin typeface="Calibri" panose="020F0502020204030204" pitchFamily="34" charset="0"/>
                 <a:cs typeface="Calibri" panose="020F0502020204030204" pitchFamily="34" charset="0"/>
               </a:rPr>
               <a:t>Areas to compare:</a:t>
             </a:r>
             <a:endParaRPr lang="en-US" sz="2400" dirty="0">
+              <a:solidFill>
+                <a:schemeClr val="accent1"/>
+              </a:solidFill>
               <a:latin typeface="Calibri" panose="020F0502020204030204" pitchFamily="34" charset="0"/>
               <a:cs typeface="Calibri" panose="020F0502020204030204" pitchFamily="34" charset="0"/>
             </a:endParaRPr>
@@ -7907,7 +8335,7 @@
         </p:nvSpPr>
         <p:spPr>
           <a:xfrm>
-            <a:off x="6429619" y="2255915"/>
+            <a:off x="6429619" y="2341491"/>
             <a:ext cx="4745271" cy="4759787"/>
           </a:xfrm>
           <a:prstGeom prst="rect">
@@ -8146,8 +8574,13 @@
             </a:lvl9pPr>
           </a:lstStyle>
           <a:p>
-            <a:r>
-              <a:rPr lang="en-US" sz="2000" dirty="0">
+            <a:pPr>
+              <a:spcBef>
+                <a:spcPts val="0"/>
+              </a:spcBef>
+            </a:pPr>
+            <a:r>
+              <a:rPr lang="en-US" sz="2000" b="1" dirty="0">
                 <a:latin typeface="Calibri" panose="020F0502020204030204" pitchFamily="34" charset="0"/>
                 <a:cs typeface="Calibri" panose="020F0502020204030204" pitchFamily="34" charset="0"/>
               </a:rPr>
@@ -8156,6 +8589,9 @@
           </a:p>
           <a:p>
             <a:pPr marL="457200" lvl="1" indent="0">
+              <a:spcBef>
+                <a:spcPts val="0"/>
+              </a:spcBef>
               <a:buNone/>
             </a:pPr>
             <a:r>
@@ -8168,6 +8604,9 @@
           </a:p>
           <a:p>
             <a:pPr marL="457200" lvl="1" indent="0">
+              <a:spcBef>
+                <a:spcPts val="0"/>
+              </a:spcBef>
               <a:buNone/>
             </a:pPr>
             <a:r>
@@ -8180,6 +8619,9 @@
           </a:p>
           <a:p>
             <a:pPr marL="457200" lvl="1" indent="0">
+              <a:spcBef>
+                <a:spcPts val="0"/>
+              </a:spcBef>
               <a:buNone/>
             </a:pPr>
             <a:r>
@@ -8192,6 +8634,9 @@
           </a:p>
           <a:p>
             <a:pPr marL="457200" lvl="1" indent="0">
+              <a:spcBef>
+                <a:spcPts val="0"/>
+              </a:spcBef>
               <a:buNone/>
             </a:pPr>
             <a:r>
@@ -8204,6 +8649,9 @@
           </a:p>
           <a:p>
             <a:pPr marL="457200" lvl="1" indent="0">
+              <a:spcBef>
+                <a:spcPts val="0"/>
+              </a:spcBef>
               <a:buNone/>
             </a:pPr>
             <a:r>
@@ -8216,6 +8664,9 @@
           </a:p>
           <a:p>
             <a:pPr marL="457200" lvl="1" indent="0">
+              <a:spcBef>
+                <a:spcPts val="0"/>
+              </a:spcBef>
               <a:buNone/>
             </a:pPr>
             <a:r>
@@ -8244,7 +8695,7 @@
         </p:nvSpPr>
         <p:spPr>
           <a:xfrm>
-            <a:off x="1118781" y="1705043"/>
+            <a:off x="1911261" y="1868691"/>
             <a:ext cx="2057204" cy="474399"/>
           </a:xfrm>
           <a:prstGeom prst="rect">
@@ -8489,12 +8940,18 @@
             </a:pPr>
             <a:r>
               <a:rPr lang="en-US" sz="2400" b="1" dirty="0">
+                <a:solidFill>
+                  <a:schemeClr val="accent1"/>
+                </a:solidFill>
                 <a:latin typeface="Calibri" panose="020F0502020204030204" pitchFamily="34" charset="0"/>
                 <a:cs typeface="Calibri" panose="020F0502020204030204" pitchFamily="34" charset="0"/>
               </a:rPr>
               <a:t>Our Process:</a:t>
             </a:r>
             <a:endParaRPr lang="en-US" sz="2400" dirty="0">
+              <a:solidFill>
+                <a:schemeClr val="accent1"/>
+              </a:solidFill>
               <a:latin typeface="Calibri" panose="020F0502020204030204" pitchFamily="34" charset="0"/>
               <a:cs typeface="Calibri" panose="020F0502020204030204" pitchFamily="34" charset="0"/>
             </a:endParaRPr>
@@ -8548,7 +9005,7 @@
         </p:nvSpPr>
         <p:spPr>
           <a:xfrm>
-            <a:off x="539111" y="2255299"/>
+            <a:off x="934421" y="2341491"/>
             <a:ext cx="4745271" cy="4759787"/>
           </a:xfrm>
           <a:prstGeom prst="rect">
@@ -8788,7 +9245,7 @@
           </a:lstStyle>
           <a:p>
             <a:r>
-              <a:rPr lang="en-US" sz="6400" dirty="0">
+              <a:rPr lang="en-US" sz="6400" b="1" dirty="0">
                 <a:latin typeface="Calibri" panose="020F0502020204030204" pitchFamily="34" charset="0"/>
                 <a:cs typeface="Calibri" panose="020F0502020204030204" pitchFamily="34" charset="0"/>
               </a:rPr>
@@ -8797,6 +9254,12 @@
           </a:p>
           <a:p>
             <a:pPr marL="457200" lvl="1" indent="0">
+              <a:lnSpc>
+                <a:spcPct val="120000"/>
+              </a:lnSpc>
+              <a:spcBef>
+                <a:spcPts val="0"/>
+              </a:spcBef>
               <a:buFont typeface="Wingdings 3" charset="2"/>
               <a:buNone/>
             </a:pPr>
@@ -8810,6 +9273,12 @@
           </a:p>
           <a:p>
             <a:pPr marL="457200" lvl="1" indent="0">
+              <a:lnSpc>
+                <a:spcPct val="120000"/>
+              </a:lnSpc>
+              <a:spcBef>
+                <a:spcPts val="0"/>
+              </a:spcBef>
               <a:buFont typeface="Wingdings 3" charset="2"/>
               <a:buNone/>
             </a:pPr>
@@ -8830,11 +9299,18 @@
           </a:p>
           <a:p>
             <a:r>
+              <a:rPr lang="en-US" sz="6400" b="1" dirty="0">
+                <a:latin typeface="Calibri" panose="020F0502020204030204" pitchFamily="34" charset="0"/>
+                <a:cs typeface="Calibri" panose="020F0502020204030204" pitchFamily="34" charset="0"/>
+              </a:rPr>
+              <a:t>Data Cleanup</a:t>
+            </a:r>
+            <a:r>
               <a:rPr lang="en-US" sz="6400" dirty="0">
                 <a:latin typeface="Calibri" panose="020F0502020204030204" pitchFamily="34" charset="0"/>
                 <a:cs typeface="Calibri" panose="020F0502020204030204" pitchFamily="34" charset="0"/>
               </a:rPr>
-              <a:t>Data Cleanup:</a:t>
+              <a:t>:</a:t>
             </a:r>
           </a:p>
           <a:p>
@@ -8862,22 +9338,21 @@
           </a:p>
           <a:p>
             <a:r>
-              <a:rPr lang="en-US" sz="6400" dirty="0" err="1">
+              <a:rPr lang="en-US" sz="6400" b="1" dirty="0">
                 <a:latin typeface="Calibri" panose="020F0502020204030204" pitchFamily="34" charset="0"/>
                 <a:cs typeface="Calibri" panose="020F0502020204030204" pitchFamily="34" charset="0"/>
               </a:rPr>
-              <a:t>Jupyter</a:t>
-            </a:r>
-            <a:r>
-              <a:rPr lang="en-US" sz="6400" dirty="0">
-                <a:latin typeface="Calibri" panose="020F0502020204030204" pitchFamily="34" charset="0"/>
-                <a:cs typeface="Calibri" panose="020F0502020204030204" pitchFamily="34" charset="0"/>
-              </a:rPr>
-              <a:t> notebook:</a:t>
+              <a:t>Jupyter notebook:</a:t>
             </a:r>
           </a:p>
           <a:p>
             <a:pPr marL="457200" lvl="1" indent="0">
+              <a:lnSpc>
+                <a:spcPct val="120000"/>
+              </a:lnSpc>
+              <a:spcBef>
+                <a:spcPts val="0"/>
+              </a:spcBef>
               <a:buFont typeface="Wingdings 3" charset="2"/>
               <a:buNone/>
             </a:pPr>
@@ -8891,6 +9366,12 @@
           </a:p>
           <a:p>
             <a:pPr marL="457200" lvl="1" indent="0">
+              <a:lnSpc>
+                <a:spcPct val="120000"/>
+              </a:lnSpc>
+              <a:spcBef>
+                <a:spcPts val="0"/>
+              </a:spcBef>
               <a:buFont typeface="Wingdings 3" charset="2"/>
               <a:buNone/>
             </a:pPr>
@@ -8904,6 +9385,12 @@
           </a:p>
           <a:p>
             <a:pPr marL="457200" lvl="1" indent="0">
+              <a:lnSpc>
+                <a:spcPct val="120000"/>
+              </a:lnSpc>
+              <a:spcBef>
+                <a:spcPts val="0"/>
+              </a:spcBef>
               <a:buFont typeface="Wingdings 3" charset="2"/>
               <a:buNone/>
             </a:pPr>
@@ -8912,11 +9399,17 @@
                 <a:latin typeface="Calibri" panose="020F0502020204030204" pitchFamily="34" charset="0"/>
                 <a:cs typeface="Calibri" panose="020F0502020204030204" pitchFamily="34" charset="0"/>
               </a:rPr>
-              <a:t>Graphs – All</a:t>
+              <a:t>Graphs – Sasha, Steve, Tad</a:t>
             </a:r>
           </a:p>
           <a:p>
             <a:pPr marL="457200" lvl="1" indent="0">
+              <a:lnSpc>
+                <a:spcPct val="120000"/>
+              </a:lnSpc>
+              <a:spcBef>
+                <a:spcPts val="0"/>
+              </a:spcBef>
               <a:buFont typeface="Wingdings 3" charset="2"/>
               <a:buNone/>
             </a:pPr>
@@ -9780,8 +10273,8 @@
         </p:nvSpPr>
         <p:spPr>
           <a:xfrm>
-            <a:off x="2250639" y="981635"/>
-            <a:ext cx="7238516" cy="4585447"/>
+            <a:off x="1295400" y="981635"/>
+            <a:ext cx="8193755" cy="4585447"/>
           </a:xfrm>
         </p:spPr>
         <p:txBody>
@@ -13049,7 +13542,7 @@
         </p:blipFill>
         <p:spPr>
           <a:xfrm>
-            <a:off x="1499893" y="1400178"/>
+            <a:off x="1585360" y="1702200"/>
             <a:ext cx="7863823" cy="4167827"/>
           </a:xfrm>
           <a:prstGeom prst="rect">
@@ -13073,7 +13566,7 @@
         </p:nvSpPr>
         <p:spPr>
           <a:xfrm>
-            <a:off x="4115394" y="1177589"/>
+            <a:off x="4292552" y="1479610"/>
             <a:ext cx="3489174" cy="445179"/>
           </a:xfrm>
           <a:prstGeom prst="rect">
@@ -13378,7 +13871,7 @@
         </p:nvSpPr>
         <p:spPr>
           <a:xfrm>
-            <a:off x="2633187" y="5538636"/>
+            <a:off x="2691980" y="5678029"/>
             <a:ext cx="6488261" cy="662782"/>
           </a:xfrm>
           <a:prstGeom prst="rect">
@@ -13493,6 +13986,129 @@
               </a:rPr>
             </a:br>
             <a:endParaRPr lang="en-US" dirty="0">
+              <a:latin typeface="Calibri" panose="020F0502020204030204" pitchFamily="34" charset="0"/>
+              <a:cs typeface="Calibri" panose="020F0502020204030204" pitchFamily="34" charset="0"/>
+            </a:endParaRPr>
+          </a:p>
+        </p:txBody>
+      </p:sp>
+      <p:sp>
+        <p:nvSpPr>
+          <p:cNvPr id="39" name="Title 1">
+            <a:extLst>
+              <a:ext uri="{FF2B5EF4-FFF2-40B4-BE49-F238E27FC236}">
+                <a16:creationId xmlns:a16="http://schemas.microsoft.com/office/drawing/2014/main" id="{BE5B3B7B-2A03-480F-86EA-4E54AD2B32D1}"/>
+              </a:ext>
+            </a:extLst>
+          </p:cNvPr>
+          <p:cNvSpPr txBox="1">
+            <a:spLocks/>
+          </p:cNvSpPr>
+          <p:nvPr/>
+        </p:nvSpPr>
+        <p:spPr>
+          <a:xfrm>
+            <a:off x="3016531" y="1013223"/>
+            <a:ext cx="7356729" cy="506543"/>
+          </a:xfrm>
+          <a:prstGeom prst="rect">
+            <a:avLst/>
+          </a:prstGeom>
+        </p:spPr>
+        <p:txBody>
+          <a:bodyPr vert="horz" lIns="91440" tIns="45720" rIns="91440" bIns="45720" rtlCol="0" anchor="t">
+            <a:noAutofit/>
+          </a:bodyPr>
+          <a:lstStyle>
+            <a:lvl1pPr algn="l" defTabSz="457200" rtl="0" eaLnBrk="1" latinLnBrk="0" hangingPunct="1">
+              <a:spcBef>
+                <a:spcPct val="0"/>
+              </a:spcBef>
+              <a:buNone/>
+              <a:defRPr sz="3600" kern="1200">
+                <a:solidFill>
+                  <a:schemeClr val="accent1"/>
+                </a:solidFill>
+                <a:latin typeface="+mj-lt"/>
+                <a:ea typeface="+mj-ea"/>
+                <a:cs typeface="+mj-cs"/>
+              </a:defRPr>
+            </a:lvl1pPr>
+            <a:lvl2pPr eaLnBrk="1" hangingPunct="1">
+              <a:defRPr>
+                <a:solidFill>
+                  <a:schemeClr val="tx2"/>
+                </a:solidFill>
+              </a:defRPr>
+            </a:lvl2pPr>
+            <a:lvl3pPr eaLnBrk="1" hangingPunct="1">
+              <a:defRPr>
+                <a:solidFill>
+                  <a:schemeClr val="tx2"/>
+                </a:solidFill>
+              </a:defRPr>
+            </a:lvl3pPr>
+            <a:lvl4pPr eaLnBrk="1" hangingPunct="1">
+              <a:defRPr>
+                <a:solidFill>
+                  <a:schemeClr val="tx2"/>
+                </a:solidFill>
+              </a:defRPr>
+            </a:lvl4pPr>
+            <a:lvl5pPr eaLnBrk="1" hangingPunct="1">
+              <a:defRPr>
+                <a:solidFill>
+                  <a:schemeClr val="tx2"/>
+                </a:solidFill>
+              </a:defRPr>
+            </a:lvl5pPr>
+            <a:lvl6pPr eaLnBrk="1" hangingPunct="1">
+              <a:defRPr>
+                <a:solidFill>
+                  <a:schemeClr val="tx2"/>
+                </a:solidFill>
+              </a:defRPr>
+            </a:lvl6pPr>
+            <a:lvl7pPr eaLnBrk="1" hangingPunct="1">
+              <a:defRPr>
+                <a:solidFill>
+                  <a:schemeClr val="tx2"/>
+                </a:solidFill>
+              </a:defRPr>
+            </a:lvl7pPr>
+            <a:lvl8pPr eaLnBrk="1" hangingPunct="1">
+              <a:defRPr>
+                <a:solidFill>
+                  <a:schemeClr val="tx2"/>
+                </a:solidFill>
+              </a:defRPr>
+            </a:lvl8pPr>
+            <a:lvl9pPr eaLnBrk="1" hangingPunct="1">
+              <a:defRPr>
+                <a:solidFill>
+                  <a:schemeClr val="tx2"/>
+                </a:solidFill>
+              </a:defRPr>
+            </a:lvl9pPr>
+          </a:lstStyle>
+          <a:p>
+            <a:r>
+              <a:rPr lang="en-US" sz="2000" dirty="0">
+                <a:solidFill>
+                  <a:schemeClr val="tx1"/>
+                </a:solidFill>
+                <a:latin typeface="Calibri" panose="020F0502020204030204" pitchFamily="34" charset="0"/>
+                <a:cs typeface="Calibri" panose="020F0502020204030204" pitchFamily="34" charset="0"/>
+              </a:rPr>
+              <a:t>What is the income per county in Kansas and Missouri?</a:t>
+            </a:r>
+            <a:br>
+              <a:rPr lang="en-US" sz="2000" dirty="0">
+                <a:latin typeface="Calibri" panose="020F0502020204030204" pitchFamily="34" charset="0"/>
+                <a:cs typeface="Calibri" panose="020F0502020204030204" pitchFamily="34" charset="0"/>
+              </a:rPr>
+            </a:br>
+            <a:endParaRPr lang="en-US" sz="2000" dirty="0">
               <a:latin typeface="Calibri" panose="020F0502020204030204" pitchFamily="34" charset="0"/>
               <a:cs typeface="Calibri" panose="020F0502020204030204" pitchFamily="34" charset="0"/>
             </a:endParaRPr>
@@ -13547,8 +14163,8 @@
         </p:nvSpPr>
         <p:spPr>
           <a:xfrm>
-            <a:off x="838200" y="871153"/>
-            <a:ext cx="10515600" cy="1616866"/>
+            <a:off x="1676400" y="200593"/>
+            <a:ext cx="7833360" cy="607127"/>
           </a:xfrm>
         </p:spPr>
         <p:txBody>
@@ -13557,19 +14173,6 @@
           </a:bodyPr>
           <a:lstStyle/>
           <a:p>
-            <a:r>
-              <a:rPr lang="en-US" dirty="0">
-                <a:latin typeface="Calibri" panose="020F0502020204030204" pitchFamily="34" charset="0"/>
-                <a:cs typeface="Calibri" panose="020F0502020204030204" pitchFamily="34" charset="0"/>
-              </a:rPr>
-              <a:t>Question 1:</a:t>
-            </a:r>
-            <a:br>
-              <a:rPr lang="en-US" dirty="0">
-                <a:latin typeface="Calibri" panose="020F0502020204030204" pitchFamily="34" charset="0"/>
-                <a:cs typeface="Calibri" panose="020F0502020204030204" pitchFamily="34" charset="0"/>
-              </a:rPr>
-            </a:br>
             <a:r>
               <a:rPr lang="en-US" dirty="0">
                 <a:solidFill>
@@ -13638,7 +14241,7 @@
         <p:spPr>
           <a:xfrm>
             <a:off x="720090" y="182880"/>
-            <a:ext cx="8835390" cy="707886"/>
+            <a:ext cx="8835390" cy="1631216"/>
           </a:xfrm>
           <a:prstGeom prst="rect">
             <a:avLst/>
@@ -13653,6 +14256,9 @@
             <a:pPr algn="ctr"/>
             <a:r>
               <a:rPr lang="en-US" sz="2000" b="1" dirty="0">
+                <a:solidFill>
+                  <a:schemeClr val="accent1"/>
+                </a:solidFill>
                 <a:latin typeface="Calibri" panose="020F0502020204030204" pitchFamily="34" charset="0"/>
                 <a:cs typeface="Calibri" panose="020F0502020204030204" pitchFamily="34" charset="0"/>
               </a:rPr>
@@ -13666,8 +14272,29 @@
                 <a:latin typeface="Calibri" panose="020F0502020204030204" pitchFamily="34" charset="0"/>
                 <a:cs typeface="Calibri" panose="020F0502020204030204" pitchFamily="34" charset="0"/>
               </a:rPr>
-              <a:t>Medicare spends more, less, or about the same for an episode of care?</a:t>
-            </a:r>
+              <a:t>Does Medicare spends more, less, or about the same for an episode of care?</a:t>
+            </a:r>
+          </a:p>
+          <a:p>
+            <a:pPr algn="ctr"/>
+            <a:endParaRPr lang="en-US" sz="2000" dirty="0">
+              <a:latin typeface="Calibri" panose="020F0502020204030204" pitchFamily="34" charset="0"/>
+              <a:cs typeface="Calibri" panose="020F0502020204030204" pitchFamily="34" charset="0"/>
+            </a:endParaRPr>
+          </a:p>
+          <a:p>
+            <a:pPr algn="ctr"/>
+            <a:endParaRPr lang="en-US" sz="2000" dirty="0">
+              <a:latin typeface="Calibri" panose="020F0502020204030204" pitchFamily="34" charset="0"/>
+              <a:cs typeface="Calibri" panose="020F0502020204030204" pitchFamily="34" charset="0"/>
+            </a:endParaRPr>
+          </a:p>
+          <a:p>
+            <a:pPr algn="ctr"/>
+            <a:endParaRPr lang="en-US" sz="2000" dirty="0">
+              <a:latin typeface="Calibri" panose="020F0502020204030204" pitchFamily="34" charset="0"/>
+              <a:cs typeface="Calibri" panose="020F0502020204030204" pitchFamily="34" charset="0"/>
+            </a:endParaRPr>
           </a:p>
         </p:txBody>
       </p:sp>
@@ -13700,7 +14327,7 @@
         </p:blipFill>
         <p:spPr bwMode="auto">
           <a:xfrm>
-            <a:off x="1985010" y="2017706"/>
+            <a:off x="5166360" y="1374550"/>
             <a:ext cx="6305550" cy="4445767"/>
           </a:xfrm>
           <a:prstGeom prst="rect">
@@ -13734,8 +14361,8 @@
         </p:nvSpPr>
         <p:spPr>
           <a:xfrm>
-            <a:off x="2504676" y="1100293"/>
-            <a:ext cx="5562600" cy="707886"/>
+            <a:off x="533400" y="2443418"/>
+            <a:ext cx="5562600" cy="2783490"/>
           </a:xfrm>
           <a:prstGeom prst="rect">
             <a:avLst/>
@@ -13743,7 +14370,7 @@
         </p:spPr>
         <p:txBody>
           <a:bodyPr vert="horz" lIns="91440" tIns="45720" rIns="91440" bIns="45720" rtlCol="0">
-            <a:normAutofit fontScale="25000" lnSpcReduction="20000"/>
+            <a:normAutofit fontScale="62500" lnSpcReduction="20000"/>
           </a:bodyPr>
           <a:lstStyle>
             <a:lvl1pPr marL="342900" indent="-342900" algn="l" defTabSz="457200" rtl="0" eaLnBrk="1" latinLnBrk="0" hangingPunct="1">
@@ -13974,7 +14601,25 @@
           </a:lstStyle>
           <a:p>
             <a:r>
-              <a:rPr lang="en-US" sz="8000" dirty="0"/>
+              <a:rPr lang="en-US" sz="3800" dirty="0">
+                <a:latin typeface="Calibri" panose="020F0502020204030204" pitchFamily="34" charset="0"/>
+                <a:cs typeface="Calibri" panose="020F0502020204030204" pitchFamily="34" charset="0"/>
+              </a:rPr>
+              <a:t>This measure takes into account important factors like patient age and health status</a:t>
+            </a:r>
+          </a:p>
+          <a:p>
+            <a:endParaRPr lang="en-US" sz="3800" dirty="0">
+              <a:latin typeface="Calibri" panose="020F0502020204030204" pitchFamily="34" charset="0"/>
+              <a:cs typeface="Calibri" panose="020F0502020204030204" pitchFamily="34" charset="0"/>
+            </a:endParaRPr>
+          </a:p>
+          <a:p>
+            <a:r>
+              <a:rPr lang="en-US" sz="3800" dirty="0">
+                <a:latin typeface="Calibri" panose="020F0502020204030204" pitchFamily="34" charset="0"/>
+                <a:cs typeface="Calibri" panose="020F0502020204030204" pitchFamily="34" charset="0"/>
+              </a:rPr>
               <a:t>Based on the average score per county:</a:t>
             </a:r>
           </a:p>
@@ -13983,7 +14628,10 @@
               <a:buNone/>
             </a:pPr>
             <a:r>
-              <a:rPr lang="en-US" sz="8000" dirty="0"/>
+              <a:rPr lang="en-US" sz="3800" dirty="0">
+                <a:latin typeface="Calibri" panose="020F0502020204030204" pitchFamily="34" charset="0"/>
+                <a:cs typeface="Calibri" panose="020F0502020204030204" pitchFamily="34" charset="0"/>
+              </a:rPr>
               <a:t>Johnson County spends more</a:t>
             </a:r>
           </a:p>
@@ -14273,4 +14921,299 @@
     </a:ext>
   </a:extLst>
 </a:theme>
+</file>
+
+<file path=ppt/theme/theme2.xml><?xml version="1.0" encoding="utf-8"?>
+<a:theme xmlns:a="http://schemas.openxmlformats.org/drawingml/2006/main" name="Office Theme">
+  <a:themeElements>
+    <a:clrScheme name="Office">
+      <a:dk1>
+        <a:sysClr val="windowText" lastClr="000000"/>
+      </a:dk1>
+      <a:lt1>
+        <a:sysClr val="window" lastClr="FFFFFF"/>
+      </a:lt1>
+      <a:dk2>
+        <a:srgbClr val="44546A"/>
+      </a:dk2>
+      <a:lt2>
+        <a:srgbClr val="E7E6E6"/>
+      </a:lt2>
+      <a:accent1>
+        <a:srgbClr val="4472C4"/>
+      </a:accent1>
+      <a:accent2>
+        <a:srgbClr val="ED7D31"/>
+      </a:accent2>
+      <a:accent3>
+        <a:srgbClr val="A5A5A5"/>
+      </a:accent3>
+      <a:accent4>
+        <a:srgbClr val="FFC000"/>
+      </a:accent4>
+      <a:accent5>
+        <a:srgbClr val="5B9BD5"/>
+      </a:accent5>
+      <a:accent6>
+        <a:srgbClr val="70AD47"/>
+      </a:accent6>
+      <a:hlink>
+        <a:srgbClr val="0563C1"/>
+      </a:hlink>
+      <a:folHlink>
+        <a:srgbClr val="954F72"/>
+      </a:folHlink>
+    </a:clrScheme>
+    <a:fontScheme name="Office">
+      <a:majorFont>
+        <a:latin typeface="Calibri Light" panose="020F0302020204030204"/>
+        <a:ea typeface=""/>
+        <a:cs typeface=""/>
+        <a:font script="Jpan" typeface="游ゴシック Light"/>
+        <a:font script="Hang" typeface="맑은 고딕"/>
+        <a:font script="Hans" typeface="等线 Light"/>
+        <a:font script="Hant" typeface="新細明體"/>
+        <a:font script="Arab" typeface="Times New Roman"/>
+        <a:font script="Hebr" typeface="Times New Roman"/>
+        <a:font script="Thai" typeface="Angsana New"/>
+        <a:font script="Ethi" typeface="Nyala"/>
+        <a:font script="Beng" typeface="Vrinda"/>
+        <a:font script="Gujr" typeface="Shruti"/>
+        <a:font script="Khmr" typeface="MoolBoran"/>
+        <a:font script="Knda" typeface="Tunga"/>
+        <a:font script="Guru" typeface="Raavi"/>
+        <a:font script="Cans" typeface="Euphemia"/>
+        <a:font script="Cher" typeface="Plantagenet Cherokee"/>
+        <a:font script="Yiii" typeface="Microsoft Yi Baiti"/>
+        <a:font script="Tibt" typeface="Microsoft Himalaya"/>
+        <a:font script="Thaa" typeface="MV Boli"/>
+        <a:font script="Deva" typeface="Mangal"/>
+        <a:font script="Telu" typeface="Gautami"/>
+        <a:font script="Taml" typeface="Latha"/>
+        <a:font script="Syrc" typeface="Estrangelo Edessa"/>
+        <a:font script="Orya" typeface="Kalinga"/>
+        <a:font script="Mlym" typeface="Kartika"/>
+        <a:font script="Laoo" typeface="DokChampa"/>
+        <a:font script="Sinh" typeface="Iskoola Pota"/>
+        <a:font script="Mong" typeface="Mongolian Baiti"/>
+        <a:font script="Viet" typeface="Times New Roman"/>
+        <a:font script="Uigh" typeface="Microsoft Uighur"/>
+        <a:font script="Geor" typeface="Sylfaen"/>
+        <a:font script="Armn" typeface="Arial"/>
+        <a:font script="Bugi" typeface="Leelawadee UI"/>
+        <a:font script="Bopo" typeface="Microsoft JhengHei"/>
+        <a:font script="Java" typeface="Javanese Text"/>
+        <a:font script="Lisu" typeface="Segoe UI"/>
+        <a:font script="Mymr" typeface="Myanmar Text"/>
+        <a:font script="Nkoo" typeface="Ebrima"/>
+        <a:font script="Olck" typeface="Nirmala UI"/>
+        <a:font script="Osma" typeface="Ebrima"/>
+        <a:font script="Phag" typeface="Phagspa"/>
+        <a:font script="Syrn" typeface="Estrangelo Edessa"/>
+        <a:font script="Syrj" typeface="Estrangelo Edessa"/>
+        <a:font script="Syre" typeface="Estrangelo Edessa"/>
+        <a:font script="Sora" typeface="Nirmala UI"/>
+        <a:font script="Tale" typeface="Microsoft Tai Le"/>
+        <a:font script="Talu" typeface="Microsoft New Tai Lue"/>
+        <a:font script="Tfng" typeface="Ebrima"/>
+      </a:majorFont>
+      <a:minorFont>
+        <a:latin typeface="Calibri" panose="020F0502020204030204"/>
+        <a:ea typeface=""/>
+        <a:cs typeface=""/>
+        <a:font script="Jpan" typeface="游ゴシック"/>
+        <a:font script="Hang" typeface="맑은 고딕"/>
+        <a:font script="Hans" typeface="等线"/>
+        <a:font script="Hant" typeface="新細明體"/>
+        <a:font script="Arab" typeface="Arial"/>
+        <a:font script="Hebr" typeface="Arial"/>
+        <a:font script="Thai" typeface="Cordia New"/>
+        <a:font script="Ethi" typeface="Nyala"/>
+        <a:font script="Beng" typeface="Vrinda"/>
+        <a:font script="Gujr" typeface="Shruti"/>
+        <a:font script="Khmr" typeface="DaunPenh"/>
+        <a:font script="Knda" typeface="Tunga"/>
+        <a:font script="Guru" typeface="Raavi"/>
+        <a:font script="Cans" typeface="Euphemia"/>
+        <a:font script="Cher" typeface="Plantagenet Cherokee"/>
+        <a:font script="Yiii" typeface="Microsoft Yi Baiti"/>
+        <a:font script="Tibt" typeface="Microsoft Himalaya"/>
+        <a:font script="Thaa" typeface="MV Boli"/>
+        <a:font script="Deva" typeface="Mangal"/>
+        <a:font script="Telu" typeface="Gautami"/>
+        <a:font script="Taml" typeface="Latha"/>
+        <a:font script="Syrc" typeface="Estrangelo Edessa"/>
+        <a:font script="Orya" typeface="Kalinga"/>
+        <a:font script="Mlym" typeface="Kartika"/>
+        <a:font script="Laoo" typeface="DokChampa"/>
+        <a:font script="Sinh" typeface="Iskoola Pota"/>
+        <a:font script="Mong" typeface="Mongolian Baiti"/>
+        <a:font script="Viet" typeface="Arial"/>
+        <a:font script="Uigh" typeface="Microsoft Uighur"/>
+        <a:font script="Geor" typeface="Sylfaen"/>
+        <a:font script="Armn" typeface="Arial"/>
+        <a:font script="Bugi" typeface="Leelawadee UI"/>
+        <a:font script="Bopo" typeface="Microsoft JhengHei"/>
+        <a:font script="Java" typeface="Javanese Text"/>
+        <a:font script="Lisu" typeface="Segoe UI"/>
+        <a:font script="Mymr" typeface="Myanmar Text"/>
+        <a:font script="Nkoo" typeface="Ebrima"/>
+        <a:font script="Olck" typeface="Nirmala UI"/>
+        <a:font script="Osma" typeface="Ebrima"/>
+        <a:font script="Phag" typeface="Phagspa"/>
+        <a:font script="Syrn" typeface="Estrangelo Edessa"/>
+        <a:font script="Syrj" typeface="Estrangelo Edessa"/>
+        <a:font script="Syre" typeface="Estrangelo Edessa"/>
+        <a:font script="Sora" typeface="Nirmala UI"/>
+        <a:font script="Tale" typeface="Microsoft Tai Le"/>
+        <a:font script="Talu" typeface="Microsoft New Tai Lue"/>
+        <a:font script="Tfng" typeface="Ebrima"/>
+      </a:minorFont>
+    </a:fontScheme>
+    <a:fmtScheme name="Office">
+      <a:fillStyleLst>
+        <a:solidFill>
+          <a:schemeClr val="phClr"/>
+        </a:solidFill>
+        <a:gradFill rotWithShape="1">
+          <a:gsLst>
+            <a:gs pos="0">
+              <a:schemeClr val="phClr">
+                <a:lumMod val="110000"/>
+                <a:satMod val="105000"/>
+                <a:tint val="67000"/>
+              </a:schemeClr>
+            </a:gs>
+            <a:gs pos="50000">
+              <a:schemeClr val="phClr">
+                <a:lumMod val="105000"/>
+                <a:satMod val="103000"/>
+                <a:tint val="73000"/>
+              </a:schemeClr>
+            </a:gs>
+            <a:gs pos="100000">
+              <a:schemeClr val="phClr">
+                <a:lumMod val="105000"/>
+                <a:satMod val="109000"/>
+                <a:tint val="81000"/>
+              </a:schemeClr>
+            </a:gs>
+          </a:gsLst>
+          <a:lin ang="5400000" scaled="0"/>
+        </a:gradFill>
+        <a:gradFill rotWithShape="1">
+          <a:gsLst>
+            <a:gs pos="0">
+              <a:schemeClr val="phClr">
+                <a:satMod val="103000"/>
+                <a:lumMod val="102000"/>
+                <a:tint val="94000"/>
+              </a:schemeClr>
+            </a:gs>
+            <a:gs pos="50000">
+              <a:schemeClr val="phClr">
+                <a:satMod val="110000"/>
+                <a:lumMod val="100000"/>
+                <a:shade val="100000"/>
+              </a:schemeClr>
+            </a:gs>
+            <a:gs pos="100000">
+              <a:schemeClr val="phClr">
+                <a:lumMod val="99000"/>
+                <a:satMod val="120000"/>
+                <a:shade val="78000"/>
+              </a:schemeClr>
+            </a:gs>
+          </a:gsLst>
+          <a:lin ang="5400000" scaled="0"/>
+        </a:gradFill>
+      </a:fillStyleLst>
+      <a:lnStyleLst>
+        <a:ln w="6350" cap="flat" cmpd="sng" algn="ctr">
+          <a:solidFill>
+            <a:schemeClr val="phClr"/>
+          </a:solidFill>
+          <a:prstDash val="solid"/>
+          <a:miter lim="800000"/>
+        </a:ln>
+        <a:ln w="12700" cap="flat" cmpd="sng" algn="ctr">
+          <a:solidFill>
+            <a:schemeClr val="phClr"/>
+          </a:solidFill>
+          <a:prstDash val="solid"/>
+          <a:miter lim="800000"/>
+        </a:ln>
+        <a:ln w="19050" cap="flat" cmpd="sng" algn="ctr">
+          <a:solidFill>
+            <a:schemeClr val="phClr"/>
+          </a:solidFill>
+          <a:prstDash val="solid"/>
+          <a:miter lim="800000"/>
+        </a:ln>
+      </a:lnStyleLst>
+      <a:effectStyleLst>
+        <a:effectStyle>
+          <a:effectLst/>
+        </a:effectStyle>
+        <a:effectStyle>
+          <a:effectLst/>
+        </a:effectStyle>
+        <a:effectStyle>
+          <a:effectLst>
+            <a:outerShdw blurRad="57150" dist="19050" dir="5400000" algn="ctr" rotWithShape="0">
+              <a:srgbClr val="000000">
+                <a:alpha val="63000"/>
+              </a:srgbClr>
+            </a:outerShdw>
+          </a:effectLst>
+        </a:effectStyle>
+      </a:effectStyleLst>
+      <a:bgFillStyleLst>
+        <a:solidFill>
+          <a:schemeClr val="phClr"/>
+        </a:solidFill>
+        <a:solidFill>
+          <a:schemeClr val="phClr">
+            <a:tint val="95000"/>
+            <a:satMod val="170000"/>
+          </a:schemeClr>
+        </a:solidFill>
+        <a:gradFill rotWithShape="1">
+          <a:gsLst>
+            <a:gs pos="0">
+              <a:schemeClr val="phClr">
+                <a:tint val="93000"/>
+                <a:satMod val="150000"/>
+                <a:shade val="98000"/>
+                <a:lumMod val="102000"/>
+              </a:schemeClr>
+            </a:gs>
+            <a:gs pos="50000">
+              <a:schemeClr val="phClr">
+                <a:tint val="98000"/>
+                <a:satMod val="130000"/>
+                <a:shade val="90000"/>
+                <a:lumMod val="103000"/>
+              </a:schemeClr>
+            </a:gs>
+            <a:gs pos="100000">
+              <a:schemeClr val="phClr">
+                <a:shade val="63000"/>
+                <a:satMod val="120000"/>
+              </a:schemeClr>
+            </a:gs>
+          </a:gsLst>
+          <a:lin ang="5400000" scaled="0"/>
+        </a:gradFill>
+      </a:bgFillStyleLst>
+    </a:fmtScheme>
+  </a:themeElements>
+  <a:objectDefaults/>
+  <a:extraClrSchemeLst/>
+  <a:extLst>
+    <a:ext uri="{05A4C25C-085E-4340-85A3-A5531E510DB2}">
+      <thm15:themeFamily xmlns:thm15="http://schemas.microsoft.com/office/thememl/2012/main" name="Office Theme" id="{62F939B6-93AF-4DB8-9C6B-D6C7DFDC589F}" vid="{4A3C46E8-61CC-4603-A589-7422A47A8E4A}"/>
+    </a:ext>
+  </a:extLst>
+</a:theme>
 </file>
--- a/SnakeBitePresentation.pptx
+++ b/SnakeBitePresentation.pptx
@@ -7896,6 +7896,41 @@
           </a:p>
         </p:txBody>
       </p:sp>
+      <p:sp>
+        <p:nvSpPr>
+          <p:cNvPr id="6" name="TextBox 5">
+            <a:extLst>
+              <a:ext uri="{FF2B5EF4-FFF2-40B4-BE49-F238E27FC236}">
+                <a16:creationId xmlns:a16="http://schemas.microsoft.com/office/drawing/2014/main" id="{2E61122C-762D-4E68-9D49-B80442F1CC0A}"/>
+              </a:ext>
+            </a:extLst>
+          </p:cNvPr>
+          <p:cNvSpPr txBox="1"/>
+          <p:nvPr/>
+        </p:nvSpPr>
+        <p:spPr>
+          <a:xfrm>
+            <a:off x="2209800" y="799759"/>
+            <a:ext cx="8976360" cy="369332"/>
+          </a:xfrm>
+          <a:prstGeom prst="rect">
+            <a:avLst/>
+          </a:prstGeom>
+          <a:noFill/>
+        </p:spPr>
+        <p:txBody>
+          <a:bodyPr wrap="square" rtlCol="0">
+            <a:spAutoFit/>
+          </a:bodyPr>
+          <a:lstStyle/>
+          <a:p>
+            <a:r>
+              <a:rPr lang="en-US" dirty="0"/>
+              <a:t>How Does Medicare in Kansas and Missouri Compare to the National Rank?</a:t>
+            </a:r>
+          </a:p>
+        </p:txBody>
+      </p:sp>
     </p:spTree>
     <p:extLst>
       <p:ext uri="{BB962C8B-B14F-4D97-AF65-F5344CB8AC3E}">
@@ -10426,7 +10461,7 @@
                 <a:latin typeface="Calibri" panose="020F0502020204030204" pitchFamily="34" charset="0"/>
                 <a:cs typeface="Calibri" panose="020F0502020204030204" pitchFamily="34" charset="0"/>
               </a:rPr>
-              <a:t> score range: 0 to 30</a:t>
+              <a:t> score range: 0 to 200</a:t>
             </a:r>
           </a:p>
           <a:p>

--- a/SnakeBitePresentation.pptx
+++ b/SnakeBitePresentation.pptx
@@ -5,7 +5,7 @@
     <p:sldMasterId id="2147483660" r:id="rId1"/>
   </p:sldMasterIdLst>
   <p:notesMasterIdLst>
-    <p:notesMasterId r:id="rId16"/>
+    <p:notesMasterId r:id="rId17"/>
   </p:notesMasterIdLst>
   <p:sldIdLst>
     <p:sldId id="256" r:id="rId2"/>
@@ -16,12 +16,13 @@
     <p:sldId id="271" r:id="rId7"/>
     <p:sldId id="269" r:id="rId8"/>
     <p:sldId id="258" r:id="rId9"/>
-    <p:sldId id="260" r:id="rId10"/>
-    <p:sldId id="259" r:id="rId11"/>
-    <p:sldId id="261" r:id="rId12"/>
-    <p:sldId id="273" r:id="rId13"/>
-    <p:sldId id="272" r:id="rId14"/>
-    <p:sldId id="264" r:id="rId15"/>
+    <p:sldId id="274" r:id="rId10"/>
+    <p:sldId id="275" r:id="rId11"/>
+    <p:sldId id="260" r:id="rId12"/>
+    <p:sldId id="261" r:id="rId13"/>
+    <p:sldId id="273" r:id="rId14"/>
+    <p:sldId id="272" r:id="rId15"/>
+    <p:sldId id="264" r:id="rId16"/>
   </p:sldIdLst>
   <p:sldSz cx="12192000" cy="6858000"/>
   <p:notesSz cx="6858000" cy="9144000"/>
@@ -126,6 +127,3636 @@
     </p:ext>
   </p:extLst>
 </p:presentation>
+</file>
+
+<file path=ppt/diagrams/colors1.xml><?xml version="1.0" encoding="utf-8"?>
+<dgm:colorsDef xmlns:dgm="http://schemas.openxmlformats.org/drawingml/2006/diagram" xmlns:a="http://schemas.openxmlformats.org/drawingml/2006/main" uniqueId="urn:microsoft.com/office/officeart/2018/5/colors/Iconchunking_neutralicontext_colorful1">
+  <dgm:title val=""/>
+  <dgm:desc val=""/>
+  <dgm:catLst>
+    <dgm:cat type="colorful" pri="10100"/>
+  </dgm:catLst>
+  <dgm:styleLbl name="node0">
+    <dgm:fillClrLst meth="repeat">
+      <a:schemeClr val="accent1"/>
+    </dgm:fillClrLst>
+    <dgm:linClrLst meth="repeat">
+      <a:schemeClr val="lt1"/>
+    </dgm:linClrLst>
+    <dgm:effectClrLst/>
+    <dgm:txLinClrLst/>
+    <dgm:txFillClrLst/>
+    <dgm:txEffectClrLst/>
+  </dgm:styleLbl>
+  <dgm:styleLbl name="node1">
+    <dgm:fillClrLst meth="repeat">
+      <a:schemeClr val="bg1"/>
+    </dgm:fillClrLst>
+    <dgm:linClrLst meth="repeat">
+      <a:schemeClr val="lt1">
+        <a:alpha val="0"/>
+      </a:schemeClr>
+    </dgm:linClrLst>
+    <dgm:effectClrLst/>
+    <dgm:txLinClrLst/>
+    <dgm:txFillClrLst meth="repeat">
+      <a:schemeClr val="dk1"/>
+    </dgm:txFillClrLst>
+    <dgm:txEffectClrLst/>
+  </dgm:styleLbl>
+  <dgm:styleLbl name="alignNode1">
+    <dgm:fillClrLst meth="repeat">
+      <a:schemeClr val="accent2"/>
+      <a:schemeClr val="accent3"/>
+      <a:schemeClr val="accent4"/>
+      <a:schemeClr val="accent5"/>
+      <a:schemeClr val="accent6"/>
+    </dgm:fillClrLst>
+    <dgm:linClrLst meth="repeat">
+      <a:schemeClr val="accent2"/>
+      <a:schemeClr val="accent3"/>
+      <a:schemeClr val="accent4"/>
+      <a:schemeClr val="accent5"/>
+      <a:schemeClr val="accent6"/>
+    </dgm:linClrLst>
+    <dgm:effectClrLst/>
+    <dgm:txLinClrLst/>
+    <dgm:txFillClrLst/>
+    <dgm:txEffectClrLst/>
+  </dgm:styleLbl>
+  <dgm:styleLbl name="lnNode1">
+    <dgm:fillClrLst meth="repeat">
+      <a:schemeClr val="accent2"/>
+      <a:schemeClr val="accent3"/>
+      <a:schemeClr val="accent4"/>
+      <a:schemeClr val="accent5"/>
+      <a:schemeClr val="accent6"/>
+    </dgm:fillClrLst>
+    <dgm:linClrLst meth="repeat">
+      <a:schemeClr val="lt1"/>
+    </dgm:linClrLst>
+    <dgm:effectClrLst/>
+    <dgm:txLinClrLst/>
+    <dgm:txFillClrLst/>
+    <dgm:txEffectClrLst/>
+  </dgm:styleLbl>
+  <dgm:styleLbl name="vennNode1">
+    <dgm:fillClrLst meth="repeat">
+      <a:schemeClr val="accent2">
+        <a:alpha val="50000"/>
+      </a:schemeClr>
+      <a:schemeClr val="accent3">
+        <a:alpha val="50000"/>
+      </a:schemeClr>
+      <a:schemeClr val="accent4">
+        <a:alpha val="50000"/>
+      </a:schemeClr>
+      <a:schemeClr val="accent5">
+        <a:alpha val="50000"/>
+      </a:schemeClr>
+      <a:schemeClr val="accent6">
+        <a:alpha val="50000"/>
+      </a:schemeClr>
+    </dgm:fillClrLst>
+    <dgm:linClrLst meth="repeat">
+      <a:schemeClr val="lt1"/>
+    </dgm:linClrLst>
+    <dgm:effectClrLst/>
+    <dgm:txLinClrLst/>
+    <dgm:txFillClrLst/>
+    <dgm:txEffectClrLst/>
+  </dgm:styleLbl>
+  <dgm:styleLbl name="node2">
+    <dgm:fillClrLst>
+      <a:schemeClr val="accent2"/>
+    </dgm:fillClrLst>
+    <dgm:linClrLst meth="repeat">
+      <a:schemeClr val="lt1"/>
+    </dgm:linClrLst>
+    <dgm:effectClrLst/>
+    <dgm:txLinClrLst/>
+    <dgm:txFillClrLst/>
+    <dgm:txEffectClrLst/>
+  </dgm:styleLbl>
+  <dgm:styleLbl name="node3">
+    <dgm:fillClrLst>
+      <a:schemeClr val="accent3"/>
+    </dgm:fillClrLst>
+    <dgm:linClrLst meth="repeat">
+      <a:schemeClr val="lt1"/>
+    </dgm:linClrLst>
+    <dgm:effectClrLst/>
+    <dgm:txLinClrLst/>
+    <dgm:txFillClrLst/>
+    <dgm:txEffectClrLst/>
+  </dgm:styleLbl>
+  <dgm:styleLbl name="node4">
+    <dgm:fillClrLst>
+      <a:schemeClr val="accent4"/>
+    </dgm:fillClrLst>
+    <dgm:linClrLst meth="repeat">
+      <a:schemeClr val="lt1"/>
+    </dgm:linClrLst>
+    <dgm:effectClrLst/>
+    <dgm:txLinClrLst/>
+    <dgm:txFillClrLst/>
+    <dgm:txEffectClrLst/>
+  </dgm:styleLbl>
+  <dgm:styleLbl name="fgImgPlace1">
+    <dgm:fillClrLst meth="repeat">
+      <a:schemeClr val="accent2">
+        <a:tint val="50000"/>
+      </a:schemeClr>
+      <a:schemeClr val="accent3">
+        <a:tint val="50000"/>
+      </a:schemeClr>
+      <a:schemeClr val="accent4">
+        <a:tint val="50000"/>
+      </a:schemeClr>
+      <a:schemeClr val="accent5">
+        <a:tint val="50000"/>
+      </a:schemeClr>
+      <a:schemeClr val="accent6">
+        <a:tint val="50000"/>
+      </a:schemeClr>
+    </dgm:fillClrLst>
+    <dgm:linClrLst meth="repeat">
+      <a:schemeClr val="lt1"/>
+    </dgm:linClrLst>
+    <dgm:effectClrLst/>
+    <dgm:txLinClrLst/>
+    <dgm:txFillClrLst meth="repeat">
+      <a:schemeClr val="lt1"/>
+    </dgm:txFillClrLst>
+    <dgm:txEffectClrLst/>
+  </dgm:styleLbl>
+  <dgm:styleLbl name="alignImgPlace1">
+    <dgm:fillClrLst>
+      <a:schemeClr val="accent1">
+        <a:tint val="50000"/>
+      </a:schemeClr>
+      <a:schemeClr val="accent2">
+        <a:tint val="20000"/>
+      </a:schemeClr>
+    </dgm:fillClrLst>
+    <dgm:linClrLst meth="repeat">
+      <a:schemeClr val="lt1"/>
+    </dgm:linClrLst>
+    <dgm:effectClrLst/>
+    <dgm:txLinClrLst/>
+    <dgm:txFillClrLst meth="repeat">
+      <a:schemeClr val="lt1"/>
+    </dgm:txFillClrLst>
+    <dgm:txEffectClrLst/>
+  </dgm:styleLbl>
+  <dgm:styleLbl name="bgImgPlace1">
+    <dgm:fillClrLst>
+      <a:schemeClr val="accent1">
+        <a:tint val="50000"/>
+      </a:schemeClr>
+      <a:schemeClr val="accent2">
+        <a:tint val="20000"/>
+      </a:schemeClr>
+    </dgm:fillClrLst>
+    <dgm:linClrLst meth="repeat">
+      <a:schemeClr val="lt1"/>
+    </dgm:linClrLst>
+    <dgm:effectClrLst/>
+    <dgm:txLinClrLst/>
+    <dgm:txFillClrLst meth="repeat">
+      <a:schemeClr val="lt1"/>
+    </dgm:txFillClrLst>
+    <dgm:txEffectClrLst/>
+  </dgm:styleLbl>
+  <dgm:styleLbl name="sibTrans2D1">
+    <dgm:fillClrLst meth="repeat">
+      <a:schemeClr val="accent2"/>
+      <a:schemeClr val="accent3"/>
+      <a:schemeClr val="accent4"/>
+      <a:schemeClr val="accent5"/>
+      <a:schemeClr val="accent6"/>
+    </dgm:fillClrLst>
+    <dgm:linClrLst meth="cycle">
+      <a:schemeClr val="lt1"/>
+    </dgm:linClrLst>
+    <dgm:effectClrLst/>
+    <dgm:txLinClrLst/>
+    <dgm:txFillClrLst/>
+    <dgm:txEffectClrLst/>
+  </dgm:styleLbl>
+  <dgm:styleLbl name="fgSibTrans2D1">
+    <dgm:fillClrLst meth="repeat">
+      <a:schemeClr val="accent2"/>
+      <a:schemeClr val="accent3"/>
+      <a:schemeClr val="accent4"/>
+      <a:schemeClr val="accent5"/>
+      <a:schemeClr val="accent6"/>
+    </dgm:fillClrLst>
+    <dgm:linClrLst meth="cycle">
+      <a:schemeClr val="lt1"/>
+    </dgm:linClrLst>
+    <dgm:effectClrLst/>
+    <dgm:txLinClrLst/>
+    <dgm:txFillClrLst meth="repeat">
+      <a:schemeClr val="lt1"/>
+    </dgm:txFillClrLst>
+    <dgm:txEffectClrLst/>
+  </dgm:styleLbl>
+  <dgm:styleLbl name="bgSibTrans2D1">
+    <dgm:fillClrLst meth="repeat">
+      <a:schemeClr val="accent2"/>
+      <a:schemeClr val="accent3"/>
+      <a:schemeClr val="accent4"/>
+      <a:schemeClr val="accent5"/>
+      <a:schemeClr val="accent6"/>
+    </dgm:fillClrLst>
+    <dgm:linClrLst meth="cycle">
+      <a:schemeClr val="lt1"/>
+    </dgm:linClrLst>
+    <dgm:effectClrLst/>
+    <dgm:txLinClrLst/>
+    <dgm:txFillClrLst meth="repeat">
+      <a:schemeClr val="lt1"/>
+    </dgm:txFillClrLst>
+    <dgm:txEffectClrLst/>
+  </dgm:styleLbl>
+  <dgm:styleLbl name="sibTrans1D1">
+    <dgm:fillClrLst meth="repeat">
+      <a:schemeClr val="accent2"/>
+      <a:schemeClr val="accent3"/>
+      <a:schemeClr val="accent4"/>
+      <a:schemeClr val="accent5"/>
+      <a:schemeClr val="accent6"/>
+    </dgm:fillClrLst>
+    <dgm:linClrLst meth="repeat">
+      <a:schemeClr val="accent2"/>
+      <a:schemeClr val="accent3"/>
+      <a:schemeClr val="accent4"/>
+      <a:schemeClr val="accent5"/>
+      <a:schemeClr val="accent6"/>
+    </dgm:linClrLst>
+    <dgm:effectClrLst/>
+    <dgm:txLinClrLst/>
+    <dgm:txFillClrLst meth="repeat">
+      <a:schemeClr val="tx1"/>
+    </dgm:txFillClrLst>
+    <dgm:txEffectClrLst/>
+  </dgm:styleLbl>
+  <dgm:styleLbl name="callout">
+    <dgm:fillClrLst meth="repeat">
+      <a:schemeClr val="accent2"/>
+    </dgm:fillClrLst>
+    <dgm:linClrLst meth="repeat">
+      <a:schemeClr val="accent2">
+        <a:tint val="50000"/>
+      </a:schemeClr>
+    </dgm:linClrLst>
+    <dgm:effectClrLst/>
+    <dgm:txLinClrLst/>
+    <dgm:txFillClrLst meth="repeat">
+      <a:schemeClr val="tx1"/>
+    </dgm:txFillClrLst>
+    <dgm:txEffectClrLst/>
+  </dgm:styleLbl>
+  <dgm:styleLbl name="asst0">
+    <dgm:fillClrLst meth="repeat">
+      <a:schemeClr val="accent1"/>
+    </dgm:fillClrLst>
+    <dgm:linClrLst meth="repeat">
+      <a:schemeClr val="lt1"/>
+    </dgm:linClrLst>
+    <dgm:effectClrLst/>
+    <dgm:txLinClrLst/>
+    <dgm:txFillClrLst/>
+    <dgm:txEffectClrLst/>
+  </dgm:styleLbl>
+  <dgm:styleLbl name="asst1">
+    <dgm:fillClrLst meth="repeat">
+      <a:schemeClr val="accent2"/>
+    </dgm:fillClrLst>
+    <dgm:linClrLst meth="repeat">
+      <a:schemeClr val="lt1"/>
+    </dgm:linClrLst>
+    <dgm:effectClrLst/>
+    <dgm:txLinClrLst/>
+    <dgm:txFillClrLst/>
+    <dgm:txEffectClrLst/>
+  </dgm:styleLbl>
+  <dgm:styleLbl name="asst2">
+    <dgm:fillClrLst>
+      <a:schemeClr val="accent3"/>
+    </dgm:fillClrLst>
+    <dgm:linClrLst meth="repeat">
+      <a:schemeClr val="lt1"/>
+    </dgm:linClrLst>
+    <dgm:effectClrLst/>
+    <dgm:txLinClrLst/>
+    <dgm:txFillClrLst/>
+    <dgm:txEffectClrLst/>
+  </dgm:styleLbl>
+  <dgm:styleLbl name="asst3">
+    <dgm:fillClrLst>
+      <a:schemeClr val="accent4"/>
+    </dgm:fillClrLst>
+    <dgm:linClrLst meth="repeat">
+      <a:schemeClr val="lt1"/>
+    </dgm:linClrLst>
+    <dgm:effectClrLst/>
+    <dgm:txLinClrLst/>
+    <dgm:txFillClrLst/>
+    <dgm:txEffectClrLst/>
+  </dgm:styleLbl>
+  <dgm:styleLbl name="asst4">
+    <dgm:fillClrLst>
+      <a:schemeClr val="accent5"/>
+    </dgm:fillClrLst>
+    <dgm:linClrLst meth="repeat">
+      <a:schemeClr val="lt1"/>
+    </dgm:linClrLst>
+    <dgm:effectClrLst/>
+    <dgm:txLinClrLst/>
+    <dgm:txFillClrLst/>
+    <dgm:txEffectClrLst/>
+  </dgm:styleLbl>
+  <dgm:styleLbl name="parChTrans2D1">
+    <dgm:fillClrLst meth="repeat">
+      <a:schemeClr val="accent2"/>
+    </dgm:fillClrLst>
+    <dgm:linClrLst meth="repeat">
+      <a:schemeClr val="lt1"/>
+    </dgm:linClrLst>
+    <dgm:effectClrLst/>
+    <dgm:txLinClrLst/>
+    <dgm:txFillClrLst meth="repeat">
+      <a:schemeClr val="lt1"/>
+    </dgm:txFillClrLst>
+    <dgm:txEffectClrLst/>
+  </dgm:styleLbl>
+  <dgm:styleLbl name="parChTrans2D2">
+    <dgm:fillClrLst meth="repeat">
+      <a:schemeClr val="accent3"/>
+    </dgm:fillClrLst>
+    <dgm:linClrLst meth="repeat">
+      <a:schemeClr val="lt1"/>
+    </dgm:linClrLst>
+    <dgm:effectClrLst/>
+    <dgm:txLinClrLst/>
+    <dgm:txFillClrLst/>
+    <dgm:txEffectClrLst/>
+  </dgm:styleLbl>
+  <dgm:styleLbl name="parChTrans2D3">
+    <dgm:fillClrLst meth="repeat">
+      <a:schemeClr val="accent4"/>
+    </dgm:fillClrLst>
+    <dgm:linClrLst meth="repeat">
+      <a:schemeClr val="lt1"/>
+    </dgm:linClrLst>
+    <dgm:effectClrLst/>
+    <dgm:txLinClrLst/>
+    <dgm:txFillClrLst/>
+    <dgm:txEffectClrLst/>
+  </dgm:styleLbl>
+  <dgm:styleLbl name="parChTrans2D4">
+    <dgm:fillClrLst meth="repeat">
+      <a:schemeClr val="accent5"/>
+    </dgm:fillClrLst>
+    <dgm:linClrLst meth="repeat">
+      <a:schemeClr val="lt1"/>
+    </dgm:linClrLst>
+    <dgm:effectClrLst/>
+    <dgm:txLinClrLst/>
+    <dgm:txFillClrLst meth="repeat">
+      <a:schemeClr val="lt1"/>
+    </dgm:txFillClrLst>
+    <dgm:txEffectClrLst/>
+  </dgm:styleLbl>
+  <dgm:styleLbl name="parChTrans1D1">
+    <dgm:fillClrLst meth="repeat">
+      <a:schemeClr val="accent2"/>
+    </dgm:fillClrLst>
+    <dgm:linClrLst meth="repeat">
+      <a:schemeClr val="accent1"/>
+    </dgm:linClrLst>
+    <dgm:effectClrLst/>
+    <dgm:txLinClrLst/>
+    <dgm:txFillClrLst meth="repeat">
+      <a:schemeClr val="tx1"/>
+    </dgm:txFillClrLst>
+    <dgm:txEffectClrLst/>
+  </dgm:styleLbl>
+  <dgm:styleLbl name="parChTrans1D2">
+    <dgm:fillClrLst meth="repeat">
+      <a:schemeClr val="accent3">
+        <a:tint val="90000"/>
+      </a:schemeClr>
+    </dgm:fillClrLst>
+    <dgm:linClrLst meth="repeat">
+      <a:schemeClr val="accent2"/>
+    </dgm:linClrLst>
+    <dgm:effectClrLst/>
+    <dgm:txLinClrLst/>
+    <dgm:txFillClrLst meth="repeat">
+      <a:schemeClr val="tx1"/>
+    </dgm:txFillClrLst>
+    <dgm:txEffectClrLst/>
+  </dgm:styleLbl>
+  <dgm:styleLbl name="parChTrans1D3">
+    <dgm:fillClrLst meth="repeat">
+      <a:schemeClr val="accent4">
+        <a:tint val="70000"/>
+      </a:schemeClr>
+    </dgm:fillClrLst>
+    <dgm:linClrLst meth="repeat">
+      <a:schemeClr val="accent3"/>
+    </dgm:linClrLst>
+    <dgm:effectClrLst/>
+    <dgm:txLinClrLst/>
+    <dgm:txFillClrLst meth="repeat">
+      <a:schemeClr val="tx1"/>
+    </dgm:txFillClrLst>
+    <dgm:txEffectClrLst/>
+  </dgm:styleLbl>
+  <dgm:styleLbl name="parChTrans1D4">
+    <dgm:fillClrLst meth="repeat">
+      <a:schemeClr val="accent5">
+        <a:tint val="50000"/>
+      </a:schemeClr>
+    </dgm:fillClrLst>
+    <dgm:linClrLst meth="repeat">
+      <a:schemeClr val="accent4"/>
+    </dgm:linClrLst>
+    <dgm:effectClrLst/>
+    <dgm:txLinClrLst/>
+    <dgm:txFillClrLst meth="repeat">
+      <a:schemeClr val="tx1"/>
+    </dgm:txFillClrLst>
+    <dgm:txEffectClrLst/>
+  </dgm:styleLbl>
+  <dgm:styleLbl name="fgAcc1">
+    <dgm:fillClrLst meth="repeat">
+      <a:schemeClr val="lt1">
+        <a:alpha val="90000"/>
+      </a:schemeClr>
+    </dgm:fillClrLst>
+    <dgm:linClrLst meth="repeat">
+      <a:schemeClr val="accent2"/>
+      <a:schemeClr val="accent3"/>
+      <a:schemeClr val="accent4"/>
+      <a:schemeClr val="accent5"/>
+      <a:schemeClr val="accent6"/>
+    </dgm:linClrLst>
+    <dgm:effectClrLst/>
+    <dgm:txLinClrLst/>
+    <dgm:txFillClrLst meth="repeat">
+      <a:schemeClr val="dk1"/>
+    </dgm:txFillClrLst>
+    <dgm:txEffectClrLst/>
+  </dgm:styleLbl>
+  <dgm:styleLbl name="conFgAcc1">
+    <dgm:fillClrLst meth="repeat">
+      <a:schemeClr val="lt1">
+        <a:alpha val="90000"/>
+      </a:schemeClr>
+    </dgm:fillClrLst>
+    <dgm:linClrLst meth="repeat">
+      <a:schemeClr val="accent2"/>
+      <a:schemeClr val="accent3"/>
+      <a:schemeClr val="accent4"/>
+      <a:schemeClr val="accent5"/>
+      <a:schemeClr val="accent6"/>
+    </dgm:linClrLst>
+    <dgm:effectClrLst/>
+    <dgm:txLinClrLst/>
+    <dgm:txFillClrLst meth="repeat">
+      <a:schemeClr val="dk1"/>
+    </dgm:txFillClrLst>
+    <dgm:txEffectClrLst/>
+  </dgm:styleLbl>
+  <dgm:styleLbl name="alignAcc1">
+    <dgm:fillClrLst meth="repeat">
+      <a:schemeClr val="lt1">
+        <a:alpha val="90000"/>
+      </a:schemeClr>
+    </dgm:fillClrLst>
+    <dgm:linClrLst meth="repeat">
+      <a:schemeClr val="accent2"/>
+      <a:schemeClr val="accent3"/>
+      <a:schemeClr val="accent4"/>
+      <a:schemeClr val="accent5"/>
+      <a:schemeClr val="accent6"/>
+    </dgm:linClrLst>
+    <dgm:effectClrLst/>
+    <dgm:txLinClrLst/>
+    <dgm:txFillClrLst meth="repeat">
+      <a:schemeClr val="dk1"/>
+    </dgm:txFillClrLst>
+    <dgm:txEffectClrLst/>
+  </dgm:styleLbl>
+  <dgm:styleLbl name="trAlignAcc1">
+    <dgm:fillClrLst meth="repeat">
+      <a:schemeClr val="lt1">
+        <a:alpha val="40000"/>
+      </a:schemeClr>
+    </dgm:fillClrLst>
+    <dgm:linClrLst meth="repeat">
+      <a:schemeClr val="accent1"/>
+    </dgm:linClrLst>
+    <dgm:effectClrLst/>
+    <dgm:txLinClrLst/>
+    <dgm:txFillClrLst meth="repeat">
+      <a:schemeClr val="dk1"/>
+    </dgm:txFillClrLst>
+    <dgm:txEffectClrLst/>
+  </dgm:styleLbl>
+  <dgm:styleLbl name="bgAcc1">
+    <dgm:fillClrLst meth="repeat">
+      <a:schemeClr val="lt1">
+        <a:alpha val="90000"/>
+      </a:schemeClr>
+    </dgm:fillClrLst>
+    <dgm:linClrLst meth="repeat">
+      <a:schemeClr val="accent2"/>
+      <a:schemeClr val="accent3"/>
+      <a:schemeClr val="accent4"/>
+      <a:schemeClr val="accent5"/>
+      <a:schemeClr val="accent6"/>
+    </dgm:linClrLst>
+    <dgm:effectClrLst/>
+    <dgm:txLinClrLst/>
+    <dgm:txFillClrLst meth="repeat">
+      <a:schemeClr val="dk1"/>
+    </dgm:txFillClrLst>
+    <dgm:txEffectClrLst/>
+  </dgm:styleLbl>
+  <dgm:styleLbl name="solidFgAcc1">
+    <dgm:fillClrLst meth="repeat">
+      <a:schemeClr val="lt1"/>
+    </dgm:fillClrLst>
+    <dgm:linClrLst meth="repeat">
+      <a:schemeClr val="accent2"/>
+      <a:schemeClr val="accent3"/>
+      <a:schemeClr val="accent4"/>
+      <a:schemeClr val="accent5"/>
+      <a:schemeClr val="accent6"/>
+    </dgm:linClrLst>
+    <dgm:effectClrLst/>
+    <dgm:txLinClrLst/>
+    <dgm:txFillClrLst meth="repeat">
+      <a:schemeClr val="dk1"/>
+    </dgm:txFillClrLst>
+    <dgm:txEffectClrLst/>
+  </dgm:styleLbl>
+  <dgm:styleLbl name="solidAlignAcc1">
+    <dgm:fillClrLst meth="repeat">
+      <a:schemeClr val="lt1"/>
+    </dgm:fillClrLst>
+    <dgm:linClrLst meth="repeat">
+      <a:schemeClr val="accent2"/>
+      <a:schemeClr val="accent3"/>
+      <a:schemeClr val="accent4"/>
+      <a:schemeClr val="accent5"/>
+      <a:schemeClr val="accent6"/>
+    </dgm:linClrLst>
+    <dgm:effectClrLst/>
+    <dgm:txLinClrLst/>
+    <dgm:txFillClrLst meth="repeat">
+      <a:schemeClr val="dk1"/>
+    </dgm:txFillClrLst>
+    <dgm:txEffectClrLst/>
+  </dgm:styleLbl>
+  <dgm:styleLbl name="solidBgAcc1">
+    <dgm:fillClrLst meth="repeat">
+      <a:schemeClr val="lt1"/>
+    </dgm:fillClrLst>
+    <dgm:linClrLst meth="repeat">
+      <a:schemeClr val="accent2"/>
+      <a:schemeClr val="accent3"/>
+      <a:schemeClr val="accent4"/>
+      <a:schemeClr val="accent5"/>
+      <a:schemeClr val="accent6"/>
+    </dgm:linClrLst>
+    <dgm:effectClrLst/>
+    <dgm:txLinClrLst/>
+    <dgm:txFillClrLst meth="repeat">
+      <a:schemeClr val="dk1"/>
+    </dgm:txFillClrLst>
+    <dgm:txEffectClrLst/>
+  </dgm:styleLbl>
+  <dgm:styleLbl name="fgAccFollowNode1">
+    <dgm:fillClrLst meth="repeat">
+      <a:schemeClr val="accent2">
+        <a:tint val="40000"/>
+        <a:alpha val="90000"/>
+      </a:schemeClr>
+      <a:schemeClr val="accent3">
+        <a:tint val="40000"/>
+        <a:alpha val="90000"/>
+      </a:schemeClr>
+      <a:schemeClr val="accent4">
+        <a:tint val="40000"/>
+        <a:alpha val="90000"/>
+      </a:schemeClr>
+      <a:schemeClr val="accent5">
+        <a:tint val="40000"/>
+        <a:alpha val="90000"/>
+      </a:schemeClr>
+      <a:schemeClr val="accent6">
+        <a:tint val="40000"/>
+        <a:alpha val="90000"/>
+      </a:schemeClr>
+    </dgm:fillClrLst>
+    <dgm:linClrLst meth="repeat">
+      <a:schemeClr val="accent2">
+        <a:tint val="40000"/>
+        <a:alpha val="90000"/>
+      </a:schemeClr>
+      <a:schemeClr val="accent3">
+        <a:tint val="40000"/>
+        <a:alpha val="90000"/>
+      </a:schemeClr>
+      <a:schemeClr val="accent4">
+        <a:tint val="40000"/>
+        <a:alpha val="90000"/>
+      </a:schemeClr>
+      <a:schemeClr val="accent5">
+        <a:tint val="40000"/>
+        <a:alpha val="90000"/>
+      </a:schemeClr>
+      <a:schemeClr val="accent6">
+        <a:tint val="40000"/>
+        <a:alpha val="90000"/>
+      </a:schemeClr>
+    </dgm:linClrLst>
+    <dgm:effectClrLst/>
+    <dgm:txLinClrLst/>
+    <dgm:txFillClrLst meth="repeat">
+      <a:schemeClr val="dk1"/>
+    </dgm:txFillClrLst>
+    <dgm:txEffectClrLst/>
+  </dgm:styleLbl>
+  <dgm:styleLbl name="alignAccFollowNode1">
+    <dgm:fillClrLst meth="repeat">
+      <a:schemeClr val="accent2">
+        <a:tint val="40000"/>
+        <a:alpha val="90000"/>
+      </a:schemeClr>
+      <a:schemeClr val="accent3">
+        <a:tint val="40000"/>
+        <a:alpha val="90000"/>
+      </a:schemeClr>
+      <a:schemeClr val="accent4">
+        <a:tint val="40000"/>
+        <a:alpha val="90000"/>
+      </a:schemeClr>
+      <a:schemeClr val="accent5">
+        <a:tint val="40000"/>
+        <a:alpha val="90000"/>
+      </a:schemeClr>
+      <a:schemeClr val="accent6">
+        <a:tint val="40000"/>
+        <a:alpha val="90000"/>
+      </a:schemeClr>
+    </dgm:fillClrLst>
+    <dgm:linClrLst meth="repeat">
+      <a:schemeClr val="accent2">
+        <a:tint val="40000"/>
+        <a:alpha val="90000"/>
+      </a:schemeClr>
+      <a:schemeClr val="accent3">
+        <a:tint val="40000"/>
+        <a:alpha val="90000"/>
+      </a:schemeClr>
+      <a:schemeClr val="accent4">
+        <a:tint val="40000"/>
+        <a:alpha val="90000"/>
+      </a:schemeClr>
+      <a:schemeClr val="accent5">
+        <a:tint val="40000"/>
+        <a:alpha val="90000"/>
+      </a:schemeClr>
+      <a:schemeClr val="accent6">
+        <a:tint val="40000"/>
+        <a:alpha val="90000"/>
+      </a:schemeClr>
+    </dgm:linClrLst>
+    <dgm:effectClrLst/>
+    <dgm:txLinClrLst/>
+    <dgm:txFillClrLst meth="repeat">
+      <a:schemeClr val="dk1"/>
+    </dgm:txFillClrLst>
+    <dgm:txEffectClrLst/>
+  </dgm:styleLbl>
+  <dgm:styleLbl name="bgAccFollowNode1">
+    <dgm:fillClrLst meth="repeat">
+      <a:schemeClr val="accent2">
+        <a:tint val="40000"/>
+        <a:alpha val="90000"/>
+      </a:schemeClr>
+      <a:schemeClr val="accent3">
+        <a:tint val="40000"/>
+        <a:alpha val="90000"/>
+      </a:schemeClr>
+      <a:schemeClr val="accent4">
+        <a:tint val="40000"/>
+        <a:alpha val="90000"/>
+      </a:schemeClr>
+      <a:schemeClr val="accent5">
+        <a:tint val="40000"/>
+        <a:alpha val="90000"/>
+      </a:schemeClr>
+      <a:schemeClr val="accent6">
+        <a:tint val="40000"/>
+        <a:alpha val="90000"/>
+      </a:schemeClr>
+    </dgm:fillClrLst>
+    <dgm:linClrLst meth="repeat">
+      <a:schemeClr val="accent2">
+        <a:tint val="40000"/>
+        <a:alpha val="90000"/>
+      </a:schemeClr>
+      <a:schemeClr val="accent3">
+        <a:tint val="40000"/>
+        <a:alpha val="90000"/>
+      </a:schemeClr>
+      <a:schemeClr val="accent4">
+        <a:tint val="40000"/>
+        <a:alpha val="90000"/>
+      </a:schemeClr>
+      <a:schemeClr val="accent5">
+        <a:tint val="40000"/>
+        <a:alpha val="90000"/>
+      </a:schemeClr>
+      <a:schemeClr val="accent6">
+        <a:tint val="40000"/>
+        <a:alpha val="90000"/>
+      </a:schemeClr>
+    </dgm:linClrLst>
+    <dgm:effectClrLst/>
+    <dgm:txLinClrLst/>
+    <dgm:txFillClrLst meth="repeat">
+      <a:schemeClr val="dk1"/>
+    </dgm:txFillClrLst>
+    <dgm:txEffectClrLst/>
+  </dgm:styleLbl>
+  <dgm:styleLbl name="fgAcc0">
+    <dgm:fillClrLst meth="repeat">
+      <a:schemeClr val="lt1">
+        <a:alpha val="90000"/>
+      </a:schemeClr>
+    </dgm:fillClrLst>
+    <dgm:linClrLst>
+      <a:schemeClr val="accent1"/>
+    </dgm:linClrLst>
+    <dgm:effectClrLst/>
+    <dgm:txLinClrLst/>
+    <dgm:txFillClrLst meth="repeat">
+      <a:schemeClr val="dk1"/>
+    </dgm:txFillClrLst>
+    <dgm:txEffectClrLst/>
+  </dgm:styleLbl>
+  <dgm:styleLbl name="fgAcc2">
+    <dgm:fillClrLst meth="repeat">
+      <a:schemeClr val="lt1">
+        <a:alpha val="90000"/>
+      </a:schemeClr>
+    </dgm:fillClrLst>
+    <dgm:linClrLst>
+      <a:schemeClr val="accent2"/>
+    </dgm:linClrLst>
+    <dgm:effectClrLst/>
+    <dgm:txLinClrLst/>
+    <dgm:txFillClrLst meth="repeat">
+      <a:schemeClr val="dk1"/>
+    </dgm:txFillClrLst>
+    <dgm:txEffectClrLst/>
+  </dgm:styleLbl>
+  <dgm:styleLbl name="fgAcc3">
+    <dgm:fillClrLst meth="repeat">
+      <a:schemeClr val="lt1">
+        <a:alpha val="90000"/>
+      </a:schemeClr>
+    </dgm:fillClrLst>
+    <dgm:linClrLst>
+      <a:schemeClr val="accent3"/>
+    </dgm:linClrLst>
+    <dgm:effectClrLst/>
+    <dgm:txLinClrLst/>
+    <dgm:txFillClrLst meth="repeat">
+      <a:schemeClr val="dk1"/>
+    </dgm:txFillClrLst>
+    <dgm:txEffectClrLst/>
+  </dgm:styleLbl>
+  <dgm:styleLbl name="fgAcc4">
+    <dgm:fillClrLst meth="repeat">
+      <a:schemeClr val="lt1">
+        <a:alpha val="90000"/>
+      </a:schemeClr>
+    </dgm:fillClrLst>
+    <dgm:linClrLst>
+      <a:schemeClr val="accent4"/>
+    </dgm:linClrLst>
+    <dgm:effectClrLst/>
+    <dgm:txLinClrLst/>
+    <dgm:txFillClrLst meth="repeat">
+      <a:schemeClr val="dk1"/>
+    </dgm:txFillClrLst>
+    <dgm:txEffectClrLst/>
+  </dgm:styleLbl>
+  <dgm:styleLbl name="bgShp">
+    <dgm:fillClrLst meth="repeat">
+      <a:schemeClr val="accent2"/>
+      <a:schemeClr val="accent3"/>
+      <a:schemeClr val="accent4"/>
+      <a:schemeClr val="accent5"/>
+      <a:schemeClr val="accent6"/>
+    </dgm:fillClrLst>
+    <dgm:linClrLst meth="repeat">
+      <a:schemeClr val="lt1">
+        <a:alpha val="0"/>
+      </a:schemeClr>
+    </dgm:linClrLst>
+    <dgm:effectClrLst/>
+    <dgm:txLinClrLst/>
+    <dgm:txFillClrLst/>
+    <dgm:txEffectClrLst/>
+  </dgm:styleLbl>
+  <dgm:styleLbl name="dkBgShp">
+    <dgm:fillClrLst meth="repeat">
+      <a:schemeClr val="accent2">
+        <a:shade val="90000"/>
+      </a:schemeClr>
+    </dgm:fillClrLst>
+    <dgm:linClrLst meth="repeat">
+      <a:schemeClr val="dk1"/>
+    </dgm:linClrLst>
+    <dgm:effectClrLst/>
+    <dgm:txLinClrLst/>
+    <dgm:txFillClrLst meth="repeat">
+      <a:schemeClr val="lt1"/>
+    </dgm:txFillClrLst>
+    <dgm:txEffectClrLst/>
+  </dgm:styleLbl>
+  <dgm:styleLbl name="trBgShp">
+    <dgm:fillClrLst meth="repeat">
+      <a:schemeClr val="accent1">
+        <a:tint val="50000"/>
+        <a:alpha val="40000"/>
+      </a:schemeClr>
+    </dgm:fillClrLst>
+    <dgm:linClrLst meth="repeat">
+      <a:schemeClr val="accent2"/>
+    </dgm:linClrLst>
+    <dgm:effectClrLst/>
+    <dgm:txLinClrLst/>
+    <dgm:txFillClrLst meth="repeat">
+      <a:schemeClr val="lt1"/>
+    </dgm:txFillClrLst>
+    <dgm:txEffectClrLst/>
+  </dgm:styleLbl>
+  <dgm:styleLbl name="fgShp">
+    <dgm:fillClrLst meth="repeat">
+      <a:schemeClr val="accent2">
+        <a:tint val="40000"/>
+      </a:schemeClr>
+    </dgm:fillClrLst>
+    <dgm:linClrLst meth="repeat">
+      <a:schemeClr val="lt1"/>
+    </dgm:linClrLst>
+    <dgm:effectClrLst/>
+    <dgm:txLinClrLst/>
+    <dgm:txFillClrLst meth="repeat">
+      <a:schemeClr val="dk1"/>
+    </dgm:txFillClrLst>
+    <dgm:txEffectClrLst/>
+  </dgm:styleLbl>
+  <dgm:styleLbl name="revTx">
+    <dgm:fillClrLst meth="repeat">
+      <a:schemeClr val="lt1">
+        <a:alpha val="0"/>
+      </a:schemeClr>
+    </dgm:fillClrLst>
+    <dgm:linClrLst meth="repeat">
+      <a:schemeClr val="dk1">
+        <a:alpha val="0"/>
+      </a:schemeClr>
+    </dgm:linClrLst>
+    <dgm:effectClrLst/>
+    <dgm:txLinClrLst/>
+    <dgm:txFillClrLst meth="repeat">
+      <a:schemeClr val="bg1"/>
+    </dgm:txFillClrLst>
+    <dgm:txEffectClrLst/>
+  </dgm:styleLbl>
+</dgm:colorsDef>
+</file>
+
+<file path=ppt/diagrams/data1.xml><?xml version="1.0" encoding="utf-8"?>
+<dgm:dataModel xmlns:dgm="http://schemas.openxmlformats.org/drawingml/2006/diagram" xmlns:a="http://schemas.openxmlformats.org/drawingml/2006/main">
+  <dgm:ptLst>
+    <dgm:pt modelId="{35AF5568-0BAC-4CCA-99E8-3EF8B0E308ED}" type="doc">
+      <dgm:prSet loTypeId="urn:microsoft.com/office/officeart/2018/2/layout/IconVerticalSolidList" loCatId="icon" qsTypeId="urn:microsoft.com/office/officeart/2005/8/quickstyle/simple4" qsCatId="simple" csTypeId="urn:microsoft.com/office/officeart/2018/5/colors/Iconchunking_neutralicontext_colorful1" csCatId="colorful" phldr="1"/>
+      <dgm:spPr/>
+      <dgm:t>
+        <a:bodyPr/>
+        <a:lstStyle/>
+        <a:p>
+          <a:endParaRPr lang="en-US"/>
+        </a:p>
+      </dgm:t>
+    </dgm:pt>
+    <dgm:pt modelId="{E9AFEF91-620B-4872-ACAC-7FFD664C9A95}">
+      <dgm:prSet/>
+      <dgm:spPr/>
+      <dgm:t>
+        <a:bodyPr/>
+        <a:lstStyle/>
+        <a:p>
+          <a:r>
+            <a:rPr lang="en-US" dirty="0"/>
+            <a:t>Based on the data, Medicare is directly related to the income.</a:t>
+          </a:r>
+        </a:p>
+      </dgm:t>
+    </dgm:pt>
+    <dgm:pt modelId="{58FB0E97-194A-49C8-B2A3-B03CA7040EF5}" type="parTrans" cxnId="{9A94ECC5-5A7A-470E-BBAE-746D3A2DAC94}">
+      <dgm:prSet/>
+      <dgm:spPr/>
+      <dgm:t>
+        <a:bodyPr/>
+        <a:lstStyle/>
+        <a:p>
+          <a:endParaRPr lang="en-US"/>
+        </a:p>
+      </dgm:t>
+    </dgm:pt>
+    <dgm:pt modelId="{93C79C7F-9443-420C-814B-19CF28A3E320}" type="sibTrans" cxnId="{9A94ECC5-5A7A-470E-BBAE-746D3A2DAC94}">
+      <dgm:prSet/>
+      <dgm:spPr/>
+      <dgm:t>
+        <a:bodyPr/>
+        <a:lstStyle/>
+        <a:p>
+          <a:endParaRPr lang="en-US"/>
+        </a:p>
+      </dgm:t>
+    </dgm:pt>
+    <dgm:pt modelId="{59A516C3-62C0-4A2D-9254-56B95449808B}">
+      <dgm:prSet/>
+      <dgm:spPr/>
+      <dgm:t>
+        <a:bodyPr/>
+        <a:lstStyle/>
+        <a:p>
+          <a:r>
+            <a:rPr lang="en-US"/>
+            <a:t>CMS.gov files are difficult to work with</a:t>
+          </a:r>
+        </a:p>
+      </dgm:t>
+    </dgm:pt>
+    <dgm:pt modelId="{C74F7CBF-B950-4C85-A423-F5BFBB79143D}" type="parTrans" cxnId="{ADFF2350-7914-4C96-9081-DF81392B2E9E}">
+      <dgm:prSet/>
+      <dgm:spPr/>
+      <dgm:t>
+        <a:bodyPr/>
+        <a:lstStyle/>
+        <a:p>
+          <a:endParaRPr lang="en-US"/>
+        </a:p>
+      </dgm:t>
+    </dgm:pt>
+    <dgm:pt modelId="{ABE9B9D6-CDD1-479F-8373-1E383145E3ED}" type="sibTrans" cxnId="{ADFF2350-7914-4C96-9081-DF81392B2E9E}">
+      <dgm:prSet/>
+      <dgm:spPr/>
+      <dgm:t>
+        <a:bodyPr/>
+        <a:lstStyle/>
+        <a:p>
+          <a:endParaRPr lang="en-US"/>
+        </a:p>
+      </dgm:t>
+    </dgm:pt>
+    <dgm:pt modelId="{7CCAA74A-13BD-42B5-884E-88C284BE31E0}">
+      <dgm:prSet/>
+      <dgm:spPr/>
+      <dgm:t>
+        <a:bodyPr/>
+        <a:lstStyle/>
+        <a:p>
+          <a:r>
+            <a:rPr lang="en-US"/>
+            <a:t>There is a correlation between data recorded and Medicare money spent</a:t>
+          </a:r>
+        </a:p>
+      </dgm:t>
+    </dgm:pt>
+    <dgm:pt modelId="{E45D556F-FF1B-4362-9EDF-81D0BDA808E5}" type="parTrans" cxnId="{AFF24189-9406-462A-AF60-3489CF9AC544}">
+      <dgm:prSet/>
+      <dgm:spPr/>
+      <dgm:t>
+        <a:bodyPr/>
+        <a:lstStyle/>
+        <a:p>
+          <a:endParaRPr lang="en-US"/>
+        </a:p>
+      </dgm:t>
+    </dgm:pt>
+    <dgm:pt modelId="{F56FBCF5-C1E1-48EA-83BC-6194B446EF8B}" type="sibTrans" cxnId="{AFF24189-9406-462A-AF60-3489CF9AC544}">
+      <dgm:prSet/>
+      <dgm:spPr/>
+      <dgm:t>
+        <a:bodyPr/>
+        <a:lstStyle/>
+        <a:p>
+          <a:endParaRPr lang="en-US"/>
+        </a:p>
+      </dgm:t>
+    </dgm:pt>
+    <dgm:pt modelId="{F1D8F2D3-3B8E-4017-BE7D-D22D32A53814}">
+      <dgm:prSet/>
+      <dgm:spPr/>
+      <dgm:t>
+        <a:bodyPr/>
+        <a:lstStyle/>
+        <a:p>
+          <a:r>
+            <a:rPr lang="en-US" dirty="0"/>
+            <a:t>Medicare outcomes differ by county </a:t>
+          </a:r>
+        </a:p>
+      </dgm:t>
+    </dgm:pt>
+    <dgm:pt modelId="{3C718D53-7CC5-4477-8CC3-B1C6C77F2871}" type="parTrans" cxnId="{00CD1F5A-AC7B-49ED-9605-A65E79DEA449}">
+      <dgm:prSet/>
+      <dgm:spPr/>
+      <dgm:t>
+        <a:bodyPr/>
+        <a:lstStyle/>
+        <a:p>
+          <a:endParaRPr lang="en-US"/>
+        </a:p>
+      </dgm:t>
+    </dgm:pt>
+    <dgm:pt modelId="{938E5792-A338-408C-97BB-F3C6442D947A}" type="sibTrans" cxnId="{00CD1F5A-AC7B-49ED-9605-A65E79DEA449}">
+      <dgm:prSet/>
+      <dgm:spPr/>
+      <dgm:t>
+        <a:bodyPr/>
+        <a:lstStyle/>
+        <a:p>
+          <a:endParaRPr lang="en-US"/>
+        </a:p>
+      </dgm:t>
+    </dgm:pt>
+    <dgm:pt modelId="{0F90107F-EAAC-4D4B-B44A-E26AD4BE012A}">
+      <dgm:prSet custT="1"/>
+      <dgm:spPr/>
+      <dgm:t>
+        <a:bodyPr/>
+        <a:lstStyle/>
+        <a:p>
+          <a:r>
+            <a:rPr lang="en-US" sz="1250" b="1" dirty="0">
+              <a:solidFill>
+                <a:schemeClr val="tx1"/>
+              </a:solidFill>
+            </a:rPr>
+            <a:t>Readmission rate different among 6 counties</a:t>
+          </a:r>
+        </a:p>
+      </dgm:t>
+    </dgm:pt>
+    <dgm:pt modelId="{E3F2C20A-82CC-4DD5-88CB-1D9C52BFF848}" type="parTrans" cxnId="{8EF1B01D-F0DD-4A9E-A1F8-91154174B1B5}">
+      <dgm:prSet/>
+      <dgm:spPr/>
+      <dgm:t>
+        <a:bodyPr/>
+        <a:lstStyle/>
+        <a:p>
+          <a:endParaRPr lang="en-US"/>
+        </a:p>
+      </dgm:t>
+    </dgm:pt>
+    <dgm:pt modelId="{70C35BCB-A050-4760-80B1-39AEEDCFDAC0}" type="sibTrans" cxnId="{8EF1B01D-F0DD-4A9E-A1F8-91154174B1B5}">
+      <dgm:prSet/>
+      <dgm:spPr/>
+      <dgm:t>
+        <a:bodyPr/>
+        <a:lstStyle/>
+        <a:p>
+          <a:endParaRPr lang="en-US"/>
+        </a:p>
+      </dgm:t>
+    </dgm:pt>
+    <dgm:pt modelId="{52D2AEAA-1A9E-4392-9BC2-2C72693ED42B}">
+      <dgm:prSet custT="1"/>
+      <dgm:spPr/>
+      <dgm:t>
+        <a:bodyPr/>
+        <a:lstStyle/>
+        <a:p>
+          <a:r>
+            <a:rPr lang="en-US" sz="1250" b="1" dirty="0">
+              <a:solidFill>
+                <a:schemeClr val="tx1"/>
+              </a:solidFill>
+            </a:rPr>
+            <a:t>Complications  and Deaths were differ among 6 counties</a:t>
+          </a:r>
+        </a:p>
+      </dgm:t>
+    </dgm:pt>
+    <dgm:pt modelId="{CF1FB424-4163-4723-ACFD-A8C9381D63C7}" type="parTrans" cxnId="{EB75AFFA-3059-4206-B910-757A946A291A}">
+      <dgm:prSet/>
+      <dgm:spPr/>
+      <dgm:t>
+        <a:bodyPr/>
+        <a:lstStyle/>
+        <a:p>
+          <a:endParaRPr lang="en-US"/>
+        </a:p>
+      </dgm:t>
+    </dgm:pt>
+    <dgm:pt modelId="{6812F839-93F8-4F85-9027-119F975F05C0}" type="sibTrans" cxnId="{EB75AFFA-3059-4206-B910-757A946A291A}">
+      <dgm:prSet/>
+      <dgm:spPr/>
+      <dgm:t>
+        <a:bodyPr/>
+        <a:lstStyle/>
+        <a:p>
+          <a:endParaRPr lang="en-US"/>
+        </a:p>
+      </dgm:t>
+    </dgm:pt>
+    <dgm:pt modelId="{AF8305A8-5C81-4FAF-8419-9E24D2557F8F}">
+      <dgm:prSet custT="1"/>
+      <dgm:spPr/>
+      <dgm:t>
+        <a:bodyPr/>
+        <a:lstStyle/>
+        <a:p>
+          <a:r>
+            <a:rPr lang="en-US" sz="1250" b="1" dirty="0">
+              <a:solidFill>
+                <a:schemeClr val="tx1"/>
+              </a:solidFill>
+            </a:rPr>
+            <a:t>Unexpected hospitable visit also differ among the 6 counties</a:t>
+          </a:r>
+        </a:p>
+      </dgm:t>
+    </dgm:pt>
+    <dgm:pt modelId="{18A2F02F-6669-4018-8231-D4ABA0C7F958}" type="parTrans" cxnId="{8027313D-DF7B-465E-8EE1-203DEB7FFC2A}">
+      <dgm:prSet/>
+      <dgm:spPr/>
+      <dgm:t>
+        <a:bodyPr/>
+        <a:lstStyle/>
+        <a:p>
+          <a:endParaRPr lang="en-US"/>
+        </a:p>
+      </dgm:t>
+    </dgm:pt>
+    <dgm:pt modelId="{63F85E7F-872F-4FFD-9000-3AEDD0E6DFF5}" type="sibTrans" cxnId="{8027313D-DF7B-465E-8EE1-203DEB7FFC2A}">
+      <dgm:prSet/>
+      <dgm:spPr/>
+      <dgm:t>
+        <a:bodyPr/>
+        <a:lstStyle/>
+        <a:p>
+          <a:endParaRPr lang="en-US"/>
+        </a:p>
+      </dgm:t>
+    </dgm:pt>
+    <dgm:pt modelId="{84CEC8E2-F3F3-4FCB-9320-7107038458FD}">
+      <dgm:prSet custT="1"/>
+      <dgm:spPr/>
+      <dgm:t>
+        <a:bodyPr/>
+        <a:lstStyle/>
+        <a:p>
+          <a:r>
+            <a:rPr lang="en-US" sz="1250" b="1" dirty="0">
+              <a:solidFill>
+                <a:schemeClr val="tx1"/>
+              </a:solidFill>
+            </a:rPr>
+            <a:t>Medicare spending per patient per patient</a:t>
+          </a:r>
+        </a:p>
+      </dgm:t>
+    </dgm:pt>
+    <dgm:pt modelId="{675A2866-CE53-41B7-BAEB-904BF4D411B8}" type="parTrans" cxnId="{CCB45E8E-2462-4EFD-A45D-C7E1D8BDBC95}">
+      <dgm:prSet/>
+      <dgm:spPr/>
+      <dgm:t>
+        <a:bodyPr/>
+        <a:lstStyle/>
+        <a:p>
+          <a:endParaRPr lang="en-US"/>
+        </a:p>
+      </dgm:t>
+    </dgm:pt>
+    <dgm:pt modelId="{3322C775-706A-4961-80BA-D01A4D237675}" type="sibTrans" cxnId="{CCB45E8E-2462-4EFD-A45D-C7E1D8BDBC95}">
+      <dgm:prSet/>
+      <dgm:spPr/>
+      <dgm:t>
+        <a:bodyPr/>
+        <a:lstStyle/>
+        <a:p>
+          <a:endParaRPr lang="en-US"/>
+        </a:p>
+      </dgm:t>
+    </dgm:pt>
+    <dgm:pt modelId="{1AA7A036-746D-4523-8F5E-F4CE4CC57503}" type="pres">
+      <dgm:prSet presAssocID="{35AF5568-0BAC-4CCA-99E8-3EF8B0E308ED}" presName="root" presStyleCnt="0">
+        <dgm:presLayoutVars>
+          <dgm:dir/>
+          <dgm:resizeHandles val="exact"/>
+        </dgm:presLayoutVars>
+      </dgm:prSet>
+      <dgm:spPr/>
+    </dgm:pt>
+    <dgm:pt modelId="{C21B0D89-9227-4319-9242-62EC42753E23}" type="pres">
+      <dgm:prSet presAssocID="{E9AFEF91-620B-4872-ACAC-7FFD664C9A95}" presName="compNode" presStyleCnt="0"/>
+      <dgm:spPr/>
+    </dgm:pt>
+    <dgm:pt modelId="{3D135BA7-AFA8-462B-AB8E-2D2FFD074FD3}" type="pres">
+      <dgm:prSet presAssocID="{E9AFEF91-620B-4872-ACAC-7FFD664C9A95}" presName="bgRect" presStyleLbl="bgShp" presStyleIdx="0" presStyleCnt="4" custLinFactNeighborY="-92174"/>
+      <dgm:spPr/>
+    </dgm:pt>
+    <dgm:pt modelId="{FD898AC9-8EB0-4168-8D9F-95C2E8073E60}" type="pres">
+      <dgm:prSet presAssocID="{E9AFEF91-620B-4872-ACAC-7FFD664C9A95}" presName="iconRect" presStyleLbl="node1" presStyleIdx="0" presStyleCnt="4"/>
+      <dgm:spPr>
+        <a:blipFill>
+          <a:blip xmlns:r="http://schemas.openxmlformats.org/officeDocument/2006/relationships" r:embed="rId1">
+            <a:extLst>
+              <a:ext uri="{28A0092B-C50C-407E-A947-70E740481C1C}">
+                <a14:useLocalDpi xmlns:a14="http://schemas.microsoft.com/office/drawing/2010/main" val="0"/>
+              </a:ext>
+              <a:ext uri="{96DAC541-7B7A-43D3-8B79-37D633B846F1}">
+                <asvg:svgBlip xmlns:asvg="http://schemas.microsoft.com/office/drawing/2016/SVG/main" r:embed="rId2"/>
+              </a:ext>
+            </a:extLst>
+          </a:blip>
+          <a:stretch>
+            <a:fillRect/>
+          </a:stretch>
+        </a:blipFill>
+        <a:ln>
+          <a:noFill/>
+        </a:ln>
+      </dgm:spPr>
+      <dgm:extLst>
+        <a:ext uri="{E40237B7-FDA0-4F09-8148-C483321AD2D9}">
+          <dgm14:cNvPr xmlns:dgm14="http://schemas.microsoft.com/office/drawing/2010/diagram" id="0" name="" descr="Stethoscope"/>
+        </a:ext>
+      </dgm:extLst>
+    </dgm:pt>
+    <dgm:pt modelId="{85BF491F-01C8-4C6A-BFB8-1825AA65AB2C}" type="pres">
+      <dgm:prSet presAssocID="{E9AFEF91-620B-4872-ACAC-7FFD664C9A95}" presName="spaceRect" presStyleCnt="0"/>
+      <dgm:spPr/>
+    </dgm:pt>
+    <dgm:pt modelId="{7D81B632-CFBF-4B15-A77E-CE0B3D8CD2F3}" type="pres">
+      <dgm:prSet presAssocID="{E9AFEF91-620B-4872-ACAC-7FFD664C9A95}" presName="parTx" presStyleLbl="revTx" presStyleIdx="0" presStyleCnt="5">
+        <dgm:presLayoutVars>
+          <dgm:chMax val="0"/>
+          <dgm:chPref val="0"/>
+        </dgm:presLayoutVars>
+      </dgm:prSet>
+      <dgm:spPr/>
+    </dgm:pt>
+    <dgm:pt modelId="{87FBA559-2CE3-435C-8382-593E8CEF84A0}" type="pres">
+      <dgm:prSet presAssocID="{93C79C7F-9443-420C-814B-19CF28A3E320}" presName="sibTrans" presStyleCnt="0"/>
+      <dgm:spPr/>
+    </dgm:pt>
+    <dgm:pt modelId="{113EBAD0-3431-4989-B084-7A96EBE92E88}" type="pres">
+      <dgm:prSet presAssocID="{59A516C3-62C0-4A2D-9254-56B95449808B}" presName="compNode" presStyleCnt="0"/>
+      <dgm:spPr/>
+    </dgm:pt>
+    <dgm:pt modelId="{94949991-9623-456B-8C73-F98A1E32B72D}" type="pres">
+      <dgm:prSet presAssocID="{59A516C3-62C0-4A2D-9254-56B95449808B}" presName="bgRect" presStyleLbl="bgShp" presStyleIdx="1" presStyleCnt="4"/>
+      <dgm:spPr/>
+    </dgm:pt>
+    <dgm:pt modelId="{6578F7A6-F0E1-4196-805D-8FE1640FFA2B}" type="pres">
+      <dgm:prSet presAssocID="{59A516C3-62C0-4A2D-9254-56B95449808B}" presName="iconRect" presStyleLbl="node1" presStyleIdx="1" presStyleCnt="4"/>
+      <dgm:spPr>
+        <a:blipFill>
+          <a:blip xmlns:r="http://schemas.openxmlformats.org/officeDocument/2006/relationships" r:embed="rId3">
+            <a:extLst>
+              <a:ext uri="{28A0092B-C50C-407E-A947-70E740481C1C}">
+                <a14:useLocalDpi xmlns:a14="http://schemas.microsoft.com/office/drawing/2010/main" val="0"/>
+              </a:ext>
+              <a:ext uri="{96DAC541-7B7A-43D3-8B79-37D633B846F1}">
+                <asvg:svgBlip xmlns:asvg="http://schemas.microsoft.com/office/drawing/2016/SVG/main" r:embed="rId4"/>
+              </a:ext>
+            </a:extLst>
+          </a:blip>
+          <a:stretch>
+            <a:fillRect/>
+          </a:stretch>
+        </a:blipFill>
+        <a:ln>
+          <a:noFill/>
+        </a:ln>
+      </dgm:spPr>
+      <dgm:extLst>
+        <a:ext uri="{E40237B7-FDA0-4F09-8148-C483321AD2D9}">
+          <dgm14:cNvPr xmlns:dgm14="http://schemas.microsoft.com/office/drawing/2010/diagram" id="0" name="" descr="Presentation with Checklist"/>
+        </a:ext>
+      </dgm:extLst>
+    </dgm:pt>
+    <dgm:pt modelId="{FAFE1361-A8AB-4356-8F68-FE96D8E09DE2}" type="pres">
+      <dgm:prSet presAssocID="{59A516C3-62C0-4A2D-9254-56B95449808B}" presName="spaceRect" presStyleCnt="0"/>
+      <dgm:spPr/>
+    </dgm:pt>
+    <dgm:pt modelId="{CE3B6B16-F773-4A91-B9F1-C763DF27FA1C}" type="pres">
+      <dgm:prSet presAssocID="{59A516C3-62C0-4A2D-9254-56B95449808B}" presName="parTx" presStyleLbl="revTx" presStyleIdx="1" presStyleCnt="5">
+        <dgm:presLayoutVars>
+          <dgm:chMax val="0"/>
+          <dgm:chPref val="0"/>
+        </dgm:presLayoutVars>
+      </dgm:prSet>
+      <dgm:spPr/>
+    </dgm:pt>
+    <dgm:pt modelId="{6DCB5960-07A2-4484-99CF-6C4BA3AB9AB0}" type="pres">
+      <dgm:prSet presAssocID="{ABE9B9D6-CDD1-479F-8373-1E383145E3ED}" presName="sibTrans" presStyleCnt="0"/>
+      <dgm:spPr/>
+    </dgm:pt>
+    <dgm:pt modelId="{BAA2DD79-25F4-4E0F-8C48-4F6F1DFD9389}" type="pres">
+      <dgm:prSet presAssocID="{7CCAA74A-13BD-42B5-884E-88C284BE31E0}" presName="compNode" presStyleCnt="0"/>
+      <dgm:spPr/>
+    </dgm:pt>
+    <dgm:pt modelId="{475ED2E2-34F2-49E5-A1ED-CA9E3DDE890C}" type="pres">
+      <dgm:prSet presAssocID="{7CCAA74A-13BD-42B5-884E-88C284BE31E0}" presName="bgRect" presStyleLbl="bgShp" presStyleIdx="2" presStyleCnt="4"/>
+      <dgm:spPr/>
+    </dgm:pt>
+    <dgm:pt modelId="{408B2772-B4DB-4DB1-BB52-215157C6075E}" type="pres">
+      <dgm:prSet presAssocID="{7CCAA74A-13BD-42B5-884E-88C284BE31E0}" presName="iconRect" presStyleLbl="node1" presStyleIdx="2" presStyleCnt="4"/>
+      <dgm:spPr>
+        <a:blipFill>
+          <a:blip xmlns:r="http://schemas.openxmlformats.org/officeDocument/2006/relationships" r:embed="rId5">
+            <a:extLst>
+              <a:ext uri="{28A0092B-C50C-407E-A947-70E740481C1C}">
+                <a14:useLocalDpi xmlns:a14="http://schemas.microsoft.com/office/drawing/2010/main" val="0"/>
+              </a:ext>
+              <a:ext uri="{96DAC541-7B7A-43D3-8B79-37D633B846F1}">
+                <asvg:svgBlip xmlns:asvg="http://schemas.microsoft.com/office/drawing/2016/SVG/main" r:embed="rId6"/>
+              </a:ext>
+            </a:extLst>
+          </a:blip>
+          <a:stretch>
+            <a:fillRect/>
+          </a:stretch>
+        </a:blipFill>
+        <a:ln>
+          <a:noFill/>
+        </a:ln>
+      </dgm:spPr>
+      <dgm:extLst>
+        <a:ext uri="{E40237B7-FDA0-4F09-8148-C483321AD2D9}">
+          <dgm14:cNvPr xmlns:dgm14="http://schemas.microsoft.com/office/drawing/2010/diagram" id="0" name="" descr="Bar chart"/>
+        </a:ext>
+      </dgm:extLst>
+    </dgm:pt>
+    <dgm:pt modelId="{987EFDAB-CBB8-4DA6-8D57-0B69CEC8C358}" type="pres">
+      <dgm:prSet presAssocID="{7CCAA74A-13BD-42B5-884E-88C284BE31E0}" presName="spaceRect" presStyleCnt="0"/>
+      <dgm:spPr/>
+    </dgm:pt>
+    <dgm:pt modelId="{20B006B2-88AB-485D-8607-C29269BF0134}" type="pres">
+      <dgm:prSet presAssocID="{7CCAA74A-13BD-42B5-884E-88C284BE31E0}" presName="parTx" presStyleLbl="revTx" presStyleIdx="2" presStyleCnt="5">
+        <dgm:presLayoutVars>
+          <dgm:chMax val="0"/>
+          <dgm:chPref val="0"/>
+        </dgm:presLayoutVars>
+      </dgm:prSet>
+      <dgm:spPr/>
+    </dgm:pt>
+    <dgm:pt modelId="{A2891A56-A760-4AC8-B014-D90C9EB248B7}" type="pres">
+      <dgm:prSet presAssocID="{F56FBCF5-C1E1-48EA-83BC-6194B446EF8B}" presName="sibTrans" presStyleCnt="0"/>
+      <dgm:spPr/>
+    </dgm:pt>
+    <dgm:pt modelId="{E6137CD7-006F-416B-9114-E966DFFDDB1B}" type="pres">
+      <dgm:prSet presAssocID="{F1D8F2D3-3B8E-4017-BE7D-D22D32A53814}" presName="compNode" presStyleCnt="0"/>
+      <dgm:spPr/>
+    </dgm:pt>
+    <dgm:pt modelId="{8DEF4D95-1F35-4ADD-8793-04BEE11C3D2E}" type="pres">
+      <dgm:prSet presAssocID="{F1D8F2D3-3B8E-4017-BE7D-D22D32A53814}" presName="bgRect" presStyleLbl="bgShp" presStyleIdx="3" presStyleCnt="4"/>
+      <dgm:spPr/>
+    </dgm:pt>
+    <dgm:pt modelId="{5AE59D9C-E471-4A56-8F3D-1222BE0FB977}" type="pres">
+      <dgm:prSet presAssocID="{F1D8F2D3-3B8E-4017-BE7D-D22D32A53814}" presName="iconRect" presStyleLbl="node1" presStyleIdx="3" presStyleCnt="4"/>
+      <dgm:spPr>
+        <a:blipFill>
+          <a:blip xmlns:r="http://schemas.openxmlformats.org/officeDocument/2006/relationships" r:embed="rId7">
+            <a:extLst>
+              <a:ext uri="{28A0092B-C50C-407E-A947-70E740481C1C}">
+                <a14:useLocalDpi xmlns:a14="http://schemas.microsoft.com/office/drawing/2010/main" val="0"/>
+              </a:ext>
+              <a:ext uri="{96DAC541-7B7A-43D3-8B79-37D633B846F1}">
+                <asvg:svgBlip xmlns:asvg="http://schemas.microsoft.com/office/drawing/2016/SVG/main" r:embed="rId8"/>
+              </a:ext>
+            </a:extLst>
+          </a:blip>
+          <a:stretch>
+            <a:fillRect/>
+          </a:stretch>
+        </a:blipFill>
+        <a:ln>
+          <a:noFill/>
+        </a:ln>
+      </dgm:spPr>
+      <dgm:extLst>
+        <a:ext uri="{E40237B7-FDA0-4F09-8148-C483321AD2D9}">
+          <dgm14:cNvPr xmlns:dgm14="http://schemas.microsoft.com/office/drawing/2010/diagram" id="0" name="" descr="Checkmark"/>
+        </a:ext>
+      </dgm:extLst>
+    </dgm:pt>
+    <dgm:pt modelId="{3B44A943-1AD7-4F87-9F17-FA82771580FC}" type="pres">
+      <dgm:prSet presAssocID="{F1D8F2D3-3B8E-4017-BE7D-D22D32A53814}" presName="spaceRect" presStyleCnt="0"/>
+      <dgm:spPr/>
+    </dgm:pt>
+    <dgm:pt modelId="{B76825D7-31E9-4104-A018-0EFF3EF5AABE}" type="pres">
+      <dgm:prSet presAssocID="{F1D8F2D3-3B8E-4017-BE7D-D22D32A53814}" presName="parTx" presStyleLbl="revTx" presStyleIdx="3" presStyleCnt="5">
+        <dgm:presLayoutVars>
+          <dgm:chMax val="0"/>
+          <dgm:chPref val="0"/>
+        </dgm:presLayoutVars>
+      </dgm:prSet>
+      <dgm:spPr/>
+    </dgm:pt>
+    <dgm:pt modelId="{30EFB9CE-90CD-4B9C-8948-1584EBF17DD2}" type="pres">
+      <dgm:prSet presAssocID="{F1D8F2D3-3B8E-4017-BE7D-D22D32A53814}" presName="desTx" presStyleLbl="revTx" presStyleIdx="4" presStyleCnt="5">
+        <dgm:presLayoutVars/>
+      </dgm:prSet>
+      <dgm:spPr/>
+    </dgm:pt>
+  </dgm:ptLst>
+  <dgm:cxnLst>
+    <dgm:cxn modelId="{8EF1B01D-F0DD-4A9E-A1F8-91154174B1B5}" srcId="{F1D8F2D3-3B8E-4017-BE7D-D22D32A53814}" destId="{0F90107F-EAAC-4D4B-B44A-E26AD4BE012A}" srcOrd="0" destOrd="0" parTransId="{E3F2C20A-82CC-4DD5-88CB-1D9C52BFF848}" sibTransId="{70C35BCB-A050-4760-80B1-39AEEDCFDAC0}"/>
+    <dgm:cxn modelId="{E29B7B29-E611-4BE7-91BD-1D633E767550}" type="presOf" srcId="{84CEC8E2-F3F3-4FCB-9320-7107038458FD}" destId="{30EFB9CE-90CD-4B9C-8948-1584EBF17DD2}" srcOrd="0" destOrd="3" presId="urn:microsoft.com/office/officeart/2018/2/layout/IconVerticalSolidList"/>
+    <dgm:cxn modelId="{5B555632-CE7B-4195-9E64-B7FA01E0B930}" type="presOf" srcId="{59A516C3-62C0-4A2D-9254-56B95449808B}" destId="{CE3B6B16-F773-4A91-B9F1-C763DF27FA1C}" srcOrd="0" destOrd="0" presId="urn:microsoft.com/office/officeart/2018/2/layout/IconVerticalSolidList"/>
+    <dgm:cxn modelId="{8027313D-DF7B-465E-8EE1-203DEB7FFC2A}" srcId="{F1D8F2D3-3B8E-4017-BE7D-D22D32A53814}" destId="{AF8305A8-5C81-4FAF-8419-9E24D2557F8F}" srcOrd="2" destOrd="0" parTransId="{18A2F02F-6669-4018-8231-D4ABA0C7F958}" sibTransId="{63F85E7F-872F-4FFD-9000-3AEDD0E6DFF5}"/>
+    <dgm:cxn modelId="{9E8D5361-C45D-4765-AB3D-5A032CB4ABE6}" type="presOf" srcId="{7CCAA74A-13BD-42B5-884E-88C284BE31E0}" destId="{20B006B2-88AB-485D-8607-C29269BF0134}" srcOrd="0" destOrd="0" presId="urn:microsoft.com/office/officeart/2018/2/layout/IconVerticalSolidList"/>
+    <dgm:cxn modelId="{E865C766-6D8C-46EF-9474-C74C73BE4A68}" type="presOf" srcId="{52D2AEAA-1A9E-4392-9BC2-2C72693ED42B}" destId="{30EFB9CE-90CD-4B9C-8948-1584EBF17DD2}" srcOrd="0" destOrd="1" presId="urn:microsoft.com/office/officeart/2018/2/layout/IconVerticalSolidList"/>
+    <dgm:cxn modelId="{60393069-6E73-49BC-AF4D-A3520DF73087}" type="presOf" srcId="{F1D8F2D3-3B8E-4017-BE7D-D22D32A53814}" destId="{B76825D7-31E9-4104-A018-0EFF3EF5AABE}" srcOrd="0" destOrd="0" presId="urn:microsoft.com/office/officeart/2018/2/layout/IconVerticalSolidList"/>
+    <dgm:cxn modelId="{ADFF2350-7914-4C96-9081-DF81392B2E9E}" srcId="{35AF5568-0BAC-4CCA-99E8-3EF8B0E308ED}" destId="{59A516C3-62C0-4A2D-9254-56B95449808B}" srcOrd="1" destOrd="0" parTransId="{C74F7CBF-B950-4C85-A423-F5BFBB79143D}" sibTransId="{ABE9B9D6-CDD1-479F-8373-1E383145E3ED}"/>
+    <dgm:cxn modelId="{00CD1F5A-AC7B-49ED-9605-A65E79DEA449}" srcId="{35AF5568-0BAC-4CCA-99E8-3EF8B0E308ED}" destId="{F1D8F2D3-3B8E-4017-BE7D-D22D32A53814}" srcOrd="3" destOrd="0" parTransId="{3C718D53-7CC5-4477-8CC3-B1C6C77F2871}" sibTransId="{938E5792-A338-408C-97BB-F3C6442D947A}"/>
+    <dgm:cxn modelId="{6C23B07B-BF39-4A08-A636-0B36AFA69275}" type="presOf" srcId="{AF8305A8-5C81-4FAF-8419-9E24D2557F8F}" destId="{30EFB9CE-90CD-4B9C-8948-1584EBF17DD2}" srcOrd="0" destOrd="2" presId="urn:microsoft.com/office/officeart/2018/2/layout/IconVerticalSolidList"/>
+    <dgm:cxn modelId="{FAAEA47C-2EC9-430E-8346-CD996626E600}" type="presOf" srcId="{35AF5568-0BAC-4CCA-99E8-3EF8B0E308ED}" destId="{1AA7A036-746D-4523-8F5E-F4CE4CC57503}" srcOrd="0" destOrd="0" presId="urn:microsoft.com/office/officeart/2018/2/layout/IconVerticalSolidList"/>
+    <dgm:cxn modelId="{AFF24189-9406-462A-AF60-3489CF9AC544}" srcId="{35AF5568-0BAC-4CCA-99E8-3EF8B0E308ED}" destId="{7CCAA74A-13BD-42B5-884E-88C284BE31E0}" srcOrd="2" destOrd="0" parTransId="{E45D556F-FF1B-4362-9EDF-81D0BDA808E5}" sibTransId="{F56FBCF5-C1E1-48EA-83BC-6194B446EF8B}"/>
+    <dgm:cxn modelId="{CCB45E8E-2462-4EFD-A45D-C7E1D8BDBC95}" srcId="{F1D8F2D3-3B8E-4017-BE7D-D22D32A53814}" destId="{84CEC8E2-F3F3-4FCB-9320-7107038458FD}" srcOrd="3" destOrd="0" parTransId="{675A2866-CE53-41B7-BAEB-904BF4D411B8}" sibTransId="{3322C775-706A-4961-80BA-D01A4D237675}"/>
+    <dgm:cxn modelId="{4B4169C1-2AE3-4681-9978-78E92ABCCB72}" type="presOf" srcId="{0F90107F-EAAC-4D4B-B44A-E26AD4BE012A}" destId="{30EFB9CE-90CD-4B9C-8948-1584EBF17DD2}" srcOrd="0" destOrd="0" presId="urn:microsoft.com/office/officeart/2018/2/layout/IconVerticalSolidList"/>
+    <dgm:cxn modelId="{9A94ECC5-5A7A-470E-BBAE-746D3A2DAC94}" srcId="{35AF5568-0BAC-4CCA-99E8-3EF8B0E308ED}" destId="{E9AFEF91-620B-4872-ACAC-7FFD664C9A95}" srcOrd="0" destOrd="0" parTransId="{58FB0E97-194A-49C8-B2A3-B03CA7040EF5}" sibTransId="{93C79C7F-9443-420C-814B-19CF28A3E320}"/>
+    <dgm:cxn modelId="{E5CA52F5-C816-43A6-BA71-6EED218FD904}" type="presOf" srcId="{E9AFEF91-620B-4872-ACAC-7FFD664C9A95}" destId="{7D81B632-CFBF-4B15-A77E-CE0B3D8CD2F3}" srcOrd="0" destOrd="0" presId="urn:microsoft.com/office/officeart/2018/2/layout/IconVerticalSolidList"/>
+    <dgm:cxn modelId="{EB75AFFA-3059-4206-B910-757A946A291A}" srcId="{F1D8F2D3-3B8E-4017-BE7D-D22D32A53814}" destId="{52D2AEAA-1A9E-4392-9BC2-2C72693ED42B}" srcOrd="1" destOrd="0" parTransId="{CF1FB424-4163-4723-ACFD-A8C9381D63C7}" sibTransId="{6812F839-93F8-4F85-9027-119F975F05C0}"/>
+    <dgm:cxn modelId="{551CA64F-B9E5-4245-9C05-B5993730F7EC}" type="presParOf" srcId="{1AA7A036-746D-4523-8F5E-F4CE4CC57503}" destId="{C21B0D89-9227-4319-9242-62EC42753E23}" srcOrd="0" destOrd="0" presId="urn:microsoft.com/office/officeart/2018/2/layout/IconVerticalSolidList"/>
+    <dgm:cxn modelId="{D1F9391D-B39B-402B-84E1-31ABC83B755E}" type="presParOf" srcId="{C21B0D89-9227-4319-9242-62EC42753E23}" destId="{3D135BA7-AFA8-462B-AB8E-2D2FFD074FD3}" srcOrd="0" destOrd="0" presId="urn:microsoft.com/office/officeart/2018/2/layout/IconVerticalSolidList"/>
+    <dgm:cxn modelId="{222FDEE1-FAFE-4DA8-A406-64A6E93349F4}" type="presParOf" srcId="{C21B0D89-9227-4319-9242-62EC42753E23}" destId="{FD898AC9-8EB0-4168-8D9F-95C2E8073E60}" srcOrd="1" destOrd="0" presId="urn:microsoft.com/office/officeart/2018/2/layout/IconVerticalSolidList"/>
+    <dgm:cxn modelId="{5D182C5E-CB0D-4668-93C0-302FA47E9028}" type="presParOf" srcId="{C21B0D89-9227-4319-9242-62EC42753E23}" destId="{85BF491F-01C8-4C6A-BFB8-1825AA65AB2C}" srcOrd="2" destOrd="0" presId="urn:microsoft.com/office/officeart/2018/2/layout/IconVerticalSolidList"/>
+    <dgm:cxn modelId="{15D9E9CB-2677-460A-8E94-D863B6B4059C}" type="presParOf" srcId="{C21B0D89-9227-4319-9242-62EC42753E23}" destId="{7D81B632-CFBF-4B15-A77E-CE0B3D8CD2F3}" srcOrd="3" destOrd="0" presId="urn:microsoft.com/office/officeart/2018/2/layout/IconVerticalSolidList"/>
+    <dgm:cxn modelId="{137F7DEF-F5D8-433E-8563-C65134022872}" type="presParOf" srcId="{1AA7A036-746D-4523-8F5E-F4CE4CC57503}" destId="{87FBA559-2CE3-435C-8382-593E8CEF84A0}" srcOrd="1" destOrd="0" presId="urn:microsoft.com/office/officeart/2018/2/layout/IconVerticalSolidList"/>
+    <dgm:cxn modelId="{A142C9B8-1774-4DC0-B43C-7006D17B9FCC}" type="presParOf" srcId="{1AA7A036-746D-4523-8F5E-F4CE4CC57503}" destId="{113EBAD0-3431-4989-B084-7A96EBE92E88}" srcOrd="2" destOrd="0" presId="urn:microsoft.com/office/officeart/2018/2/layout/IconVerticalSolidList"/>
+    <dgm:cxn modelId="{28E8E152-C38C-4830-A341-68791DA803AC}" type="presParOf" srcId="{113EBAD0-3431-4989-B084-7A96EBE92E88}" destId="{94949991-9623-456B-8C73-F98A1E32B72D}" srcOrd="0" destOrd="0" presId="urn:microsoft.com/office/officeart/2018/2/layout/IconVerticalSolidList"/>
+    <dgm:cxn modelId="{AEE6A179-A7C7-4F44-8763-2A2B57A08208}" type="presParOf" srcId="{113EBAD0-3431-4989-B084-7A96EBE92E88}" destId="{6578F7A6-F0E1-4196-805D-8FE1640FFA2B}" srcOrd="1" destOrd="0" presId="urn:microsoft.com/office/officeart/2018/2/layout/IconVerticalSolidList"/>
+    <dgm:cxn modelId="{6683E8D5-D3B1-4CB1-A36A-96F79036DB14}" type="presParOf" srcId="{113EBAD0-3431-4989-B084-7A96EBE92E88}" destId="{FAFE1361-A8AB-4356-8F68-FE96D8E09DE2}" srcOrd="2" destOrd="0" presId="urn:microsoft.com/office/officeart/2018/2/layout/IconVerticalSolidList"/>
+    <dgm:cxn modelId="{0424F5FC-6C82-4DF8-92AB-EE18BEADB374}" type="presParOf" srcId="{113EBAD0-3431-4989-B084-7A96EBE92E88}" destId="{CE3B6B16-F773-4A91-B9F1-C763DF27FA1C}" srcOrd="3" destOrd="0" presId="urn:microsoft.com/office/officeart/2018/2/layout/IconVerticalSolidList"/>
+    <dgm:cxn modelId="{DE1A599C-5900-4EB9-9245-CFCEF460B2BA}" type="presParOf" srcId="{1AA7A036-746D-4523-8F5E-F4CE4CC57503}" destId="{6DCB5960-07A2-4484-99CF-6C4BA3AB9AB0}" srcOrd="3" destOrd="0" presId="urn:microsoft.com/office/officeart/2018/2/layout/IconVerticalSolidList"/>
+    <dgm:cxn modelId="{3C050B4F-1F7B-4B3B-81BA-E82A396B9DEC}" type="presParOf" srcId="{1AA7A036-746D-4523-8F5E-F4CE4CC57503}" destId="{BAA2DD79-25F4-4E0F-8C48-4F6F1DFD9389}" srcOrd="4" destOrd="0" presId="urn:microsoft.com/office/officeart/2018/2/layout/IconVerticalSolidList"/>
+    <dgm:cxn modelId="{B751DC45-B569-4B3E-91F9-0294B413005D}" type="presParOf" srcId="{BAA2DD79-25F4-4E0F-8C48-4F6F1DFD9389}" destId="{475ED2E2-34F2-49E5-A1ED-CA9E3DDE890C}" srcOrd="0" destOrd="0" presId="urn:microsoft.com/office/officeart/2018/2/layout/IconVerticalSolidList"/>
+    <dgm:cxn modelId="{7401A110-9A61-4938-8CBC-44A6CF865EA5}" type="presParOf" srcId="{BAA2DD79-25F4-4E0F-8C48-4F6F1DFD9389}" destId="{408B2772-B4DB-4DB1-BB52-215157C6075E}" srcOrd="1" destOrd="0" presId="urn:microsoft.com/office/officeart/2018/2/layout/IconVerticalSolidList"/>
+    <dgm:cxn modelId="{936D1879-8277-4F0F-9D08-8DF3CB07B8E9}" type="presParOf" srcId="{BAA2DD79-25F4-4E0F-8C48-4F6F1DFD9389}" destId="{987EFDAB-CBB8-4DA6-8D57-0B69CEC8C358}" srcOrd="2" destOrd="0" presId="urn:microsoft.com/office/officeart/2018/2/layout/IconVerticalSolidList"/>
+    <dgm:cxn modelId="{EE467E27-3BC8-46DF-9F89-1C96587C1B5B}" type="presParOf" srcId="{BAA2DD79-25F4-4E0F-8C48-4F6F1DFD9389}" destId="{20B006B2-88AB-485D-8607-C29269BF0134}" srcOrd="3" destOrd="0" presId="urn:microsoft.com/office/officeart/2018/2/layout/IconVerticalSolidList"/>
+    <dgm:cxn modelId="{75362914-8F9E-42AA-949C-F250A5F909FC}" type="presParOf" srcId="{1AA7A036-746D-4523-8F5E-F4CE4CC57503}" destId="{A2891A56-A760-4AC8-B014-D90C9EB248B7}" srcOrd="5" destOrd="0" presId="urn:microsoft.com/office/officeart/2018/2/layout/IconVerticalSolidList"/>
+    <dgm:cxn modelId="{14CF19A2-6439-4BAE-B56F-298403129E04}" type="presParOf" srcId="{1AA7A036-746D-4523-8F5E-F4CE4CC57503}" destId="{E6137CD7-006F-416B-9114-E966DFFDDB1B}" srcOrd="6" destOrd="0" presId="urn:microsoft.com/office/officeart/2018/2/layout/IconVerticalSolidList"/>
+    <dgm:cxn modelId="{23D52BD4-889B-40FD-90B1-C35C2099E1BE}" type="presParOf" srcId="{E6137CD7-006F-416B-9114-E966DFFDDB1B}" destId="{8DEF4D95-1F35-4ADD-8793-04BEE11C3D2E}" srcOrd="0" destOrd="0" presId="urn:microsoft.com/office/officeart/2018/2/layout/IconVerticalSolidList"/>
+    <dgm:cxn modelId="{353F5015-E832-4249-A06E-E75FD1EF573A}" type="presParOf" srcId="{E6137CD7-006F-416B-9114-E966DFFDDB1B}" destId="{5AE59D9C-E471-4A56-8F3D-1222BE0FB977}" srcOrd="1" destOrd="0" presId="urn:microsoft.com/office/officeart/2018/2/layout/IconVerticalSolidList"/>
+    <dgm:cxn modelId="{BA37513C-43A7-4F68-8CAF-5E8D28188729}" type="presParOf" srcId="{E6137CD7-006F-416B-9114-E966DFFDDB1B}" destId="{3B44A943-1AD7-4F87-9F17-FA82771580FC}" srcOrd="2" destOrd="0" presId="urn:microsoft.com/office/officeart/2018/2/layout/IconVerticalSolidList"/>
+    <dgm:cxn modelId="{9681EC80-773A-419E-94B6-1E0E8CB78B72}" type="presParOf" srcId="{E6137CD7-006F-416B-9114-E966DFFDDB1B}" destId="{B76825D7-31E9-4104-A018-0EFF3EF5AABE}" srcOrd="3" destOrd="0" presId="urn:microsoft.com/office/officeart/2018/2/layout/IconVerticalSolidList"/>
+    <dgm:cxn modelId="{45994BB4-CD1B-413B-92AF-3008E0729C9A}" type="presParOf" srcId="{E6137CD7-006F-416B-9114-E966DFFDDB1B}" destId="{30EFB9CE-90CD-4B9C-8948-1584EBF17DD2}" srcOrd="4" destOrd="0" presId="urn:microsoft.com/office/officeart/2018/2/layout/IconVerticalSolidList"/>
+  </dgm:cxnLst>
+  <dgm:bg/>
+  <dgm:whole/>
+  <dgm:extLst>
+    <a:ext uri="http://schemas.microsoft.com/office/drawing/2008/diagram">
+      <dsp:dataModelExt xmlns:dsp="http://schemas.microsoft.com/office/drawing/2008/diagram" relId="rId6" minVer="http://schemas.openxmlformats.org/drawingml/2006/diagram"/>
+    </a:ext>
+  </dgm:extLst>
+</dgm:dataModel>
+</file>
+
+<file path=ppt/diagrams/drawing1.xml><?xml version="1.0" encoding="utf-8"?>
+<dsp:drawing xmlns:dgm="http://schemas.openxmlformats.org/drawingml/2006/diagram" xmlns:dsp="http://schemas.microsoft.com/office/drawing/2008/diagram" xmlns:a="http://schemas.openxmlformats.org/drawingml/2006/main">
+  <dsp:spTree>
+    <dsp:nvGrpSpPr>
+      <dsp:cNvPr id="0" name=""/>
+      <dsp:cNvGrpSpPr/>
+    </dsp:nvGrpSpPr>
+    <dsp:grpSpPr/>
+    <dsp:sp modelId="{3D135BA7-AFA8-462B-AB8E-2D2FFD074FD3}">
+      <dsp:nvSpPr>
+        <dsp:cNvPr id="0" name=""/>
+        <dsp:cNvSpPr/>
+      </dsp:nvSpPr>
+      <dsp:spPr>
+        <a:xfrm>
+          <a:off x="0" y="0"/>
+          <a:ext cx="10943827" cy="1257929"/>
+        </a:xfrm>
+        <a:prstGeom prst="roundRect">
+          <a:avLst>
+            <a:gd name="adj" fmla="val 10000"/>
+          </a:avLst>
+        </a:prstGeom>
+        <a:solidFill>
+          <a:schemeClr val="accent2">
+            <a:hueOff val="0"/>
+            <a:satOff val="0"/>
+            <a:lumOff val="0"/>
+            <a:alphaOff val="0"/>
+          </a:schemeClr>
+        </a:solidFill>
+        <a:ln>
+          <a:noFill/>
+        </a:ln>
+        <a:effectLst>
+          <a:outerShdw blurRad="38100" dist="25400" dir="5400000" rotWithShape="0">
+            <a:srgbClr val="000000">
+              <a:alpha val="35000"/>
+            </a:srgbClr>
+          </a:outerShdw>
+        </a:effectLst>
+      </dsp:spPr>
+      <dsp:style>
+        <a:lnRef idx="0">
+          <a:scrgbClr r="0" g="0" b="0"/>
+        </a:lnRef>
+        <a:fillRef idx="1">
+          <a:scrgbClr r="0" g="0" b="0"/>
+        </a:fillRef>
+        <a:effectRef idx="2">
+          <a:scrgbClr r="0" g="0" b="0"/>
+        </a:effectRef>
+        <a:fontRef idx="minor"/>
+      </dsp:style>
+    </dsp:sp>
+    <dsp:sp modelId="{FD898AC9-8EB0-4168-8D9F-95C2E8073E60}">
+      <dsp:nvSpPr>
+        <dsp:cNvPr id="0" name=""/>
+        <dsp:cNvSpPr/>
+      </dsp:nvSpPr>
+      <dsp:spPr>
+        <a:xfrm>
+          <a:off x="380523" y="288439"/>
+          <a:ext cx="691861" cy="691861"/>
+        </a:xfrm>
+        <a:prstGeom prst="rect">
+          <a:avLst/>
+        </a:prstGeom>
+        <a:blipFill>
+          <a:blip xmlns:r="http://schemas.openxmlformats.org/officeDocument/2006/relationships" r:embed="rId1">
+            <a:extLst>
+              <a:ext uri="{28A0092B-C50C-407E-A947-70E740481C1C}">
+                <a14:useLocalDpi xmlns:a14="http://schemas.microsoft.com/office/drawing/2010/main" val="0"/>
+              </a:ext>
+              <a:ext uri="{96DAC541-7B7A-43D3-8B79-37D633B846F1}">
+                <asvg:svgBlip xmlns:asvg="http://schemas.microsoft.com/office/drawing/2016/SVG/main" r:embed="rId2"/>
+              </a:ext>
+            </a:extLst>
+          </a:blip>
+          <a:stretch>
+            <a:fillRect/>
+          </a:stretch>
+        </a:blipFill>
+        <a:ln>
+          <a:noFill/>
+        </a:ln>
+        <a:effectLst>
+          <a:outerShdw blurRad="38100" dist="25400" dir="5400000" rotWithShape="0">
+            <a:srgbClr val="000000">
+              <a:alpha val="35000"/>
+            </a:srgbClr>
+          </a:outerShdw>
+        </a:effectLst>
+      </dsp:spPr>
+      <dsp:style>
+        <a:lnRef idx="0">
+          <a:scrgbClr r="0" g="0" b="0"/>
+        </a:lnRef>
+        <a:fillRef idx="3">
+          <a:scrgbClr r="0" g="0" b="0"/>
+        </a:fillRef>
+        <a:effectRef idx="2">
+          <a:scrgbClr r="0" g="0" b="0"/>
+        </a:effectRef>
+        <a:fontRef idx="minor">
+          <a:schemeClr val="lt1"/>
+        </a:fontRef>
+      </dsp:style>
+    </dsp:sp>
+    <dsp:sp modelId="{7D81B632-CFBF-4B15-A77E-CE0B3D8CD2F3}">
+      <dsp:nvSpPr>
+        <dsp:cNvPr id="0" name=""/>
+        <dsp:cNvSpPr/>
+      </dsp:nvSpPr>
+      <dsp:spPr>
+        <a:xfrm>
+          <a:off x="1452908" y="5404"/>
+          <a:ext cx="9489498" cy="1257929"/>
+        </a:xfrm>
+        <a:prstGeom prst="rect">
+          <a:avLst/>
+        </a:prstGeom>
+        <a:noFill/>
+        <a:ln>
+          <a:noFill/>
+        </a:ln>
+        <a:effectLst/>
+      </dsp:spPr>
+      <dsp:style>
+        <a:lnRef idx="0">
+          <a:scrgbClr r="0" g="0" b="0"/>
+        </a:lnRef>
+        <a:fillRef idx="0">
+          <a:scrgbClr r="0" g="0" b="0"/>
+        </a:fillRef>
+        <a:effectRef idx="0">
+          <a:scrgbClr r="0" g="0" b="0"/>
+        </a:effectRef>
+        <a:fontRef idx="minor"/>
+      </dsp:style>
+      <dsp:txBody>
+        <a:bodyPr spcFirstLastPara="0" vert="horz" wrap="square" lIns="133131" tIns="133131" rIns="133131" bIns="133131" numCol="1" spcCol="1270" anchor="ctr" anchorCtr="0">
+          <a:noAutofit/>
+        </a:bodyPr>
+        <a:lstStyle/>
+        <a:p>
+          <a:pPr marL="0" lvl="0" indent="0" algn="l" defTabSz="977900">
+            <a:lnSpc>
+              <a:spcPct val="90000"/>
+            </a:lnSpc>
+            <a:spcBef>
+              <a:spcPct val="0"/>
+            </a:spcBef>
+            <a:spcAft>
+              <a:spcPct val="35000"/>
+            </a:spcAft>
+            <a:buNone/>
+          </a:pPr>
+          <a:r>
+            <a:rPr lang="en-US" sz="2200" kern="1200" dirty="0"/>
+            <a:t>Based on the data, Medicare is directly related to the income.</a:t>
+          </a:r>
+        </a:p>
+      </dsp:txBody>
+      <dsp:txXfrm>
+        <a:off x="1452908" y="5404"/>
+        <a:ext cx="9489498" cy="1257929"/>
+      </dsp:txXfrm>
+    </dsp:sp>
+    <dsp:sp modelId="{94949991-9623-456B-8C73-F98A1E32B72D}">
+      <dsp:nvSpPr>
+        <dsp:cNvPr id="0" name=""/>
+        <dsp:cNvSpPr/>
+      </dsp:nvSpPr>
+      <dsp:spPr>
+        <a:xfrm>
+          <a:off x="0" y="1577817"/>
+          <a:ext cx="10943827" cy="1257929"/>
+        </a:xfrm>
+        <a:prstGeom prst="roundRect">
+          <a:avLst>
+            <a:gd name="adj" fmla="val 10000"/>
+          </a:avLst>
+        </a:prstGeom>
+        <a:solidFill>
+          <a:schemeClr val="accent3">
+            <a:hueOff val="0"/>
+            <a:satOff val="0"/>
+            <a:lumOff val="0"/>
+            <a:alphaOff val="0"/>
+          </a:schemeClr>
+        </a:solidFill>
+        <a:ln>
+          <a:noFill/>
+        </a:ln>
+        <a:effectLst>
+          <a:outerShdw blurRad="38100" dist="25400" dir="5400000" rotWithShape="0">
+            <a:srgbClr val="000000">
+              <a:alpha val="35000"/>
+            </a:srgbClr>
+          </a:outerShdw>
+        </a:effectLst>
+      </dsp:spPr>
+      <dsp:style>
+        <a:lnRef idx="0">
+          <a:scrgbClr r="0" g="0" b="0"/>
+        </a:lnRef>
+        <a:fillRef idx="1">
+          <a:scrgbClr r="0" g="0" b="0"/>
+        </a:fillRef>
+        <a:effectRef idx="2">
+          <a:scrgbClr r="0" g="0" b="0"/>
+        </a:effectRef>
+        <a:fontRef idx="minor"/>
+      </dsp:style>
+    </dsp:sp>
+    <dsp:sp modelId="{6578F7A6-F0E1-4196-805D-8FE1640FFA2B}">
+      <dsp:nvSpPr>
+        <dsp:cNvPr id="0" name=""/>
+        <dsp:cNvSpPr/>
+      </dsp:nvSpPr>
+      <dsp:spPr>
+        <a:xfrm>
+          <a:off x="380523" y="1860851"/>
+          <a:ext cx="691861" cy="691861"/>
+        </a:xfrm>
+        <a:prstGeom prst="rect">
+          <a:avLst/>
+        </a:prstGeom>
+        <a:blipFill>
+          <a:blip xmlns:r="http://schemas.openxmlformats.org/officeDocument/2006/relationships" r:embed="rId3">
+            <a:extLst>
+              <a:ext uri="{28A0092B-C50C-407E-A947-70E740481C1C}">
+                <a14:useLocalDpi xmlns:a14="http://schemas.microsoft.com/office/drawing/2010/main" val="0"/>
+              </a:ext>
+              <a:ext uri="{96DAC541-7B7A-43D3-8B79-37D633B846F1}">
+                <asvg:svgBlip xmlns:asvg="http://schemas.microsoft.com/office/drawing/2016/SVG/main" r:embed="rId4"/>
+              </a:ext>
+            </a:extLst>
+          </a:blip>
+          <a:stretch>
+            <a:fillRect/>
+          </a:stretch>
+        </a:blipFill>
+        <a:ln>
+          <a:noFill/>
+        </a:ln>
+        <a:effectLst>
+          <a:outerShdw blurRad="38100" dist="25400" dir="5400000" rotWithShape="0">
+            <a:srgbClr val="000000">
+              <a:alpha val="35000"/>
+            </a:srgbClr>
+          </a:outerShdw>
+        </a:effectLst>
+      </dsp:spPr>
+      <dsp:style>
+        <a:lnRef idx="0">
+          <a:scrgbClr r="0" g="0" b="0"/>
+        </a:lnRef>
+        <a:fillRef idx="3">
+          <a:scrgbClr r="0" g="0" b="0"/>
+        </a:fillRef>
+        <a:effectRef idx="2">
+          <a:scrgbClr r="0" g="0" b="0"/>
+        </a:effectRef>
+        <a:fontRef idx="minor">
+          <a:schemeClr val="lt1"/>
+        </a:fontRef>
+      </dsp:style>
+    </dsp:sp>
+    <dsp:sp modelId="{CE3B6B16-F773-4A91-B9F1-C763DF27FA1C}">
+      <dsp:nvSpPr>
+        <dsp:cNvPr id="0" name=""/>
+        <dsp:cNvSpPr/>
+      </dsp:nvSpPr>
+      <dsp:spPr>
+        <a:xfrm>
+          <a:off x="1452908" y="1577817"/>
+          <a:ext cx="9489498" cy="1257929"/>
+        </a:xfrm>
+        <a:prstGeom prst="rect">
+          <a:avLst/>
+        </a:prstGeom>
+        <a:noFill/>
+        <a:ln>
+          <a:noFill/>
+        </a:ln>
+        <a:effectLst/>
+      </dsp:spPr>
+      <dsp:style>
+        <a:lnRef idx="0">
+          <a:scrgbClr r="0" g="0" b="0"/>
+        </a:lnRef>
+        <a:fillRef idx="0">
+          <a:scrgbClr r="0" g="0" b="0"/>
+        </a:fillRef>
+        <a:effectRef idx="0">
+          <a:scrgbClr r="0" g="0" b="0"/>
+        </a:effectRef>
+        <a:fontRef idx="minor"/>
+      </dsp:style>
+      <dsp:txBody>
+        <a:bodyPr spcFirstLastPara="0" vert="horz" wrap="square" lIns="133131" tIns="133131" rIns="133131" bIns="133131" numCol="1" spcCol="1270" anchor="ctr" anchorCtr="0">
+          <a:noAutofit/>
+        </a:bodyPr>
+        <a:lstStyle/>
+        <a:p>
+          <a:pPr marL="0" lvl="0" indent="0" algn="l" defTabSz="977900">
+            <a:lnSpc>
+              <a:spcPct val="90000"/>
+            </a:lnSpc>
+            <a:spcBef>
+              <a:spcPct val="0"/>
+            </a:spcBef>
+            <a:spcAft>
+              <a:spcPct val="35000"/>
+            </a:spcAft>
+            <a:buNone/>
+          </a:pPr>
+          <a:r>
+            <a:rPr lang="en-US" sz="2200" kern="1200"/>
+            <a:t>CMS.gov files are difficult to work with</a:t>
+          </a:r>
+        </a:p>
+      </dsp:txBody>
+      <dsp:txXfrm>
+        <a:off x="1452908" y="1577817"/>
+        <a:ext cx="9489498" cy="1257929"/>
+      </dsp:txXfrm>
+    </dsp:sp>
+    <dsp:sp modelId="{475ED2E2-34F2-49E5-A1ED-CA9E3DDE890C}">
+      <dsp:nvSpPr>
+        <dsp:cNvPr id="0" name=""/>
+        <dsp:cNvSpPr/>
+      </dsp:nvSpPr>
+      <dsp:spPr>
+        <a:xfrm>
+          <a:off x="0" y="3150229"/>
+          <a:ext cx="10943827" cy="1257929"/>
+        </a:xfrm>
+        <a:prstGeom prst="roundRect">
+          <a:avLst>
+            <a:gd name="adj" fmla="val 10000"/>
+          </a:avLst>
+        </a:prstGeom>
+        <a:solidFill>
+          <a:schemeClr val="accent4">
+            <a:hueOff val="0"/>
+            <a:satOff val="0"/>
+            <a:lumOff val="0"/>
+            <a:alphaOff val="0"/>
+          </a:schemeClr>
+        </a:solidFill>
+        <a:ln>
+          <a:noFill/>
+        </a:ln>
+        <a:effectLst>
+          <a:outerShdw blurRad="38100" dist="25400" dir="5400000" rotWithShape="0">
+            <a:srgbClr val="000000">
+              <a:alpha val="35000"/>
+            </a:srgbClr>
+          </a:outerShdw>
+        </a:effectLst>
+      </dsp:spPr>
+      <dsp:style>
+        <a:lnRef idx="0">
+          <a:scrgbClr r="0" g="0" b="0"/>
+        </a:lnRef>
+        <a:fillRef idx="1">
+          <a:scrgbClr r="0" g="0" b="0"/>
+        </a:fillRef>
+        <a:effectRef idx="2">
+          <a:scrgbClr r="0" g="0" b="0"/>
+        </a:effectRef>
+        <a:fontRef idx="minor"/>
+      </dsp:style>
+    </dsp:sp>
+    <dsp:sp modelId="{408B2772-B4DB-4DB1-BB52-215157C6075E}">
+      <dsp:nvSpPr>
+        <dsp:cNvPr id="0" name=""/>
+        <dsp:cNvSpPr/>
+      </dsp:nvSpPr>
+      <dsp:spPr>
+        <a:xfrm>
+          <a:off x="380523" y="3433263"/>
+          <a:ext cx="691861" cy="691861"/>
+        </a:xfrm>
+        <a:prstGeom prst="rect">
+          <a:avLst/>
+        </a:prstGeom>
+        <a:blipFill>
+          <a:blip xmlns:r="http://schemas.openxmlformats.org/officeDocument/2006/relationships" r:embed="rId5">
+            <a:extLst>
+              <a:ext uri="{28A0092B-C50C-407E-A947-70E740481C1C}">
+                <a14:useLocalDpi xmlns:a14="http://schemas.microsoft.com/office/drawing/2010/main" val="0"/>
+              </a:ext>
+              <a:ext uri="{96DAC541-7B7A-43D3-8B79-37D633B846F1}">
+                <asvg:svgBlip xmlns:asvg="http://schemas.microsoft.com/office/drawing/2016/SVG/main" r:embed="rId6"/>
+              </a:ext>
+            </a:extLst>
+          </a:blip>
+          <a:stretch>
+            <a:fillRect/>
+          </a:stretch>
+        </a:blipFill>
+        <a:ln>
+          <a:noFill/>
+        </a:ln>
+        <a:effectLst>
+          <a:outerShdw blurRad="38100" dist="25400" dir="5400000" rotWithShape="0">
+            <a:srgbClr val="000000">
+              <a:alpha val="35000"/>
+            </a:srgbClr>
+          </a:outerShdw>
+        </a:effectLst>
+      </dsp:spPr>
+      <dsp:style>
+        <a:lnRef idx="0">
+          <a:scrgbClr r="0" g="0" b="0"/>
+        </a:lnRef>
+        <a:fillRef idx="3">
+          <a:scrgbClr r="0" g="0" b="0"/>
+        </a:fillRef>
+        <a:effectRef idx="2">
+          <a:scrgbClr r="0" g="0" b="0"/>
+        </a:effectRef>
+        <a:fontRef idx="minor">
+          <a:schemeClr val="lt1"/>
+        </a:fontRef>
+      </dsp:style>
+    </dsp:sp>
+    <dsp:sp modelId="{20B006B2-88AB-485D-8607-C29269BF0134}">
+      <dsp:nvSpPr>
+        <dsp:cNvPr id="0" name=""/>
+        <dsp:cNvSpPr/>
+      </dsp:nvSpPr>
+      <dsp:spPr>
+        <a:xfrm>
+          <a:off x="1452908" y="3150229"/>
+          <a:ext cx="9489498" cy="1257929"/>
+        </a:xfrm>
+        <a:prstGeom prst="rect">
+          <a:avLst/>
+        </a:prstGeom>
+        <a:noFill/>
+        <a:ln>
+          <a:noFill/>
+        </a:ln>
+        <a:effectLst/>
+      </dsp:spPr>
+      <dsp:style>
+        <a:lnRef idx="0">
+          <a:scrgbClr r="0" g="0" b="0"/>
+        </a:lnRef>
+        <a:fillRef idx="0">
+          <a:scrgbClr r="0" g="0" b="0"/>
+        </a:fillRef>
+        <a:effectRef idx="0">
+          <a:scrgbClr r="0" g="0" b="0"/>
+        </a:effectRef>
+        <a:fontRef idx="minor"/>
+      </dsp:style>
+      <dsp:txBody>
+        <a:bodyPr spcFirstLastPara="0" vert="horz" wrap="square" lIns="133131" tIns="133131" rIns="133131" bIns="133131" numCol="1" spcCol="1270" anchor="ctr" anchorCtr="0">
+          <a:noAutofit/>
+        </a:bodyPr>
+        <a:lstStyle/>
+        <a:p>
+          <a:pPr marL="0" lvl="0" indent="0" algn="l" defTabSz="977900">
+            <a:lnSpc>
+              <a:spcPct val="90000"/>
+            </a:lnSpc>
+            <a:spcBef>
+              <a:spcPct val="0"/>
+            </a:spcBef>
+            <a:spcAft>
+              <a:spcPct val="35000"/>
+            </a:spcAft>
+            <a:buNone/>
+          </a:pPr>
+          <a:r>
+            <a:rPr lang="en-US" sz="2200" kern="1200"/>
+            <a:t>There is a correlation between data recorded and Medicare money spent</a:t>
+          </a:r>
+        </a:p>
+      </dsp:txBody>
+      <dsp:txXfrm>
+        <a:off x="1452908" y="3150229"/>
+        <a:ext cx="9489498" cy="1257929"/>
+      </dsp:txXfrm>
+    </dsp:sp>
+    <dsp:sp modelId="{8DEF4D95-1F35-4ADD-8793-04BEE11C3D2E}">
+      <dsp:nvSpPr>
+        <dsp:cNvPr id="0" name=""/>
+        <dsp:cNvSpPr/>
+      </dsp:nvSpPr>
+      <dsp:spPr>
+        <a:xfrm>
+          <a:off x="0" y="4722641"/>
+          <a:ext cx="10943827" cy="1257929"/>
+        </a:xfrm>
+        <a:prstGeom prst="roundRect">
+          <a:avLst>
+            <a:gd name="adj" fmla="val 10000"/>
+          </a:avLst>
+        </a:prstGeom>
+        <a:solidFill>
+          <a:schemeClr val="accent5">
+            <a:hueOff val="0"/>
+            <a:satOff val="0"/>
+            <a:lumOff val="0"/>
+            <a:alphaOff val="0"/>
+          </a:schemeClr>
+        </a:solidFill>
+        <a:ln>
+          <a:noFill/>
+        </a:ln>
+        <a:effectLst>
+          <a:outerShdw blurRad="38100" dist="25400" dir="5400000" rotWithShape="0">
+            <a:srgbClr val="000000">
+              <a:alpha val="35000"/>
+            </a:srgbClr>
+          </a:outerShdw>
+        </a:effectLst>
+      </dsp:spPr>
+      <dsp:style>
+        <a:lnRef idx="0">
+          <a:scrgbClr r="0" g="0" b="0"/>
+        </a:lnRef>
+        <a:fillRef idx="1">
+          <a:scrgbClr r="0" g="0" b="0"/>
+        </a:fillRef>
+        <a:effectRef idx="2">
+          <a:scrgbClr r="0" g="0" b="0"/>
+        </a:effectRef>
+        <a:fontRef idx="minor"/>
+      </dsp:style>
+    </dsp:sp>
+    <dsp:sp modelId="{5AE59D9C-E471-4A56-8F3D-1222BE0FB977}">
+      <dsp:nvSpPr>
+        <dsp:cNvPr id="0" name=""/>
+        <dsp:cNvSpPr/>
+      </dsp:nvSpPr>
+      <dsp:spPr>
+        <a:xfrm>
+          <a:off x="380523" y="5005675"/>
+          <a:ext cx="691861" cy="691861"/>
+        </a:xfrm>
+        <a:prstGeom prst="rect">
+          <a:avLst/>
+        </a:prstGeom>
+        <a:blipFill>
+          <a:blip xmlns:r="http://schemas.openxmlformats.org/officeDocument/2006/relationships" r:embed="rId7">
+            <a:extLst>
+              <a:ext uri="{28A0092B-C50C-407E-A947-70E740481C1C}">
+                <a14:useLocalDpi xmlns:a14="http://schemas.microsoft.com/office/drawing/2010/main" val="0"/>
+              </a:ext>
+              <a:ext uri="{96DAC541-7B7A-43D3-8B79-37D633B846F1}">
+                <asvg:svgBlip xmlns:asvg="http://schemas.microsoft.com/office/drawing/2016/SVG/main" r:embed="rId8"/>
+              </a:ext>
+            </a:extLst>
+          </a:blip>
+          <a:stretch>
+            <a:fillRect/>
+          </a:stretch>
+        </a:blipFill>
+        <a:ln>
+          <a:noFill/>
+        </a:ln>
+        <a:effectLst>
+          <a:outerShdw blurRad="38100" dist="25400" dir="5400000" rotWithShape="0">
+            <a:srgbClr val="000000">
+              <a:alpha val="35000"/>
+            </a:srgbClr>
+          </a:outerShdw>
+        </a:effectLst>
+      </dsp:spPr>
+      <dsp:style>
+        <a:lnRef idx="0">
+          <a:scrgbClr r="0" g="0" b="0"/>
+        </a:lnRef>
+        <a:fillRef idx="3">
+          <a:scrgbClr r="0" g="0" b="0"/>
+        </a:fillRef>
+        <a:effectRef idx="2">
+          <a:scrgbClr r="0" g="0" b="0"/>
+        </a:effectRef>
+        <a:fontRef idx="minor">
+          <a:schemeClr val="lt1"/>
+        </a:fontRef>
+      </dsp:style>
+    </dsp:sp>
+    <dsp:sp modelId="{B76825D7-31E9-4104-A018-0EFF3EF5AABE}">
+      <dsp:nvSpPr>
+        <dsp:cNvPr id="0" name=""/>
+        <dsp:cNvSpPr/>
+      </dsp:nvSpPr>
+      <dsp:spPr>
+        <a:xfrm>
+          <a:off x="1452908" y="4722641"/>
+          <a:ext cx="4924722" cy="1257929"/>
+        </a:xfrm>
+        <a:prstGeom prst="rect">
+          <a:avLst/>
+        </a:prstGeom>
+        <a:noFill/>
+        <a:ln>
+          <a:noFill/>
+        </a:ln>
+        <a:effectLst/>
+      </dsp:spPr>
+      <dsp:style>
+        <a:lnRef idx="0">
+          <a:scrgbClr r="0" g="0" b="0"/>
+        </a:lnRef>
+        <a:fillRef idx="0">
+          <a:scrgbClr r="0" g="0" b="0"/>
+        </a:fillRef>
+        <a:effectRef idx="0">
+          <a:scrgbClr r="0" g="0" b="0"/>
+        </a:effectRef>
+        <a:fontRef idx="minor"/>
+      </dsp:style>
+      <dsp:txBody>
+        <a:bodyPr spcFirstLastPara="0" vert="horz" wrap="square" lIns="133131" tIns="133131" rIns="133131" bIns="133131" numCol="1" spcCol="1270" anchor="ctr" anchorCtr="0">
+          <a:noAutofit/>
+        </a:bodyPr>
+        <a:lstStyle/>
+        <a:p>
+          <a:pPr marL="0" lvl="0" indent="0" algn="l" defTabSz="977900">
+            <a:lnSpc>
+              <a:spcPct val="90000"/>
+            </a:lnSpc>
+            <a:spcBef>
+              <a:spcPct val="0"/>
+            </a:spcBef>
+            <a:spcAft>
+              <a:spcPct val="35000"/>
+            </a:spcAft>
+            <a:buNone/>
+          </a:pPr>
+          <a:r>
+            <a:rPr lang="en-US" sz="2200" kern="1200" dirty="0"/>
+            <a:t>Medicare outcomes differ by county </a:t>
+          </a:r>
+        </a:p>
+      </dsp:txBody>
+      <dsp:txXfrm>
+        <a:off x="1452908" y="4722641"/>
+        <a:ext cx="4924722" cy="1257929"/>
+      </dsp:txXfrm>
+    </dsp:sp>
+    <dsp:sp modelId="{30EFB9CE-90CD-4B9C-8948-1584EBF17DD2}">
+      <dsp:nvSpPr>
+        <dsp:cNvPr id="0" name=""/>
+        <dsp:cNvSpPr/>
+      </dsp:nvSpPr>
+      <dsp:spPr>
+        <a:xfrm>
+          <a:off x="6377631" y="4722641"/>
+          <a:ext cx="4564776" cy="1257929"/>
+        </a:xfrm>
+        <a:prstGeom prst="rect">
+          <a:avLst/>
+        </a:prstGeom>
+        <a:noFill/>
+        <a:ln>
+          <a:noFill/>
+        </a:ln>
+        <a:effectLst/>
+      </dsp:spPr>
+      <dsp:style>
+        <a:lnRef idx="0">
+          <a:scrgbClr r="0" g="0" b="0"/>
+        </a:lnRef>
+        <a:fillRef idx="0">
+          <a:scrgbClr r="0" g="0" b="0"/>
+        </a:fillRef>
+        <a:effectRef idx="0">
+          <a:scrgbClr r="0" g="0" b="0"/>
+        </a:effectRef>
+        <a:fontRef idx="minor"/>
+      </dsp:style>
+      <dsp:txBody>
+        <a:bodyPr spcFirstLastPara="0" vert="horz" wrap="square" lIns="133131" tIns="133131" rIns="133131" bIns="133131" numCol="1" spcCol="1270" anchor="ctr" anchorCtr="0">
+          <a:noAutofit/>
+        </a:bodyPr>
+        <a:lstStyle/>
+        <a:p>
+          <a:pPr marL="0" lvl="0" indent="0" algn="l" defTabSz="555625">
+            <a:lnSpc>
+              <a:spcPct val="90000"/>
+            </a:lnSpc>
+            <a:spcBef>
+              <a:spcPct val="0"/>
+            </a:spcBef>
+            <a:spcAft>
+              <a:spcPct val="35000"/>
+            </a:spcAft>
+            <a:buNone/>
+          </a:pPr>
+          <a:r>
+            <a:rPr lang="en-US" sz="1250" b="1" kern="1200" dirty="0">
+              <a:solidFill>
+                <a:schemeClr val="tx1"/>
+              </a:solidFill>
+            </a:rPr>
+            <a:t>Readmission rate different among 6 counties</a:t>
+          </a:r>
+        </a:p>
+        <a:p>
+          <a:pPr marL="0" lvl="0" indent="0" algn="l" defTabSz="555625">
+            <a:lnSpc>
+              <a:spcPct val="90000"/>
+            </a:lnSpc>
+            <a:spcBef>
+              <a:spcPct val="0"/>
+            </a:spcBef>
+            <a:spcAft>
+              <a:spcPct val="35000"/>
+            </a:spcAft>
+            <a:buNone/>
+          </a:pPr>
+          <a:r>
+            <a:rPr lang="en-US" sz="1250" b="1" kern="1200" dirty="0">
+              <a:solidFill>
+                <a:schemeClr val="tx1"/>
+              </a:solidFill>
+            </a:rPr>
+            <a:t>Complications  and Deaths were differ among 6 counties</a:t>
+          </a:r>
+        </a:p>
+        <a:p>
+          <a:pPr marL="0" lvl="0" indent="0" algn="l" defTabSz="555625">
+            <a:lnSpc>
+              <a:spcPct val="90000"/>
+            </a:lnSpc>
+            <a:spcBef>
+              <a:spcPct val="0"/>
+            </a:spcBef>
+            <a:spcAft>
+              <a:spcPct val="35000"/>
+            </a:spcAft>
+            <a:buNone/>
+          </a:pPr>
+          <a:r>
+            <a:rPr lang="en-US" sz="1250" b="1" kern="1200" dirty="0">
+              <a:solidFill>
+                <a:schemeClr val="tx1"/>
+              </a:solidFill>
+            </a:rPr>
+            <a:t>Unexpected hospitable visit also differ among the 6 counties</a:t>
+          </a:r>
+        </a:p>
+        <a:p>
+          <a:pPr marL="0" lvl="0" indent="0" algn="l" defTabSz="555625">
+            <a:lnSpc>
+              <a:spcPct val="90000"/>
+            </a:lnSpc>
+            <a:spcBef>
+              <a:spcPct val="0"/>
+            </a:spcBef>
+            <a:spcAft>
+              <a:spcPct val="35000"/>
+            </a:spcAft>
+            <a:buNone/>
+          </a:pPr>
+          <a:r>
+            <a:rPr lang="en-US" sz="1250" b="1" kern="1200" dirty="0">
+              <a:solidFill>
+                <a:schemeClr val="tx1"/>
+              </a:solidFill>
+            </a:rPr>
+            <a:t>Medicare spending per patient per patient</a:t>
+          </a:r>
+        </a:p>
+      </dsp:txBody>
+      <dsp:txXfrm>
+        <a:off x="6377631" y="4722641"/>
+        <a:ext cx="4564776" cy="1257929"/>
+      </dsp:txXfrm>
+    </dsp:sp>
+  </dsp:spTree>
+</dsp:drawing>
+</file>
+
+<file path=ppt/diagrams/layout1.xml><?xml version="1.0" encoding="utf-8"?>
+<dgm:layoutDef xmlns:dgm="http://schemas.openxmlformats.org/drawingml/2006/diagram" xmlns:a="http://schemas.openxmlformats.org/drawingml/2006/main" uniqueId="urn:microsoft.com/office/officeart/2018/2/layout/IconVerticalSolidList">
+  <dgm:title val="Icon Vertical Solid List"/>
+  <dgm:desc val="Use to show a series of visuals from top to bottom with Level 1 or Level 1 and Level 2 text grouped in a shape. Works best with icons or small pictures with lengthier descriptions."/>
+  <dgm:catLst>
+    <dgm:cat type="icon" pri="500"/>
+  </dgm:catLst>
+  <dgm:sampData useDef="1">
+    <dgm:dataModel>
+      <dgm:ptLst/>
+      <dgm:bg/>
+      <dgm:whole/>
+    </dgm:dataModel>
+  </dgm:sampData>
+  <dgm:styleData useDef="1">
+    <dgm:dataModel>
+      <dgm:ptLst/>
+      <dgm:bg/>
+      <dgm:whole/>
+    </dgm:dataModel>
+  </dgm:styleData>
+  <dgm:clrData useDef="1">
+    <dgm:dataModel>
+      <dgm:ptLst/>
+      <dgm:bg/>
+      <dgm:whole/>
+    </dgm:dataModel>
+  </dgm:clrData>
+  <dgm:layoutNode name="root">
+    <dgm:varLst>
+      <dgm:dir/>
+      <dgm:resizeHandles val="exact"/>
+    </dgm:varLst>
+    <dgm:choose name="Name0">
+      <dgm:if name="Name1" axis="self" func="var" arg="dir" op="equ" val="norm">
+        <dgm:alg type="lin">
+          <dgm:param type="linDir" val="fromT"/>
+          <dgm:param type="nodeHorzAlign" val="l"/>
+        </dgm:alg>
+      </dgm:if>
+      <dgm:else name="Name2">
+        <dgm:alg type="lin">
+          <dgm:param type="linDir" val="fromT"/>
+          <dgm:param type="nodeHorzAlign" val="r"/>
+        </dgm:alg>
+      </dgm:else>
+    </dgm:choose>
+    <dgm:shape xmlns:r="http://schemas.openxmlformats.org/officeDocument/2006/relationships" r:blip="">
+      <dgm:adjLst/>
+    </dgm:shape>
+    <dgm:presOf/>
+    <dgm:choose name="Name3">
+      <dgm:if name="Name4" axis="ch" ptType="node" func="cnt" op="lte" val="3">
+        <dgm:constrLst>
+          <dgm:constr type="h" for="ch" forName="compNode" refType="h" fact="0.3"/>
+          <dgm:constr type="w" for="ch" forName="compNode" refType="w"/>
+          <dgm:constr type="h" for="ch" forName="sibTrans" refType="h" refFor="ch" refForName="compNode" fact="0.25"/>
+          <dgm:constr type="primFontSz" for="des" forName="parTx" val="25"/>
+          <dgm:constr type="primFontSz" for="des" forName="desTx" refType="primFontSz" refFor="des" refForName="parTx" op="lte" fact="0.75"/>
+          <dgm:constr type="h" for="des" forName="compNode" op="equ"/>
+          <dgm:constr type="h" for="des" forName="bgRect" op="equ"/>
+          <dgm:constr type="h" for="des" forName="iconRect" op="equ"/>
+          <dgm:constr type="w" for="des" forName="iconRect" op="equ"/>
+          <dgm:constr type="h" for="des" forName="spaceRect" op="equ"/>
+          <dgm:constr type="h" for="des" forName="parTx" op="equ"/>
+          <dgm:constr type="h" for="des" forName="desTx" op="equ"/>
+        </dgm:constrLst>
+      </dgm:if>
+      <dgm:if name="Name5" axis="ch" ptType="node" func="cnt" op="lte" val="4">
+        <dgm:constrLst>
+          <dgm:constr type="h" for="ch" forName="compNode" refType="h" fact="0.3"/>
+          <dgm:constr type="w" for="ch" forName="compNode" refType="w"/>
+          <dgm:constr type="h" for="ch" forName="sibTrans" refType="h" refFor="ch" refForName="compNode" fact="0.25"/>
+          <dgm:constr type="primFontSz" for="des" forName="parTx" val="22"/>
+          <dgm:constr type="primFontSz" for="des" forName="desTx" refType="primFontSz" refFor="des" refForName="parTx" op="lte" fact="0.75"/>
+          <dgm:constr type="h" for="des" forName="compNode" op="equ"/>
+          <dgm:constr type="h" for="des" forName="bgRect" op="equ"/>
+          <dgm:constr type="h" for="des" forName="iconRect" op="equ"/>
+          <dgm:constr type="w" for="des" forName="iconRect" op="equ"/>
+          <dgm:constr type="h" for="des" forName="spaceRect" op="equ"/>
+          <dgm:constr type="h" for="des" forName="parTx" op="equ"/>
+          <dgm:constr type="h" for="des" forName="desTx" op="equ"/>
+        </dgm:constrLst>
+      </dgm:if>
+      <dgm:if name="Name6" axis="ch" ptType="node" func="cnt" op="lte" val="6">
+        <dgm:constrLst>
+          <dgm:constr type="h" for="ch" forName="compNode" refType="h" fact="0.3"/>
+          <dgm:constr type="w" for="ch" forName="compNode" refType="w"/>
+          <dgm:constr type="h" for="ch" forName="sibTrans" refType="h" refFor="ch" refForName="compNode" fact="0.25"/>
+          <dgm:constr type="primFontSz" for="des" forName="parTx" val="19"/>
+          <dgm:constr type="primFontSz" for="des" forName="desTx" refType="primFontSz" refFor="des" refForName="parTx" op="lte" fact="0.75"/>
+          <dgm:constr type="h" for="des" forName="compNode" op="equ"/>
+          <dgm:constr type="h" for="des" forName="bgRect" op="equ"/>
+          <dgm:constr type="h" for="des" forName="iconRect" op="equ"/>
+          <dgm:constr type="w" for="des" forName="iconRect" op="equ"/>
+          <dgm:constr type="h" for="des" forName="spaceRect" op="equ"/>
+          <dgm:constr type="h" for="des" forName="parTx" op="equ"/>
+          <dgm:constr type="h" for="des" forName="desTx" op="equ"/>
+        </dgm:constrLst>
+      </dgm:if>
+      <dgm:else name="Name7">
+        <dgm:constrLst>
+          <dgm:constr type="h" for="ch" forName="compNode" refType="h" fact="0.3"/>
+          <dgm:constr type="w" for="ch" forName="compNode" refType="w"/>
+          <dgm:constr type="h" for="ch" forName="sibTrans" refType="h" refFor="ch" refForName="compNode" fact="0.25"/>
+          <dgm:constr type="primFontSz" for="des" forName="parTx" val="16"/>
+          <dgm:constr type="primFontSz" for="des" forName="desTx" refType="primFontSz" refFor="des" refForName="parTx" op="lte" fact="0.75"/>
+          <dgm:constr type="h" for="des" forName="compNode" op="equ"/>
+          <dgm:constr type="h" for="des" forName="bgRect" op="equ"/>
+          <dgm:constr type="h" for="des" forName="iconRect" op="equ"/>
+          <dgm:constr type="w" for="des" forName="iconRect" op="equ"/>
+          <dgm:constr type="h" for="des" forName="spaceRect" op="equ"/>
+          <dgm:constr type="h" for="des" forName="parTx" op="equ"/>
+          <dgm:constr type="h" for="des" forName="desTx" op="equ"/>
+        </dgm:constrLst>
+      </dgm:else>
+    </dgm:choose>
+    <dgm:ruleLst>
+      <dgm:rule type="h" for="ch" forName="compNode" val="0" fact="NaN" max="NaN"/>
+    </dgm:ruleLst>
+    <dgm:forEach name="Name8" axis="ch" ptType="node">
+      <dgm:layoutNode name="compNode">
+        <dgm:alg type="composite"/>
+        <dgm:shape xmlns:r="http://schemas.openxmlformats.org/officeDocument/2006/relationships" r:blip="">
+          <dgm:adjLst/>
+        </dgm:shape>
+        <dgm:presOf axis="self"/>
+        <dgm:choose name="Name9">
+          <dgm:if name="Name10" axis="ch" ptType="node" func="cnt" op="gte" val="1">
+            <dgm:constrLst>
+              <dgm:constr type="w" for="ch" forName="bgRect" refType="w"/>
+              <dgm:constr type="h" for="ch" forName="bgRect" refType="h"/>
+              <dgm:constr type="l" for="ch" forName="bgRect"/>
+              <dgm:constr type="t" for="ch" forName="bgRect"/>
+              <dgm:constr type="h" for="ch" forName="iconRect" refType="h" fact="0.55"/>
+              <dgm:constr type="w" for="ch" forName="iconRect" refType="h" refFor="ch" refForName="iconRect"/>
+              <dgm:constr type="l" for="ch" forName="iconRect" refType="h" refFor="ch" refForName="iconRect" fact="0.55"/>
+              <dgm:constr type="ctrY" for="ch" forName="iconRect" refType="ctrY" refFor="ch" refForName="bgRect"/>
+              <dgm:constr type="w" for="ch" forName="spaceRect" refType="l" refFor="ch" refForName="iconRect"/>
+              <dgm:constr type="h" for="ch" forName="spaceRect" refType="h"/>
+              <dgm:constr type="l" for="ch" forName="spaceRect" refType="r" refFor="ch" refForName="iconRect"/>
+              <dgm:constr type="t" for="ch" forName="spaceRect"/>
+              <dgm:constr type="w" for="ch" forName="parTx" refType="w" fact="0.45"/>
+              <dgm:constr type="h" for="ch" forName="parTx" refType="h"/>
+              <dgm:constr type="l" for="ch" forName="parTx" refType="r" refFor="ch" refForName="spaceRect"/>
+              <dgm:constr type="t" for="ch" forName="parTx"/>
+              <dgm:constr type="h" for="ch" forName="desTx" refType="h"/>
+              <dgm:constr type="l" for="ch" forName="desTx" refType="r" refFor="ch" refForName="parTx"/>
+              <dgm:constr type="t" for="ch" forName="desTx"/>
+            </dgm:constrLst>
+          </dgm:if>
+          <dgm:else name="Name11">
+            <dgm:constrLst>
+              <dgm:constr type="w" for="ch" forName="bgRect" refType="w"/>
+              <dgm:constr type="h" for="ch" forName="bgRect" refType="h"/>
+              <dgm:constr type="l" for="ch" forName="bgRect"/>
+              <dgm:constr type="t" for="ch" forName="bgRect"/>
+              <dgm:constr type="h" for="ch" forName="iconRect" refType="h" fact="0.55"/>
+              <dgm:constr type="w" for="ch" forName="iconRect" refType="h" refFor="ch" refForName="iconRect"/>
+              <dgm:constr type="l" for="ch" forName="iconRect" refType="h" refFor="ch" refForName="iconRect" fact="0.55"/>
+              <dgm:constr type="ctrY" for="ch" forName="iconRect" refType="ctrY" refFor="ch" refForName="bgRect"/>
+              <dgm:constr type="w" for="ch" forName="spaceRect" refType="l" refFor="ch" refForName="iconRect"/>
+              <dgm:constr type="h" for="ch" forName="spaceRect" refType="h"/>
+              <dgm:constr type="l" for="ch" forName="spaceRect" refType="r" refFor="ch" refForName="iconRect"/>
+              <dgm:constr type="t" for="ch" forName="spaceRect"/>
+              <dgm:constr type="h" for="ch" forName="parTx" refType="h"/>
+              <dgm:constr type="l" for="ch" forName="parTx" refType="r" refFor="ch" refForName="spaceRect"/>
+              <dgm:constr type="t" for="ch" forName="parTx"/>
+            </dgm:constrLst>
+          </dgm:else>
+        </dgm:choose>
+        <dgm:ruleLst>
+          <dgm:rule type="h" val="INF" fact="NaN" max="NaN"/>
+        </dgm:ruleLst>
+        <dgm:layoutNode name="bgRect" styleLbl="bgShp">
+          <dgm:alg type="sp"/>
+          <dgm:shape xmlns:r="http://schemas.openxmlformats.org/officeDocument/2006/relationships" type="roundRect" r:blip="">
+            <dgm:adjLst>
+              <dgm:adj idx="1" val="0.1"/>
+            </dgm:adjLst>
+          </dgm:shape>
+          <dgm:presOf/>
+          <dgm:constrLst/>
+          <dgm:ruleLst/>
+        </dgm:layoutNode>
+        <dgm:layoutNode name="iconRect" styleLbl="node1">
+          <dgm:alg type="sp"/>
+          <dgm:shape xmlns:r="http://schemas.openxmlformats.org/officeDocument/2006/relationships" type="rect" r:blip="" blipPhldr="1">
+            <dgm:adjLst/>
+          </dgm:shape>
+          <dgm:presOf/>
+          <dgm:constrLst/>
+          <dgm:ruleLst/>
+        </dgm:layoutNode>
+        <dgm:layoutNode name="spaceRect">
+          <dgm:alg type="sp"/>
+          <dgm:shape xmlns:r="http://schemas.openxmlformats.org/officeDocument/2006/relationships" r:blip="">
+            <dgm:adjLst/>
+          </dgm:shape>
+          <dgm:presOf/>
+          <dgm:constrLst/>
+          <dgm:ruleLst/>
+        </dgm:layoutNode>
+        <dgm:layoutNode name="parTx" styleLbl="revTx">
+          <dgm:varLst>
+            <dgm:chMax val="0"/>
+            <dgm:chPref val="0"/>
+          </dgm:varLst>
+          <dgm:alg type="tx">
+            <dgm:param type="txAnchorVert" val="mid"/>
+            <dgm:param type="parTxLTRAlign" val="l"/>
+            <dgm:param type="shpTxLTRAlignCh" val="l"/>
+            <dgm:param type="parTxRTLAlign" val="r"/>
+            <dgm:param type="shpTxRTLAlignCh" val="r"/>
+          </dgm:alg>
+          <dgm:shape xmlns:r="http://schemas.openxmlformats.org/officeDocument/2006/relationships" type="rect" r:blip="">
+            <dgm:adjLst/>
+          </dgm:shape>
+          <dgm:presOf axis="self" ptType="node"/>
+          <dgm:constrLst>
+            <dgm:constr type="lMarg" refType="h" fact="0.3"/>
+            <dgm:constr type="rMarg" refType="h" fact="0.3"/>
+            <dgm:constr type="tMarg" refType="h" fact="0.3"/>
+            <dgm:constr type="bMarg" refType="h" fact="0.3"/>
+          </dgm:constrLst>
+          <dgm:ruleLst>
+            <dgm:rule type="primFontSz" val="14" fact="NaN" max="NaN"/>
+            <dgm:rule type="h" val="INF" fact="NaN" max="NaN"/>
+          </dgm:ruleLst>
+        </dgm:layoutNode>
+        <dgm:choose name="Name12">
+          <dgm:if name="Name13" axis="ch" ptType="node" func="cnt" op="gte" val="1">
+            <dgm:layoutNode name="desTx" styleLbl="revTx">
+              <dgm:varLst/>
+              <dgm:alg type="tx">
+                <dgm:param type="txAnchorVertCh" val="mid"/>
+                <dgm:param type="parTxLTRAlign" val="l"/>
+                <dgm:param type="shpTxLTRAlignCh" val="l"/>
+                <dgm:param type="parTxRTLAlign" val="r"/>
+                <dgm:param type="shpTxRTLAlignCh" val="r"/>
+                <dgm:param type="stBulletLvl" val="0"/>
+              </dgm:alg>
+              <dgm:shape xmlns:r="http://schemas.openxmlformats.org/officeDocument/2006/relationships" type="rect" r:blip="">
+                <dgm:adjLst/>
+              </dgm:shape>
+              <dgm:presOf axis="des" ptType="node"/>
+              <dgm:constrLst>
+                <dgm:constr type="primFontSz" val="18"/>
+                <dgm:constr type="secFontSz" refType="primFontSz"/>
+                <dgm:constr type="lMarg" refType="h" fact="0.3"/>
+                <dgm:constr type="rMarg" refType="h" fact="0.3"/>
+                <dgm:constr type="tMarg" refType="h" fact="0.3"/>
+                <dgm:constr type="bMarg" refType="h" fact="0.3"/>
+              </dgm:constrLst>
+              <dgm:ruleLst>
+                <dgm:rule type="primFontSz" val="11" fact="NaN" max="NaN"/>
+              </dgm:ruleLst>
+            </dgm:layoutNode>
+          </dgm:if>
+          <dgm:else name="Name14"/>
+        </dgm:choose>
+      </dgm:layoutNode>
+      <dgm:forEach name="Name15" axis="followSib" ptType="sibTrans" cnt="1">
+        <dgm:layoutNode name="sibTrans">
+          <dgm:alg type="sp"/>
+          <dgm:shape xmlns:r="http://schemas.openxmlformats.org/officeDocument/2006/relationships" r:blip="">
+            <dgm:adjLst/>
+          </dgm:shape>
+          <dgm:presOf axis="self"/>
+          <dgm:constrLst/>
+          <dgm:ruleLst/>
+        </dgm:layoutNode>
+      </dgm:forEach>
+    </dgm:forEach>
+  </dgm:layoutNode>
+  <dgm:extLst>
+    <a:ext uri="{68A01E43-0DF5-4B5B-8FA6-DAF915123BFB}">
+      <dgm1612:lstStyle xmlns:dgm1612="http://schemas.microsoft.com/office/drawing/2016/12/diagram">
+        <a:lvl1pPr>
+          <a:lnSpc>
+            <a:spcPct val="100000"/>
+          </a:lnSpc>
+        </a:lvl1pPr>
+        <a:lvl2pPr>
+          <a:lnSpc>
+            <a:spcPct val="100000"/>
+          </a:lnSpc>
+        </a:lvl2pPr>
+      </dgm1612:lstStyle>
+    </a:ext>
+  </dgm:extLst>
+</dgm:layoutDef>
+</file>
+
+<file path=ppt/diagrams/quickStyle1.xml><?xml version="1.0" encoding="utf-8"?>
+<dgm:styleDef xmlns:dgm="http://schemas.openxmlformats.org/drawingml/2006/diagram" xmlns:a="http://schemas.openxmlformats.org/drawingml/2006/main" uniqueId="urn:microsoft.com/office/officeart/2005/8/quickstyle/simple4">
+  <dgm:title val=""/>
+  <dgm:desc val=""/>
+  <dgm:catLst>
+    <dgm:cat type="simple" pri="10400"/>
+  </dgm:catLst>
+  <dgm:scene3d>
+    <a:camera prst="orthographicFront"/>
+    <a:lightRig rig="threePt" dir="t"/>
+  </dgm:scene3d>
+  <dgm:styleLbl name="node0">
+    <dgm:scene3d>
+      <a:camera prst="orthographicFront"/>
+      <a:lightRig rig="threePt" dir="t"/>
+    </dgm:scene3d>
+    <dgm:sp3d/>
+    <dgm:txPr/>
+    <dgm:style>
+      <a:lnRef idx="0">
+        <a:scrgbClr r="0" g="0" b="0"/>
+      </a:lnRef>
+      <a:fillRef idx="3">
+        <a:scrgbClr r="0" g="0" b="0"/>
+      </a:fillRef>
+      <a:effectRef idx="2">
+        <a:scrgbClr r="0" g="0" b="0"/>
+      </a:effectRef>
+      <a:fontRef idx="minor">
+        <a:schemeClr val="lt1"/>
+      </a:fontRef>
+    </dgm:style>
+  </dgm:styleLbl>
+  <dgm:styleLbl name="lnNode1">
+    <dgm:scene3d>
+      <a:camera prst="orthographicFront"/>
+      <a:lightRig rig="threePt" dir="t"/>
+    </dgm:scene3d>
+    <dgm:sp3d/>
+    <dgm:txPr/>
+    <dgm:style>
+      <a:lnRef idx="1">
+        <a:scrgbClr r="0" g="0" b="0"/>
+      </a:lnRef>
+      <a:fillRef idx="3">
+        <a:scrgbClr r="0" g="0" b="0"/>
+      </a:fillRef>
+      <a:effectRef idx="2">
+        <a:scrgbClr r="0" g="0" b="0"/>
+      </a:effectRef>
+      <a:fontRef idx="minor">
+        <a:schemeClr val="lt1"/>
+      </a:fontRef>
+    </dgm:style>
+  </dgm:styleLbl>
+  <dgm:styleLbl name="vennNode1">
+    <dgm:scene3d>
+      <a:camera prst="orthographicFront"/>
+      <a:lightRig rig="threePt" dir="t"/>
+    </dgm:scene3d>
+    <dgm:sp3d/>
+    <dgm:txPr/>
+    <dgm:style>
+      <a:lnRef idx="0">
+        <a:scrgbClr r="0" g="0" b="0"/>
+      </a:lnRef>
+      <a:fillRef idx="3">
+        <a:scrgbClr r="0" g="0" b="0"/>
+      </a:fillRef>
+      <a:effectRef idx="0">
+        <a:scrgbClr r="0" g="0" b="0"/>
+      </a:effectRef>
+      <a:fontRef idx="minor">
+        <a:schemeClr val="tx1"/>
+      </a:fontRef>
+    </dgm:style>
+  </dgm:styleLbl>
+  <dgm:styleLbl name="alignNode1">
+    <dgm:scene3d>
+      <a:camera prst="orthographicFront"/>
+      <a:lightRig rig="threePt" dir="t"/>
+    </dgm:scene3d>
+    <dgm:sp3d/>
+    <dgm:txPr/>
+    <dgm:style>
+      <a:lnRef idx="1">
+        <a:scrgbClr r="0" g="0" b="0"/>
+      </a:lnRef>
+      <a:fillRef idx="3">
+        <a:scrgbClr r="0" g="0" b="0"/>
+      </a:fillRef>
+      <a:effectRef idx="2">
+        <a:scrgbClr r="0" g="0" b="0"/>
+      </a:effectRef>
+      <a:fontRef idx="minor">
+        <a:schemeClr val="lt1"/>
+      </a:fontRef>
+    </dgm:style>
+  </dgm:styleLbl>
+  <dgm:styleLbl name="node1">
+    <dgm:scene3d>
+      <a:camera prst="orthographicFront"/>
+      <a:lightRig rig="threePt" dir="t"/>
+    </dgm:scene3d>
+    <dgm:sp3d/>
+    <dgm:txPr/>
+    <dgm:style>
+      <a:lnRef idx="0">
+        <a:scrgbClr r="0" g="0" b="0"/>
+      </a:lnRef>
+      <a:fillRef idx="3">
+        <a:scrgbClr r="0" g="0" b="0"/>
+      </a:fillRef>
+      <a:effectRef idx="2">
+        <a:scrgbClr r="0" g="0" b="0"/>
+      </a:effectRef>
+      <a:fontRef idx="minor">
+        <a:schemeClr val="lt1"/>
+      </a:fontRef>
+    </dgm:style>
+  </dgm:styleLbl>
+  <dgm:styleLbl name="node2">
+    <dgm:scene3d>
+      <a:camera prst="orthographicFront"/>
+      <a:lightRig rig="threePt" dir="t"/>
+    </dgm:scene3d>
+    <dgm:sp3d/>
+    <dgm:txPr/>
+    <dgm:style>
+      <a:lnRef idx="0">
+        <a:scrgbClr r="0" g="0" b="0"/>
+      </a:lnRef>
+      <a:fillRef idx="3">
+        <a:scrgbClr r="0" g="0" b="0"/>
+      </a:fillRef>
+      <a:effectRef idx="2">
+        <a:scrgbClr r="0" g="0" b="0"/>
+      </a:effectRef>
+      <a:fontRef idx="minor">
+        <a:schemeClr val="lt1"/>
+      </a:fontRef>
+    </dgm:style>
+  </dgm:styleLbl>
+  <dgm:styleLbl name="node3">
+    <dgm:scene3d>
+      <a:camera prst="orthographicFront"/>
+      <a:lightRig rig="threePt" dir="t"/>
+    </dgm:scene3d>
+    <dgm:sp3d/>
+    <dgm:txPr/>
+    <dgm:style>
+      <a:lnRef idx="0">
+        <a:scrgbClr r="0" g="0" b="0"/>
+      </a:lnRef>
+      <a:fillRef idx="3">
+        <a:scrgbClr r="0" g="0" b="0"/>
+      </a:fillRef>
+      <a:effectRef idx="2">
+        <a:scrgbClr r="0" g="0" b="0"/>
+      </a:effectRef>
+      <a:fontRef idx="minor">
+        <a:schemeClr val="lt1"/>
+      </a:fontRef>
+    </dgm:style>
+  </dgm:styleLbl>
+  <dgm:styleLbl name="node4">
+    <dgm:scene3d>
+      <a:camera prst="orthographicFront"/>
+      <a:lightRig rig="threePt" dir="t"/>
+    </dgm:scene3d>
+    <dgm:sp3d/>
+    <dgm:txPr/>
+    <dgm:style>
+      <a:lnRef idx="0">
+        <a:scrgbClr r="0" g="0" b="0"/>
+      </a:lnRef>
+      <a:fillRef idx="3">
+        <a:scrgbClr r="0" g="0" b="0"/>
+      </a:fillRef>
+      <a:effectRef idx="2">
+        <a:scrgbClr r="0" g="0" b="0"/>
+      </a:effectRef>
+      <a:fontRef idx="minor">
+        <a:schemeClr val="lt1"/>
+      </a:fontRef>
+    </dgm:style>
+  </dgm:styleLbl>
+  <dgm:styleLbl name="fgImgPlace1">
+    <dgm:scene3d>
+      <a:camera prst="orthographicFront"/>
+      <a:lightRig rig="threePt" dir="t"/>
+    </dgm:scene3d>
+    <dgm:sp3d/>
+    <dgm:txPr/>
+    <dgm:style>
+      <a:lnRef idx="0">
+        <a:scrgbClr r="0" g="0" b="0"/>
+      </a:lnRef>
+      <a:fillRef idx="1">
+        <a:scrgbClr r="0" g="0" b="0"/>
+      </a:fillRef>
+      <a:effectRef idx="2">
+        <a:scrgbClr r="0" g="0" b="0"/>
+      </a:effectRef>
+      <a:fontRef idx="minor"/>
+    </dgm:style>
+  </dgm:styleLbl>
+  <dgm:styleLbl name="alignImgPlace1">
+    <dgm:scene3d>
+      <a:camera prst="orthographicFront"/>
+      <a:lightRig rig="threePt" dir="t"/>
+    </dgm:scene3d>
+    <dgm:sp3d/>
+    <dgm:txPr/>
+    <dgm:style>
+      <a:lnRef idx="0">
+        <a:scrgbClr r="0" g="0" b="0"/>
+      </a:lnRef>
+      <a:fillRef idx="1">
+        <a:scrgbClr r="0" g="0" b="0"/>
+      </a:fillRef>
+      <a:effectRef idx="2">
+        <a:scrgbClr r="0" g="0" b="0"/>
+      </a:effectRef>
+      <a:fontRef idx="minor"/>
+    </dgm:style>
+  </dgm:styleLbl>
+  <dgm:styleLbl name="bgImgPlace1">
+    <dgm:scene3d>
+      <a:camera prst="orthographicFront"/>
+      <a:lightRig rig="threePt" dir="t"/>
+    </dgm:scene3d>
+    <dgm:sp3d/>
+    <dgm:txPr/>
+    <dgm:style>
+      <a:lnRef idx="0">
+        <a:scrgbClr r="0" g="0" b="0"/>
+      </a:lnRef>
+      <a:fillRef idx="1">
+        <a:scrgbClr r="0" g="0" b="0"/>
+      </a:fillRef>
+      <a:effectRef idx="2">
+        <a:scrgbClr r="0" g="0" b="0"/>
+      </a:effectRef>
+      <a:fontRef idx="minor"/>
+    </dgm:style>
+  </dgm:styleLbl>
+  <dgm:styleLbl name="sibTrans2D1">
+    <dgm:scene3d>
+      <a:camera prst="orthographicFront"/>
+      <a:lightRig rig="threePt" dir="t"/>
+    </dgm:scene3d>
+    <dgm:sp3d/>
+    <dgm:txPr/>
+    <dgm:style>
+      <a:lnRef idx="0">
+        <a:scrgbClr r="0" g="0" b="0"/>
+      </a:lnRef>
+      <a:fillRef idx="3">
+        <a:scrgbClr r="0" g="0" b="0"/>
+      </a:fillRef>
+      <a:effectRef idx="2">
+        <a:scrgbClr r="0" g="0" b="0"/>
+      </a:effectRef>
+      <a:fontRef idx="minor">
+        <a:schemeClr val="lt1"/>
+      </a:fontRef>
+    </dgm:style>
+  </dgm:styleLbl>
+  <dgm:styleLbl name="fgSibTrans2D1">
+    <dgm:scene3d>
+      <a:camera prst="orthographicFront"/>
+      <a:lightRig rig="threePt" dir="t"/>
+    </dgm:scene3d>
+    <dgm:sp3d/>
+    <dgm:txPr/>
+    <dgm:style>
+      <a:lnRef idx="0">
+        <a:scrgbClr r="0" g="0" b="0"/>
+      </a:lnRef>
+      <a:fillRef idx="3">
+        <a:scrgbClr r="0" g="0" b="0"/>
+      </a:fillRef>
+      <a:effectRef idx="2">
+        <a:scrgbClr r="0" g="0" b="0"/>
+      </a:effectRef>
+      <a:fontRef idx="minor">
+        <a:schemeClr val="lt1"/>
+      </a:fontRef>
+    </dgm:style>
+  </dgm:styleLbl>
+  <dgm:styleLbl name="bgSibTrans2D1">
+    <dgm:scene3d>
+      <a:camera prst="orthographicFront"/>
+      <a:lightRig rig="threePt" dir="t"/>
+    </dgm:scene3d>
+    <dgm:sp3d/>
+    <dgm:txPr/>
+    <dgm:style>
+      <a:lnRef idx="0">
+        <a:scrgbClr r="0" g="0" b="0"/>
+      </a:lnRef>
+      <a:fillRef idx="3">
+        <a:scrgbClr r="0" g="0" b="0"/>
+      </a:fillRef>
+      <a:effectRef idx="2">
+        <a:scrgbClr r="0" g="0" b="0"/>
+      </a:effectRef>
+      <a:fontRef idx="minor">
+        <a:schemeClr val="lt1"/>
+      </a:fontRef>
+    </dgm:style>
+  </dgm:styleLbl>
+  <dgm:styleLbl name="sibTrans1D1">
+    <dgm:scene3d>
+      <a:camera prst="orthographicFront"/>
+      <a:lightRig rig="threePt" dir="t"/>
+    </dgm:scene3d>
+    <dgm:sp3d/>
+    <dgm:txPr/>
+    <dgm:style>
+      <a:lnRef idx="1">
+        <a:scrgbClr r="0" g="0" b="0"/>
+      </a:lnRef>
+      <a:fillRef idx="0">
+        <a:scrgbClr r="0" g="0" b="0"/>
+      </a:fillRef>
+      <a:effectRef idx="0">
+        <a:scrgbClr r="0" g="0" b="0"/>
+      </a:effectRef>
+      <a:fontRef idx="minor"/>
+    </dgm:style>
+  </dgm:styleLbl>
+  <dgm:styleLbl name="callout">
+    <dgm:scene3d>
+      <a:camera prst="orthographicFront"/>
+      <a:lightRig rig="threePt" dir="t"/>
+    </dgm:scene3d>
+    <dgm:sp3d/>
+    <dgm:txPr/>
+    <dgm:style>
+      <a:lnRef idx="2">
+        <a:scrgbClr r="0" g="0" b="0"/>
+      </a:lnRef>
+      <a:fillRef idx="1">
+        <a:scrgbClr r="0" g="0" b="0"/>
+      </a:fillRef>
+      <a:effectRef idx="1">
+        <a:scrgbClr r="0" g="0" b="0"/>
+      </a:effectRef>
+      <a:fontRef idx="minor"/>
+    </dgm:style>
+  </dgm:styleLbl>
+  <dgm:styleLbl name="asst0">
+    <dgm:scene3d>
+      <a:camera prst="orthographicFront"/>
+      <a:lightRig rig="threePt" dir="t"/>
+    </dgm:scene3d>
+    <dgm:sp3d/>
+    <dgm:txPr/>
+    <dgm:style>
+      <a:lnRef idx="0">
+        <a:scrgbClr r="0" g="0" b="0"/>
+      </a:lnRef>
+      <a:fillRef idx="3">
+        <a:scrgbClr r="0" g="0" b="0"/>
+      </a:fillRef>
+      <a:effectRef idx="2">
+        <a:scrgbClr r="0" g="0" b="0"/>
+      </a:effectRef>
+      <a:fontRef idx="minor">
+        <a:schemeClr val="lt1"/>
+      </a:fontRef>
+    </dgm:style>
+  </dgm:styleLbl>
+  <dgm:styleLbl name="asst1">
+    <dgm:scene3d>
+      <a:camera prst="orthographicFront"/>
+      <a:lightRig rig="threePt" dir="t"/>
+    </dgm:scene3d>
+    <dgm:sp3d/>
+    <dgm:txPr/>
+    <dgm:style>
+      <a:lnRef idx="0">
+        <a:scrgbClr r="0" g="0" b="0"/>
+      </a:lnRef>
+      <a:fillRef idx="3">
+        <a:scrgbClr r="0" g="0" b="0"/>
+      </a:fillRef>
+      <a:effectRef idx="2">
+        <a:scrgbClr r="0" g="0" b="0"/>
+      </a:effectRef>
+      <a:fontRef idx="minor">
+        <a:schemeClr val="lt1"/>
+      </a:fontRef>
+    </dgm:style>
+  </dgm:styleLbl>
+  <dgm:styleLbl name="asst2">
+    <dgm:scene3d>
+      <a:camera prst="orthographicFront"/>
+      <a:lightRig rig="threePt" dir="t"/>
+    </dgm:scene3d>
+    <dgm:sp3d/>
+    <dgm:txPr/>
+    <dgm:style>
+      <a:lnRef idx="0">
+        <a:scrgbClr r="0" g="0" b="0"/>
+      </a:lnRef>
+      <a:fillRef idx="3">
+        <a:scrgbClr r="0" g="0" b="0"/>
+      </a:fillRef>
+      <a:effectRef idx="2">
+        <a:scrgbClr r="0" g="0" b="0"/>
+      </a:effectRef>
+      <a:fontRef idx="minor">
+        <a:schemeClr val="lt1"/>
+      </a:fontRef>
+    </dgm:style>
+  </dgm:styleLbl>
+  <dgm:styleLbl name="asst3">
+    <dgm:scene3d>
+      <a:camera prst="orthographicFront"/>
+      <a:lightRig rig="threePt" dir="t"/>
+    </dgm:scene3d>
+    <dgm:sp3d/>
+    <dgm:txPr/>
+    <dgm:style>
+      <a:lnRef idx="0">
+        <a:scrgbClr r="0" g="0" b="0"/>
+      </a:lnRef>
+      <a:fillRef idx="3">
+        <a:scrgbClr r="0" g="0" b="0"/>
+      </a:fillRef>
+      <a:effectRef idx="2">
+        <a:scrgbClr r="0" g="0" b="0"/>
+      </a:effectRef>
+      <a:fontRef idx="minor">
+        <a:schemeClr val="lt1"/>
+      </a:fontRef>
+    </dgm:style>
+  </dgm:styleLbl>
+  <dgm:styleLbl name="asst4">
+    <dgm:scene3d>
+      <a:camera prst="orthographicFront"/>
+      <a:lightRig rig="threePt" dir="t"/>
+    </dgm:scene3d>
+    <dgm:sp3d/>
+    <dgm:txPr/>
+    <dgm:style>
+      <a:lnRef idx="0">
+        <a:scrgbClr r="0" g="0" b="0"/>
+      </a:lnRef>
+      <a:fillRef idx="3">
+        <a:scrgbClr r="0" g="0" b="0"/>
+      </a:fillRef>
+      <a:effectRef idx="2">
+        <a:scrgbClr r="0" g="0" b="0"/>
+      </a:effectRef>
+      <a:fontRef idx="minor">
+        <a:schemeClr val="lt1"/>
+      </a:fontRef>
+    </dgm:style>
+  </dgm:styleLbl>
+  <dgm:styleLbl name="parChTrans2D1">
+    <dgm:scene3d>
+      <a:camera prst="orthographicFront"/>
+      <a:lightRig rig="threePt" dir="t"/>
+    </dgm:scene3d>
+    <dgm:sp3d/>
+    <dgm:txPr/>
+    <dgm:style>
+      <a:lnRef idx="0">
+        <a:scrgbClr r="0" g="0" b="0"/>
+      </a:lnRef>
+      <a:fillRef idx="3">
+        <a:scrgbClr r="0" g="0" b="0"/>
+      </a:fillRef>
+      <a:effectRef idx="2">
+        <a:scrgbClr r="0" g="0" b="0"/>
+      </a:effectRef>
+      <a:fontRef idx="minor">
+        <a:schemeClr val="lt1"/>
+      </a:fontRef>
+    </dgm:style>
+  </dgm:styleLbl>
+  <dgm:styleLbl name="parChTrans2D2">
+    <dgm:scene3d>
+      <a:camera prst="orthographicFront"/>
+      <a:lightRig rig="threePt" dir="t"/>
+    </dgm:scene3d>
+    <dgm:sp3d/>
+    <dgm:txPr/>
+    <dgm:style>
+      <a:lnRef idx="0">
+        <a:scrgbClr r="0" g="0" b="0"/>
+      </a:lnRef>
+      <a:fillRef idx="3">
+        <a:scrgbClr r="0" g="0" b="0"/>
+      </a:fillRef>
+      <a:effectRef idx="2">
+        <a:scrgbClr r="0" g="0" b="0"/>
+      </a:effectRef>
+      <a:fontRef idx="minor">
+        <a:schemeClr val="lt1"/>
+      </a:fontRef>
+    </dgm:style>
+  </dgm:styleLbl>
+  <dgm:styleLbl name="parChTrans2D3">
+    <dgm:scene3d>
+      <a:camera prst="orthographicFront"/>
+      <a:lightRig rig="threePt" dir="t"/>
+    </dgm:scene3d>
+    <dgm:sp3d/>
+    <dgm:txPr/>
+    <dgm:style>
+      <a:lnRef idx="1">
+        <a:scrgbClr r="0" g="0" b="0"/>
+      </a:lnRef>
+      <a:fillRef idx="3">
+        <a:scrgbClr r="0" g="0" b="0"/>
+      </a:fillRef>
+      <a:effectRef idx="2">
+        <a:scrgbClr r="0" g="0" b="0"/>
+      </a:effectRef>
+      <a:fontRef idx="minor">
+        <a:schemeClr val="lt1"/>
+      </a:fontRef>
+    </dgm:style>
+  </dgm:styleLbl>
+  <dgm:styleLbl name="parChTrans2D4">
+    <dgm:scene3d>
+      <a:camera prst="orthographicFront"/>
+      <a:lightRig rig="threePt" dir="t"/>
+    </dgm:scene3d>
+    <dgm:sp3d/>
+    <dgm:txPr/>
+    <dgm:style>
+      <a:lnRef idx="1">
+        <a:scrgbClr r="0" g="0" b="0"/>
+      </a:lnRef>
+      <a:fillRef idx="3">
+        <a:scrgbClr r="0" g="0" b="0"/>
+      </a:fillRef>
+      <a:effectRef idx="2">
+        <a:scrgbClr r="0" g="0" b="0"/>
+      </a:effectRef>
+      <a:fontRef idx="minor">
+        <a:schemeClr val="lt1"/>
+      </a:fontRef>
+    </dgm:style>
+  </dgm:styleLbl>
+  <dgm:styleLbl name="parChTrans1D1">
+    <dgm:scene3d>
+      <a:camera prst="orthographicFront"/>
+      <a:lightRig rig="threePt" dir="t"/>
+    </dgm:scene3d>
+    <dgm:sp3d/>
+    <dgm:txPr/>
+    <dgm:style>
+      <a:lnRef idx="1">
+        <a:scrgbClr r="0" g="0" b="0"/>
+      </a:lnRef>
+      <a:fillRef idx="0">
+        <a:scrgbClr r="0" g="0" b="0"/>
+      </a:fillRef>
+      <a:effectRef idx="0">
+        <a:scrgbClr r="0" g="0" b="0"/>
+      </a:effectRef>
+      <a:fontRef idx="minor"/>
+    </dgm:style>
+  </dgm:styleLbl>
+  <dgm:styleLbl name="parChTrans1D2">
+    <dgm:scene3d>
+      <a:camera prst="orthographicFront"/>
+      <a:lightRig rig="threePt" dir="t"/>
+    </dgm:scene3d>
+    <dgm:sp3d/>
+    <dgm:txPr/>
+    <dgm:style>
+      <a:lnRef idx="1">
+        <a:scrgbClr r="0" g="0" b="0"/>
+      </a:lnRef>
+      <a:fillRef idx="0">
+        <a:scrgbClr r="0" g="0" b="0"/>
+      </a:fillRef>
+      <a:effectRef idx="0">
+        <a:scrgbClr r="0" g="0" b="0"/>
+      </a:effectRef>
+      <a:fontRef idx="minor"/>
+    </dgm:style>
+  </dgm:styleLbl>
+  <dgm:styleLbl name="parChTrans1D3">
+    <dgm:scene3d>
+      <a:camera prst="orthographicFront"/>
+      <a:lightRig rig="threePt" dir="t"/>
+    </dgm:scene3d>
+    <dgm:sp3d/>
+    <dgm:txPr/>
+    <dgm:style>
+      <a:lnRef idx="1">
+        <a:scrgbClr r="0" g="0" b="0"/>
+      </a:lnRef>
+      <a:fillRef idx="0">
+        <a:scrgbClr r="0" g="0" b="0"/>
+      </a:fillRef>
+      <a:effectRef idx="0">
+        <a:scrgbClr r="0" g="0" b="0"/>
+      </a:effectRef>
+      <a:fontRef idx="minor"/>
+    </dgm:style>
+  </dgm:styleLbl>
+  <dgm:styleLbl name="parChTrans1D4">
+    <dgm:scene3d>
+      <a:camera prst="orthographicFront"/>
+      <a:lightRig rig="threePt" dir="t"/>
+    </dgm:scene3d>
+    <dgm:sp3d/>
+    <dgm:txPr/>
+    <dgm:style>
+      <a:lnRef idx="1">
+        <a:scrgbClr r="0" g="0" b="0"/>
+      </a:lnRef>
+      <a:fillRef idx="0">
+        <a:scrgbClr r="0" g="0" b="0"/>
+      </a:fillRef>
+      <a:effectRef idx="0">
+        <a:scrgbClr r="0" g="0" b="0"/>
+      </a:effectRef>
+      <a:fontRef idx="minor"/>
+    </dgm:style>
+  </dgm:styleLbl>
+  <dgm:styleLbl name="fgAcc1">
+    <dgm:scene3d>
+      <a:camera prst="orthographicFront"/>
+      <a:lightRig rig="threePt" dir="t"/>
+    </dgm:scene3d>
+    <dgm:sp3d/>
+    <dgm:txPr/>
+    <dgm:style>
+      <a:lnRef idx="1">
+        <a:scrgbClr r="0" g="0" b="0"/>
+      </a:lnRef>
+      <a:fillRef idx="1">
+        <a:scrgbClr r="0" g="0" b="0"/>
+      </a:fillRef>
+      <a:effectRef idx="0">
+        <a:scrgbClr r="0" g="0" b="0"/>
+      </a:effectRef>
+      <a:fontRef idx="minor"/>
+    </dgm:style>
+  </dgm:styleLbl>
+  <dgm:styleLbl name="conFgAcc1">
+    <dgm:scene3d>
+      <a:camera prst="orthographicFront"/>
+      <a:lightRig rig="threePt" dir="t"/>
+    </dgm:scene3d>
+    <dgm:sp3d/>
+    <dgm:txPr/>
+    <dgm:style>
+      <a:lnRef idx="1">
+        <a:scrgbClr r="0" g="0" b="0"/>
+      </a:lnRef>
+      <a:fillRef idx="1">
+        <a:scrgbClr r="0" g="0" b="0"/>
+      </a:fillRef>
+      <a:effectRef idx="0">
+        <a:scrgbClr r="0" g="0" b="0"/>
+      </a:effectRef>
+      <a:fontRef idx="minor"/>
+    </dgm:style>
+  </dgm:styleLbl>
+  <dgm:styleLbl name="alignAcc1">
+    <dgm:scene3d>
+      <a:camera prst="orthographicFront"/>
+      <a:lightRig rig="threePt" dir="t"/>
+    </dgm:scene3d>
+    <dgm:sp3d/>
+    <dgm:txPr/>
+    <dgm:style>
+      <a:lnRef idx="1">
+        <a:scrgbClr r="0" g="0" b="0"/>
+      </a:lnRef>
+      <a:fillRef idx="1">
+        <a:scrgbClr r="0" g="0" b="0"/>
+      </a:fillRef>
+      <a:effectRef idx="0">
+        <a:scrgbClr r="0" g="0" b="0"/>
+      </a:effectRef>
+      <a:fontRef idx="minor"/>
+    </dgm:style>
+  </dgm:styleLbl>
+  <dgm:styleLbl name="trAlignAcc1">
+    <dgm:scene3d>
+      <a:camera prst="orthographicFront"/>
+      <a:lightRig rig="threePt" dir="t"/>
+    </dgm:scene3d>
+    <dgm:sp3d/>
+    <dgm:txPr/>
+    <dgm:style>
+      <a:lnRef idx="1">
+        <a:scrgbClr r="0" g="0" b="0"/>
+      </a:lnRef>
+      <a:fillRef idx="1">
+        <a:scrgbClr r="0" g="0" b="0"/>
+      </a:fillRef>
+      <a:effectRef idx="0">
+        <a:scrgbClr r="0" g="0" b="0"/>
+      </a:effectRef>
+      <a:fontRef idx="minor"/>
+    </dgm:style>
+  </dgm:styleLbl>
+  <dgm:styleLbl name="bgAcc1">
+    <dgm:scene3d>
+      <a:camera prst="orthographicFront"/>
+      <a:lightRig rig="threePt" dir="t"/>
+    </dgm:scene3d>
+    <dgm:sp3d/>
+    <dgm:txPr/>
+    <dgm:style>
+      <a:lnRef idx="1">
+        <a:scrgbClr r="0" g="0" b="0"/>
+      </a:lnRef>
+      <a:fillRef idx="1">
+        <a:scrgbClr r="0" g="0" b="0"/>
+      </a:fillRef>
+      <a:effectRef idx="0">
+        <a:scrgbClr r="0" g="0" b="0"/>
+      </a:effectRef>
+      <a:fontRef idx="minor"/>
+    </dgm:style>
+  </dgm:styleLbl>
+  <dgm:styleLbl name="solidFgAcc1">
+    <dgm:scene3d>
+      <a:camera prst="orthographicFront"/>
+      <a:lightRig rig="threePt" dir="t"/>
+    </dgm:scene3d>
+    <dgm:sp3d/>
+    <dgm:txPr/>
+    <dgm:style>
+      <a:lnRef idx="1">
+        <a:scrgbClr r="0" g="0" b="0"/>
+      </a:lnRef>
+      <a:fillRef idx="1">
+        <a:scrgbClr r="0" g="0" b="0"/>
+      </a:fillRef>
+      <a:effectRef idx="0">
+        <a:scrgbClr r="0" g="0" b="0"/>
+      </a:effectRef>
+      <a:fontRef idx="minor"/>
+    </dgm:style>
+  </dgm:styleLbl>
+  <dgm:styleLbl name="solidAlignAcc1">
+    <dgm:scene3d>
+      <a:camera prst="orthographicFront"/>
+      <a:lightRig rig="threePt" dir="t"/>
+    </dgm:scene3d>
+    <dgm:sp3d/>
+    <dgm:txPr/>
+    <dgm:style>
+      <a:lnRef idx="1">
+        <a:scrgbClr r="0" g="0" b="0"/>
+      </a:lnRef>
+      <a:fillRef idx="1">
+        <a:scrgbClr r="0" g="0" b="0"/>
+      </a:fillRef>
+      <a:effectRef idx="0">
+        <a:scrgbClr r="0" g="0" b="0"/>
+      </a:effectRef>
+      <a:fontRef idx="minor"/>
+    </dgm:style>
+  </dgm:styleLbl>
+  <dgm:styleLbl name="solidBgAcc1">
+    <dgm:scene3d>
+      <a:camera prst="orthographicFront"/>
+      <a:lightRig rig="threePt" dir="t"/>
+    </dgm:scene3d>
+    <dgm:sp3d/>
+    <dgm:txPr/>
+    <dgm:style>
+      <a:lnRef idx="1">
+        <a:scrgbClr r="0" g="0" b="0"/>
+      </a:lnRef>
+      <a:fillRef idx="1">
+        <a:scrgbClr r="0" g="0" b="0"/>
+      </a:fillRef>
+      <a:effectRef idx="0">
+        <a:scrgbClr r="0" g="0" b="0"/>
+      </a:effectRef>
+      <a:fontRef idx="minor"/>
+    </dgm:style>
+  </dgm:styleLbl>
+  <dgm:styleLbl name="fgAccFollowNode1">
+    <dgm:scene3d>
+      <a:camera prst="orthographicFront"/>
+      <a:lightRig rig="threePt" dir="t"/>
+    </dgm:scene3d>
+    <dgm:sp3d/>
+    <dgm:txPr/>
+    <dgm:style>
+      <a:lnRef idx="1">
+        <a:scrgbClr r="0" g="0" b="0"/>
+      </a:lnRef>
+      <a:fillRef idx="1">
+        <a:scrgbClr r="0" g="0" b="0"/>
+      </a:fillRef>
+      <a:effectRef idx="0">
+        <a:scrgbClr r="0" g="0" b="0"/>
+      </a:effectRef>
+      <a:fontRef idx="minor"/>
+    </dgm:style>
+  </dgm:styleLbl>
+  <dgm:styleLbl name="alignAccFollowNode1">
+    <dgm:scene3d>
+      <a:camera prst="orthographicFront"/>
+      <a:lightRig rig="threePt" dir="t"/>
+    </dgm:scene3d>
+    <dgm:sp3d/>
+    <dgm:txPr/>
+    <dgm:style>
+      <a:lnRef idx="1">
+        <a:scrgbClr r="0" g="0" b="0"/>
+      </a:lnRef>
+      <a:fillRef idx="1">
+        <a:scrgbClr r="0" g="0" b="0"/>
+      </a:fillRef>
+      <a:effectRef idx="0">
+        <a:scrgbClr r="0" g="0" b="0"/>
+      </a:effectRef>
+      <a:fontRef idx="minor"/>
+    </dgm:style>
+  </dgm:styleLbl>
+  <dgm:styleLbl name="bgAccFollowNode1">
+    <dgm:scene3d>
+      <a:camera prst="orthographicFront"/>
+      <a:lightRig rig="threePt" dir="t"/>
+    </dgm:scene3d>
+    <dgm:sp3d/>
+    <dgm:txPr/>
+    <dgm:style>
+      <a:lnRef idx="1">
+        <a:scrgbClr r="0" g="0" b="0"/>
+      </a:lnRef>
+      <a:fillRef idx="1">
+        <a:scrgbClr r="0" g="0" b="0"/>
+      </a:fillRef>
+      <a:effectRef idx="0">
+        <a:scrgbClr r="0" g="0" b="0"/>
+      </a:effectRef>
+      <a:fontRef idx="minor"/>
+    </dgm:style>
+  </dgm:styleLbl>
+  <dgm:styleLbl name="fgAcc0">
+    <dgm:scene3d>
+      <a:camera prst="orthographicFront"/>
+      <a:lightRig rig="threePt" dir="t"/>
+    </dgm:scene3d>
+    <dgm:sp3d/>
+    <dgm:txPr/>
+    <dgm:style>
+      <a:lnRef idx="1">
+        <a:scrgbClr r="0" g="0" b="0"/>
+      </a:lnRef>
+      <a:fillRef idx="1">
+        <a:scrgbClr r="0" g="0" b="0"/>
+      </a:fillRef>
+      <a:effectRef idx="0">
+        <a:scrgbClr r="0" g="0" b="0"/>
+      </a:effectRef>
+      <a:fontRef idx="minor"/>
+    </dgm:style>
+  </dgm:styleLbl>
+  <dgm:styleLbl name="fgAcc2">
+    <dgm:scene3d>
+      <a:camera prst="orthographicFront"/>
+      <a:lightRig rig="threePt" dir="t"/>
+    </dgm:scene3d>
+    <dgm:sp3d/>
+    <dgm:txPr/>
+    <dgm:style>
+      <a:lnRef idx="1">
+        <a:scrgbClr r="0" g="0" b="0"/>
+      </a:lnRef>
+      <a:fillRef idx="1">
+        <a:scrgbClr r="0" g="0" b="0"/>
+      </a:fillRef>
+      <a:effectRef idx="0">
+        <a:scrgbClr r="0" g="0" b="0"/>
+      </a:effectRef>
+      <a:fontRef idx="minor"/>
+    </dgm:style>
+  </dgm:styleLbl>
+  <dgm:styleLbl name="fgAcc3">
+    <dgm:scene3d>
+      <a:camera prst="orthographicFront"/>
+      <a:lightRig rig="threePt" dir="t"/>
+    </dgm:scene3d>
+    <dgm:sp3d/>
+    <dgm:txPr/>
+    <dgm:style>
+      <a:lnRef idx="1">
+        <a:scrgbClr r="0" g="0" b="0"/>
+      </a:lnRef>
+      <a:fillRef idx="1">
+        <a:scrgbClr r="0" g="0" b="0"/>
+      </a:fillRef>
+      <a:effectRef idx="0">
+        <a:scrgbClr r="0" g="0" b="0"/>
+      </a:effectRef>
+      <a:fontRef idx="minor"/>
+    </dgm:style>
+  </dgm:styleLbl>
+  <dgm:styleLbl name="fgAcc4">
+    <dgm:scene3d>
+      <a:camera prst="orthographicFront"/>
+      <a:lightRig rig="threePt" dir="t"/>
+    </dgm:scene3d>
+    <dgm:sp3d/>
+    <dgm:txPr/>
+    <dgm:style>
+      <a:lnRef idx="1">
+        <a:scrgbClr r="0" g="0" b="0"/>
+      </a:lnRef>
+      <a:fillRef idx="1">
+        <a:scrgbClr r="0" g="0" b="0"/>
+      </a:fillRef>
+      <a:effectRef idx="0">
+        <a:scrgbClr r="0" g="0" b="0"/>
+      </a:effectRef>
+      <a:fontRef idx="minor"/>
+    </dgm:style>
+  </dgm:styleLbl>
+  <dgm:styleLbl name="bgShp">
+    <dgm:scene3d>
+      <a:camera prst="orthographicFront"/>
+      <a:lightRig rig="threePt" dir="t"/>
+    </dgm:scene3d>
+    <dgm:sp3d/>
+    <dgm:txPr/>
+    <dgm:style>
+      <a:lnRef idx="0">
+        <a:scrgbClr r="0" g="0" b="0"/>
+      </a:lnRef>
+      <a:fillRef idx="1">
+        <a:scrgbClr r="0" g="0" b="0"/>
+      </a:fillRef>
+      <a:effectRef idx="2">
+        <a:scrgbClr r="0" g="0" b="0"/>
+      </a:effectRef>
+      <a:fontRef idx="minor"/>
+    </dgm:style>
+  </dgm:styleLbl>
+  <dgm:styleLbl name="dkBgShp">
+    <dgm:scene3d>
+      <a:camera prst="orthographicFront"/>
+      <a:lightRig rig="threePt" dir="t"/>
+    </dgm:scene3d>
+    <dgm:sp3d/>
+    <dgm:txPr/>
+    <dgm:style>
+      <a:lnRef idx="0">
+        <a:scrgbClr r="0" g="0" b="0"/>
+      </a:lnRef>
+      <a:fillRef idx="1">
+        <a:scrgbClr r="0" g="0" b="0"/>
+      </a:fillRef>
+      <a:effectRef idx="2">
+        <a:scrgbClr r="0" g="0" b="0"/>
+      </a:effectRef>
+      <a:fontRef idx="minor"/>
+    </dgm:style>
+  </dgm:styleLbl>
+  <dgm:styleLbl name="trBgShp">
+    <dgm:scene3d>
+      <a:camera prst="orthographicFront"/>
+      <a:lightRig rig="threePt" dir="t"/>
+    </dgm:scene3d>
+    <dgm:sp3d/>
+    <dgm:txPr/>
+    <dgm:style>
+      <a:lnRef idx="0">
+        <a:scrgbClr r="0" g="0" b="0"/>
+      </a:lnRef>
+      <a:fillRef idx="1">
+        <a:scrgbClr r="0" g="0" b="0"/>
+      </a:fillRef>
+      <a:effectRef idx="0">
+        <a:scrgbClr r="0" g="0" b="0"/>
+      </a:effectRef>
+      <a:fontRef idx="minor"/>
+    </dgm:style>
+  </dgm:styleLbl>
+  <dgm:styleLbl name="fgShp">
+    <dgm:scene3d>
+      <a:camera prst="orthographicFront"/>
+      <a:lightRig rig="threePt" dir="t"/>
+    </dgm:scene3d>
+    <dgm:sp3d/>
+    <dgm:txPr/>
+    <dgm:style>
+      <a:lnRef idx="0">
+        <a:scrgbClr r="0" g="0" b="0"/>
+      </a:lnRef>
+      <a:fillRef idx="3">
+        <a:scrgbClr r="0" g="0" b="0"/>
+      </a:fillRef>
+      <a:effectRef idx="2">
+        <a:scrgbClr r="0" g="0" b="0"/>
+      </a:effectRef>
+      <a:fontRef idx="minor"/>
+    </dgm:style>
+  </dgm:styleLbl>
+  <dgm:styleLbl name="revTx">
+    <dgm:scene3d>
+      <a:camera prst="orthographicFront"/>
+      <a:lightRig rig="threePt" dir="t"/>
+    </dgm:scene3d>
+    <dgm:sp3d/>
+    <dgm:txPr/>
+    <dgm:style>
+      <a:lnRef idx="0">
+        <a:scrgbClr r="0" g="0" b="0"/>
+      </a:lnRef>
+      <a:fillRef idx="0">
+        <a:scrgbClr r="0" g="0" b="0"/>
+      </a:fillRef>
+      <a:effectRef idx="0">
+        <a:scrgbClr r="0" g="0" b="0"/>
+      </a:effectRef>
+      <a:fontRef idx="minor"/>
+    </dgm:style>
+  </dgm:styleLbl>
+</dgm:styleDef>
 </file>
 
 <file path=ppt/notesMasters/notesMaster1.xml><?xml version="1.0" encoding="utf-8"?>
@@ -6533,7 +10164,7 @@
           <p:cNvPr id="2" name="Title 1">
             <a:extLst>
               <a:ext uri="{FF2B5EF4-FFF2-40B4-BE49-F238E27FC236}">
-                <a16:creationId xmlns:a16="http://schemas.microsoft.com/office/drawing/2014/main" id="{9E04E921-6E2A-471E-8FA1-A7C9E4246B39}"/>
+                <a16:creationId xmlns:a16="http://schemas.microsoft.com/office/drawing/2014/main" id="{6AB6E4B9-C1F6-4B71-89BE-973D6B28428D}"/>
               </a:ext>
             </a:extLst>
           </p:cNvPr>
@@ -6546,8 +10177,8 @@
         </p:nvSpPr>
         <p:spPr>
           <a:xfrm>
-            <a:off x="1889760" y="227374"/>
-            <a:ext cx="7985760" cy="1325563"/>
+            <a:off x="1165698" y="148461"/>
+            <a:ext cx="9860604" cy="607127"/>
           </a:xfrm>
         </p:spPr>
         <p:txBody>
@@ -6557,14 +10188,11 @@
           <a:lstStyle/>
           <a:p>
             <a:r>
-              <a:rPr lang="en-US" sz="2700" dirty="0">
-                <a:solidFill>
-                  <a:schemeClr val="tx1"/>
-                </a:solidFill>
+              <a:rPr lang="en-US" dirty="0">
                 <a:latin typeface="Calibri" panose="020F0502020204030204" pitchFamily="34" charset="0"/>
                 <a:cs typeface="Calibri" panose="020F0502020204030204" pitchFamily="34" charset="0"/>
               </a:rPr>
-              <a:t>If hospitals within a county have consistent Medicare spending, then they should have Fewer readmissions.</a:t>
+              <a:t>   Estimate per score of Complications and Deaths</a:t>
             </a:r>
             <a:br>
               <a:rPr lang="en-US" dirty="0">
@@ -6579,10 +10207,142 @@
           </a:p>
         </p:txBody>
       </p:sp>
+      <p:pic>
+        <p:nvPicPr>
+          <p:cNvPr id="3" name="Picture 2">
+            <a:extLst>
+              <a:ext uri="{FF2B5EF4-FFF2-40B4-BE49-F238E27FC236}">
+                <a16:creationId xmlns:a16="http://schemas.microsoft.com/office/drawing/2014/main" id="{CBA208DB-EE05-46DB-8B56-4543493D6F2B}"/>
+              </a:ext>
+            </a:extLst>
+          </p:cNvPr>
+          <p:cNvPicPr>
+            <a:picLocks noChangeAspect="1"/>
+          </p:cNvPicPr>
+          <p:nvPr/>
+        </p:nvPicPr>
+        <p:blipFill>
+          <a:blip r:embed="rId2"/>
+          <a:stretch>
+            <a:fillRect/>
+          </a:stretch>
+        </p:blipFill>
+        <p:spPr>
+          <a:xfrm>
+            <a:off x="354611" y="1661356"/>
+            <a:ext cx="6186754" cy="3535288"/>
+          </a:xfrm>
+          <a:prstGeom prst="rect">
+            <a:avLst/>
+          </a:prstGeom>
+        </p:spPr>
+      </p:pic>
+      <p:sp>
+        <p:nvSpPr>
+          <p:cNvPr id="9" name="TextBox 8">
+            <a:extLst>
+              <a:ext uri="{FF2B5EF4-FFF2-40B4-BE49-F238E27FC236}">
+                <a16:creationId xmlns:a16="http://schemas.microsoft.com/office/drawing/2014/main" id="{008F1640-8D7E-47CC-8EC7-53EAB5978614}"/>
+              </a:ext>
+            </a:extLst>
+          </p:cNvPr>
+          <p:cNvSpPr txBox="1"/>
+          <p:nvPr/>
+        </p:nvSpPr>
+        <p:spPr>
+          <a:xfrm>
+            <a:off x="1528119" y="755588"/>
+            <a:ext cx="8305800" cy="461665"/>
+          </a:xfrm>
+          <a:prstGeom prst="rect">
+            <a:avLst/>
+          </a:prstGeom>
+          <a:noFill/>
+        </p:spPr>
+        <p:txBody>
+          <a:bodyPr wrap="square" rtlCol="0">
+            <a:spAutoFit/>
+          </a:bodyPr>
+          <a:lstStyle/>
+          <a:p>
+            <a:pPr algn="ctr"/>
+            <a:r>
+              <a:rPr lang="en-US" sz="2400" dirty="0"/>
+              <a:t>Are the hospitals within range of their estimates?</a:t>
+            </a:r>
+          </a:p>
+        </p:txBody>
+      </p:sp>
+      <p:sp>
+        <p:nvSpPr>
+          <p:cNvPr id="10" name="TextBox 9">
+            <a:extLst>
+              <a:ext uri="{FF2B5EF4-FFF2-40B4-BE49-F238E27FC236}">
+                <a16:creationId xmlns:a16="http://schemas.microsoft.com/office/drawing/2014/main" id="{FC86D410-A244-4A61-B661-3FD942CC642A}"/>
+              </a:ext>
+            </a:extLst>
+          </p:cNvPr>
+          <p:cNvSpPr txBox="1"/>
+          <p:nvPr/>
+        </p:nvSpPr>
+        <p:spPr>
+          <a:xfrm>
+            <a:off x="3234285" y="5481234"/>
+            <a:ext cx="6614160" cy="400110"/>
+          </a:xfrm>
+          <a:prstGeom prst="rect">
+            <a:avLst/>
+          </a:prstGeom>
+          <a:noFill/>
+        </p:spPr>
+        <p:txBody>
+          <a:bodyPr wrap="square" rtlCol="0">
+            <a:spAutoFit/>
+          </a:bodyPr>
+          <a:lstStyle/>
+          <a:p>
+            <a:pPr algn="ctr"/>
+            <a:r>
+              <a:rPr lang="en-US" sz="2000" dirty="0"/>
+              <a:t>The 6 counties where above the estimate</a:t>
+            </a:r>
+          </a:p>
+        </p:txBody>
+      </p:sp>
+      <p:pic>
+        <p:nvPicPr>
+          <p:cNvPr id="11" name="Picture 10">
+            <a:extLst>
+              <a:ext uri="{FF2B5EF4-FFF2-40B4-BE49-F238E27FC236}">
+                <a16:creationId xmlns:a16="http://schemas.microsoft.com/office/drawing/2014/main" id="{174ED9BC-C030-458A-B650-A936B4593FEC}"/>
+              </a:ext>
+            </a:extLst>
+          </p:cNvPr>
+          <p:cNvPicPr>
+            <a:picLocks noChangeAspect="1"/>
+          </p:cNvPicPr>
+          <p:nvPr/>
+        </p:nvPicPr>
+        <p:blipFill>
+          <a:blip r:embed="rId3"/>
+          <a:stretch>
+            <a:fillRect/>
+          </a:stretch>
+        </p:blipFill>
+        <p:spPr>
+          <a:xfrm>
+            <a:off x="6063695" y="1661356"/>
+            <a:ext cx="5773694" cy="3299254"/>
+          </a:xfrm>
+          <a:prstGeom prst="rect">
+            <a:avLst/>
+          </a:prstGeom>
+        </p:spPr>
+      </p:pic>
     </p:spTree>
     <p:extLst>
       <p:ext uri="{BB962C8B-B14F-4D97-AF65-F5344CB8AC3E}">
-        <p14:creationId xmlns:p14="http://schemas.microsoft.com/office/powerpoint/2010/main" val="524358472"/>
+        <p14:creationId xmlns:p14="http://schemas.microsoft.com/office/powerpoint/2010/main" val="220727649"/>
       </p:ext>
     </p:extLst>
   </p:cSld>
@@ -6593,6 +10353,463 @@
 </file>
 
 <file path=ppt/slides/slide11.xml><?xml version="1.0" encoding="utf-8"?>
+<p:sld xmlns:a="http://schemas.openxmlformats.org/drawingml/2006/main" xmlns:r="http://schemas.openxmlformats.org/officeDocument/2006/relationships" xmlns:p="http://schemas.openxmlformats.org/presentationml/2006/main">
+  <p:cSld>
+    <p:spTree>
+      <p:nvGrpSpPr>
+        <p:cNvPr id="1" name=""/>
+        <p:cNvGrpSpPr/>
+        <p:nvPr/>
+      </p:nvGrpSpPr>
+      <p:grpSpPr>
+        <a:xfrm>
+          <a:off x="0" y="0"/>
+          <a:ext cx="0" cy="0"/>
+          <a:chOff x="0" y="0"/>
+          <a:chExt cx="0" cy="0"/>
+        </a:xfrm>
+      </p:grpSpPr>
+      <p:sp>
+        <p:nvSpPr>
+          <p:cNvPr id="4" name="Rectangle 3">
+            <a:extLst>
+              <a:ext uri="{FF2B5EF4-FFF2-40B4-BE49-F238E27FC236}">
+                <a16:creationId xmlns:a16="http://schemas.microsoft.com/office/drawing/2014/main" id="{C960193E-A476-4B10-95BA-6A9C22CB696A}"/>
+              </a:ext>
+            </a:extLst>
+          </p:cNvPr>
+          <p:cNvSpPr/>
+          <p:nvPr/>
+        </p:nvSpPr>
+        <p:spPr>
+          <a:xfrm>
+            <a:off x="720090" y="182880"/>
+            <a:ext cx="8835390" cy="1631216"/>
+          </a:xfrm>
+          <a:prstGeom prst="rect">
+            <a:avLst/>
+          </a:prstGeom>
+        </p:spPr>
+        <p:txBody>
+          <a:bodyPr wrap="square">
+            <a:spAutoFit/>
+          </a:bodyPr>
+          <a:lstStyle/>
+          <a:p>
+            <a:pPr algn="ctr"/>
+            <a:r>
+              <a:rPr lang="en-US" sz="2000" b="1" dirty="0">
+                <a:solidFill>
+                  <a:schemeClr val="accent1"/>
+                </a:solidFill>
+                <a:latin typeface="Calibri" panose="020F0502020204030204" pitchFamily="34" charset="0"/>
+                <a:cs typeface="Calibri" panose="020F0502020204030204" pitchFamily="34" charset="0"/>
+              </a:rPr>
+              <a:t>The Medicare Spending Per Patient</a:t>
+            </a:r>
+          </a:p>
+          <a:p>
+            <a:pPr algn="ctr"/>
+            <a:r>
+              <a:rPr lang="en-US" sz="2000" dirty="0">
+                <a:latin typeface="Calibri" panose="020F0502020204030204" pitchFamily="34" charset="0"/>
+                <a:cs typeface="Calibri" panose="020F0502020204030204" pitchFamily="34" charset="0"/>
+              </a:rPr>
+              <a:t>Does Medicare spends more, less, or about the same for an episode of care?</a:t>
+            </a:r>
+          </a:p>
+          <a:p>
+            <a:pPr algn="ctr"/>
+            <a:endParaRPr lang="en-US" sz="2000" dirty="0">
+              <a:latin typeface="Calibri" panose="020F0502020204030204" pitchFamily="34" charset="0"/>
+              <a:cs typeface="Calibri" panose="020F0502020204030204" pitchFamily="34" charset="0"/>
+            </a:endParaRPr>
+          </a:p>
+          <a:p>
+            <a:pPr algn="ctr"/>
+            <a:endParaRPr lang="en-US" sz="2000" dirty="0">
+              <a:latin typeface="Calibri" panose="020F0502020204030204" pitchFamily="34" charset="0"/>
+              <a:cs typeface="Calibri" panose="020F0502020204030204" pitchFamily="34" charset="0"/>
+            </a:endParaRPr>
+          </a:p>
+          <a:p>
+            <a:pPr algn="ctr"/>
+            <a:endParaRPr lang="en-US" sz="2000" dirty="0">
+              <a:latin typeface="Calibri" panose="020F0502020204030204" pitchFamily="34" charset="0"/>
+              <a:cs typeface="Calibri" panose="020F0502020204030204" pitchFamily="34" charset="0"/>
+            </a:endParaRPr>
+          </a:p>
+        </p:txBody>
+      </p:sp>
+      <p:pic>
+        <p:nvPicPr>
+          <p:cNvPr id="1026" name="Picture 2">
+            <a:extLst>
+              <a:ext uri="{FF2B5EF4-FFF2-40B4-BE49-F238E27FC236}">
+                <a16:creationId xmlns:a16="http://schemas.microsoft.com/office/drawing/2014/main" id="{77A96258-5A62-408F-AF07-F1075254987A}"/>
+              </a:ext>
+            </a:extLst>
+          </p:cNvPr>
+          <p:cNvPicPr>
+            <a:picLocks noChangeAspect="1" noChangeArrowheads="1"/>
+          </p:cNvPicPr>
+          <p:nvPr/>
+        </p:nvPicPr>
+        <p:blipFill>
+          <a:blip r:embed="rId2">
+            <a:extLst>
+              <a:ext uri="{28A0092B-C50C-407E-A947-70E740481C1C}">
+                <a14:useLocalDpi xmlns:a14="http://schemas.microsoft.com/office/drawing/2010/main" val="0"/>
+              </a:ext>
+            </a:extLst>
+          </a:blip>
+          <a:srcRect/>
+          <a:stretch>
+            <a:fillRect/>
+          </a:stretch>
+        </p:blipFill>
+        <p:spPr bwMode="auto">
+          <a:xfrm>
+            <a:off x="5166360" y="1374550"/>
+            <a:ext cx="6305550" cy="4445767"/>
+          </a:xfrm>
+          <a:prstGeom prst="rect">
+            <a:avLst/>
+          </a:prstGeom>
+          <a:noFill/>
+          <a:extLst>
+            <a:ext uri="{909E8E84-426E-40DD-AFC4-6F175D3DCCD1}">
+              <a14:hiddenFill xmlns:a14="http://schemas.microsoft.com/office/drawing/2010/main">
+                <a:solidFill>
+                  <a:srgbClr val="FFFFFF"/>
+                </a:solidFill>
+              </a14:hiddenFill>
+            </a:ext>
+          </a:extLst>
+        </p:spPr>
+      </p:pic>
+      <p:sp>
+        <p:nvSpPr>
+          <p:cNvPr id="7" name="Content Placeholder 2">
+            <a:extLst>
+              <a:ext uri="{FF2B5EF4-FFF2-40B4-BE49-F238E27FC236}">
+                <a16:creationId xmlns:a16="http://schemas.microsoft.com/office/drawing/2014/main" id="{8D12E0A2-1D9E-4CC8-8E87-26DF6979AD4B}"/>
+              </a:ext>
+            </a:extLst>
+          </p:cNvPr>
+          <p:cNvSpPr txBox="1">
+            <a:spLocks/>
+          </p:cNvSpPr>
+          <p:nvPr/>
+        </p:nvSpPr>
+        <p:spPr>
+          <a:xfrm>
+            <a:off x="533400" y="2443418"/>
+            <a:ext cx="5562600" cy="2783490"/>
+          </a:xfrm>
+          <a:prstGeom prst="rect">
+            <a:avLst/>
+          </a:prstGeom>
+        </p:spPr>
+        <p:txBody>
+          <a:bodyPr vert="horz" lIns="91440" tIns="45720" rIns="91440" bIns="45720" rtlCol="0">
+            <a:normAutofit fontScale="62500" lnSpcReduction="20000"/>
+          </a:bodyPr>
+          <a:lstStyle>
+            <a:lvl1pPr marL="342900" indent="-342900" algn="l" defTabSz="457200" rtl="0" eaLnBrk="1" latinLnBrk="0" hangingPunct="1">
+              <a:spcBef>
+                <a:spcPts val="1000"/>
+              </a:spcBef>
+              <a:spcAft>
+                <a:spcPts val="0"/>
+              </a:spcAft>
+              <a:buClr>
+                <a:schemeClr val="accent1"/>
+              </a:buClr>
+              <a:buSzPct val="80000"/>
+              <a:buFont typeface="Wingdings 3" charset="2"/>
+              <a:buChar char=""/>
+              <a:defRPr sz="1800" kern="1200">
+                <a:solidFill>
+                  <a:schemeClr val="tx1">
+                    <a:lumMod val="75000"/>
+                    <a:lumOff val="25000"/>
+                  </a:schemeClr>
+                </a:solidFill>
+                <a:latin typeface="+mn-lt"/>
+                <a:ea typeface="+mn-ea"/>
+                <a:cs typeface="+mn-cs"/>
+              </a:defRPr>
+            </a:lvl1pPr>
+            <a:lvl2pPr marL="742950" indent="-285750" algn="l" defTabSz="457200" rtl="0" eaLnBrk="1" latinLnBrk="0" hangingPunct="1">
+              <a:spcBef>
+                <a:spcPts val="1000"/>
+              </a:spcBef>
+              <a:spcAft>
+                <a:spcPts val="0"/>
+              </a:spcAft>
+              <a:buClr>
+                <a:schemeClr val="accent1"/>
+              </a:buClr>
+              <a:buSzPct val="80000"/>
+              <a:buFont typeface="Wingdings 3" charset="2"/>
+              <a:buChar char=""/>
+              <a:defRPr sz="1600" kern="1200">
+                <a:solidFill>
+                  <a:schemeClr val="tx1">
+                    <a:lumMod val="75000"/>
+                    <a:lumOff val="25000"/>
+                  </a:schemeClr>
+                </a:solidFill>
+                <a:latin typeface="+mn-lt"/>
+                <a:ea typeface="+mn-ea"/>
+                <a:cs typeface="+mn-cs"/>
+              </a:defRPr>
+            </a:lvl2pPr>
+            <a:lvl3pPr marL="1143000" indent="-228600" algn="l" defTabSz="457200" rtl="0" eaLnBrk="1" latinLnBrk="0" hangingPunct="1">
+              <a:spcBef>
+                <a:spcPts val="1000"/>
+              </a:spcBef>
+              <a:spcAft>
+                <a:spcPts val="0"/>
+              </a:spcAft>
+              <a:buClr>
+                <a:schemeClr val="accent1"/>
+              </a:buClr>
+              <a:buSzPct val="80000"/>
+              <a:buFont typeface="Wingdings 3" charset="2"/>
+              <a:buChar char=""/>
+              <a:defRPr sz="1400" kern="1200">
+                <a:solidFill>
+                  <a:schemeClr val="tx1">
+                    <a:lumMod val="75000"/>
+                    <a:lumOff val="25000"/>
+                  </a:schemeClr>
+                </a:solidFill>
+                <a:latin typeface="+mn-lt"/>
+                <a:ea typeface="+mn-ea"/>
+                <a:cs typeface="+mn-cs"/>
+              </a:defRPr>
+            </a:lvl3pPr>
+            <a:lvl4pPr marL="1600200" indent="-228600" algn="l" defTabSz="457200" rtl="0" eaLnBrk="1" latinLnBrk="0" hangingPunct="1">
+              <a:spcBef>
+                <a:spcPts val="1000"/>
+              </a:spcBef>
+              <a:spcAft>
+                <a:spcPts val="0"/>
+              </a:spcAft>
+              <a:buClr>
+                <a:schemeClr val="accent1"/>
+              </a:buClr>
+              <a:buSzPct val="80000"/>
+              <a:buFont typeface="Wingdings 3" charset="2"/>
+              <a:buChar char=""/>
+              <a:defRPr sz="1200" kern="1200">
+                <a:solidFill>
+                  <a:schemeClr val="tx1">
+                    <a:lumMod val="75000"/>
+                    <a:lumOff val="25000"/>
+                  </a:schemeClr>
+                </a:solidFill>
+                <a:latin typeface="+mn-lt"/>
+                <a:ea typeface="+mn-ea"/>
+                <a:cs typeface="+mn-cs"/>
+              </a:defRPr>
+            </a:lvl4pPr>
+            <a:lvl5pPr marL="2057400" indent="-228600" algn="l" defTabSz="457200" rtl="0" eaLnBrk="1" latinLnBrk="0" hangingPunct="1">
+              <a:spcBef>
+                <a:spcPts val="1000"/>
+              </a:spcBef>
+              <a:spcAft>
+                <a:spcPts val="0"/>
+              </a:spcAft>
+              <a:buClr>
+                <a:schemeClr val="accent1"/>
+              </a:buClr>
+              <a:buSzPct val="80000"/>
+              <a:buFont typeface="Wingdings 3" charset="2"/>
+              <a:buChar char=""/>
+              <a:defRPr sz="1200" kern="1200">
+                <a:solidFill>
+                  <a:schemeClr val="tx1">
+                    <a:lumMod val="75000"/>
+                    <a:lumOff val="25000"/>
+                  </a:schemeClr>
+                </a:solidFill>
+                <a:latin typeface="+mn-lt"/>
+                <a:ea typeface="+mn-ea"/>
+                <a:cs typeface="+mn-cs"/>
+              </a:defRPr>
+            </a:lvl5pPr>
+            <a:lvl6pPr marL="2514600" indent="-228600" algn="l" defTabSz="457200" rtl="0" eaLnBrk="1" latinLnBrk="0" hangingPunct="1">
+              <a:spcBef>
+                <a:spcPts val="1000"/>
+              </a:spcBef>
+              <a:spcAft>
+                <a:spcPts val="0"/>
+              </a:spcAft>
+              <a:buClr>
+                <a:schemeClr val="accent1"/>
+              </a:buClr>
+              <a:buSzPct val="80000"/>
+              <a:buFont typeface="Wingdings 3" charset="2"/>
+              <a:buChar char=""/>
+              <a:defRPr sz="1200" kern="1200">
+                <a:solidFill>
+                  <a:schemeClr val="tx1">
+                    <a:lumMod val="75000"/>
+                    <a:lumOff val="25000"/>
+                  </a:schemeClr>
+                </a:solidFill>
+                <a:latin typeface="+mn-lt"/>
+                <a:ea typeface="+mn-ea"/>
+                <a:cs typeface="+mn-cs"/>
+              </a:defRPr>
+            </a:lvl6pPr>
+            <a:lvl7pPr marL="2971800" indent="-228600" algn="l" defTabSz="457200" rtl="0" eaLnBrk="1" latinLnBrk="0" hangingPunct="1">
+              <a:spcBef>
+                <a:spcPts val="1000"/>
+              </a:spcBef>
+              <a:spcAft>
+                <a:spcPts val="0"/>
+              </a:spcAft>
+              <a:buClr>
+                <a:schemeClr val="accent1"/>
+              </a:buClr>
+              <a:buSzPct val="80000"/>
+              <a:buFont typeface="Wingdings 3" charset="2"/>
+              <a:buChar char=""/>
+              <a:defRPr sz="1200" kern="1200">
+                <a:solidFill>
+                  <a:schemeClr val="tx1">
+                    <a:lumMod val="75000"/>
+                    <a:lumOff val="25000"/>
+                  </a:schemeClr>
+                </a:solidFill>
+                <a:latin typeface="+mn-lt"/>
+                <a:ea typeface="+mn-ea"/>
+                <a:cs typeface="+mn-cs"/>
+              </a:defRPr>
+            </a:lvl7pPr>
+            <a:lvl8pPr marL="3429000" indent="-228600" algn="l" defTabSz="457200" rtl="0" eaLnBrk="1" latinLnBrk="0" hangingPunct="1">
+              <a:spcBef>
+                <a:spcPts val="1000"/>
+              </a:spcBef>
+              <a:spcAft>
+                <a:spcPts val="0"/>
+              </a:spcAft>
+              <a:buClr>
+                <a:schemeClr val="accent1"/>
+              </a:buClr>
+              <a:buSzPct val="80000"/>
+              <a:buFont typeface="Wingdings 3" charset="2"/>
+              <a:buChar char=""/>
+              <a:defRPr sz="1200" kern="1200">
+                <a:solidFill>
+                  <a:schemeClr val="tx1">
+                    <a:lumMod val="75000"/>
+                    <a:lumOff val="25000"/>
+                  </a:schemeClr>
+                </a:solidFill>
+                <a:latin typeface="+mn-lt"/>
+                <a:ea typeface="+mn-ea"/>
+                <a:cs typeface="+mn-cs"/>
+              </a:defRPr>
+            </a:lvl8pPr>
+            <a:lvl9pPr marL="3886200" indent="-228600" algn="l" defTabSz="457200" rtl="0" eaLnBrk="1" latinLnBrk="0" hangingPunct="1">
+              <a:spcBef>
+                <a:spcPts val="1000"/>
+              </a:spcBef>
+              <a:spcAft>
+                <a:spcPts val="0"/>
+              </a:spcAft>
+              <a:buClr>
+                <a:schemeClr val="accent1"/>
+              </a:buClr>
+              <a:buSzPct val="80000"/>
+              <a:buFont typeface="Wingdings 3" charset="2"/>
+              <a:buChar char=""/>
+              <a:defRPr sz="1200" kern="1200">
+                <a:solidFill>
+                  <a:schemeClr val="tx1">
+                    <a:lumMod val="75000"/>
+                    <a:lumOff val="25000"/>
+                  </a:schemeClr>
+                </a:solidFill>
+                <a:latin typeface="+mn-lt"/>
+                <a:ea typeface="+mn-ea"/>
+                <a:cs typeface="+mn-cs"/>
+              </a:defRPr>
+            </a:lvl9pPr>
+          </a:lstStyle>
+          <a:p>
+            <a:r>
+              <a:rPr lang="en-US" sz="3800" dirty="0">
+                <a:latin typeface="Calibri" panose="020F0502020204030204" pitchFamily="34" charset="0"/>
+                <a:cs typeface="Calibri" panose="020F0502020204030204" pitchFamily="34" charset="0"/>
+              </a:rPr>
+              <a:t>This measure takes into account important factors like patient age and health status</a:t>
+            </a:r>
+          </a:p>
+          <a:p>
+            <a:endParaRPr lang="en-US" sz="3800" dirty="0">
+              <a:latin typeface="Calibri" panose="020F0502020204030204" pitchFamily="34" charset="0"/>
+              <a:cs typeface="Calibri" panose="020F0502020204030204" pitchFamily="34" charset="0"/>
+            </a:endParaRPr>
+          </a:p>
+          <a:p>
+            <a:r>
+              <a:rPr lang="en-US" sz="3800" dirty="0">
+                <a:latin typeface="Calibri" panose="020F0502020204030204" pitchFamily="34" charset="0"/>
+                <a:cs typeface="Calibri" panose="020F0502020204030204" pitchFamily="34" charset="0"/>
+              </a:rPr>
+              <a:t>Based on the average score per county:</a:t>
+            </a:r>
+          </a:p>
+          <a:p>
+            <a:pPr marL="457200" lvl="1" indent="0">
+              <a:buNone/>
+            </a:pPr>
+            <a:r>
+              <a:rPr lang="en-US" sz="3800" dirty="0">
+                <a:latin typeface="Calibri" panose="020F0502020204030204" pitchFamily="34" charset="0"/>
+                <a:cs typeface="Calibri" panose="020F0502020204030204" pitchFamily="34" charset="0"/>
+              </a:rPr>
+              <a:t>Johnson County spends more</a:t>
+            </a:r>
+          </a:p>
+          <a:p>
+            <a:pPr marL="0" indent="0">
+              <a:buNone/>
+            </a:pPr>
+            <a:r>
+              <a:rPr lang="en-US" dirty="0"/>
+              <a:t>	</a:t>
+            </a:r>
+            <a:endParaRPr lang="en-US" sz="6400" dirty="0"/>
+          </a:p>
+          <a:p>
+            <a:pPr marL="0" indent="0">
+              <a:buNone/>
+            </a:pPr>
+            <a:endParaRPr lang="en-US" sz="9600" dirty="0"/>
+          </a:p>
+        </p:txBody>
+      </p:sp>
+    </p:spTree>
+    <p:extLst>
+      <p:ext uri="{BB962C8B-B14F-4D97-AF65-F5344CB8AC3E}">
+        <p14:creationId xmlns:p14="http://schemas.microsoft.com/office/powerpoint/2010/main" val="2635635244"/>
+      </p:ext>
+    </p:extLst>
+  </p:cSld>
+  <p:clrMapOvr>
+    <a:masterClrMapping/>
+  </p:clrMapOvr>
+</p:sld>
+</file>
+
+<file path=ppt/slides/slide12.xml><?xml version="1.0" encoding="utf-8"?>
 <p:sld xmlns:a="http://schemas.openxmlformats.org/drawingml/2006/main" xmlns:r="http://schemas.openxmlformats.org/officeDocument/2006/relationships" xmlns:p="http://schemas.openxmlformats.org/presentationml/2006/main">
   <p:cSld>
     <p:spTree>
@@ -6627,7 +10844,7 @@
         </p:nvSpPr>
         <p:spPr>
           <a:xfrm>
-            <a:off x="2549039" y="582003"/>
+            <a:off x="2653819" y="256539"/>
             <a:ext cx="6198803" cy="1429677"/>
           </a:xfrm>
         </p:spPr>
@@ -6637,6 +10854,7 @@
           </a:bodyPr>
           <a:lstStyle/>
           <a:p>
+            <a:pPr algn="ctr"/>
             <a:r>
               <a:rPr lang="en-US" sz="2700" dirty="0">
                 <a:solidFill>
@@ -6690,7 +10908,7 @@
         </p:blipFill>
         <p:spPr>
           <a:xfrm>
-            <a:off x="1265049" y="1296841"/>
+            <a:off x="1616654" y="1173273"/>
             <a:ext cx="8273132" cy="5515421"/>
           </a:xfrm>
         </p:spPr>
@@ -6708,7 +10926,7 @@
 </p:sld>
 </file>
 
-<file path=ppt/slides/slide12.xml><?xml version="1.0" encoding="utf-8"?>
+<file path=ppt/slides/slide13.xml><?xml version="1.0" encoding="utf-8"?>
 <p:sld xmlns:a="http://schemas.openxmlformats.org/drawingml/2006/main" xmlns:r="http://schemas.openxmlformats.org/officeDocument/2006/relationships" xmlns:p="http://schemas.openxmlformats.org/presentationml/2006/main">
   <p:cSld>
     <p:spTree>
@@ -6893,7 +11111,7 @@
 </p:sld>
 </file>
 
-<file path=ppt/slides/slide13.xml><?xml version="1.0" encoding="utf-8"?>
+<file path=ppt/slides/slide14.xml><?xml version="1.0" encoding="utf-8"?>
 <p:sld xmlns:a="http://schemas.openxmlformats.org/drawingml/2006/main" xmlns:r="http://schemas.openxmlformats.org/officeDocument/2006/relationships" xmlns:p="http://schemas.openxmlformats.org/presentationml/2006/main">
   <p:cSld>
     <p:spTree>
@@ -7019,7 +11237,7 @@
                 <a:latin typeface="Calibri" panose="020F0502020204030204" pitchFamily="34" charset="0"/>
                 <a:cs typeface="Calibri" panose="020F0502020204030204" pitchFamily="34" charset="0"/>
               </a:rPr>
-              <a:t>Adults ages 19-64 uninured</a:t>
+              <a:t>Adults ages 19-64 uninsured</a:t>
             </a:r>
           </a:p>
           <a:p>
@@ -7088,7 +11306,7 @@
                 <a:latin typeface="Calibri" panose="020F0502020204030204" pitchFamily="34" charset="0"/>
                 <a:cs typeface="Calibri" panose="020F0502020204030204" pitchFamily="34" charset="0"/>
               </a:rPr>
-              <a:t>Adults without all age- and gender </a:t>
+              <a:t>Adults without all age and gender </a:t>
             </a:r>
           </a:p>
           <a:p>
@@ -7181,7 +11399,7 @@
         </p:nvSpPr>
         <p:spPr>
           <a:xfrm>
-            <a:off x="6200521" y="1230516"/>
+            <a:off x="6318007" y="1225616"/>
             <a:ext cx="5991479" cy="3534525"/>
           </a:xfrm>
           <a:prstGeom prst="rect">
@@ -7838,7 +12056,7 @@
                 <a:latin typeface="Calibri" panose="020F0502020204030204" pitchFamily="34" charset="0"/>
                 <a:cs typeface="Calibri" panose="020F0502020204030204" pitchFamily="34" charset="0"/>
               </a:rPr>
-              <a:t>admissions for ambulatory care–sensitive conditions</a:t>
+              <a:t>Admissions for ambulatory care–sensitive conditions</a:t>
             </a:r>
           </a:p>
           <a:p>
@@ -7868,7 +12086,7 @@
                 <a:latin typeface="Calibri" panose="020F0502020204030204" pitchFamily="34" charset="0"/>
                 <a:cs typeface="Calibri" panose="020F0502020204030204" pitchFamily="34" charset="0"/>
               </a:rPr>
-              <a:t>30-day hospital readmissions</a:t>
+              <a:t>Home health patients with a hospital admission</a:t>
             </a:r>
           </a:p>
           <a:p>
@@ -7944,9 +12162,17 @@
 </p:sld>
 </file>
 
-<file path=ppt/slides/slide14.xml><?xml version="1.0" encoding="utf-8"?>
+<file path=ppt/slides/slide15.xml><?xml version="1.0" encoding="utf-8"?>
 <p:sld xmlns:a="http://schemas.openxmlformats.org/drawingml/2006/main" xmlns:r="http://schemas.openxmlformats.org/officeDocument/2006/relationships" xmlns:p="http://schemas.openxmlformats.org/presentationml/2006/main">
   <p:cSld>
+    <p:bg>
+      <p:bgPr>
+        <a:solidFill>
+          <a:schemeClr val="bg1"/>
+        </a:solidFill>
+        <a:effectLst/>
+      </p:bgPr>
+    </p:bg>
     <p:spTree>
       <p:nvGrpSpPr>
         <p:cNvPr id="1" name=""/>
@@ -7961,6 +12187,66 @@
           <a:chExt cx="0" cy="0"/>
         </a:xfrm>
       </p:grpSpPr>
+      <p:sp useBgFill="1">
+        <p:nvSpPr>
+          <p:cNvPr id="25" name="Rectangle 9">
+            <a:extLst>
+              <a:ext uri="{FF2B5EF4-FFF2-40B4-BE49-F238E27FC236}">
+                <a16:creationId xmlns:a16="http://schemas.microsoft.com/office/drawing/2014/main" id="{9F4444CE-BC8D-4D61-B303-4C05614E62AB}"/>
+              </a:ext>
+              <a:ext uri="{C183D7F6-B498-43B3-948B-1728B52AA6E4}">
+                <adec:decorative xmlns:adec="http://schemas.microsoft.com/office/drawing/2017/decorative" val="1"/>
+              </a:ext>
+            </a:extLst>
+          </p:cNvPr>
+          <p:cNvSpPr>
+            <a:spLocks noGrp="1" noRot="1" noChangeAspect="1" noMove="1" noResize="1" noEditPoints="1" noAdjustHandles="1" noChangeArrowheads="1" noChangeShapeType="1" noTextEdit="1"/>
+          </p:cNvSpPr>
+          <p:nvPr>
+            <p:extLst>
+              <p:ext uri="{386F3935-93C4-4BCD-93E2-E3B085C9AB24}">
+                <p16:designElem xmlns:p16="http://schemas.microsoft.com/office/powerpoint/2015/main" val="1"/>
+              </p:ext>
+            </p:extLst>
+          </p:nvPr>
+        </p:nvSpPr>
+        <p:spPr>
+          <a:xfrm>
+            <a:off x="0" y="0"/>
+            <a:ext cx="12192000" cy="6858000"/>
+          </a:xfrm>
+          <a:prstGeom prst="rect">
+            <a:avLst/>
+          </a:prstGeom>
+          <a:ln>
+            <a:noFill/>
+          </a:ln>
+        </p:spPr>
+        <p:style>
+          <a:lnRef idx="2">
+            <a:schemeClr val="accent1">
+              <a:shade val="50000"/>
+            </a:schemeClr>
+          </a:lnRef>
+          <a:fillRef idx="1">
+            <a:schemeClr val="accent1"/>
+          </a:fillRef>
+          <a:effectRef idx="0">
+            <a:schemeClr val="accent1"/>
+          </a:effectRef>
+          <a:fontRef idx="minor">
+            <a:schemeClr val="lt1"/>
+          </a:fontRef>
+        </p:style>
+        <p:txBody>
+          <a:bodyPr rtlCol="0" anchor="ctr"/>
+          <a:lstStyle/>
+          <a:p>
+            <a:pPr algn="ctr"/>
+            <a:endParaRPr lang="en-US"/>
+          </a:p>
+        </p:txBody>
+      </p:sp>
       <p:sp>
         <p:nvSpPr>
           <p:cNvPr id="2" name="Title 1">
@@ -7979,8 +12265,8 @@
         </p:nvSpPr>
         <p:spPr>
           <a:xfrm>
-            <a:off x="4632960" y="409708"/>
-            <a:ext cx="2248362" cy="613144"/>
+            <a:off x="5401733" y="56479"/>
+            <a:ext cx="2259456" cy="536646"/>
           </a:xfrm>
         </p:spPr>
         <p:txBody>
@@ -7990,7 +12276,7 @@
           <a:lstStyle/>
           <a:p>
             <a:r>
-              <a:rPr lang="en-US" dirty="0">
+              <a:rPr lang="en-US" b="1" dirty="0">
                 <a:latin typeface="Calibri" panose="020F0502020204030204" pitchFamily="34" charset="0"/>
                 <a:cs typeface="Calibri" panose="020F0502020204030204" pitchFamily="34" charset="0"/>
               </a:rPr>
@@ -8001,143 +12287,151 @@
       </p:sp>
       <p:sp>
         <p:nvSpPr>
-          <p:cNvPr id="3" name="Content Placeholder 2">
+          <p:cNvPr id="26" name="Isosceles Triangle 11">
             <a:extLst>
               <a:ext uri="{FF2B5EF4-FFF2-40B4-BE49-F238E27FC236}">
-                <a16:creationId xmlns:a16="http://schemas.microsoft.com/office/drawing/2014/main" id="{F134CAE0-BFFA-473A-85E0-1327451806C9}"/>
+                <a16:creationId xmlns:a16="http://schemas.microsoft.com/office/drawing/2014/main" id="{73772B81-181F-48B7-8826-4D9686D15DF5}"/>
+              </a:ext>
+              <a:ext uri="{C183D7F6-B498-43B3-948B-1728B52AA6E4}">
+                <adec:decorative xmlns:adec="http://schemas.microsoft.com/office/drawing/2017/decorative" val="1"/>
               </a:ext>
             </a:extLst>
           </p:cNvPr>
           <p:cNvSpPr>
-            <a:spLocks noGrp="1"/>
+            <a:spLocks noGrp="1" noRot="1" noChangeAspect="1" noMove="1" noResize="1" noEditPoints="1" noAdjustHandles="1" noChangeArrowheads="1" noChangeShapeType="1" noTextEdit="1"/>
           </p:cNvSpPr>
           <p:nvPr>
-            <p:ph idx="1"/>
+            <p:extLst>
+              <p:ext uri="{386F3935-93C4-4BCD-93E2-E3B085C9AB24}">
+                <p16:designElem xmlns:p16="http://schemas.microsoft.com/office/powerpoint/2015/main" val="1"/>
+              </p:ext>
+            </p:extLst>
           </p:nvPr>
         </p:nvSpPr>
         <p:spPr>
-          <a:xfrm>
-            <a:off x="1606974" y="1527544"/>
-            <a:ext cx="8649546" cy="4187456"/>
+          <a:xfrm rot="10800000">
+            <a:off x="0" y="0"/>
+            <a:ext cx="842596" cy="5666154"/>
           </a:xfrm>
+          <a:prstGeom prst="triangle">
+            <a:avLst>
+              <a:gd name="adj" fmla="val 100000"/>
+            </a:avLst>
+          </a:prstGeom>
+          <a:solidFill>
+            <a:schemeClr val="accent1">
+              <a:alpha val="85000"/>
+            </a:schemeClr>
+          </a:solidFill>
+          <a:ln>
+            <a:noFill/>
+          </a:ln>
+          <a:effectLst/>
         </p:spPr>
-        <p:txBody>
-          <a:bodyPr>
-            <a:normAutofit fontScale="70000" lnSpcReduction="20000"/>
-          </a:bodyPr>
-          <a:lstStyle/>
-          <a:p>
-            <a:r>
-              <a:rPr lang="en-US" sz="3400" dirty="0">
-                <a:latin typeface="Calibri" panose="020F0502020204030204" pitchFamily="34" charset="0"/>
-                <a:cs typeface="Calibri" panose="020F0502020204030204" pitchFamily="34" charset="0"/>
-              </a:rPr>
-              <a:t>Based on the data, Medicare is directly related to the income.</a:t>
-            </a:r>
-          </a:p>
-          <a:p>
-            <a:r>
-              <a:rPr lang="en-US" sz="3400" dirty="0">
-                <a:latin typeface="Calibri" panose="020F0502020204030204" pitchFamily="34" charset="0"/>
-                <a:cs typeface="Calibri" panose="020F0502020204030204" pitchFamily="34" charset="0"/>
-              </a:rPr>
-              <a:t>CMS.gov files are difficult to work with</a:t>
-            </a:r>
-          </a:p>
-          <a:p>
-            <a:r>
-              <a:rPr lang="en-US" sz="3400" dirty="0">
-                <a:latin typeface="Calibri" panose="020F0502020204030204" pitchFamily="34" charset="0"/>
-                <a:cs typeface="Calibri" panose="020F0502020204030204" pitchFamily="34" charset="0"/>
-              </a:rPr>
-              <a:t>There is a correlation between data recorded and Medicare money spent</a:t>
-            </a:r>
-          </a:p>
-          <a:p>
-            <a:r>
-              <a:rPr lang="en-US" sz="3400" dirty="0">
-                <a:latin typeface="Calibri" panose="020F0502020204030204" pitchFamily="34" charset="0"/>
-                <a:cs typeface="Calibri" panose="020F0502020204030204" pitchFamily="34" charset="0"/>
-              </a:rPr>
-              <a:t>Medicare outcome differ by county </a:t>
-            </a:r>
-          </a:p>
-          <a:p>
-            <a:pPr marL="457200" lvl="1" indent="0">
-              <a:buNone/>
-            </a:pPr>
-            <a:r>
-              <a:rPr lang="en-US" sz="3400" dirty="0">
-                <a:latin typeface="Calibri" panose="020F0502020204030204" pitchFamily="34" charset="0"/>
-                <a:cs typeface="Calibri" panose="020F0502020204030204" pitchFamily="34" charset="0"/>
-              </a:rPr>
-              <a:t>Readmission rate different among 6 counties</a:t>
-            </a:r>
-          </a:p>
-          <a:p>
-            <a:pPr marL="457200" lvl="1" indent="0">
-              <a:buNone/>
-            </a:pPr>
-            <a:r>
-              <a:rPr lang="en-US" sz="3400" dirty="0">
-                <a:latin typeface="Calibri" panose="020F0502020204030204" pitchFamily="34" charset="0"/>
-                <a:cs typeface="Calibri" panose="020F0502020204030204" pitchFamily="34" charset="0"/>
-              </a:rPr>
-              <a:t>Compilations and Deaths were differ among 6 counties</a:t>
-            </a:r>
-          </a:p>
-          <a:p>
-            <a:pPr marL="457200" lvl="1" indent="0">
-              <a:buNone/>
-            </a:pPr>
-            <a:r>
-              <a:rPr lang="en-US" sz="3400" dirty="0">
-                <a:latin typeface="Calibri" panose="020F0502020204030204" pitchFamily="34" charset="0"/>
-                <a:cs typeface="Calibri" panose="020F0502020204030204" pitchFamily="34" charset="0"/>
-              </a:rPr>
-              <a:t>Unexpected hospitable visit also differ among the 6 counties</a:t>
-            </a:r>
-          </a:p>
-          <a:p>
-            <a:pPr marL="457200" lvl="1" indent="0">
-              <a:buNone/>
-            </a:pPr>
-            <a:r>
-              <a:rPr lang="en-US" sz="3400" dirty="0">
-                <a:latin typeface="Calibri" panose="020F0502020204030204" pitchFamily="34" charset="0"/>
-                <a:cs typeface="Calibri" panose="020F0502020204030204" pitchFamily="34" charset="0"/>
-              </a:rPr>
-              <a:t>Medicare spending per patient per patient</a:t>
-            </a:r>
-            <a:endParaRPr lang="en-US" dirty="0">
-              <a:latin typeface="Calibri" panose="020F0502020204030204" pitchFamily="34" charset="0"/>
-              <a:cs typeface="Calibri" panose="020F0502020204030204" pitchFamily="34" charset="0"/>
-            </a:endParaRPr>
-          </a:p>
-          <a:p>
-            <a:pPr lvl="1"/>
-            <a:endParaRPr lang="en-US" dirty="0">
-              <a:latin typeface="Calibri" panose="020F0502020204030204" pitchFamily="34" charset="0"/>
-              <a:cs typeface="Calibri" panose="020F0502020204030204" pitchFamily="34" charset="0"/>
-            </a:endParaRPr>
-          </a:p>
-          <a:p>
-            <a:pPr marL="0" indent="0">
-              <a:buNone/>
-            </a:pPr>
-            <a:r>
-              <a:rPr lang="en-US" dirty="0">
-                <a:latin typeface="Calibri" panose="020F0502020204030204" pitchFamily="34" charset="0"/>
-                <a:cs typeface="Calibri" panose="020F0502020204030204" pitchFamily="34" charset="0"/>
-              </a:rPr>
-              <a:t>  </a:t>
-            </a:r>
-          </a:p>
-          <a:p>
-            <a:endParaRPr lang="en-US" dirty="0"/>
-          </a:p>
-        </p:txBody>
+        <p:style>
+          <a:lnRef idx="1">
+            <a:schemeClr val="accent1"/>
+          </a:lnRef>
+          <a:fillRef idx="3">
+            <a:schemeClr val="accent1"/>
+          </a:fillRef>
+          <a:effectRef idx="2">
+            <a:schemeClr val="accent1"/>
+          </a:effectRef>
+          <a:fontRef idx="minor">
+            <a:schemeClr val="lt1"/>
+          </a:fontRef>
+        </p:style>
       </p:sp>
+      <p:sp>
+        <p:nvSpPr>
+          <p:cNvPr id="14" name="Isosceles Triangle 13">
+            <a:extLst>
+              <a:ext uri="{FF2B5EF4-FFF2-40B4-BE49-F238E27FC236}">
+                <a16:creationId xmlns:a16="http://schemas.microsoft.com/office/drawing/2014/main" id="{B2205F6E-03C6-4E92-877C-E2482F6599AA}"/>
+              </a:ext>
+              <a:ext uri="{C183D7F6-B498-43B3-948B-1728B52AA6E4}">
+                <adec:decorative xmlns:adec="http://schemas.microsoft.com/office/drawing/2017/decorative" val="1"/>
+              </a:ext>
+            </a:extLst>
+          </p:cNvPr>
+          <p:cNvSpPr>
+            <a:spLocks noGrp="1" noRot="1" noChangeAspect="1" noMove="1" noResize="1" noEditPoints="1" noAdjustHandles="1" noChangeArrowheads="1" noChangeShapeType="1" noTextEdit="1"/>
+          </p:cNvSpPr>
+          <p:nvPr>
+            <p:extLst>
+              <p:ext uri="{386F3935-93C4-4BCD-93E2-E3B085C9AB24}">
+                <p16:designElem xmlns:p16="http://schemas.microsoft.com/office/powerpoint/2015/main" val="1"/>
+              </p:ext>
+            </p:extLst>
+          </p:nvPr>
+        </p:nvSpPr>
+        <p:spPr>
+          <a:xfrm flipH="1">
+            <a:off x="11743267" y="4013200"/>
+            <a:ext cx="448733" cy="2844800"/>
+          </a:xfrm>
+          <a:prstGeom prst="triangle">
+            <a:avLst>
+              <a:gd name="adj" fmla="val 0"/>
+            </a:avLst>
+          </a:prstGeom>
+          <a:solidFill>
+            <a:schemeClr val="accent1">
+              <a:alpha val="85000"/>
+            </a:schemeClr>
+          </a:solidFill>
+          <a:ln>
+            <a:noFill/>
+          </a:ln>
+          <a:effectLst/>
+        </p:spPr>
+        <p:style>
+          <a:lnRef idx="1">
+            <a:schemeClr val="accent1"/>
+          </a:lnRef>
+          <a:fillRef idx="3">
+            <a:schemeClr val="accent1"/>
+          </a:fillRef>
+          <a:effectRef idx="2">
+            <a:schemeClr val="accent1"/>
+          </a:effectRef>
+          <a:fontRef idx="minor">
+            <a:schemeClr val="lt1"/>
+          </a:fontRef>
+        </p:style>
+      </p:sp>
+      <p:graphicFrame>
+        <p:nvGraphicFramePr>
+          <p:cNvPr id="5" name="Content Placeholder 2">
+            <a:extLst>
+              <a:ext uri="{FF2B5EF4-FFF2-40B4-BE49-F238E27FC236}">
+                <a16:creationId xmlns:a16="http://schemas.microsoft.com/office/drawing/2014/main" id="{0989B53F-BE21-4B2C-B653-D82DDA8896EE}"/>
+              </a:ext>
+            </a:extLst>
+          </p:cNvPr>
+          <p:cNvGraphicFramePr>
+            <a:graphicFrameLocks noGrp="1"/>
+          </p:cNvGraphicFramePr>
+          <p:nvPr>
+            <p:ph idx="1"/>
+            <p:extLst>
+              <p:ext uri="{D42A27DB-BD31-4B8C-83A1-F6EECF244321}">
+                <p14:modId xmlns:p14="http://schemas.microsoft.com/office/powerpoint/2010/main" val="2806394208"/>
+              </p:ext>
+            </p:extLst>
+          </p:nvPr>
+        </p:nvGraphicFramePr>
+        <p:xfrm>
+          <a:off x="931015" y="593125"/>
+          <a:ext cx="10943828" cy="5985976"/>
+        </p:xfrm>
+        <a:graphic>
+          <a:graphicData uri="http://schemas.openxmlformats.org/drawingml/2006/diagram">
+            <dgm:relIds xmlns:dgm="http://schemas.openxmlformats.org/drawingml/2006/diagram" xmlns:r="http://schemas.openxmlformats.org/officeDocument/2006/relationships" r:dm="rId2" r:lo="rId3" r:qs="rId4" r:cs="rId5"/>
+          </a:graphicData>
+        </a:graphic>
+      </p:graphicFrame>
     </p:spTree>
     <p:extLst>
       <p:ext uri="{BB962C8B-B14F-4D97-AF65-F5344CB8AC3E}">
@@ -14198,8 +18492,8 @@
         </p:nvSpPr>
         <p:spPr>
           <a:xfrm>
-            <a:off x="1676400" y="200593"/>
-            <a:ext cx="7833360" cy="607127"/>
+            <a:off x="1063917" y="129142"/>
+            <a:ext cx="8473440" cy="607127"/>
           </a:xfrm>
         </p:spPr>
         <p:txBody>
@@ -14216,7 +18510,14 @@
                 <a:latin typeface="Calibri" panose="020F0502020204030204" pitchFamily="34" charset="0"/>
                 <a:cs typeface="Calibri" panose="020F0502020204030204" pitchFamily="34" charset="0"/>
               </a:rPr>
-              <a:t>   Medicare spending should be consistent.</a:t>
+              <a:t>   </a:t>
+            </a:r>
+            <a:r>
+              <a:rPr lang="en-US" dirty="0">
+                <a:latin typeface="Calibri" panose="020F0502020204030204" pitchFamily="34" charset="0"/>
+                <a:cs typeface="Calibri" panose="020F0502020204030204" pitchFamily="34" charset="0"/>
+              </a:rPr>
+              <a:t>Estimate per score of Complications and Deaths</a:t>
             </a:r>
             <a:br>
               <a:rPr lang="en-US" dirty="0">
@@ -14231,6 +18532,138 @@
           </a:p>
         </p:txBody>
       </p:sp>
+      <p:pic>
+        <p:nvPicPr>
+          <p:cNvPr id="4" name="Picture 3">
+            <a:extLst>
+              <a:ext uri="{FF2B5EF4-FFF2-40B4-BE49-F238E27FC236}">
+                <a16:creationId xmlns:a16="http://schemas.microsoft.com/office/drawing/2014/main" id="{235ABF9A-5AF5-40DB-A3B6-5DFBFBB95E34}"/>
+              </a:ext>
+            </a:extLst>
+          </p:cNvPr>
+          <p:cNvPicPr>
+            <a:picLocks noChangeAspect="1"/>
+          </p:cNvPicPr>
+          <p:nvPr/>
+        </p:nvPicPr>
+        <p:blipFill>
+          <a:blip r:embed="rId2"/>
+          <a:stretch>
+            <a:fillRect/>
+          </a:stretch>
+        </p:blipFill>
+        <p:spPr>
+          <a:xfrm>
+            <a:off x="393164" y="1872755"/>
+            <a:ext cx="5872536" cy="3460897"/>
+          </a:xfrm>
+          <a:prstGeom prst="rect">
+            <a:avLst/>
+          </a:prstGeom>
+        </p:spPr>
+      </p:pic>
+      <p:sp>
+        <p:nvSpPr>
+          <p:cNvPr id="5" name="TextBox 4">
+            <a:extLst>
+              <a:ext uri="{FF2B5EF4-FFF2-40B4-BE49-F238E27FC236}">
+                <a16:creationId xmlns:a16="http://schemas.microsoft.com/office/drawing/2014/main" id="{DF83947D-C56C-4646-8581-1B7334CABFCD}"/>
+              </a:ext>
+            </a:extLst>
+          </p:cNvPr>
+          <p:cNvSpPr txBox="1"/>
+          <p:nvPr/>
+        </p:nvSpPr>
+        <p:spPr>
+          <a:xfrm>
+            <a:off x="1063917" y="818957"/>
+            <a:ext cx="8305800" cy="461665"/>
+          </a:xfrm>
+          <a:prstGeom prst="rect">
+            <a:avLst/>
+          </a:prstGeom>
+          <a:noFill/>
+        </p:spPr>
+        <p:txBody>
+          <a:bodyPr wrap="square" rtlCol="0">
+            <a:spAutoFit/>
+          </a:bodyPr>
+          <a:lstStyle/>
+          <a:p>
+            <a:pPr algn="ctr"/>
+            <a:r>
+              <a:rPr lang="en-US" sz="2400" dirty="0"/>
+              <a:t>Are the hospitals within range of their estimates?</a:t>
+            </a:r>
+          </a:p>
+        </p:txBody>
+      </p:sp>
+      <p:sp>
+        <p:nvSpPr>
+          <p:cNvPr id="20" name="TextBox 19">
+            <a:extLst>
+              <a:ext uri="{FF2B5EF4-FFF2-40B4-BE49-F238E27FC236}">
+                <a16:creationId xmlns:a16="http://schemas.microsoft.com/office/drawing/2014/main" id="{D9946BAE-EDD9-46A0-9171-63CB43603C27}"/>
+              </a:ext>
+            </a:extLst>
+          </p:cNvPr>
+          <p:cNvSpPr txBox="1"/>
+          <p:nvPr/>
+        </p:nvSpPr>
+        <p:spPr>
+          <a:xfrm>
+            <a:off x="3090837" y="5478071"/>
+            <a:ext cx="6614160" cy="400110"/>
+          </a:xfrm>
+          <a:prstGeom prst="rect">
+            <a:avLst/>
+          </a:prstGeom>
+          <a:noFill/>
+        </p:spPr>
+        <p:txBody>
+          <a:bodyPr wrap="square" rtlCol="0">
+            <a:spAutoFit/>
+          </a:bodyPr>
+          <a:lstStyle/>
+          <a:p>
+            <a:pPr algn="ctr"/>
+            <a:r>
+              <a:rPr lang="en-US" sz="2000" dirty="0"/>
+              <a:t>The 6 counties where above the estimate</a:t>
+            </a:r>
+          </a:p>
+        </p:txBody>
+      </p:sp>
+      <p:pic>
+        <p:nvPicPr>
+          <p:cNvPr id="22" name="Picture 21">
+            <a:extLst>
+              <a:ext uri="{FF2B5EF4-FFF2-40B4-BE49-F238E27FC236}">
+                <a16:creationId xmlns:a16="http://schemas.microsoft.com/office/drawing/2014/main" id="{292A6585-4D2C-4C93-BE23-B5A6778BFB20}"/>
+              </a:ext>
+            </a:extLst>
+          </p:cNvPr>
+          <p:cNvPicPr>
+            <a:picLocks noChangeAspect="1"/>
+          </p:cNvPicPr>
+          <p:nvPr/>
+        </p:nvPicPr>
+        <p:blipFill>
+          <a:blip r:embed="rId3"/>
+          <a:stretch>
+            <a:fillRect/>
+          </a:stretch>
+        </p:blipFill>
+        <p:spPr>
+          <a:xfrm>
+            <a:off x="5885936" y="1904652"/>
+            <a:ext cx="6000750" cy="3429000"/>
+          </a:xfrm>
+          <a:prstGeom prst="rect">
+            <a:avLst/>
+          </a:prstGeom>
+        </p:spPr>
+      </p:pic>
     </p:spTree>
     <p:extLst>
       <p:ext uri="{BB962C8B-B14F-4D97-AF65-F5344CB8AC3E}">
@@ -14263,435 +18696,188 @@
       </p:grpSpPr>
       <p:sp>
         <p:nvSpPr>
-          <p:cNvPr id="4" name="Rectangle 3">
+          <p:cNvPr id="2" name="Title 1">
             <a:extLst>
               <a:ext uri="{FF2B5EF4-FFF2-40B4-BE49-F238E27FC236}">
-                <a16:creationId xmlns:a16="http://schemas.microsoft.com/office/drawing/2014/main" id="{C960193E-A476-4B10-95BA-6A9C22CB696A}"/>
+                <a16:creationId xmlns:a16="http://schemas.microsoft.com/office/drawing/2014/main" id="{6AB6E4B9-C1F6-4B71-89BE-973D6B28428D}"/>
               </a:ext>
             </a:extLst>
           </p:cNvPr>
-          <p:cNvSpPr/>
-          <p:nvPr/>
+          <p:cNvSpPr>
+            <a:spLocks noGrp="1"/>
+          </p:cNvSpPr>
+          <p:nvPr>
+            <p:ph type="title"/>
+          </p:nvPr>
         </p:nvSpPr>
         <p:spPr>
           <a:xfrm>
-            <a:off x="720090" y="182880"/>
-            <a:ext cx="8835390" cy="1631216"/>
+            <a:off x="1165697" y="148461"/>
+            <a:ext cx="9860604" cy="607127"/>
+          </a:xfrm>
+        </p:spPr>
+        <p:txBody>
+          <a:bodyPr>
+            <a:normAutofit fontScale="90000"/>
+          </a:bodyPr>
+          <a:lstStyle/>
+          <a:p>
+            <a:r>
+              <a:rPr lang="en-US" dirty="0">
+                <a:latin typeface="Calibri" panose="020F0502020204030204" pitchFamily="34" charset="0"/>
+                <a:cs typeface="Calibri" panose="020F0502020204030204" pitchFamily="34" charset="0"/>
+              </a:rPr>
+              <a:t>   Estimate per score of Complications and Deaths</a:t>
+            </a:r>
+            <a:br>
+              <a:rPr lang="en-US" dirty="0">
+                <a:latin typeface="Calibri" panose="020F0502020204030204" pitchFamily="34" charset="0"/>
+                <a:cs typeface="Calibri" panose="020F0502020204030204" pitchFamily="34" charset="0"/>
+              </a:rPr>
+            </a:br>
+            <a:endParaRPr lang="en-US" dirty="0">
+              <a:latin typeface="Calibri" panose="020F0502020204030204" pitchFamily="34" charset="0"/>
+              <a:cs typeface="Calibri" panose="020F0502020204030204" pitchFamily="34" charset="0"/>
+            </a:endParaRPr>
+          </a:p>
+        </p:txBody>
+      </p:sp>
+      <p:pic>
+        <p:nvPicPr>
+          <p:cNvPr id="6" name="Picture 5">
+            <a:extLst>
+              <a:ext uri="{FF2B5EF4-FFF2-40B4-BE49-F238E27FC236}">
+                <a16:creationId xmlns:a16="http://schemas.microsoft.com/office/drawing/2014/main" id="{9F2502DD-3958-4280-AB27-087FDF84A2E2}"/>
+              </a:ext>
+            </a:extLst>
+          </p:cNvPr>
+          <p:cNvPicPr>
+            <a:picLocks noChangeAspect="1"/>
+          </p:cNvPicPr>
+          <p:nvPr/>
+        </p:nvPicPr>
+        <p:blipFill>
+          <a:blip r:embed="rId2"/>
+          <a:stretch>
+            <a:fillRect/>
+          </a:stretch>
+        </p:blipFill>
+        <p:spPr>
+          <a:xfrm>
+            <a:off x="147099" y="1673158"/>
+            <a:ext cx="6370434" cy="3640248"/>
           </a:xfrm>
           <a:prstGeom prst="rect">
             <a:avLst/>
           </a:prstGeom>
         </p:spPr>
-        <p:txBody>
-          <a:bodyPr wrap="square">
-            <a:spAutoFit/>
-          </a:bodyPr>
-          <a:lstStyle/>
-          <a:p>
-            <a:pPr algn="ctr"/>
-            <a:r>
-              <a:rPr lang="en-US" sz="2000" b="1" dirty="0">
-                <a:solidFill>
-                  <a:schemeClr val="accent1"/>
-                </a:solidFill>
-                <a:latin typeface="Calibri" panose="020F0502020204030204" pitchFamily="34" charset="0"/>
-                <a:cs typeface="Calibri" panose="020F0502020204030204" pitchFamily="34" charset="0"/>
-              </a:rPr>
-              <a:t>The Medicare Spending Per Patient</a:t>
-            </a:r>
-          </a:p>
-          <a:p>
-            <a:pPr algn="ctr"/>
-            <a:r>
-              <a:rPr lang="en-US" sz="2000" dirty="0">
-                <a:latin typeface="Calibri" panose="020F0502020204030204" pitchFamily="34" charset="0"/>
-                <a:cs typeface="Calibri" panose="020F0502020204030204" pitchFamily="34" charset="0"/>
-              </a:rPr>
-              <a:t>Does Medicare spends more, less, or about the same for an episode of care?</a:t>
-            </a:r>
-          </a:p>
-          <a:p>
-            <a:pPr algn="ctr"/>
-            <a:endParaRPr lang="en-US" sz="2000" dirty="0">
-              <a:latin typeface="Calibri" panose="020F0502020204030204" pitchFamily="34" charset="0"/>
-              <a:cs typeface="Calibri" panose="020F0502020204030204" pitchFamily="34" charset="0"/>
-            </a:endParaRPr>
-          </a:p>
-          <a:p>
-            <a:pPr algn="ctr"/>
-            <a:endParaRPr lang="en-US" sz="2000" dirty="0">
-              <a:latin typeface="Calibri" panose="020F0502020204030204" pitchFamily="34" charset="0"/>
-              <a:cs typeface="Calibri" panose="020F0502020204030204" pitchFamily="34" charset="0"/>
-            </a:endParaRPr>
-          </a:p>
-          <a:p>
-            <a:pPr algn="ctr"/>
-            <a:endParaRPr lang="en-US" sz="2000" dirty="0">
-              <a:latin typeface="Calibri" panose="020F0502020204030204" pitchFamily="34" charset="0"/>
-              <a:cs typeface="Calibri" panose="020F0502020204030204" pitchFamily="34" charset="0"/>
-            </a:endParaRPr>
-          </a:p>
-        </p:txBody>
-      </p:sp>
+      </p:pic>
       <p:pic>
         <p:nvPicPr>
-          <p:cNvPr id="1026" name="Picture 2">
+          <p:cNvPr id="7" name="Picture 6">
             <a:extLst>
               <a:ext uri="{FF2B5EF4-FFF2-40B4-BE49-F238E27FC236}">
-                <a16:creationId xmlns:a16="http://schemas.microsoft.com/office/drawing/2014/main" id="{77A96258-5A62-408F-AF07-F1075254987A}"/>
+                <a16:creationId xmlns:a16="http://schemas.microsoft.com/office/drawing/2014/main" id="{48B41FC8-9738-4A4E-A0F1-29345E3C7901}"/>
               </a:ext>
             </a:extLst>
           </p:cNvPr>
           <p:cNvPicPr>
-            <a:picLocks noChangeAspect="1" noChangeArrowheads="1"/>
+            <a:picLocks noChangeAspect="1"/>
           </p:cNvPicPr>
           <p:nvPr/>
         </p:nvPicPr>
         <p:blipFill>
-          <a:blip r:embed="rId2">
-            <a:extLst>
-              <a:ext uri="{28A0092B-C50C-407E-A947-70E740481C1C}">
-                <a14:useLocalDpi xmlns:a14="http://schemas.microsoft.com/office/drawing/2010/main" val="0"/>
-              </a:ext>
-            </a:extLst>
-          </a:blip>
-          <a:srcRect/>
+          <a:blip r:embed="rId3"/>
           <a:stretch>
             <a:fillRect/>
           </a:stretch>
         </p:blipFill>
-        <p:spPr bwMode="auto">
+        <p:spPr>
           <a:xfrm>
-            <a:off x="5166360" y="1374550"/>
-            <a:ext cx="6305550" cy="4445767"/>
+            <a:off x="6095999" y="1770340"/>
+            <a:ext cx="5888923" cy="3365099"/>
+          </a:xfrm>
+          <a:prstGeom prst="rect">
+            <a:avLst/>
+          </a:prstGeom>
+        </p:spPr>
+      </p:pic>
+      <p:sp>
+        <p:nvSpPr>
+          <p:cNvPr id="9" name="TextBox 8">
+            <a:extLst>
+              <a:ext uri="{FF2B5EF4-FFF2-40B4-BE49-F238E27FC236}">
+                <a16:creationId xmlns:a16="http://schemas.microsoft.com/office/drawing/2014/main" id="{78C90E52-5172-4405-935A-920C09C22BB8}"/>
+              </a:ext>
+            </a:extLst>
+          </p:cNvPr>
+          <p:cNvSpPr txBox="1"/>
+          <p:nvPr/>
+        </p:nvSpPr>
+        <p:spPr>
+          <a:xfrm>
+            <a:off x="3234285" y="5481234"/>
+            <a:ext cx="6614160" cy="400110"/>
           </a:xfrm>
           <a:prstGeom prst="rect">
             <a:avLst/>
           </a:prstGeom>
           <a:noFill/>
-          <a:extLst>
-            <a:ext uri="{909E8E84-426E-40DD-AFC4-6F175D3DCCD1}">
-              <a14:hiddenFill xmlns:a14="http://schemas.microsoft.com/office/drawing/2010/main">
-                <a:solidFill>
-                  <a:srgbClr val="FFFFFF"/>
-                </a:solidFill>
-              </a14:hiddenFill>
-            </a:ext>
-          </a:extLst>
         </p:spPr>
-      </p:pic>
+        <p:txBody>
+          <a:bodyPr wrap="square" rtlCol="0">
+            <a:spAutoFit/>
+          </a:bodyPr>
+          <a:lstStyle/>
+          <a:p>
+            <a:pPr algn="ctr"/>
+            <a:r>
+              <a:rPr lang="en-US" sz="2000" dirty="0"/>
+              <a:t>The 6 counties where above the estimate</a:t>
+            </a:r>
+          </a:p>
+        </p:txBody>
+      </p:sp>
       <p:sp>
         <p:nvSpPr>
-          <p:cNvPr id="7" name="Content Placeholder 2">
+          <p:cNvPr id="10" name="TextBox 9">
             <a:extLst>
               <a:ext uri="{FF2B5EF4-FFF2-40B4-BE49-F238E27FC236}">
-                <a16:creationId xmlns:a16="http://schemas.microsoft.com/office/drawing/2014/main" id="{8D12E0A2-1D9E-4CC8-8E87-26DF6979AD4B}"/>
+                <a16:creationId xmlns:a16="http://schemas.microsoft.com/office/drawing/2014/main" id="{1F69C019-A964-4E09-9705-649CFC44135F}"/>
               </a:ext>
             </a:extLst>
           </p:cNvPr>
-          <p:cNvSpPr txBox="1">
-            <a:spLocks/>
-          </p:cNvSpPr>
+          <p:cNvSpPr txBox="1"/>
           <p:nvPr/>
         </p:nvSpPr>
         <p:spPr>
           <a:xfrm>
-            <a:off x="533400" y="2443418"/>
-            <a:ext cx="5562600" cy="2783490"/>
+            <a:off x="1528119" y="755588"/>
+            <a:ext cx="8305800" cy="461665"/>
           </a:xfrm>
           <a:prstGeom prst="rect">
             <a:avLst/>
           </a:prstGeom>
+          <a:noFill/>
         </p:spPr>
         <p:txBody>
-          <a:bodyPr vert="horz" lIns="91440" tIns="45720" rIns="91440" bIns="45720" rtlCol="0">
-            <a:normAutofit fontScale="62500" lnSpcReduction="20000"/>
+          <a:bodyPr wrap="square" rtlCol="0">
+            <a:spAutoFit/>
           </a:bodyPr>
-          <a:lstStyle>
-            <a:lvl1pPr marL="342900" indent="-342900" algn="l" defTabSz="457200" rtl="0" eaLnBrk="1" latinLnBrk="0" hangingPunct="1">
-              <a:spcBef>
-                <a:spcPts val="1000"/>
-              </a:spcBef>
-              <a:spcAft>
-                <a:spcPts val="0"/>
-              </a:spcAft>
-              <a:buClr>
-                <a:schemeClr val="accent1"/>
-              </a:buClr>
-              <a:buSzPct val="80000"/>
-              <a:buFont typeface="Wingdings 3" charset="2"/>
-              <a:buChar char=""/>
-              <a:defRPr sz="1800" kern="1200">
-                <a:solidFill>
-                  <a:schemeClr val="tx1">
-                    <a:lumMod val="75000"/>
-                    <a:lumOff val="25000"/>
-                  </a:schemeClr>
-                </a:solidFill>
-                <a:latin typeface="+mn-lt"/>
-                <a:ea typeface="+mn-ea"/>
-                <a:cs typeface="+mn-cs"/>
-              </a:defRPr>
-            </a:lvl1pPr>
-            <a:lvl2pPr marL="742950" indent="-285750" algn="l" defTabSz="457200" rtl="0" eaLnBrk="1" latinLnBrk="0" hangingPunct="1">
-              <a:spcBef>
-                <a:spcPts val="1000"/>
-              </a:spcBef>
-              <a:spcAft>
-                <a:spcPts val="0"/>
-              </a:spcAft>
-              <a:buClr>
-                <a:schemeClr val="accent1"/>
-              </a:buClr>
-              <a:buSzPct val="80000"/>
-              <a:buFont typeface="Wingdings 3" charset="2"/>
-              <a:buChar char=""/>
-              <a:defRPr sz="1600" kern="1200">
-                <a:solidFill>
-                  <a:schemeClr val="tx1">
-                    <a:lumMod val="75000"/>
-                    <a:lumOff val="25000"/>
-                  </a:schemeClr>
-                </a:solidFill>
-                <a:latin typeface="+mn-lt"/>
-                <a:ea typeface="+mn-ea"/>
-                <a:cs typeface="+mn-cs"/>
-              </a:defRPr>
-            </a:lvl2pPr>
-            <a:lvl3pPr marL="1143000" indent="-228600" algn="l" defTabSz="457200" rtl="0" eaLnBrk="1" latinLnBrk="0" hangingPunct="1">
-              <a:spcBef>
-                <a:spcPts val="1000"/>
-              </a:spcBef>
-              <a:spcAft>
-                <a:spcPts val="0"/>
-              </a:spcAft>
-              <a:buClr>
-                <a:schemeClr val="accent1"/>
-              </a:buClr>
-              <a:buSzPct val="80000"/>
-              <a:buFont typeface="Wingdings 3" charset="2"/>
-              <a:buChar char=""/>
-              <a:defRPr sz="1400" kern="1200">
-                <a:solidFill>
-                  <a:schemeClr val="tx1">
-                    <a:lumMod val="75000"/>
-                    <a:lumOff val="25000"/>
-                  </a:schemeClr>
-                </a:solidFill>
-                <a:latin typeface="+mn-lt"/>
-                <a:ea typeface="+mn-ea"/>
-                <a:cs typeface="+mn-cs"/>
-              </a:defRPr>
-            </a:lvl3pPr>
-            <a:lvl4pPr marL="1600200" indent="-228600" algn="l" defTabSz="457200" rtl="0" eaLnBrk="1" latinLnBrk="0" hangingPunct="1">
-              <a:spcBef>
-                <a:spcPts val="1000"/>
-              </a:spcBef>
-              <a:spcAft>
-                <a:spcPts val="0"/>
-              </a:spcAft>
-              <a:buClr>
-                <a:schemeClr val="accent1"/>
-              </a:buClr>
-              <a:buSzPct val="80000"/>
-              <a:buFont typeface="Wingdings 3" charset="2"/>
-              <a:buChar char=""/>
-              <a:defRPr sz="1200" kern="1200">
-                <a:solidFill>
-                  <a:schemeClr val="tx1">
-                    <a:lumMod val="75000"/>
-                    <a:lumOff val="25000"/>
-                  </a:schemeClr>
-                </a:solidFill>
-                <a:latin typeface="+mn-lt"/>
-                <a:ea typeface="+mn-ea"/>
-                <a:cs typeface="+mn-cs"/>
-              </a:defRPr>
-            </a:lvl4pPr>
-            <a:lvl5pPr marL="2057400" indent="-228600" algn="l" defTabSz="457200" rtl="0" eaLnBrk="1" latinLnBrk="0" hangingPunct="1">
-              <a:spcBef>
-                <a:spcPts val="1000"/>
-              </a:spcBef>
-              <a:spcAft>
-                <a:spcPts val="0"/>
-              </a:spcAft>
-              <a:buClr>
-                <a:schemeClr val="accent1"/>
-              </a:buClr>
-              <a:buSzPct val="80000"/>
-              <a:buFont typeface="Wingdings 3" charset="2"/>
-              <a:buChar char=""/>
-              <a:defRPr sz="1200" kern="1200">
-                <a:solidFill>
-                  <a:schemeClr val="tx1">
-                    <a:lumMod val="75000"/>
-                    <a:lumOff val="25000"/>
-                  </a:schemeClr>
-                </a:solidFill>
-                <a:latin typeface="+mn-lt"/>
-                <a:ea typeface="+mn-ea"/>
-                <a:cs typeface="+mn-cs"/>
-              </a:defRPr>
-            </a:lvl5pPr>
-            <a:lvl6pPr marL="2514600" indent="-228600" algn="l" defTabSz="457200" rtl="0" eaLnBrk="1" latinLnBrk="0" hangingPunct="1">
-              <a:spcBef>
-                <a:spcPts val="1000"/>
-              </a:spcBef>
-              <a:spcAft>
-                <a:spcPts val="0"/>
-              </a:spcAft>
-              <a:buClr>
-                <a:schemeClr val="accent1"/>
-              </a:buClr>
-              <a:buSzPct val="80000"/>
-              <a:buFont typeface="Wingdings 3" charset="2"/>
-              <a:buChar char=""/>
-              <a:defRPr sz="1200" kern="1200">
-                <a:solidFill>
-                  <a:schemeClr val="tx1">
-                    <a:lumMod val="75000"/>
-                    <a:lumOff val="25000"/>
-                  </a:schemeClr>
-                </a:solidFill>
-                <a:latin typeface="+mn-lt"/>
-                <a:ea typeface="+mn-ea"/>
-                <a:cs typeface="+mn-cs"/>
-              </a:defRPr>
-            </a:lvl6pPr>
-            <a:lvl7pPr marL="2971800" indent="-228600" algn="l" defTabSz="457200" rtl="0" eaLnBrk="1" latinLnBrk="0" hangingPunct="1">
-              <a:spcBef>
-                <a:spcPts val="1000"/>
-              </a:spcBef>
-              <a:spcAft>
-                <a:spcPts val="0"/>
-              </a:spcAft>
-              <a:buClr>
-                <a:schemeClr val="accent1"/>
-              </a:buClr>
-              <a:buSzPct val="80000"/>
-              <a:buFont typeface="Wingdings 3" charset="2"/>
-              <a:buChar char=""/>
-              <a:defRPr sz="1200" kern="1200">
-                <a:solidFill>
-                  <a:schemeClr val="tx1">
-                    <a:lumMod val="75000"/>
-                    <a:lumOff val="25000"/>
-                  </a:schemeClr>
-                </a:solidFill>
-                <a:latin typeface="+mn-lt"/>
-                <a:ea typeface="+mn-ea"/>
-                <a:cs typeface="+mn-cs"/>
-              </a:defRPr>
-            </a:lvl7pPr>
-            <a:lvl8pPr marL="3429000" indent="-228600" algn="l" defTabSz="457200" rtl="0" eaLnBrk="1" latinLnBrk="0" hangingPunct="1">
-              <a:spcBef>
-                <a:spcPts val="1000"/>
-              </a:spcBef>
-              <a:spcAft>
-                <a:spcPts val="0"/>
-              </a:spcAft>
-              <a:buClr>
-                <a:schemeClr val="accent1"/>
-              </a:buClr>
-              <a:buSzPct val="80000"/>
-              <a:buFont typeface="Wingdings 3" charset="2"/>
-              <a:buChar char=""/>
-              <a:defRPr sz="1200" kern="1200">
-                <a:solidFill>
-                  <a:schemeClr val="tx1">
-                    <a:lumMod val="75000"/>
-                    <a:lumOff val="25000"/>
-                  </a:schemeClr>
-                </a:solidFill>
-                <a:latin typeface="+mn-lt"/>
-                <a:ea typeface="+mn-ea"/>
-                <a:cs typeface="+mn-cs"/>
-              </a:defRPr>
-            </a:lvl8pPr>
-            <a:lvl9pPr marL="3886200" indent="-228600" algn="l" defTabSz="457200" rtl="0" eaLnBrk="1" latinLnBrk="0" hangingPunct="1">
-              <a:spcBef>
-                <a:spcPts val="1000"/>
-              </a:spcBef>
-              <a:spcAft>
-                <a:spcPts val="0"/>
-              </a:spcAft>
-              <a:buClr>
-                <a:schemeClr val="accent1"/>
-              </a:buClr>
-              <a:buSzPct val="80000"/>
-              <a:buFont typeface="Wingdings 3" charset="2"/>
-              <a:buChar char=""/>
-              <a:defRPr sz="1200" kern="1200">
-                <a:solidFill>
-                  <a:schemeClr val="tx1">
-                    <a:lumMod val="75000"/>
-                    <a:lumOff val="25000"/>
-                  </a:schemeClr>
-                </a:solidFill>
-                <a:latin typeface="+mn-lt"/>
-                <a:ea typeface="+mn-ea"/>
-                <a:cs typeface="+mn-cs"/>
-              </a:defRPr>
-            </a:lvl9pPr>
-          </a:lstStyle>
-          <a:p>
-            <a:r>
-              <a:rPr lang="en-US" sz="3800" dirty="0">
-                <a:latin typeface="Calibri" panose="020F0502020204030204" pitchFamily="34" charset="0"/>
-                <a:cs typeface="Calibri" panose="020F0502020204030204" pitchFamily="34" charset="0"/>
-              </a:rPr>
-              <a:t>This measure takes into account important factors like patient age and health status</a:t>
-            </a:r>
-          </a:p>
-          <a:p>
-            <a:endParaRPr lang="en-US" sz="3800" dirty="0">
-              <a:latin typeface="Calibri" panose="020F0502020204030204" pitchFamily="34" charset="0"/>
-              <a:cs typeface="Calibri" panose="020F0502020204030204" pitchFamily="34" charset="0"/>
-            </a:endParaRPr>
-          </a:p>
-          <a:p>
-            <a:r>
-              <a:rPr lang="en-US" sz="3800" dirty="0">
-                <a:latin typeface="Calibri" panose="020F0502020204030204" pitchFamily="34" charset="0"/>
-                <a:cs typeface="Calibri" panose="020F0502020204030204" pitchFamily="34" charset="0"/>
-              </a:rPr>
-              <a:t>Based on the average score per county:</a:t>
-            </a:r>
-          </a:p>
-          <a:p>
-            <a:pPr marL="457200" lvl="1" indent="0">
-              <a:buNone/>
-            </a:pPr>
-            <a:r>
-              <a:rPr lang="en-US" sz="3800" dirty="0">
-                <a:latin typeface="Calibri" panose="020F0502020204030204" pitchFamily="34" charset="0"/>
-                <a:cs typeface="Calibri" panose="020F0502020204030204" pitchFamily="34" charset="0"/>
-              </a:rPr>
-              <a:t>Johnson County spends more</a:t>
-            </a:r>
-          </a:p>
-          <a:p>
-            <a:pPr marL="0" indent="0">
-              <a:buNone/>
-            </a:pPr>
-            <a:r>
-              <a:rPr lang="en-US" dirty="0"/>
-              <a:t>	</a:t>
-            </a:r>
-            <a:endParaRPr lang="en-US" sz="6400" dirty="0"/>
-          </a:p>
-          <a:p>
-            <a:pPr marL="0" indent="0">
-              <a:buNone/>
-            </a:pPr>
-            <a:endParaRPr lang="en-US" sz="9600" dirty="0"/>
+          <a:lstStyle/>
+          <a:p>
+            <a:pPr algn="ctr"/>
+            <a:r>
+              <a:rPr lang="en-US" sz="2400" dirty="0"/>
+              <a:t>Are the hospitals within range of their estimates?</a:t>
+            </a:r>
           </a:p>
         </p:txBody>
       </p:sp>
     </p:spTree>
     <p:extLst>
       <p:ext uri="{BB962C8B-B14F-4D97-AF65-F5344CB8AC3E}">
-        <p14:creationId xmlns:p14="http://schemas.microsoft.com/office/powerpoint/2010/main" val="2635635244"/>
+        <p14:creationId xmlns:p14="http://schemas.microsoft.com/office/powerpoint/2010/main" val="4212695331"/>
       </p:ext>
     </p:extLst>
   </p:cSld>

--- a/SnakeBitePresentation.pptx
+++ b/SnakeBitePresentation.pptx
@@ -1065,14 +1065,17 @@
       </dgm:t>
     </dgm:pt>
     <dgm:pt modelId="{E9AFEF91-620B-4872-ACAC-7FFD664C9A95}">
-      <dgm:prSet/>
+      <dgm:prSet custT="1"/>
       <dgm:spPr/>
       <dgm:t>
         <a:bodyPr/>
         <a:lstStyle/>
         <a:p>
           <a:r>
-            <a:rPr lang="en-US" dirty="0"/>
+            <a:rPr lang="en-US" sz="2400" b="1" dirty="0">
+              <a:latin typeface="Calibri" panose="020F0502020204030204" pitchFamily="34" charset="0"/>
+              <a:cs typeface="Calibri" panose="020F0502020204030204" pitchFamily="34" charset="0"/>
+            </a:rPr>
             <a:t>Based on the data, Medicare is directly related to the income.</a:t>
           </a:r>
         </a:p>
@@ -1101,14 +1104,17 @@
       </dgm:t>
     </dgm:pt>
     <dgm:pt modelId="{59A516C3-62C0-4A2D-9254-56B95449808B}">
-      <dgm:prSet/>
+      <dgm:prSet custT="1"/>
       <dgm:spPr/>
       <dgm:t>
         <a:bodyPr/>
         <a:lstStyle/>
         <a:p>
           <a:r>
-            <a:rPr lang="en-US"/>
+            <a:rPr lang="en-US" sz="2400" b="1" dirty="0">
+              <a:latin typeface="Calibri" panose="020F0502020204030204" pitchFamily="34" charset="0"/>
+              <a:cs typeface="Calibri" panose="020F0502020204030204" pitchFamily="34" charset="0"/>
+            </a:rPr>
             <a:t>CMS.gov files are difficult to work with</a:t>
           </a:r>
         </a:p>
@@ -1137,14 +1143,17 @@
       </dgm:t>
     </dgm:pt>
     <dgm:pt modelId="{7CCAA74A-13BD-42B5-884E-88C284BE31E0}">
-      <dgm:prSet/>
+      <dgm:prSet custT="1"/>
       <dgm:spPr/>
       <dgm:t>
         <a:bodyPr/>
         <a:lstStyle/>
         <a:p>
           <a:r>
-            <a:rPr lang="en-US"/>
+            <a:rPr lang="en-US" sz="2400" b="1" dirty="0">
+              <a:latin typeface="Calibri" panose="020F0502020204030204" pitchFamily="34" charset="0"/>
+              <a:cs typeface="Calibri" panose="020F0502020204030204" pitchFamily="34" charset="0"/>
+            </a:rPr>
             <a:t>There is a correlation between data recorded and Medicare money spent</a:t>
           </a:r>
         </a:p>
@@ -1180,7 +1189,10 @@
         <a:lstStyle/>
         <a:p>
           <a:r>
-            <a:rPr lang="en-US" dirty="0"/>
+            <a:rPr lang="en-US" b="1" dirty="0">
+              <a:latin typeface="Calibri" panose="020F0502020204030204" pitchFamily="34" charset="0"/>
+              <a:cs typeface="Calibri" panose="020F0502020204030204" pitchFamily="34" charset="0"/>
+            </a:rPr>
             <a:t>Medicare outcomes differ by county </a:t>
           </a:r>
         </a:p>
@@ -1215,8 +1227,12 @@
         <a:bodyPr/>
         <a:lstStyle/>
         <a:p>
+          <a:pPr>
+            <a:buFontTx/>
+            <a:buNone/>
+          </a:pPr>
           <a:r>
-            <a:rPr lang="en-US" sz="1250" b="1" dirty="0">
+            <a:rPr lang="en-US" sz="1400" b="1" dirty="0">
               <a:solidFill>
                 <a:schemeClr val="tx1"/>
               </a:solidFill>
@@ -1255,8 +1271,12 @@
         <a:bodyPr/>
         <a:lstStyle/>
         <a:p>
+          <a:pPr>
+            <a:buFontTx/>
+            <a:buNone/>
+          </a:pPr>
           <a:r>
-            <a:rPr lang="en-US" sz="1250" b="1" dirty="0">
+            <a:rPr lang="en-US" sz="1400" b="1" dirty="0">
               <a:solidFill>
                 <a:schemeClr val="tx1"/>
               </a:solidFill>
@@ -1295,8 +1315,12 @@
         <a:bodyPr/>
         <a:lstStyle/>
         <a:p>
+          <a:pPr>
+            <a:buFontTx/>
+            <a:buNone/>
+          </a:pPr>
           <a:r>
-            <a:rPr lang="en-US" sz="1250" b="1" dirty="0">
+            <a:rPr lang="en-US" sz="1400" b="1" dirty="0">
               <a:solidFill>
                 <a:schemeClr val="tx1"/>
               </a:solidFill>
@@ -1335,8 +1359,12 @@
         <a:bodyPr/>
         <a:lstStyle/>
         <a:p>
+          <a:pPr>
+            <a:buFontTx/>
+            <a:buNone/>
+          </a:pPr>
           <a:r>
-            <a:rPr lang="en-US" sz="1250" b="1" dirty="0">
+            <a:rPr lang="en-US" sz="1400" b="1" dirty="0">
               <a:solidFill>
                 <a:schemeClr val="tx1"/>
               </a:solidFill>
@@ -1439,7 +1467,7 @@
       <dgm:spPr/>
     </dgm:pt>
     <dgm:pt modelId="{6578F7A6-F0E1-4196-805D-8FE1640FFA2B}" type="pres">
-      <dgm:prSet presAssocID="{59A516C3-62C0-4A2D-9254-56B95449808B}" presName="iconRect" presStyleLbl="node1" presStyleIdx="1" presStyleCnt="4"/>
+      <dgm:prSet presAssocID="{59A516C3-62C0-4A2D-9254-56B95449808B}" presName="iconRect" presStyleLbl="node1" presStyleIdx="1" presStyleCnt="4" custLinFactNeighborX="8954" custLinFactNeighborY="-1861"/>
       <dgm:spPr>
         <a:blipFill>
           <a:blip xmlns:r="http://schemas.openxmlformats.org/officeDocument/2006/relationships" r:embed="rId3">
@@ -1452,6 +1480,7 @@
               </a:ext>
             </a:extLst>
           </a:blip>
+          <a:srcRect/>
           <a:stretch>
             <a:fillRect/>
           </a:stretch>
@@ -1462,7 +1491,7 @@
       </dgm:spPr>
       <dgm:extLst>
         <a:ext uri="{E40237B7-FDA0-4F09-8148-C483321AD2D9}">
-          <dgm14:cNvPr xmlns:dgm14="http://schemas.microsoft.com/office/drawing/2010/diagram" id="0" name="" descr="Presentation with Checklist"/>
+          <dgm14:cNvPr xmlns:dgm14="http://schemas.microsoft.com/office/drawing/2010/diagram" id="0" name="" descr="Open folder"/>
         </a:ext>
       </dgm:extLst>
     </dgm:pt>
@@ -1577,7 +1606,7 @@
       <dgm:spPr/>
     </dgm:pt>
     <dgm:pt modelId="{B76825D7-31E9-4104-A018-0EFF3EF5AABE}" type="pres">
-      <dgm:prSet presAssocID="{F1D8F2D3-3B8E-4017-BE7D-D22D32A53814}" presName="parTx" presStyleLbl="revTx" presStyleIdx="3" presStyleCnt="5">
+      <dgm:prSet presAssocID="{F1D8F2D3-3B8E-4017-BE7D-D22D32A53814}" presName="parTx" presStyleLbl="revTx" presStyleIdx="3" presStyleCnt="5" custLinFactNeighborX="-6136" custLinFactNeighborY="-319">
         <dgm:presLayoutVars>
           <dgm:chMax val="0"/>
           <dgm:chPref val="0"/>
@@ -1586,7 +1615,7 @@
       <dgm:spPr/>
     </dgm:pt>
     <dgm:pt modelId="{30EFB9CE-90CD-4B9C-8948-1584EBF17DD2}" type="pres">
-      <dgm:prSet presAssocID="{F1D8F2D3-3B8E-4017-BE7D-D22D32A53814}" presName="desTx" presStyleLbl="revTx" presStyleIdx="4" presStyleCnt="5">
+      <dgm:prSet presAssocID="{F1D8F2D3-3B8E-4017-BE7D-D22D32A53814}" presName="desTx" presStyleLbl="revTx" presStyleIdx="4" presStyleCnt="5" custScaleX="124132" custLinFactNeighborX="-3970" custLinFactNeighborY="9814">
         <dgm:presLayoutVars/>
       </dgm:prSet>
       <dgm:spPr/>
@@ -1660,8 +1689,8 @@
       </dsp:nvSpPr>
       <dsp:spPr>
         <a:xfrm>
-          <a:off x="0" y="0"/>
-          <a:ext cx="10943827" cy="1257929"/>
+          <a:off x="-274060" y="0"/>
+          <a:ext cx="10943827" cy="1255474"/>
         </a:xfrm>
         <a:prstGeom prst="roundRect">
           <a:avLst>
@@ -1707,8 +1736,8 @@
       </dsp:nvSpPr>
       <dsp:spPr>
         <a:xfrm>
-          <a:off x="380523" y="288439"/>
-          <a:ext cx="691861" cy="691861"/>
+          <a:off x="105720" y="293718"/>
+          <a:ext cx="690510" cy="690510"/>
         </a:xfrm>
         <a:prstGeom prst="rect">
           <a:avLst/>
@@ -1761,8 +1790,8 @@
       </dsp:nvSpPr>
       <dsp:spPr>
         <a:xfrm>
-          <a:off x="1452908" y="5404"/>
-          <a:ext cx="9489498" cy="1257929"/>
+          <a:off x="1176012" y="11237"/>
+          <a:ext cx="9490919" cy="1255474"/>
         </a:xfrm>
         <a:prstGeom prst="rect">
           <a:avLst/>
@@ -1786,12 +1815,12 @@
         <a:fontRef idx="minor"/>
       </dsp:style>
       <dsp:txBody>
-        <a:bodyPr spcFirstLastPara="0" vert="horz" wrap="square" lIns="133131" tIns="133131" rIns="133131" bIns="133131" numCol="1" spcCol="1270" anchor="ctr" anchorCtr="0">
+        <a:bodyPr spcFirstLastPara="0" vert="horz" wrap="square" lIns="132871" tIns="132871" rIns="132871" bIns="132871" numCol="1" spcCol="1270" anchor="ctr" anchorCtr="0">
           <a:noAutofit/>
         </a:bodyPr>
         <a:lstStyle/>
         <a:p>
-          <a:pPr marL="0" lvl="0" indent="0" algn="l" defTabSz="977900">
+          <a:pPr marL="0" lvl="0" indent="0" algn="l" defTabSz="1066800">
             <a:lnSpc>
               <a:spcPct val="90000"/>
             </a:lnSpc>
@@ -1804,14 +1833,17 @@
             <a:buNone/>
           </a:pPr>
           <a:r>
-            <a:rPr lang="en-US" sz="2200" kern="1200" dirty="0"/>
+            <a:rPr lang="en-US" sz="2400" b="1" kern="1200" dirty="0">
+              <a:latin typeface="Calibri" panose="020F0502020204030204" pitchFamily="34" charset="0"/>
+              <a:cs typeface="Calibri" panose="020F0502020204030204" pitchFamily="34" charset="0"/>
+            </a:rPr>
             <a:t>Based on the data, Medicare is directly related to the income.</a:t>
           </a:r>
         </a:p>
       </dsp:txBody>
       <dsp:txXfrm>
-        <a:off x="1452908" y="5404"/>
-        <a:ext cx="9489498" cy="1257929"/>
+        <a:off x="1176012" y="11237"/>
+        <a:ext cx="9490919" cy="1255474"/>
       </dsp:txXfrm>
     </dsp:sp>
     <dsp:sp modelId="{94949991-9623-456B-8C73-F98A1E32B72D}">
@@ -1821,8 +1853,8 @@
       </dsp:nvSpPr>
       <dsp:spPr>
         <a:xfrm>
-          <a:off x="0" y="1577817"/>
-          <a:ext cx="10943827" cy="1257929"/>
+          <a:off x="-274060" y="1580579"/>
+          <a:ext cx="10943827" cy="1255474"/>
         </a:xfrm>
         <a:prstGeom prst="roundRect">
           <a:avLst>
@@ -1868,8 +1900,8 @@
       </dsp:nvSpPr>
       <dsp:spPr>
         <a:xfrm>
-          <a:off x="380523" y="1860851"/>
-          <a:ext cx="691861" cy="691861"/>
+          <a:off x="167548" y="1850210"/>
+          <a:ext cx="690510" cy="690510"/>
         </a:xfrm>
         <a:prstGeom prst="rect">
           <a:avLst/>
@@ -1885,6 +1917,7 @@
               </a:ext>
             </a:extLst>
           </a:blip>
+          <a:srcRect/>
           <a:stretch>
             <a:fillRect/>
           </a:stretch>
@@ -1922,8 +1955,8 @@
       </dsp:nvSpPr>
       <dsp:spPr>
         <a:xfrm>
-          <a:off x="1452908" y="1577817"/>
-          <a:ext cx="9489498" cy="1257929"/>
+          <a:off x="1176012" y="1580579"/>
+          <a:ext cx="9490919" cy="1255474"/>
         </a:xfrm>
         <a:prstGeom prst="rect">
           <a:avLst/>
@@ -1947,12 +1980,12 @@
         <a:fontRef idx="minor"/>
       </dsp:style>
       <dsp:txBody>
-        <a:bodyPr spcFirstLastPara="0" vert="horz" wrap="square" lIns="133131" tIns="133131" rIns="133131" bIns="133131" numCol="1" spcCol="1270" anchor="ctr" anchorCtr="0">
+        <a:bodyPr spcFirstLastPara="0" vert="horz" wrap="square" lIns="132871" tIns="132871" rIns="132871" bIns="132871" numCol="1" spcCol="1270" anchor="ctr" anchorCtr="0">
           <a:noAutofit/>
         </a:bodyPr>
         <a:lstStyle/>
         <a:p>
-          <a:pPr marL="0" lvl="0" indent="0" algn="l" defTabSz="977900">
+          <a:pPr marL="0" lvl="0" indent="0" algn="l" defTabSz="1066800">
             <a:lnSpc>
               <a:spcPct val="90000"/>
             </a:lnSpc>
@@ -1965,14 +1998,17 @@
             <a:buNone/>
           </a:pPr>
           <a:r>
-            <a:rPr lang="en-US" sz="2200" kern="1200"/>
+            <a:rPr lang="en-US" sz="2400" b="1" kern="1200" dirty="0">
+              <a:latin typeface="Calibri" panose="020F0502020204030204" pitchFamily="34" charset="0"/>
+              <a:cs typeface="Calibri" panose="020F0502020204030204" pitchFamily="34" charset="0"/>
+            </a:rPr>
             <a:t>CMS.gov files are difficult to work with</a:t>
           </a:r>
         </a:p>
       </dsp:txBody>
       <dsp:txXfrm>
-        <a:off x="1452908" y="1577817"/>
-        <a:ext cx="9489498" cy="1257929"/>
+        <a:off x="1176012" y="1580579"/>
+        <a:ext cx="9490919" cy="1255474"/>
       </dsp:txXfrm>
     </dsp:sp>
     <dsp:sp modelId="{475ED2E2-34F2-49E5-A1ED-CA9E3DDE890C}">
@@ -1982,8 +2018,8 @@
       </dsp:nvSpPr>
       <dsp:spPr>
         <a:xfrm>
-          <a:off x="0" y="3150229"/>
-          <a:ext cx="10943827" cy="1257929"/>
+          <a:off x="-274060" y="3149922"/>
+          <a:ext cx="10943827" cy="1255474"/>
         </a:xfrm>
         <a:prstGeom prst="roundRect">
           <a:avLst>
@@ -2029,8 +2065,8 @@
       </dsp:nvSpPr>
       <dsp:spPr>
         <a:xfrm>
-          <a:off x="380523" y="3433263"/>
-          <a:ext cx="691861" cy="691861"/>
+          <a:off x="105720" y="3432403"/>
+          <a:ext cx="690510" cy="690510"/>
         </a:xfrm>
         <a:prstGeom prst="rect">
           <a:avLst/>
@@ -2083,8 +2119,8 @@
       </dsp:nvSpPr>
       <dsp:spPr>
         <a:xfrm>
-          <a:off x="1452908" y="3150229"/>
-          <a:ext cx="9489498" cy="1257929"/>
+          <a:off x="1176012" y="3149922"/>
+          <a:ext cx="9490919" cy="1255474"/>
         </a:xfrm>
         <a:prstGeom prst="rect">
           <a:avLst/>
@@ -2108,12 +2144,12 @@
         <a:fontRef idx="minor"/>
       </dsp:style>
       <dsp:txBody>
-        <a:bodyPr spcFirstLastPara="0" vert="horz" wrap="square" lIns="133131" tIns="133131" rIns="133131" bIns="133131" numCol="1" spcCol="1270" anchor="ctr" anchorCtr="0">
+        <a:bodyPr spcFirstLastPara="0" vert="horz" wrap="square" lIns="132871" tIns="132871" rIns="132871" bIns="132871" numCol="1" spcCol="1270" anchor="ctr" anchorCtr="0">
           <a:noAutofit/>
         </a:bodyPr>
         <a:lstStyle/>
         <a:p>
-          <a:pPr marL="0" lvl="0" indent="0" algn="l" defTabSz="977900">
+          <a:pPr marL="0" lvl="0" indent="0" algn="l" defTabSz="1066800">
             <a:lnSpc>
               <a:spcPct val="90000"/>
             </a:lnSpc>
@@ -2126,14 +2162,17 @@
             <a:buNone/>
           </a:pPr>
           <a:r>
-            <a:rPr lang="en-US" sz="2200" kern="1200"/>
+            <a:rPr lang="en-US" sz="2400" b="1" kern="1200" dirty="0">
+              <a:latin typeface="Calibri" panose="020F0502020204030204" pitchFamily="34" charset="0"/>
+              <a:cs typeface="Calibri" panose="020F0502020204030204" pitchFamily="34" charset="0"/>
+            </a:rPr>
             <a:t>There is a correlation between data recorded and Medicare money spent</a:t>
           </a:r>
         </a:p>
       </dsp:txBody>
       <dsp:txXfrm>
-        <a:off x="1452908" y="3150229"/>
-        <a:ext cx="9489498" cy="1257929"/>
+        <a:off x="1176012" y="3149922"/>
+        <a:ext cx="9490919" cy="1255474"/>
       </dsp:txXfrm>
     </dsp:sp>
     <dsp:sp modelId="{8DEF4D95-1F35-4ADD-8793-04BEE11C3D2E}">
@@ -2143,8 +2182,8 @@
       </dsp:nvSpPr>
       <dsp:spPr>
         <a:xfrm>
-          <a:off x="0" y="4722641"/>
-          <a:ext cx="10943827" cy="1257929"/>
+          <a:off x="-274060" y="4719264"/>
+          <a:ext cx="10943827" cy="1255474"/>
         </a:xfrm>
         <a:prstGeom prst="roundRect">
           <a:avLst>
@@ -2190,8 +2229,8 @@
       </dsp:nvSpPr>
       <dsp:spPr>
         <a:xfrm>
-          <a:off x="380523" y="5005675"/>
-          <a:ext cx="691861" cy="691861"/>
+          <a:off x="105720" y="5001746"/>
+          <a:ext cx="690510" cy="690510"/>
         </a:xfrm>
         <a:prstGeom prst="rect">
           <a:avLst/>
@@ -2244,8 +2283,8 @@
       </dsp:nvSpPr>
       <dsp:spPr>
         <a:xfrm>
-          <a:off x="1452908" y="4722641"/>
-          <a:ext cx="4924722" cy="1257929"/>
+          <a:off x="873831" y="4715259"/>
+          <a:ext cx="4924722" cy="1255474"/>
         </a:xfrm>
         <a:prstGeom prst="rect">
           <a:avLst/>
@@ -2269,7 +2308,7 @@
         <a:fontRef idx="minor"/>
       </dsp:style>
       <dsp:txBody>
-        <a:bodyPr spcFirstLastPara="0" vert="horz" wrap="square" lIns="133131" tIns="133131" rIns="133131" bIns="133131" numCol="1" spcCol="1270" anchor="ctr" anchorCtr="0">
+        <a:bodyPr spcFirstLastPara="0" vert="horz" wrap="square" lIns="132871" tIns="132871" rIns="132871" bIns="132871" numCol="1" spcCol="1270" anchor="ctr" anchorCtr="0">
           <a:noAutofit/>
         </a:bodyPr>
         <a:lstStyle/>
@@ -2287,14 +2326,17 @@
             <a:buNone/>
           </a:pPr>
           <a:r>
-            <a:rPr lang="en-US" sz="2200" kern="1200" dirty="0"/>
+            <a:rPr lang="en-US" sz="2200" b="1" kern="1200" dirty="0">
+              <a:latin typeface="Calibri" panose="020F0502020204030204" pitchFamily="34" charset="0"/>
+              <a:cs typeface="Calibri" panose="020F0502020204030204" pitchFamily="34" charset="0"/>
+            </a:rPr>
             <a:t>Medicare outcomes differ by county </a:t>
           </a:r>
         </a:p>
       </dsp:txBody>
       <dsp:txXfrm>
-        <a:off x="1452908" y="4722641"/>
-        <a:ext cx="4924722" cy="1257929"/>
+        <a:off x="873831" y="4715259"/>
+        <a:ext cx="4924722" cy="1255474"/>
       </dsp:txXfrm>
     </dsp:sp>
     <dsp:sp modelId="{30EFB9CE-90CD-4B9C-8948-1584EBF17DD2}">
@@ -2304,8 +2346,8 @@
       </dsp:nvSpPr>
       <dsp:spPr>
         <a:xfrm>
-          <a:off x="6377631" y="4722641"/>
-          <a:ext cx="4564776" cy="1257929"/>
+          <a:off x="5368499" y="4730501"/>
+          <a:ext cx="5668111" cy="1255474"/>
         </a:xfrm>
         <a:prstGeom prst="rect">
           <a:avLst/>
@@ -2329,12 +2371,12 @@
         <a:fontRef idx="minor"/>
       </dsp:style>
       <dsp:txBody>
-        <a:bodyPr spcFirstLastPara="0" vert="horz" wrap="square" lIns="133131" tIns="133131" rIns="133131" bIns="133131" numCol="1" spcCol="1270" anchor="ctr" anchorCtr="0">
+        <a:bodyPr spcFirstLastPara="0" vert="horz" wrap="square" lIns="132871" tIns="132871" rIns="132871" bIns="132871" numCol="1" spcCol="1270" anchor="ctr" anchorCtr="0">
           <a:noAutofit/>
         </a:bodyPr>
         <a:lstStyle/>
         <a:p>
-          <a:pPr marL="0" lvl="0" indent="0" algn="l" defTabSz="555625">
+          <a:pPr marL="0" lvl="0" indent="0" algn="l" defTabSz="622300">
             <a:lnSpc>
               <a:spcPct val="90000"/>
             </a:lnSpc>
@@ -2344,10 +2386,11 @@
             <a:spcAft>
               <a:spcPct val="35000"/>
             </a:spcAft>
+            <a:buFontTx/>
             <a:buNone/>
           </a:pPr>
           <a:r>
-            <a:rPr lang="en-US" sz="1250" b="1" kern="1200" dirty="0">
+            <a:rPr lang="en-US" sz="1400" b="1" kern="1200" dirty="0">
               <a:solidFill>
                 <a:schemeClr val="tx1"/>
               </a:solidFill>
@@ -2356,7 +2399,7 @@
           </a:r>
         </a:p>
         <a:p>
-          <a:pPr marL="0" lvl="0" indent="0" algn="l" defTabSz="555625">
+          <a:pPr marL="0" lvl="0" indent="0" algn="l" defTabSz="622300">
             <a:lnSpc>
               <a:spcPct val="90000"/>
             </a:lnSpc>
@@ -2366,10 +2409,11 @@
             <a:spcAft>
               <a:spcPct val="35000"/>
             </a:spcAft>
+            <a:buFontTx/>
             <a:buNone/>
           </a:pPr>
           <a:r>
-            <a:rPr lang="en-US" sz="1250" b="1" kern="1200" dirty="0">
+            <a:rPr lang="en-US" sz="1400" b="1" kern="1200" dirty="0">
               <a:solidFill>
                 <a:schemeClr val="tx1"/>
               </a:solidFill>
@@ -2378,7 +2422,7 @@
           </a:r>
         </a:p>
         <a:p>
-          <a:pPr marL="0" lvl="0" indent="0" algn="l" defTabSz="555625">
+          <a:pPr marL="0" lvl="0" indent="0" algn="l" defTabSz="622300">
             <a:lnSpc>
               <a:spcPct val="90000"/>
             </a:lnSpc>
@@ -2388,10 +2432,11 @@
             <a:spcAft>
               <a:spcPct val="35000"/>
             </a:spcAft>
+            <a:buFontTx/>
             <a:buNone/>
           </a:pPr>
           <a:r>
-            <a:rPr lang="en-US" sz="1250" b="1" kern="1200" dirty="0">
+            <a:rPr lang="en-US" sz="1400" b="1" kern="1200" dirty="0">
               <a:solidFill>
                 <a:schemeClr val="tx1"/>
               </a:solidFill>
@@ -2400,7 +2445,7 @@
           </a:r>
         </a:p>
         <a:p>
-          <a:pPr marL="0" lvl="0" indent="0" algn="l" defTabSz="555625">
+          <a:pPr marL="0" lvl="0" indent="0" algn="l" defTabSz="622300">
             <a:lnSpc>
               <a:spcPct val="90000"/>
             </a:lnSpc>
@@ -2410,10 +2455,11 @@
             <a:spcAft>
               <a:spcPct val="35000"/>
             </a:spcAft>
+            <a:buFontTx/>
             <a:buNone/>
           </a:pPr>
           <a:r>
-            <a:rPr lang="en-US" sz="1250" b="1" kern="1200" dirty="0">
+            <a:rPr lang="en-US" sz="1400" b="1" kern="1200" dirty="0">
               <a:solidFill>
                 <a:schemeClr val="tx1"/>
               </a:solidFill>
@@ -2423,8 +2469,8 @@
         </a:p>
       </dsp:txBody>
       <dsp:txXfrm>
-        <a:off x="6377631" y="4722641"/>
-        <a:ext cx="4564776" cy="1257929"/>
+        <a:off x="5368499" y="4730501"/>
+        <a:ext cx="5668111" cy="1255474"/>
       </dsp:txXfrm>
     </dsp:sp>
   </dsp:spTree>
@@ -11195,7 +11241,7 @@
         </p:nvSpPr>
         <p:spPr>
           <a:xfrm>
-            <a:off x="1152089" y="1230516"/>
+            <a:off x="1121609" y="1621436"/>
             <a:ext cx="6439042" cy="3871907"/>
           </a:xfrm>
         </p:spPr>
@@ -11205,12 +11251,38 @@
           </a:bodyPr>
           <a:lstStyle/>
           <a:p>
+            <a:pPr>
+              <a:lnSpc>
+                <a:spcPct val="110000"/>
+              </a:lnSpc>
+              <a:spcBef>
+                <a:spcPts val="0"/>
+              </a:spcBef>
+            </a:pPr>
             <a:r>
               <a:rPr lang="en-US" b="1" dirty="0">
                 <a:latin typeface="Calibri" panose="020F0502020204030204" pitchFamily="34" charset="0"/>
                 <a:cs typeface="Calibri" panose="020F0502020204030204" pitchFamily="34" charset="0"/>
               </a:rPr>
               <a:t>Overall Rank</a:t>
+            </a:r>
+          </a:p>
+          <a:p>
+            <a:pPr marL="0" indent="0">
+              <a:lnSpc>
+                <a:spcPct val="110000"/>
+              </a:lnSpc>
+              <a:spcBef>
+                <a:spcPts val="0"/>
+              </a:spcBef>
+              <a:buNone/>
+            </a:pPr>
+            <a:r>
+              <a:rPr lang="en-US" dirty="0">
+                <a:latin typeface="Calibri" panose="020F0502020204030204" pitchFamily="34" charset="0"/>
+                <a:cs typeface="Calibri" panose="020F0502020204030204" pitchFamily="34" charset="0"/>
+              </a:rPr>
+              <a:t>	50 States and the District of Columbia</a:t>
             </a:r>
           </a:p>
           <a:p>
@@ -11275,15 +11347,6 @@
               </a:rPr>
               <a:t>Adults who went without care because of cost</a:t>
             </a:r>
-          </a:p>
-          <a:p>
-            <a:pPr marL="457200" lvl="1" indent="0">
-              <a:buNone/>
-            </a:pPr>
-            <a:endParaRPr lang="en-US" sz="1800" dirty="0">
-              <a:latin typeface="Calibri" panose="020F0502020204030204" pitchFamily="34" charset="0"/>
-              <a:cs typeface="Calibri" panose="020F0502020204030204" pitchFamily="34" charset="0"/>
-            </a:endParaRPr>
           </a:p>
           <a:p>
             <a:r>
@@ -11399,8 +11462,8 @@
         </p:nvSpPr>
         <p:spPr>
           <a:xfrm>
-            <a:off x="6318007" y="1225616"/>
-            <a:ext cx="5991479" cy="3534525"/>
+            <a:off x="6318007" y="1634933"/>
+            <a:ext cx="5991479" cy="2553904"/>
           </a:xfrm>
           <a:prstGeom prst="rect">
             <a:avLst/>
@@ -11408,7 +11471,7 @@
         </p:spPr>
         <p:txBody>
           <a:bodyPr vert="horz" lIns="91440" tIns="45720" rIns="91440" bIns="45720" rtlCol="0">
-            <a:normAutofit/>
+            <a:normAutofit lnSpcReduction="10000"/>
           </a:bodyPr>
           <a:lstStyle>
             <a:lvl1pPr marL="342900" indent="-342900" algn="l" defTabSz="457200" rtl="0" eaLnBrk="1" latinLnBrk="0" hangingPunct="1">
@@ -11707,12 +11770,6 @@
             </a:r>
           </a:p>
           <a:p>
-            <a:endParaRPr lang="en-US" dirty="0">
-              <a:latin typeface="Calibri" panose="020F0502020204030204" pitchFamily="34" charset="0"/>
-              <a:cs typeface="Calibri" panose="020F0502020204030204" pitchFamily="34" charset="0"/>
-            </a:endParaRPr>
-          </a:p>
-          <a:p>
             <a:r>
               <a:rPr lang="en-US" b="1" dirty="0">
                 <a:latin typeface="Calibri" panose="020F0502020204030204" pitchFamily="34" charset="0"/>
@@ -11797,7 +11854,7 @@
         </p:nvSpPr>
         <p:spPr>
           <a:xfrm>
-            <a:off x="3579130" y="5077968"/>
+            <a:off x="1121609" y="5262523"/>
             <a:ext cx="5786680" cy="1780032"/>
           </a:xfrm>
           <a:prstGeom prst="rect">
@@ -12417,13 +12474,13 @@
             <p:ph idx="1"/>
             <p:extLst>
               <p:ext uri="{D42A27DB-BD31-4B8C-83A1-F6EECF244321}">
-                <p14:modId xmlns:p14="http://schemas.microsoft.com/office/powerpoint/2010/main" val="2806394208"/>
+                <p14:modId xmlns:p14="http://schemas.microsoft.com/office/powerpoint/2010/main" val="4020871953"/>
               </p:ext>
             </p:extLst>
           </p:nvPr>
         </p:nvGraphicFramePr>
         <p:xfrm>
-          <a:off x="931015" y="593125"/>
+          <a:off x="842597" y="637610"/>
           <a:ext cx="10943828" cy="5985976"/>
         </p:xfrm>
         <a:graphic>
@@ -13963,7 +14020,7 @@
         </p:nvSpPr>
         <p:spPr>
           <a:xfrm>
-            <a:off x="1066885" y="3776022"/>
+            <a:off x="1060499" y="4244914"/>
             <a:ext cx="4458394" cy="923330"/>
           </a:xfrm>
           <a:prstGeom prst="rect">
@@ -14017,7 +14074,7 @@
         </p:nvSpPr>
         <p:spPr>
           <a:xfrm>
-            <a:off x="6336857" y="3525911"/>
+            <a:off x="6260657" y="4089791"/>
             <a:ext cx="4646597" cy="923330"/>
           </a:xfrm>
           <a:prstGeom prst="rect">
@@ -14603,7 +14660,7 @@
         <p:spPr>
           <a:xfrm>
             <a:off x="1295400" y="981635"/>
-            <a:ext cx="8193755" cy="4585447"/>
+            <a:ext cx="8193755" cy="2447365"/>
           </a:xfrm>
         </p:spPr>
         <p:txBody>
@@ -14788,6 +14845,36 @@
           </a:p>
         </p:txBody>
       </p:sp>
+      <p:pic>
+        <p:nvPicPr>
+          <p:cNvPr id="4" name="Picture 3">
+            <a:extLst>
+              <a:ext uri="{FF2B5EF4-FFF2-40B4-BE49-F238E27FC236}">
+                <a16:creationId xmlns:a16="http://schemas.microsoft.com/office/drawing/2014/main" id="{2C1EADA2-1CA4-445B-876E-5DD395295A86}"/>
+              </a:ext>
+            </a:extLst>
+          </p:cNvPr>
+          <p:cNvPicPr>
+            <a:picLocks noChangeAspect="1"/>
+          </p:cNvPicPr>
+          <p:nvPr/>
+        </p:nvPicPr>
+        <p:blipFill>
+          <a:blip r:embed="rId2"/>
+          <a:stretch>
+            <a:fillRect/>
+          </a:stretch>
+        </p:blipFill>
+        <p:spPr>
+          <a:xfrm>
+            <a:off x="217526" y="3800491"/>
+            <a:ext cx="11353336" cy="2447365"/>
+          </a:xfrm>
+          <a:prstGeom prst="rect">
+            <a:avLst/>
+          </a:prstGeom>
+        </p:spPr>
+      </p:pic>
     </p:spTree>
     <p:extLst>
       <p:ext uri="{BB962C8B-B14F-4D97-AF65-F5344CB8AC3E}">
